--- a/pptFile/ppt.pptx
+++ b/pptFile/ppt.pptx
@@ -3025,140 +3025,66 @@
           </a:p>
         </p:txBody>
       </p:sp>
-      <p:sp>
-        <p:nvSpPr>
-          <p:cNvPr id="10" name="TextBox 9"/>
-          <p:cNvSpPr txBox="1"/>
+      <p:pic>
+        <p:nvPicPr>
+          <p:cNvPr id="3" name="그림 2"/>
+          <p:cNvPicPr>
+            <a:picLocks noChangeAspect="1"/>
+          </p:cNvPicPr>
           <p:nvPr/>
-        </p:nvSpPr>
+        </p:nvPicPr>
+        <p:blipFill>
+          <a:blip r:embed="rId2">
+            <a:extLst>
+              <a:ext uri="{28A0092B-C50C-407E-A947-70E740481C1C}">
+                <a14:useLocalDpi xmlns:a14="http://schemas.microsoft.com/office/drawing/2010/main" val="0"/>
+              </a:ext>
+            </a:extLst>
+          </a:blip>
+          <a:stretch>
+            <a:fillRect/>
+          </a:stretch>
+        </p:blipFill>
         <p:spPr>
           <a:xfrm>
-            <a:off x="7426337" y="4484663"/>
-            <a:ext cx="4246685" cy="369332"/>
+            <a:off x="753118" y="2624258"/>
+            <a:ext cx="7925487" cy="1609483"/>
           </a:xfrm>
           <a:prstGeom prst="rect">
             <a:avLst/>
           </a:prstGeom>
-          <a:noFill/>
         </p:spPr>
-        <p:txBody>
-          <a:bodyPr wrap="square" rtlCol="0">
-            <a:spAutoFit/>
-          </a:bodyPr>
-          <a:lstStyle/>
-          <a:p>
-            <a:r>
-              <a:rPr lang="ko-KR" altLang="en-US" dirty="0" smtClean="0">
-                <a:solidFill>
-                  <a:schemeClr val="bg1"/>
-                </a:solidFill>
-                <a:latin typeface="나눔스퀘어_ac Bold" panose="020B0600000101010101" pitchFamily="50" charset="-127"/>
-                <a:ea typeface="나눔스퀘어_ac Bold" panose="020B0600000101010101" pitchFamily="50" charset="-127"/>
-              </a:rPr>
-              <a:t>김태오 </a:t>
-            </a:r>
-            <a:r>
-              <a:rPr lang="ko-KR" altLang="en-US" dirty="0" err="1" smtClean="0">
-                <a:solidFill>
-                  <a:schemeClr val="bg1"/>
-                </a:solidFill>
-                <a:latin typeface="나눔스퀘어_ac Bold" panose="020B0600000101010101" pitchFamily="50" charset="-127"/>
-                <a:ea typeface="나눔스퀘어_ac Bold" panose="020B0600000101010101" pitchFamily="50" charset="-127"/>
-              </a:rPr>
-              <a:t>한지완</a:t>
-            </a:r>
-            <a:r>
-              <a:rPr lang="ko-KR" altLang="en-US" dirty="0" smtClean="0">
-                <a:solidFill>
-                  <a:schemeClr val="bg1"/>
-                </a:solidFill>
-                <a:latin typeface="나눔스퀘어_ac Bold" panose="020B0600000101010101" pitchFamily="50" charset="-127"/>
-                <a:ea typeface="나눔스퀘어_ac Bold" panose="020B0600000101010101" pitchFamily="50" charset="-127"/>
-              </a:rPr>
-              <a:t> 이지민 </a:t>
-            </a:r>
-            <a:r>
-              <a:rPr lang="ko-KR" altLang="en-US" dirty="0" err="1" smtClean="0">
-                <a:solidFill>
-                  <a:schemeClr val="bg1"/>
-                </a:solidFill>
-                <a:latin typeface="나눔스퀘어_ac Bold" panose="020B0600000101010101" pitchFamily="50" charset="-127"/>
-                <a:ea typeface="나눔스퀘어_ac Bold" panose="020B0600000101010101" pitchFamily="50" charset="-127"/>
-              </a:rPr>
-              <a:t>전도권</a:t>
-            </a:r>
-            <a:r>
-              <a:rPr lang="ko-KR" altLang="en-US" dirty="0" smtClean="0">
-                <a:solidFill>
-                  <a:schemeClr val="bg1"/>
-                </a:solidFill>
-                <a:latin typeface="나눔스퀘어_ac Bold" panose="020B0600000101010101" pitchFamily="50" charset="-127"/>
-                <a:ea typeface="나눔스퀘어_ac Bold" panose="020B0600000101010101" pitchFamily="50" charset="-127"/>
-              </a:rPr>
-              <a:t> 이예은 김동희</a:t>
-            </a:r>
-            <a:endParaRPr lang="ko-KR" altLang="en-US" dirty="0">
-              <a:solidFill>
-                <a:schemeClr val="bg1"/>
-              </a:solidFill>
-              <a:latin typeface="나눔스퀘어_ac Bold" panose="020B0600000101010101" pitchFamily="50" charset="-127"/>
-              <a:ea typeface="나눔스퀘어_ac Bold" panose="020B0600000101010101" pitchFamily="50" charset="-127"/>
-            </a:endParaRPr>
-          </a:p>
-        </p:txBody>
-      </p:sp>
-      <p:sp>
-        <p:nvSpPr>
-          <p:cNvPr id="6" name="TextBox 5"/>
-          <p:cNvSpPr txBox="1"/>
+      </p:pic>
+      <p:pic>
+        <p:nvPicPr>
+          <p:cNvPr id="4" name="그림 3"/>
+          <p:cNvPicPr>
+            <a:picLocks noChangeAspect="1"/>
+          </p:cNvPicPr>
           <p:nvPr/>
-        </p:nvSpPr>
+        </p:nvPicPr>
+        <p:blipFill>
+          <a:blip r:embed="rId3">
+            <a:extLst>
+              <a:ext uri="{28A0092B-C50C-407E-A947-70E740481C1C}">
+                <a14:useLocalDpi xmlns:a14="http://schemas.microsoft.com/office/drawing/2010/main" val="0"/>
+              </a:ext>
+            </a:extLst>
+          </a:blip>
+          <a:stretch>
+            <a:fillRect/>
+          </a:stretch>
+        </p:blipFill>
         <p:spPr>
           <a:xfrm>
-            <a:off x="1898042" y="2921168"/>
-            <a:ext cx="7559040" cy="1015663"/>
+            <a:off x="6668383" y="4137024"/>
+            <a:ext cx="4298053" cy="493819"/>
           </a:xfrm>
           <a:prstGeom prst="rect">
             <a:avLst/>
           </a:prstGeom>
-          <a:noFill/>
         </p:spPr>
-        <p:txBody>
-          <a:bodyPr wrap="square" rtlCol="0">
-            <a:spAutoFit/>
-          </a:bodyPr>
-          <a:lstStyle/>
-          <a:p>
-            <a:r>
-              <a:rPr lang="en-US" altLang="ko-KR" sz="6000" dirty="0" smtClean="0">
-                <a:solidFill>
-                  <a:schemeClr val="bg1"/>
-                </a:solidFill>
-                <a:latin typeface="나눔스퀘어_ac Bold" panose="020B0600000101010101" pitchFamily="50" charset="-127"/>
-                <a:ea typeface="나눔스퀘어_ac Bold" panose="020B0600000101010101" pitchFamily="50" charset="-127"/>
-              </a:rPr>
-              <a:t>Team.</a:t>
-            </a:r>
-            <a:r>
-              <a:rPr lang="ko-KR" altLang="en-US" sz="6000" dirty="0" smtClean="0">
-                <a:solidFill>
-                  <a:schemeClr val="bg1"/>
-                </a:solidFill>
-                <a:latin typeface="나눔스퀘어_ac Bold" panose="020B0600000101010101" pitchFamily="50" charset="-127"/>
-                <a:ea typeface="나눔스퀘어_ac Bold" panose="020B0600000101010101" pitchFamily="50" charset="-127"/>
-              </a:rPr>
-              <a:t>에어컨이 뜨거워</a:t>
-            </a:r>
-            <a:endParaRPr lang="ko-KR" altLang="en-US" sz="6000" dirty="0">
-              <a:solidFill>
-                <a:schemeClr val="bg1"/>
-              </a:solidFill>
-              <a:latin typeface="나눔스퀘어_ac Bold" panose="020B0600000101010101" pitchFamily="50" charset="-127"/>
-              <a:ea typeface="나눔스퀘어_ac Bold" panose="020B0600000101010101" pitchFamily="50" charset="-127"/>
-            </a:endParaRPr>
-          </a:p>
-        </p:txBody>
-      </p:sp>
+      </p:pic>
     </p:spTree>
     <p:extLst>
       <p:ext uri="{BB962C8B-B14F-4D97-AF65-F5344CB8AC3E}">
@@ -4128,27 +4054,7 @@
                 <a:latin typeface="KoPub돋움체 Medium" panose="02020603020101020101" pitchFamily="18" charset="-127"/>
                 <a:ea typeface="KoPub돋움체 Medium" panose="02020603020101020101" pitchFamily="18" charset="-127"/>
               </a:rPr>
-              <a:t>기능</a:t>
-            </a:r>
-            <a:r>
-              <a:rPr lang="ko-KR" altLang="en-US" dirty="0" smtClean="0">
-                <a:solidFill>
-                  <a:srgbClr val="6C5B7B"/>
-                </a:solidFill>
-                <a:latin typeface="KoPub돋움체 Medium" panose="02020603020101020101" pitchFamily="18" charset="-127"/>
-                <a:ea typeface="KoPub돋움체 Medium" panose="02020603020101020101" pitchFamily="18" charset="-127"/>
-              </a:rPr>
-              <a:t> </a:t>
-            </a:r>
-            <a:r>
-              <a:rPr lang="ko-KR" altLang="en-US" dirty="0" smtClean="0">
-                <a:solidFill>
-                  <a:srgbClr val="6C5B7B"/>
-                </a:solidFill>
-                <a:latin typeface="KoPub돋움체 Medium" panose="02020603020101020101" pitchFamily="18" charset="-127"/>
-                <a:ea typeface="KoPub돋움체 Medium" panose="02020603020101020101" pitchFamily="18" charset="-127"/>
-              </a:rPr>
-              <a:t>설명</a:t>
+              <a:t>기능 설명</a:t>
             </a:r>
             <a:endParaRPr lang="ko-KR" altLang="en-US" dirty="0">
               <a:solidFill>
@@ -5141,83 +5047,7 @@
               <a:rPr lang="ko-KR" altLang="en-US" dirty="0" smtClean="0">
                 <a:ea typeface="KoPub돋움체 Bold" panose="02020603020101020101"/>
               </a:rPr>
-              <a:t>모바일</a:t>
-            </a:r>
-            <a:r>
-              <a:rPr lang="ko-KR" altLang="en-US" dirty="0" smtClean="0">
-                <a:ea typeface="KoPub돋움체 Bold" panose="02020603020101020101"/>
-              </a:rPr>
-              <a:t> </a:t>
-            </a:r>
-            <a:r>
-              <a:rPr lang="ko-KR" altLang="en-US" dirty="0" smtClean="0">
-                <a:ea typeface="KoPub돋움체 Bold" panose="02020603020101020101"/>
-              </a:rPr>
-              <a:t>개발</a:t>
-            </a:r>
-            <a:endParaRPr lang="ko-KR" altLang="en-US" dirty="0">
-              <a:ea typeface="KoPub돋움체 Bold" panose="02020603020101020101"/>
-            </a:endParaRPr>
-          </a:p>
-        </p:txBody>
-      </p:sp>
-      <p:sp>
-        <p:nvSpPr>
-          <p:cNvPr id="32" name="TextBox 31"/>
-          <p:cNvSpPr txBox="1"/>
-          <p:nvPr/>
-        </p:nvSpPr>
-        <p:spPr>
-          <a:xfrm>
-            <a:off x="6643278" y="3372453"/>
-            <a:ext cx="1739579" cy="369332"/>
-          </a:xfrm>
-          <a:prstGeom prst="rect">
-            <a:avLst/>
-          </a:prstGeom>
-          <a:noFill/>
-        </p:spPr>
-        <p:txBody>
-          <a:bodyPr wrap="none" rtlCol="0">
-            <a:spAutoFit/>
-          </a:bodyPr>
-          <a:lstStyle/>
-          <a:p>
-            <a:r>
-              <a:rPr lang="ko-KR" altLang="en-US" dirty="0" smtClean="0">
-                <a:ea typeface="KoPub돋움체 Bold" panose="02020603020101020101"/>
-              </a:rPr>
-              <a:t> </a:t>
-            </a:r>
-            <a:r>
-              <a:rPr lang="en-US" altLang="ko-KR" dirty="0" err="1" smtClean="0">
-                <a:ea typeface="KoPub돋움체 Bold" panose="02020603020101020101"/>
-              </a:rPr>
-              <a:t>ppt</a:t>
-            </a:r>
-            <a:r>
-              <a:rPr lang="en-US" altLang="ko-KR" dirty="0">
-                <a:ea typeface="KoPub돋움체 Bold" panose="02020603020101020101"/>
-              </a:rPr>
-              <a:t> </a:t>
-            </a:r>
-            <a:r>
-              <a:rPr lang="en-US" altLang="ko-KR" dirty="0" smtClean="0">
-                <a:ea typeface="KoPub돋움체 Bold" panose="02020603020101020101"/>
-              </a:rPr>
-              <a:t>, </a:t>
-            </a:r>
-            <a:r>
-              <a:rPr lang="en-US" altLang="ko-KR" dirty="0" smtClean="0">
-                <a:ea typeface="KoPub돋움체 Bold" panose="02020603020101020101"/>
-              </a:rPr>
-              <a:t>UI </a:t>
-            </a:r>
-            <a:r>
-              <a:rPr lang="ko-KR" altLang="en-US" dirty="0" smtClean="0">
-                <a:ea typeface="KoPub돋움체 Bold" panose="02020603020101020101"/>
-              </a:rPr>
-              <a:t>디자인</a:t>
+              <a:t>모바일 개발</a:t>
             </a:r>
             <a:endParaRPr lang="ko-KR" altLang="en-US" dirty="0">
               <a:ea typeface="KoPub돋움체 Bold" panose="02020603020101020101"/>
@@ -5444,52 +5274,66 @@
           </a:p>
         </p:txBody>
       </p:sp>
-      <p:sp>
-        <p:nvSpPr>
-          <p:cNvPr id="9" name="TextBox 8"/>
-          <p:cNvSpPr txBox="1"/>
+      <p:pic>
+        <p:nvPicPr>
+          <p:cNvPr id="12" name="그림 11"/>
+          <p:cNvPicPr>
+            <a:picLocks noChangeAspect="1"/>
+          </p:cNvPicPr>
           <p:nvPr/>
-        </p:nvSpPr>
+        </p:nvPicPr>
+        <p:blipFill>
+          <a:blip r:embed="rId2">
+            <a:extLst>
+              <a:ext uri="{28A0092B-C50C-407E-A947-70E740481C1C}">
+                <a14:useLocalDpi xmlns:a14="http://schemas.microsoft.com/office/drawing/2010/main" val="0"/>
+              </a:ext>
+            </a:extLst>
+          </a:blip>
+          <a:stretch>
+            <a:fillRect/>
+          </a:stretch>
+        </p:blipFill>
         <p:spPr>
           <a:xfrm>
-            <a:off x="6972694" y="5859826"/>
-            <a:ext cx="1080745" cy="369332"/>
+            <a:off x="6582229" y="3378892"/>
+            <a:ext cx="1822862" cy="493819"/>
           </a:xfrm>
           <a:prstGeom prst="rect">
             <a:avLst/>
           </a:prstGeom>
-          <a:noFill/>
         </p:spPr>
-        <p:txBody>
-          <a:bodyPr wrap="none" rtlCol="0">
-            <a:spAutoFit/>
-          </a:bodyPr>
-          <a:lstStyle/>
-          <a:p>
-            <a:r>
-              <a:rPr lang="en-US" altLang="ko-KR" dirty="0" err="1" smtClean="0">
-                <a:ea typeface="KoPub돋움체 Bold" panose="02020603020101020101"/>
-              </a:rPr>
-              <a:t>Ui</a:t>
-            </a:r>
-            <a:r>
-              <a:rPr lang="ko-KR" altLang="en-US" dirty="0">
-                <a:ea typeface="KoPub돋움체 Bold" panose="02020603020101020101"/>
-              </a:rPr>
-              <a:t> </a:t>
-            </a:r>
-            <a:r>
-              <a:rPr lang="ko-KR" altLang="en-US" dirty="0" smtClean="0">
-                <a:ea typeface="KoPub돋움체 Bold" panose="02020603020101020101"/>
-              </a:rPr>
-              <a:t>디자인</a:t>
-            </a:r>
-            <a:endParaRPr lang="ko-KR" altLang="en-US" dirty="0">
-              <a:ea typeface="KoPub돋움체 Bold" panose="02020603020101020101"/>
-            </a:endParaRPr>
-          </a:p>
-        </p:txBody>
-      </p:sp>
+      </p:pic>
+      <p:pic>
+        <p:nvPicPr>
+          <p:cNvPr id="15" name="그림 14"/>
+          <p:cNvPicPr>
+            <a:picLocks noChangeAspect="1"/>
+          </p:cNvPicPr>
+          <p:nvPr/>
+        </p:nvPicPr>
+        <p:blipFill>
+          <a:blip r:embed="rId3">
+            <a:extLst>
+              <a:ext uri="{28A0092B-C50C-407E-A947-70E740481C1C}">
+                <a14:useLocalDpi xmlns:a14="http://schemas.microsoft.com/office/drawing/2010/main" val="0"/>
+              </a:ext>
+            </a:extLst>
+          </a:blip>
+          <a:stretch>
+            <a:fillRect/>
+          </a:stretch>
+        </p:blipFill>
+        <p:spPr>
+          <a:xfrm>
+            <a:off x="6930040" y="5828426"/>
+            <a:ext cx="1176630" cy="493819"/>
+          </a:xfrm>
+          <a:prstGeom prst="rect">
+            <a:avLst/>
+          </a:prstGeom>
+        </p:spPr>
+      </p:pic>
     </p:spTree>
     <p:extLst>
       <p:ext uri="{BB962C8B-B14F-4D97-AF65-F5344CB8AC3E}">
@@ -6170,27 +6014,7 @@
                   <a:latin typeface="KoPub돋움체 Bold" panose="02020603020101020101" pitchFamily="18" charset="-127"/>
                   <a:ea typeface="KoPub돋움체 Bold" panose="02020603020101020101" pitchFamily="18" charset="-127"/>
                 </a:rPr>
-                <a:t>기</a:t>
-              </a:r>
-              <a:r>
-                <a:rPr lang="ko-KR" altLang="en-US" sz="2000" dirty="0" smtClean="0">
-                  <a:solidFill>
-                    <a:srgbClr val="6C5B7B"/>
-                  </a:solidFill>
-                  <a:latin typeface="KoPub돋움체 Bold" panose="02020603020101020101" pitchFamily="18" charset="-127"/>
-                  <a:ea typeface="KoPub돋움체 Bold" panose="02020603020101020101" pitchFamily="18" charset="-127"/>
-                </a:rPr>
-                <a:t>능 </a:t>
-              </a:r>
-              <a:r>
-                <a:rPr lang="ko-KR" altLang="en-US" sz="2000" dirty="0" smtClean="0">
-                  <a:solidFill>
-                    <a:srgbClr val="6C5B7B"/>
-                  </a:solidFill>
-                  <a:latin typeface="KoPub돋움체 Bold" panose="02020603020101020101" pitchFamily="18" charset="-127"/>
-                  <a:ea typeface="KoPub돋움체 Bold" panose="02020603020101020101" pitchFamily="18" charset="-127"/>
-                </a:rPr>
-                <a:t>설명</a:t>
+                <a:t>기능 설명</a:t>
               </a:r>
               <a:endParaRPr lang="ko-KR" altLang="en-US" sz="2000" dirty="0">
                 <a:solidFill>
@@ -7425,27 +7249,7 @@
                 <a:latin typeface="KoPub돋움체 Bold" panose="02020603020101020101" pitchFamily="18" charset="-127"/>
                 <a:ea typeface="KoPub돋움체 Bold" panose="02020603020101020101" pitchFamily="18" charset="-127"/>
               </a:rPr>
-              <a:t>Thank </a:t>
-            </a:r>
-            <a:r>
-              <a:rPr lang="en-US" altLang="ko-KR" sz="7200" dirty="0" smtClean="0">
-                <a:solidFill>
-                  <a:schemeClr val="bg1"/>
-                </a:solidFill>
-                <a:latin typeface="KoPub돋움체 Bold" panose="02020603020101020101" pitchFamily="18" charset="-127"/>
-                <a:ea typeface="KoPub돋움체 Bold" panose="02020603020101020101" pitchFamily="18" charset="-127"/>
-              </a:rPr>
-              <a:t>You</a:t>
-            </a:r>
-            <a:r>
-              <a:rPr lang="en-US" altLang="ko-KR" sz="7200" dirty="0" smtClean="0">
-                <a:solidFill>
-                  <a:schemeClr val="bg1"/>
-                </a:solidFill>
-                <a:latin typeface="KoPub돋움체 Bold" panose="02020603020101020101" pitchFamily="18" charset="-127"/>
-                <a:ea typeface="KoPub돋움체 Bold" panose="02020603020101020101" pitchFamily="18" charset="-127"/>
-              </a:rPr>
-              <a:t>!</a:t>
+              <a:t>Thank You!</a:t>
             </a:r>
             <a:endParaRPr lang="ko-KR" altLang="en-US" sz="7200" dirty="0">
               <a:solidFill>

--- a/pptFile/ppt.pptx
+++ b/pptFile/ppt.pptx
@@ -10,10 +10,24 @@
     <p:sldId id="259" r:id="rId4"/>
     <p:sldId id="266" r:id="rId5"/>
     <p:sldId id="267" r:id="rId6"/>
-    <p:sldId id="268" r:id="rId7"/>
-    <p:sldId id="269" r:id="rId8"/>
-    <p:sldId id="270" r:id="rId9"/>
-    <p:sldId id="265" r:id="rId10"/>
+    <p:sldId id="287" r:id="rId7"/>
+    <p:sldId id="271" r:id="rId8"/>
+    <p:sldId id="286" r:id="rId9"/>
+    <p:sldId id="285" r:id="rId10"/>
+    <p:sldId id="280" r:id="rId11"/>
+    <p:sldId id="274" r:id="rId12"/>
+    <p:sldId id="281" r:id="rId13"/>
+    <p:sldId id="273" r:id="rId14"/>
+    <p:sldId id="283" r:id="rId15"/>
+    <p:sldId id="275" r:id="rId16"/>
+    <p:sldId id="282" r:id="rId17"/>
+    <p:sldId id="276" r:id="rId18"/>
+    <p:sldId id="284" r:id="rId19"/>
+    <p:sldId id="277" r:id="rId20"/>
+    <p:sldId id="268" r:id="rId21"/>
+    <p:sldId id="269" r:id="rId22"/>
+    <p:sldId id="270" r:id="rId23"/>
+    <p:sldId id="265" r:id="rId24"/>
   </p:sldIdLst>
   <p:sldSz cx="12192000" cy="6858000"/>
   <p:notesSz cx="6858000" cy="9144000"/>
@@ -3105,6 +3119,2857 @@
 </p:sld>
 </file>
 
+<file path=ppt/slides/slide10.xml><?xml version="1.0" encoding="utf-8"?>
+<p:sld xmlns:a="http://schemas.openxmlformats.org/drawingml/2006/main" xmlns:r="http://schemas.openxmlformats.org/officeDocument/2006/relationships" xmlns:p="http://schemas.openxmlformats.org/presentationml/2006/main">
+  <p:cSld>
+    <p:spTree>
+      <p:nvGrpSpPr>
+        <p:cNvPr id="1" name=""/>
+        <p:cNvGrpSpPr/>
+        <p:nvPr/>
+      </p:nvGrpSpPr>
+      <p:grpSpPr>
+        <a:xfrm>
+          <a:off x="0" y="0"/>
+          <a:ext cx="0" cy="0"/>
+          <a:chOff x="0" y="0"/>
+          <a:chExt cx="0" cy="0"/>
+        </a:xfrm>
+      </p:grpSpPr>
+      <p:grpSp>
+        <p:nvGrpSpPr>
+          <p:cNvPr id="2" name="그룹 1"/>
+          <p:cNvGrpSpPr/>
+          <p:nvPr/>
+        </p:nvGrpSpPr>
+        <p:grpSpPr>
+          <a:xfrm>
+            <a:off x="175953" y="206639"/>
+            <a:ext cx="1901886" cy="541508"/>
+            <a:chOff x="4232564" y="2276508"/>
+            <a:chExt cx="1901886" cy="541508"/>
+          </a:xfrm>
+        </p:grpSpPr>
+        <p:grpSp>
+          <p:nvGrpSpPr>
+            <p:cNvPr id="3" name="그룹 2"/>
+            <p:cNvGrpSpPr/>
+            <p:nvPr/>
+          </p:nvGrpSpPr>
+          <p:grpSpPr>
+            <a:xfrm>
+              <a:off x="4232564" y="2276508"/>
+              <a:ext cx="712648" cy="541508"/>
+              <a:chOff x="3115591" y="4405745"/>
+              <a:chExt cx="4089168" cy="3107176"/>
+            </a:xfrm>
+          </p:grpSpPr>
+          <p:sp>
+            <p:nvSpPr>
+              <p:cNvPr id="6" name="평행 사변형 5"/>
+              <p:cNvSpPr/>
+              <p:nvPr/>
+            </p:nvSpPr>
+            <p:spPr>
+              <a:xfrm>
+                <a:off x="3379408" y="4636717"/>
+                <a:ext cx="3825351" cy="2876204"/>
+              </a:xfrm>
+              <a:prstGeom prst="parallelogram">
+                <a:avLst/>
+              </a:prstGeom>
+              <a:solidFill>
+                <a:srgbClr val="6C5B7B"/>
+              </a:solidFill>
+              <a:ln>
+                <a:noFill/>
+              </a:ln>
+            </p:spPr>
+            <p:style>
+              <a:lnRef idx="2">
+                <a:schemeClr val="accent1">
+                  <a:shade val="50000"/>
+                </a:schemeClr>
+              </a:lnRef>
+              <a:fillRef idx="1">
+                <a:schemeClr val="accent1"/>
+              </a:fillRef>
+              <a:effectRef idx="0">
+                <a:schemeClr val="accent1"/>
+              </a:effectRef>
+              <a:fontRef idx="minor">
+                <a:schemeClr val="lt1"/>
+              </a:fontRef>
+            </p:style>
+            <p:txBody>
+              <a:bodyPr rtlCol="0" anchor="ctr"/>
+              <a:lstStyle/>
+              <a:p>
+                <a:pPr algn="ctr"/>
+                <a:endParaRPr lang="ko-KR" altLang="en-US"/>
+              </a:p>
+            </p:txBody>
+          </p:sp>
+          <p:sp>
+            <p:nvSpPr>
+              <p:cNvPr id="7" name="평행 사변형 6"/>
+              <p:cNvSpPr/>
+              <p:nvPr/>
+            </p:nvSpPr>
+            <p:spPr>
+              <a:xfrm>
+                <a:off x="3115591" y="4405745"/>
+                <a:ext cx="3825352" cy="2876204"/>
+              </a:xfrm>
+              <a:prstGeom prst="parallelogram">
+                <a:avLst/>
+              </a:prstGeom>
+              <a:solidFill>
+                <a:srgbClr val="F67280"/>
+              </a:solidFill>
+              <a:ln>
+                <a:noFill/>
+              </a:ln>
+            </p:spPr>
+            <p:style>
+              <a:lnRef idx="2">
+                <a:schemeClr val="accent1">
+                  <a:shade val="50000"/>
+                </a:schemeClr>
+              </a:lnRef>
+              <a:fillRef idx="1">
+                <a:schemeClr val="accent1"/>
+              </a:fillRef>
+              <a:effectRef idx="0">
+                <a:schemeClr val="accent1"/>
+              </a:effectRef>
+              <a:fontRef idx="minor">
+                <a:schemeClr val="lt1"/>
+              </a:fontRef>
+            </p:style>
+            <p:txBody>
+              <a:bodyPr rtlCol="0" anchor="ctr"/>
+              <a:lstStyle/>
+              <a:p>
+                <a:pPr algn="ctr"/>
+                <a:endParaRPr lang="ko-KR" altLang="en-US"/>
+              </a:p>
+            </p:txBody>
+          </p:sp>
+        </p:grpSp>
+        <p:sp>
+          <p:nvSpPr>
+            <p:cNvPr id="4" name="TextBox 3"/>
+            <p:cNvSpPr txBox="1"/>
+            <p:nvPr/>
+          </p:nvSpPr>
+          <p:spPr>
+            <a:xfrm>
+              <a:off x="5201181" y="2327080"/>
+              <a:ext cx="933269" cy="400110"/>
+            </a:xfrm>
+            <a:prstGeom prst="rect">
+              <a:avLst/>
+            </a:prstGeom>
+            <a:noFill/>
+          </p:spPr>
+          <p:txBody>
+            <a:bodyPr wrap="none" rtlCol="0">
+              <a:spAutoFit/>
+            </a:bodyPr>
+            <a:lstStyle/>
+            <a:p>
+              <a:r>
+                <a:rPr lang="en-US" altLang="ko-KR" sz="2000" dirty="0" smtClean="0">
+                  <a:solidFill>
+                    <a:srgbClr val="6C5B7B"/>
+                  </a:solidFill>
+                  <a:latin typeface="KoPub돋움체 Bold" panose="02020603020101020101" pitchFamily="18" charset="-127"/>
+                  <a:ea typeface="KoPub돋움체 Bold" panose="02020603020101020101" pitchFamily="18" charset="-127"/>
+                </a:rPr>
+                <a:t>UI </a:t>
+              </a:r>
+              <a:r>
+                <a:rPr lang="ko-KR" altLang="en-US" sz="2000" dirty="0" smtClean="0">
+                  <a:solidFill>
+                    <a:srgbClr val="6C5B7B"/>
+                  </a:solidFill>
+                  <a:latin typeface="KoPub돋움체 Bold" panose="02020603020101020101" pitchFamily="18" charset="-127"/>
+                  <a:ea typeface="KoPub돋움체 Bold" panose="02020603020101020101" pitchFamily="18" charset="-127"/>
+                </a:rPr>
+                <a:t>설명</a:t>
+              </a:r>
+              <a:endParaRPr lang="en-US" altLang="ko-KR" sz="2000" dirty="0" smtClean="0">
+                <a:solidFill>
+                  <a:srgbClr val="6C5B7B"/>
+                </a:solidFill>
+                <a:latin typeface="KoPub돋움체 Bold" panose="02020603020101020101" pitchFamily="18" charset="-127"/>
+                <a:ea typeface="KoPub돋움체 Bold" panose="02020603020101020101" pitchFamily="18" charset="-127"/>
+              </a:endParaRPr>
+            </a:p>
+          </p:txBody>
+        </p:sp>
+        <p:sp>
+          <p:nvSpPr>
+            <p:cNvPr id="5" name="TextBox 4"/>
+            <p:cNvSpPr txBox="1"/>
+            <p:nvPr/>
+          </p:nvSpPr>
+          <p:spPr>
+            <a:xfrm>
+              <a:off x="4358150" y="2357858"/>
+              <a:ext cx="418704" cy="338554"/>
+            </a:xfrm>
+            <a:prstGeom prst="rect">
+              <a:avLst/>
+            </a:prstGeom>
+            <a:noFill/>
+          </p:spPr>
+          <p:txBody>
+            <a:bodyPr wrap="none" rtlCol="0">
+              <a:spAutoFit/>
+            </a:bodyPr>
+            <a:lstStyle/>
+            <a:p>
+              <a:r>
+                <a:rPr lang="en-US" altLang="ko-KR" sz="1600" dirty="0" smtClean="0">
+                  <a:solidFill>
+                    <a:schemeClr val="bg1"/>
+                  </a:solidFill>
+                  <a:latin typeface="KoPub돋움체 Light" panose="02020603020101020101" pitchFamily="18" charset="-127"/>
+                  <a:ea typeface="KoPub돋움체 Light" panose="02020603020101020101" pitchFamily="18" charset="-127"/>
+                </a:rPr>
+                <a:t>04</a:t>
+              </a:r>
+              <a:endParaRPr lang="ko-KR" altLang="en-US" sz="1600" dirty="0">
+                <a:solidFill>
+                  <a:schemeClr val="bg1"/>
+                </a:solidFill>
+                <a:latin typeface="KoPub돋움체 Light" panose="02020603020101020101" pitchFamily="18" charset="-127"/>
+                <a:ea typeface="KoPub돋움체 Light" panose="02020603020101020101" pitchFamily="18" charset="-127"/>
+              </a:endParaRPr>
+            </a:p>
+          </p:txBody>
+        </p:sp>
+      </p:grpSp>
+      <p:sp>
+        <p:nvSpPr>
+          <p:cNvPr id="8" name="TextBox 7"/>
+          <p:cNvSpPr txBox="1"/>
+          <p:nvPr/>
+        </p:nvSpPr>
+        <p:spPr>
+          <a:xfrm>
+            <a:off x="4537364" y="2875002"/>
+            <a:ext cx="3117273" cy="1107996"/>
+          </a:xfrm>
+          <a:prstGeom prst="rect">
+            <a:avLst/>
+          </a:prstGeom>
+          <a:noFill/>
+        </p:spPr>
+        <p:txBody>
+          <a:bodyPr wrap="square" rtlCol="0">
+            <a:spAutoFit/>
+          </a:bodyPr>
+          <a:lstStyle/>
+          <a:p>
+            <a:pPr algn="ctr"/>
+            <a:r>
+              <a:rPr lang="ko-KR" altLang="en-US" sz="6600" smtClean="0">
+                <a:latin typeface="KoPubWorld돋움체 Bold" panose="00000800000000000000" pitchFamily="2" charset="-127"/>
+                <a:ea typeface="KoPubWorld돋움체 Bold" panose="00000800000000000000" pitchFamily="2" charset="-127"/>
+                <a:cs typeface="KoPubWorld돋움체 Bold" panose="00000800000000000000" pitchFamily="2" charset="-127"/>
+              </a:rPr>
+              <a:t>메뉴</a:t>
+            </a:r>
+            <a:endParaRPr lang="ko-KR" altLang="en-US" sz="6600" dirty="0">
+              <a:latin typeface="KoPubWorld돋움체 Bold" panose="00000800000000000000" pitchFamily="2" charset="-127"/>
+              <a:ea typeface="KoPubWorld돋움체 Bold" panose="00000800000000000000" pitchFamily="2" charset="-127"/>
+              <a:cs typeface="KoPubWorld돋움체 Bold" panose="00000800000000000000" pitchFamily="2" charset="-127"/>
+            </a:endParaRPr>
+          </a:p>
+        </p:txBody>
+      </p:sp>
+    </p:spTree>
+    <p:extLst>
+      <p:ext uri="{BB962C8B-B14F-4D97-AF65-F5344CB8AC3E}">
+        <p14:creationId xmlns:p14="http://schemas.microsoft.com/office/powerpoint/2010/main" val="480098790"/>
+      </p:ext>
+    </p:extLst>
+  </p:cSld>
+  <p:clrMapOvr>
+    <a:masterClrMapping/>
+  </p:clrMapOvr>
+  <p:timing>
+    <p:tnLst>
+      <p:par>
+        <p:cTn id="1" dur="indefinite" restart="never" nodeType="tmRoot"/>
+      </p:par>
+    </p:tnLst>
+  </p:timing>
+</p:sld>
+</file>
+
+<file path=ppt/slides/slide11.xml><?xml version="1.0" encoding="utf-8"?>
+<p:sld xmlns:a="http://schemas.openxmlformats.org/drawingml/2006/main" xmlns:r="http://schemas.openxmlformats.org/officeDocument/2006/relationships" xmlns:p="http://schemas.openxmlformats.org/presentationml/2006/main">
+  <p:cSld>
+    <p:spTree>
+      <p:nvGrpSpPr>
+        <p:cNvPr id="1" name=""/>
+        <p:cNvGrpSpPr/>
+        <p:nvPr/>
+      </p:nvGrpSpPr>
+      <p:grpSpPr>
+        <a:xfrm>
+          <a:off x="0" y="0"/>
+          <a:ext cx="0" cy="0"/>
+          <a:chOff x="0" y="0"/>
+          <a:chExt cx="0" cy="0"/>
+        </a:xfrm>
+      </p:grpSpPr>
+      <p:grpSp>
+        <p:nvGrpSpPr>
+          <p:cNvPr id="2" name="그룹 1"/>
+          <p:cNvGrpSpPr/>
+          <p:nvPr/>
+        </p:nvGrpSpPr>
+        <p:grpSpPr>
+          <a:xfrm>
+            <a:off x="175953" y="206639"/>
+            <a:ext cx="1901886" cy="541508"/>
+            <a:chOff x="4232564" y="2276508"/>
+            <a:chExt cx="1901886" cy="541508"/>
+          </a:xfrm>
+        </p:grpSpPr>
+        <p:grpSp>
+          <p:nvGrpSpPr>
+            <p:cNvPr id="3" name="그룹 2"/>
+            <p:cNvGrpSpPr/>
+            <p:nvPr/>
+          </p:nvGrpSpPr>
+          <p:grpSpPr>
+            <a:xfrm>
+              <a:off x="4232564" y="2276508"/>
+              <a:ext cx="712648" cy="541508"/>
+              <a:chOff x="3115591" y="4405745"/>
+              <a:chExt cx="4089168" cy="3107176"/>
+            </a:xfrm>
+          </p:grpSpPr>
+          <p:sp>
+            <p:nvSpPr>
+              <p:cNvPr id="6" name="평행 사변형 5"/>
+              <p:cNvSpPr/>
+              <p:nvPr/>
+            </p:nvSpPr>
+            <p:spPr>
+              <a:xfrm>
+                <a:off x="3379408" y="4636717"/>
+                <a:ext cx="3825351" cy="2876204"/>
+              </a:xfrm>
+              <a:prstGeom prst="parallelogram">
+                <a:avLst/>
+              </a:prstGeom>
+              <a:solidFill>
+                <a:srgbClr val="6C5B7B"/>
+              </a:solidFill>
+              <a:ln>
+                <a:noFill/>
+              </a:ln>
+            </p:spPr>
+            <p:style>
+              <a:lnRef idx="2">
+                <a:schemeClr val="accent1">
+                  <a:shade val="50000"/>
+                </a:schemeClr>
+              </a:lnRef>
+              <a:fillRef idx="1">
+                <a:schemeClr val="accent1"/>
+              </a:fillRef>
+              <a:effectRef idx="0">
+                <a:schemeClr val="accent1"/>
+              </a:effectRef>
+              <a:fontRef idx="minor">
+                <a:schemeClr val="lt1"/>
+              </a:fontRef>
+            </p:style>
+            <p:txBody>
+              <a:bodyPr rtlCol="0" anchor="ctr"/>
+              <a:lstStyle/>
+              <a:p>
+                <a:pPr algn="ctr"/>
+                <a:endParaRPr lang="ko-KR" altLang="en-US"/>
+              </a:p>
+            </p:txBody>
+          </p:sp>
+          <p:sp>
+            <p:nvSpPr>
+              <p:cNvPr id="7" name="평행 사변형 6"/>
+              <p:cNvSpPr/>
+              <p:nvPr/>
+            </p:nvSpPr>
+            <p:spPr>
+              <a:xfrm>
+                <a:off x="3115591" y="4405745"/>
+                <a:ext cx="3825352" cy="2876204"/>
+              </a:xfrm>
+              <a:prstGeom prst="parallelogram">
+                <a:avLst/>
+              </a:prstGeom>
+              <a:solidFill>
+                <a:srgbClr val="F67280"/>
+              </a:solidFill>
+              <a:ln>
+                <a:noFill/>
+              </a:ln>
+            </p:spPr>
+            <p:style>
+              <a:lnRef idx="2">
+                <a:schemeClr val="accent1">
+                  <a:shade val="50000"/>
+                </a:schemeClr>
+              </a:lnRef>
+              <a:fillRef idx="1">
+                <a:schemeClr val="accent1"/>
+              </a:fillRef>
+              <a:effectRef idx="0">
+                <a:schemeClr val="accent1"/>
+              </a:effectRef>
+              <a:fontRef idx="minor">
+                <a:schemeClr val="lt1"/>
+              </a:fontRef>
+            </p:style>
+            <p:txBody>
+              <a:bodyPr rtlCol="0" anchor="ctr"/>
+              <a:lstStyle/>
+              <a:p>
+                <a:pPr algn="ctr"/>
+                <a:endParaRPr lang="ko-KR" altLang="en-US"/>
+              </a:p>
+            </p:txBody>
+          </p:sp>
+        </p:grpSp>
+        <p:sp>
+          <p:nvSpPr>
+            <p:cNvPr id="4" name="TextBox 3"/>
+            <p:cNvSpPr txBox="1"/>
+            <p:nvPr/>
+          </p:nvSpPr>
+          <p:spPr>
+            <a:xfrm>
+              <a:off x="5201181" y="2327080"/>
+              <a:ext cx="933269" cy="400110"/>
+            </a:xfrm>
+            <a:prstGeom prst="rect">
+              <a:avLst/>
+            </a:prstGeom>
+            <a:noFill/>
+          </p:spPr>
+          <p:txBody>
+            <a:bodyPr wrap="none" rtlCol="0">
+              <a:spAutoFit/>
+            </a:bodyPr>
+            <a:lstStyle/>
+            <a:p>
+              <a:r>
+                <a:rPr lang="en-US" altLang="ko-KR" sz="2000" dirty="0" smtClean="0">
+                  <a:solidFill>
+                    <a:srgbClr val="6C5B7B"/>
+                  </a:solidFill>
+                  <a:latin typeface="KoPub돋움체 Bold" panose="02020603020101020101" pitchFamily="18" charset="-127"/>
+                  <a:ea typeface="KoPub돋움체 Bold" panose="02020603020101020101" pitchFamily="18" charset="-127"/>
+                </a:rPr>
+                <a:t>UI </a:t>
+              </a:r>
+              <a:r>
+                <a:rPr lang="ko-KR" altLang="en-US" sz="2000" dirty="0" smtClean="0">
+                  <a:solidFill>
+                    <a:srgbClr val="6C5B7B"/>
+                  </a:solidFill>
+                  <a:latin typeface="KoPub돋움체 Bold" panose="02020603020101020101" pitchFamily="18" charset="-127"/>
+                  <a:ea typeface="KoPub돋움체 Bold" panose="02020603020101020101" pitchFamily="18" charset="-127"/>
+                </a:rPr>
+                <a:t>설명</a:t>
+              </a:r>
+              <a:endParaRPr lang="en-US" altLang="ko-KR" sz="2000" dirty="0" smtClean="0">
+                <a:solidFill>
+                  <a:srgbClr val="6C5B7B"/>
+                </a:solidFill>
+                <a:latin typeface="KoPub돋움체 Bold" panose="02020603020101020101" pitchFamily="18" charset="-127"/>
+                <a:ea typeface="KoPub돋움체 Bold" panose="02020603020101020101" pitchFamily="18" charset="-127"/>
+              </a:endParaRPr>
+            </a:p>
+          </p:txBody>
+        </p:sp>
+        <p:sp>
+          <p:nvSpPr>
+            <p:cNvPr id="5" name="TextBox 4"/>
+            <p:cNvSpPr txBox="1"/>
+            <p:nvPr/>
+          </p:nvSpPr>
+          <p:spPr>
+            <a:xfrm>
+              <a:off x="4358150" y="2357858"/>
+              <a:ext cx="418704" cy="338554"/>
+            </a:xfrm>
+            <a:prstGeom prst="rect">
+              <a:avLst/>
+            </a:prstGeom>
+            <a:noFill/>
+          </p:spPr>
+          <p:txBody>
+            <a:bodyPr wrap="none" rtlCol="0">
+              <a:spAutoFit/>
+            </a:bodyPr>
+            <a:lstStyle/>
+            <a:p>
+              <a:r>
+                <a:rPr lang="en-US" altLang="ko-KR" sz="1600" dirty="0" smtClean="0">
+                  <a:solidFill>
+                    <a:schemeClr val="bg1"/>
+                  </a:solidFill>
+                  <a:latin typeface="KoPub돋움체 Light" panose="02020603020101020101" pitchFamily="18" charset="-127"/>
+                  <a:ea typeface="KoPub돋움체 Light" panose="02020603020101020101" pitchFamily="18" charset="-127"/>
+                </a:rPr>
+                <a:t>04</a:t>
+              </a:r>
+              <a:endParaRPr lang="ko-KR" altLang="en-US" sz="1600" dirty="0">
+                <a:solidFill>
+                  <a:schemeClr val="bg1"/>
+                </a:solidFill>
+                <a:latin typeface="KoPub돋움체 Light" panose="02020603020101020101" pitchFamily="18" charset="-127"/>
+                <a:ea typeface="KoPub돋움체 Light" panose="02020603020101020101" pitchFamily="18" charset="-127"/>
+              </a:endParaRPr>
+            </a:p>
+          </p:txBody>
+        </p:sp>
+      </p:grpSp>
+      <p:pic>
+        <p:nvPicPr>
+          <p:cNvPr id="10" name="그림 9"/>
+          <p:cNvPicPr>
+            <a:picLocks noChangeAspect="1"/>
+          </p:cNvPicPr>
+          <p:nvPr/>
+        </p:nvPicPr>
+        <p:blipFill>
+          <a:blip r:embed="rId2"/>
+          <a:stretch>
+            <a:fillRect/>
+          </a:stretch>
+        </p:blipFill>
+        <p:spPr>
+          <a:xfrm>
+            <a:off x="4472655" y="500398"/>
+            <a:ext cx="3246690" cy="5857204"/>
+          </a:xfrm>
+          <a:prstGeom prst="rect">
+            <a:avLst/>
+          </a:prstGeom>
+        </p:spPr>
+      </p:pic>
+    </p:spTree>
+    <p:extLst>
+      <p:ext uri="{BB962C8B-B14F-4D97-AF65-F5344CB8AC3E}">
+        <p14:creationId xmlns:p14="http://schemas.microsoft.com/office/powerpoint/2010/main" val="2477866943"/>
+      </p:ext>
+    </p:extLst>
+  </p:cSld>
+  <p:clrMapOvr>
+    <a:masterClrMapping/>
+  </p:clrMapOvr>
+  <p:timing>
+    <p:tnLst>
+      <p:par>
+        <p:cTn id="1" dur="indefinite" restart="never" nodeType="tmRoot"/>
+      </p:par>
+    </p:tnLst>
+  </p:timing>
+</p:sld>
+</file>
+
+<file path=ppt/slides/slide12.xml><?xml version="1.0" encoding="utf-8"?>
+<p:sld xmlns:a="http://schemas.openxmlformats.org/drawingml/2006/main" xmlns:r="http://schemas.openxmlformats.org/officeDocument/2006/relationships" xmlns:p="http://schemas.openxmlformats.org/presentationml/2006/main">
+  <p:cSld>
+    <p:spTree>
+      <p:nvGrpSpPr>
+        <p:cNvPr id="1" name=""/>
+        <p:cNvGrpSpPr/>
+        <p:nvPr/>
+      </p:nvGrpSpPr>
+      <p:grpSpPr>
+        <a:xfrm>
+          <a:off x="0" y="0"/>
+          <a:ext cx="0" cy="0"/>
+          <a:chOff x="0" y="0"/>
+          <a:chExt cx="0" cy="0"/>
+        </a:xfrm>
+      </p:grpSpPr>
+      <p:grpSp>
+        <p:nvGrpSpPr>
+          <p:cNvPr id="2" name="그룹 1"/>
+          <p:cNvGrpSpPr/>
+          <p:nvPr/>
+        </p:nvGrpSpPr>
+        <p:grpSpPr>
+          <a:xfrm>
+            <a:off x="175953" y="206639"/>
+            <a:ext cx="1901886" cy="541508"/>
+            <a:chOff x="4232564" y="2276508"/>
+            <a:chExt cx="1901886" cy="541508"/>
+          </a:xfrm>
+        </p:grpSpPr>
+        <p:grpSp>
+          <p:nvGrpSpPr>
+            <p:cNvPr id="3" name="그룹 2"/>
+            <p:cNvGrpSpPr/>
+            <p:nvPr/>
+          </p:nvGrpSpPr>
+          <p:grpSpPr>
+            <a:xfrm>
+              <a:off x="4232564" y="2276508"/>
+              <a:ext cx="712648" cy="541508"/>
+              <a:chOff x="3115591" y="4405745"/>
+              <a:chExt cx="4089168" cy="3107176"/>
+            </a:xfrm>
+          </p:grpSpPr>
+          <p:sp>
+            <p:nvSpPr>
+              <p:cNvPr id="6" name="평행 사변형 5"/>
+              <p:cNvSpPr/>
+              <p:nvPr/>
+            </p:nvSpPr>
+            <p:spPr>
+              <a:xfrm>
+                <a:off x="3379408" y="4636717"/>
+                <a:ext cx="3825351" cy="2876204"/>
+              </a:xfrm>
+              <a:prstGeom prst="parallelogram">
+                <a:avLst/>
+              </a:prstGeom>
+              <a:solidFill>
+                <a:srgbClr val="6C5B7B"/>
+              </a:solidFill>
+              <a:ln>
+                <a:noFill/>
+              </a:ln>
+            </p:spPr>
+            <p:style>
+              <a:lnRef idx="2">
+                <a:schemeClr val="accent1">
+                  <a:shade val="50000"/>
+                </a:schemeClr>
+              </a:lnRef>
+              <a:fillRef idx="1">
+                <a:schemeClr val="accent1"/>
+              </a:fillRef>
+              <a:effectRef idx="0">
+                <a:schemeClr val="accent1"/>
+              </a:effectRef>
+              <a:fontRef idx="minor">
+                <a:schemeClr val="lt1"/>
+              </a:fontRef>
+            </p:style>
+            <p:txBody>
+              <a:bodyPr rtlCol="0" anchor="ctr"/>
+              <a:lstStyle/>
+              <a:p>
+                <a:pPr algn="ctr"/>
+                <a:endParaRPr lang="ko-KR" altLang="en-US"/>
+              </a:p>
+            </p:txBody>
+          </p:sp>
+          <p:sp>
+            <p:nvSpPr>
+              <p:cNvPr id="7" name="평행 사변형 6"/>
+              <p:cNvSpPr/>
+              <p:nvPr/>
+            </p:nvSpPr>
+            <p:spPr>
+              <a:xfrm>
+                <a:off x="3115591" y="4405745"/>
+                <a:ext cx="3825352" cy="2876204"/>
+              </a:xfrm>
+              <a:prstGeom prst="parallelogram">
+                <a:avLst/>
+              </a:prstGeom>
+              <a:solidFill>
+                <a:srgbClr val="F67280"/>
+              </a:solidFill>
+              <a:ln>
+                <a:noFill/>
+              </a:ln>
+            </p:spPr>
+            <p:style>
+              <a:lnRef idx="2">
+                <a:schemeClr val="accent1">
+                  <a:shade val="50000"/>
+                </a:schemeClr>
+              </a:lnRef>
+              <a:fillRef idx="1">
+                <a:schemeClr val="accent1"/>
+              </a:fillRef>
+              <a:effectRef idx="0">
+                <a:schemeClr val="accent1"/>
+              </a:effectRef>
+              <a:fontRef idx="minor">
+                <a:schemeClr val="lt1"/>
+              </a:fontRef>
+            </p:style>
+            <p:txBody>
+              <a:bodyPr rtlCol="0" anchor="ctr"/>
+              <a:lstStyle/>
+              <a:p>
+                <a:pPr algn="ctr"/>
+                <a:endParaRPr lang="ko-KR" altLang="en-US"/>
+              </a:p>
+            </p:txBody>
+          </p:sp>
+        </p:grpSp>
+        <p:sp>
+          <p:nvSpPr>
+            <p:cNvPr id="4" name="TextBox 3"/>
+            <p:cNvSpPr txBox="1"/>
+            <p:nvPr/>
+          </p:nvSpPr>
+          <p:spPr>
+            <a:xfrm>
+              <a:off x="5201181" y="2327080"/>
+              <a:ext cx="933269" cy="400110"/>
+            </a:xfrm>
+            <a:prstGeom prst="rect">
+              <a:avLst/>
+            </a:prstGeom>
+            <a:noFill/>
+          </p:spPr>
+          <p:txBody>
+            <a:bodyPr wrap="none" rtlCol="0">
+              <a:spAutoFit/>
+            </a:bodyPr>
+            <a:lstStyle/>
+            <a:p>
+              <a:r>
+                <a:rPr lang="en-US" altLang="ko-KR" sz="2000" dirty="0" smtClean="0">
+                  <a:solidFill>
+                    <a:srgbClr val="6C5B7B"/>
+                  </a:solidFill>
+                  <a:latin typeface="KoPub돋움체 Bold" panose="02020603020101020101" pitchFamily="18" charset="-127"/>
+                  <a:ea typeface="KoPub돋움체 Bold" panose="02020603020101020101" pitchFamily="18" charset="-127"/>
+                </a:rPr>
+                <a:t>UI </a:t>
+              </a:r>
+              <a:r>
+                <a:rPr lang="ko-KR" altLang="en-US" sz="2000" dirty="0" smtClean="0">
+                  <a:solidFill>
+                    <a:srgbClr val="6C5B7B"/>
+                  </a:solidFill>
+                  <a:latin typeface="KoPub돋움체 Bold" panose="02020603020101020101" pitchFamily="18" charset="-127"/>
+                  <a:ea typeface="KoPub돋움체 Bold" panose="02020603020101020101" pitchFamily="18" charset="-127"/>
+                </a:rPr>
+                <a:t>설명</a:t>
+              </a:r>
+              <a:endParaRPr lang="en-US" altLang="ko-KR" sz="2000" dirty="0" smtClean="0">
+                <a:solidFill>
+                  <a:srgbClr val="6C5B7B"/>
+                </a:solidFill>
+                <a:latin typeface="KoPub돋움체 Bold" panose="02020603020101020101" pitchFamily="18" charset="-127"/>
+                <a:ea typeface="KoPub돋움체 Bold" panose="02020603020101020101" pitchFamily="18" charset="-127"/>
+              </a:endParaRPr>
+            </a:p>
+          </p:txBody>
+        </p:sp>
+        <p:sp>
+          <p:nvSpPr>
+            <p:cNvPr id="5" name="TextBox 4"/>
+            <p:cNvSpPr txBox="1"/>
+            <p:nvPr/>
+          </p:nvSpPr>
+          <p:spPr>
+            <a:xfrm>
+              <a:off x="4358150" y="2357858"/>
+              <a:ext cx="418704" cy="338554"/>
+            </a:xfrm>
+            <a:prstGeom prst="rect">
+              <a:avLst/>
+            </a:prstGeom>
+            <a:noFill/>
+          </p:spPr>
+          <p:txBody>
+            <a:bodyPr wrap="none" rtlCol="0">
+              <a:spAutoFit/>
+            </a:bodyPr>
+            <a:lstStyle/>
+            <a:p>
+              <a:r>
+                <a:rPr lang="en-US" altLang="ko-KR" sz="1600" dirty="0" smtClean="0">
+                  <a:solidFill>
+                    <a:schemeClr val="bg1"/>
+                  </a:solidFill>
+                  <a:latin typeface="KoPub돋움체 Light" panose="02020603020101020101" pitchFamily="18" charset="-127"/>
+                  <a:ea typeface="KoPub돋움체 Light" panose="02020603020101020101" pitchFamily="18" charset="-127"/>
+                </a:rPr>
+                <a:t>04</a:t>
+              </a:r>
+              <a:endParaRPr lang="ko-KR" altLang="en-US" sz="1600" dirty="0">
+                <a:solidFill>
+                  <a:schemeClr val="bg1"/>
+                </a:solidFill>
+                <a:latin typeface="KoPub돋움체 Light" panose="02020603020101020101" pitchFamily="18" charset="-127"/>
+                <a:ea typeface="KoPub돋움체 Light" panose="02020603020101020101" pitchFamily="18" charset="-127"/>
+              </a:endParaRPr>
+            </a:p>
+          </p:txBody>
+        </p:sp>
+      </p:grpSp>
+      <p:sp>
+        <p:nvSpPr>
+          <p:cNvPr id="8" name="TextBox 7"/>
+          <p:cNvSpPr txBox="1"/>
+          <p:nvPr/>
+        </p:nvSpPr>
+        <p:spPr>
+          <a:xfrm>
+            <a:off x="4537364" y="2875002"/>
+            <a:ext cx="3117273" cy="1107996"/>
+          </a:xfrm>
+          <a:prstGeom prst="rect">
+            <a:avLst/>
+          </a:prstGeom>
+          <a:noFill/>
+        </p:spPr>
+        <p:txBody>
+          <a:bodyPr wrap="square" rtlCol="0">
+            <a:spAutoFit/>
+          </a:bodyPr>
+          <a:lstStyle/>
+          <a:p>
+            <a:pPr algn="ctr"/>
+            <a:r>
+              <a:rPr lang="ko-KR" altLang="en-US" sz="6600" dirty="0" smtClean="0">
+                <a:latin typeface="KoPubWorld돋움체 Bold" panose="00000800000000000000" pitchFamily="2" charset="-127"/>
+                <a:ea typeface="KoPubWorld돋움체 Bold" panose="00000800000000000000" pitchFamily="2" charset="-127"/>
+                <a:cs typeface="KoPubWorld돋움체 Bold" panose="00000800000000000000" pitchFamily="2" charset="-127"/>
+              </a:rPr>
+              <a:t>타이머</a:t>
+            </a:r>
+            <a:endParaRPr lang="ko-KR" altLang="en-US" sz="6600" dirty="0">
+              <a:latin typeface="KoPubWorld돋움체 Bold" panose="00000800000000000000" pitchFamily="2" charset="-127"/>
+              <a:ea typeface="KoPubWorld돋움체 Bold" panose="00000800000000000000" pitchFamily="2" charset="-127"/>
+              <a:cs typeface="KoPubWorld돋움체 Bold" panose="00000800000000000000" pitchFamily="2" charset="-127"/>
+            </a:endParaRPr>
+          </a:p>
+        </p:txBody>
+      </p:sp>
+    </p:spTree>
+    <p:extLst>
+      <p:ext uri="{BB962C8B-B14F-4D97-AF65-F5344CB8AC3E}">
+        <p14:creationId xmlns:p14="http://schemas.microsoft.com/office/powerpoint/2010/main" val="4277213233"/>
+      </p:ext>
+    </p:extLst>
+  </p:cSld>
+  <p:clrMapOvr>
+    <a:masterClrMapping/>
+  </p:clrMapOvr>
+  <p:timing>
+    <p:tnLst>
+      <p:par>
+        <p:cTn id="1" dur="indefinite" restart="never" nodeType="tmRoot"/>
+      </p:par>
+    </p:tnLst>
+  </p:timing>
+</p:sld>
+</file>
+
+<file path=ppt/slides/slide13.xml><?xml version="1.0" encoding="utf-8"?>
+<p:sld xmlns:a="http://schemas.openxmlformats.org/drawingml/2006/main" xmlns:r="http://schemas.openxmlformats.org/officeDocument/2006/relationships" xmlns:p="http://schemas.openxmlformats.org/presentationml/2006/main">
+  <p:cSld>
+    <p:spTree>
+      <p:nvGrpSpPr>
+        <p:cNvPr id="1" name=""/>
+        <p:cNvGrpSpPr/>
+        <p:nvPr/>
+      </p:nvGrpSpPr>
+      <p:grpSpPr>
+        <a:xfrm>
+          <a:off x="0" y="0"/>
+          <a:ext cx="0" cy="0"/>
+          <a:chOff x="0" y="0"/>
+          <a:chExt cx="0" cy="0"/>
+        </a:xfrm>
+      </p:grpSpPr>
+      <p:grpSp>
+        <p:nvGrpSpPr>
+          <p:cNvPr id="2" name="그룹 1"/>
+          <p:cNvGrpSpPr/>
+          <p:nvPr/>
+        </p:nvGrpSpPr>
+        <p:grpSpPr>
+          <a:xfrm>
+            <a:off x="175953" y="206639"/>
+            <a:ext cx="1901886" cy="541508"/>
+            <a:chOff x="4232564" y="2276508"/>
+            <a:chExt cx="1901886" cy="541508"/>
+          </a:xfrm>
+        </p:grpSpPr>
+        <p:grpSp>
+          <p:nvGrpSpPr>
+            <p:cNvPr id="3" name="그룹 2"/>
+            <p:cNvGrpSpPr/>
+            <p:nvPr/>
+          </p:nvGrpSpPr>
+          <p:grpSpPr>
+            <a:xfrm>
+              <a:off x="4232564" y="2276508"/>
+              <a:ext cx="712648" cy="541508"/>
+              <a:chOff x="3115591" y="4405745"/>
+              <a:chExt cx="4089168" cy="3107176"/>
+            </a:xfrm>
+          </p:grpSpPr>
+          <p:sp>
+            <p:nvSpPr>
+              <p:cNvPr id="6" name="평행 사변형 5"/>
+              <p:cNvSpPr/>
+              <p:nvPr/>
+            </p:nvSpPr>
+            <p:spPr>
+              <a:xfrm>
+                <a:off x="3379408" y="4636717"/>
+                <a:ext cx="3825351" cy="2876204"/>
+              </a:xfrm>
+              <a:prstGeom prst="parallelogram">
+                <a:avLst/>
+              </a:prstGeom>
+              <a:solidFill>
+                <a:srgbClr val="6C5B7B"/>
+              </a:solidFill>
+              <a:ln>
+                <a:noFill/>
+              </a:ln>
+            </p:spPr>
+            <p:style>
+              <a:lnRef idx="2">
+                <a:schemeClr val="accent1">
+                  <a:shade val="50000"/>
+                </a:schemeClr>
+              </a:lnRef>
+              <a:fillRef idx="1">
+                <a:schemeClr val="accent1"/>
+              </a:fillRef>
+              <a:effectRef idx="0">
+                <a:schemeClr val="accent1"/>
+              </a:effectRef>
+              <a:fontRef idx="minor">
+                <a:schemeClr val="lt1"/>
+              </a:fontRef>
+            </p:style>
+            <p:txBody>
+              <a:bodyPr rtlCol="0" anchor="ctr"/>
+              <a:lstStyle/>
+              <a:p>
+                <a:pPr algn="ctr"/>
+                <a:endParaRPr lang="ko-KR" altLang="en-US"/>
+              </a:p>
+            </p:txBody>
+          </p:sp>
+          <p:sp>
+            <p:nvSpPr>
+              <p:cNvPr id="7" name="평행 사변형 6"/>
+              <p:cNvSpPr/>
+              <p:nvPr/>
+            </p:nvSpPr>
+            <p:spPr>
+              <a:xfrm>
+                <a:off x="3115591" y="4405745"/>
+                <a:ext cx="3825352" cy="2876204"/>
+              </a:xfrm>
+              <a:prstGeom prst="parallelogram">
+                <a:avLst/>
+              </a:prstGeom>
+              <a:solidFill>
+                <a:srgbClr val="F67280"/>
+              </a:solidFill>
+              <a:ln>
+                <a:noFill/>
+              </a:ln>
+            </p:spPr>
+            <p:style>
+              <a:lnRef idx="2">
+                <a:schemeClr val="accent1">
+                  <a:shade val="50000"/>
+                </a:schemeClr>
+              </a:lnRef>
+              <a:fillRef idx="1">
+                <a:schemeClr val="accent1"/>
+              </a:fillRef>
+              <a:effectRef idx="0">
+                <a:schemeClr val="accent1"/>
+              </a:effectRef>
+              <a:fontRef idx="minor">
+                <a:schemeClr val="lt1"/>
+              </a:fontRef>
+            </p:style>
+            <p:txBody>
+              <a:bodyPr rtlCol="0" anchor="ctr"/>
+              <a:lstStyle/>
+              <a:p>
+                <a:pPr algn="ctr"/>
+                <a:endParaRPr lang="ko-KR" altLang="en-US"/>
+              </a:p>
+            </p:txBody>
+          </p:sp>
+        </p:grpSp>
+        <p:sp>
+          <p:nvSpPr>
+            <p:cNvPr id="4" name="TextBox 3"/>
+            <p:cNvSpPr txBox="1"/>
+            <p:nvPr/>
+          </p:nvSpPr>
+          <p:spPr>
+            <a:xfrm>
+              <a:off x="5201181" y="2327080"/>
+              <a:ext cx="933269" cy="400110"/>
+            </a:xfrm>
+            <a:prstGeom prst="rect">
+              <a:avLst/>
+            </a:prstGeom>
+            <a:noFill/>
+          </p:spPr>
+          <p:txBody>
+            <a:bodyPr wrap="none" rtlCol="0">
+              <a:spAutoFit/>
+            </a:bodyPr>
+            <a:lstStyle/>
+            <a:p>
+              <a:r>
+                <a:rPr lang="en-US" altLang="ko-KR" sz="2000" dirty="0" smtClean="0">
+                  <a:solidFill>
+                    <a:srgbClr val="6C5B7B"/>
+                  </a:solidFill>
+                  <a:latin typeface="KoPub돋움체 Bold" panose="02020603020101020101" pitchFamily="18" charset="-127"/>
+                  <a:ea typeface="KoPub돋움체 Bold" panose="02020603020101020101" pitchFamily="18" charset="-127"/>
+                </a:rPr>
+                <a:t>UI </a:t>
+              </a:r>
+              <a:r>
+                <a:rPr lang="ko-KR" altLang="en-US" sz="2000" dirty="0" smtClean="0">
+                  <a:solidFill>
+                    <a:srgbClr val="6C5B7B"/>
+                  </a:solidFill>
+                  <a:latin typeface="KoPub돋움체 Bold" panose="02020603020101020101" pitchFamily="18" charset="-127"/>
+                  <a:ea typeface="KoPub돋움체 Bold" panose="02020603020101020101" pitchFamily="18" charset="-127"/>
+                </a:rPr>
+                <a:t>설명</a:t>
+              </a:r>
+              <a:endParaRPr lang="en-US" altLang="ko-KR" sz="2000" dirty="0" smtClean="0">
+                <a:solidFill>
+                  <a:srgbClr val="6C5B7B"/>
+                </a:solidFill>
+                <a:latin typeface="KoPub돋움체 Bold" panose="02020603020101020101" pitchFamily="18" charset="-127"/>
+                <a:ea typeface="KoPub돋움체 Bold" panose="02020603020101020101" pitchFamily="18" charset="-127"/>
+              </a:endParaRPr>
+            </a:p>
+          </p:txBody>
+        </p:sp>
+        <p:sp>
+          <p:nvSpPr>
+            <p:cNvPr id="5" name="TextBox 4"/>
+            <p:cNvSpPr txBox="1"/>
+            <p:nvPr/>
+          </p:nvSpPr>
+          <p:spPr>
+            <a:xfrm>
+              <a:off x="4358150" y="2357858"/>
+              <a:ext cx="418704" cy="338554"/>
+            </a:xfrm>
+            <a:prstGeom prst="rect">
+              <a:avLst/>
+            </a:prstGeom>
+            <a:noFill/>
+          </p:spPr>
+          <p:txBody>
+            <a:bodyPr wrap="none" rtlCol="0">
+              <a:spAutoFit/>
+            </a:bodyPr>
+            <a:lstStyle/>
+            <a:p>
+              <a:r>
+                <a:rPr lang="en-US" altLang="ko-KR" sz="1600" dirty="0" smtClean="0">
+                  <a:solidFill>
+                    <a:schemeClr val="bg1"/>
+                  </a:solidFill>
+                  <a:latin typeface="KoPub돋움체 Light" panose="02020603020101020101" pitchFamily="18" charset="-127"/>
+                  <a:ea typeface="KoPub돋움체 Light" panose="02020603020101020101" pitchFamily="18" charset="-127"/>
+                </a:rPr>
+                <a:t>04</a:t>
+              </a:r>
+              <a:endParaRPr lang="ko-KR" altLang="en-US" sz="1600" dirty="0">
+                <a:solidFill>
+                  <a:schemeClr val="bg1"/>
+                </a:solidFill>
+                <a:latin typeface="KoPub돋움체 Light" panose="02020603020101020101" pitchFamily="18" charset="-127"/>
+                <a:ea typeface="KoPub돋움체 Light" panose="02020603020101020101" pitchFamily="18" charset="-127"/>
+              </a:endParaRPr>
+            </a:p>
+          </p:txBody>
+        </p:sp>
+      </p:grpSp>
+      <p:pic>
+        <p:nvPicPr>
+          <p:cNvPr id="8" name="그림 7"/>
+          <p:cNvPicPr>
+            <a:picLocks noChangeAspect="1"/>
+          </p:cNvPicPr>
+          <p:nvPr/>
+        </p:nvPicPr>
+        <p:blipFill>
+          <a:blip r:embed="rId2"/>
+          <a:stretch>
+            <a:fillRect/>
+          </a:stretch>
+        </p:blipFill>
+        <p:spPr>
+          <a:xfrm>
+            <a:off x="4290753" y="209374"/>
+            <a:ext cx="3610494" cy="6439252"/>
+          </a:xfrm>
+          <a:prstGeom prst="rect">
+            <a:avLst/>
+          </a:prstGeom>
+        </p:spPr>
+      </p:pic>
+    </p:spTree>
+    <p:extLst>
+      <p:ext uri="{BB962C8B-B14F-4D97-AF65-F5344CB8AC3E}">
+        <p14:creationId xmlns:p14="http://schemas.microsoft.com/office/powerpoint/2010/main" val="669731534"/>
+      </p:ext>
+    </p:extLst>
+  </p:cSld>
+  <p:clrMapOvr>
+    <a:masterClrMapping/>
+  </p:clrMapOvr>
+  <p:timing>
+    <p:tnLst>
+      <p:par>
+        <p:cTn id="1" dur="indefinite" restart="never" nodeType="tmRoot"/>
+      </p:par>
+    </p:tnLst>
+  </p:timing>
+</p:sld>
+</file>
+
+<file path=ppt/slides/slide14.xml><?xml version="1.0" encoding="utf-8"?>
+<p:sld xmlns:a="http://schemas.openxmlformats.org/drawingml/2006/main" xmlns:r="http://schemas.openxmlformats.org/officeDocument/2006/relationships" xmlns:p="http://schemas.openxmlformats.org/presentationml/2006/main">
+  <p:cSld>
+    <p:spTree>
+      <p:nvGrpSpPr>
+        <p:cNvPr id="1" name=""/>
+        <p:cNvGrpSpPr/>
+        <p:nvPr/>
+      </p:nvGrpSpPr>
+      <p:grpSpPr>
+        <a:xfrm>
+          <a:off x="0" y="0"/>
+          <a:ext cx="0" cy="0"/>
+          <a:chOff x="0" y="0"/>
+          <a:chExt cx="0" cy="0"/>
+        </a:xfrm>
+      </p:grpSpPr>
+      <p:grpSp>
+        <p:nvGrpSpPr>
+          <p:cNvPr id="2" name="그룹 1"/>
+          <p:cNvGrpSpPr/>
+          <p:nvPr/>
+        </p:nvGrpSpPr>
+        <p:grpSpPr>
+          <a:xfrm>
+            <a:off x="175953" y="206639"/>
+            <a:ext cx="1901886" cy="541508"/>
+            <a:chOff x="4232564" y="2276508"/>
+            <a:chExt cx="1901886" cy="541508"/>
+          </a:xfrm>
+        </p:grpSpPr>
+        <p:grpSp>
+          <p:nvGrpSpPr>
+            <p:cNvPr id="3" name="그룹 2"/>
+            <p:cNvGrpSpPr/>
+            <p:nvPr/>
+          </p:nvGrpSpPr>
+          <p:grpSpPr>
+            <a:xfrm>
+              <a:off x="4232564" y="2276508"/>
+              <a:ext cx="712648" cy="541508"/>
+              <a:chOff x="3115591" y="4405745"/>
+              <a:chExt cx="4089168" cy="3107176"/>
+            </a:xfrm>
+          </p:grpSpPr>
+          <p:sp>
+            <p:nvSpPr>
+              <p:cNvPr id="6" name="평행 사변형 5"/>
+              <p:cNvSpPr/>
+              <p:nvPr/>
+            </p:nvSpPr>
+            <p:spPr>
+              <a:xfrm>
+                <a:off x="3379408" y="4636717"/>
+                <a:ext cx="3825351" cy="2876204"/>
+              </a:xfrm>
+              <a:prstGeom prst="parallelogram">
+                <a:avLst/>
+              </a:prstGeom>
+              <a:solidFill>
+                <a:srgbClr val="6C5B7B"/>
+              </a:solidFill>
+              <a:ln>
+                <a:noFill/>
+              </a:ln>
+            </p:spPr>
+            <p:style>
+              <a:lnRef idx="2">
+                <a:schemeClr val="accent1">
+                  <a:shade val="50000"/>
+                </a:schemeClr>
+              </a:lnRef>
+              <a:fillRef idx="1">
+                <a:schemeClr val="accent1"/>
+              </a:fillRef>
+              <a:effectRef idx="0">
+                <a:schemeClr val="accent1"/>
+              </a:effectRef>
+              <a:fontRef idx="minor">
+                <a:schemeClr val="lt1"/>
+              </a:fontRef>
+            </p:style>
+            <p:txBody>
+              <a:bodyPr rtlCol="0" anchor="ctr"/>
+              <a:lstStyle/>
+              <a:p>
+                <a:pPr algn="ctr"/>
+                <a:endParaRPr lang="ko-KR" altLang="en-US"/>
+              </a:p>
+            </p:txBody>
+          </p:sp>
+          <p:sp>
+            <p:nvSpPr>
+              <p:cNvPr id="7" name="평행 사변형 6"/>
+              <p:cNvSpPr/>
+              <p:nvPr/>
+            </p:nvSpPr>
+            <p:spPr>
+              <a:xfrm>
+                <a:off x="3115591" y="4405745"/>
+                <a:ext cx="3825352" cy="2876204"/>
+              </a:xfrm>
+              <a:prstGeom prst="parallelogram">
+                <a:avLst/>
+              </a:prstGeom>
+              <a:solidFill>
+                <a:srgbClr val="F67280"/>
+              </a:solidFill>
+              <a:ln>
+                <a:noFill/>
+              </a:ln>
+            </p:spPr>
+            <p:style>
+              <a:lnRef idx="2">
+                <a:schemeClr val="accent1">
+                  <a:shade val="50000"/>
+                </a:schemeClr>
+              </a:lnRef>
+              <a:fillRef idx="1">
+                <a:schemeClr val="accent1"/>
+              </a:fillRef>
+              <a:effectRef idx="0">
+                <a:schemeClr val="accent1"/>
+              </a:effectRef>
+              <a:fontRef idx="minor">
+                <a:schemeClr val="lt1"/>
+              </a:fontRef>
+            </p:style>
+            <p:txBody>
+              <a:bodyPr rtlCol="0" anchor="ctr"/>
+              <a:lstStyle/>
+              <a:p>
+                <a:pPr algn="ctr"/>
+                <a:endParaRPr lang="ko-KR" altLang="en-US"/>
+              </a:p>
+            </p:txBody>
+          </p:sp>
+        </p:grpSp>
+        <p:sp>
+          <p:nvSpPr>
+            <p:cNvPr id="4" name="TextBox 3"/>
+            <p:cNvSpPr txBox="1"/>
+            <p:nvPr/>
+          </p:nvSpPr>
+          <p:spPr>
+            <a:xfrm>
+              <a:off x="5201181" y="2327080"/>
+              <a:ext cx="933269" cy="400110"/>
+            </a:xfrm>
+            <a:prstGeom prst="rect">
+              <a:avLst/>
+            </a:prstGeom>
+            <a:noFill/>
+          </p:spPr>
+          <p:txBody>
+            <a:bodyPr wrap="none" rtlCol="0">
+              <a:spAutoFit/>
+            </a:bodyPr>
+            <a:lstStyle/>
+            <a:p>
+              <a:r>
+                <a:rPr lang="en-US" altLang="ko-KR" sz="2000" dirty="0" smtClean="0">
+                  <a:solidFill>
+                    <a:srgbClr val="6C5B7B"/>
+                  </a:solidFill>
+                  <a:latin typeface="KoPub돋움체 Bold" panose="02020603020101020101" pitchFamily="18" charset="-127"/>
+                  <a:ea typeface="KoPub돋움체 Bold" panose="02020603020101020101" pitchFamily="18" charset="-127"/>
+                </a:rPr>
+                <a:t>UI </a:t>
+              </a:r>
+              <a:r>
+                <a:rPr lang="ko-KR" altLang="en-US" sz="2000" dirty="0" smtClean="0">
+                  <a:solidFill>
+                    <a:srgbClr val="6C5B7B"/>
+                  </a:solidFill>
+                  <a:latin typeface="KoPub돋움체 Bold" panose="02020603020101020101" pitchFamily="18" charset="-127"/>
+                  <a:ea typeface="KoPub돋움체 Bold" panose="02020603020101020101" pitchFamily="18" charset="-127"/>
+                </a:rPr>
+                <a:t>설명</a:t>
+              </a:r>
+              <a:endParaRPr lang="en-US" altLang="ko-KR" sz="2000" dirty="0" smtClean="0">
+                <a:solidFill>
+                  <a:srgbClr val="6C5B7B"/>
+                </a:solidFill>
+                <a:latin typeface="KoPub돋움체 Bold" panose="02020603020101020101" pitchFamily="18" charset="-127"/>
+                <a:ea typeface="KoPub돋움체 Bold" panose="02020603020101020101" pitchFamily="18" charset="-127"/>
+              </a:endParaRPr>
+            </a:p>
+          </p:txBody>
+        </p:sp>
+        <p:sp>
+          <p:nvSpPr>
+            <p:cNvPr id="5" name="TextBox 4"/>
+            <p:cNvSpPr txBox="1"/>
+            <p:nvPr/>
+          </p:nvSpPr>
+          <p:spPr>
+            <a:xfrm>
+              <a:off x="4358150" y="2357858"/>
+              <a:ext cx="418704" cy="338554"/>
+            </a:xfrm>
+            <a:prstGeom prst="rect">
+              <a:avLst/>
+            </a:prstGeom>
+            <a:noFill/>
+          </p:spPr>
+          <p:txBody>
+            <a:bodyPr wrap="none" rtlCol="0">
+              <a:spAutoFit/>
+            </a:bodyPr>
+            <a:lstStyle/>
+            <a:p>
+              <a:r>
+                <a:rPr lang="en-US" altLang="ko-KR" sz="1600" dirty="0" smtClean="0">
+                  <a:solidFill>
+                    <a:schemeClr val="bg1"/>
+                  </a:solidFill>
+                  <a:latin typeface="KoPub돋움체 Light" panose="02020603020101020101" pitchFamily="18" charset="-127"/>
+                  <a:ea typeface="KoPub돋움체 Light" panose="02020603020101020101" pitchFamily="18" charset="-127"/>
+                </a:rPr>
+                <a:t>04</a:t>
+              </a:r>
+              <a:endParaRPr lang="ko-KR" altLang="en-US" sz="1600" dirty="0">
+                <a:solidFill>
+                  <a:schemeClr val="bg1"/>
+                </a:solidFill>
+                <a:latin typeface="KoPub돋움체 Light" panose="02020603020101020101" pitchFamily="18" charset="-127"/>
+                <a:ea typeface="KoPub돋움체 Light" panose="02020603020101020101" pitchFamily="18" charset="-127"/>
+              </a:endParaRPr>
+            </a:p>
+          </p:txBody>
+        </p:sp>
+      </p:grpSp>
+      <p:sp>
+        <p:nvSpPr>
+          <p:cNvPr id="8" name="TextBox 7"/>
+          <p:cNvSpPr txBox="1"/>
+          <p:nvPr/>
+        </p:nvSpPr>
+        <p:spPr>
+          <a:xfrm>
+            <a:off x="4537364" y="2875002"/>
+            <a:ext cx="3117273" cy="1107996"/>
+          </a:xfrm>
+          <a:prstGeom prst="rect">
+            <a:avLst/>
+          </a:prstGeom>
+          <a:noFill/>
+        </p:spPr>
+        <p:txBody>
+          <a:bodyPr wrap="square" rtlCol="0">
+            <a:spAutoFit/>
+          </a:bodyPr>
+          <a:lstStyle/>
+          <a:p>
+            <a:r>
+              <a:rPr lang="ko-KR" altLang="en-US" sz="6600" dirty="0" err="1" smtClean="0">
+                <a:latin typeface="KoPubWorld돋움체 Bold" panose="00000800000000000000" pitchFamily="2" charset="-127"/>
+                <a:ea typeface="KoPubWorld돋움체 Bold" panose="00000800000000000000" pitchFamily="2" charset="-127"/>
+                <a:cs typeface="KoPubWorld돋움체 Bold" panose="00000800000000000000" pitchFamily="2" charset="-127"/>
+              </a:rPr>
+              <a:t>종료온도</a:t>
+            </a:r>
+            <a:endParaRPr lang="ko-KR" altLang="en-US" sz="6600" dirty="0">
+              <a:latin typeface="KoPubWorld돋움체 Bold" panose="00000800000000000000" pitchFamily="2" charset="-127"/>
+              <a:ea typeface="KoPubWorld돋움체 Bold" panose="00000800000000000000" pitchFamily="2" charset="-127"/>
+              <a:cs typeface="KoPubWorld돋움체 Bold" panose="00000800000000000000" pitchFamily="2" charset="-127"/>
+            </a:endParaRPr>
+          </a:p>
+        </p:txBody>
+      </p:sp>
+    </p:spTree>
+    <p:extLst>
+      <p:ext uri="{BB962C8B-B14F-4D97-AF65-F5344CB8AC3E}">
+        <p14:creationId xmlns:p14="http://schemas.microsoft.com/office/powerpoint/2010/main" val="953339767"/>
+      </p:ext>
+    </p:extLst>
+  </p:cSld>
+  <p:clrMapOvr>
+    <a:masterClrMapping/>
+  </p:clrMapOvr>
+  <p:timing>
+    <p:tnLst>
+      <p:par>
+        <p:cTn id="1" dur="indefinite" restart="never" nodeType="tmRoot"/>
+      </p:par>
+    </p:tnLst>
+  </p:timing>
+</p:sld>
+</file>
+
+<file path=ppt/slides/slide15.xml><?xml version="1.0" encoding="utf-8"?>
+<p:sld xmlns:a="http://schemas.openxmlformats.org/drawingml/2006/main" xmlns:r="http://schemas.openxmlformats.org/officeDocument/2006/relationships" xmlns:p="http://schemas.openxmlformats.org/presentationml/2006/main">
+  <p:cSld>
+    <p:spTree>
+      <p:nvGrpSpPr>
+        <p:cNvPr id="1" name=""/>
+        <p:cNvGrpSpPr/>
+        <p:nvPr/>
+      </p:nvGrpSpPr>
+      <p:grpSpPr>
+        <a:xfrm>
+          <a:off x="0" y="0"/>
+          <a:ext cx="0" cy="0"/>
+          <a:chOff x="0" y="0"/>
+          <a:chExt cx="0" cy="0"/>
+        </a:xfrm>
+      </p:grpSpPr>
+      <p:grpSp>
+        <p:nvGrpSpPr>
+          <p:cNvPr id="2" name="그룹 1"/>
+          <p:cNvGrpSpPr/>
+          <p:nvPr/>
+        </p:nvGrpSpPr>
+        <p:grpSpPr>
+          <a:xfrm>
+            <a:off x="175953" y="206639"/>
+            <a:ext cx="1901886" cy="541508"/>
+            <a:chOff x="4232564" y="2276508"/>
+            <a:chExt cx="1901886" cy="541508"/>
+          </a:xfrm>
+        </p:grpSpPr>
+        <p:grpSp>
+          <p:nvGrpSpPr>
+            <p:cNvPr id="3" name="그룹 2"/>
+            <p:cNvGrpSpPr/>
+            <p:nvPr/>
+          </p:nvGrpSpPr>
+          <p:grpSpPr>
+            <a:xfrm>
+              <a:off x="4232564" y="2276508"/>
+              <a:ext cx="712648" cy="541508"/>
+              <a:chOff x="3115591" y="4405745"/>
+              <a:chExt cx="4089168" cy="3107176"/>
+            </a:xfrm>
+          </p:grpSpPr>
+          <p:sp>
+            <p:nvSpPr>
+              <p:cNvPr id="6" name="평행 사변형 5"/>
+              <p:cNvSpPr/>
+              <p:nvPr/>
+            </p:nvSpPr>
+            <p:spPr>
+              <a:xfrm>
+                <a:off x="3379408" y="4636717"/>
+                <a:ext cx="3825351" cy="2876204"/>
+              </a:xfrm>
+              <a:prstGeom prst="parallelogram">
+                <a:avLst/>
+              </a:prstGeom>
+              <a:solidFill>
+                <a:srgbClr val="6C5B7B"/>
+              </a:solidFill>
+              <a:ln>
+                <a:noFill/>
+              </a:ln>
+            </p:spPr>
+            <p:style>
+              <a:lnRef idx="2">
+                <a:schemeClr val="accent1">
+                  <a:shade val="50000"/>
+                </a:schemeClr>
+              </a:lnRef>
+              <a:fillRef idx="1">
+                <a:schemeClr val="accent1"/>
+              </a:fillRef>
+              <a:effectRef idx="0">
+                <a:schemeClr val="accent1"/>
+              </a:effectRef>
+              <a:fontRef idx="minor">
+                <a:schemeClr val="lt1"/>
+              </a:fontRef>
+            </p:style>
+            <p:txBody>
+              <a:bodyPr rtlCol="0" anchor="ctr"/>
+              <a:lstStyle/>
+              <a:p>
+                <a:pPr algn="ctr"/>
+                <a:endParaRPr lang="ko-KR" altLang="en-US"/>
+              </a:p>
+            </p:txBody>
+          </p:sp>
+          <p:sp>
+            <p:nvSpPr>
+              <p:cNvPr id="7" name="평행 사변형 6"/>
+              <p:cNvSpPr/>
+              <p:nvPr/>
+            </p:nvSpPr>
+            <p:spPr>
+              <a:xfrm>
+                <a:off x="3115591" y="4405745"/>
+                <a:ext cx="3825352" cy="2876204"/>
+              </a:xfrm>
+              <a:prstGeom prst="parallelogram">
+                <a:avLst/>
+              </a:prstGeom>
+              <a:solidFill>
+                <a:srgbClr val="F67280"/>
+              </a:solidFill>
+              <a:ln>
+                <a:noFill/>
+              </a:ln>
+            </p:spPr>
+            <p:style>
+              <a:lnRef idx="2">
+                <a:schemeClr val="accent1">
+                  <a:shade val="50000"/>
+                </a:schemeClr>
+              </a:lnRef>
+              <a:fillRef idx="1">
+                <a:schemeClr val="accent1"/>
+              </a:fillRef>
+              <a:effectRef idx="0">
+                <a:schemeClr val="accent1"/>
+              </a:effectRef>
+              <a:fontRef idx="minor">
+                <a:schemeClr val="lt1"/>
+              </a:fontRef>
+            </p:style>
+            <p:txBody>
+              <a:bodyPr rtlCol="0" anchor="ctr"/>
+              <a:lstStyle/>
+              <a:p>
+                <a:pPr algn="ctr"/>
+                <a:endParaRPr lang="ko-KR" altLang="en-US"/>
+              </a:p>
+            </p:txBody>
+          </p:sp>
+        </p:grpSp>
+        <p:sp>
+          <p:nvSpPr>
+            <p:cNvPr id="4" name="TextBox 3"/>
+            <p:cNvSpPr txBox="1"/>
+            <p:nvPr/>
+          </p:nvSpPr>
+          <p:spPr>
+            <a:xfrm>
+              <a:off x="5201181" y="2327080"/>
+              <a:ext cx="933269" cy="400110"/>
+            </a:xfrm>
+            <a:prstGeom prst="rect">
+              <a:avLst/>
+            </a:prstGeom>
+            <a:noFill/>
+          </p:spPr>
+          <p:txBody>
+            <a:bodyPr wrap="none" rtlCol="0">
+              <a:spAutoFit/>
+            </a:bodyPr>
+            <a:lstStyle/>
+            <a:p>
+              <a:r>
+                <a:rPr lang="en-US" altLang="ko-KR" sz="2000" dirty="0" smtClean="0">
+                  <a:solidFill>
+                    <a:srgbClr val="6C5B7B"/>
+                  </a:solidFill>
+                  <a:latin typeface="KoPub돋움체 Bold" panose="02020603020101020101" pitchFamily="18" charset="-127"/>
+                  <a:ea typeface="KoPub돋움체 Bold" panose="02020603020101020101" pitchFamily="18" charset="-127"/>
+                </a:rPr>
+                <a:t>UI </a:t>
+              </a:r>
+              <a:r>
+                <a:rPr lang="ko-KR" altLang="en-US" sz="2000" dirty="0" smtClean="0">
+                  <a:solidFill>
+                    <a:srgbClr val="6C5B7B"/>
+                  </a:solidFill>
+                  <a:latin typeface="KoPub돋움체 Bold" panose="02020603020101020101" pitchFamily="18" charset="-127"/>
+                  <a:ea typeface="KoPub돋움체 Bold" panose="02020603020101020101" pitchFamily="18" charset="-127"/>
+                </a:rPr>
+                <a:t>설명</a:t>
+              </a:r>
+              <a:endParaRPr lang="en-US" altLang="ko-KR" sz="2000" dirty="0" smtClean="0">
+                <a:solidFill>
+                  <a:srgbClr val="6C5B7B"/>
+                </a:solidFill>
+                <a:latin typeface="KoPub돋움체 Bold" panose="02020603020101020101" pitchFamily="18" charset="-127"/>
+                <a:ea typeface="KoPub돋움체 Bold" panose="02020603020101020101" pitchFamily="18" charset="-127"/>
+              </a:endParaRPr>
+            </a:p>
+          </p:txBody>
+        </p:sp>
+        <p:sp>
+          <p:nvSpPr>
+            <p:cNvPr id="5" name="TextBox 4"/>
+            <p:cNvSpPr txBox="1"/>
+            <p:nvPr/>
+          </p:nvSpPr>
+          <p:spPr>
+            <a:xfrm>
+              <a:off x="4358150" y="2357858"/>
+              <a:ext cx="418704" cy="338554"/>
+            </a:xfrm>
+            <a:prstGeom prst="rect">
+              <a:avLst/>
+            </a:prstGeom>
+            <a:noFill/>
+          </p:spPr>
+          <p:txBody>
+            <a:bodyPr wrap="none" rtlCol="0">
+              <a:spAutoFit/>
+            </a:bodyPr>
+            <a:lstStyle/>
+            <a:p>
+              <a:r>
+                <a:rPr lang="en-US" altLang="ko-KR" sz="1600" dirty="0" smtClean="0">
+                  <a:solidFill>
+                    <a:schemeClr val="bg1"/>
+                  </a:solidFill>
+                  <a:latin typeface="KoPub돋움체 Light" panose="02020603020101020101" pitchFamily="18" charset="-127"/>
+                  <a:ea typeface="KoPub돋움체 Light" panose="02020603020101020101" pitchFamily="18" charset="-127"/>
+                </a:rPr>
+                <a:t>04</a:t>
+              </a:r>
+              <a:endParaRPr lang="ko-KR" altLang="en-US" sz="1600" dirty="0">
+                <a:solidFill>
+                  <a:schemeClr val="bg1"/>
+                </a:solidFill>
+                <a:latin typeface="KoPub돋움체 Light" panose="02020603020101020101" pitchFamily="18" charset="-127"/>
+                <a:ea typeface="KoPub돋움체 Light" panose="02020603020101020101" pitchFamily="18" charset="-127"/>
+              </a:endParaRPr>
+            </a:p>
+          </p:txBody>
+        </p:sp>
+      </p:grpSp>
+      <p:pic>
+        <p:nvPicPr>
+          <p:cNvPr id="9" name="그림 8"/>
+          <p:cNvPicPr>
+            <a:picLocks noChangeAspect="1"/>
+          </p:cNvPicPr>
+          <p:nvPr/>
+        </p:nvPicPr>
+        <p:blipFill>
+          <a:blip r:embed="rId2"/>
+          <a:stretch>
+            <a:fillRect/>
+          </a:stretch>
+        </p:blipFill>
+        <p:spPr>
+          <a:xfrm>
+            <a:off x="4281271" y="166565"/>
+            <a:ext cx="3629459" cy="6524870"/>
+          </a:xfrm>
+          <a:prstGeom prst="rect">
+            <a:avLst/>
+          </a:prstGeom>
+        </p:spPr>
+      </p:pic>
+    </p:spTree>
+    <p:extLst>
+      <p:ext uri="{BB962C8B-B14F-4D97-AF65-F5344CB8AC3E}">
+        <p14:creationId xmlns:p14="http://schemas.microsoft.com/office/powerpoint/2010/main" val="2738186380"/>
+      </p:ext>
+    </p:extLst>
+  </p:cSld>
+  <p:clrMapOvr>
+    <a:masterClrMapping/>
+  </p:clrMapOvr>
+  <p:timing>
+    <p:tnLst>
+      <p:par>
+        <p:cTn id="1" dur="indefinite" restart="never" nodeType="tmRoot"/>
+      </p:par>
+    </p:tnLst>
+  </p:timing>
+</p:sld>
+</file>
+
+<file path=ppt/slides/slide16.xml><?xml version="1.0" encoding="utf-8"?>
+<p:sld xmlns:a="http://schemas.openxmlformats.org/drawingml/2006/main" xmlns:r="http://schemas.openxmlformats.org/officeDocument/2006/relationships" xmlns:p="http://schemas.openxmlformats.org/presentationml/2006/main">
+  <p:cSld>
+    <p:spTree>
+      <p:nvGrpSpPr>
+        <p:cNvPr id="1" name=""/>
+        <p:cNvGrpSpPr/>
+        <p:nvPr/>
+      </p:nvGrpSpPr>
+      <p:grpSpPr>
+        <a:xfrm>
+          <a:off x="0" y="0"/>
+          <a:ext cx="0" cy="0"/>
+          <a:chOff x="0" y="0"/>
+          <a:chExt cx="0" cy="0"/>
+        </a:xfrm>
+      </p:grpSpPr>
+      <p:grpSp>
+        <p:nvGrpSpPr>
+          <p:cNvPr id="2" name="그룹 1"/>
+          <p:cNvGrpSpPr/>
+          <p:nvPr/>
+        </p:nvGrpSpPr>
+        <p:grpSpPr>
+          <a:xfrm>
+            <a:off x="175953" y="206639"/>
+            <a:ext cx="1901886" cy="541508"/>
+            <a:chOff x="4232564" y="2276508"/>
+            <a:chExt cx="1901886" cy="541508"/>
+          </a:xfrm>
+        </p:grpSpPr>
+        <p:grpSp>
+          <p:nvGrpSpPr>
+            <p:cNvPr id="3" name="그룹 2"/>
+            <p:cNvGrpSpPr/>
+            <p:nvPr/>
+          </p:nvGrpSpPr>
+          <p:grpSpPr>
+            <a:xfrm>
+              <a:off x="4232564" y="2276508"/>
+              <a:ext cx="712648" cy="541508"/>
+              <a:chOff x="3115591" y="4405745"/>
+              <a:chExt cx="4089168" cy="3107176"/>
+            </a:xfrm>
+          </p:grpSpPr>
+          <p:sp>
+            <p:nvSpPr>
+              <p:cNvPr id="6" name="평행 사변형 5"/>
+              <p:cNvSpPr/>
+              <p:nvPr/>
+            </p:nvSpPr>
+            <p:spPr>
+              <a:xfrm>
+                <a:off x="3379408" y="4636717"/>
+                <a:ext cx="3825351" cy="2876204"/>
+              </a:xfrm>
+              <a:prstGeom prst="parallelogram">
+                <a:avLst/>
+              </a:prstGeom>
+              <a:solidFill>
+                <a:srgbClr val="6C5B7B"/>
+              </a:solidFill>
+              <a:ln>
+                <a:noFill/>
+              </a:ln>
+            </p:spPr>
+            <p:style>
+              <a:lnRef idx="2">
+                <a:schemeClr val="accent1">
+                  <a:shade val="50000"/>
+                </a:schemeClr>
+              </a:lnRef>
+              <a:fillRef idx="1">
+                <a:schemeClr val="accent1"/>
+              </a:fillRef>
+              <a:effectRef idx="0">
+                <a:schemeClr val="accent1"/>
+              </a:effectRef>
+              <a:fontRef idx="minor">
+                <a:schemeClr val="lt1"/>
+              </a:fontRef>
+            </p:style>
+            <p:txBody>
+              <a:bodyPr rtlCol="0" anchor="ctr"/>
+              <a:lstStyle/>
+              <a:p>
+                <a:pPr algn="ctr"/>
+                <a:endParaRPr lang="ko-KR" altLang="en-US"/>
+              </a:p>
+            </p:txBody>
+          </p:sp>
+          <p:sp>
+            <p:nvSpPr>
+              <p:cNvPr id="7" name="평행 사변형 6"/>
+              <p:cNvSpPr/>
+              <p:nvPr/>
+            </p:nvSpPr>
+            <p:spPr>
+              <a:xfrm>
+                <a:off x="3115591" y="4405745"/>
+                <a:ext cx="3825352" cy="2876204"/>
+              </a:xfrm>
+              <a:prstGeom prst="parallelogram">
+                <a:avLst/>
+              </a:prstGeom>
+              <a:solidFill>
+                <a:srgbClr val="F67280"/>
+              </a:solidFill>
+              <a:ln>
+                <a:noFill/>
+              </a:ln>
+            </p:spPr>
+            <p:style>
+              <a:lnRef idx="2">
+                <a:schemeClr val="accent1">
+                  <a:shade val="50000"/>
+                </a:schemeClr>
+              </a:lnRef>
+              <a:fillRef idx="1">
+                <a:schemeClr val="accent1"/>
+              </a:fillRef>
+              <a:effectRef idx="0">
+                <a:schemeClr val="accent1"/>
+              </a:effectRef>
+              <a:fontRef idx="minor">
+                <a:schemeClr val="lt1"/>
+              </a:fontRef>
+            </p:style>
+            <p:txBody>
+              <a:bodyPr rtlCol="0" anchor="ctr"/>
+              <a:lstStyle/>
+              <a:p>
+                <a:pPr algn="ctr"/>
+                <a:endParaRPr lang="ko-KR" altLang="en-US"/>
+              </a:p>
+            </p:txBody>
+          </p:sp>
+        </p:grpSp>
+        <p:sp>
+          <p:nvSpPr>
+            <p:cNvPr id="4" name="TextBox 3"/>
+            <p:cNvSpPr txBox="1"/>
+            <p:nvPr/>
+          </p:nvSpPr>
+          <p:spPr>
+            <a:xfrm>
+              <a:off x="5201181" y="2327080"/>
+              <a:ext cx="933269" cy="400110"/>
+            </a:xfrm>
+            <a:prstGeom prst="rect">
+              <a:avLst/>
+            </a:prstGeom>
+            <a:noFill/>
+          </p:spPr>
+          <p:txBody>
+            <a:bodyPr wrap="none" rtlCol="0">
+              <a:spAutoFit/>
+            </a:bodyPr>
+            <a:lstStyle/>
+            <a:p>
+              <a:r>
+                <a:rPr lang="en-US" altLang="ko-KR" sz="2000" dirty="0" smtClean="0">
+                  <a:solidFill>
+                    <a:srgbClr val="6C5B7B"/>
+                  </a:solidFill>
+                  <a:latin typeface="KoPub돋움체 Bold" panose="02020603020101020101" pitchFamily="18" charset="-127"/>
+                  <a:ea typeface="KoPub돋움체 Bold" panose="02020603020101020101" pitchFamily="18" charset="-127"/>
+                </a:rPr>
+                <a:t>UI </a:t>
+              </a:r>
+              <a:r>
+                <a:rPr lang="ko-KR" altLang="en-US" sz="2000" dirty="0" smtClean="0">
+                  <a:solidFill>
+                    <a:srgbClr val="6C5B7B"/>
+                  </a:solidFill>
+                  <a:latin typeface="KoPub돋움체 Bold" panose="02020603020101020101" pitchFamily="18" charset="-127"/>
+                  <a:ea typeface="KoPub돋움체 Bold" panose="02020603020101020101" pitchFamily="18" charset="-127"/>
+                </a:rPr>
+                <a:t>설명</a:t>
+              </a:r>
+              <a:endParaRPr lang="en-US" altLang="ko-KR" sz="2000" dirty="0" smtClean="0">
+                <a:solidFill>
+                  <a:srgbClr val="6C5B7B"/>
+                </a:solidFill>
+                <a:latin typeface="KoPub돋움체 Bold" panose="02020603020101020101" pitchFamily="18" charset="-127"/>
+                <a:ea typeface="KoPub돋움체 Bold" panose="02020603020101020101" pitchFamily="18" charset="-127"/>
+              </a:endParaRPr>
+            </a:p>
+          </p:txBody>
+        </p:sp>
+        <p:sp>
+          <p:nvSpPr>
+            <p:cNvPr id="5" name="TextBox 4"/>
+            <p:cNvSpPr txBox="1"/>
+            <p:nvPr/>
+          </p:nvSpPr>
+          <p:spPr>
+            <a:xfrm>
+              <a:off x="4358150" y="2357858"/>
+              <a:ext cx="418704" cy="338554"/>
+            </a:xfrm>
+            <a:prstGeom prst="rect">
+              <a:avLst/>
+            </a:prstGeom>
+            <a:noFill/>
+          </p:spPr>
+          <p:txBody>
+            <a:bodyPr wrap="none" rtlCol="0">
+              <a:spAutoFit/>
+            </a:bodyPr>
+            <a:lstStyle/>
+            <a:p>
+              <a:r>
+                <a:rPr lang="en-US" altLang="ko-KR" sz="1600" dirty="0" smtClean="0">
+                  <a:solidFill>
+                    <a:schemeClr val="bg1"/>
+                  </a:solidFill>
+                  <a:latin typeface="KoPub돋움체 Light" panose="02020603020101020101" pitchFamily="18" charset="-127"/>
+                  <a:ea typeface="KoPub돋움체 Light" panose="02020603020101020101" pitchFamily="18" charset="-127"/>
+                </a:rPr>
+                <a:t>04</a:t>
+              </a:r>
+              <a:endParaRPr lang="ko-KR" altLang="en-US" sz="1600" dirty="0">
+                <a:solidFill>
+                  <a:schemeClr val="bg1"/>
+                </a:solidFill>
+                <a:latin typeface="KoPub돋움체 Light" panose="02020603020101020101" pitchFamily="18" charset="-127"/>
+                <a:ea typeface="KoPub돋움체 Light" panose="02020603020101020101" pitchFamily="18" charset="-127"/>
+              </a:endParaRPr>
+            </a:p>
+          </p:txBody>
+        </p:sp>
+      </p:grpSp>
+      <p:sp>
+        <p:nvSpPr>
+          <p:cNvPr id="8" name="TextBox 7"/>
+          <p:cNvSpPr txBox="1"/>
+          <p:nvPr/>
+        </p:nvSpPr>
+        <p:spPr>
+          <a:xfrm>
+            <a:off x="4537364" y="2875002"/>
+            <a:ext cx="3117273" cy="1107996"/>
+          </a:xfrm>
+          <a:prstGeom prst="rect">
+            <a:avLst/>
+          </a:prstGeom>
+          <a:noFill/>
+        </p:spPr>
+        <p:txBody>
+          <a:bodyPr wrap="square" rtlCol="0">
+            <a:spAutoFit/>
+          </a:bodyPr>
+          <a:lstStyle/>
+          <a:p>
+            <a:r>
+              <a:rPr lang="ko-KR" altLang="en-US" sz="6600" dirty="0" smtClean="0">
+                <a:latin typeface="KoPubWorld돋움체 Bold" panose="00000800000000000000" pitchFamily="2" charset="-127"/>
+                <a:ea typeface="KoPubWorld돋움체 Bold" panose="00000800000000000000" pitchFamily="2" charset="-127"/>
+                <a:cs typeface="KoPubWorld돋움체 Bold" panose="00000800000000000000" pitchFamily="2" charset="-127"/>
+              </a:rPr>
+              <a:t>업데이</a:t>
+            </a:r>
+            <a:r>
+              <a:rPr lang="ko-KR" altLang="en-US" sz="6600" dirty="0" smtClean="0">
+                <a:latin typeface="KoPubWorld돋움체 Bold" panose="00000800000000000000" pitchFamily="2" charset="-127"/>
+                <a:ea typeface="KoPubWorld돋움체 Bold" panose="00000800000000000000" pitchFamily="2" charset="-127"/>
+                <a:cs typeface="KoPubWorld돋움체 Bold" panose="00000800000000000000" pitchFamily="2" charset="-127"/>
+              </a:rPr>
+              <a:t>트</a:t>
+            </a:r>
+            <a:endParaRPr lang="ko-KR" altLang="en-US" sz="6600" dirty="0">
+              <a:latin typeface="KoPubWorld돋움체 Bold" panose="00000800000000000000" pitchFamily="2" charset="-127"/>
+              <a:ea typeface="KoPubWorld돋움체 Bold" panose="00000800000000000000" pitchFamily="2" charset="-127"/>
+              <a:cs typeface="KoPubWorld돋움체 Bold" panose="00000800000000000000" pitchFamily="2" charset="-127"/>
+            </a:endParaRPr>
+          </a:p>
+        </p:txBody>
+      </p:sp>
+    </p:spTree>
+    <p:extLst>
+      <p:ext uri="{BB962C8B-B14F-4D97-AF65-F5344CB8AC3E}">
+        <p14:creationId xmlns:p14="http://schemas.microsoft.com/office/powerpoint/2010/main" val="2155386988"/>
+      </p:ext>
+    </p:extLst>
+  </p:cSld>
+  <p:clrMapOvr>
+    <a:masterClrMapping/>
+  </p:clrMapOvr>
+  <p:timing>
+    <p:tnLst>
+      <p:par>
+        <p:cTn id="1" dur="indefinite" restart="never" nodeType="tmRoot"/>
+      </p:par>
+    </p:tnLst>
+  </p:timing>
+</p:sld>
+</file>
+
+<file path=ppt/slides/slide17.xml><?xml version="1.0" encoding="utf-8"?>
+<p:sld xmlns:a="http://schemas.openxmlformats.org/drawingml/2006/main" xmlns:r="http://schemas.openxmlformats.org/officeDocument/2006/relationships" xmlns:p="http://schemas.openxmlformats.org/presentationml/2006/main">
+  <p:cSld>
+    <p:spTree>
+      <p:nvGrpSpPr>
+        <p:cNvPr id="1" name=""/>
+        <p:cNvGrpSpPr/>
+        <p:nvPr/>
+      </p:nvGrpSpPr>
+      <p:grpSpPr>
+        <a:xfrm>
+          <a:off x="0" y="0"/>
+          <a:ext cx="0" cy="0"/>
+          <a:chOff x="0" y="0"/>
+          <a:chExt cx="0" cy="0"/>
+        </a:xfrm>
+      </p:grpSpPr>
+      <p:grpSp>
+        <p:nvGrpSpPr>
+          <p:cNvPr id="2" name="그룹 1"/>
+          <p:cNvGrpSpPr/>
+          <p:nvPr/>
+        </p:nvGrpSpPr>
+        <p:grpSpPr>
+          <a:xfrm>
+            <a:off x="175953" y="206639"/>
+            <a:ext cx="1901886" cy="541508"/>
+            <a:chOff x="4232564" y="2276508"/>
+            <a:chExt cx="1901886" cy="541508"/>
+          </a:xfrm>
+        </p:grpSpPr>
+        <p:grpSp>
+          <p:nvGrpSpPr>
+            <p:cNvPr id="3" name="그룹 2"/>
+            <p:cNvGrpSpPr/>
+            <p:nvPr/>
+          </p:nvGrpSpPr>
+          <p:grpSpPr>
+            <a:xfrm>
+              <a:off x="4232564" y="2276508"/>
+              <a:ext cx="712648" cy="541508"/>
+              <a:chOff x="3115591" y="4405745"/>
+              <a:chExt cx="4089168" cy="3107176"/>
+            </a:xfrm>
+          </p:grpSpPr>
+          <p:sp>
+            <p:nvSpPr>
+              <p:cNvPr id="6" name="평행 사변형 5"/>
+              <p:cNvSpPr/>
+              <p:nvPr/>
+            </p:nvSpPr>
+            <p:spPr>
+              <a:xfrm>
+                <a:off x="3379408" y="4636717"/>
+                <a:ext cx="3825351" cy="2876204"/>
+              </a:xfrm>
+              <a:prstGeom prst="parallelogram">
+                <a:avLst/>
+              </a:prstGeom>
+              <a:solidFill>
+                <a:srgbClr val="6C5B7B"/>
+              </a:solidFill>
+              <a:ln>
+                <a:noFill/>
+              </a:ln>
+            </p:spPr>
+            <p:style>
+              <a:lnRef idx="2">
+                <a:schemeClr val="accent1">
+                  <a:shade val="50000"/>
+                </a:schemeClr>
+              </a:lnRef>
+              <a:fillRef idx="1">
+                <a:schemeClr val="accent1"/>
+              </a:fillRef>
+              <a:effectRef idx="0">
+                <a:schemeClr val="accent1"/>
+              </a:effectRef>
+              <a:fontRef idx="minor">
+                <a:schemeClr val="lt1"/>
+              </a:fontRef>
+            </p:style>
+            <p:txBody>
+              <a:bodyPr rtlCol="0" anchor="ctr"/>
+              <a:lstStyle/>
+              <a:p>
+                <a:pPr algn="ctr"/>
+                <a:endParaRPr lang="ko-KR" altLang="en-US"/>
+              </a:p>
+            </p:txBody>
+          </p:sp>
+          <p:sp>
+            <p:nvSpPr>
+              <p:cNvPr id="7" name="평행 사변형 6"/>
+              <p:cNvSpPr/>
+              <p:nvPr/>
+            </p:nvSpPr>
+            <p:spPr>
+              <a:xfrm>
+                <a:off x="3115591" y="4405745"/>
+                <a:ext cx="3825352" cy="2876204"/>
+              </a:xfrm>
+              <a:prstGeom prst="parallelogram">
+                <a:avLst/>
+              </a:prstGeom>
+              <a:solidFill>
+                <a:srgbClr val="F67280"/>
+              </a:solidFill>
+              <a:ln>
+                <a:noFill/>
+              </a:ln>
+            </p:spPr>
+            <p:style>
+              <a:lnRef idx="2">
+                <a:schemeClr val="accent1">
+                  <a:shade val="50000"/>
+                </a:schemeClr>
+              </a:lnRef>
+              <a:fillRef idx="1">
+                <a:schemeClr val="accent1"/>
+              </a:fillRef>
+              <a:effectRef idx="0">
+                <a:schemeClr val="accent1"/>
+              </a:effectRef>
+              <a:fontRef idx="minor">
+                <a:schemeClr val="lt1"/>
+              </a:fontRef>
+            </p:style>
+            <p:txBody>
+              <a:bodyPr rtlCol="0" anchor="ctr"/>
+              <a:lstStyle/>
+              <a:p>
+                <a:pPr algn="ctr"/>
+                <a:endParaRPr lang="ko-KR" altLang="en-US"/>
+              </a:p>
+            </p:txBody>
+          </p:sp>
+        </p:grpSp>
+        <p:sp>
+          <p:nvSpPr>
+            <p:cNvPr id="4" name="TextBox 3"/>
+            <p:cNvSpPr txBox="1"/>
+            <p:nvPr/>
+          </p:nvSpPr>
+          <p:spPr>
+            <a:xfrm>
+              <a:off x="5201181" y="2327080"/>
+              <a:ext cx="933269" cy="400110"/>
+            </a:xfrm>
+            <a:prstGeom prst="rect">
+              <a:avLst/>
+            </a:prstGeom>
+            <a:noFill/>
+          </p:spPr>
+          <p:txBody>
+            <a:bodyPr wrap="none" rtlCol="0">
+              <a:spAutoFit/>
+            </a:bodyPr>
+            <a:lstStyle/>
+            <a:p>
+              <a:r>
+                <a:rPr lang="en-US" altLang="ko-KR" sz="2000" dirty="0" smtClean="0">
+                  <a:solidFill>
+                    <a:srgbClr val="6C5B7B"/>
+                  </a:solidFill>
+                  <a:latin typeface="KoPub돋움체 Bold" panose="02020603020101020101" pitchFamily="18" charset="-127"/>
+                  <a:ea typeface="KoPub돋움체 Bold" panose="02020603020101020101" pitchFamily="18" charset="-127"/>
+                </a:rPr>
+                <a:t>UI </a:t>
+              </a:r>
+              <a:r>
+                <a:rPr lang="ko-KR" altLang="en-US" sz="2000" dirty="0" smtClean="0">
+                  <a:solidFill>
+                    <a:srgbClr val="6C5B7B"/>
+                  </a:solidFill>
+                  <a:latin typeface="KoPub돋움체 Bold" panose="02020603020101020101" pitchFamily="18" charset="-127"/>
+                  <a:ea typeface="KoPub돋움체 Bold" panose="02020603020101020101" pitchFamily="18" charset="-127"/>
+                </a:rPr>
+                <a:t>설명</a:t>
+              </a:r>
+              <a:endParaRPr lang="en-US" altLang="ko-KR" sz="2000" dirty="0" smtClean="0">
+                <a:solidFill>
+                  <a:srgbClr val="6C5B7B"/>
+                </a:solidFill>
+                <a:latin typeface="KoPub돋움체 Bold" panose="02020603020101020101" pitchFamily="18" charset="-127"/>
+                <a:ea typeface="KoPub돋움체 Bold" panose="02020603020101020101" pitchFamily="18" charset="-127"/>
+              </a:endParaRPr>
+            </a:p>
+          </p:txBody>
+        </p:sp>
+        <p:sp>
+          <p:nvSpPr>
+            <p:cNvPr id="5" name="TextBox 4"/>
+            <p:cNvSpPr txBox="1"/>
+            <p:nvPr/>
+          </p:nvSpPr>
+          <p:spPr>
+            <a:xfrm>
+              <a:off x="4358150" y="2357858"/>
+              <a:ext cx="418704" cy="338554"/>
+            </a:xfrm>
+            <a:prstGeom prst="rect">
+              <a:avLst/>
+            </a:prstGeom>
+            <a:noFill/>
+          </p:spPr>
+          <p:txBody>
+            <a:bodyPr wrap="none" rtlCol="0">
+              <a:spAutoFit/>
+            </a:bodyPr>
+            <a:lstStyle/>
+            <a:p>
+              <a:r>
+                <a:rPr lang="en-US" altLang="ko-KR" sz="1600" dirty="0" smtClean="0">
+                  <a:solidFill>
+                    <a:schemeClr val="bg1"/>
+                  </a:solidFill>
+                  <a:latin typeface="KoPub돋움체 Light" panose="02020603020101020101" pitchFamily="18" charset="-127"/>
+                  <a:ea typeface="KoPub돋움체 Light" panose="02020603020101020101" pitchFamily="18" charset="-127"/>
+                </a:rPr>
+                <a:t>04</a:t>
+              </a:r>
+              <a:endParaRPr lang="ko-KR" altLang="en-US" sz="1600" dirty="0">
+                <a:solidFill>
+                  <a:schemeClr val="bg1"/>
+                </a:solidFill>
+                <a:latin typeface="KoPub돋움체 Light" panose="02020603020101020101" pitchFamily="18" charset="-127"/>
+                <a:ea typeface="KoPub돋움체 Light" panose="02020603020101020101" pitchFamily="18" charset="-127"/>
+              </a:endParaRPr>
+            </a:p>
+          </p:txBody>
+        </p:sp>
+      </p:grpSp>
+      <p:pic>
+        <p:nvPicPr>
+          <p:cNvPr id="10" name="그림 9"/>
+          <p:cNvPicPr>
+            <a:picLocks noChangeAspect="1"/>
+          </p:cNvPicPr>
+          <p:nvPr/>
+        </p:nvPicPr>
+        <p:blipFill>
+          <a:blip r:embed="rId2"/>
+          <a:stretch>
+            <a:fillRect/>
+          </a:stretch>
+        </p:blipFill>
+        <p:spPr>
+          <a:xfrm>
+            <a:off x="4291143" y="209199"/>
+            <a:ext cx="3609715" cy="6439603"/>
+          </a:xfrm>
+          <a:prstGeom prst="rect">
+            <a:avLst/>
+          </a:prstGeom>
+        </p:spPr>
+      </p:pic>
+    </p:spTree>
+    <p:extLst>
+      <p:ext uri="{BB962C8B-B14F-4D97-AF65-F5344CB8AC3E}">
+        <p14:creationId xmlns:p14="http://schemas.microsoft.com/office/powerpoint/2010/main" val="3421306445"/>
+      </p:ext>
+    </p:extLst>
+  </p:cSld>
+  <p:clrMapOvr>
+    <a:masterClrMapping/>
+  </p:clrMapOvr>
+  <p:timing>
+    <p:tnLst>
+      <p:par>
+        <p:cTn id="1" dur="indefinite" restart="never" nodeType="tmRoot"/>
+      </p:par>
+    </p:tnLst>
+  </p:timing>
+</p:sld>
+</file>
+
+<file path=ppt/slides/slide18.xml><?xml version="1.0" encoding="utf-8"?>
+<p:sld xmlns:a="http://schemas.openxmlformats.org/drawingml/2006/main" xmlns:r="http://schemas.openxmlformats.org/officeDocument/2006/relationships" xmlns:p="http://schemas.openxmlformats.org/presentationml/2006/main">
+  <p:cSld>
+    <p:spTree>
+      <p:nvGrpSpPr>
+        <p:cNvPr id="1" name=""/>
+        <p:cNvGrpSpPr/>
+        <p:nvPr/>
+      </p:nvGrpSpPr>
+      <p:grpSpPr>
+        <a:xfrm>
+          <a:off x="0" y="0"/>
+          <a:ext cx="0" cy="0"/>
+          <a:chOff x="0" y="0"/>
+          <a:chExt cx="0" cy="0"/>
+        </a:xfrm>
+      </p:grpSpPr>
+      <p:grpSp>
+        <p:nvGrpSpPr>
+          <p:cNvPr id="2" name="그룹 1"/>
+          <p:cNvGrpSpPr/>
+          <p:nvPr/>
+        </p:nvGrpSpPr>
+        <p:grpSpPr>
+          <a:xfrm>
+            <a:off x="175953" y="206639"/>
+            <a:ext cx="1901886" cy="541508"/>
+            <a:chOff x="4232564" y="2276508"/>
+            <a:chExt cx="1901886" cy="541508"/>
+          </a:xfrm>
+        </p:grpSpPr>
+        <p:grpSp>
+          <p:nvGrpSpPr>
+            <p:cNvPr id="3" name="그룹 2"/>
+            <p:cNvGrpSpPr/>
+            <p:nvPr/>
+          </p:nvGrpSpPr>
+          <p:grpSpPr>
+            <a:xfrm>
+              <a:off x="4232564" y="2276508"/>
+              <a:ext cx="712648" cy="541508"/>
+              <a:chOff x="3115591" y="4405745"/>
+              <a:chExt cx="4089168" cy="3107176"/>
+            </a:xfrm>
+          </p:grpSpPr>
+          <p:sp>
+            <p:nvSpPr>
+              <p:cNvPr id="6" name="평행 사변형 5"/>
+              <p:cNvSpPr/>
+              <p:nvPr/>
+            </p:nvSpPr>
+            <p:spPr>
+              <a:xfrm>
+                <a:off x="3379408" y="4636717"/>
+                <a:ext cx="3825351" cy="2876204"/>
+              </a:xfrm>
+              <a:prstGeom prst="parallelogram">
+                <a:avLst/>
+              </a:prstGeom>
+              <a:solidFill>
+                <a:srgbClr val="6C5B7B"/>
+              </a:solidFill>
+              <a:ln>
+                <a:noFill/>
+              </a:ln>
+            </p:spPr>
+            <p:style>
+              <a:lnRef idx="2">
+                <a:schemeClr val="accent1">
+                  <a:shade val="50000"/>
+                </a:schemeClr>
+              </a:lnRef>
+              <a:fillRef idx="1">
+                <a:schemeClr val="accent1"/>
+              </a:fillRef>
+              <a:effectRef idx="0">
+                <a:schemeClr val="accent1"/>
+              </a:effectRef>
+              <a:fontRef idx="minor">
+                <a:schemeClr val="lt1"/>
+              </a:fontRef>
+            </p:style>
+            <p:txBody>
+              <a:bodyPr rtlCol="0" anchor="ctr"/>
+              <a:lstStyle/>
+              <a:p>
+                <a:pPr algn="ctr"/>
+                <a:endParaRPr lang="ko-KR" altLang="en-US"/>
+              </a:p>
+            </p:txBody>
+          </p:sp>
+          <p:sp>
+            <p:nvSpPr>
+              <p:cNvPr id="7" name="평행 사변형 6"/>
+              <p:cNvSpPr/>
+              <p:nvPr/>
+            </p:nvSpPr>
+            <p:spPr>
+              <a:xfrm>
+                <a:off x="3115591" y="4405745"/>
+                <a:ext cx="3825352" cy="2876204"/>
+              </a:xfrm>
+              <a:prstGeom prst="parallelogram">
+                <a:avLst/>
+              </a:prstGeom>
+              <a:solidFill>
+                <a:srgbClr val="F67280"/>
+              </a:solidFill>
+              <a:ln>
+                <a:noFill/>
+              </a:ln>
+            </p:spPr>
+            <p:style>
+              <a:lnRef idx="2">
+                <a:schemeClr val="accent1">
+                  <a:shade val="50000"/>
+                </a:schemeClr>
+              </a:lnRef>
+              <a:fillRef idx="1">
+                <a:schemeClr val="accent1"/>
+              </a:fillRef>
+              <a:effectRef idx="0">
+                <a:schemeClr val="accent1"/>
+              </a:effectRef>
+              <a:fontRef idx="minor">
+                <a:schemeClr val="lt1"/>
+              </a:fontRef>
+            </p:style>
+            <p:txBody>
+              <a:bodyPr rtlCol="0" anchor="ctr"/>
+              <a:lstStyle/>
+              <a:p>
+                <a:pPr algn="ctr"/>
+                <a:endParaRPr lang="ko-KR" altLang="en-US"/>
+              </a:p>
+            </p:txBody>
+          </p:sp>
+        </p:grpSp>
+        <p:sp>
+          <p:nvSpPr>
+            <p:cNvPr id="4" name="TextBox 3"/>
+            <p:cNvSpPr txBox="1"/>
+            <p:nvPr/>
+          </p:nvSpPr>
+          <p:spPr>
+            <a:xfrm>
+              <a:off x="5201181" y="2327080"/>
+              <a:ext cx="933269" cy="400110"/>
+            </a:xfrm>
+            <a:prstGeom prst="rect">
+              <a:avLst/>
+            </a:prstGeom>
+            <a:noFill/>
+          </p:spPr>
+          <p:txBody>
+            <a:bodyPr wrap="none" rtlCol="0">
+              <a:spAutoFit/>
+            </a:bodyPr>
+            <a:lstStyle/>
+            <a:p>
+              <a:r>
+                <a:rPr lang="en-US" altLang="ko-KR" sz="2000" dirty="0" smtClean="0">
+                  <a:solidFill>
+                    <a:srgbClr val="6C5B7B"/>
+                  </a:solidFill>
+                  <a:latin typeface="KoPub돋움체 Bold" panose="02020603020101020101" pitchFamily="18" charset="-127"/>
+                  <a:ea typeface="KoPub돋움체 Bold" panose="02020603020101020101" pitchFamily="18" charset="-127"/>
+                </a:rPr>
+                <a:t>UI </a:t>
+              </a:r>
+              <a:r>
+                <a:rPr lang="ko-KR" altLang="en-US" sz="2000" dirty="0" smtClean="0">
+                  <a:solidFill>
+                    <a:srgbClr val="6C5B7B"/>
+                  </a:solidFill>
+                  <a:latin typeface="KoPub돋움체 Bold" panose="02020603020101020101" pitchFamily="18" charset="-127"/>
+                  <a:ea typeface="KoPub돋움체 Bold" panose="02020603020101020101" pitchFamily="18" charset="-127"/>
+                </a:rPr>
+                <a:t>설명</a:t>
+              </a:r>
+              <a:endParaRPr lang="en-US" altLang="ko-KR" sz="2000" dirty="0" smtClean="0">
+                <a:solidFill>
+                  <a:srgbClr val="6C5B7B"/>
+                </a:solidFill>
+                <a:latin typeface="KoPub돋움체 Bold" panose="02020603020101020101" pitchFamily="18" charset="-127"/>
+                <a:ea typeface="KoPub돋움체 Bold" panose="02020603020101020101" pitchFamily="18" charset="-127"/>
+              </a:endParaRPr>
+            </a:p>
+          </p:txBody>
+        </p:sp>
+        <p:sp>
+          <p:nvSpPr>
+            <p:cNvPr id="5" name="TextBox 4"/>
+            <p:cNvSpPr txBox="1"/>
+            <p:nvPr/>
+          </p:nvSpPr>
+          <p:spPr>
+            <a:xfrm>
+              <a:off x="4358150" y="2357858"/>
+              <a:ext cx="418704" cy="338554"/>
+            </a:xfrm>
+            <a:prstGeom prst="rect">
+              <a:avLst/>
+            </a:prstGeom>
+            <a:noFill/>
+          </p:spPr>
+          <p:txBody>
+            <a:bodyPr wrap="none" rtlCol="0">
+              <a:spAutoFit/>
+            </a:bodyPr>
+            <a:lstStyle/>
+            <a:p>
+              <a:r>
+                <a:rPr lang="en-US" altLang="ko-KR" sz="1600" dirty="0" smtClean="0">
+                  <a:solidFill>
+                    <a:schemeClr val="bg1"/>
+                  </a:solidFill>
+                  <a:latin typeface="KoPub돋움체 Light" panose="02020603020101020101" pitchFamily="18" charset="-127"/>
+                  <a:ea typeface="KoPub돋움체 Light" panose="02020603020101020101" pitchFamily="18" charset="-127"/>
+                </a:rPr>
+                <a:t>04</a:t>
+              </a:r>
+              <a:endParaRPr lang="ko-KR" altLang="en-US" sz="1600" dirty="0">
+                <a:solidFill>
+                  <a:schemeClr val="bg1"/>
+                </a:solidFill>
+                <a:latin typeface="KoPub돋움체 Light" panose="02020603020101020101" pitchFamily="18" charset="-127"/>
+                <a:ea typeface="KoPub돋움체 Light" panose="02020603020101020101" pitchFamily="18" charset="-127"/>
+              </a:endParaRPr>
+            </a:p>
+          </p:txBody>
+        </p:sp>
+      </p:grpSp>
+      <p:sp>
+        <p:nvSpPr>
+          <p:cNvPr id="8" name="TextBox 7"/>
+          <p:cNvSpPr txBox="1"/>
+          <p:nvPr/>
+        </p:nvSpPr>
+        <p:spPr>
+          <a:xfrm>
+            <a:off x="4537364" y="2875002"/>
+            <a:ext cx="3117273" cy="1107996"/>
+          </a:xfrm>
+          <a:prstGeom prst="rect">
+            <a:avLst/>
+          </a:prstGeom>
+          <a:noFill/>
+        </p:spPr>
+        <p:txBody>
+          <a:bodyPr wrap="square" rtlCol="0">
+            <a:spAutoFit/>
+          </a:bodyPr>
+          <a:lstStyle/>
+          <a:p>
+            <a:pPr algn="ctr"/>
+            <a:r>
+              <a:rPr lang="ko-KR" altLang="en-US" sz="6600" dirty="0" smtClean="0">
+                <a:latin typeface="KoPubWorld돋움체 Bold" panose="00000800000000000000" pitchFamily="2" charset="-127"/>
+                <a:ea typeface="KoPubWorld돋움체 Bold" panose="00000800000000000000" pitchFamily="2" charset="-127"/>
+                <a:cs typeface="KoPubWorld돋움체 Bold" panose="00000800000000000000" pitchFamily="2" charset="-127"/>
+              </a:rPr>
+              <a:t>도움말</a:t>
+            </a:r>
+            <a:endParaRPr lang="ko-KR" altLang="en-US" sz="6600" dirty="0">
+              <a:latin typeface="KoPubWorld돋움체 Bold" panose="00000800000000000000" pitchFamily="2" charset="-127"/>
+              <a:ea typeface="KoPubWorld돋움체 Bold" panose="00000800000000000000" pitchFamily="2" charset="-127"/>
+              <a:cs typeface="KoPubWorld돋움체 Bold" panose="00000800000000000000" pitchFamily="2" charset="-127"/>
+            </a:endParaRPr>
+          </a:p>
+        </p:txBody>
+      </p:sp>
+    </p:spTree>
+    <p:extLst>
+      <p:ext uri="{BB962C8B-B14F-4D97-AF65-F5344CB8AC3E}">
+        <p14:creationId xmlns:p14="http://schemas.microsoft.com/office/powerpoint/2010/main" val="3193727258"/>
+      </p:ext>
+    </p:extLst>
+  </p:cSld>
+  <p:clrMapOvr>
+    <a:masterClrMapping/>
+  </p:clrMapOvr>
+  <p:timing>
+    <p:tnLst>
+      <p:par>
+        <p:cTn id="1" dur="indefinite" restart="never" nodeType="tmRoot"/>
+      </p:par>
+    </p:tnLst>
+  </p:timing>
+</p:sld>
+</file>
+
+<file path=ppt/slides/slide19.xml><?xml version="1.0" encoding="utf-8"?>
+<p:sld xmlns:a="http://schemas.openxmlformats.org/drawingml/2006/main" xmlns:r="http://schemas.openxmlformats.org/officeDocument/2006/relationships" xmlns:p="http://schemas.openxmlformats.org/presentationml/2006/main">
+  <p:cSld>
+    <p:spTree>
+      <p:nvGrpSpPr>
+        <p:cNvPr id="1" name=""/>
+        <p:cNvGrpSpPr/>
+        <p:nvPr/>
+      </p:nvGrpSpPr>
+      <p:grpSpPr>
+        <a:xfrm>
+          <a:off x="0" y="0"/>
+          <a:ext cx="0" cy="0"/>
+          <a:chOff x="0" y="0"/>
+          <a:chExt cx="0" cy="0"/>
+        </a:xfrm>
+      </p:grpSpPr>
+      <p:grpSp>
+        <p:nvGrpSpPr>
+          <p:cNvPr id="2" name="그룹 1"/>
+          <p:cNvGrpSpPr/>
+          <p:nvPr/>
+        </p:nvGrpSpPr>
+        <p:grpSpPr>
+          <a:xfrm>
+            <a:off x="175953" y="206639"/>
+            <a:ext cx="1901886" cy="541508"/>
+            <a:chOff x="4232564" y="2276508"/>
+            <a:chExt cx="1901886" cy="541508"/>
+          </a:xfrm>
+        </p:grpSpPr>
+        <p:grpSp>
+          <p:nvGrpSpPr>
+            <p:cNvPr id="3" name="그룹 2"/>
+            <p:cNvGrpSpPr/>
+            <p:nvPr/>
+          </p:nvGrpSpPr>
+          <p:grpSpPr>
+            <a:xfrm>
+              <a:off x="4232564" y="2276508"/>
+              <a:ext cx="712648" cy="541508"/>
+              <a:chOff x="3115591" y="4405745"/>
+              <a:chExt cx="4089168" cy="3107176"/>
+            </a:xfrm>
+          </p:grpSpPr>
+          <p:sp>
+            <p:nvSpPr>
+              <p:cNvPr id="6" name="평행 사변형 5"/>
+              <p:cNvSpPr/>
+              <p:nvPr/>
+            </p:nvSpPr>
+            <p:spPr>
+              <a:xfrm>
+                <a:off x="3379408" y="4636717"/>
+                <a:ext cx="3825351" cy="2876204"/>
+              </a:xfrm>
+              <a:prstGeom prst="parallelogram">
+                <a:avLst/>
+              </a:prstGeom>
+              <a:solidFill>
+                <a:srgbClr val="6C5B7B"/>
+              </a:solidFill>
+              <a:ln>
+                <a:noFill/>
+              </a:ln>
+            </p:spPr>
+            <p:style>
+              <a:lnRef idx="2">
+                <a:schemeClr val="accent1">
+                  <a:shade val="50000"/>
+                </a:schemeClr>
+              </a:lnRef>
+              <a:fillRef idx="1">
+                <a:schemeClr val="accent1"/>
+              </a:fillRef>
+              <a:effectRef idx="0">
+                <a:schemeClr val="accent1"/>
+              </a:effectRef>
+              <a:fontRef idx="minor">
+                <a:schemeClr val="lt1"/>
+              </a:fontRef>
+            </p:style>
+            <p:txBody>
+              <a:bodyPr rtlCol="0" anchor="ctr"/>
+              <a:lstStyle/>
+              <a:p>
+                <a:pPr algn="ctr"/>
+                <a:endParaRPr lang="ko-KR" altLang="en-US"/>
+              </a:p>
+            </p:txBody>
+          </p:sp>
+          <p:sp>
+            <p:nvSpPr>
+              <p:cNvPr id="7" name="평행 사변형 6"/>
+              <p:cNvSpPr/>
+              <p:nvPr/>
+            </p:nvSpPr>
+            <p:spPr>
+              <a:xfrm>
+                <a:off x="3115591" y="4405745"/>
+                <a:ext cx="3825352" cy="2876204"/>
+              </a:xfrm>
+              <a:prstGeom prst="parallelogram">
+                <a:avLst/>
+              </a:prstGeom>
+              <a:solidFill>
+                <a:srgbClr val="F67280"/>
+              </a:solidFill>
+              <a:ln>
+                <a:noFill/>
+              </a:ln>
+            </p:spPr>
+            <p:style>
+              <a:lnRef idx="2">
+                <a:schemeClr val="accent1">
+                  <a:shade val="50000"/>
+                </a:schemeClr>
+              </a:lnRef>
+              <a:fillRef idx="1">
+                <a:schemeClr val="accent1"/>
+              </a:fillRef>
+              <a:effectRef idx="0">
+                <a:schemeClr val="accent1"/>
+              </a:effectRef>
+              <a:fontRef idx="minor">
+                <a:schemeClr val="lt1"/>
+              </a:fontRef>
+            </p:style>
+            <p:txBody>
+              <a:bodyPr rtlCol="0" anchor="ctr"/>
+              <a:lstStyle/>
+              <a:p>
+                <a:pPr algn="ctr"/>
+                <a:endParaRPr lang="ko-KR" altLang="en-US"/>
+              </a:p>
+            </p:txBody>
+          </p:sp>
+        </p:grpSp>
+        <p:sp>
+          <p:nvSpPr>
+            <p:cNvPr id="4" name="TextBox 3"/>
+            <p:cNvSpPr txBox="1"/>
+            <p:nvPr/>
+          </p:nvSpPr>
+          <p:spPr>
+            <a:xfrm>
+              <a:off x="5201181" y="2327080"/>
+              <a:ext cx="933269" cy="400110"/>
+            </a:xfrm>
+            <a:prstGeom prst="rect">
+              <a:avLst/>
+            </a:prstGeom>
+            <a:noFill/>
+          </p:spPr>
+          <p:txBody>
+            <a:bodyPr wrap="none" rtlCol="0">
+              <a:spAutoFit/>
+            </a:bodyPr>
+            <a:lstStyle/>
+            <a:p>
+              <a:r>
+                <a:rPr lang="en-US" altLang="ko-KR" sz="2000" dirty="0" smtClean="0">
+                  <a:solidFill>
+                    <a:srgbClr val="6C5B7B"/>
+                  </a:solidFill>
+                  <a:latin typeface="KoPub돋움체 Bold" panose="02020603020101020101" pitchFamily="18" charset="-127"/>
+                  <a:ea typeface="KoPub돋움체 Bold" panose="02020603020101020101" pitchFamily="18" charset="-127"/>
+                </a:rPr>
+                <a:t>UI </a:t>
+              </a:r>
+              <a:r>
+                <a:rPr lang="ko-KR" altLang="en-US" sz="2000" dirty="0" smtClean="0">
+                  <a:solidFill>
+                    <a:srgbClr val="6C5B7B"/>
+                  </a:solidFill>
+                  <a:latin typeface="KoPub돋움체 Bold" panose="02020603020101020101" pitchFamily="18" charset="-127"/>
+                  <a:ea typeface="KoPub돋움체 Bold" panose="02020603020101020101" pitchFamily="18" charset="-127"/>
+                </a:rPr>
+                <a:t>설명</a:t>
+              </a:r>
+              <a:endParaRPr lang="en-US" altLang="ko-KR" sz="2000" dirty="0" smtClean="0">
+                <a:solidFill>
+                  <a:srgbClr val="6C5B7B"/>
+                </a:solidFill>
+                <a:latin typeface="KoPub돋움체 Bold" panose="02020603020101020101" pitchFamily="18" charset="-127"/>
+                <a:ea typeface="KoPub돋움체 Bold" panose="02020603020101020101" pitchFamily="18" charset="-127"/>
+              </a:endParaRPr>
+            </a:p>
+          </p:txBody>
+        </p:sp>
+        <p:sp>
+          <p:nvSpPr>
+            <p:cNvPr id="5" name="TextBox 4"/>
+            <p:cNvSpPr txBox="1"/>
+            <p:nvPr/>
+          </p:nvSpPr>
+          <p:spPr>
+            <a:xfrm>
+              <a:off x="4358150" y="2357858"/>
+              <a:ext cx="418704" cy="338554"/>
+            </a:xfrm>
+            <a:prstGeom prst="rect">
+              <a:avLst/>
+            </a:prstGeom>
+            <a:noFill/>
+          </p:spPr>
+          <p:txBody>
+            <a:bodyPr wrap="none" rtlCol="0">
+              <a:spAutoFit/>
+            </a:bodyPr>
+            <a:lstStyle/>
+            <a:p>
+              <a:r>
+                <a:rPr lang="en-US" altLang="ko-KR" sz="1600" dirty="0" smtClean="0">
+                  <a:solidFill>
+                    <a:schemeClr val="bg1"/>
+                  </a:solidFill>
+                  <a:latin typeface="KoPub돋움체 Light" panose="02020603020101020101" pitchFamily="18" charset="-127"/>
+                  <a:ea typeface="KoPub돋움체 Light" panose="02020603020101020101" pitchFamily="18" charset="-127"/>
+                </a:rPr>
+                <a:t>04</a:t>
+              </a:r>
+              <a:endParaRPr lang="ko-KR" altLang="en-US" sz="1600" dirty="0">
+                <a:solidFill>
+                  <a:schemeClr val="bg1"/>
+                </a:solidFill>
+                <a:latin typeface="KoPub돋움체 Light" panose="02020603020101020101" pitchFamily="18" charset="-127"/>
+                <a:ea typeface="KoPub돋움체 Light" panose="02020603020101020101" pitchFamily="18" charset="-127"/>
+              </a:endParaRPr>
+            </a:p>
+          </p:txBody>
+        </p:sp>
+      </p:grpSp>
+      <p:pic>
+        <p:nvPicPr>
+          <p:cNvPr id="8" name="그림 7"/>
+          <p:cNvPicPr>
+            <a:picLocks noChangeAspect="1"/>
+          </p:cNvPicPr>
+          <p:nvPr/>
+        </p:nvPicPr>
+        <p:blipFill>
+          <a:blip r:embed="rId2"/>
+          <a:stretch>
+            <a:fillRect/>
+          </a:stretch>
+        </p:blipFill>
+        <p:spPr>
+          <a:xfrm>
+            <a:off x="4348942" y="313153"/>
+            <a:ext cx="3494117" cy="6231695"/>
+          </a:xfrm>
+          <a:prstGeom prst="rect">
+            <a:avLst/>
+          </a:prstGeom>
+        </p:spPr>
+      </p:pic>
+    </p:spTree>
+    <p:extLst>
+      <p:ext uri="{BB962C8B-B14F-4D97-AF65-F5344CB8AC3E}">
+        <p14:creationId xmlns:p14="http://schemas.microsoft.com/office/powerpoint/2010/main" val="2027731967"/>
+      </p:ext>
+    </p:extLst>
+  </p:cSld>
+  <p:clrMapOvr>
+    <a:masterClrMapping/>
+  </p:clrMapOvr>
+  <p:timing>
+    <p:tnLst>
+      <p:par>
+        <p:cTn id="1" dur="indefinite" restart="never" nodeType="tmRoot"/>
+      </p:par>
+    </p:tnLst>
+  </p:timing>
+</p:sld>
+</file>
+
 <file path=ppt/slides/slide2.xml><?xml version="1.0" encoding="utf-8"?>
 <p:sld xmlns:a="http://schemas.openxmlformats.org/drawingml/2006/main" xmlns:r="http://schemas.openxmlformats.org/officeDocument/2006/relationships" xmlns:p="http://schemas.openxmlformats.org/presentationml/2006/main">
   <p:cSld>
@@ -3424,7 +6289,7 @@
         </p:nvGrpSpPr>
         <p:grpSpPr>
           <a:xfrm>
-            <a:off x="4992718" y="2453889"/>
+            <a:off x="5062266" y="2352543"/>
             <a:ext cx="2197588" cy="541508"/>
             <a:chOff x="4186587" y="3254098"/>
             <a:chExt cx="2197588" cy="541508"/>
@@ -3624,212 +6489,16 @@
       </p:grpSp>
       <p:grpSp>
         <p:nvGrpSpPr>
-          <p:cNvPr id="33" name="그룹 32"/>
-          <p:cNvGrpSpPr/>
-          <p:nvPr/>
-        </p:nvGrpSpPr>
-        <p:grpSpPr>
-          <a:xfrm>
-            <a:off x="4958808" y="3382402"/>
-            <a:ext cx="1369993" cy="541508"/>
-            <a:chOff x="4140610" y="4231688"/>
-            <a:chExt cx="1369993" cy="541508"/>
-          </a:xfrm>
-        </p:grpSpPr>
-        <p:grpSp>
-          <p:nvGrpSpPr>
-            <p:cNvPr id="17" name="그룹 16"/>
-            <p:cNvGrpSpPr/>
-            <p:nvPr/>
-          </p:nvGrpSpPr>
-          <p:grpSpPr>
-            <a:xfrm>
-              <a:off x="4140610" y="4231688"/>
-              <a:ext cx="712648" cy="541508"/>
-              <a:chOff x="3115591" y="4405745"/>
-              <a:chExt cx="4089168" cy="3107176"/>
-            </a:xfrm>
-          </p:grpSpPr>
-          <p:sp>
-            <p:nvSpPr>
-              <p:cNvPr id="18" name="평행 사변형 17"/>
-              <p:cNvSpPr/>
-              <p:nvPr/>
-            </p:nvSpPr>
-            <p:spPr>
-              <a:xfrm>
-                <a:off x="3379408" y="4636717"/>
-                <a:ext cx="3825351" cy="2876204"/>
-              </a:xfrm>
-              <a:prstGeom prst="parallelogram">
-                <a:avLst/>
-              </a:prstGeom>
-              <a:solidFill>
-                <a:srgbClr val="6C5B7B"/>
-              </a:solidFill>
-              <a:ln>
-                <a:noFill/>
-              </a:ln>
-            </p:spPr>
-            <p:style>
-              <a:lnRef idx="2">
-                <a:schemeClr val="accent1">
-                  <a:shade val="50000"/>
-                </a:schemeClr>
-              </a:lnRef>
-              <a:fillRef idx="1">
-                <a:schemeClr val="accent1"/>
-              </a:fillRef>
-              <a:effectRef idx="0">
-                <a:schemeClr val="accent1"/>
-              </a:effectRef>
-              <a:fontRef idx="minor">
-                <a:schemeClr val="lt1"/>
-              </a:fontRef>
-            </p:style>
-            <p:txBody>
-              <a:bodyPr rtlCol="0" anchor="ctr"/>
-              <a:lstStyle/>
-              <a:p>
-                <a:pPr algn="ctr"/>
-                <a:endParaRPr lang="ko-KR" altLang="en-US"/>
-              </a:p>
-            </p:txBody>
-          </p:sp>
-          <p:sp>
-            <p:nvSpPr>
-              <p:cNvPr id="19" name="평행 사변형 18"/>
-              <p:cNvSpPr/>
-              <p:nvPr/>
-            </p:nvSpPr>
-            <p:spPr>
-              <a:xfrm>
-                <a:off x="3115591" y="4405745"/>
-                <a:ext cx="3825352" cy="2876204"/>
-              </a:xfrm>
-              <a:prstGeom prst="parallelogram">
-                <a:avLst/>
-              </a:prstGeom>
-              <a:solidFill>
-                <a:srgbClr val="F67280"/>
-              </a:solidFill>
-              <a:ln>
-                <a:noFill/>
-              </a:ln>
-            </p:spPr>
-            <p:style>
-              <a:lnRef idx="2">
-                <a:schemeClr val="accent1">
-                  <a:shade val="50000"/>
-                </a:schemeClr>
-              </a:lnRef>
-              <a:fillRef idx="1">
-                <a:schemeClr val="accent1"/>
-              </a:fillRef>
-              <a:effectRef idx="0">
-                <a:schemeClr val="accent1"/>
-              </a:effectRef>
-              <a:fontRef idx="minor">
-                <a:schemeClr val="lt1"/>
-              </a:fontRef>
-            </p:style>
-            <p:txBody>
-              <a:bodyPr rtlCol="0" anchor="ctr"/>
-              <a:lstStyle/>
-              <a:p>
-                <a:pPr algn="ctr"/>
-                <a:endParaRPr lang="ko-KR" altLang="en-US"/>
-              </a:p>
-            </p:txBody>
-          </p:sp>
-        </p:grpSp>
-        <p:sp>
-          <p:nvSpPr>
-            <p:cNvPr id="25" name="TextBox 24"/>
-            <p:cNvSpPr txBox="1"/>
-            <p:nvPr/>
-          </p:nvSpPr>
-          <p:spPr>
-            <a:xfrm>
-              <a:off x="5325872" y="4297649"/>
-              <a:ext cx="184731" cy="369332"/>
-            </a:xfrm>
-            <a:prstGeom prst="rect">
-              <a:avLst/>
-            </a:prstGeom>
-            <a:noFill/>
-          </p:spPr>
-          <p:txBody>
-            <a:bodyPr wrap="none" rtlCol="0">
-              <a:spAutoFit/>
-            </a:bodyPr>
-            <a:lstStyle/>
-            <a:p>
-              <a:endParaRPr lang="en-US" altLang="ko-KR" dirty="0" smtClean="0">
-                <a:solidFill>
-                  <a:srgbClr val="6C5B7B"/>
-                </a:solidFill>
-                <a:latin typeface="KoPub돋움체 Medium" panose="02020603020101020101" pitchFamily="18" charset="-127"/>
-                <a:ea typeface="KoPub돋움체 Medium" panose="02020603020101020101" pitchFamily="18" charset="-127"/>
-              </a:endParaRPr>
-            </a:p>
-          </p:txBody>
-        </p:sp>
-        <p:sp>
-          <p:nvSpPr>
-            <p:cNvPr id="29" name="TextBox 28"/>
-            <p:cNvSpPr txBox="1"/>
-            <p:nvPr/>
-          </p:nvSpPr>
-          <p:spPr>
-            <a:xfrm>
-              <a:off x="4266196" y="4306041"/>
-              <a:ext cx="415498" cy="338554"/>
-            </a:xfrm>
-            <a:prstGeom prst="rect">
-              <a:avLst/>
-            </a:prstGeom>
-            <a:noFill/>
-          </p:spPr>
-          <p:txBody>
-            <a:bodyPr wrap="none" rtlCol="0">
-              <a:spAutoFit/>
-            </a:bodyPr>
-            <a:lstStyle/>
-            <a:p>
-              <a:r>
-                <a:rPr lang="en-US" altLang="ko-KR" sz="1600" dirty="0" smtClean="0">
-                  <a:solidFill>
-                    <a:schemeClr val="bg1"/>
-                  </a:solidFill>
-                  <a:latin typeface="KoPub돋움체 Light" panose="02020603020101020101" pitchFamily="18" charset="-127"/>
-                  <a:ea typeface="KoPub돋움체 Light" panose="02020603020101020101" pitchFamily="18" charset="-127"/>
-                </a:rPr>
-                <a:t>03</a:t>
-              </a:r>
-              <a:endParaRPr lang="ko-KR" altLang="en-US" sz="1600" dirty="0">
-                <a:solidFill>
-                  <a:schemeClr val="bg1"/>
-                </a:solidFill>
-                <a:latin typeface="KoPub돋움체 Light" panose="02020603020101020101" pitchFamily="18" charset="-127"/>
-                <a:ea typeface="KoPub돋움체 Light" panose="02020603020101020101" pitchFamily="18" charset="-127"/>
-              </a:endParaRPr>
-            </a:p>
-          </p:txBody>
-        </p:sp>
-      </p:grpSp>
-      <p:grpSp>
-        <p:nvGrpSpPr>
           <p:cNvPr id="34" name="그룹 33"/>
           <p:cNvGrpSpPr/>
           <p:nvPr/>
         </p:nvGrpSpPr>
         <p:grpSpPr>
           <a:xfrm>
-            <a:off x="4958808" y="4348231"/>
-            <a:ext cx="1825448" cy="541508"/>
+            <a:off x="5062266" y="4149890"/>
+            <a:ext cx="2097958" cy="541508"/>
             <a:chOff x="4094633" y="5209278"/>
-            <a:chExt cx="1825448" cy="541508"/>
+            <a:chExt cx="2097958" cy="541508"/>
           </a:xfrm>
         </p:grpSpPr>
         <p:grpSp>
@@ -3948,7 +6617,7 @@
           <p:spPr>
             <a:xfrm>
               <a:off x="5334664" y="5275239"/>
-              <a:ext cx="585417" cy="369332"/>
+              <a:ext cx="857927" cy="369332"/>
             </a:xfrm>
             <a:prstGeom prst="rect">
               <a:avLst/>
@@ -3962,6 +6631,16 @@
             <a:lstStyle/>
             <a:p>
               <a:r>
+                <a:rPr lang="en-US" altLang="ko-KR" dirty="0" smtClean="0">
+                  <a:solidFill>
+                    <a:srgbClr val="6C5B7B"/>
+                  </a:solidFill>
+                  <a:latin typeface="KoPub돋움체 Medium" panose="02020603020101020101" pitchFamily="18" charset="-127"/>
+                  <a:ea typeface="KoPub돋움체 Medium" panose="02020603020101020101" pitchFamily="18" charset="-127"/>
+                </a:rPr>
+                <a:t>UI </a:t>
+              </a:r>
+              <a:r>
                 <a:rPr lang="ko-KR" altLang="en-US" dirty="0" smtClean="0">
                   <a:solidFill>
                     <a:srgbClr val="6C5B7B"/>
@@ -3969,7 +6648,7 @@
                   <a:latin typeface="KoPub돋움체 Medium" panose="02020603020101020101" pitchFamily="18" charset="-127"/>
                   <a:ea typeface="KoPub돋움체 Medium" panose="02020603020101020101" pitchFamily="18" charset="-127"/>
                 </a:rPr>
-                <a:t>시연</a:t>
+                <a:t>설명</a:t>
               </a:r>
               <a:endParaRPr lang="ko-KR" altLang="en-US" dirty="0">
                 <a:solidFill>
@@ -4024,48 +6703,259 @@
           </p:txBody>
         </p:sp>
       </p:grpSp>
-      <p:sp>
-        <p:nvSpPr>
-          <p:cNvPr id="35" name="TextBox 34"/>
-          <p:cNvSpPr txBox="1"/>
+      <p:grpSp>
+        <p:nvGrpSpPr>
+          <p:cNvPr id="2" name="그룹 1"/>
+          <p:cNvGrpSpPr/>
           <p:nvPr/>
-        </p:nvSpPr>
-        <p:spPr>
+        </p:nvGrpSpPr>
+        <p:grpSpPr>
           <a:xfrm>
-            <a:off x="6136811" y="3450158"/>
-            <a:ext cx="1029449" cy="369332"/>
+            <a:off x="5078308" y="3245959"/>
+            <a:ext cx="2207452" cy="541508"/>
+            <a:chOff x="4958808" y="3382402"/>
+            <a:chExt cx="2207452" cy="541508"/>
           </a:xfrm>
-          <a:prstGeom prst="rect">
-            <a:avLst/>
-          </a:prstGeom>
-          <a:noFill/>
-        </p:spPr>
-        <p:txBody>
-          <a:bodyPr wrap="none" rtlCol="0">
-            <a:spAutoFit/>
-          </a:bodyPr>
-          <a:lstStyle/>
-          <a:p>
-            <a:r>
-              <a:rPr lang="ko-KR" altLang="en-US" dirty="0" smtClean="0">
+        </p:grpSpPr>
+        <p:grpSp>
+          <p:nvGrpSpPr>
+            <p:cNvPr id="33" name="그룹 32"/>
+            <p:cNvGrpSpPr/>
+            <p:nvPr/>
+          </p:nvGrpSpPr>
+          <p:grpSpPr>
+            <a:xfrm>
+              <a:off x="4958808" y="3382402"/>
+              <a:ext cx="1369993" cy="541508"/>
+              <a:chOff x="4140610" y="4231688"/>
+              <a:chExt cx="1369993" cy="541508"/>
+            </a:xfrm>
+          </p:grpSpPr>
+          <p:grpSp>
+            <p:nvGrpSpPr>
+              <p:cNvPr id="17" name="그룹 16"/>
+              <p:cNvGrpSpPr/>
+              <p:nvPr/>
+            </p:nvGrpSpPr>
+            <p:grpSpPr>
+              <a:xfrm>
+                <a:off x="4140610" y="4231688"/>
+                <a:ext cx="712648" cy="541508"/>
+                <a:chOff x="3115591" y="4405745"/>
+                <a:chExt cx="4089168" cy="3107176"/>
+              </a:xfrm>
+            </p:grpSpPr>
+            <p:sp>
+              <p:nvSpPr>
+                <p:cNvPr id="18" name="평행 사변형 17"/>
+                <p:cNvSpPr/>
+                <p:nvPr/>
+              </p:nvSpPr>
+              <p:spPr>
+                <a:xfrm>
+                  <a:off x="3379408" y="4636717"/>
+                  <a:ext cx="3825351" cy="2876204"/>
+                </a:xfrm>
+                <a:prstGeom prst="parallelogram">
+                  <a:avLst/>
+                </a:prstGeom>
+                <a:solidFill>
+                  <a:srgbClr val="6C5B7B"/>
+                </a:solidFill>
+                <a:ln>
+                  <a:noFill/>
+                </a:ln>
+              </p:spPr>
+              <p:style>
+                <a:lnRef idx="2">
+                  <a:schemeClr val="accent1">
+                    <a:shade val="50000"/>
+                  </a:schemeClr>
+                </a:lnRef>
+                <a:fillRef idx="1">
+                  <a:schemeClr val="accent1"/>
+                </a:fillRef>
+                <a:effectRef idx="0">
+                  <a:schemeClr val="accent1"/>
+                </a:effectRef>
+                <a:fontRef idx="minor">
+                  <a:schemeClr val="lt1"/>
+                </a:fontRef>
+              </p:style>
+              <p:txBody>
+                <a:bodyPr rtlCol="0" anchor="ctr"/>
+                <a:lstStyle/>
+                <a:p>
+                  <a:pPr algn="ctr"/>
+                  <a:endParaRPr lang="ko-KR" altLang="en-US"/>
+                </a:p>
+              </p:txBody>
+            </p:sp>
+            <p:sp>
+              <p:nvSpPr>
+                <p:cNvPr id="19" name="평행 사변형 18"/>
+                <p:cNvSpPr/>
+                <p:nvPr/>
+              </p:nvSpPr>
+              <p:spPr>
+                <a:xfrm>
+                  <a:off x="3115591" y="4405745"/>
+                  <a:ext cx="3825352" cy="2876204"/>
+                </a:xfrm>
+                <a:prstGeom prst="parallelogram">
+                  <a:avLst/>
+                </a:prstGeom>
+                <a:solidFill>
+                  <a:srgbClr val="F67280"/>
+                </a:solidFill>
+                <a:ln>
+                  <a:noFill/>
+                </a:ln>
+              </p:spPr>
+              <p:style>
+                <a:lnRef idx="2">
+                  <a:schemeClr val="accent1">
+                    <a:shade val="50000"/>
+                  </a:schemeClr>
+                </a:lnRef>
+                <a:fillRef idx="1">
+                  <a:schemeClr val="accent1"/>
+                </a:fillRef>
+                <a:effectRef idx="0">
+                  <a:schemeClr val="accent1"/>
+                </a:effectRef>
+                <a:fontRef idx="minor">
+                  <a:schemeClr val="lt1"/>
+                </a:fontRef>
+              </p:style>
+              <p:txBody>
+                <a:bodyPr rtlCol="0" anchor="ctr"/>
+                <a:lstStyle/>
+                <a:p>
+                  <a:pPr algn="ctr"/>
+                  <a:endParaRPr lang="ko-KR" altLang="en-US"/>
+                </a:p>
+              </p:txBody>
+            </p:sp>
+          </p:grpSp>
+          <p:sp>
+            <p:nvSpPr>
+              <p:cNvPr id="25" name="TextBox 24"/>
+              <p:cNvSpPr txBox="1"/>
+              <p:nvPr/>
+            </p:nvSpPr>
+            <p:spPr>
+              <a:xfrm>
+                <a:off x="5325872" y="4297649"/>
+                <a:ext cx="184731" cy="369332"/>
+              </a:xfrm>
+              <a:prstGeom prst="rect">
+                <a:avLst/>
+              </a:prstGeom>
+              <a:noFill/>
+            </p:spPr>
+            <p:txBody>
+              <a:bodyPr wrap="none" rtlCol="0">
+                <a:spAutoFit/>
+              </a:bodyPr>
+              <a:lstStyle/>
+              <a:p>
+                <a:endParaRPr lang="en-US" altLang="ko-KR" dirty="0" smtClean="0">
+                  <a:solidFill>
+                    <a:srgbClr val="6C5B7B"/>
+                  </a:solidFill>
+                  <a:latin typeface="KoPub돋움체 Medium" panose="02020603020101020101" pitchFamily="18" charset="-127"/>
+                  <a:ea typeface="KoPub돋움체 Medium" panose="02020603020101020101" pitchFamily="18" charset="-127"/>
+                </a:endParaRPr>
+              </a:p>
+            </p:txBody>
+          </p:sp>
+          <p:sp>
+            <p:nvSpPr>
+              <p:cNvPr id="29" name="TextBox 28"/>
+              <p:cNvSpPr txBox="1"/>
+              <p:nvPr/>
+            </p:nvSpPr>
+            <p:spPr>
+              <a:xfrm>
+                <a:off x="4266196" y="4306041"/>
+                <a:ext cx="415498" cy="338554"/>
+              </a:xfrm>
+              <a:prstGeom prst="rect">
+                <a:avLst/>
+              </a:prstGeom>
+              <a:noFill/>
+            </p:spPr>
+            <p:txBody>
+              <a:bodyPr wrap="none" rtlCol="0">
+                <a:spAutoFit/>
+              </a:bodyPr>
+              <a:lstStyle/>
+              <a:p>
+                <a:r>
+                  <a:rPr lang="en-US" altLang="ko-KR" sz="1600" dirty="0" smtClean="0">
+                    <a:solidFill>
+                      <a:schemeClr val="bg1"/>
+                    </a:solidFill>
+                    <a:latin typeface="KoPub돋움체 Light" panose="02020603020101020101" pitchFamily="18" charset="-127"/>
+                    <a:ea typeface="KoPub돋움체 Light" panose="02020603020101020101" pitchFamily="18" charset="-127"/>
+                  </a:rPr>
+                  <a:t>03</a:t>
+                </a:r>
+                <a:endParaRPr lang="ko-KR" altLang="en-US" sz="1600" dirty="0">
+                  <a:solidFill>
+                    <a:schemeClr val="bg1"/>
+                  </a:solidFill>
+                  <a:latin typeface="KoPub돋움체 Light" panose="02020603020101020101" pitchFamily="18" charset="-127"/>
+                  <a:ea typeface="KoPub돋움체 Light" panose="02020603020101020101" pitchFamily="18" charset="-127"/>
+                </a:endParaRPr>
+              </a:p>
+            </p:txBody>
+          </p:sp>
+        </p:grpSp>
+        <p:sp>
+          <p:nvSpPr>
+            <p:cNvPr id="35" name="TextBox 34"/>
+            <p:cNvSpPr txBox="1"/>
+            <p:nvPr/>
+          </p:nvSpPr>
+          <p:spPr>
+            <a:xfrm>
+              <a:off x="6136811" y="3450158"/>
+              <a:ext cx="1029449" cy="369332"/>
+            </a:xfrm>
+            <a:prstGeom prst="rect">
+              <a:avLst/>
+            </a:prstGeom>
+            <a:noFill/>
+          </p:spPr>
+          <p:txBody>
+            <a:bodyPr wrap="none" rtlCol="0">
+              <a:spAutoFit/>
+            </a:bodyPr>
+            <a:lstStyle/>
+            <a:p>
+              <a:r>
+                <a:rPr lang="ko-KR" altLang="en-US" dirty="0" smtClean="0">
+                  <a:solidFill>
+                    <a:srgbClr val="6C5B7B"/>
+                  </a:solidFill>
+                  <a:latin typeface="KoPub돋움체 Medium" panose="02020603020101020101" pitchFamily="18" charset="-127"/>
+                  <a:ea typeface="KoPub돋움체 Medium" panose="02020603020101020101" pitchFamily="18" charset="-127"/>
+                </a:rPr>
+                <a:t>기능 설명</a:t>
+              </a:r>
+              <a:endParaRPr lang="ko-KR" altLang="en-US" dirty="0">
                 <a:solidFill>
                   <a:srgbClr val="6C5B7B"/>
                 </a:solidFill>
                 <a:latin typeface="KoPub돋움체 Medium" panose="02020603020101020101" pitchFamily="18" charset="-127"/>
                 <a:ea typeface="KoPub돋움체 Medium" panose="02020603020101020101" pitchFamily="18" charset="-127"/>
-              </a:rPr>
-              <a:t>기능 설명</a:t>
-            </a:r>
-            <a:endParaRPr lang="ko-KR" altLang="en-US" dirty="0">
-              <a:solidFill>
-                <a:srgbClr val="6C5B7B"/>
-              </a:solidFill>
-              <a:latin typeface="KoPub돋움체 Medium" panose="02020603020101020101" pitchFamily="18" charset="-127"/>
-              <a:ea typeface="KoPub돋움체 Medium" panose="02020603020101020101" pitchFamily="18" charset="-127"/>
-            </a:endParaRPr>
-          </a:p>
-        </p:txBody>
-      </p:sp>
+              </a:endParaRPr>
+            </a:p>
+          </p:txBody>
+        </p:sp>
+      </p:grpSp>
       <p:grpSp>
         <p:nvGrpSpPr>
           <p:cNvPr id="36" name="그룹 35"/>
@@ -4074,10 +6964,10 @@
         </p:nvGrpSpPr>
         <p:grpSpPr>
           <a:xfrm>
-            <a:off x="4949680" y="5390709"/>
-            <a:ext cx="2226198" cy="541508"/>
+            <a:off x="5078308" y="5043306"/>
+            <a:ext cx="1815830" cy="541508"/>
             <a:chOff x="4094633" y="5209278"/>
-            <a:chExt cx="2226198" cy="541508"/>
+            <a:chExt cx="1815830" cy="541508"/>
           </a:xfrm>
         </p:grpSpPr>
         <p:grpSp>
@@ -4196,7 +7086,7 @@
           <p:spPr>
             <a:xfrm>
               <a:off x="5334664" y="5275239"/>
-              <a:ext cx="986167" cy="369332"/>
+              <a:ext cx="575799" cy="369332"/>
             </a:xfrm>
             <a:prstGeom prst="rect">
               <a:avLst/>
@@ -4217,7 +7107,7 @@
                   <a:latin typeface="KoPub돋움체 Medium" panose="02020603020101020101" pitchFamily="18" charset="-127"/>
                   <a:ea typeface="KoPub돋움체 Medium" panose="02020603020101020101" pitchFamily="18" charset="-127"/>
                 </a:rPr>
-                <a:t>기대효과</a:t>
+                <a:t>시연</a:t>
               </a:r>
               <a:endParaRPr lang="ko-KR" altLang="en-US" dirty="0">
                 <a:solidFill>
@@ -4272,10 +7162,1203 @@
           </p:txBody>
         </p:sp>
       </p:grpSp>
+      <p:grpSp>
+        <p:nvGrpSpPr>
+          <p:cNvPr id="42" name="그룹 41"/>
+          <p:cNvGrpSpPr/>
+          <p:nvPr/>
+        </p:nvGrpSpPr>
+        <p:grpSpPr>
+          <a:xfrm>
+            <a:off x="5078308" y="5834772"/>
+            <a:ext cx="2226198" cy="541508"/>
+            <a:chOff x="4094633" y="5209278"/>
+            <a:chExt cx="2226198" cy="541508"/>
+          </a:xfrm>
+        </p:grpSpPr>
+        <p:grpSp>
+          <p:nvGrpSpPr>
+            <p:cNvPr id="43" name="그룹 42"/>
+            <p:cNvGrpSpPr/>
+            <p:nvPr/>
+          </p:nvGrpSpPr>
+          <p:grpSpPr>
+            <a:xfrm>
+              <a:off x="4094633" y="5209278"/>
+              <a:ext cx="712648" cy="541508"/>
+              <a:chOff x="3115591" y="4405745"/>
+              <a:chExt cx="4089168" cy="3107176"/>
+            </a:xfrm>
+          </p:grpSpPr>
+          <p:sp>
+            <p:nvSpPr>
+              <p:cNvPr id="46" name="평행 사변형 45"/>
+              <p:cNvSpPr/>
+              <p:nvPr/>
+            </p:nvSpPr>
+            <p:spPr>
+              <a:xfrm>
+                <a:off x="3379408" y="4636717"/>
+                <a:ext cx="3825351" cy="2876204"/>
+              </a:xfrm>
+              <a:prstGeom prst="parallelogram">
+                <a:avLst/>
+              </a:prstGeom>
+              <a:solidFill>
+                <a:srgbClr val="6C5B7B"/>
+              </a:solidFill>
+              <a:ln>
+                <a:noFill/>
+              </a:ln>
+            </p:spPr>
+            <p:style>
+              <a:lnRef idx="2">
+                <a:schemeClr val="accent1">
+                  <a:shade val="50000"/>
+                </a:schemeClr>
+              </a:lnRef>
+              <a:fillRef idx="1">
+                <a:schemeClr val="accent1"/>
+              </a:fillRef>
+              <a:effectRef idx="0">
+                <a:schemeClr val="accent1"/>
+              </a:effectRef>
+              <a:fontRef idx="minor">
+                <a:schemeClr val="lt1"/>
+              </a:fontRef>
+            </p:style>
+            <p:txBody>
+              <a:bodyPr rtlCol="0" anchor="ctr"/>
+              <a:lstStyle/>
+              <a:p>
+                <a:pPr algn="ctr"/>
+                <a:endParaRPr lang="ko-KR" altLang="en-US"/>
+              </a:p>
+            </p:txBody>
+          </p:sp>
+          <p:sp>
+            <p:nvSpPr>
+              <p:cNvPr id="47" name="평행 사변형 46"/>
+              <p:cNvSpPr/>
+              <p:nvPr/>
+            </p:nvSpPr>
+            <p:spPr>
+              <a:xfrm>
+                <a:off x="3115591" y="4405745"/>
+                <a:ext cx="3825352" cy="2876204"/>
+              </a:xfrm>
+              <a:prstGeom prst="parallelogram">
+                <a:avLst/>
+              </a:prstGeom>
+              <a:solidFill>
+                <a:srgbClr val="F67280"/>
+              </a:solidFill>
+              <a:ln>
+                <a:noFill/>
+              </a:ln>
+            </p:spPr>
+            <p:style>
+              <a:lnRef idx="2">
+                <a:schemeClr val="accent1">
+                  <a:shade val="50000"/>
+                </a:schemeClr>
+              </a:lnRef>
+              <a:fillRef idx="1">
+                <a:schemeClr val="accent1"/>
+              </a:fillRef>
+              <a:effectRef idx="0">
+                <a:schemeClr val="accent1"/>
+              </a:effectRef>
+              <a:fontRef idx="minor">
+                <a:schemeClr val="lt1"/>
+              </a:fontRef>
+            </p:style>
+            <p:txBody>
+              <a:bodyPr rtlCol="0" anchor="ctr"/>
+              <a:lstStyle/>
+              <a:p>
+                <a:pPr algn="ctr"/>
+                <a:endParaRPr lang="ko-KR" altLang="en-US"/>
+              </a:p>
+            </p:txBody>
+          </p:sp>
+        </p:grpSp>
+        <p:sp>
+          <p:nvSpPr>
+            <p:cNvPr id="44" name="TextBox 43"/>
+            <p:cNvSpPr txBox="1"/>
+            <p:nvPr/>
+          </p:nvSpPr>
+          <p:spPr>
+            <a:xfrm>
+              <a:off x="5334664" y="5275239"/>
+              <a:ext cx="986167" cy="369332"/>
+            </a:xfrm>
+            <a:prstGeom prst="rect">
+              <a:avLst/>
+            </a:prstGeom>
+            <a:noFill/>
+          </p:spPr>
+          <p:txBody>
+            <a:bodyPr wrap="none" rtlCol="0">
+              <a:spAutoFit/>
+            </a:bodyPr>
+            <a:lstStyle/>
+            <a:p>
+              <a:r>
+                <a:rPr lang="ko-KR" altLang="en-US" dirty="0" smtClean="0">
+                  <a:solidFill>
+                    <a:srgbClr val="6C5B7B"/>
+                  </a:solidFill>
+                  <a:latin typeface="KoPub돋움체 Medium" panose="02020603020101020101" pitchFamily="18" charset="-127"/>
+                  <a:ea typeface="KoPub돋움체 Medium" panose="02020603020101020101" pitchFamily="18" charset="-127"/>
+                </a:rPr>
+                <a:t>기대효과</a:t>
+              </a:r>
+              <a:endParaRPr lang="ko-KR" altLang="en-US" dirty="0">
+                <a:solidFill>
+                  <a:srgbClr val="6C5B7B"/>
+                </a:solidFill>
+                <a:latin typeface="KoPub돋움체 Medium" panose="02020603020101020101" pitchFamily="18" charset="-127"/>
+                <a:ea typeface="KoPub돋움체 Medium" panose="02020603020101020101" pitchFamily="18" charset="-127"/>
+              </a:endParaRPr>
+            </a:p>
+          </p:txBody>
+        </p:sp>
+        <p:sp>
+          <p:nvSpPr>
+            <p:cNvPr id="45" name="TextBox 44"/>
+            <p:cNvSpPr txBox="1"/>
+            <p:nvPr/>
+          </p:nvSpPr>
+          <p:spPr>
+            <a:xfrm>
+              <a:off x="4230362" y="5290628"/>
+              <a:ext cx="418704" cy="338554"/>
+            </a:xfrm>
+            <a:prstGeom prst="rect">
+              <a:avLst/>
+            </a:prstGeom>
+            <a:noFill/>
+          </p:spPr>
+          <p:txBody>
+            <a:bodyPr wrap="none" rtlCol="0">
+              <a:spAutoFit/>
+            </a:bodyPr>
+            <a:lstStyle/>
+            <a:p>
+              <a:r>
+                <a:rPr lang="en-US" altLang="ko-KR" sz="1600" dirty="0" smtClean="0">
+                  <a:solidFill>
+                    <a:schemeClr val="bg1"/>
+                  </a:solidFill>
+                  <a:latin typeface="KoPub돋움체 Light" panose="02020603020101020101" pitchFamily="18" charset="-127"/>
+                  <a:ea typeface="KoPub돋움체 Light" panose="02020603020101020101" pitchFamily="18" charset="-127"/>
+                </a:rPr>
+                <a:t>06</a:t>
+              </a:r>
+              <a:endParaRPr lang="ko-KR" altLang="en-US" sz="1600" dirty="0">
+                <a:solidFill>
+                  <a:schemeClr val="bg1"/>
+                </a:solidFill>
+                <a:latin typeface="KoPub돋움체 Light" panose="02020603020101020101" pitchFamily="18" charset="-127"/>
+                <a:ea typeface="KoPub돋움체 Light" panose="02020603020101020101" pitchFamily="18" charset="-127"/>
+              </a:endParaRPr>
+            </a:p>
+          </p:txBody>
+        </p:sp>
+      </p:grpSp>
     </p:spTree>
     <p:extLst>
       <p:ext uri="{BB962C8B-B14F-4D97-AF65-F5344CB8AC3E}">
         <p14:creationId xmlns:p14="http://schemas.microsoft.com/office/powerpoint/2010/main" val="3872518362"/>
+      </p:ext>
+    </p:extLst>
+  </p:cSld>
+  <p:clrMapOvr>
+    <a:masterClrMapping/>
+  </p:clrMapOvr>
+  <p:timing>
+    <p:tnLst>
+      <p:par>
+        <p:cTn id="1" dur="indefinite" restart="never" nodeType="tmRoot"/>
+      </p:par>
+    </p:tnLst>
+  </p:timing>
+</p:sld>
+</file>
+
+<file path=ppt/slides/slide20.xml><?xml version="1.0" encoding="utf-8"?>
+<p:sld xmlns:a="http://schemas.openxmlformats.org/drawingml/2006/main" xmlns:r="http://schemas.openxmlformats.org/officeDocument/2006/relationships" xmlns:p="http://schemas.openxmlformats.org/presentationml/2006/main">
+  <p:cSld>
+    <p:spTree>
+      <p:nvGrpSpPr>
+        <p:cNvPr id="1" name=""/>
+        <p:cNvGrpSpPr/>
+        <p:nvPr/>
+      </p:nvGrpSpPr>
+      <p:grpSpPr>
+        <a:xfrm>
+          <a:off x="0" y="0"/>
+          <a:ext cx="0" cy="0"/>
+          <a:chOff x="0" y="0"/>
+          <a:chExt cx="0" cy="0"/>
+        </a:xfrm>
+      </p:grpSpPr>
+      <p:pic>
+        <p:nvPicPr>
+          <p:cNvPr id="3080" name="Picture 8" descr="ëê° &amp;quot;Bugdroid&amp;quot;ë¥¼ ë§ë¤ìëì?"/>
+          <p:cNvPicPr>
+            <a:picLocks noChangeAspect="1" noChangeArrowheads="1"/>
+          </p:cNvPicPr>
+          <p:nvPr/>
+        </p:nvPicPr>
+        <p:blipFill>
+          <a:blip r:embed="rId2">
+            <a:clrChange>
+              <a:clrFrom>
+                <a:srgbClr val="F7F8F8"/>
+              </a:clrFrom>
+              <a:clrTo>
+                <a:srgbClr val="F7F8F8">
+                  <a:alpha val="0"/>
+                </a:srgbClr>
+              </a:clrTo>
+            </a:clrChange>
+            <a:extLst>
+              <a:ext uri="{28A0092B-C50C-407E-A947-70E740481C1C}">
+                <a14:useLocalDpi xmlns:a14="http://schemas.microsoft.com/office/drawing/2010/main" val="0"/>
+              </a:ext>
+            </a:extLst>
+          </a:blip>
+          <a:srcRect/>
+          <a:stretch>
+            <a:fillRect/>
+          </a:stretch>
+        </p:blipFill>
+        <p:spPr bwMode="auto">
+          <a:xfrm>
+            <a:off x="6507991" y="1315969"/>
+            <a:ext cx="6258440" cy="3739014"/>
+          </a:xfrm>
+          <a:prstGeom prst="rect">
+            <a:avLst/>
+          </a:prstGeom>
+          <a:noFill/>
+          <a:extLst>
+            <a:ext uri="{909E8E84-426E-40DD-AFC4-6F175D3DCCD1}">
+              <a14:hiddenFill xmlns:a14="http://schemas.microsoft.com/office/drawing/2010/main">
+                <a:solidFill>
+                  <a:srgbClr val="FFFFFF"/>
+                </a:solidFill>
+              </a14:hiddenFill>
+            </a:ext>
+          </a:extLst>
+        </p:spPr>
+      </p:pic>
+      <p:pic>
+        <p:nvPicPr>
+          <p:cNvPr id="3074" name="Picture 2" descr="ì§ì  ë§ëë ë¯¸ì¸ë¨¼ì§ ì¸¡ì ê¸° [ì°ì¬] 1/4"/>
+          <p:cNvPicPr>
+            <a:picLocks noChangeAspect="1" noChangeArrowheads="1"/>
+          </p:cNvPicPr>
+          <p:nvPr/>
+        </p:nvPicPr>
+        <p:blipFill>
+          <a:blip r:embed="rId3">
+            <a:extLst>
+              <a:ext uri="{28A0092B-C50C-407E-A947-70E740481C1C}">
+                <a14:useLocalDpi xmlns:a14="http://schemas.microsoft.com/office/drawing/2010/main" val="0"/>
+              </a:ext>
+            </a:extLst>
+          </a:blip>
+          <a:srcRect/>
+          <a:stretch>
+            <a:fillRect/>
+          </a:stretch>
+        </p:blipFill>
+        <p:spPr bwMode="auto">
+          <a:xfrm>
+            <a:off x="181146" y="1423034"/>
+            <a:ext cx="5308062" cy="3524885"/>
+          </a:xfrm>
+          <a:prstGeom prst="rect">
+            <a:avLst/>
+          </a:prstGeom>
+          <a:noFill/>
+          <a:extLst>
+            <a:ext uri="{909E8E84-426E-40DD-AFC4-6F175D3DCCD1}">
+              <a14:hiddenFill xmlns:a14="http://schemas.microsoft.com/office/drawing/2010/main">
+                <a:solidFill>
+                  <a:srgbClr val="FFFFFF"/>
+                </a:solidFill>
+              </a14:hiddenFill>
+            </a:ext>
+          </a:extLst>
+        </p:spPr>
+      </p:pic>
+      <p:pic>
+        <p:nvPicPr>
+          <p:cNvPr id="11" name="그림 10"/>
+          <p:cNvPicPr>
+            <a:picLocks noChangeAspect="1"/>
+          </p:cNvPicPr>
+          <p:nvPr/>
+        </p:nvPicPr>
+        <p:blipFill>
+          <a:blip r:embed="rId4" cstate="print">
+            <a:extLst>
+              <a:ext uri="{28A0092B-C50C-407E-A947-70E740481C1C}">
+                <a14:useLocalDpi xmlns:a14="http://schemas.microsoft.com/office/drawing/2010/main" val="0"/>
+              </a:ext>
+            </a:extLst>
+          </a:blip>
+          <a:stretch>
+            <a:fillRect/>
+          </a:stretch>
+        </p:blipFill>
+        <p:spPr>
+          <a:xfrm>
+            <a:off x="0" y="-6415"/>
+            <a:ext cx="12192000" cy="6858000"/>
+          </a:xfrm>
+          <a:prstGeom prst="rect">
+            <a:avLst/>
+          </a:prstGeom>
+        </p:spPr>
+      </p:pic>
+      <p:sp>
+        <p:nvSpPr>
+          <p:cNvPr id="79" name="직사각형 78"/>
+          <p:cNvSpPr/>
+          <p:nvPr/>
+        </p:nvSpPr>
+        <p:spPr>
+          <a:xfrm>
+            <a:off x="11567828" y="2371"/>
+            <a:ext cx="624172" cy="624172"/>
+          </a:xfrm>
+          <a:prstGeom prst="rect">
+            <a:avLst/>
+          </a:prstGeom>
+          <a:solidFill>
+            <a:srgbClr val="355C7D"/>
+          </a:solidFill>
+        </p:spPr>
+        <p:style>
+          <a:lnRef idx="2">
+            <a:schemeClr val="accent1">
+              <a:shade val="50000"/>
+            </a:schemeClr>
+          </a:lnRef>
+          <a:fillRef idx="1">
+            <a:schemeClr val="accent1"/>
+          </a:fillRef>
+          <a:effectRef idx="0">
+            <a:schemeClr val="accent1"/>
+          </a:effectRef>
+          <a:fontRef idx="minor">
+            <a:schemeClr val="lt1"/>
+          </a:fontRef>
+        </p:style>
+        <p:txBody>
+          <a:bodyPr rtlCol="0" anchor="ctr"/>
+          <a:lstStyle/>
+          <a:p>
+            <a:pPr algn="ctr"/>
+            <a:endParaRPr lang="ko-KR" altLang="en-US"/>
+          </a:p>
+        </p:txBody>
+      </p:sp>
+      <p:sp>
+        <p:nvSpPr>
+          <p:cNvPr id="80" name="직각 삼각형 79"/>
+          <p:cNvSpPr/>
+          <p:nvPr/>
+        </p:nvSpPr>
+        <p:spPr>
+          <a:xfrm>
+            <a:off x="11567828" y="-6415"/>
+            <a:ext cx="624172" cy="642483"/>
+          </a:xfrm>
+          <a:prstGeom prst="rtTriangle">
+            <a:avLst/>
+          </a:prstGeom>
+          <a:solidFill>
+            <a:schemeClr val="bg1">
+              <a:lumMod val="75000"/>
+            </a:schemeClr>
+          </a:solidFill>
+          <a:ln>
+            <a:noFill/>
+          </a:ln>
+        </p:spPr>
+        <p:style>
+          <a:lnRef idx="2">
+            <a:schemeClr val="accent1">
+              <a:shade val="50000"/>
+            </a:schemeClr>
+          </a:lnRef>
+          <a:fillRef idx="1">
+            <a:schemeClr val="accent1"/>
+          </a:fillRef>
+          <a:effectRef idx="0">
+            <a:schemeClr val="accent1"/>
+          </a:effectRef>
+          <a:fontRef idx="minor">
+            <a:schemeClr val="lt1"/>
+          </a:fontRef>
+        </p:style>
+        <p:txBody>
+          <a:bodyPr rtlCol="0" anchor="ctr"/>
+          <a:lstStyle/>
+          <a:p>
+            <a:pPr algn="ctr"/>
+            <a:endParaRPr lang="ko-KR" altLang="en-US"/>
+          </a:p>
+        </p:txBody>
+      </p:sp>
+      <p:sp>
+        <p:nvSpPr>
+          <p:cNvPr id="2" name="직사각형 1"/>
+          <p:cNvSpPr/>
+          <p:nvPr/>
+        </p:nvSpPr>
+        <p:spPr>
+          <a:xfrm>
+            <a:off x="4815840" y="2699310"/>
+            <a:ext cx="2560320" cy="1446550"/>
+          </a:xfrm>
+          <a:prstGeom prst="rect">
+            <a:avLst/>
+          </a:prstGeom>
+        </p:spPr>
+        <p:txBody>
+          <a:bodyPr wrap="square">
+            <a:spAutoFit/>
+          </a:bodyPr>
+          <a:lstStyle/>
+          <a:p>
+            <a:r>
+              <a:rPr lang="ko-KR" altLang="en-US" sz="8800" dirty="0" smtClean="0">
+                <a:solidFill>
+                  <a:schemeClr val="bg1"/>
+                </a:solidFill>
+                <a:latin typeface="KoPub돋움체 Bold" panose="02020603020101020101" pitchFamily="18" charset="-127"/>
+                <a:ea typeface="KoPub돋움체 Bold" panose="02020603020101020101" pitchFamily="18" charset="-127"/>
+              </a:rPr>
+              <a:t>시 연</a:t>
+            </a:r>
+            <a:endParaRPr lang="ko-KR" altLang="en-US" sz="8800" dirty="0">
+              <a:solidFill>
+                <a:schemeClr val="bg1"/>
+              </a:solidFill>
+              <a:latin typeface="KoPub돋움체 Bold" panose="02020603020101020101" pitchFamily="18" charset="-127"/>
+              <a:ea typeface="KoPub돋움체 Bold" panose="02020603020101020101" pitchFamily="18" charset="-127"/>
+            </a:endParaRPr>
+          </a:p>
+        </p:txBody>
+      </p:sp>
+    </p:spTree>
+    <p:extLst>
+      <p:ext uri="{BB962C8B-B14F-4D97-AF65-F5344CB8AC3E}">
+        <p14:creationId xmlns:p14="http://schemas.microsoft.com/office/powerpoint/2010/main" val="2293109900"/>
+      </p:ext>
+    </p:extLst>
+  </p:cSld>
+  <p:clrMapOvr>
+    <a:masterClrMapping/>
+  </p:clrMapOvr>
+  <p:timing>
+    <p:tnLst>
+      <p:par>
+        <p:cTn id="1" dur="indefinite" restart="never" nodeType="tmRoot"/>
+      </p:par>
+    </p:tnLst>
+  </p:timing>
+</p:sld>
+</file>
+
+<file path=ppt/slides/slide21.xml><?xml version="1.0" encoding="utf-8"?>
+<p:sld xmlns:a="http://schemas.openxmlformats.org/drawingml/2006/main" xmlns:r="http://schemas.openxmlformats.org/officeDocument/2006/relationships" xmlns:p="http://schemas.openxmlformats.org/presentationml/2006/main">
+  <p:cSld>
+    <p:spTree>
+      <p:nvGrpSpPr>
+        <p:cNvPr id="1" name=""/>
+        <p:cNvGrpSpPr/>
+        <p:nvPr/>
+      </p:nvGrpSpPr>
+      <p:grpSpPr>
+        <a:xfrm>
+          <a:off x="0" y="0"/>
+          <a:ext cx="0" cy="0"/>
+          <a:chOff x="0" y="0"/>
+          <a:chExt cx="0" cy="0"/>
+        </a:xfrm>
+      </p:grpSpPr>
+      <p:grpSp>
+        <p:nvGrpSpPr>
+          <p:cNvPr id="3" name="그룹 2"/>
+          <p:cNvGrpSpPr/>
+          <p:nvPr/>
+        </p:nvGrpSpPr>
+        <p:grpSpPr>
+          <a:xfrm>
+            <a:off x="175953" y="206639"/>
+            <a:ext cx="2034935" cy="541508"/>
+            <a:chOff x="4232564" y="2276508"/>
+            <a:chExt cx="2034935" cy="541508"/>
+          </a:xfrm>
+        </p:grpSpPr>
+        <p:grpSp>
+          <p:nvGrpSpPr>
+            <p:cNvPr id="4" name="그룹 3"/>
+            <p:cNvGrpSpPr/>
+            <p:nvPr/>
+          </p:nvGrpSpPr>
+          <p:grpSpPr>
+            <a:xfrm>
+              <a:off x="4232564" y="2276508"/>
+              <a:ext cx="712648" cy="541508"/>
+              <a:chOff x="3115591" y="4405745"/>
+              <a:chExt cx="4089168" cy="3107176"/>
+            </a:xfrm>
+          </p:grpSpPr>
+          <p:sp>
+            <p:nvSpPr>
+              <p:cNvPr id="7" name="평행 사변형 6"/>
+              <p:cNvSpPr/>
+              <p:nvPr/>
+            </p:nvSpPr>
+            <p:spPr>
+              <a:xfrm>
+                <a:off x="3379408" y="4636717"/>
+                <a:ext cx="3825351" cy="2876204"/>
+              </a:xfrm>
+              <a:prstGeom prst="parallelogram">
+                <a:avLst/>
+              </a:prstGeom>
+              <a:solidFill>
+                <a:srgbClr val="6C5B7B"/>
+              </a:solidFill>
+              <a:ln>
+                <a:noFill/>
+              </a:ln>
+            </p:spPr>
+            <p:style>
+              <a:lnRef idx="2">
+                <a:schemeClr val="accent1">
+                  <a:shade val="50000"/>
+                </a:schemeClr>
+              </a:lnRef>
+              <a:fillRef idx="1">
+                <a:schemeClr val="accent1"/>
+              </a:fillRef>
+              <a:effectRef idx="0">
+                <a:schemeClr val="accent1"/>
+              </a:effectRef>
+              <a:fontRef idx="minor">
+                <a:schemeClr val="lt1"/>
+              </a:fontRef>
+            </p:style>
+            <p:txBody>
+              <a:bodyPr rtlCol="0" anchor="ctr"/>
+              <a:lstStyle/>
+              <a:p>
+                <a:pPr algn="ctr"/>
+                <a:endParaRPr lang="ko-KR" altLang="en-US"/>
+              </a:p>
+            </p:txBody>
+          </p:sp>
+          <p:sp>
+            <p:nvSpPr>
+              <p:cNvPr id="8" name="평행 사변형 7"/>
+              <p:cNvSpPr/>
+              <p:nvPr/>
+            </p:nvSpPr>
+            <p:spPr>
+              <a:xfrm>
+                <a:off x="3115591" y="4405745"/>
+                <a:ext cx="3825352" cy="2876204"/>
+              </a:xfrm>
+              <a:prstGeom prst="parallelogram">
+                <a:avLst/>
+              </a:prstGeom>
+              <a:solidFill>
+                <a:srgbClr val="F67280"/>
+              </a:solidFill>
+              <a:ln>
+                <a:noFill/>
+              </a:ln>
+            </p:spPr>
+            <p:style>
+              <a:lnRef idx="2">
+                <a:schemeClr val="accent1">
+                  <a:shade val="50000"/>
+                </a:schemeClr>
+              </a:lnRef>
+              <a:fillRef idx="1">
+                <a:schemeClr val="accent1"/>
+              </a:fillRef>
+              <a:effectRef idx="0">
+                <a:schemeClr val="accent1"/>
+              </a:effectRef>
+              <a:fontRef idx="minor">
+                <a:schemeClr val="lt1"/>
+              </a:fontRef>
+            </p:style>
+            <p:txBody>
+              <a:bodyPr rtlCol="0" anchor="ctr"/>
+              <a:lstStyle/>
+              <a:p>
+                <a:pPr algn="ctr"/>
+                <a:endParaRPr lang="ko-KR" altLang="en-US"/>
+              </a:p>
+            </p:txBody>
+          </p:sp>
+        </p:grpSp>
+        <p:sp>
+          <p:nvSpPr>
+            <p:cNvPr id="5" name="TextBox 4"/>
+            <p:cNvSpPr txBox="1"/>
+            <p:nvPr/>
+          </p:nvSpPr>
+          <p:spPr>
+            <a:xfrm>
+              <a:off x="5201181" y="2327080"/>
+              <a:ext cx="1066318" cy="400110"/>
+            </a:xfrm>
+            <a:prstGeom prst="rect">
+              <a:avLst/>
+            </a:prstGeom>
+            <a:noFill/>
+          </p:spPr>
+          <p:txBody>
+            <a:bodyPr wrap="none" rtlCol="0">
+              <a:spAutoFit/>
+            </a:bodyPr>
+            <a:lstStyle/>
+            <a:p>
+              <a:r>
+                <a:rPr lang="ko-KR" altLang="en-US" sz="2000" dirty="0" smtClean="0">
+                  <a:solidFill>
+                    <a:srgbClr val="6C5B7B"/>
+                  </a:solidFill>
+                  <a:latin typeface="KoPub돋움체 Bold" panose="02020603020101020101" pitchFamily="18" charset="-127"/>
+                  <a:ea typeface="KoPub돋움체 Bold" panose="02020603020101020101" pitchFamily="18" charset="-127"/>
+                </a:rPr>
+                <a:t>기대효과</a:t>
+              </a:r>
+              <a:endParaRPr lang="ko-KR" altLang="en-US" sz="2000" dirty="0">
+                <a:solidFill>
+                  <a:srgbClr val="6C5B7B"/>
+                </a:solidFill>
+                <a:latin typeface="KoPub돋움체 Bold" panose="02020603020101020101" pitchFamily="18" charset="-127"/>
+                <a:ea typeface="KoPub돋움체 Bold" panose="02020603020101020101" pitchFamily="18" charset="-127"/>
+              </a:endParaRPr>
+            </a:p>
+          </p:txBody>
+        </p:sp>
+        <p:sp>
+          <p:nvSpPr>
+            <p:cNvPr id="6" name="TextBox 5"/>
+            <p:cNvSpPr txBox="1"/>
+            <p:nvPr/>
+          </p:nvSpPr>
+          <p:spPr>
+            <a:xfrm>
+              <a:off x="4358150" y="2357858"/>
+              <a:ext cx="418704" cy="338554"/>
+            </a:xfrm>
+            <a:prstGeom prst="rect">
+              <a:avLst/>
+            </a:prstGeom>
+            <a:noFill/>
+          </p:spPr>
+          <p:txBody>
+            <a:bodyPr wrap="none" rtlCol="0">
+              <a:spAutoFit/>
+            </a:bodyPr>
+            <a:lstStyle/>
+            <a:p>
+              <a:r>
+                <a:rPr lang="en-US" altLang="ko-KR" sz="1600" dirty="0" smtClean="0">
+                  <a:solidFill>
+                    <a:schemeClr val="bg1"/>
+                  </a:solidFill>
+                  <a:latin typeface="KoPub돋움체 Light" panose="02020603020101020101" pitchFamily="18" charset="-127"/>
+                  <a:ea typeface="KoPub돋움체 Light" panose="02020603020101020101" pitchFamily="18" charset="-127"/>
+                </a:rPr>
+                <a:t>06</a:t>
+              </a:r>
+              <a:endParaRPr lang="ko-KR" altLang="en-US" sz="1600" dirty="0">
+                <a:solidFill>
+                  <a:schemeClr val="bg1"/>
+                </a:solidFill>
+                <a:latin typeface="KoPub돋움체 Light" panose="02020603020101020101" pitchFamily="18" charset="-127"/>
+                <a:ea typeface="KoPub돋움체 Light" panose="02020603020101020101" pitchFamily="18" charset="-127"/>
+              </a:endParaRPr>
+            </a:p>
+          </p:txBody>
+        </p:sp>
+      </p:grpSp>
+      <p:sp>
+        <p:nvSpPr>
+          <p:cNvPr id="79" name="직사각형 78"/>
+          <p:cNvSpPr/>
+          <p:nvPr/>
+        </p:nvSpPr>
+        <p:spPr>
+          <a:xfrm>
+            <a:off x="11567828" y="2371"/>
+            <a:ext cx="624172" cy="624172"/>
+          </a:xfrm>
+          <a:prstGeom prst="rect">
+            <a:avLst/>
+          </a:prstGeom>
+          <a:solidFill>
+            <a:srgbClr val="355C7D"/>
+          </a:solidFill>
+        </p:spPr>
+        <p:style>
+          <a:lnRef idx="2">
+            <a:schemeClr val="accent1">
+              <a:shade val="50000"/>
+            </a:schemeClr>
+          </a:lnRef>
+          <a:fillRef idx="1">
+            <a:schemeClr val="accent1"/>
+          </a:fillRef>
+          <a:effectRef idx="0">
+            <a:schemeClr val="accent1"/>
+          </a:effectRef>
+          <a:fontRef idx="minor">
+            <a:schemeClr val="lt1"/>
+          </a:fontRef>
+        </p:style>
+        <p:txBody>
+          <a:bodyPr rtlCol="0" anchor="ctr"/>
+          <a:lstStyle/>
+          <a:p>
+            <a:pPr algn="ctr"/>
+            <a:endParaRPr lang="ko-KR" altLang="en-US"/>
+          </a:p>
+        </p:txBody>
+      </p:sp>
+      <p:sp>
+        <p:nvSpPr>
+          <p:cNvPr id="80" name="직각 삼각형 79"/>
+          <p:cNvSpPr/>
+          <p:nvPr/>
+        </p:nvSpPr>
+        <p:spPr>
+          <a:xfrm>
+            <a:off x="11567828" y="-6415"/>
+            <a:ext cx="624172" cy="642483"/>
+          </a:xfrm>
+          <a:prstGeom prst="rtTriangle">
+            <a:avLst/>
+          </a:prstGeom>
+          <a:solidFill>
+            <a:srgbClr val="F67280"/>
+          </a:solidFill>
+          <a:ln>
+            <a:noFill/>
+          </a:ln>
+        </p:spPr>
+        <p:style>
+          <a:lnRef idx="2">
+            <a:schemeClr val="accent1">
+              <a:shade val="50000"/>
+            </a:schemeClr>
+          </a:lnRef>
+          <a:fillRef idx="1">
+            <a:schemeClr val="accent1"/>
+          </a:fillRef>
+          <a:effectRef idx="0">
+            <a:schemeClr val="accent1"/>
+          </a:effectRef>
+          <a:fontRef idx="minor">
+            <a:schemeClr val="lt1"/>
+          </a:fontRef>
+        </p:style>
+        <p:txBody>
+          <a:bodyPr rtlCol="0" anchor="ctr"/>
+          <a:lstStyle/>
+          <a:p>
+            <a:pPr algn="ctr"/>
+            <a:endParaRPr lang="ko-KR" altLang="en-US"/>
+          </a:p>
+        </p:txBody>
+      </p:sp>
+      <p:pic>
+        <p:nvPicPr>
+          <p:cNvPr id="2050" name="Picture 2" descr="https://lh4.googleusercontent.com/qzf-wKgw5rdvkbcNdP9Ev8tTYNos_fbPlj1Y6b967q6S78jP45nbucCPExN0NbTsDckG5rxd8m0Vm5eg83aTOWM1ueUyGIpqTyusW50b8aDNjFnF815PFNuD6OYs1z0EFlN57h51"/>
+          <p:cNvPicPr>
+            <a:picLocks noChangeAspect="1" noChangeArrowheads="1"/>
+          </p:cNvPicPr>
+          <p:nvPr/>
+        </p:nvPicPr>
+        <p:blipFill>
+          <a:blip r:embed="rId2">
+            <a:extLst>
+              <a:ext uri="{28A0092B-C50C-407E-A947-70E740481C1C}">
+                <a14:useLocalDpi xmlns:a14="http://schemas.microsoft.com/office/drawing/2010/main" val="0"/>
+              </a:ext>
+            </a:extLst>
+          </a:blip>
+          <a:srcRect/>
+          <a:stretch>
+            <a:fillRect/>
+          </a:stretch>
+        </p:blipFill>
+        <p:spPr bwMode="auto">
+          <a:xfrm>
+            <a:off x="842624" y="1425256"/>
+            <a:ext cx="10650236" cy="4122103"/>
+          </a:xfrm>
+          <a:prstGeom prst="rect">
+            <a:avLst/>
+          </a:prstGeom>
+          <a:noFill/>
+          <a:extLst>
+            <a:ext uri="{909E8E84-426E-40DD-AFC4-6F175D3DCCD1}">
+              <a14:hiddenFill xmlns:a14="http://schemas.microsoft.com/office/drawing/2010/main">
+                <a:solidFill>
+                  <a:srgbClr val="FFFFFF"/>
+                </a:solidFill>
+              </a14:hiddenFill>
+            </a:ext>
+          </a:extLst>
+        </p:spPr>
+      </p:pic>
+    </p:spTree>
+    <p:extLst>
+      <p:ext uri="{BB962C8B-B14F-4D97-AF65-F5344CB8AC3E}">
+        <p14:creationId xmlns:p14="http://schemas.microsoft.com/office/powerpoint/2010/main" val="362714650"/>
+      </p:ext>
+    </p:extLst>
+  </p:cSld>
+  <p:clrMapOvr>
+    <a:masterClrMapping/>
+  </p:clrMapOvr>
+  <p:timing>
+    <p:tnLst>
+      <p:par>
+        <p:cTn id="1" dur="indefinite" restart="never" nodeType="tmRoot"/>
+      </p:par>
+    </p:tnLst>
+  </p:timing>
+</p:sld>
+</file>
+
+<file path=ppt/slides/slide22.xml><?xml version="1.0" encoding="utf-8"?>
+<p:sld xmlns:a="http://schemas.openxmlformats.org/drawingml/2006/main" xmlns:r="http://schemas.openxmlformats.org/officeDocument/2006/relationships" xmlns:p="http://schemas.openxmlformats.org/presentationml/2006/main">
+  <p:cSld>
+    <p:spTree>
+      <p:nvGrpSpPr>
+        <p:cNvPr id="1" name=""/>
+        <p:cNvGrpSpPr/>
+        <p:nvPr/>
+      </p:nvGrpSpPr>
+      <p:grpSpPr>
+        <a:xfrm>
+          <a:off x="0" y="0"/>
+          <a:ext cx="0" cy="0"/>
+          <a:chOff x="0" y="0"/>
+          <a:chExt cx="0" cy="0"/>
+        </a:xfrm>
+      </p:grpSpPr>
+      <p:pic>
+        <p:nvPicPr>
+          <p:cNvPr id="11" name="그림 10"/>
+          <p:cNvPicPr>
+            <a:picLocks noChangeAspect="1"/>
+          </p:cNvPicPr>
+          <p:nvPr/>
+        </p:nvPicPr>
+        <p:blipFill>
+          <a:blip r:embed="rId2" cstate="print">
+            <a:extLst>
+              <a:ext uri="{28A0092B-C50C-407E-A947-70E740481C1C}">
+                <a14:useLocalDpi xmlns:a14="http://schemas.microsoft.com/office/drawing/2010/main" val="0"/>
+              </a:ext>
+            </a:extLst>
+          </a:blip>
+          <a:stretch>
+            <a:fillRect/>
+          </a:stretch>
+        </p:blipFill>
+        <p:spPr>
+          <a:xfrm>
+            <a:off x="0" y="-6415"/>
+            <a:ext cx="12192000" cy="6858000"/>
+          </a:xfrm>
+          <a:prstGeom prst="rect">
+            <a:avLst/>
+          </a:prstGeom>
+        </p:spPr>
+      </p:pic>
+      <p:sp>
+        <p:nvSpPr>
+          <p:cNvPr id="79" name="직사각형 78"/>
+          <p:cNvSpPr/>
+          <p:nvPr/>
+        </p:nvSpPr>
+        <p:spPr>
+          <a:xfrm>
+            <a:off x="11567828" y="2371"/>
+            <a:ext cx="624172" cy="624172"/>
+          </a:xfrm>
+          <a:prstGeom prst="rect">
+            <a:avLst/>
+          </a:prstGeom>
+          <a:solidFill>
+            <a:srgbClr val="355C7D"/>
+          </a:solidFill>
+        </p:spPr>
+        <p:style>
+          <a:lnRef idx="2">
+            <a:schemeClr val="accent1">
+              <a:shade val="50000"/>
+            </a:schemeClr>
+          </a:lnRef>
+          <a:fillRef idx="1">
+            <a:schemeClr val="accent1"/>
+          </a:fillRef>
+          <a:effectRef idx="0">
+            <a:schemeClr val="accent1"/>
+          </a:effectRef>
+          <a:fontRef idx="minor">
+            <a:schemeClr val="lt1"/>
+          </a:fontRef>
+        </p:style>
+        <p:txBody>
+          <a:bodyPr rtlCol="0" anchor="ctr"/>
+          <a:lstStyle/>
+          <a:p>
+            <a:pPr algn="ctr"/>
+            <a:endParaRPr lang="ko-KR" altLang="en-US"/>
+          </a:p>
+        </p:txBody>
+      </p:sp>
+      <p:sp>
+        <p:nvSpPr>
+          <p:cNvPr id="80" name="직각 삼각형 79"/>
+          <p:cNvSpPr/>
+          <p:nvPr/>
+        </p:nvSpPr>
+        <p:spPr>
+          <a:xfrm>
+            <a:off x="11567828" y="-6415"/>
+            <a:ext cx="624172" cy="642483"/>
+          </a:xfrm>
+          <a:prstGeom prst="rtTriangle">
+            <a:avLst/>
+          </a:prstGeom>
+          <a:solidFill>
+            <a:schemeClr val="bg1">
+              <a:lumMod val="75000"/>
+            </a:schemeClr>
+          </a:solidFill>
+          <a:ln>
+            <a:noFill/>
+          </a:ln>
+        </p:spPr>
+        <p:style>
+          <a:lnRef idx="2">
+            <a:schemeClr val="accent1">
+              <a:shade val="50000"/>
+            </a:schemeClr>
+          </a:lnRef>
+          <a:fillRef idx="1">
+            <a:schemeClr val="accent1"/>
+          </a:fillRef>
+          <a:effectRef idx="0">
+            <a:schemeClr val="accent1"/>
+          </a:effectRef>
+          <a:fontRef idx="minor">
+            <a:schemeClr val="lt1"/>
+          </a:fontRef>
+        </p:style>
+        <p:txBody>
+          <a:bodyPr rtlCol="0" anchor="ctr"/>
+          <a:lstStyle/>
+          <a:p>
+            <a:pPr algn="ctr"/>
+            <a:endParaRPr lang="ko-KR" altLang="en-US"/>
+          </a:p>
+        </p:txBody>
+      </p:sp>
+      <p:sp>
+        <p:nvSpPr>
+          <p:cNvPr id="2" name="TextBox 1"/>
+          <p:cNvSpPr txBox="1"/>
+          <p:nvPr/>
+        </p:nvSpPr>
+        <p:spPr>
+          <a:xfrm>
+            <a:off x="4500880" y="2675825"/>
+            <a:ext cx="3190240" cy="1493520"/>
+          </a:xfrm>
+          <a:prstGeom prst="rect">
+            <a:avLst/>
+          </a:prstGeom>
+          <a:noFill/>
+        </p:spPr>
+        <p:txBody>
+          <a:bodyPr wrap="square" rtlCol="0">
+            <a:spAutoFit/>
+          </a:bodyPr>
+          <a:lstStyle/>
+          <a:p>
+            <a:r>
+              <a:rPr lang="en-US" altLang="ko-KR" sz="8800" dirty="0" smtClean="0">
+                <a:solidFill>
+                  <a:schemeClr val="bg1"/>
+                </a:solidFill>
+                <a:latin typeface="KoPub돋움체 Bold"/>
+              </a:rPr>
+              <a:t>Q &amp; A</a:t>
+            </a:r>
+            <a:endParaRPr lang="ko-KR" altLang="en-US" sz="8800" dirty="0">
+              <a:solidFill>
+                <a:schemeClr val="bg1"/>
+              </a:solidFill>
+              <a:latin typeface="KoPub돋움체 Bold"/>
+            </a:endParaRPr>
+          </a:p>
+        </p:txBody>
+      </p:sp>
+    </p:spTree>
+    <p:extLst>
+      <p:ext uri="{BB962C8B-B14F-4D97-AF65-F5344CB8AC3E}">
+        <p14:creationId xmlns:p14="http://schemas.microsoft.com/office/powerpoint/2010/main" val="1881944021"/>
+      </p:ext>
+    </p:extLst>
+  </p:cSld>
+  <p:clrMapOvr>
+    <a:masterClrMapping/>
+  </p:clrMapOvr>
+  <p:timing>
+    <p:tnLst>
+      <p:par>
+        <p:cTn id="1" dur="indefinite" restart="never" nodeType="tmRoot"/>
+      </p:par>
+    </p:tnLst>
+  </p:timing>
+</p:sld>
+</file>
+
+<file path=ppt/slides/slide23.xml><?xml version="1.0" encoding="utf-8"?>
+<p:sld xmlns:a="http://schemas.openxmlformats.org/drawingml/2006/main" xmlns:r="http://schemas.openxmlformats.org/officeDocument/2006/relationships" xmlns:p="http://schemas.openxmlformats.org/presentationml/2006/main">
+  <p:cSld>
+    <p:spTree>
+      <p:nvGrpSpPr>
+        <p:cNvPr id="1" name=""/>
+        <p:cNvGrpSpPr/>
+        <p:nvPr/>
+      </p:nvGrpSpPr>
+      <p:grpSpPr>
+        <a:xfrm>
+          <a:off x="0" y="0"/>
+          <a:ext cx="0" cy="0"/>
+          <a:chOff x="0" y="0"/>
+          <a:chExt cx="0" cy="0"/>
+        </a:xfrm>
+      </p:grpSpPr>
+      <p:sp>
+        <p:nvSpPr>
+          <p:cNvPr id="5" name="직사각형 4"/>
+          <p:cNvSpPr/>
+          <p:nvPr/>
+        </p:nvSpPr>
+        <p:spPr>
+          <a:xfrm>
+            <a:off x="-1" y="0"/>
+            <a:ext cx="12192001" cy="6858000"/>
+          </a:xfrm>
+          <a:prstGeom prst="rect">
+            <a:avLst/>
+          </a:prstGeom>
+          <a:solidFill>
+            <a:srgbClr val="F67280"/>
+          </a:solidFill>
+          <a:ln>
+            <a:noFill/>
+          </a:ln>
+        </p:spPr>
+        <p:style>
+          <a:lnRef idx="2">
+            <a:schemeClr val="accent1">
+              <a:shade val="50000"/>
+            </a:schemeClr>
+          </a:lnRef>
+          <a:fillRef idx="1">
+            <a:schemeClr val="accent1"/>
+          </a:fillRef>
+          <a:effectRef idx="0">
+            <a:schemeClr val="accent1"/>
+          </a:effectRef>
+          <a:fontRef idx="minor">
+            <a:schemeClr val="lt1"/>
+          </a:fontRef>
+        </p:style>
+        <p:txBody>
+          <a:bodyPr rtlCol="0" anchor="ctr"/>
+          <a:lstStyle/>
+          <a:p>
+            <a:pPr algn="ctr"/>
+            <a:endParaRPr lang="ko-KR" altLang="en-US"/>
+          </a:p>
+        </p:txBody>
+      </p:sp>
+      <p:sp>
+        <p:nvSpPr>
+          <p:cNvPr id="8" name="TextBox 7"/>
+          <p:cNvSpPr txBox="1"/>
+          <p:nvPr/>
+        </p:nvSpPr>
+        <p:spPr>
+          <a:xfrm>
+            <a:off x="3715203" y="2828835"/>
+            <a:ext cx="4761591" cy="1200329"/>
+          </a:xfrm>
+          <a:prstGeom prst="rect">
+            <a:avLst/>
+          </a:prstGeom>
+          <a:noFill/>
+        </p:spPr>
+        <p:txBody>
+          <a:bodyPr wrap="square" rtlCol="0">
+            <a:spAutoFit/>
+          </a:bodyPr>
+          <a:lstStyle/>
+          <a:p>
+            <a:r>
+              <a:rPr lang="en-US" altLang="ko-KR" sz="7200" dirty="0" smtClean="0">
+                <a:solidFill>
+                  <a:schemeClr val="bg1"/>
+                </a:solidFill>
+                <a:latin typeface="KoPub돋움체 Bold" panose="02020603020101020101" pitchFamily="18" charset="-127"/>
+                <a:ea typeface="KoPub돋움체 Bold" panose="02020603020101020101" pitchFamily="18" charset="-127"/>
+              </a:rPr>
+              <a:t>Thank You!</a:t>
+            </a:r>
+            <a:endParaRPr lang="ko-KR" altLang="en-US" sz="7200" dirty="0">
+              <a:solidFill>
+                <a:schemeClr val="bg1"/>
+              </a:solidFill>
+              <a:latin typeface="KoPub돋움체 Bold" panose="02020603020101020101" pitchFamily="18" charset="-127"/>
+              <a:ea typeface="KoPub돋움체 Bold" panose="02020603020101020101" pitchFamily="18" charset="-127"/>
+            </a:endParaRPr>
+          </a:p>
+        </p:txBody>
+      </p:sp>
+    </p:spTree>
+    <p:extLst>
+      <p:ext uri="{BB962C8B-B14F-4D97-AF65-F5344CB8AC3E}">
+        <p14:creationId xmlns:p14="http://schemas.microsoft.com/office/powerpoint/2010/main" val="3737946906"/>
       </p:ext>
     </p:extLst>
   </p:cSld>
@@ -6311,314 +10394,23 @@
           <a:chExt cx="0" cy="0"/>
         </a:xfrm>
       </p:grpSpPr>
-      <p:pic>
-        <p:nvPicPr>
-          <p:cNvPr id="3080" name="Picture 8" descr="ëê° &amp;quot;Bugdroid&amp;quot;ë¥¼ ë§ë¤ìëì?"/>
-          <p:cNvPicPr>
-            <a:picLocks noChangeAspect="1" noChangeArrowheads="1"/>
-          </p:cNvPicPr>
-          <p:nvPr/>
-        </p:nvPicPr>
-        <p:blipFill>
-          <a:blip r:embed="rId2">
-            <a:clrChange>
-              <a:clrFrom>
-                <a:srgbClr val="F7F8F8"/>
-              </a:clrFrom>
-              <a:clrTo>
-                <a:srgbClr val="F7F8F8">
-                  <a:alpha val="0"/>
-                </a:srgbClr>
-              </a:clrTo>
-            </a:clrChange>
-            <a:extLst>
-              <a:ext uri="{28A0092B-C50C-407E-A947-70E740481C1C}">
-                <a14:useLocalDpi xmlns:a14="http://schemas.microsoft.com/office/drawing/2010/main" val="0"/>
-              </a:ext>
-            </a:extLst>
-          </a:blip>
-          <a:srcRect/>
-          <a:stretch>
-            <a:fillRect/>
-          </a:stretch>
-        </p:blipFill>
-        <p:spPr bwMode="auto">
-          <a:xfrm>
-            <a:off x="6507991" y="1315969"/>
-            <a:ext cx="6258440" cy="3739014"/>
-          </a:xfrm>
-          <a:prstGeom prst="rect">
-            <a:avLst/>
-          </a:prstGeom>
-          <a:noFill/>
-          <a:extLst>
-            <a:ext uri="{909E8E84-426E-40DD-AFC4-6F175D3DCCD1}">
-              <a14:hiddenFill xmlns:a14="http://schemas.microsoft.com/office/drawing/2010/main">
-                <a:solidFill>
-                  <a:srgbClr val="FFFFFF"/>
-                </a:solidFill>
-              </a14:hiddenFill>
-            </a:ext>
-          </a:extLst>
-        </p:spPr>
-      </p:pic>
-      <p:pic>
-        <p:nvPicPr>
-          <p:cNvPr id="3074" name="Picture 2" descr="ì§ì  ë§ëë ë¯¸ì¸ë¨¼ì§ ì¸¡ì ê¸° [ì°ì¬] 1/4"/>
-          <p:cNvPicPr>
-            <a:picLocks noChangeAspect="1" noChangeArrowheads="1"/>
-          </p:cNvPicPr>
-          <p:nvPr/>
-        </p:nvPicPr>
-        <p:blipFill>
-          <a:blip r:embed="rId3">
-            <a:extLst>
-              <a:ext uri="{28A0092B-C50C-407E-A947-70E740481C1C}">
-                <a14:useLocalDpi xmlns:a14="http://schemas.microsoft.com/office/drawing/2010/main" val="0"/>
-              </a:ext>
-            </a:extLst>
-          </a:blip>
-          <a:srcRect/>
-          <a:stretch>
-            <a:fillRect/>
-          </a:stretch>
-        </p:blipFill>
-        <p:spPr bwMode="auto">
-          <a:xfrm>
-            <a:off x="181146" y="1423034"/>
-            <a:ext cx="5308062" cy="3524885"/>
-          </a:xfrm>
-          <a:prstGeom prst="rect">
-            <a:avLst/>
-          </a:prstGeom>
-          <a:noFill/>
-          <a:extLst>
-            <a:ext uri="{909E8E84-426E-40DD-AFC4-6F175D3DCCD1}">
-              <a14:hiddenFill xmlns:a14="http://schemas.microsoft.com/office/drawing/2010/main">
-                <a:solidFill>
-                  <a:srgbClr val="FFFFFF"/>
-                </a:solidFill>
-              </a14:hiddenFill>
-            </a:ext>
-          </a:extLst>
-        </p:spPr>
-      </p:pic>
-      <p:pic>
-        <p:nvPicPr>
-          <p:cNvPr id="11" name="그림 10"/>
-          <p:cNvPicPr>
-            <a:picLocks noChangeAspect="1"/>
-          </p:cNvPicPr>
-          <p:nvPr/>
-        </p:nvPicPr>
-        <p:blipFill>
-          <a:blip r:embed="rId4" cstate="print">
-            <a:extLst>
-              <a:ext uri="{28A0092B-C50C-407E-A947-70E740481C1C}">
-                <a14:useLocalDpi xmlns:a14="http://schemas.microsoft.com/office/drawing/2010/main" val="0"/>
-              </a:ext>
-            </a:extLst>
-          </a:blip>
-          <a:stretch>
-            <a:fillRect/>
-          </a:stretch>
-        </p:blipFill>
-        <p:spPr>
-          <a:xfrm>
-            <a:off x="0" y="-6415"/>
-            <a:ext cx="12192000" cy="6858000"/>
-          </a:xfrm>
-          <a:prstGeom prst="rect">
-            <a:avLst/>
-          </a:prstGeom>
-        </p:spPr>
-      </p:pic>
-      <p:sp>
-        <p:nvSpPr>
-          <p:cNvPr id="79" name="직사각형 78"/>
-          <p:cNvSpPr/>
-          <p:nvPr/>
-        </p:nvSpPr>
-        <p:spPr>
-          <a:xfrm>
-            <a:off x="11567828" y="2371"/>
-            <a:ext cx="624172" cy="624172"/>
-          </a:xfrm>
-          <a:prstGeom prst="rect">
-            <a:avLst/>
-          </a:prstGeom>
-          <a:solidFill>
-            <a:srgbClr val="355C7D"/>
-          </a:solidFill>
-        </p:spPr>
-        <p:style>
-          <a:lnRef idx="2">
-            <a:schemeClr val="accent1">
-              <a:shade val="50000"/>
-            </a:schemeClr>
-          </a:lnRef>
-          <a:fillRef idx="1">
-            <a:schemeClr val="accent1"/>
-          </a:fillRef>
-          <a:effectRef idx="0">
-            <a:schemeClr val="accent1"/>
-          </a:effectRef>
-          <a:fontRef idx="minor">
-            <a:schemeClr val="lt1"/>
-          </a:fontRef>
-        </p:style>
-        <p:txBody>
-          <a:bodyPr rtlCol="0" anchor="ctr"/>
-          <a:lstStyle/>
-          <a:p>
-            <a:pPr algn="ctr"/>
-            <a:endParaRPr lang="ko-KR" altLang="en-US"/>
-          </a:p>
-        </p:txBody>
-      </p:sp>
-      <p:sp>
-        <p:nvSpPr>
-          <p:cNvPr id="80" name="직각 삼각형 79"/>
-          <p:cNvSpPr/>
-          <p:nvPr/>
-        </p:nvSpPr>
-        <p:spPr>
-          <a:xfrm>
-            <a:off x="11567828" y="-6415"/>
-            <a:ext cx="624172" cy="642483"/>
-          </a:xfrm>
-          <a:prstGeom prst="rtTriangle">
-            <a:avLst/>
-          </a:prstGeom>
-          <a:solidFill>
-            <a:schemeClr val="bg1">
-              <a:lumMod val="75000"/>
-            </a:schemeClr>
-          </a:solidFill>
-          <a:ln>
-            <a:noFill/>
-          </a:ln>
-        </p:spPr>
-        <p:style>
-          <a:lnRef idx="2">
-            <a:schemeClr val="accent1">
-              <a:shade val="50000"/>
-            </a:schemeClr>
-          </a:lnRef>
-          <a:fillRef idx="1">
-            <a:schemeClr val="accent1"/>
-          </a:fillRef>
-          <a:effectRef idx="0">
-            <a:schemeClr val="accent1"/>
-          </a:effectRef>
-          <a:fontRef idx="minor">
-            <a:schemeClr val="lt1"/>
-          </a:fontRef>
-        </p:style>
-        <p:txBody>
-          <a:bodyPr rtlCol="0" anchor="ctr"/>
-          <a:lstStyle/>
-          <a:p>
-            <a:pPr algn="ctr"/>
-            <a:endParaRPr lang="ko-KR" altLang="en-US"/>
-          </a:p>
-        </p:txBody>
-      </p:sp>
-      <p:sp>
-        <p:nvSpPr>
-          <p:cNvPr id="2" name="직사각형 1"/>
-          <p:cNvSpPr/>
-          <p:nvPr/>
-        </p:nvSpPr>
-        <p:spPr>
-          <a:xfrm>
-            <a:off x="4815840" y="2699310"/>
-            <a:ext cx="2560320" cy="1446550"/>
-          </a:xfrm>
-          <a:prstGeom prst="rect">
-            <a:avLst/>
-          </a:prstGeom>
-        </p:spPr>
-        <p:txBody>
-          <a:bodyPr wrap="square">
-            <a:spAutoFit/>
-          </a:bodyPr>
-          <a:lstStyle/>
-          <a:p>
-            <a:r>
-              <a:rPr lang="ko-KR" altLang="en-US" sz="8800" dirty="0" smtClean="0">
-                <a:solidFill>
-                  <a:schemeClr val="bg1"/>
-                </a:solidFill>
-                <a:latin typeface="KoPub돋움체 Bold" panose="02020603020101020101" pitchFamily="18" charset="-127"/>
-                <a:ea typeface="KoPub돋움체 Bold" panose="02020603020101020101" pitchFamily="18" charset="-127"/>
-              </a:rPr>
-              <a:t>시 연</a:t>
-            </a:r>
-            <a:endParaRPr lang="ko-KR" altLang="en-US" sz="8800" dirty="0">
-              <a:solidFill>
-                <a:schemeClr val="bg1"/>
-              </a:solidFill>
-              <a:latin typeface="KoPub돋움체 Bold" panose="02020603020101020101" pitchFamily="18" charset="-127"/>
-              <a:ea typeface="KoPub돋움체 Bold" panose="02020603020101020101" pitchFamily="18" charset="-127"/>
-            </a:endParaRPr>
-          </a:p>
-        </p:txBody>
-      </p:sp>
-    </p:spTree>
-    <p:extLst>
-      <p:ext uri="{BB962C8B-B14F-4D97-AF65-F5344CB8AC3E}">
-        <p14:creationId xmlns:p14="http://schemas.microsoft.com/office/powerpoint/2010/main" val="2293109900"/>
-      </p:ext>
-    </p:extLst>
-  </p:cSld>
-  <p:clrMapOvr>
-    <a:masterClrMapping/>
-  </p:clrMapOvr>
-  <p:timing>
-    <p:tnLst>
-      <p:par>
-        <p:cTn id="1" dur="indefinite" restart="never" nodeType="tmRoot"/>
-      </p:par>
-    </p:tnLst>
-  </p:timing>
-</p:sld>
-</file>
-
-<file path=ppt/slides/slide7.xml><?xml version="1.0" encoding="utf-8"?>
-<p:sld xmlns:a="http://schemas.openxmlformats.org/drawingml/2006/main" xmlns:r="http://schemas.openxmlformats.org/officeDocument/2006/relationships" xmlns:p="http://schemas.openxmlformats.org/presentationml/2006/main">
-  <p:cSld>
-    <p:spTree>
-      <p:nvGrpSpPr>
-        <p:cNvPr id="1" name=""/>
-        <p:cNvGrpSpPr/>
-        <p:nvPr/>
-      </p:nvGrpSpPr>
-      <p:grpSpPr>
-        <a:xfrm>
-          <a:off x="0" y="0"/>
-          <a:ext cx="0" cy="0"/>
-          <a:chOff x="0" y="0"/>
-          <a:chExt cx="0" cy="0"/>
-        </a:xfrm>
-      </p:grpSpPr>
       <p:grpSp>
         <p:nvGrpSpPr>
-          <p:cNvPr id="3" name="그룹 2"/>
+          <p:cNvPr id="2" name="그룹 1"/>
           <p:cNvGrpSpPr/>
           <p:nvPr/>
         </p:nvGrpSpPr>
         <p:grpSpPr>
           <a:xfrm>
             <a:off x="175953" y="206639"/>
-            <a:ext cx="2034935" cy="541508"/>
+            <a:ext cx="1901886" cy="541508"/>
             <a:chOff x="4232564" y="2276508"/>
-            <a:chExt cx="2034935" cy="541508"/>
+            <a:chExt cx="1901886" cy="541508"/>
           </a:xfrm>
         </p:grpSpPr>
         <p:grpSp>
           <p:nvGrpSpPr>
-            <p:cNvPr id="4" name="그룹 3"/>
+            <p:cNvPr id="3" name="그룹 2"/>
             <p:cNvGrpSpPr/>
             <p:nvPr/>
           </p:nvGrpSpPr>
@@ -6632,7 +10424,7 @@
           </p:grpSpPr>
           <p:sp>
             <p:nvSpPr>
-              <p:cNvPr id="7" name="평행 사변형 6"/>
+              <p:cNvPr id="6" name="평행 사변형 5"/>
               <p:cNvSpPr/>
               <p:nvPr/>
             </p:nvSpPr>
@@ -6678,7 +10470,7 @@
           </p:sp>
           <p:sp>
             <p:nvSpPr>
-              <p:cNvPr id="8" name="평행 사변형 7"/>
+              <p:cNvPr id="7" name="평행 사변형 6"/>
               <p:cNvSpPr/>
               <p:nvPr/>
             </p:nvSpPr>
@@ -6725,14 +10517,14 @@
         </p:grpSp>
         <p:sp>
           <p:nvSpPr>
-            <p:cNvPr id="5" name="TextBox 4"/>
+            <p:cNvPr id="4" name="TextBox 3"/>
             <p:cNvSpPr txBox="1"/>
             <p:nvPr/>
           </p:nvSpPr>
           <p:spPr>
             <a:xfrm>
               <a:off x="5201181" y="2327080"/>
-              <a:ext cx="1066318" cy="400110"/>
+              <a:ext cx="933269" cy="400110"/>
             </a:xfrm>
             <a:prstGeom prst="rect">
               <a:avLst/>
@@ -6746,6 +10538,16 @@
             <a:lstStyle/>
             <a:p>
               <a:r>
+                <a:rPr lang="en-US" altLang="ko-KR" sz="2000" dirty="0" smtClean="0">
+                  <a:solidFill>
+                    <a:srgbClr val="6C5B7B"/>
+                  </a:solidFill>
+                  <a:latin typeface="KoPub돋움체 Bold" panose="02020603020101020101" pitchFamily="18" charset="-127"/>
+                  <a:ea typeface="KoPub돋움체 Bold" panose="02020603020101020101" pitchFamily="18" charset="-127"/>
+                </a:rPr>
+                <a:t>UI </a:t>
+              </a:r>
+              <a:r>
                 <a:rPr lang="ko-KR" altLang="en-US" sz="2000" dirty="0" smtClean="0">
                   <a:solidFill>
                     <a:srgbClr val="6C5B7B"/>
@@ -6753,9 +10555,9 @@
                   <a:latin typeface="KoPub돋움체 Bold" panose="02020603020101020101" pitchFamily="18" charset="-127"/>
                   <a:ea typeface="KoPub돋움체 Bold" panose="02020603020101020101" pitchFamily="18" charset="-127"/>
                 </a:rPr>
-                <a:t>기대효과</a:t>
+                <a:t>설명</a:t>
               </a:r>
-              <a:endParaRPr lang="ko-KR" altLang="en-US" sz="2000" dirty="0">
+              <a:endParaRPr lang="en-US" altLang="ko-KR" sz="2000" dirty="0" smtClean="0">
                 <a:solidFill>
                   <a:srgbClr val="6C5B7B"/>
                 </a:solidFill>
@@ -6767,7 +10569,7 @@
         </p:sp>
         <p:sp>
           <p:nvSpPr>
-            <p:cNvPr id="6" name="TextBox 5"/>
+            <p:cNvPr id="5" name="TextBox 4"/>
             <p:cNvSpPr txBox="1"/>
             <p:nvPr/>
           </p:nvSpPr>
@@ -6795,7 +10597,7 @@
                   <a:latin typeface="KoPub돋움체 Light" panose="02020603020101020101" pitchFamily="18" charset="-127"/>
                   <a:ea typeface="KoPub돋움체 Light" panose="02020603020101020101" pitchFamily="18" charset="-127"/>
                 </a:rPr>
-                <a:t>05</a:t>
+                <a:t>04</a:t>
               </a:r>
               <a:endParaRPr lang="ko-KR" altLang="en-US" sz="1600" dirty="0">
                 <a:solidFill>
@@ -6810,96 +10612,299 @@
       </p:grpSp>
       <p:sp>
         <p:nvSpPr>
-          <p:cNvPr id="79" name="직사각형 78"/>
-          <p:cNvSpPr/>
+          <p:cNvPr id="8" name="TextBox 7"/>
+          <p:cNvSpPr txBox="1"/>
           <p:nvPr/>
         </p:nvSpPr>
         <p:spPr>
           <a:xfrm>
-            <a:off x="11567828" y="2371"/>
-            <a:ext cx="624172" cy="624172"/>
+            <a:off x="4537364" y="2875002"/>
+            <a:ext cx="3117273" cy="1107996"/>
           </a:xfrm>
           <a:prstGeom prst="rect">
             <a:avLst/>
           </a:prstGeom>
-          <a:solidFill>
-            <a:srgbClr val="355C7D"/>
-          </a:solidFill>
+          <a:noFill/>
         </p:spPr>
-        <p:style>
-          <a:lnRef idx="2">
-            <a:schemeClr val="accent1">
-              <a:shade val="50000"/>
-            </a:schemeClr>
-          </a:lnRef>
-          <a:fillRef idx="1">
-            <a:schemeClr val="accent1"/>
-          </a:fillRef>
-          <a:effectRef idx="0">
-            <a:schemeClr val="accent1"/>
-          </a:effectRef>
-          <a:fontRef idx="minor">
-            <a:schemeClr val="lt1"/>
-          </a:fontRef>
-        </p:style>
         <p:txBody>
-          <a:bodyPr rtlCol="0" anchor="ctr"/>
+          <a:bodyPr wrap="square" rtlCol="0">
+            <a:spAutoFit/>
+          </a:bodyPr>
           <a:lstStyle/>
           <a:p>
             <a:pPr algn="ctr"/>
-            <a:endParaRPr lang="ko-KR" altLang="en-US"/>
+            <a:r>
+              <a:rPr lang="ko-KR" altLang="en-US" sz="6600" dirty="0" err="1" smtClean="0">
+                <a:latin typeface="KoPubWorld돋움체 Bold" panose="00000800000000000000" pitchFamily="2" charset="-127"/>
+                <a:ea typeface="KoPubWorld돋움체 Bold" panose="00000800000000000000" pitchFamily="2" charset="-127"/>
+                <a:cs typeface="KoPubWorld돋움체 Bold" panose="00000800000000000000" pitchFamily="2" charset="-127"/>
+              </a:rPr>
+              <a:t>시작화면</a:t>
+            </a:r>
+            <a:endParaRPr lang="ko-KR" altLang="en-US" sz="6600" dirty="0">
+              <a:latin typeface="KoPubWorld돋움체 Bold" panose="00000800000000000000" pitchFamily="2" charset="-127"/>
+              <a:ea typeface="KoPubWorld돋움체 Bold" panose="00000800000000000000" pitchFamily="2" charset="-127"/>
+              <a:cs typeface="KoPubWorld돋움체 Bold" panose="00000800000000000000" pitchFamily="2" charset="-127"/>
+            </a:endParaRPr>
           </a:p>
         </p:txBody>
       </p:sp>
-      <p:sp>
-        <p:nvSpPr>
-          <p:cNvPr id="80" name="직각 삼각형 79"/>
-          <p:cNvSpPr/>
+    </p:spTree>
+    <p:extLst>
+      <p:ext uri="{BB962C8B-B14F-4D97-AF65-F5344CB8AC3E}">
+        <p14:creationId xmlns:p14="http://schemas.microsoft.com/office/powerpoint/2010/main" val="980366472"/>
+      </p:ext>
+    </p:extLst>
+  </p:cSld>
+  <p:clrMapOvr>
+    <a:masterClrMapping/>
+  </p:clrMapOvr>
+  <p:timing>
+    <p:tnLst>
+      <p:par>
+        <p:cTn id="1" dur="indefinite" restart="never" nodeType="tmRoot"/>
+      </p:par>
+    </p:tnLst>
+  </p:timing>
+</p:sld>
+</file>
+
+<file path=ppt/slides/slide7.xml><?xml version="1.0" encoding="utf-8"?>
+<p:sld xmlns:a="http://schemas.openxmlformats.org/drawingml/2006/main" xmlns:r="http://schemas.openxmlformats.org/officeDocument/2006/relationships" xmlns:p="http://schemas.openxmlformats.org/presentationml/2006/main">
+  <p:cSld>
+    <p:spTree>
+      <p:nvGrpSpPr>
+        <p:cNvPr id="1" name=""/>
+        <p:cNvGrpSpPr/>
+        <p:nvPr/>
+      </p:nvGrpSpPr>
+      <p:grpSpPr>
+        <a:xfrm>
+          <a:off x="0" y="0"/>
+          <a:ext cx="0" cy="0"/>
+          <a:chOff x="0" y="0"/>
+          <a:chExt cx="0" cy="0"/>
+        </a:xfrm>
+      </p:grpSpPr>
+      <p:grpSp>
+        <p:nvGrpSpPr>
+          <p:cNvPr id="2" name="그룹 1"/>
+          <p:cNvGrpSpPr/>
           <p:nvPr/>
-        </p:nvSpPr>
-        <p:spPr>
+        </p:nvGrpSpPr>
+        <p:grpSpPr>
           <a:xfrm>
-            <a:off x="11567828" y="-6415"/>
-            <a:ext cx="624172" cy="642483"/>
+            <a:off x="175953" y="206639"/>
+            <a:ext cx="1901886" cy="541508"/>
+            <a:chOff x="4232564" y="2276508"/>
+            <a:chExt cx="1901886" cy="541508"/>
           </a:xfrm>
-          <a:prstGeom prst="rtTriangle">
-            <a:avLst/>
-          </a:prstGeom>
-          <a:solidFill>
-            <a:srgbClr val="F67280"/>
-          </a:solidFill>
-          <a:ln>
+        </p:grpSpPr>
+        <p:grpSp>
+          <p:nvGrpSpPr>
+            <p:cNvPr id="3" name="그룹 2"/>
+            <p:cNvGrpSpPr/>
+            <p:nvPr/>
+          </p:nvGrpSpPr>
+          <p:grpSpPr>
+            <a:xfrm>
+              <a:off x="4232564" y="2276508"/>
+              <a:ext cx="712648" cy="541508"/>
+              <a:chOff x="3115591" y="4405745"/>
+              <a:chExt cx="4089168" cy="3107176"/>
+            </a:xfrm>
+          </p:grpSpPr>
+          <p:sp>
+            <p:nvSpPr>
+              <p:cNvPr id="6" name="평행 사변형 5"/>
+              <p:cNvSpPr/>
+              <p:nvPr/>
+            </p:nvSpPr>
+            <p:spPr>
+              <a:xfrm>
+                <a:off x="3379408" y="4636717"/>
+                <a:ext cx="3825351" cy="2876204"/>
+              </a:xfrm>
+              <a:prstGeom prst="parallelogram">
+                <a:avLst/>
+              </a:prstGeom>
+              <a:solidFill>
+                <a:srgbClr val="6C5B7B"/>
+              </a:solidFill>
+              <a:ln>
+                <a:noFill/>
+              </a:ln>
+            </p:spPr>
+            <p:style>
+              <a:lnRef idx="2">
+                <a:schemeClr val="accent1">
+                  <a:shade val="50000"/>
+                </a:schemeClr>
+              </a:lnRef>
+              <a:fillRef idx="1">
+                <a:schemeClr val="accent1"/>
+              </a:fillRef>
+              <a:effectRef idx="0">
+                <a:schemeClr val="accent1"/>
+              </a:effectRef>
+              <a:fontRef idx="minor">
+                <a:schemeClr val="lt1"/>
+              </a:fontRef>
+            </p:style>
+            <p:txBody>
+              <a:bodyPr rtlCol="0" anchor="ctr"/>
+              <a:lstStyle/>
+              <a:p>
+                <a:pPr algn="ctr"/>
+                <a:endParaRPr lang="ko-KR" altLang="en-US"/>
+              </a:p>
+            </p:txBody>
+          </p:sp>
+          <p:sp>
+            <p:nvSpPr>
+              <p:cNvPr id="7" name="평행 사변형 6"/>
+              <p:cNvSpPr/>
+              <p:nvPr/>
+            </p:nvSpPr>
+            <p:spPr>
+              <a:xfrm>
+                <a:off x="3115591" y="4405745"/>
+                <a:ext cx="3825352" cy="2876204"/>
+              </a:xfrm>
+              <a:prstGeom prst="parallelogram">
+                <a:avLst/>
+              </a:prstGeom>
+              <a:solidFill>
+                <a:srgbClr val="F67280"/>
+              </a:solidFill>
+              <a:ln>
+                <a:noFill/>
+              </a:ln>
+            </p:spPr>
+            <p:style>
+              <a:lnRef idx="2">
+                <a:schemeClr val="accent1">
+                  <a:shade val="50000"/>
+                </a:schemeClr>
+              </a:lnRef>
+              <a:fillRef idx="1">
+                <a:schemeClr val="accent1"/>
+              </a:fillRef>
+              <a:effectRef idx="0">
+                <a:schemeClr val="accent1"/>
+              </a:effectRef>
+              <a:fontRef idx="minor">
+                <a:schemeClr val="lt1"/>
+              </a:fontRef>
+            </p:style>
+            <p:txBody>
+              <a:bodyPr rtlCol="0" anchor="ctr"/>
+              <a:lstStyle/>
+              <a:p>
+                <a:pPr algn="ctr"/>
+                <a:endParaRPr lang="ko-KR" altLang="en-US"/>
+              </a:p>
+            </p:txBody>
+          </p:sp>
+        </p:grpSp>
+        <p:sp>
+          <p:nvSpPr>
+            <p:cNvPr id="4" name="TextBox 3"/>
+            <p:cNvSpPr txBox="1"/>
+            <p:nvPr/>
+          </p:nvSpPr>
+          <p:spPr>
+            <a:xfrm>
+              <a:off x="5201181" y="2327080"/>
+              <a:ext cx="933269" cy="400110"/>
+            </a:xfrm>
+            <a:prstGeom prst="rect">
+              <a:avLst/>
+            </a:prstGeom>
             <a:noFill/>
-          </a:ln>
-        </p:spPr>
-        <p:style>
-          <a:lnRef idx="2">
-            <a:schemeClr val="accent1">
-              <a:shade val="50000"/>
-            </a:schemeClr>
-          </a:lnRef>
-          <a:fillRef idx="1">
-            <a:schemeClr val="accent1"/>
-          </a:fillRef>
-          <a:effectRef idx="0">
-            <a:schemeClr val="accent1"/>
-          </a:effectRef>
-          <a:fontRef idx="minor">
-            <a:schemeClr val="lt1"/>
-          </a:fontRef>
-        </p:style>
-        <p:txBody>
-          <a:bodyPr rtlCol="0" anchor="ctr"/>
-          <a:lstStyle/>
-          <a:p>
-            <a:pPr algn="ctr"/>
-            <a:endParaRPr lang="ko-KR" altLang="en-US"/>
-          </a:p>
-        </p:txBody>
-      </p:sp>
+          </p:spPr>
+          <p:txBody>
+            <a:bodyPr wrap="none" rtlCol="0">
+              <a:spAutoFit/>
+            </a:bodyPr>
+            <a:lstStyle/>
+            <a:p>
+              <a:r>
+                <a:rPr lang="en-US" altLang="ko-KR" sz="2000" dirty="0" smtClean="0">
+                  <a:solidFill>
+                    <a:srgbClr val="6C5B7B"/>
+                  </a:solidFill>
+                  <a:latin typeface="KoPub돋움체 Bold" panose="02020603020101020101" pitchFamily="18" charset="-127"/>
+                  <a:ea typeface="KoPub돋움체 Bold" panose="02020603020101020101" pitchFamily="18" charset="-127"/>
+                </a:rPr>
+                <a:t>UI </a:t>
+              </a:r>
+              <a:r>
+                <a:rPr lang="ko-KR" altLang="en-US" sz="2000" dirty="0" smtClean="0">
+                  <a:solidFill>
+                    <a:srgbClr val="6C5B7B"/>
+                  </a:solidFill>
+                  <a:latin typeface="KoPub돋움체 Bold" panose="02020603020101020101" pitchFamily="18" charset="-127"/>
+                  <a:ea typeface="KoPub돋움체 Bold" panose="02020603020101020101" pitchFamily="18" charset="-127"/>
+                </a:rPr>
+                <a:t>설명</a:t>
+              </a:r>
+              <a:endParaRPr lang="en-US" altLang="ko-KR" sz="2000" dirty="0" smtClean="0">
+                <a:solidFill>
+                  <a:srgbClr val="6C5B7B"/>
+                </a:solidFill>
+                <a:latin typeface="KoPub돋움체 Bold" panose="02020603020101020101" pitchFamily="18" charset="-127"/>
+                <a:ea typeface="KoPub돋움체 Bold" panose="02020603020101020101" pitchFamily="18" charset="-127"/>
+              </a:endParaRPr>
+            </a:p>
+          </p:txBody>
+        </p:sp>
+        <p:sp>
+          <p:nvSpPr>
+            <p:cNvPr id="5" name="TextBox 4"/>
+            <p:cNvSpPr txBox="1"/>
+            <p:nvPr/>
+          </p:nvSpPr>
+          <p:spPr>
+            <a:xfrm>
+              <a:off x="4358150" y="2357858"/>
+              <a:ext cx="418704" cy="338554"/>
+            </a:xfrm>
+            <a:prstGeom prst="rect">
+              <a:avLst/>
+            </a:prstGeom>
+            <a:noFill/>
+          </p:spPr>
+          <p:txBody>
+            <a:bodyPr wrap="none" rtlCol="0">
+              <a:spAutoFit/>
+            </a:bodyPr>
+            <a:lstStyle/>
+            <a:p>
+              <a:r>
+                <a:rPr lang="en-US" altLang="ko-KR" sz="1600" dirty="0" smtClean="0">
+                  <a:solidFill>
+                    <a:schemeClr val="bg1"/>
+                  </a:solidFill>
+                  <a:latin typeface="KoPub돋움체 Light" panose="02020603020101020101" pitchFamily="18" charset="-127"/>
+                  <a:ea typeface="KoPub돋움체 Light" panose="02020603020101020101" pitchFamily="18" charset="-127"/>
+                </a:rPr>
+                <a:t>04</a:t>
+              </a:r>
+              <a:endParaRPr lang="ko-KR" altLang="en-US" sz="1600" dirty="0">
+                <a:solidFill>
+                  <a:schemeClr val="bg1"/>
+                </a:solidFill>
+                <a:latin typeface="KoPub돋움체 Light" panose="02020603020101020101" pitchFamily="18" charset="-127"/>
+                <a:ea typeface="KoPub돋움체 Light" panose="02020603020101020101" pitchFamily="18" charset="-127"/>
+              </a:endParaRPr>
+            </a:p>
+          </p:txBody>
+        </p:sp>
+      </p:grpSp>
       <p:pic>
         <p:nvPicPr>
-          <p:cNvPr id="2050" name="Picture 2" descr="https://lh4.googleusercontent.com/qzf-wKgw5rdvkbcNdP9Ev8tTYNos_fbPlj1Y6b967q6S78jP45nbucCPExN0NbTsDckG5rxd8m0Vm5eg83aTOWM1ueUyGIpqTyusW50b8aDNjFnF815PFNuD6OYs1z0EFlN57h51"/>
+          <p:cNvPr id="1026" name="Picture 2" descr="https://scontent-gmp1-1.xx.fbcdn.net/v/t1.15752-9/67318778_2345328899075641_4721972678280347648_n.png?_nc_cat=107&amp;_nc_oc=AQkDCCxYa8R1_Ry4qBWwvIJIZg-Z5yBWNErcOvm3xTKPwsY4UeroxsUW43L2p099mN4&amp;_nc_ht=scontent-gmp1-1.xx&amp;oh=40474e3a4b5cee8e331ca9ec48e26871&amp;oe=5DADC85E"/>
           <p:cNvPicPr>
             <a:picLocks noChangeAspect="1" noChangeArrowheads="1"/>
           </p:cNvPicPr>
@@ -6920,8 +10925,8 @@
         </p:blipFill>
         <p:spPr bwMode="auto">
           <a:xfrm>
-            <a:off x="842624" y="1425256"/>
-            <a:ext cx="10650236" cy="4122103"/>
+            <a:off x="4381500" y="381000"/>
+            <a:ext cx="3429000" cy="6096001"/>
           </a:xfrm>
           <a:prstGeom prst="rect">
             <a:avLst/>
@@ -6941,7 +10946,7 @@
     </p:spTree>
     <p:extLst>
       <p:ext uri="{BB962C8B-B14F-4D97-AF65-F5344CB8AC3E}">
-        <p14:creationId xmlns:p14="http://schemas.microsoft.com/office/powerpoint/2010/main" val="362714650"/>
+        <p14:creationId xmlns:p14="http://schemas.microsoft.com/office/powerpoint/2010/main" val="3021865413"/>
       </p:ext>
     </p:extLst>
   </p:cSld>
@@ -6951,7 +10956,83 @@
   <p:timing>
     <p:tnLst>
       <p:par>
-        <p:cTn id="1" dur="indefinite" restart="never" nodeType="tmRoot"/>
+        <p:cTn id="1" dur="indefinite" restart="never" nodeType="tmRoot">
+          <p:childTnLst>
+            <p:seq concurrent="1" nextAc="seek">
+              <p:cTn id="2" dur="indefinite" nodeType="mainSeq">
+                <p:childTnLst>
+                  <p:par>
+                    <p:cTn id="3" fill="hold">
+                      <p:stCondLst>
+                        <p:cond delay="indefinite"/>
+                      </p:stCondLst>
+                      <p:childTnLst>
+                        <p:par>
+                          <p:cTn id="4" fill="hold">
+                            <p:stCondLst>
+                              <p:cond delay="0"/>
+                            </p:stCondLst>
+                            <p:childTnLst>
+                              <p:par>
+                                <p:cTn id="5" presetID="10" presetClass="exit" presetSubtype="0" fill="hold" nodeType="clickEffect">
+                                  <p:stCondLst>
+                                    <p:cond delay="0"/>
+                                  </p:stCondLst>
+                                  <p:childTnLst>
+                                    <p:animEffect transition="out" filter="fade">
+                                      <p:cBhvr>
+                                        <p:cTn id="6" dur="1000"/>
+                                        <p:tgtEl>
+                                          <p:spTgt spid="1026"/>
+                                        </p:tgtEl>
+                                      </p:cBhvr>
+                                    </p:animEffect>
+                                    <p:set>
+                                      <p:cBhvr>
+                                        <p:cTn id="7" dur="1" fill="hold">
+                                          <p:stCondLst>
+                                            <p:cond delay="999"/>
+                                          </p:stCondLst>
+                                        </p:cTn>
+                                        <p:tgtEl>
+                                          <p:spTgt spid="1026"/>
+                                        </p:tgtEl>
+                                        <p:attrNameLst>
+                                          <p:attrName>style.visibility</p:attrName>
+                                        </p:attrNameLst>
+                                      </p:cBhvr>
+                                      <p:to>
+                                        <p:strVal val="hidden"/>
+                                      </p:to>
+                                    </p:set>
+                                  </p:childTnLst>
+                                </p:cTn>
+                              </p:par>
+                            </p:childTnLst>
+                          </p:cTn>
+                        </p:par>
+                      </p:childTnLst>
+                    </p:cTn>
+                  </p:par>
+                </p:childTnLst>
+              </p:cTn>
+              <p:prevCondLst>
+                <p:cond evt="onPrev" delay="0">
+                  <p:tgtEl>
+                    <p:sldTgt/>
+                  </p:tgtEl>
+                </p:cond>
+              </p:prevCondLst>
+              <p:nextCondLst>
+                <p:cond evt="onNext" delay="0">
+                  <p:tgtEl>
+                    <p:sldTgt/>
+                  </p:tgtEl>
+                </p:cond>
+              </p:nextCondLst>
+            </p:seq>
+          </p:childTnLst>
+        </p:cTn>
       </p:par>
     </p:tnLst>
   </p:timing>
@@ -6975,137 +11056,232 @@
           <a:chExt cx="0" cy="0"/>
         </a:xfrm>
       </p:grpSpPr>
-      <p:pic>
-        <p:nvPicPr>
-          <p:cNvPr id="11" name="그림 10"/>
-          <p:cNvPicPr>
-            <a:picLocks noChangeAspect="1"/>
-          </p:cNvPicPr>
+      <p:grpSp>
+        <p:nvGrpSpPr>
+          <p:cNvPr id="2" name="그룹 1"/>
+          <p:cNvGrpSpPr/>
           <p:nvPr/>
-        </p:nvPicPr>
-        <p:blipFill>
-          <a:blip r:embed="rId2" cstate="print">
-            <a:extLst>
-              <a:ext uri="{28A0092B-C50C-407E-A947-70E740481C1C}">
-                <a14:useLocalDpi xmlns:a14="http://schemas.microsoft.com/office/drawing/2010/main" val="0"/>
-              </a:ext>
-            </a:extLst>
-          </a:blip>
-          <a:stretch>
-            <a:fillRect/>
-          </a:stretch>
-        </p:blipFill>
-        <p:spPr>
+        </p:nvGrpSpPr>
+        <p:grpSpPr>
           <a:xfrm>
-            <a:off x="0" y="-6415"/>
-            <a:ext cx="12192000" cy="6858000"/>
+            <a:off x="175953" y="206639"/>
+            <a:ext cx="1901886" cy="541508"/>
+            <a:chOff x="4232564" y="2276508"/>
+            <a:chExt cx="1901886" cy="541508"/>
           </a:xfrm>
-          <a:prstGeom prst="rect">
-            <a:avLst/>
-          </a:prstGeom>
-        </p:spPr>
-      </p:pic>
+        </p:grpSpPr>
+        <p:grpSp>
+          <p:nvGrpSpPr>
+            <p:cNvPr id="3" name="그룹 2"/>
+            <p:cNvGrpSpPr/>
+            <p:nvPr/>
+          </p:nvGrpSpPr>
+          <p:grpSpPr>
+            <a:xfrm>
+              <a:off x="4232564" y="2276508"/>
+              <a:ext cx="712648" cy="541508"/>
+              <a:chOff x="3115591" y="4405745"/>
+              <a:chExt cx="4089168" cy="3107176"/>
+            </a:xfrm>
+          </p:grpSpPr>
+          <p:sp>
+            <p:nvSpPr>
+              <p:cNvPr id="6" name="평행 사변형 5"/>
+              <p:cNvSpPr/>
+              <p:nvPr/>
+            </p:nvSpPr>
+            <p:spPr>
+              <a:xfrm>
+                <a:off x="3379408" y="4636717"/>
+                <a:ext cx="3825351" cy="2876204"/>
+              </a:xfrm>
+              <a:prstGeom prst="parallelogram">
+                <a:avLst/>
+              </a:prstGeom>
+              <a:solidFill>
+                <a:srgbClr val="6C5B7B"/>
+              </a:solidFill>
+              <a:ln>
+                <a:noFill/>
+              </a:ln>
+            </p:spPr>
+            <p:style>
+              <a:lnRef idx="2">
+                <a:schemeClr val="accent1">
+                  <a:shade val="50000"/>
+                </a:schemeClr>
+              </a:lnRef>
+              <a:fillRef idx="1">
+                <a:schemeClr val="accent1"/>
+              </a:fillRef>
+              <a:effectRef idx="0">
+                <a:schemeClr val="accent1"/>
+              </a:effectRef>
+              <a:fontRef idx="minor">
+                <a:schemeClr val="lt1"/>
+              </a:fontRef>
+            </p:style>
+            <p:txBody>
+              <a:bodyPr rtlCol="0" anchor="ctr"/>
+              <a:lstStyle/>
+              <a:p>
+                <a:pPr algn="ctr"/>
+                <a:endParaRPr lang="ko-KR" altLang="en-US"/>
+              </a:p>
+            </p:txBody>
+          </p:sp>
+          <p:sp>
+            <p:nvSpPr>
+              <p:cNvPr id="7" name="평행 사변형 6"/>
+              <p:cNvSpPr/>
+              <p:nvPr/>
+            </p:nvSpPr>
+            <p:spPr>
+              <a:xfrm>
+                <a:off x="3115591" y="4405745"/>
+                <a:ext cx="3825352" cy="2876204"/>
+              </a:xfrm>
+              <a:prstGeom prst="parallelogram">
+                <a:avLst/>
+              </a:prstGeom>
+              <a:solidFill>
+                <a:srgbClr val="F67280"/>
+              </a:solidFill>
+              <a:ln>
+                <a:noFill/>
+              </a:ln>
+            </p:spPr>
+            <p:style>
+              <a:lnRef idx="2">
+                <a:schemeClr val="accent1">
+                  <a:shade val="50000"/>
+                </a:schemeClr>
+              </a:lnRef>
+              <a:fillRef idx="1">
+                <a:schemeClr val="accent1"/>
+              </a:fillRef>
+              <a:effectRef idx="0">
+                <a:schemeClr val="accent1"/>
+              </a:effectRef>
+              <a:fontRef idx="minor">
+                <a:schemeClr val="lt1"/>
+              </a:fontRef>
+            </p:style>
+            <p:txBody>
+              <a:bodyPr rtlCol="0" anchor="ctr"/>
+              <a:lstStyle/>
+              <a:p>
+                <a:pPr algn="ctr"/>
+                <a:endParaRPr lang="ko-KR" altLang="en-US"/>
+              </a:p>
+            </p:txBody>
+          </p:sp>
+        </p:grpSp>
+        <p:sp>
+          <p:nvSpPr>
+            <p:cNvPr id="4" name="TextBox 3"/>
+            <p:cNvSpPr txBox="1"/>
+            <p:nvPr/>
+          </p:nvSpPr>
+          <p:spPr>
+            <a:xfrm>
+              <a:off x="5201181" y="2327080"/>
+              <a:ext cx="933269" cy="400110"/>
+            </a:xfrm>
+            <a:prstGeom prst="rect">
+              <a:avLst/>
+            </a:prstGeom>
+            <a:noFill/>
+          </p:spPr>
+          <p:txBody>
+            <a:bodyPr wrap="none" rtlCol="0">
+              <a:spAutoFit/>
+            </a:bodyPr>
+            <a:lstStyle/>
+            <a:p>
+              <a:r>
+                <a:rPr lang="en-US" altLang="ko-KR" sz="2000" dirty="0" smtClean="0">
+                  <a:solidFill>
+                    <a:srgbClr val="6C5B7B"/>
+                  </a:solidFill>
+                  <a:latin typeface="KoPub돋움체 Bold" panose="02020603020101020101" pitchFamily="18" charset="-127"/>
+                  <a:ea typeface="KoPub돋움체 Bold" panose="02020603020101020101" pitchFamily="18" charset="-127"/>
+                </a:rPr>
+                <a:t>UI </a:t>
+              </a:r>
+              <a:r>
+                <a:rPr lang="ko-KR" altLang="en-US" sz="2000" dirty="0" smtClean="0">
+                  <a:solidFill>
+                    <a:srgbClr val="6C5B7B"/>
+                  </a:solidFill>
+                  <a:latin typeface="KoPub돋움체 Bold" panose="02020603020101020101" pitchFamily="18" charset="-127"/>
+                  <a:ea typeface="KoPub돋움체 Bold" panose="02020603020101020101" pitchFamily="18" charset="-127"/>
+                </a:rPr>
+                <a:t>설명</a:t>
+              </a:r>
+              <a:endParaRPr lang="en-US" altLang="ko-KR" sz="2000" dirty="0" smtClean="0">
+                <a:solidFill>
+                  <a:srgbClr val="6C5B7B"/>
+                </a:solidFill>
+                <a:latin typeface="KoPub돋움체 Bold" panose="02020603020101020101" pitchFamily="18" charset="-127"/>
+                <a:ea typeface="KoPub돋움체 Bold" panose="02020603020101020101" pitchFamily="18" charset="-127"/>
+              </a:endParaRPr>
+            </a:p>
+          </p:txBody>
+        </p:sp>
+        <p:sp>
+          <p:nvSpPr>
+            <p:cNvPr id="5" name="TextBox 4"/>
+            <p:cNvSpPr txBox="1"/>
+            <p:nvPr/>
+          </p:nvSpPr>
+          <p:spPr>
+            <a:xfrm>
+              <a:off x="4358150" y="2357858"/>
+              <a:ext cx="418704" cy="338554"/>
+            </a:xfrm>
+            <a:prstGeom prst="rect">
+              <a:avLst/>
+            </a:prstGeom>
+            <a:noFill/>
+          </p:spPr>
+          <p:txBody>
+            <a:bodyPr wrap="none" rtlCol="0">
+              <a:spAutoFit/>
+            </a:bodyPr>
+            <a:lstStyle/>
+            <a:p>
+              <a:r>
+                <a:rPr lang="en-US" altLang="ko-KR" sz="1600" dirty="0" smtClean="0">
+                  <a:solidFill>
+                    <a:schemeClr val="bg1"/>
+                  </a:solidFill>
+                  <a:latin typeface="KoPub돋움체 Light" panose="02020603020101020101" pitchFamily="18" charset="-127"/>
+                  <a:ea typeface="KoPub돋움체 Light" panose="02020603020101020101" pitchFamily="18" charset="-127"/>
+                </a:rPr>
+                <a:t>04</a:t>
+              </a:r>
+              <a:endParaRPr lang="ko-KR" altLang="en-US" sz="1600" dirty="0">
+                <a:solidFill>
+                  <a:schemeClr val="bg1"/>
+                </a:solidFill>
+                <a:latin typeface="KoPub돋움체 Light" panose="02020603020101020101" pitchFamily="18" charset="-127"/>
+                <a:ea typeface="KoPub돋움체 Light" panose="02020603020101020101" pitchFamily="18" charset="-127"/>
+              </a:endParaRPr>
+            </a:p>
+          </p:txBody>
+        </p:sp>
+      </p:grpSp>
       <p:sp>
         <p:nvSpPr>
-          <p:cNvPr id="79" name="직사각형 78"/>
-          <p:cNvSpPr/>
-          <p:nvPr/>
-        </p:nvSpPr>
-        <p:spPr>
-          <a:xfrm>
-            <a:off x="11567828" y="2371"/>
-            <a:ext cx="624172" cy="624172"/>
-          </a:xfrm>
-          <a:prstGeom prst="rect">
-            <a:avLst/>
-          </a:prstGeom>
-          <a:solidFill>
-            <a:srgbClr val="355C7D"/>
-          </a:solidFill>
-        </p:spPr>
-        <p:style>
-          <a:lnRef idx="2">
-            <a:schemeClr val="accent1">
-              <a:shade val="50000"/>
-            </a:schemeClr>
-          </a:lnRef>
-          <a:fillRef idx="1">
-            <a:schemeClr val="accent1"/>
-          </a:fillRef>
-          <a:effectRef idx="0">
-            <a:schemeClr val="accent1"/>
-          </a:effectRef>
-          <a:fontRef idx="minor">
-            <a:schemeClr val="lt1"/>
-          </a:fontRef>
-        </p:style>
-        <p:txBody>
-          <a:bodyPr rtlCol="0" anchor="ctr"/>
-          <a:lstStyle/>
-          <a:p>
-            <a:pPr algn="ctr"/>
-            <a:endParaRPr lang="ko-KR" altLang="en-US"/>
-          </a:p>
-        </p:txBody>
-      </p:sp>
-      <p:sp>
-        <p:nvSpPr>
-          <p:cNvPr id="80" name="직각 삼각형 79"/>
-          <p:cNvSpPr/>
-          <p:nvPr/>
-        </p:nvSpPr>
-        <p:spPr>
-          <a:xfrm>
-            <a:off x="11567828" y="-6415"/>
-            <a:ext cx="624172" cy="642483"/>
-          </a:xfrm>
-          <a:prstGeom prst="rtTriangle">
-            <a:avLst/>
-          </a:prstGeom>
-          <a:solidFill>
-            <a:schemeClr val="bg1">
-              <a:lumMod val="75000"/>
-            </a:schemeClr>
-          </a:solidFill>
-          <a:ln>
-            <a:noFill/>
-          </a:ln>
-        </p:spPr>
-        <p:style>
-          <a:lnRef idx="2">
-            <a:schemeClr val="accent1">
-              <a:shade val="50000"/>
-            </a:schemeClr>
-          </a:lnRef>
-          <a:fillRef idx="1">
-            <a:schemeClr val="accent1"/>
-          </a:fillRef>
-          <a:effectRef idx="0">
-            <a:schemeClr val="accent1"/>
-          </a:effectRef>
-          <a:fontRef idx="minor">
-            <a:schemeClr val="lt1"/>
-          </a:fontRef>
-        </p:style>
-        <p:txBody>
-          <a:bodyPr rtlCol="0" anchor="ctr"/>
-          <a:lstStyle/>
-          <a:p>
-            <a:pPr algn="ctr"/>
-            <a:endParaRPr lang="ko-KR" altLang="en-US"/>
-          </a:p>
-        </p:txBody>
-      </p:sp>
-      <p:sp>
-        <p:nvSpPr>
-          <p:cNvPr id="2" name="TextBox 1"/>
+          <p:cNvPr id="8" name="TextBox 7"/>
           <p:cNvSpPr txBox="1"/>
           <p:nvPr/>
         </p:nvSpPr>
         <p:spPr>
           <a:xfrm>
-            <a:off x="4500880" y="2675825"/>
-            <a:ext cx="3190240" cy="1493520"/>
+            <a:off x="4537364" y="2875002"/>
+            <a:ext cx="3117273" cy="1107996"/>
           </a:xfrm>
           <a:prstGeom prst="rect">
             <a:avLst/>
@@ -7118,20 +11294,19 @@
           </a:bodyPr>
           <a:lstStyle/>
           <a:p>
+            <a:pPr algn="ctr"/>
             <a:r>
-              <a:rPr lang="en-US" altLang="ko-KR" sz="8800" dirty="0" smtClean="0">
-                <a:solidFill>
-                  <a:schemeClr val="bg1"/>
-                </a:solidFill>
-                <a:latin typeface="KoPub돋움체 Bold"/>
+              <a:rPr lang="ko-KR" altLang="en-US" sz="6600" dirty="0" err="1" smtClean="0">
+                <a:latin typeface="KoPubWorld돋움체 Bold" panose="00000800000000000000" pitchFamily="2" charset="-127"/>
+                <a:ea typeface="KoPubWorld돋움체 Bold" panose="00000800000000000000" pitchFamily="2" charset="-127"/>
+                <a:cs typeface="KoPubWorld돋움체 Bold" panose="00000800000000000000" pitchFamily="2" charset="-127"/>
               </a:rPr>
-              <a:t>Q &amp; A</a:t>
+              <a:t>메인화면</a:t>
             </a:r>
-            <a:endParaRPr lang="ko-KR" altLang="en-US" sz="8800" dirty="0">
-              <a:solidFill>
-                <a:schemeClr val="bg1"/>
-              </a:solidFill>
-              <a:latin typeface="KoPub돋움체 Bold"/>
+            <a:endParaRPr lang="ko-KR" altLang="en-US" sz="6600" dirty="0">
+              <a:latin typeface="KoPubWorld돋움체 Bold" panose="00000800000000000000" pitchFamily="2" charset="-127"/>
+              <a:ea typeface="KoPubWorld돋움체 Bold" panose="00000800000000000000" pitchFamily="2" charset="-127"/>
+              <a:cs typeface="KoPubWorld돋움체 Bold" panose="00000800000000000000" pitchFamily="2" charset="-127"/>
             </a:endParaRPr>
           </a:p>
         </p:txBody>
@@ -7139,7 +11314,7 @@
     </p:spTree>
     <p:extLst>
       <p:ext uri="{BB962C8B-B14F-4D97-AF65-F5344CB8AC3E}">
-        <p14:creationId xmlns:p14="http://schemas.microsoft.com/office/powerpoint/2010/main" val="1881944021"/>
+        <p14:creationId xmlns:p14="http://schemas.microsoft.com/office/powerpoint/2010/main" val="1850548577"/>
       </p:ext>
     </p:extLst>
   </p:cSld>
@@ -7173,98 +11348,274 @@
           <a:chExt cx="0" cy="0"/>
         </a:xfrm>
       </p:grpSpPr>
-      <p:sp>
-        <p:nvSpPr>
-          <p:cNvPr id="5" name="직사각형 4"/>
-          <p:cNvSpPr/>
+      <p:grpSp>
+        <p:nvGrpSpPr>
+          <p:cNvPr id="2" name="그룹 1"/>
+          <p:cNvGrpSpPr/>
           <p:nvPr/>
-        </p:nvSpPr>
+        </p:nvGrpSpPr>
+        <p:grpSpPr>
+          <a:xfrm>
+            <a:off x="175953" y="206639"/>
+            <a:ext cx="1901886" cy="541508"/>
+            <a:chOff x="4232564" y="2276508"/>
+            <a:chExt cx="1901886" cy="541508"/>
+          </a:xfrm>
+        </p:grpSpPr>
+        <p:grpSp>
+          <p:nvGrpSpPr>
+            <p:cNvPr id="3" name="그룹 2"/>
+            <p:cNvGrpSpPr/>
+            <p:nvPr/>
+          </p:nvGrpSpPr>
+          <p:grpSpPr>
+            <a:xfrm>
+              <a:off x="4232564" y="2276508"/>
+              <a:ext cx="712648" cy="541508"/>
+              <a:chOff x="3115591" y="4405745"/>
+              <a:chExt cx="4089168" cy="3107176"/>
+            </a:xfrm>
+          </p:grpSpPr>
+          <p:sp>
+            <p:nvSpPr>
+              <p:cNvPr id="6" name="평행 사변형 5"/>
+              <p:cNvSpPr/>
+              <p:nvPr/>
+            </p:nvSpPr>
+            <p:spPr>
+              <a:xfrm>
+                <a:off x="3379408" y="4636717"/>
+                <a:ext cx="3825351" cy="2876204"/>
+              </a:xfrm>
+              <a:prstGeom prst="parallelogram">
+                <a:avLst/>
+              </a:prstGeom>
+              <a:solidFill>
+                <a:srgbClr val="6C5B7B"/>
+              </a:solidFill>
+              <a:ln>
+                <a:noFill/>
+              </a:ln>
+            </p:spPr>
+            <p:style>
+              <a:lnRef idx="2">
+                <a:schemeClr val="accent1">
+                  <a:shade val="50000"/>
+                </a:schemeClr>
+              </a:lnRef>
+              <a:fillRef idx="1">
+                <a:schemeClr val="accent1"/>
+              </a:fillRef>
+              <a:effectRef idx="0">
+                <a:schemeClr val="accent1"/>
+              </a:effectRef>
+              <a:fontRef idx="minor">
+                <a:schemeClr val="lt1"/>
+              </a:fontRef>
+            </p:style>
+            <p:txBody>
+              <a:bodyPr rtlCol="0" anchor="ctr"/>
+              <a:lstStyle/>
+              <a:p>
+                <a:pPr algn="ctr"/>
+                <a:endParaRPr lang="ko-KR" altLang="en-US"/>
+              </a:p>
+            </p:txBody>
+          </p:sp>
+          <p:sp>
+            <p:nvSpPr>
+              <p:cNvPr id="7" name="평행 사변형 6"/>
+              <p:cNvSpPr/>
+              <p:nvPr/>
+            </p:nvSpPr>
+            <p:spPr>
+              <a:xfrm>
+                <a:off x="3115591" y="4405745"/>
+                <a:ext cx="3825352" cy="2876204"/>
+              </a:xfrm>
+              <a:prstGeom prst="parallelogram">
+                <a:avLst/>
+              </a:prstGeom>
+              <a:solidFill>
+                <a:srgbClr val="F67280"/>
+              </a:solidFill>
+              <a:ln>
+                <a:noFill/>
+              </a:ln>
+            </p:spPr>
+            <p:style>
+              <a:lnRef idx="2">
+                <a:schemeClr val="accent1">
+                  <a:shade val="50000"/>
+                </a:schemeClr>
+              </a:lnRef>
+              <a:fillRef idx="1">
+                <a:schemeClr val="accent1"/>
+              </a:fillRef>
+              <a:effectRef idx="0">
+                <a:schemeClr val="accent1"/>
+              </a:effectRef>
+              <a:fontRef idx="minor">
+                <a:schemeClr val="lt1"/>
+              </a:fontRef>
+            </p:style>
+            <p:txBody>
+              <a:bodyPr rtlCol="0" anchor="ctr"/>
+              <a:lstStyle/>
+              <a:p>
+                <a:pPr algn="ctr"/>
+                <a:endParaRPr lang="ko-KR" altLang="en-US"/>
+              </a:p>
+            </p:txBody>
+          </p:sp>
+        </p:grpSp>
+        <p:sp>
+          <p:nvSpPr>
+            <p:cNvPr id="4" name="TextBox 3"/>
+            <p:cNvSpPr txBox="1"/>
+            <p:nvPr/>
+          </p:nvSpPr>
+          <p:spPr>
+            <a:xfrm>
+              <a:off x="5201181" y="2327080"/>
+              <a:ext cx="933269" cy="400110"/>
+            </a:xfrm>
+            <a:prstGeom prst="rect">
+              <a:avLst/>
+            </a:prstGeom>
+            <a:noFill/>
+          </p:spPr>
+          <p:txBody>
+            <a:bodyPr wrap="none" rtlCol="0">
+              <a:spAutoFit/>
+            </a:bodyPr>
+            <a:lstStyle/>
+            <a:p>
+              <a:r>
+                <a:rPr lang="en-US" altLang="ko-KR" sz="2000" dirty="0" smtClean="0">
+                  <a:solidFill>
+                    <a:srgbClr val="6C5B7B"/>
+                  </a:solidFill>
+                  <a:latin typeface="KoPub돋움체 Bold" panose="02020603020101020101" pitchFamily="18" charset="-127"/>
+                  <a:ea typeface="KoPub돋움체 Bold" panose="02020603020101020101" pitchFamily="18" charset="-127"/>
+                </a:rPr>
+                <a:t>UI </a:t>
+              </a:r>
+              <a:r>
+                <a:rPr lang="ko-KR" altLang="en-US" sz="2000" dirty="0" smtClean="0">
+                  <a:solidFill>
+                    <a:srgbClr val="6C5B7B"/>
+                  </a:solidFill>
+                  <a:latin typeface="KoPub돋움체 Bold" panose="02020603020101020101" pitchFamily="18" charset="-127"/>
+                  <a:ea typeface="KoPub돋움체 Bold" panose="02020603020101020101" pitchFamily="18" charset="-127"/>
+                </a:rPr>
+                <a:t>설명</a:t>
+              </a:r>
+              <a:endParaRPr lang="en-US" altLang="ko-KR" sz="2000" dirty="0" smtClean="0">
+                <a:solidFill>
+                  <a:srgbClr val="6C5B7B"/>
+                </a:solidFill>
+                <a:latin typeface="KoPub돋움체 Bold" panose="02020603020101020101" pitchFamily="18" charset="-127"/>
+                <a:ea typeface="KoPub돋움체 Bold" panose="02020603020101020101" pitchFamily="18" charset="-127"/>
+              </a:endParaRPr>
+            </a:p>
+          </p:txBody>
+        </p:sp>
+        <p:sp>
+          <p:nvSpPr>
+            <p:cNvPr id="5" name="TextBox 4"/>
+            <p:cNvSpPr txBox="1"/>
+            <p:nvPr/>
+          </p:nvSpPr>
+          <p:spPr>
+            <a:xfrm>
+              <a:off x="4358150" y="2357858"/>
+              <a:ext cx="418704" cy="338554"/>
+            </a:xfrm>
+            <a:prstGeom prst="rect">
+              <a:avLst/>
+            </a:prstGeom>
+            <a:noFill/>
+          </p:spPr>
+          <p:txBody>
+            <a:bodyPr wrap="none" rtlCol="0">
+              <a:spAutoFit/>
+            </a:bodyPr>
+            <a:lstStyle/>
+            <a:p>
+              <a:r>
+                <a:rPr lang="en-US" altLang="ko-KR" sz="1600" dirty="0" smtClean="0">
+                  <a:solidFill>
+                    <a:schemeClr val="bg1"/>
+                  </a:solidFill>
+                  <a:latin typeface="KoPub돋움체 Light" panose="02020603020101020101" pitchFamily="18" charset="-127"/>
+                  <a:ea typeface="KoPub돋움체 Light" panose="02020603020101020101" pitchFamily="18" charset="-127"/>
+                </a:rPr>
+                <a:t>04</a:t>
+              </a:r>
+              <a:endParaRPr lang="ko-KR" altLang="en-US" sz="1600" dirty="0">
+                <a:solidFill>
+                  <a:schemeClr val="bg1"/>
+                </a:solidFill>
+                <a:latin typeface="KoPub돋움체 Light" panose="02020603020101020101" pitchFamily="18" charset="-127"/>
+                <a:ea typeface="KoPub돋움체 Light" panose="02020603020101020101" pitchFamily="18" charset="-127"/>
+              </a:endParaRPr>
+            </a:p>
+          </p:txBody>
+        </p:sp>
+      </p:grpSp>
+      <p:pic>
+        <p:nvPicPr>
+          <p:cNvPr id="8" name="그림 7"/>
+          <p:cNvPicPr>
+            <a:picLocks noChangeAspect="1"/>
+          </p:cNvPicPr>
+          <p:nvPr/>
+        </p:nvPicPr>
+        <p:blipFill>
+          <a:blip r:embed="rId2"/>
+          <a:stretch>
+            <a:fillRect/>
+          </a:stretch>
+        </p:blipFill>
         <p:spPr>
           <a:xfrm>
-            <a:off x="-1" y="0"/>
-            <a:ext cx="12192001" cy="6858000"/>
+            <a:off x="2398781" y="206639"/>
+            <a:ext cx="3629775" cy="6480000"/>
           </a:xfrm>
           <a:prstGeom prst="rect">
             <a:avLst/>
           </a:prstGeom>
-          <a:solidFill>
-            <a:srgbClr val="F67280"/>
-          </a:solidFill>
-          <a:ln>
-            <a:noFill/>
-          </a:ln>
         </p:spPr>
-        <p:style>
-          <a:lnRef idx="2">
-            <a:schemeClr val="accent1">
-              <a:shade val="50000"/>
-            </a:schemeClr>
-          </a:lnRef>
-          <a:fillRef idx="1">
-            <a:schemeClr val="accent1"/>
-          </a:fillRef>
-          <a:effectRef idx="0">
-            <a:schemeClr val="accent1"/>
-          </a:effectRef>
-          <a:fontRef idx="minor">
-            <a:schemeClr val="lt1"/>
-          </a:fontRef>
-        </p:style>
-        <p:txBody>
-          <a:bodyPr rtlCol="0" anchor="ctr"/>
-          <a:lstStyle/>
-          <a:p>
-            <a:pPr algn="ctr"/>
-            <a:endParaRPr lang="ko-KR" altLang="en-US"/>
-          </a:p>
-        </p:txBody>
-      </p:sp>
-      <p:sp>
-        <p:nvSpPr>
-          <p:cNvPr id="8" name="TextBox 7"/>
-          <p:cNvSpPr txBox="1"/>
+      </p:pic>
+      <p:pic>
+        <p:nvPicPr>
+          <p:cNvPr id="9" name="그림 8"/>
+          <p:cNvPicPr>
+            <a:picLocks noChangeAspect="1"/>
+          </p:cNvPicPr>
           <p:nvPr/>
-        </p:nvSpPr>
+        </p:nvPicPr>
+        <p:blipFill>
+          <a:blip r:embed="rId3"/>
+          <a:stretch>
+            <a:fillRect/>
+          </a:stretch>
+        </p:blipFill>
         <p:spPr>
           <a:xfrm>
-            <a:off x="3715203" y="2828835"/>
-            <a:ext cx="4761591" cy="1200329"/>
+            <a:off x="6074533" y="206639"/>
+            <a:ext cx="3652070" cy="6480000"/>
           </a:xfrm>
           <a:prstGeom prst="rect">
             <a:avLst/>
           </a:prstGeom>
-          <a:noFill/>
         </p:spPr>
-        <p:txBody>
-          <a:bodyPr wrap="square" rtlCol="0">
-            <a:spAutoFit/>
-          </a:bodyPr>
-          <a:lstStyle/>
-          <a:p>
-            <a:r>
-              <a:rPr lang="en-US" altLang="ko-KR" sz="7200" dirty="0" smtClean="0">
-                <a:solidFill>
-                  <a:schemeClr val="bg1"/>
-                </a:solidFill>
-                <a:latin typeface="KoPub돋움체 Bold" panose="02020603020101020101" pitchFamily="18" charset="-127"/>
-                <a:ea typeface="KoPub돋움체 Bold" panose="02020603020101020101" pitchFamily="18" charset="-127"/>
-              </a:rPr>
-              <a:t>Thank You!</a:t>
-            </a:r>
-            <a:endParaRPr lang="ko-KR" altLang="en-US" sz="7200" dirty="0">
-              <a:solidFill>
-                <a:schemeClr val="bg1"/>
-              </a:solidFill>
-              <a:latin typeface="KoPub돋움체 Bold" panose="02020603020101020101" pitchFamily="18" charset="-127"/>
-              <a:ea typeface="KoPub돋움체 Bold" panose="02020603020101020101" pitchFamily="18" charset="-127"/>
-            </a:endParaRPr>
-          </a:p>
-        </p:txBody>
-      </p:sp>
+      </p:pic>
     </p:spTree>
     <p:extLst>
       <p:ext uri="{BB962C8B-B14F-4D97-AF65-F5344CB8AC3E}">
-        <p14:creationId xmlns:p14="http://schemas.microsoft.com/office/powerpoint/2010/main" val="3737946906"/>
+        <p14:creationId xmlns:p14="http://schemas.microsoft.com/office/powerpoint/2010/main" val="1763469085"/>
       </p:ext>
     </p:extLst>
   </p:cSld>

--- a/pptFile/ppt.pptx
+++ b/pptFile/ppt.pptx
@@ -7,27 +7,36 @@
   <p:sldIdLst>
     <p:sldId id="257" r:id="rId2"/>
     <p:sldId id="258" r:id="rId3"/>
-    <p:sldId id="259" r:id="rId4"/>
-    <p:sldId id="266" r:id="rId5"/>
-    <p:sldId id="267" r:id="rId6"/>
-    <p:sldId id="287" r:id="rId7"/>
-    <p:sldId id="271" r:id="rId8"/>
-    <p:sldId id="286" r:id="rId9"/>
-    <p:sldId id="285" r:id="rId10"/>
-    <p:sldId id="280" r:id="rId11"/>
-    <p:sldId id="274" r:id="rId12"/>
-    <p:sldId id="281" r:id="rId13"/>
-    <p:sldId id="273" r:id="rId14"/>
-    <p:sldId id="283" r:id="rId15"/>
-    <p:sldId id="275" r:id="rId16"/>
-    <p:sldId id="282" r:id="rId17"/>
-    <p:sldId id="276" r:id="rId18"/>
-    <p:sldId id="284" r:id="rId19"/>
-    <p:sldId id="277" r:id="rId20"/>
-    <p:sldId id="268" r:id="rId21"/>
-    <p:sldId id="269" r:id="rId22"/>
-    <p:sldId id="270" r:id="rId23"/>
-    <p:sldId id="265" r:id="rId24"/>
+    <p:sldId id="292" r:id="rId4"/>
+    <p:sldId id="259" r:id="rId5"/>
+    <p:sldId id="291" r:id="rId6"/>
+    <p:sldId id="288" r:id="rId7"/>
+    <p:sldId id="289" r:id="rId8"/>
+    <p:sldId id="266" r:id="rId9"/>
+    <p:sldId id="290" r:id="rId10"/>
+    <p:sldId id="293" r:id="rId11"/>
+    <p:sldId id="267" r:id="rId12"/>
+    <p:sldId id="294" r:id="rId13"/>
+    <p:sldId id="287" r:id="rId14"/>
+    <p:sldId id="271" r:id="rId15"/>
+    <p:sldId id="286" r:id="rId16"/>
+    <p:sldId id="285" r:id="rId17"/>
+    <p:sldId id="280" r:id="rId18"/>
+    <p:sldId id="274" r:id="rId19"/>
+    <p:sldId id="281" r:id="rId20"/>
+    <p:sldId id="273" r:id="rId21"/>
+    <p:sldId id="283" r:id="rId22"/>
+    <p:sldId id="275" r:id="rId23"/>
+    <p:sldId id="282" r:id="rId24"/>
+    <p:sldId id="276" r:id="rId25"/>
+    <p:sldId id="284" r:id="rId26"/>
+    <p:sldId id="277" r:id="rId27"/>
+    <p:sldId id="296" r:id="rId28"/>
+    <p:sldId id="268" r:id="rId29"/>
+    <p:sldId id="295" r:id="rId30"/>
+    <p:sldId id="269" r:id="rId31"/>
+    <p:sldId id="270" r:id="rId32"/>
+    <p:sldId id="265" r:id="rId33"/>
   </p:sldIdLst>
   <p:sldSz cx="12192000" cy="6858000"/>
   <p:notesSz cx="6858000" cy="9144000"/>
@@ -3136,232 +3145,62 @@
           <a:chExt cx="0" cy="0"/>
         </a:xfrm>
       </p:grpSpPr>
-      <p:grpSp>
-        <p:nvGrpSpPr>
-          <p:cNvPr id="2" name="그룹 1"/>
-          <p:cNvGrpSpPr/>
+      <p:sp>
+        <p:nvSpPr>
+          <p:cNvPr id="5" name="평행 사변형 4"/>
+          <p:cNvSpPr/>
           <p:nvPr/>
-        </p:nvGrpSpPr>
-        <p:grpSpPr>
-          <a:xfrm>
-            <a:off x="175953" y="206639"/>
-            <a:ext cx="1901886" cy="541508"/>
-            <a:chOff x="4232564" y="2276508"/>
-            <a:chExt cx="1901886" cy="541508"/>
-          </a:xfrm>
-        </p:grpSpPr>
-        <p:grpSp>
-          <p:nvGrpSpPr>
-            <p:cNvPr id="3" name="그룹 2"/>
-            <p:cNvGrpSpPr/>
-            <p:nvPr/>
-          </p:nvGrpSpPr>
-          <p:grpSpPr>
-            <a:xfrm>
-              <a:off x="4232564" y="2276508"/>
-              <a:ext cx="712648" cy="541508"/>
-              <a:chOff x="3115591" y="4405745"/>
-              <a:chExt cx="4089168" cy="3107176"/>
-            </a:xfrm>
-          </p:grpSpPr>
-          <p:sp>
-            <p:nvSpPr>
-              <p:cNvPr id="6" name="평행 사변형 5"/>
-              <p:cNvSpPr/>
-              <p:nvPr/>
-            </p:nvSpPr>
-            <p:spPr>
-              <a:xfrm>
-                <a:off x="3379408" y="4636717"/>
-                <a:ext cx="3825351" cy="2876204"/>
-              </a:xfrm>
-              <a:prstGeom prst="parallelogram">
-                <a:avLst/>
-              </a:prstGeom>
-              <a:solidFill>
-                <a:srgbClr val="6C5B7B"/>
-              </a:solidFill>
-              <a:ln>
-                <a:noFill/>
-              </a:ln>
-            </p:spPr>
-            <p:style>
-              <a:lnRef idx="2">
-                <a:schemeClr val="accent1">
-                  <a:shade val="50000"/>
-                </a:schemeClr>
-              </a:lnRef>
-              <a:fillRef idx="1">
-                <a:schemeClr val="accent1"/>
-              </a:fillRef>
-              <a:effectRef idx="0">
-                <a:schemeClr val="accent1"/>
-              </a:effectRef>
-              <a:fontRef idx="minor">
-                <a:schemeClr val="lt1"/>
-              </a:fontRef>
-            </p:style>
-            <p:txBody>
-              <a:bodyPr rtlCol="0" anchor="ctr"/>
-              <a:lstStyle/>
-              <a:p>
-                <a:pPr algn="ctr"/>
-                <a:endParaRPr lang="ko-KR" altLang="en-US"/>
-              </a:p>
-            </p:txBody>
-          </p:sp>
-          <p:sp>
-            <p:nvSpPr>
-              <p:cNvPr id="7" name="평행 사변형 6"/>
-              <p:cNvSpPr/>
-              <p:nvPr/>
-            </p:nvSpPr>
-            <p:spPr>
-              <a:xfrm>
-                <a:off x="3115591" y="4405745"/>
-                <a:ext cx="3825352" cy="2876204"/>
-              </a:xfrm>
-              <a:prstGeom prst="parallelogram">
-                <a:avLst/>
-              </a:prstGeom>
-              <a:solidFill>
-                <a:srgbClr val="F67280"/>
-              </a:solidFill>
-              <a:ln>
-                <a:noFill/>
-              </a:ln>
-            </p:spPr>
-            <p:style>
-              <a:lnRef idx="2">
-                <a:schemeClr val="accent1">
-                  <a:shade val="50000"/>
-                </a:schemeClr>
-              </a:lnRef>
-              <a:fillRef idx="1">
-                <a:schemeClr val="accent1"/>
-              </a:fillRef>
-              <a:effectRef idx="0">
-                <a:schemeClr val="accent1"/>
-              </a:effectRef>
-              <a:fontRef idx="minor">
-                <a:schemeClr val="lt1"/>
-              </a:fontRef>
-            </p:style>
-            <p:txBody>
-              <a:bodyPr rtlCol="0" anchor="ctr"/>
-              <a:lstStyle/>
-              <a:p>
-                <a:pPr algn="ctr"/>
-                <a:endParaRPr lang="ko-KR" altLang="en-US"/>
-              </a:p>
-            </p:txBody>
-          </p:sp>
-        </p:grpSp>
-        <p:sp>
-          <p:nvSpPr>
-            <p:cNvPr id="4" name="TextBox 3"/>
-            <p:cNvSpPr txBox="1"/>
-            <p:nvPr/>
-          </p:nvSpPr>
-          <p:spPr>
-            <a:xfrm>
-              <a:off x="5201181" y="2327080"/>
-              <a:ext cx="933269" cy="400110"/>
-            </a:xfrm>
-            <a:prstGeom prst="rect">
-              <a:avLst/>
-            </a:prstGeom>
+        </p:nvSpPr>
+        <p:spPr>
+          <a:xfrm>
+            <a:off x="-5098104" y="-93134"/>
+            <a:ext cx="9672941" cy="7272867"/>
+          </a:xfrm>
+          <a:prstGeom prst="parallelogram">
+            <a:avLst/>
+          </a:prstGeom>
+          <a:solidFill>
+            <a:srgbClr val="F67280"/>
+          </a:solidFill>
+          <a:ln>
             <a:noFill/>
-          </p:spPr>
-          <p:txBody>
-            <a:bodyPr wrap="none" rtlCol="0">
-              <a:spAutoFit/>
-            </a:bodyPr>
-            <a:lstStyle/>
-            <a:p>
-              <a:r>
-                <a:rPr lang="en-US" altLang="ko-KR" sz="2000" dirty="0" smtClean="0">
-                  <a:solidFill>
-                    <a:srgbClr val="6C5B7B"/>
-                  </a:solidFill>
-                  <a:latin typeface="KoPub돋움체 Bold" panose="02020603020101020101" pitchFamily="18" charset="-127"/>
-                  <a:ea typeface="KoPub돋움체 Bold" panose="02020603020101020101" pitchFamily="18" charset="-127"/>
-                </a:rPr>
-                <a:t>UI </a:t>
-              </a:r>
-              <a:r>
-                <a:rPr lang="ko-KR" altLang="en-US" sz="2000" dirty="0" smtClean="0">
-                  <a:solidFill>
-                    <a:srgbClr val="6C5B7B"/>
-                  </a:solidFill>
-                  <a:latin typeface="KoPub돋움체 Bold" panose="02020603020101020101" pitchFamily="18" charset="-127"/>
-                  <a:ea typeface="KoPub돋움체 Bold" panose="02020603020101020101" pitchFamily="18" charset="-127"/>
-                </a:rPr>
-                <a:t>설명</a:t>
-              </a:r>
-              <a:endParaRPr lang="en-US" altLang="ko-KR" sz="2000" dirty="0" smtClean="0">
-                <a:solidFill>
-                  <a:srgbClr val="6C5B7B"/>
-                </a:solidFill>
-                <a:latin typeface="KoPub돋움체 Bold" panose="02020603020101020101" pitchFamily="18" charset="-127"/>
-                <a:ea typeface="KoPub돋움체 Bold" panose="02020603020101020101" pitchFamily="18" charset="-127"/>
-              </a:endParaRPr>
-            </a:p>
-          </p:txBody>
-        </p:sp>
-        <p:sp>
-          <p:nvSpPr>
-            <p:cNvPr id="5" name="TextBox 4"/>
-            <p:cNvSpPr txBox="1"/>
-            <p:nvPr/>
-          </p:nvSpPr>
-          <p:spPr>
-            <a:xfrm>
-              <a:off x="4358150" y="2357858"/>
-              <a:ext cx="418704" cy="338554"/>
-            </a:xfrm>
-            <a:prstGeom prst="rect">
-              <a:avLst/>
-            </a:prstGeom>
-            <a:noFill/>
-          </p:spPr>
-          <p:txBody>
-            <a:bodyPr wrap="none" rtlCol="0">
-              <a:spAutoFit/>
-            </a:bodyPr>
-            <a:lstStyle/>
-            <a:p>
-              <a:r>
-                <a:rPr lang="en-US" altLang="ko-KR" sz="1600" dirty="0" smtClean="0">
-                  <a:solidFill>
-                    <a:schemeClr val="bg1"/>
-                  </a:solidFill>
-                  <a:latin typeface="KoPub돋움체 Light" panose="02020603020101020101" pitchFamily="18" charset="-127"/>
-                  <a:ea typeface="KoPub돋움체 Light" panose="02020603020101020101" pitchFamily="18" charset="-127"/>
-                </a:rPr>
-                <a:t>04</a:t>
-              </a:r>
-              <a:endParaRPr lang="ko-KR" altLang="en-US" sz="1600" dirty="0">
-                <a:solidFill>
-                  <a:schemeClr val="bg1"/>
-                </a:solidFill>
-                <a:latin typeface="KoPub돋움체 Light" panose="02020603020101020101" pitchFamily="18" charset="-127"/>
-                <a:ea typeface="KoPub돋움체 Light" panose="02020603020101020101" pitchFamily="18" charset="-127"/>
-              </a:endParaRPr>
-            </a:p>
-          </p:txBody>
-        </p:sp>
-      </p:grpSp>
-      <p:sp>
-        <p:nvSpPr>
-          <p:cNvPr id="8" name="TextBox 7"/>
+          </a:ln>
+        </p:spPr>
+        <p:style>
+          <a:lnRef idx="2">
+            <a:schemeClr val="accent1">
+              <a:shade val="50000"/>
+            </a:schemeClr>
+          </a:lnRef>
+          <a:fillRef idx="1">
+            <a:schemeClr val="accent1"/>
+          </a:fillRef>
+          <a:effectRef idx="0">
+            <a:schemeClr val="accent1"/>
+          </a:effectRef>
+          <a:fontRef idx="minor">
+            <a:schemeClr val="lt1"/>
+          </a:fontRef>
+        </p:style>
+        <p:txBody>
+          <a:bodyPr rtlCol="0" anchor="ctr"/>
+          <a:lstStyle/>
+          <a:p>
+            <a:pPr algn="ctr"/>
+            <a:endParaRPr lang="ko-KR" altLang="en-US"/>
+          </a:p>
+        </p:txBody>
+      </p:sp>
+      <p:sp>
+        <p:nvSpPr>
+          <p:cNvPr id="6" name="TextBox 5"/>
           <p:cNvSpPr txBox="1"/>
           <p:nvPr/>
         </p:nvSpPr>
         <p:spPr>
           <a:xfrm>
-            <a:off x="4537364" y="2875002"/>
-            <a:ext cx="3117273" cy="1107996"/>
+            <a:off x="4792133" y="2881579"/>
+            <a:ext cx="5224507" cy="1323439"/>
           </a:xfrm>
           <a:prstGeom prst="rect">
             <a:avLst/>
@@ -3369,21 +3208,28 @@
           <a:noFill/>
         </p:spPr>
         <p:txBody>
-          <a:bodyPr wrap="square" rtlCol="0">
+          <a:bodyPr wrap="none" rtlCol="0">
             <a:spAutoFit/>
           </a:bodyPr>
           <a:lstStyle/>
           <a:p>
-            <a:pPr algn="ctr"/>
-            <a:r>
-              <a:rPr lang="ko-KR" altLang="en-US" sz="6600" smtClean="0">
+            <a:r>
+              <a:rPr lang="en-US" altLang="ko-KR" sz="8000" b="1" dirty="0" smtClean="0">
                 <a:latin typeface="KoPubWorld돋움체 Bold" panose="00000800000000000000" pitchFamily="2" charset="-127"/>
                 <a:ea typeface="KoPubWorld돋움체 Bold" panose="00000800000000000000" pitchFamily="2" charset="-127"/>
                 <a:cs typeface="KoPubWorld돋움체 Bold" panose="00000800000000000000" pitchFamily="2" charset="-127"/>
               </a:rPr>
-              <a:t>메뉴</a:t>
-            </a:r>
-            <a:endParaRPr lang="ko-KR" altLang="en-US" sz="6600" dirty="0">
+              <a:t>4. </a:t>
+            </a:r>
+            <a:r>
+              <a:rPr lang="ko-KR" altLang="en-US" sz="8000" b="1" dirty="0" smtClean="0">
+                <a:latin typeface="KoPubWorld돋움체 Bold" panose="00000800000000000000" pitchFamily="2" charset="-127"/>
+                <a:ea typeface="KoPubWorld돋움체 Bold" panose="00000800000000000000" pitchFamily="2" charset="-127"/>
+                <a:cs typeface="KoPubWorld돋움체 Bold" panose="00000800000000000000" pitchFamily="2" charset="-127"/>
+              </a:rPr>
+              <a:t>기능 설명</a:t>
+            </a:r>
+            <a:endParaRPr lang="ko-KR" altLang="en-US" sz="8000" b="1" dirty="0">
               <a:latin typeface="KoPubWorld돋움체 Bold" panose="00000800000000000000" pitchFamily="2" charset="-127"/>
               <a:ea typeface="KoPubWorld돋움체 Bold" panose="00000800000000000000" pitchFamily="2" charset="-127"/>
               <a:cs typeface="KoPubWorld돋움체 Bold" panose="00000800000000000000" pitchFamily="2" charset="-127"/>
@@ -3394,20 +3240,13 @@
     </p:spTree>
     <p:extLst>
       <p:ext uri="{BB962C8B-B14F-4D97-AF65-F5344CB8AC3E}">
-        <p14:creationId xmlns:p14="http://schemas.microsoft.com/office/powerpoint/2010/main" val="480098790"/>
+        <p14:creationId xmlns:p14="http://schemas.microsoft.com/office/powerpoint/2010/main" val="3496952127"/>
       </p:ext>
     </p:extLst>
   </p:cSld>
   <p:clrMapOvr>
     <a:masterClrMapping/>
   </p:clrMapOvr>
-  <p:timing>
-    <p:tnLst>
-      <p:par>
-        <p:cTn id="1" dur="indefinite" restart="never" nodeType="tmRoot"/>
-      </p:par>
-    </p:tnLst>
-  </p:timing>
 </p:sld>
 </file>
 
@@ -3428,250 +3267,215 @@
           <a:chExt cx="0" cy="0"/>
         </a:xfrm>
       </p:grpSpPr>
-      <p:grpSp>
-        <p:nvGrpSpPr>
-          <p:cNvPr id="2" name="그룹 1"/>
-          <p:cNvGrpSpPr/>
+      <p:sp>
+        <p:nvSpPr>
+          <p:cNvPr id="79" name="직사각형 78"/>
+          <p:cNvSpPr/>
           <p:nvPr/>
-        </p:nvGrpSpPr>
-        <p:grpSpPr>
-          <a:xfrm>
-            <a:off x="175953" y="206639"/>
-            <a:ext cx="1901886" cy="541508"/>
-            <a:chOff x="4232564" y="2276508"/>
-            <a:chExt cx="1901886" cy="541508"/>
-          </a:xfrm>
-        </p:grpSpPr>
-        <p:grpSp>
-          <p:nvGrpSpPr>
-            <p:cNvPr id="3" name="그룹 2"/>
-            <p:cNvGrpSpPr/>
-            <p:nvPr/>
-          </p:nvGrpSpPr>
-          <p:grpSpPr>
-            <a:xfrm>
-              <a:off x="4232564" y="2276508"/>
-              <a:ext cx="712648" cy="541508"/>
-              <a:chOff x="3115591" y="4405745"/>
-              <a:chExt cx="4089168" cy="3107176"/>
-            </a:xfrm>
-          </p:grpSpPr>
-          <p:sp>
-            <p:nvSpPr>
-              <p:cNvPr id="6" name="평행 사변형 5"/>
-              <p:cNvSpPr/>
-              <p:nvPr/>
-            </p:nvSpPr>
-            <p:spPr>
-              <a:xfrm>
-                <a:off x="3379408" y="4636717"/>
-                <a:ext cx="3825351" cy="2876204"/>
-              </a:xfrm>
-              <a:prstGeom prst="parallelogram">
-                <a:avLst/>
-              </a:prstGeom>
-              <a:solidFill>
-                <a:srgbClr val="6C5B7B"/>
-              </a:solidFill>
-              <a:ln>
-                <a:noFill/>
-              </a:ln>
-            </p:spPr>
-            <p:style>
-              <a:lnRef idx="2">
-                <a:schemeClr val="accent1">
-                  <a:shade val="50000"/>
-                </a:schemeClr>
-              </a:lnRef>
-              <a:fillRef idx="1">
-                <a:schemeClr val="accent1"/>
-              </a:fillRef>
-              <a:effectRef idx="0">
-                <a:schemeClr val="accent1"/>
-              </a:effectRef>
-              <a:fontRef idx="minor">
-                <a:schemeClr val="lt1"/>
-              </a:fontRef>
-            </p:style>
-            <p:txBody>
-              <a:bodyPr rtlCol="0" anchor="ctr"/>
-              <a:lstStyle/>
-              <a:p>
-                <a:pPr algn="ctr"/>
-                <a:endParaRPr lang="ko-KR" altLang="en-US"/>
-              </a:p>
-            </p:txBody>
-          </p:sp>
-          <p:sp>
-            <p:nvSpPr>
-              <p:cNvPr id="7" name="평행 사변형 6"/>
-              <p:cNvSpPr/>
-              <p:nvPr/>
-            </p:nvSpPr>
-            <p:spPr>
-              <a:xfrm>
-                <a:off x="3115591" y="4405745"/>
-                <a:ext cx="3825352" cy="2876204"/>
-              </a:xfrm>
-              <a:prstGeom prst="parallelogram">
-                <a:avLst/>
-              </a:prstGeom>
-              <a:solidFill>
-                <a:srgbClr val="F67280"/>
-              </a:solidFill>
-              <a:ln>
-                <a:noFill/>
-              </a:ln>
-            </p:spPr>
-            <p:style>
-              <a:lnRef idx="2">
-                <a:schemeClr val="accent1">
-                  <a:shade val="50000"/>
-                </a:schemeClr>
-              </a:lnRef>
-              <a:fillRef idx="1">
-                <a:schemeClr val="accent1"/>
-              </a:fillRef>
-              <a:effectRef idx="0">
-                <a:schemeClr val="accent1"/>
-              </a:effectRef>
-              <a:fontRef idx="minor">
-                <a:schemeClr val="lt1"/>
-              </a:fontRef>
-            </p:style>
-            <p:txBody>
-              <a:bodyPr rtlCol="0" anchor="ctr"/>
-              <a:lstStyle/>
-              <a:p>
-                <a:pPr algn="ctr"/>
-                <a:endParaRPr lang="ko-KR" altLang="en-US"/>
-              </a:p>
-            </p:txBody>
-          </p:sp>
-        </p:grpSp>
-        <p:sp>
-          <p:nvSpPr>
-            <p:cNvPr id="4" name="TextBox 3"/>
-            <p:cNvSpPr txBox="1"/>
-            <p:nvPr/>
-          </p:nvSpPr>
-          <p:spPr>
-            <a:xfrm>
-              <a:off x="5201181" y="2327080"/>
-              <a:ext cx="933269" cy="400110"/>
-            </a:xfrm>
-            <a:prstGeom prst="rect">
-              <a:avLst/>
-            </a:prstGeom>
-            <a:noFill/>
-          </p:spPr>
-          <p:txBody>
-            <a:bodyPr wrap="none" rtlCol="0">
-              <a:spAutoFit/>
-            </a:bodyPr>
-            <a:lstStyle/>
-            <a:p>
-              <a:r>
-                <a:rPr lang="en-US" altLang="ko-KR" sz="2000" dirty="0" smtClean="0">
-                  <a:solidFill>
-                    <a:srgbClr val="6C5B7B"/>
-                  </a:solidFill>
-                  <a:latin typeface="KoPub돋움체 Bold" panose="02020603020101020101" pitchFamily="18" charset="-127"/>
-                  <a:ea typeface="KoPub돋움체 Bold" panose="02020603020101020101" pitchFamily="18" charset="-127"/>
-                </a:rPr>
-                <a:t>UI </a:t>
-              </a:r>
-              <a:r>
-                <a:rPr lang="ko-KR" altLang="en-US" sz="2000" dirty="0" smtClean="0">
-                  <a:solidFill>
-                    <a:srgbClr val="6C5B7B"/>
-                  </a:solidFill>
-                  <a:latin typeface="KoPub돋움체 Bold" panose="02020603020101020101" pitchFamily="18" charset="-127"/>
-                  <a:ea typeface="KoPub돋움체 Bold" panose="02020603020101020101" pitchFamily="18" charset="-127"/>
-                </a:rPr>
-                <a:t>설명</a:t>
-              </a:r>
-              <a:endParaRPr lang="en-US" altLang="ko-KR" sz="2000" dirty="0" smtClean="0">
-                <a:solidFill>
-                  <a:srgbClr val="6C5B7B"/>
-                </a:solidFill>
-                <a:latin typeface="KoPub돋움체 Bold" panose="02020603020101020101" pitchFamily="18" charset="-127"/>
-                <a:ea typeface="KoPub돋움체 Bold" panose="02020603020101020101" pitchFamily="18" charset="-127"/>
-              </a:endParaRPr>
-            </a:p>
-          </p:txBody>
-        </p:sp>
-        <p:sp>
-          <p:nvSpPr>
-            <p:cNvPr id="5" name="TextBox 4"/>
-            <p:cNvSpPr txBox="1"/>
-            <p:nvPr/>
-          </p:nvSpPr>
-          <p:spPr>
-            <a:xfrm>
-              <a:off x="4358150" y="2357858"/>
-              <a:ext cx="418704" cy="338554"/>
-            </a:xfrm>
-            <a:prstGeom prst="rect">
-              <a:avLst/>
-            </a:prstGeom>
-            <a:noFill/>
-          </p:spPr>
-          <p:txBody>
-            <a:bodyPr wrap="none" rtlCol="0">
-              <a:spAutoFit/>
-            </a:bodyPr>
-            <a:lstStyle/>
-            <a:p>
-              <a:r>
-                <a:rPr lang="en-US" altLang="ko-KR" sz="1600" dirty="0" smtClean="0">
-                  <a:solidFill>
-                    <a:schemeClr val="bg1"/>
-                  </a:solidFill>
-                  <a:latin typeface="KoPub돋움체 Light" panose="02020603020101020101" pitchFamily="18" charset="-127"/>
-                  <a:ea typeface="KoPub돋움체 Light" panose="02020603020101020101" pitchFamily="18" charset="-127"/>
-                </a:rPr>
-                <a:t>04</a:t>
-              </a:r>
-              <a:endParaRPr lang="ko-KR" altLang="en-US" sz="1600" dirty="0">
-                <a:solidFill>
-                  <a:schemeClr val="bg1"/>
-                </a:solidFill>
-                <a:latin typeface="KoPub돋움체 Light" panose="02020603020101020101" pitchFamily="18" charset="-127"/>
-                <a:ea typeface="KoPub돋움체 Light" panose="02020603020101020101" pitchFamily="18" charset="-127"/>
-              </a:endParaRPr>
-            </a:p>
-          </p:txBody>
-        </p:sp>
-      </p:grpSp>
-      <p:pic>
-        <p:nvPicPr>
-          <p:cNvPr id="10" name="그림 9"/>
-          <p:cNvPicPr>
-            <a:picLocks noChangeAspect="1"/>
-          </p:cNvPicPr>
-          <p:nvPr/>
-        </p:nvPicPr>
-        <p:blipFill>
-          <a:blip r:embed="rId2"/>
-          <a:stretch>
-            <a:fillRect/>
-          </a:stretch>
-        </p:blipFill>
-        <p:spPr>
-          <a:xfrm>
-            <a:off x="4472655" y="500398"/>
-            <a:ext cx="3246690" cy="5857204"/>
+        </p:nvSpPr>
+        <p:spPr>
+          <a:xfrm>
+            <a:off x="11567828" y="2371"/>
+            <a:ext cx="624172" cy="624172"/>
           </a:xfrm>
           <a:prstGeom prst="rect">
             <a:avLst/>
           </a:prstGeom>
-        </p:spPr>
-      </p:pic>
+          <a:solidFill>
+            <a:srgbClr val="355C7D"/>
+          </a:solidFill>
+        </p:spPr>
+        <p:style>
+          <a:lnRef idx="2">
+            <a:schemeClr val="accent1">
+              <a:shade val="50000"/>
+            </a:schemeClr>
+          </a:lnRef>
+          <a:fillRef idx="1">
+            <a:schemeClr val="accent1"/>
+          </a:fillRef>
+          <a:effectRef idx="0">
+            <a:schemeClr val="accent1"/>
+          </a:effectRef>
+          <a:fontRef idx="minor">
+            <a:schemeClr val="lt1"/>
+          </a:fontRef>
+        </p:style>
+        <p:txBody>
+          <a:bodyPr rtlCol="0" anchor="ctr"/>
+          <a:lstStyle/>
+          <a:p>
+            <a:pPr algn="ctr"/>
+            <a:endParaRPr lang="ko-KR" altLang="en-US"/>
+          </a:p>
+        </p:txBody>
+      </p:sp>
+      <p:sp>
+        <p:nvSpPr>
+          <p:cNvPr id="80" name="직각 삼각형 79"/>
+          <p:cNvSpPr/>
+          <p:nvPr/>
+        </p:nvSpPr>
+        <p:spPr>
+          <a:xfrm>
+            <a:off x="11567828" y="-6415"/>
+            <a:ext cx="624172" cy="642483"/>
+          </a:xfrm>
+          <a:prstGeom prst="rtTriangle">
+            <a:avLst/>
+          </a:prstGeom>
+          <a:solidFill>
+            <a:srgbClr val="F67280"/>
+          </a:solidFill>
+          <a:ln>
+            <a:noFill/>
+          </a:ln>
+        </p:spPr>
+        <p:style>
+          <a:lnRef idx="2">
+            <a:schemeClr val="accent1">
+              <a:shade val="50000"/>
+            </a:schemeClr>
+          </a:lnRef>
+          <a:fillRef idx="1">
+            <a:schemeClr val="accent1"/>
+          </a:fillRef>
+          <a:effectRef idx="0">
+            <a:schemeClr val="accent1"/>
+          </a:effectRef>
+          <a:fontRef idx="minor">
+            <a:schemeClr val="lt1"/>
+          </a:fontRef>
+        </p:style>
+        <p:txBody>
+          <a:bodyPr rtlCol="0" anchor="ctr"/>
+          <a:lstStyle/>
+          <a:p>
+            <a:pPr algn="ctr"/>
+            <a:endParaRPr lang="ko-KR" altLang="en-US"/>
+          </a:p>
+        </p:txBody>
+      </p:sp>
+      <p:sp>
+        <p:nvSpPr>
+          <p:cNvPr id="9" name="TextBox 8"/>
+          <p:cNvSpPr txBox="1"/>
+          <p:nvPr/>
+        </p:nvSpPr>
+        <p:spPr>
+          <a:xfrm>
+            <a:off x="1206500" y="2844800"/>
+            <a:ext cx="9779001" cy="1569660"/>
+          </a:xfrm>
+          <a:prstGeom prst="rect">
+            <a:avLst/>
+          </a:prstGeom>
+          <a:noFill/>
+        </p:spPr>
+        <p:txBody>
+          <a:bodyPr wrap="square" rtlCol="0">
+            <a:spAutoFit/>
+          </a:bodyPr>
+          <a:lstStyle/>
+          <a:p>
+            <a:pPr marL="285750" indent="-285750">
+              <a:buFontTx/>
+              <a:buChar char="-"/>
+            </a:pPr>
+            <a:r>
+              <a:rPr lang="ko-KR" altLang="en-US" sz="3200" dirty="0" smtClean="0">
+                <a:ea typeface="KoPub돋움체 Bold" panose="02020603020101020101"/>
+              </a:rPr>
+              <a:t>설정한 시간 동안 사람이 없을 때 자동으로 에어컨이 꺼짐</a:t>
+            </a:r>
+            <a:endParaRPr lang="en-US" altLang="ko-KR" sz="3200" dirty="0" smtClean="0">
+              <a:ea typeface="KoPub돋움체 Bold" panose="02020603020101020101"/>
+            </a:endParaRPr>
+          </a:p>
+          <a:p>
+            <a:pPr marL="285750" indent="-285750">
+              <a:buFontTx/>
+              <a:buChar char="-"/>
+            </a:pPr>
+            <a:r>
+              <a:rPr lang="ko-KR" altLang="en-US" sz="3200" dirty="0" smtClean="0">
+                <a:ea typeface="KoPub돋움체 Bold" panose="02020603020101020101"/>
+              </a:rPr>
+              <a:t>모바일에서 에어컨 온도</a:t>
+            </a:r>
+            <a:r>
+              <a:rPr lang="en-US" altLang="ko-KR" sz="3200" dirty="0" smtClean="0">
+                <a:ea typeface="KoPub돋움체 Bold" panose="02020603020101020101"/>
+              </a:rPr>
+              <a:t>, </a:t>
+            </a:r>
+            <a:r>
+              <a:rPr lang="ko-KR" altLang="en-US" sz="3200" dirty="0" smtClean="0">
+                <a:ea typeface="KoPub돋움체 Bold" panose="02020603020101020101"/>
+              </a:rPr>
+              <a:t>온</a:t>
+            </a:r>
+            <a:r>
+              <a:rPr lang="en-US" altLang="ko-KR" sz="3200" dirty="0" smtClean="0">
+                <a:ea typeface="KoPub돋움체 Bold" panose="02020603020101020101"/>
+              </a:rPr>
+              <a:t>/</a:t>
+            </a:r>
+            <a:r>
+              <a:rPr lang="ko-KR" altLang="en-US" sz="3200" dirty="0" smtClean="0">
+                <a:ea typeface="KoPub돋움체 Bold" panose="02020603020101020101"/>
+              </a:rPr>
+              <a:t>오프</a:t>
+            </a:r>
+            <a:r>
+              <a:rPr lang="en-US" altLang="ko-KR" sz="3200" dirty="0">
+                <a:ea typeface="KoPub돋움체 Bold" panose="02020603020101020101"/>
+              </a:rPr>
+              <a:t> </a:t>
+            </a:r>
+            <a:r>
+              <a:rPr lang="ko-KR" altLang="en-US" sz="3200" dirty="0" smtClean="0">
+                <a:ea typeface="KoPub돋움체 Bold" panose="02020603020101020101"/>
+              </a:rPr>
+              <a:t>조절</a:t>
+            </a:r>
+            <a:endParaRPr lang="en-US" altLang="ko-KR" sz="3200" dirty="0" smtClean="0">
+              <a:ea typeface="KoPub돋움체 Bold" panose="02020603020101020101"/>
+            </a:endParaRPr>
+          </a:p>
+          <a:p>
+            <a:pPr marL="285750" indent="-285750">
+              <a:buFontTx/>
+              <a:buChar char="-"/>
+            </a:pPr>
+            <a:r>
+              <a:rPr lang="ko-KR" altLang="en-US" sz="3200" dirty="0" smtClean="0">
+                <a:ea typeface="KoPub돋움체 Bold" panose="02020603020101020101"/>
+              </a:rPr>
+              <a:t>설정한 온도가 </a:t>
+            </a:r>
+            <a:r>
+              <a:rPr lang="ko-KR" altLang="en-US" sz="3200" dirty="0" err="1" smtClean="0">
+                <a:ea typeface="KoPub돋움체 Bold" panose="02020603020101020101"/>
+              </a:rPr>
+              <a:t>되었을때</a:t>
+            </a:r>
+            <a:r>
+              <a:rPr lang="ko-KR" altLang="en-US" sz="3200" dirty="0" smtClean="0">
+                <a:ea typeface="KoPub돋움체 Bold" panose="02020603020101020101"/>
+              </a:rPr>
+              <a:t> 자동으로 에어컨이 꺼짐</a:t>
+            </a:r>
+            <a:endParaRPr lang="ko-KR" altLang="en-US" sz="3200" dirty="0">
+              <a:ea typeface="KoPub돋움체 Bold" panose="02020603020101020101"/>
+            </a:endParaRPr>
+          </a:p>
+        </p:txBody>
+      </p:sp>
     </p:spTree>
     <p:extLst>
       <p:ext uri="{BB962C8B-B14F-4D97-AF65-F5344CB8AC3E}">
-        <p14:creationId xmlns:p14="http://schemas.microsoft.com/office/powerpoint/2010/main" val="2477866943"/>
+        <p14:creationId xmlns:p14="http://schemas.microsoft.com/office/powerpoint/2010/main" val="1372329503"/>
       </p:ext>
     </p:extLst>
   </p:cSld>
@@ -3705,232 +3509,62 @@
           <a:chExt cx="0" cy="0"/>
         </a:xfrm>
       </p:grpSpPr>
-      <p:grpSp>
-        <p:nvGrpSpPr>
-          <p:cNvPr id="2" name="그룹 1"/>
-          <p:cNvGrpSpPr/>
+      <p:sp>
+        <p:nvSpPr>
+          <p:cNvPr id="5" name="평행 사변형 4"/>
+          <p:cNvSpPr/>
           <p:nvPr/>
-        </p:nvGrpSpPr>
-        <p:grpSpPr>
-          <a:xfrm>
-            <a:off x="175953" y="206639"/>
-            <a:ext cx="1901886" cy="541508"/>
-            <a:chOff x="4232564" y="2276508"/>
-            <a:chExt cx="1901886" cy="541508"/>
-          </a:xfrm>
-        </p:grpSpPr>
-        <p:grpSp>
-          <p:nvGrpSpPr>
-            <p:cNvPr id="3" name="그룹 2"/>
-            <p:cNvGrpSpPr/>
-            <p:nvPr/>
-          </p:nvGrpSpPr>
-          <p:grpSpPr>
-            <a:xfrm>
-              <a:off x="4232564" y="2276508"/>
-              <a:ext cx="712648" cy="541508"/>
-              <a:chOff x="3115591" y="4405745"/>
-              <a:chExt cx="4089168" cy="3107176"/>
-            </a:xfrm>
-          </p:grpSpPr>
-          <p:sp>
-            <p:nvSpPr>
-              <p:cNvPr id="6" name="평행 사변형 5"/>
-              <p:cNvSpPr/>
-              <p:nvPr/>
-            </p:nvSpPr>
-            <p:spPr>
-              <a:xfrm>
-                <a:off x="3379408" y="4636717"/>
-                <a:ext cx="3825351" cy="2876204"/>
-              </a:xfrm>
-              <a:prstGeom prst="parallelogram">
-                <a:avLst/>
-              </a:prstGeom>
-              <a:solidFill>
-                <a:srgbClr val="6C5B7B"/>
-              </a:solidFill>
-              <a:ln>
-                <a:noFill/>
-              </a:ln>
-            </p:spPr>
-            <p:style>
-              <a:lnRef idx="2">
-                <a:schemeClr val="accent1">
-                  <a:shade val="50000"/>
-                </a:schemeClr>
-              </a:lnRef>
-              <a:fillRef idx="1">
-                <a:schemeClr val="accent1"/>
-              </a:fillRef>
-              <a:effectRef idx="0">
-                <a:schemeClr val="accent1"/>
-              </a:effectRef>
-              <a:fontRef idx="minor">
-                <a:schemeClr val="lt1"/>
-              </a:fontRef>
-            </p:style>
-            <p:txBody>
-              <a:bodyPr rtlCol="0" anchor="ctr"/>
-              <a:lstStyle/>
-              <a:p>
-                <a:pPr algn="ctr"/>
-                <a:endParaRPr lang="ko-KR" altLang="en-US"/>
-              </a:p>
-            </p:txBody>
-          </p:sp>
-          <p:sp>
-            <p:nvSpPr>
-              <p:cNvPr id="7" name="평행 사변형 6"/>
-              <p:cNvSpPr/>
-              <p:nvPr/>
-            </p:nvSpPr>
-            <p:spPr>
-              <a:xfrm>
-                <a:off x="3115591" y="4405745"/>
-                <a:ext cx="3825352" cy="2876204"/>
-              </a:xfrm>
-              <a:prstGeom prst="parallelogram">
-                <a:avLst/>
-              </a:prstGeom>
-              <a:solidFill>
-                <a:srgbClr val="F67280"/>
-              </a:solidFill>
-              <a:ln>
-                <a:noFill/>
-              </a:ln>
-            </p:spPr>
-            <p:style>
-              <a:lnRef idx="2">
-                <a:schemeClr val="accent1">
-                  <a:shade val="50000"/>
-                </a:schemeClr>
-              </a:lnRef>
-              <a:fillRef idx="1">
-                <a:schemeClr val="accent1"/>
-              </a:fillRef>
-              <a:effectRef idx="0">
-                <a:schemeClr val="accent1"/>
-              </a:effectRef>
-              <a:fontRef idx="minor">
-                <a:schemeClr val="lt1"/>
-              </a:fontRef>
-            </p:style>
-            <p:txBody>
-              <a:bodyPr rtlCol="0" anchor="ctr"/>
-              <a:lstStyle/>
-              <a:p>
-                <a:pPr algn="ctr"/>
-                <a:endParaRPr lang="ko-KR" altLang="en-US"/>
-              </a:p>
-            </p:txBody>
-          </p:sp>
-        </p:grpSp>
-        <p:sp>
-          <p:nvSpPr>
-            <p:cNvPr id="4" name="TextBox 3"/>
-            <p:cNvSpPr txBox="1"/>
-            <p:nvPr/>
-          </p:nvSpPr>
-          <p:spPr>
-            <a:xfrm>
-              <a:off x="5201181" y="2327080"/>
-              <a:ext cx="933269" cy="400110"/>
-            </a:xfrm>
-            <a:prstGeom prst="rect">
-              <a:avLst/>
-            </a:prstGeom>
+        </p:nvSpPr>
+        <p:spPr>
+          <a:xfrm>
+            <a:off x="-5098104" y="-93134"/>
+            <a:ext cx="9672941" cy="7272867"/>
+          </a:xfrm>
+          <a:prstGeom prst="parallelogram">
+            <a:avLst/>
+          </a:prstGeom>
+          <a:solidFill>
+            <a:srgbClr val="F67280"/>
+          </a:solidFill>
+          <a:ln>
             <a:noFill/>
-          </p:spPr>
-          <p:txBody>
-            <a:bodyPr wrap="none" rtlCol="0">
-              <a:spAutoFit/>
-            </a:bodyPr>
-            <a:lstStyle/>
-            <a:p>
-              <a:r>
-                <a:rPr lang="en-US" altLang="ko-KR" sz="2000" dirty="0" smtClean="0">
-                  <a:solidFill>
-                    <a:srgbClr val="6C5B7B"/>
-                  </a:solidFill>
-                  <a:latin typeface="KoPub돋움체 Bold" panose="02020603020101020101" pitchFamily="18" charset="-127"/>
-                  <a:ea typeface="KoPub돋움체 Bold" panose="02020603020101020101" pitchFamily="18" charset="-127"/>
-                </a:rPr>
-                <a:t>UI </a:t>
-              </a:r>
-              <a:r>
-                <a:rPr lang="ko-KR" altLang="en-US" sz="2000" dirty="0" smtClean="0">
-                  <a:solidFill>
-                    <a:srgbClr val="6C5B7B"/>
-                  </a:solidFill>
-                  <a:latin typeface="KoPub돋움체 Bold" panose="02020603020101020101" pitchFamily="18" charset="-127"/>
-                  <a:ea typeface="KoPub돋움체 Bold" panose="02020603020101020101" pitchFamily="18" charset="-127"/>
-                </a:rPr>
-                <a:t>설명</a:t>
-              </a:r>
-              <a:endParaRPr lang="en-US" altLang="ko-KR" sz="2000" dirty="0" smtClean="0">
-                <a:solidFill>
-                  <a:srgbClr val="6C5B7B"/>
-                </a:solidFill>
-                <a:latin typeface="KoPub돋움체 Bold" panose="02020603020101020101" pitchFamily="18" charset="-127"/>
-                <a:ea typeface="KoPub돋움체 Bold" panose="02020603020101020101" pitchFamily="18" charset="-127"/>
-              </a:endParaRPr>
-            </a:p>
-          </p:txBody>
-        </p:sp>
-        <p:sp>
-          <p:nvSpPr>
-            <p:cNvPr id="5" name="TextBox 4"/>
-            <p:cNvSpPr txBox="1"/>
-            <p:nvPr/>
-          </p:nvSpPr>
-          <p:spPr>
-            <a:xfrm>
-              <a:off x="4358150" y="2357858"/>
-              <a:ext cx="418704" cy="338554"/>
-            </a:xfrm>
-            <a:prstGeom prst="rect">
-              <a:avLst/>
-            </a:prstGeom>
-            <a:noFill/>
-          </p:spPr>
-          <p:txBody>
-            <a:bodyPr wrap="none" rtlCol="0">
-              <a:spAutoFit/>
-            </a:bodyPr>
-            <a:lstStyle/>
-            <a:p>
-              <a:r>
-                <a:rPr lang="en-US" altLang="ko-KR" sz="1600" dirty="0" smtClean="0">
-                  <a:solidFill>
-                    <a:schemeClr val="bg1"/>
-                  </a:solidFill>
-                  <a:latin typeface="KoPub돋움체 Light" panose="02020603020101020101" pitchFamily="18" charset="-127"/>
-                  <a:ea typeface="KoPub돋움체 Light" panose="02020603020101020101" pitchFamily="18" charset="-127"/>
-                </a:rPr>
-                <a:t>04</a:t>
-              </a:r>
-              <a:endParaRPr lang="ko-KR" altLang="en-US" sz="1600" dirty="0">
-                <a:solidFill>
-                  <a:schemeClr val="bg1"/>
-                </a:solidFill>
-                <a:latin typeface="KoPub돋움체 Light" panose="02020603020101020101" pitchFamily="18" charset="-127"/>
-                <a:ea typeface="KoPub돋움체 Light" panose="02020603020101020101" pitchFamily="18" charset="-127"/>
-              </a:endParaRPr>
-            </a:p>
-          </p:txBody>
-        </p:sp>
-      </p:grpSp>
-      <p:sp>
-        <p:nvSpPr>
-          <p:cNvPr id="8" name="TextBox 7"/>
+          </a:ln>
+        </p:spPr>
+        <p:style>
+          <a:lnRef idx="2">
+            <a:schemeClr val="accent1">
+              <a:shade val="50000"/>
+            </a:schemeClr>
+          </a:lnRef>
+          <a:fillRef idx="1">
+            <a:schemeClr val="accent1"/>
+          </a:fillRef>
+          <a:effectRef idx="0">
+            <a:schemeClr val="accent1"/>
+          </a:effectRef>
+          <a:fontRef idx="minor">
+            <a:schemeClr val="lt1"/>
+          </a:fontRef>
+        </p:style>
+        <p:txBody>
+          <a:bodyPr rtlCol="0" anchor="ctr"/>
+          <a:lstStyle/>
+          <a:p>
+            <a:pPr algn="ctr"/>
+            <a:endParaRPr lang="ko-KR" altLang="en-US"/>
+          </a:p>
+        </p:txBody>
+      </p:sp>
+      <p:sp>
+        <p:nvSpPr>
+          <p:cNvPr id="6" name="TextBox 5"/>
           <p:cNvSpPr txBox="1"/>
           <p:nvPr/>
         </p:nvSpPr>
         <p:spPr>
           <a:xfrm>
-            <a:off x="4537364" y="2875002"/>
-            <a:ext cx="3117273" cy="1107996"/>
+            <a:off x="4792133" y="2881579"/>
+            <a:ext cx="4463081" cy="1323439"/>
           </a:xfrm>
           <a:prstGeom prst="rect">
             <a:avLst/>
@@ -3938,21 +3572,28 @@
           <a:noFill/>
         </p:spPr>
         <p:txBody>
-          <a:bodyPr wrap="square" rtlCol="0">
+          <a:bodyPr wrap="none" rtlCol="0">
             <a:spAutoFit/>
           </a:bodyPr>
           <a:lstStyle/>
           <a:p>
-            <a:pPr algn="ctr"/>
-            <a:r>
-              <a:rPr lang="ko-KR" altLang="en-US" sz="6600" dirty="0" smtClean="0">
+            <a:r>
+              <a:rPr lang="en-US" altLang="ko-KR" sz="8000" b="1" dirty="0" smtClean="0">
                 <a:latin typeface="KoPubWorld돋움체 Bold" panose="00000800000000000000" pitchFamily="2" charset="-127"/>
                 <a:ea typeface="KoPubWorld돋움체 Bold" panose="00000800000000000000" pitchFamily="2" charset="-127"/>
                 <a:cs typeface="KoPubWorld돋움체 Bold" panose="00000800000000000000" pitchFamily="2" charset="-127"/>
               </a:rPr>
-              <a:t>타이머</a:t>
-            </a:r>
-            <a:endParaRPr lang="ko-KR" altLang="en-US" sz="6600" dirty="0">
+              <a:t>5. UI </a:t>
+            </a:r>
+            <a:r>
+              <a:rPr lang="ko-KR" altLang="en-US" sz="8000" b="1" dirty="0" smtClean="0">
+                <a:latin typeface="KoPubWorld돋움체 Bold" panose="00000800000000000000" pitchFamily="2" charset="-127"/>
+                <a:ea typeface="KoPubWorld돋움체 Bold" panose="00000800000000000000" pitchFamily="2" charset="-127"/>
+                <a:cs typeface="KoPubWorld돋움체 Bold" panose="00000800000000000000" pitchFamily="2" charset="-127"/>
+              </a:rPr>
+              <a:t>설명</a:t>
+            </a:r>
+            <a:endParaRPr lang="en-US" altLang="ko-KR" sz="8000" b="1" dirty="0" smtClean="0">
               <a:latin typeface="KoPubWorld돋움체 Bold" panose="00000800000000000000" pitchFamily="2" charset="-127"/>
               <a:ea typeface="KoPubWorld돋움체 Bold" panose="00000800000000000000" pitchFamily="2" charset="-127"/>
               <a:cs typeface="KoPubWorld돋움체 Bold" panose="00000800000000000000" pitchFamily="2" charset="-127"/>
@@ -3963,20 +3604,13 @@
     </p:spTree>
     <p:extLst>
       <p:ext uri="{BB962C8B-B14F-4D97-AF65-F5344CB8AC3E}">
-        <p14:creationId xmlns:p14="http://schemas.microsoft.com/office/powerpoint/2010/main" val="4277213233"/>
+        <p14:creationId xmlns:p14="http://schemas.microsoft.com/office/powerpoint/2010/main" val="3393832238"/>
       </p:ext>
     </p:extLst>
   </p:cSld>
   <p:clrMapOvr>
     <a:masterClrMapping/>
   </p:clrMapOvr>
-  <p:timing>
-    <p:tnLst>
-      <p:par>
-        <p:cTn id="1" dur="indefinite" restart="never" nodeType="tmRoot"/>
-      </p:par>
-    </p:tnLst>
-  </p:timing>
 </p:sld>
 </file>
 
@@ -3997,250 +3631,49 @@
           <a:chExt cx="0" cy="0"/>
         </a:xfrm>
       </p:grpSpPr>
-      <p:grpSp>
-        <p:nvGrpSpPr>
-          <p:cNvPr id="2" name="그룹 1"/>
-          <p:cNvGrpSpPr/>
+      <p:sp>
+        <p:nvSpPr>
+          <p:cNvPr id="8" name="TextBox 7"/>
+          <p:cNvSpPr txBox="1"/>
           <p:nvPr/>
-        </p:nvGrpSpPr>
-        <p:grpSpPr>
-          <a:xfrm>
-            <a:off x="175953" y="206639"/>
-            <a:ext cx="1901886" cy="541508"/>
-            <a:chOff x="4232564" y="2276508"/>
-            <a:chExt cx="1901886" cy="541508"/>
-          </a:xfrm>
-        </p:grpSpPr>
-        <p:grpSp>
-          <p:nvGrpSpPr>
-            <p:cNvPr id="3" name="그룹 2"/>
-            <p:cNvGrpSpPr/>
-            <p:nvPr/>
-          </p:nvGrpSpPr>
-          <p:grpSpPr>
-            <a:xfrm>
-              <a:off x="4232564" y="2276508"/>
-              <a:ext cx="712648" cy="541508"/>
-              <a:chOff x="3115591" y="4405745"/>
-              <a:chExt cx="4089168" cy="3107176"/>
-            </a:xfrm>
-          </p:grpSpPr>
-          <p:sp>
-            <p:nvSpPr>
-              <p:cNvPr id="6" name="평행 사변형 5"/>
-              <p:cNvSpPr/>
-              <p:nvPr/>
-            </p:nvSpPr>
-            <p:spPr>
-              <a:xfrm>
-                <a:off x="3379408" y="4636717"/>
-                <a:ext cx="3825351" cy="2876204"/>
-              </a:xfrm>
-              <a:prstGeom prst="parallelogram">
-                <a:avLst/>
-              </a:prstGeom>
-              <a:solidFill>
-                <a:srgbClr val="6C5B7B"/>
-              </a:solidFill>
-              <a:ln>
-                <a:noFill/>
-              </a:ln>
-            </p:spPr>
-            <p:style>
-              <a:lnRef idx="2">
-                <a:schemeClr val="accent1">
-                  <a:shade val="50000"/>
-                </a:schemeClr>
-              </a:lnRef>
-              <a:fillRef idx="1">
-                <a:schemeClr val="accent1"/>
-              </a:fillRef>
-              <a:effectRef idx="0">
-                <a:schemeClr val="accent1"/>
-              </a:effectRef>
-              <a:fontRef idx="minor">
-                <a:schemeClr val="lt1"/>
-              </a:fontRef>
-            </p:style>
-            <p:txBody>
-              <a:bodyPr rtlCol="0" anchor="ctr"/>
-              <a:lstStyle/>
-              <a:p>
-                <a:pPr algn="ctr"/>
-                <a:endParaRPr lang="ko-KR" altLang="en-US"/>
-              </a:p>
-            </p:txBody>
-          </p:sp>
-          <p:sp>
-            <p:nvSpPr>
-              <p:cNvPr id="7" name="평행 사변형 6"/>
-              <p:cNvSpPr/>
-              <p:nvPr/>
-            </p:nvSpPr>
-            <p:spPr>
-              <a:xfrm>
-                <a:off x="3115591" y="4405745"/>
-                <a:ext cx="3825352" cy="2876204"/>
-              </a:xfrm>
-              <a:prstGeom prst="parallelogram">
-                <a:avLst/>
-              </a:prstGeom>
-              <a:solidFill>
-                <a:srgbClr val="F67280"/>
-              </a:solidFill>
-              <a:ln>
-                <a:noFill/>
-              </a:ln>
-            </p:spPr>
-            <p:style>
-              <a:lnRef idx="2">
-                <a:schemeClr val="accent1">
-                  <a:shade val="50000"/>
-                </a:schemeClr>
-              </a:lnRef>
-              <a:fillRef idx="1">
-                <a:schemeClr val="accent1"/>
-              </a:fillRef>
-              <a:effectRef idx="0">
-                <a:schemeClr val="accent1"/>
-              </a:effectRef>
-              <a:fontRef idx="minor">
-                <a:schemeClr val="lt1"/>
-              </a:fontRef>
-            </p:style>
-            <p:txBody>
-              <a:bodyPr rtlCol="0" anchor="ctr"/>
-              <a:lstStyle/>
-              <a:p>
-                <a:pPr algn="ctr"/>
-                <a:endParaRPr lang="ko-KR" altLang="en-US"/>
-              </a:p>
-            </p:txBody>
-          </p:sp>
-        </p:grpSp>
-        <p:sp>
-          <p:nvSpPr>
-            <p:cNvPr id="4" name="TextBox 3"/>
-            <p:cNvSpPr txBox="1"/>
-            <p:nvPr/>
-          </p:nvSpPr>
-          <p:spPr>
-            <a:xfrm>
-              <a:off x="5201181" y="2327080"/>
-              <a:ext cx="933269" cy="400110"/>
-            </a:xfrm>
-            <a:prstGeom prst="rect">
-              <a:avLst/>
-            </a:prstGeom>
-            <a:noFill/>
-          </p:spPr>
-          <p:txBody>
-            <a:bodyPr wrap="none" rtlCol="0">
-              <a:spAutoFit/>
-            </a:bodyPr>
-            <a:lstStyle/>
-            <a:p>
-              <a:r>
-                <a:rPr lang="en-US" altLang="ko-KR" sz="2000" dirty="0" smtClean="0">
-                  <a:solidFill>
-                    <a:srgbClr val="6C5B7B"/>
-                  </a:solidFill>
-                  <a:latin typeface="KoPub돋움체 Bold" panose="02020603020101020101" pitchFamily="18" charset="-127"/>
-                  <a:ea typeface="KoPub돋움체 Bold" panose="02020603020101020101" pitchFamily="18" charset="-127"/>
-                </a:rPr>
-                <a:t>UI </a:t>
-              </a:r>
-              <a:r>
-                <a:rPr lang="ko-KR" altLang="en-US" sz="2000" dirty="0" smtClean="0">
-                  <a:solidFill>
-                    <a:srgbClr val="6C5B7B"/>
-                  </a:solidFill>
-                  <a:latin typeface="KoPub돋움체 Bold" panose="02020603020101020101" pitchFamily="18" charset="-127"/>
-                  <a:ea typeface="KoPub돋움체 Bold" panose="02020603020101020101" pitchFamily="18" charset="-127"/>
-                </a:rPr>
-                <a:t>설명</a:t>
-              </a:r>
-              <a:endParaRPr lang="en-US" altLang="ko-KR" sz="2000" dirty="0" smtClean="0">
-                <a:solidFill>
-                  <a:srgbClr val="6C5B7B"/>
-                </a:solidFill>
-                <a:latin typeface="KoPub돋움체 Bold" panose="02020603020101020101" pitchFamily="18" charset="-127"/>
-                <a:ea typeface="KoPub돋움체 Bold" panose="02020603020101020101" pitchFamily="18" charset="-127"/>
-              </a:endParaRPr>
-            </a:p>
-          </p:txBody>
-        </p:sp>
-        <p:sp>
-          <p:nvSpPr>
-            <p:cNvPr id="5" name="TextBox 4"/>
-            <p:cNvSpPr txBox="1"/>
-            <p:nvPr/>
-          </p:nvSpPr>
-          <p:spPr>
-            <a:xfrm>
-              <a:off x="4358150" y="2357858"/>
-              <a:ext cx="418704" cy="338554"/>
-            </a:xfrm>
-            <a:prstGeom prst="rect">
-              <a:avLst/>
-            </a:prstGeom>
-            <a:noFill/>
-          </p:spPr>
-          <p:txBody>
-            <a:bodyPr wrap="none" rtlCol="0">
-              <a:spAutoFit/>
-            </a:bodyPr>
-            <a:lstStyle/>
-            <a:p>
-              <a:r>
-                <a:rPr lang="en-US" altLang="ko-KR" sz="1600" dirty="0" smtClean="0">
-                  <a:solidFill>
-                    <a:schemeClr val="bg1"/>
-                  </a:solidFill>
-                  <a:latin typeface="KoPub돋움체 Light" panose="02020603020101020101" pitchFamily="18" charset="-127"/>
-                  <a:ea typeface="KoPub돋움체 Light" panose="02020603020101020101" pitchFamily="18" charset="-127"/>
-                </a:rPr>
-                <a:t>04</a:t>
-              </a:r>
-              <a:endParaRPr lang="ko-KR" altLang="en-US" sz="1600" dirty="0">
-                <a:solidFill>
-                  <a:schemeClr val="bg1"/>
-                </a:solidFill>
-                <a:latin typeface="KoPub돋움체 Light" panose="02020603020101020101" pitchFamily="18" charset="-127"/>
-                <a:ea typeface="KoPub돋움체 Light" panose="02020603020101020101" pitchFamily="18" charset="-127"/>
-              </a:endParaRPr>
-            </a:p>
-          </p:txBody>
-        </p:sp>
-      </p:grpSp>
-      <p:pic>
-        <p:nvPicPr>
-          <p:cNvPr id="8" name="그림 7"/>
-          <p:cNvPicPr>
-            <a:picLocks noChangeAspect="1"/>
-          </p:cNvPicPr>
-          <p:nvPr/>
-        </p:nvPicPr>
-        <p:blipFill>
-          <a:blip r:embed="rId2"/>
-          <a:stretch>
-            <a:fillRect/>
-          </a:stretch>
-        </p:blipFill>
-        <p:spPr>
-          <a:xfrm>
-            <a:off x="4290753" y="209374"/>
-            <a:ext cx="3610494" cy="6439252"/>
+        </p:nvSpPr>
+        <p:spPr>
+          <a:xfrm>
+            <a:off x="4537364" y="2875002"/>
+            <a:ext cx="3117273" cy="1107996"/>
           </a:xfrm>
           <a:prstGeom prst="rect">
             <a:avLst/>
           </a:prstGeom>
-        </p:spPr>
-      </p:pic>
+          <a:noFill/>
+        </p:spPr>
+        <p:txBody>
+          <a:bodyPr wrap="square" rtlCol="0">
+            <a:spAutoFit/>
+          </a:bodyPr>
+          <a:lstStyle/>
+          <a:p>
+            <a:pPr algn="ctr"/>
+            <a:r>
+              <a:rPr lang="ko-KR" altLang="en-US" sz="6600" dirty="0" err="1" smtClean="0">
+                <a:latin typeface="KoPubWorld돋움체 Bold" panose="00000800000000000000" pitchFamily="2" charset="-127"/>
+                <a:ea typeface="KoPubWorld돋움체 Bold" panose="00000800000000000000" pitchFamily="2" charset="-127"/>
+                <a:cs typeface="KoPubWorld돋움체 Bold" panose="00000800000000000000" pitchFamily="2" charset="-127"/>
+              </a:rPr>
+              <a:t>시작화면</a:t>
+            </a:r>
+            <a:endParaRPr lang="ko-KR" altLang="en-US" sz="6600" dirty="0">
+              <a:latin typeface="KoPubWorld돋움체 Bold" panose="00000800000000000000" pitchFamily="2" charset="-127"/>
+              <a:ea typeface="KoPubWorld돋움체 Bold" panose="00000800000000000000" pitchFamily="2" charset="-127"/>
+              <a:cs typeface="KoPubWorld돋움체 Bold" panose="00000800000000000000" pitchFamily="2" charset="-127"/>
+            </a:endParaRPr>
+          </a:p>
+        </p:txBody>
+      </p:sp>
     </p:spTree>
     <p:extLst>
       <p:ext uri="{BB962C8B-B14F-4D97-AF65-F5344CB8AC3E}">
-        <p14:creationId xmlns:p14="http://schemas.microsoft.com/office/powerpoint/2010/main" val="669731534"/>
+        <p14:creationId xmlns:p14="http://schemas.microsoft.com/office/powerpoint/2010/main" val="980366472"/>
       </p:ext>
     </p:extLst>
   </p:cSld>
@@ -4274,264 +3707,51 @@
           <a:chExt cx="0" cy="0"/>
         </a:xfrm>
       </p:grpSpPr>
-      <p:grpSp>
-        <p:nvGrpSpPr>
-          <p:cNvPr id="2" name="그룹 1"/>
-          <p:cNvGrpSpPr/>
+      <p:pic>
+        <p:nvPicPr>
+          <p:cNvPr id="1026" name="Picture 2" descr="https://scontent-gmp1-1.xx.fbcdn.net/v/t1.15752-9/67318778_2345328899075641_4721972678280347648_n.png?_nc_cat=107&amp;_nc_oc=AQkDCCxYa8R1_Ry4qBWwvIJIZg-Z5yBWNErcOvm3xTKPwsY4UeroxsUW43L2p099mN4&amp;_nc_ht=scontent-gmp1-1.xx&amp;oh=40474e3a4b5cee8e331ca9ec48e26871&amp;oe=5DADC85E"/>
+          <p:cNvPicPr>
+            <a:picLocks noChangeAspect="1" noChangeArrowheads="1"/>
+          </p:cNvPicPr>
           <p:nvPr/>
-        </p:nvGrpSpPr>
-        <p:grpSpPr>
-          <a:xfrm>
-            <a:off x="175953" y="206639"/>
-            <a:ext cx="1901886" cy="541508"/>
-            <a:chOff x="4232564" y="2276508"/>
-            <a:chExt cx="1901886" cy="541508"/>
-          </a:xfrm>
-        </p:grpSpPr>
-        <p:grpSp>
-          <p:nvGrpSpPr>
-            <p:cNvPr id="3" name="그룹 2"/>
-            <p:cNvGrpSpPr/>
-            <p:nvPr/>
-          </p:nvGrpSpPr>
-          <p:grpSpPr>
-            <a:xfrm>
-              <a:off x="4232564" y="2276508"/>
-              <a:ext cx="712648" cy="541508"/>
-              <a:chOff x="3115591" y="4405745"/>
-              <a:chExt cx="4089168" cy="3107176"/>
-            </a:xfrm>
-          </p:grpSpPr>
-          <p:sp>
-            <p:nvSpPr>
-              <p:cNvPr id="6" name="평행 사변형 5"/>
-              <p:cNvSpPr/>
-              <p:nvPr/>
-            </p:nvSpPr>
-            <p:spPr>
-              <a:xfrm>
-                <a:off x="3379408" y="4636717"/>
-                <a:ext cx="3825351" cy="2876204"/>
-              </a:xfrm>
-              <a:prstGeom prst="parallelogram">
-                <a:avLst/>
-              </a:prstGeom>
-              <a:solidFill>
-                <a:srgbClr val="6C5B7B"/>
-              </a:solidFill>
-              <a:ln>
-                <a:noFill/>
-              </a:ln>
-            </p:spPr>
-            <p:style>
-              <a:lnRef idx="2">
-                <a:schemeClr val="accent1">
-                  <a:shade val="50000"/>
-                </a:schemeClr>
-              </a:lnRef>
-              <a:fillRef idx="1">
-                <a:schemeClr val="accent1"/>
-              </a:fillRef>
-              <a:effectRef idx="0">
-                <a:schemeClr val="accent1"/>
-              </a:effectRef>
-              <a:fontRef idx="minor">
-                <a:schemeClr val="lt1"/>
-              </a:fontRef>
-            </p:style>
-            <p:txBody>
-              <a:bodyPr rtlCol="0" anchor="ctr"/>
-              <a:lstStyle/>
-              <a:p>
-                <a:pPr algn="ctr"/>
-                <a:endParaRPr lang="ko-KR" altLang="en-US"/>
-              </a:p>
-            </p:txBody>
-          </p:sp>
-          <p:sp>
-            <p:nvSpPr>
-              <p:cNvPr id="7" name="평행 사변형 6"/>
-              <p:cNvSpPr/>
-              <p:nvPr/>
-            </p:nvSpPr>
-            <p:spPr>
-              <a:xfrm>
-                <a:off x="3115591" y="4405745"/>
-                <a:ext cx="3825352" cy="2876204"/>
-              </a:xfrm>
-              <a:prstGeom prst="parallelogram">
-                <a:avLst/>
-              </a:prstGeom>
-              <a:solidFill>
-                <a:srgbClr val="F67280"/>
-              </a:solidFill>
-              <a:ln>
-                <a:noFill/>
-              </a:ln>
-            </p:spPr>
-            <p:style>
-              <a:lnRef idx="2">
-                <a:schemeClr val="accent1">
-                  <a:shade val="50000"/>
-                </a:schemeClr>
-              </a:lnRef>
-              <a:fillRef idx="1">
-                <a:schemeClr val="accent1"/>
-              </a:fillRef>
-              <a:effectRef idx="0">
-                <a:schemeClr val="accent1"/>
-              </a:effectRef>
-              <a:fontRef idx="minor">
-                <a:schemeClr val="lt1"/>
-              </a:fontRef>
-            </p:style>
-            <p:txBody>
-              <a:bodyPr rtlCol="0" anchor="ctr"/>
-              <a:lstStyle/>
-              <a:p>
-                <a:pPr algn="ctr"/>
-                <a:endParaRPr lang="ko-KR" altLang="en-US"/>
-              </a:p>
-            </p:txBody>
-          </p:sp>
-        </p:grpSp>
-        <p:sp>
-          <p:nvSpPr>
-            <p:cNvPr id="4" name="TextBox 3"/>
-            <p:cNvSpPr txBox="1"/>
-            <p:nvPr/>
-          </p:nvSpPr>
-          <p:spPr>
-            <a:xfrm>
-              <a:off x="5201181" y="2327080"/>
-              <a:ext cx="933269" cy="400110"/>
-            </a:xfrm>
-            <a:prstGeom prst="rect">
-              <a:avLst/>
-            </a:prstGeom>
-            <a:noFill/>
-          </p:spPr>
-          <p:txBody>
-            <a:bodyPr wrap="none" rtlCol="0">
-              <a:spAutoFit/>
-            </a:bodyPr>
-            <a:lstStyle/>
-            <a:p>
-              <a:r>
-                <a:rPr lang="en-US" altLang="ko-KR" sz="2000" dirty="0" smtClean="0">
-                  <a:solidFill>
-                    <a:srgbClr val="6C5B7B"/>
-                  </a:solidFill>
-                  <a:latin typeface="KoPub돋움체 Bold" panose="02020603020101020101" pitchFamily="18" charset="-127"/>
-                  <a:ea typeface="KoPub돋움체 Bold" panose="02020603020101020101" pitchFamily="18" charset="-127"/>
-                </a:rPr>
-                <a:t>UI </a:t>
-              </a:r>
-              <a:r>
-                <a:rPr lang="ko-KR" altLang="en-US" sz="2000" dirty="0" smtClean="0">
-                  <a:solidFill>
-                    <a:srgbClr val="6C5B7B"/>
-                  </a:solidFill>
-                  <a:latin typeface="KoPub돋움체 Bold" panose="02020603020101020101" pitchFamily="18" charset="-127"/>
-                  <a:ea typeface="KoPub돋움체 Bold" panose="02020603020101020101" pitchFamily="18" charset="-127"/>
-                </a:rPr>
-                <a:t>설명</a:t>
-              </a:r>
-              <a:endParaRPr lang="en-US" altLang="ko-KR" sz="2000" dirty="0" smtClean="0">
-                <a:solidFill>
-                  <a:srgbClr val="6C5B7B"/>
-                </a:solidFill>
-                <a:latin typeface="KoPub돋움체 Bold" panose="02020603020101020101" pitchFamily="18" charset="-127"/>
-                <a:ea typeface="KoPub돋움체 Bold" panose="02020603020101020101" pitchFamily="18" charset="-127"/>
-              </a:endParaRPr>
-            </a:p>
-          </p:txBody>
-        </p:sp>
-        <p:sp>
-          <p:nvSpPr>
-            <p:cNvPr id="5" name="TextBox 4"/>
-            <p:cNvSpPr txBox="1"/>
-            <p:nvPr/>
-          </p:nvSpPr>
-          <p:spPr>
-            <a:xfrm>
-              <a:off x="4358150" y="2357858"/>
-              <a:ext cx="418704" cy="338554"/>
-            </a:xfrm>
-            <a:prstGeom prst="rect">
-              <a:avLst/>
-            </a:prstGeom>
-            <a:noFill/>
-          </p:spPr>
-          <p:txBody>
-            <a:bodyPr wrap="none" rtlCol="0">
-              <a:spAutoFit/>
-            </a:bodyPr>
-            <a:lstStyle/>
-            <a:p>
-              <a:r>
-                <a:rPr lang="en-US" altLang="ko-KR" sz="1600" dirty="0" smtClean="0">
-                  <a:solidFill>
-                    <a:schemeClr val="bg1"/>
-                  </a:solidFill>
-                  <a:latin typeface="KoPub돋움체 Light" panose="02020603020101020101" pitchFamily="18" charset="-127"/>
-                  <a:ea typeface="KoPub돋움체 Light" panose="02020603020101020101" pitchFamily="18" charset="-127"/>
-                </a:rPr>
-                <a:t>04</a:t>
-              </a:r>
-              <a:endParaRPr lang="ko-KR" altLang="en-US" sz="1600" dirty="0">
-                <a:solidFill>
-                  <a:schemeClr val="bg1"/>
-                </a:solidFill>
-                <a:latin typeface="KoPub돋움체 Light" panose="02020603020101020101" pitchFamily="18" charset="-127"/>
-                <a:ea typeface="KoPub돋움체 Light" panose="02020603020101020101" pitchFamily="18" charset="-127"/>
-              </a:endParaRPr>
-            </a:p>
-          </p:txBody>
-        </p:sp>
-      </p:grpSp>
-      <p:sp>
-        <p:nvSpPr>
-          <p:cNvPr id="8" name="TextBox 7"/>
-          <p:cNvSpPr txBox="1"/>
-          <p:nvPr/>
-        </p:nvSpPr>
-        <p:spPr>
-          <a:xfrm>
-            <a:off x="4537364" y="2875002"/>
-            <a:ext cx="3117273" cy="1107996"/>
+        </p:nvPicPr>
+        <p:blipFill>
+          <a:blip r:embed="rId2">
+            <a:extLst>
+              <a:ext uri="{28A0092B-C50C-407E-A947-70E740481C1C}">
+                <a14:useLocalDpi xmlns:a14="http://schemas.microsoft.com/office/drawing/2010/main" val="0"/>
+              </a:ext>
+            </a:extLst>
+          </a:blip>
+          <a:srcRect/>
+          <a:stretch>
+            <a:fillRect/>
+          </a:stretch>
+        </p:blipFill>
+        <p:spPr bwMode="auto">
+          <a:xfrm>
+            <a:off x="4381500" y="381000"/>
+            <a:ext cx="3429000" cy="6096001"/>
           </a:xfrm>
           <a:prstGeom prst="rect">
             <a:avLst/>
           </a:prstGeom>
           <a:noFill/>
-        </p:spPr>
-        <p:txBody>
-          <a:bodyPr wrap="square" rtlCol="0">
-            <a:spAutoFit/>
-          </a:bodyPr>
-          <a:lstStyle/>
-          <a:p>
-            <a:r>
-              <a:rPr lang="ko-KR" altLang="en-US" sz="6600" dirty="0" err="1" smtClean="0">
-                <a:latin typeface="KoPubWorld돋움체 Bold" panose="00000800000000000000" pitchFamily="2" charset="-127"/>
-                <a:ea typeface="KoPubWorld돋움체 Bold" panose="00000800000000000000" pitchFamily="2" charset="-127"/>
-                <a:cs typeface="KoPubWorld돋움체 Bold" panose="00000800000000000000" pitchFamily="2" charset="-127"/>
-              </a:rPr>
-              <a:t>종료온도</a:t>
-            </a:r>
-            <a:endParaRPr lang="ko-KR" altLang="en-US" sz="6600" dirty="0">
-              <a:latin typeface="KoPubWorld돋움체 Bold" panose="00000800000000000000" pitchFamily="2" charset="-127"/>
-              <a:ea typeface="KoPubWorld돋움체 Bold" panose="00000800000000000000" pitchFamily="2" charset="-127"/>
-              <a:cs typeface="KoPubWorld돋움체 Bold" panose="00000800000000000000" pitchFamily="2" charset="-127"/>
-            </a:endParaRPr>
-          </a:p>
-        </p:txBody>
-      </p:sp>
+          <a:extLst>
+            <a:ext uri="{909E8E84-426E-40DD-AFC4-6F175D3DCCD1}">
+              <a14:hiddenFill xmlns:a14="http://schemas.microsoft.com/office/drawing/2010/main">
+                <a:solidFill>
+                  <a:srgbClr val="FFFFFF"/>
+                </a:solidFill>
+              </a14:hiddenFill>
+            </a:ext>
+          </a:extLst>
+        </p:spPr>
+      </p:pic>
     </p:spTree>
     <p:extLst>
       <p:ext uri="{BB962C8B-B14F-4D97-AF65-F5344CB8AC3E}">
-        <p14:creationId xmlns:p14="http://schemas.microsoft.com/office/powerpoint/2010/main" val="953339767"/>
+        <p14:creationId xmlns:p14="http://schemas.microsoft.com/office/powerpoint/2010/main" val="3021865413"/>
       </p:ext>
     </p:extLst>
   </p:cSld>
@@ -4541,7 +3761,83 @@
   <p:timing>
     <p:tnLst>
       <p:par>
-        <p:cTn id="1" dur="indefinite" restart="never" nodeType="tmRoot"/>
+        <p:cTn id="1" dur="indefinite" restart="never" nodeType="tmRoot">
+          <p:childTnLst>
+            <p:seq concurrent="1" nextAc="seek">
+              <p:cTn id="2" dur="indefinite" nodeType="mainSeq">
+                <p:childTnLst>
+                  <p:par>
+                    <p:cTn id="3" fill="hold">
+                      <p:stCondLst>
+                        <p:cond delay="indefinite"/>
+                      </p:stCondLst>
+                      <p:childTnLst>
+                        <p:par>
+                          <p:cTn id="4" fill="hold">
+                            <p:stCondLst>
+                              <p:cond delay="0"/>
+                            </p:stCondLst>
+                            <p:childTnLst>
+                              <p:par>
+                                <p:cTn id="5" presetID="10" presetClass="exit" presetSubtype="0" fill="hold" nodeType="clickEffect">
+                                  <p:stCondLst>
+                                    <p:cond delay="0"/>
+                                  </p:stCondLst>
+                                  <p:childTnLst>
+                                    <p:animEffect transition="out" filter="fade">
+                                      <p:cBhvr>
+                                        <p:cTn id="6" dur="1000"/>
+                                        <p:tgtEl>
+                                          <p:spTgt spid="1026"/>
+                                        </p:tgtEl>
+                                      </p:cBhvr>
+                                    </p:animEffect>
+                                    <p:set>
+                                      <p:cBhvr>
+                                        <p:cTn id="7" dur="1" fill="hold">
+                                          <p:stCondLst>
+                                            <p:cond delay="999"/>
+                                          </p:stCondLst>
+                                        </p:cTn>
+                                        <p:tgtEl>
+                                          <p:spTgt spid="1026"/>
+                                        </p:tgtEl>
+                                        <p:attrNameLst>
+                                          <p:attrName>style.visibility</p:attrName>
+                                        </p:attrNameLst>
+                                      </p:cBhvr>
+                                      <p:to>
+                                        <p:strVal val="hidden"/>
+                                      </p:to>
+                                    </p:set>
+                                  </p:childTnLst>
+                                </p:cTn>
+                              </p:par>
+                            </p:childTnLst>
+                          </p:cTn>
+                        </p:par>
+                      </p:childTnLst>
+                    </p:cTn>
+                  </p:par>
+                </p:childTnLst>
+              </p:cTn>
+              <p:prevCondLst>
+                <p:cond evt="onPrev" delay="0">
+                  <p:tgtEl>
+                    <p:sldTgt/>
+                  </p:tgtEl>
+                </p:cond>
+              </p:prevCondLst>
+              <p:nextCondLst>
+                <p:cond evt="onNext" delay="0">
+                  <p:tgtEl>
+                    <p:sldTgt/>
+                  </p:tgtEl>
+                </p:cond>
+              </p:nextCondLst>
+            </p:seq>
+          </p:childTnLst>
+        </p:cTn>
       </p:par>
     </p:tnLst>
   </p:timing>
@@ -4565,250 +3861,49 @@
           <a:chExt cx="0" cy="0"/>
         </a:xfrm>
       </p:grpSpPr>
-      <p:grpSp>
-        <p:nvGrpSpPr>
-          <p:cNvPr id="2" name="그룹 1"/>
-          <p:cNvGrpSpPr/>
+      <p:sp>
+        <p:nvSpPr>
+          <p:cNvPr id="8" name="TextBox 7"/>
+          <p:cNvSpPr txBox="1"/>
           <p:nvPr/>
-        </p:nvGrpSpPr>
-        <p:grpSpPr>
-          <a:xfrm>
-            <a:off x="175953" y="206639"/>
-            <a:ext cx="1901886" cy="541508"/>
-            <a:chOff x="4232564" y="2276508"/>
-            <a:chExt cx="1901886" cy="541508"/>
-          </a:xfrm>
-        </p:grpSpPr>
-        <p:grpSp>
-          <p:nvGrpSpPr>
-            <p:cNvPr id="3" name="그룹 2"/>
-            <p:cNvGrpSpPr/>
-            <p:nvPr/>
-          </p:nvGrpSpPr>
-          <p:grpSpPr>
-            <a:xfrm>
-              <a:off x="4232564" y="2276508"/>
-              <a:ext cx="712648" cy="541508"/>
-              <a:chOff x="3115591" y="4405745"/>
-              <a:chExt cx="4089168" cy="3107176"/>
-            </a:xfrm>
-          </p:grpSpPr>
-          <p:sp>
-            <p:nvSpPr>
-              <p:cNvPr id="6" name="평행 사변형 5"/>
-              <p:cNvSpPr/>
-              <p:nvPr/>
-            </p:nvSpPr>
-            <p:spPr>
-              <a:xfrm>
-                <a:off x="3379408" y="4636717"/>
-                <a:ext cx="3825351" cy="2876204"/>
-              </a:xfrm>
-              <a:prstGeom prst="parallelogram">
-                <a:avLst/>
-              </a:prstGeom>
-              <a:solidFill>
-                <a:srgbClr val="6C5B7B"/>
-              </a:solidFill>
-              <a:ln>
-                <a:noFill/>
-              </a:ln>
-            </p:spPr>
-            <p:style>
-              <a:lnRef idx="2">
-                <a:schemeClr val="accent1">
-                  <a:shade val="50000"/>
-                </a:schemeClr>
-              </a:lnRef>
-              <a:fillRef idx="1">
-                <a:schemeClr val="accent1"/>
-              </a:fillRef>
-              <a:effectRef idx="0">
-                <a:schemeClr val="accent1"/>
-              </a:effectRef>
-              <a:fontRef idx="minor">
-                <a:schemeClr val="lt1"/>
-              </a:fontRef>
-            </p:style>
-            <p:txBody>
-              <a:bodyPr rtlCol="0" anchor="ctr"/>
-              <a:lstStyle/>
-              <a:p>
-                <a:pPr algn="ctr"/>
-                <a:endParaRPr lang="ko-KR" altLang="en-US"/>
-              </a:p>
-            </p:txBody>
-          </p:sp>
-          <p:sp>
-            <p:nvSpPr>
-              <p:cNvPr id="7" name="평행 사변형 6"/>
-              <p:cNvSpPr/>
-              <p:nvPr/>
-            </p:nvSpPr>
-            <p:spPr>
-              <a:xfrm>
-                <a:off x="3115591" y="4405745"/>
-                <a:ext cx="3825352" cy="2876204"/>
-              </a:xfrm>
-              <a:prstGeom prst="parallelogram">
-                <a:avLst/>
-              </a:prstGeom>
-              <a:solidFill>
-                <a:srgbClr val="F67280"/>
-              </a:solidFill>
-              <a:ln>
-                <a:noFill/>
-              </a:ln>
-            </p:spPr>
-            <p:style>
-              <a:lnRef idx="2">
-                <a:schemeClr val="accent1">
-                  <a:shade val="50000"/>
-                </a:schemeClr>
-              </a:lnRef>
-              <a:fillRef idx="1">
-                <a:schemeClr val="accent1"/>
-              </a:fillRef>
-              <a:effectRef idx="0">
-                <a:schemeClr val="accent1"/>
-              </a:effectRef>
-              <a:fontRef idx="minor">
-                <a:schemeClr val="lt1"/>
-              </a:fontRef>
-            </p:style>
-            <p:txBody>
-              <a:bodyPr rtlCol="0" anchor="ctr"/>
-              <a:lstStyle/>
-              <a:p>
-                <a:pPr algn="ctr"/>
-                <a:endParaRPr lang="ko-KR" altLang="en-US"/>
-              </a:p>
-            </p:txBody>
-          </p:sp>
-        </p:grpSp>
-        <p:sp>
-          <p:nvSpPr>
-            <p:cNvPr id="4" name="TextBox 3"/>
-            <p:cNvSpPr txBox="1"/>
-            <p:nvPr/>
-          </p:nvSpPr>
-          <p:spPr>
-            <a:xfrm>
-              <a:off x="5201181" y="2327080"/>
-              <a:ext cx="933269" cy="400110"/>
-            </a:xfrm>
-            <a:prstGeom prst="rect">
-              <a:avLst/>
-            </a:prstGeom>
-            <a:noFill/>
-          </p:spPr>
-          <p:txBody>
-            <a:bodyPr wrap="none" rtlCol="0">
-              <a:spAutoFit/>
-            </a:bodyPr>
-            <a:lstStyle/>
-            <a:p>
-              <a:r>
-                <a:rPr lang="en-US" altLang="ko-KR" sz="2000" dirty="0" smtClean="0">
-                  <a:solidFill>
-                    <a:srgbClr val="6C5B7B"/>
-                  </a:solidFill>
-                  <a:latin typeface="KoPub돋움체 Bold" panose="02020603020101020101" pitchFamily="18" charset="-127"/>
-                  <a:ea typeface="KoPub돋움체 Bold" panose="02020603020101020101" pitchFamily="18" charset="-127"/>
-                </a:rPr>
-                <a:t>UI </a:t>
-              </a:r>
-              <a:r>
-                <a:rPr lang="ko-KR" altLang="en-US" sz="2000" dirty="0" smtClean="0">
-                  <a:solidFill>
-                    <a:srgbClr val="6C5B7B"/>
-                  </a:solidFill>
-                  <a:latin typeface="KoPub돋움체 Bold" panose="02020603020101020101" pitchFamily="18" charset="-127"/>
-                  <a:ea typeface="KoPub돋움체 Bold" panose="02020603020101020101" pitchFamily="18" charset="-127"/>
-                </a:rPr>
-                <a:t>설명</a:t>
-              </a:r>
-              <a:endParaRPr lang="en-US" altLang="ko-KR" sz="2000" dirty="0" smtClean="0">
-                <a:solidFill>
-                  <a:srgbClr val="6C5B7B"/>
-                </a:solidFill>
-                <a:latin typeface="KoPub돋움체 Bold" panose="02020603020101020101" pitchFamily="18" charset="-127"/>
-                <a:ea typeface="KoPub돋움체 Bold" panose="02020603020101020101" pitchFamily="18" charset="-127"/>
-              </a:endParaRPr>
-            </a:p>
-          </p:txBody>
-        </p:sp>
-        <p:sp>
-          <p:nvSpPr>
-            <p:cNvPr id="5" name="TextBox 4"/>
-            <p:cNvSpPr txBox="1"/>
-            <p:nvPr/>
-          </p:nvSpPr>
-          <p:spPr>
-            <a:xfrm>
-              <a:off x="4358150" y="2357858"/>
-              <a:ext cx="418704" cy="338554"/>
-            </a:xfrm>
-            <a:prstGeom prst="rect">
-              <a:avLst/>
-            </a:prstGeom>
-            <a:noFill/>
-          </p:spPr>
-          <p:txBody>
-            <a:bodyPr wrap="none" rtlCol="0">
-              <a:spAutoFit/>
-            </a:bodyPr>
-            <a:lstStyle/>
-            <a:p>
-              <a:r>
-                <a:rPr lang="en-US" altLang="ko-KR" sz="1600" dirty="0" smtClean="0">
-                  <a:solidFill>
-                    <a:schemeClr val="bg1"/>
-                  </a:solidFill>
-                  <a:latin typeface="KoPub돋움체 Light" panose="02020603020101020101" pitchFamily="18" charset="-127"/>
-                  <a:ea typeface="KoPub돋움체 Light" panose="02020603020101020101" pitchFamily="18" charset="-127"/>
-                </a:rPr>
-                <a:t>04</a:t>
-              </a:r>
-              <a:endParaRPr lang="ko-KR" altLang="en-US" sz="1600" dirty="0">
-                <a:solidFill>
-                  <a:schemeClr val="bg1"/>
-                </a:solidFill>
-                <a:latin typeface="KoPub돋움체 Light" panose="02020603020101020101" pitchFamily="18" charset="-127"/>
-                <a:ea typeface="KoPub돋움체 Light" panose="02020603020101020101" pitchFamily="18" charset="-127"/>
-              </a:endParaRPr>
-            </a:p>
-          </p:txBody>
-        </p:sp>
-      </p:grpSp>
-      <p:pic>
-        <p:nvPicPr>
-          <p:cNvPr id="9" name="그림 8"/>
-          <p:cNvPicPr>
-            <a:picLocks noChangeAspect="1"/>
-          </p:cNvPicPr>
-          <p:nvPr/>
-        </p:nvPicPr>
-        <p:blipFill>
-          <a:blip r:embed="rId2"/>
-          <a:stretch>
-            <a:fillRect/>
-          </a:stretch>
-        </p:blipFill>
-        <p:spPr>
-          <a:xfrm>
-            <a:off x="4281271" y="166565"/>
-            <a:ext cx="3629459" cy="6524870"/>
+        </p:nvSpPr>
+        <p:spPr>
+          <a:xfrm>
+            <a:off x="4537364" y="2875002"/>
+            <a:ext cx="3117273" cy="1107996"/>
           </a:xfrm>
           <a:prstGeom prst="rect">
             <a:avLst/>
           </a:prstGeom>
-        </p:spPr>
-      </p:pic>
+          <a:noFill/>
+        </p:spPr>
+        <p:txBody>
+          <a:bodyPr wrap="square" rtlCol="0">
+            <a:spAutoFit/>
+          </a:bodyPr>
+          <a:lstStyle/>
+          <a:p>
+            <a:pPr algn="ctr"/>
+            <a:r>
+              <a:rPr lang="ko-KR" altLang="en-US" sz="6600" dirty="0" err="1" smtClean="0">
+                <a:latin typeface="KoPubWorld돋움체 Bold" panose="00000800000000000000" pitchFamily="2" charset="-127"/>
+                <a:ea typeface="KoPubWorld돋움체 Bold" panose="00000800000000000000" pitchFamily="2" charset="-127"/>
+                <a:cs typeface="KoPubWorld돋움체 Bold" panose="00000800000000000000" pitchFamily="2" charset="-127"/>
+              </a:rPr>
+              <a:t>메인화면</a:t>
+            </a:r>
+            <a:endParaRPr lang="ko-KR" altLang="en-US" sz="6600" dirty="0">
+              <a:latin typeface="KoPubWorld돋움체 Bold" panose="00000800000000000000" pitchFamily="2" charset="-127"/>
+              <a:ea typeface="KoPubWorld돋움체 Bold" panose="00000800000000000000" pitchFamily="2" charset="-127"/>
+              <a:cs typeface="KoPubWorld돋움체 Bold" panose="00000800000000000000" pitchFamily="2" charset="-127"/>
+            </a:endParaRPr>
+          </a:p>
+        </p:txBody>
+      </p:sp>
     </p:spTree>
     <p:extLst>
       <p:ext uri="{BB962C8B-B14F-4D97-AF65-F5344CB8AC3E}">
-        <p14:creationId xmlns:p14="http://schemas.microsoft.com/office/powerpoint/2010/main" val="2738186380"/>
+        <p14:creationId xmlns:p14="http://schemas.microsoft.com/office/powerpoint/2010/main" val="1850548577"/>
       </p:ext>
     </p:extLst>
   </p:cSld>
@@ -4842,272 +3937,58 @@
           <a:chExt cx="0" cy="0"/>
         </a:xfrm>
       </p:grpSpPr>
-      <p:grpSp>
-        <p:nvGrpSpPr>
-          <p:cNvPr id="2" name="그룹 1"/>
-          <p:cNvGrpSpPr/>
+      <p:pic>
+        <p:nvPicPr>
+          <p:cNvPr id="8" name="그림 7"/>
+          <p:cNvPicPr>
+            <a:picLocks noChangeAspect="1"/>
+          </p:cNvPicPr>
           <p:nvPr/>
-        </p:nvGrpSpPr>
-        <p:grpSpPr>
-          <a:xfrm>
-            <a:off x="175953" y="206639"/>
-            <a:ext cx="1901886" cy="541508"/>
-            <a:chOff x="4232564" y="2276508"/>
-            <a:chExt cx="1901886" cy="541508"/>
-          </a:xfrm>
-        </p:grpSpPr>
-        <p:grpSp>
-          <p:nvGrpSpPr>
-            <p:cNvPr id="3" name="그룹 2"/>
-            <p:cNvGrpSpPr/>
-            <p:nvPr/>
-          </p:nvGrpSpPr>
-          <p:grpSpPr>
-            <a:xfrm>
-              <a:off x="4232564" y="2276508"/>
-              <a:ext cx="712648" cy="541508"/>
-              <a:chOff x="3115591" y="4405745"/>
-              <a:chExt cx="4089168" cy="3107176"/>
-            </a:xfrm>
-          </p:grpSpPr>
-          <p:sp>
-            <p:nvSpPr>
-              <p:cNvPr id="6" name="평행 사변형 5"/>
-              <p:cNvSpPr/>
-              <p:nvPr/>
-            </p:nvSpPr>
-            <p:spPr>
-              <a:xfrm>
-                <a:off x="3379408" y="4636717"/>
-                <a:ext cx="3825351" cy="2876204"/>
-              </a:xfrm>
-              <a:prstGeom prst="parallelogram">
-                <a:avLst/>
-              </a:prstGeom>
-              <a:solidFill>
-                <a:srgbClr val="6C5B7B"/>
-              </a:solidFill>
-              <a:ln>
-                <a:noFill/>
-              </a:ln>
-            </p:spPr>
-            <p:style>
-              <a:lnRef idx="2">
-                <a:schemeClr val="accent1">
-                  <a:shade val="50000"/>
-                </a:schemeClr>
-              </a:lnRef>
-              <a:fillRef idx="1">
-                <a:schemeClr val="accent1"/>
-              </a:fillRef>
-              <a:effectRef idx="0">
-                <a:schemeClr val="accent1"/>
-              </a:effectRef>
-              <a:fontRef idx="minor">
-                <a:schemeClr val="lt1"/>
-              </a:fontRef>
-            </p:style>
-            <p:txBody>
-              <a:bodyPr rtlCol="0" anchor="ctr"/>
-              <a:lstStyle/>
-              <a:p>
-                <a:pPr algn="ctr"/>
-                <a:endParaRPr lang="ko-KR" altLang="en-US"/>
-              </a:p>
-            </p:txBody>
-          </p:sp>
-          <p:sp>
-            <p:nvSpPr>
-              <p:cNvPr id="7" name="평행 사변형 6"/>
-              <p:cNvSpPr/>
-              <p:nvPr/>
-            </p:nvSpPr>
-            <p:spPr>
-              <a:xfrm>
-                <a:off x="3115591" y="4405745"/>
-                <a:ext cx="3825352" cy="2876204"/>
-              </a:xfrm>
-              <a:prstGeom prst="parallelogram">
-                <a:avLst/>
-              </a:prstGeom>
-              <a:solidFill>
-                <a:srgbClr val="F67280"/>
-              </a:solidFill>
-              <a:ln>
-                <a:noFill/>
-              </a:ln>
-            </p:spPr>
-            <p:style>
-              <a:lnRef idx="2">
-                <a:schemeClr val="accent1">
-                  <a:shade val="50000"/>
-                </a:schemeClr>
-              </a:lnRef>
-              <a:fillRef idx="1">
-                <a:schemeClr val="accent1"/>
-              </a:fillRef>
-              <a:effectRef idx="0">
-                <a:schemeClr val="accent1"/>
-              </a:effectRef>
-              <a:fontRef idx="minor">
-                <a:schemeClr val="lt1"/>
-              </a:fontRef>
-            </p:style>
-            <p:txBody>
-              <a:bodyPr rtlCol="0" anchor="ctr"/>
-              <a:lstStyle/>
-              <a:p>
-                <a:pPr algn="ctr"/>
-                <a:endParaRPr lang="ko-KR" altLang="en-US"/>
-              </a:p>
-            </p:txBody>
-          </p:sp>
-        </p:grpSp>
-        <p:sp>
-          <p:nvSpPr>
-            <p:cNvPr id="4" name="TextBox 3"/>
-            <p:cNvSpPr txBox="1"/>
-            <p:nvPr/>
-          </p:nvSpPr>
-          <p:spPr>
-            <a:xfrm>
-              <a:off x="5201181" y="2327080"/>
-              <a:ext cx="933269" cy="400110"/>
-            </a:xfrm>
-            <a:prstGeom prst="rect">
-              <a:avLst/>
-            </a:prstGeom>
-            <a:noFill/>
-          </p:spPr>
-          <p:txBody>
-            <a:bodyPr wrap="none" rtlCol="0">
-              <a:spAutoFit/>
-            </a:bodyPr>
-            <a:lstStyle/>
-            <a:p>
-              <a:r>
-                <a:rPr lang="en-US" altLang="ko-KR" sz="2000" dirty="0" smtClean="0">
-                  <a:solidFill>
-                    <a:srgbClr val="6C5B7B"/>
-                  </a:solidFill>
-                  <a:latin typeface="KoPub돋움체 Bold" panose="02020603020101020101" pitchFamily="18" charset="-127"/>
-                  <a:ea typeface="KoPub돋움체 Bold" panose="02020603020101020101" pitchFamily="18" charset="-127"/>
-                </a:rPr>
-                <a:t>UI </a:t>
-              </a:r>
-              <a:r>
-                <a:rPr lang="ko-KR" altLang="en-US" sz="2000" dirty="0" smtClean="0">
-                  <a:solidFill>
-                    <a:srgbClr val="6C5B7B"/>
-                  </a:solidFill>
-                  <a:latin typeface="KoPub돋움체 Bold" panose="02020603020101020101" pitchFamily="18" charset="-127"/>
-                  <a:ea typeface="KoPub돋움체 Bold" panose="02020603020101020101" pitchFamily="18" charset="-127"/>
-                </a:rPr>
-                <a:t>설명</a:t>
-              </a:r>
-              <a:endParaRPr lang="en-US" altLang="ko-KR" sz="2000" dirty="0" smtClean="0">
-                <a:solidFill>
-                  <a:srgbClr val="6C5B7B"/>
-                </a:solidFill>
-                <a:latin typeface="KoPub돋움체 Bold" panose="02020603020101020101" pitchFamily="18" charset="-127"/>
-                <a:ea typeface="KoPub돋움체 Bold" panose="02020603020101020101" pitchFamily="18" charset="-127"/>
-              </a:endParaRPr>
-            </a:p>
-          </p:txBody>
-        </p:sp>
-        <p:sp>
-          <p:nvSpPr>
-            <p:cNvPr id="5" name="TextBox 4"/>
-            <p:cNvSpPr txBox="1"/>
-            <p:nvPr/>
-          </p:nvSpPr>
-          <p:spPr>
-            <a:xfrm>
-              <a:off x="4358150" y="2357858"/>
-              <a:ext cx="418704" cy="338554"/>
-            </a:xfrm>
-            <a:prstGeom prst="rect">
-              <a:avLst/>
-            </a:prstGeom>
-            <a:noFill/>
-          </p:spPr>
-          <p:txBody>
-            <a:bodyPr wrap="none" rtlCol="0">
-              <a:spAutoFit/>
-            </a:bodyPr>
-            <a:lstStyle/>
-            <a:p>
-              <a:r>
-                <a:rPr lang="en-US" altLang="ko-KR" sz="1600" dirty="0" smtClean="0">
-                  <a:solidFill>
-                    <a:schemeClr val="bg1"/>
-                  </a:solidFill>
-                  <a:latin typeface="KoPub돋움체 Light" panose="02020603020101020101" pitchFamily="18" charset="-127"/>
-                  <a:ea typeface="KoPub돋움체 Light" panose="02020603020101020101" pitchFamily="18" charset="-127"/>
-                </a:rPr>
-                <a:t>04</a:t>
-              </a:r>
-              <a:endParaRPr lang="ko-KR" altLang="en-US" sz="1600" dirty="0">
-                <a:solidFill>
-                  <a:schemeClr val="bg1"/>
-                </a:solidFill>
-                <a:latin typeface="KoPub돋움체 Light" panose="02020603020101020101" pitchFamily="18" charset="-127"/>
-                <a:ea typeface="KoPub돋움체 Light" panose="02020603020101020101" pitchFamily="18" charset="-127"/>
-              </a:endParaRPr>
-            </a:p>
-          </p:txBody>
-        </p:sp>
-      </p:grpSp>
-      <p:sp>
-        <p:nvSpPr>
-          <p:cNvPr id="8" name="TextBox 7"/>
-          <p:cNvSpPr txBox="1"/>
-          <p:nvPr/>
-        </p:nvSpPr>
-        <p:spPr>
-          <a:xfrm>
-            <a:off x="4537364" y="2875002"/>
-            <a:ext cx="3117273" cy="1107996"/>
+        </p:nvPicPr>
+        <p:blipFill>
+          <a:blip r:embed="rId2"/>
+          <a:stretch>
+            <a:fillRect/>
+          </a:stretch>
+        </p:blipFill>
+        <p:spPr>
+          <a:xfrm>
+            <a:off x="2398781" y="206639"/>
+            <a:ext cx="3629775" cy="6480000"/>
           </a:xfrm>
           <a:prstGeom prst="rect">
             <a:avLst/>
           </a:prstGeom>
-          <a:noFill/>
-        </p:spPr>
-        <p:txBody>
-          <a:bodyPr wrap="square" rtlCol="0">
-            <a:spAutoFit/>
-          </a:bodyPr>
-          <a:lstStyle/>
-          <a:p>
-            <a:r>
-              <a:rPr lang="ko-KR" altLang="en-US" sz="6600" dirty="0" smtClean="0">
-                <a:latin typeface="KoPubWorld돋움체 Bold" panose="00000800000000000000" pitchFamily="2" charset="-127"/>
-                <a:ea typeface="KoPubWorld돋움체 Bold" panose="00000800000000000000" pitchFamily="2" charset="-127"/>
-                <a:cs typeface="KoPubWorld돋움체 Bold" panose="00000800000000000000" pitchFamily="2" charset="-127"/>
-              </a:rPr>
-              <a:t>업데이</a:t>
-            </a:r>
-            <a:r>
-              <a:rPr lang="ko-KR" altLang="en-US" sz="6600" dirty="0" smtClean="0">
-                <a:latin typeface="KoPubWorld돋움체 Bold" panose="00000800000000000000" pitchFamily="2" charset="-127"/>
-                <a:ea typeface="KoPubWorld돋움체 Bold" panose="00000800000000000000" pitchFamily="2" charset="-127"/>
-                <a:cs typeface="KoPubWorld돋움체 Bold" panose="00000800000000000000" pitchFamily="2" charset="-127"/>
-              </a:rPr>
-              <a:t>트</a:t>
-            </a:r>
-            <a:endParaRPr lang="ko-KR" altLang="en-US" sz="6600" dirty="0">
-              <a:latin typeface="KoPubWorld돋움체 Bold" panose="00000800000000000000" pitchFamily="2" charset="-127"/>
-              <a:ea typeface="KoPubWorld돋움체 Bold" panose="00000800000000000000" pitchFamily="2" charset="-127"/>
-              <a:cs typeface="KoPubWorld돋움체 Bold" panose="00000800000000000000" pitchFamily="2" charset="-127"/>
-            </a:endParaRPr>
-          </a:p>
-        </p:txBody>
-      </p:sp>
+        </p:spPr>
+      </p:pic>
+      <p:pic>
+        <p:nvPicPr>
+          <p:cNvPr id="9" name="그림 8"/>
+          <p:cNvPicPr>
+            <a:picLocks noChangeAspect="1"/>
+          </p:cNvPicPr>
+          <p:nvPr/>
+        </p:nvPicPr>
+        <p:blipFill>
+          <a:blip r:embed="rId3"/>
+          <a:stretch>
+            <a:fillRect/>
+          </a:stretch>
+        </p:blipFill>
+        <p:spPr>
+          <a:xfrm>
+            <a:off x="6074533" y="206639"/>
+            <a:ext cx="3652070" cy="6480000"/>
+          </a:xfrm>
+          <a:prstGeom prst="rect">
+            <a:avLst/>
+          </a:prstGeom>
+        </p:spPr>
+      </p:pic>
     </p:spTree>
     <p:extLst>
       <p:ext uri="{BB962C8B-B14F-4D97-AF65-F5344CB8AC3E}">
-        <p14:creationId xmlns:p14="http://schemas.microsoft.com/office/powerpoint/2010/main" val="2155386988"/>
+        <p14:creationId xmlns:p14="http://schemas.microsoft.com/office/powerpoint/2010/main" val="1763469085"/>
       </p:ext>
     </p:extLst>
   </p:cSld>
@@ -5141,250 +4022,49 @@
           <a:chExt cx="0" cy="0"/>
         </a:xfrm>
       </p:grpSpPr>
-      <p:grpSp>
-        <p:nvGrpSpPr>
-          <p:cNvPr id="2" name="그룹 1"/>
-          <p:cNvGrpSpPr/>
+      <p:sp>
+        <p:nvSpPr>
+          <p:cNvPr id="8" name="TextBox 7"/>
+          <p:cNvSpPr txBox="1"/>
           <p:nvPr/>
-        </p:nvGrpSpPr>
-        <p:grpSpPr>
-          <a:xfrm>
-            <a:off x="175953" y="206639"/>
-            <a:ext cx="1901886" cy="541508"/>
-            <a:chOff x="4232564" y="2276508"/>
-            <a:chExt cx="1901886" cy="541508"/>
-          </a:xfrm>
-        </p:grpSpPr>
-        <p:grpSp>
-          <p:nvGrpSpPr>
-            <p:cNvPr id="3" name="그룹 2"/>
-            <p:cNvGrpSpPr/>
-            <p:nvPr/>
-          </p:nvGrpSpPr>
-          <p:grpSpPr>
-            <a:xfrm>
-              <a:off x="4232564" y="2276508"/>
-              <a:ext cx="712648" cy="541508"/>
-              <a:chOff x="3115591" y="4405745"/>
-              <a:chExt cx="4089168" cy="3107176"/>
-            </a:xfrm>
-          </p:grpSpPr>
-          <p:sp>
-            <p:nvSpPr>
-              <p:cNvPr id="6" name="평행 사변형 5"/>
-              <p:cNvSpPr/>
-              <p:nvPr/>
-            </p:nvSpPr>
-            <p:spPr>
-              <a:xfrm>
-                <a:off x="3379408" y="4636717"/>
-                <a:ext cx="3825351" cy="2876204"/>
-              </a:xfrm>
-              <a:prstGeom prst="parallelogram">
-                <a:avLst/>
-              </a:prstGeom>
-              <a:solidFill>
-                <a:srgbClr val="6C5B7B"/>
-              </a:solidFill>
-              <a:ln>
-                <a:noFill/>
-              </a:ln>
-            </p:spPr>
-            <p:style>
-              <a:lnRef idx="2">
-                <a:schemeClr val="accent1">
-                  <a:shade val="50000"/>
-                </a:schemeClr>
-              </a:lnRef>
-              <a:fillRef idx="1">
-                <a:schemeClr val="accent1"/>
-              </a:fillRef>
-              <a:effectRef idx="0">
-                <a:schemeClr val="accent1"/>
-              </a:effectRef>
-              <a:fontRef idx="minor">
-                <a:schemeClr val="lt1"/>
-              </a:fontRef>
-            </p:style>
-            <p:txBody>
-              <a:bodyPr rtlCol="0" anchor="ctr"/>
-              <a:lstStyle/>
-              <a:p>
-                <a:pPr algn="ctr"/>
-                <a:endParaRPr lang="ko-KR" altLang="en-US"/>
-              </a:p>
-            </p:txBody>
-          </p:sp>
-          <p:sp>
-            <p:nvSpPr>
-              <p:cNvPr id="7" name="평행 사변형 6"/>
-              <p:cNvSpPr/>
-              <p:nvPr/>
-            </p:nvSpPr>
-            <p:spPr>
-              <a:xfrm>
-                <a:off x="3115591" y="4405745"/>
-                <a:ext cx="3825352" cy="2876204"/>
-              </a:xfrm>
-              <a:prstGeom prst="parallelogram">
-                <a:avLst/>
-              </a:prstGeom>
-              <a:solidFill>
-                <a:srgbClr val="F67280"/>
-              </a:solidFill>
-              <a:ln>
-                <a:noFill/>
-              </a:ln>
-            </p:spPr>
-            <p:style>
-              <a:lnRef idx="2">
-                <a:schemeClr val="accent1">
-                  <a:shade val="50000"/>
-                </a:schemeClr>
-              </a:lnRef>
-              <a:fillRef idx="1">
-                <a:schemeClr val="accent1"/>
-              </a:fillRef>
-              <a:effectRef idx="0">
-                <a:schemeClr val="accent1"/>
-              </a:effectRef>
-              <a:fontRef idx="minor">
-                <a:schemeClr val="lt1"/>
-              </a:fontRef>
-            </p:style>
-            <p:txBody>
-              <a:bodyPr rtlCol="0" anchor="ctr"/>
-              <a:lstStyle/>
-              <a:p>
-                <a:pPr algn="ctr"/>
-                <a:endParaRPr lang="ko-KR" altLang="en-US"/>
-              </a:p>
-            </p:txBody>
-          </p:sp>
-        </p:grpSp>
-        <p:sp>
-          <p:nvSpPr>
-            <p:cNvPr id="4" name="TextBox 3"/>
-            <p:cNvSpPr txBox="1"/>
-            <p:nvPr/>
-          </p:nvSpPr>
-          <p:spPr>
-            <a:xfrm>
-              <a:off x="5201181" y="2327080"/>
-              <a:ext cx="933269" cy="400110"/>
-            </a:xfrm>
-            <a:prstGeom prst="rect">
-              <a:avLst/>
-            </a:prstGeom>
-            <a:noFill/>
-          </p:spPr>
-          <p:txBody>
-            <a:bodyPr wrap="none" rtlCol="0">
-              <a:spAutoFit/>
-            </a:bodyPr>
-            <a:lstStyle/>
-            <a:p>
-              <a:r>
-                <a:rPr lang="en-US" altLang="ko-KR" sz="2000" dirty="0" smtClean="0">
-                  <a:solidFill>
-                    <a:srgbClr val="6C5B7B"/>
-                  </a:solidFill>
-                  <a:latin typeface="KoPub돋움체 Bold" panose="02020603020101020101" pitchFamily="18" charset="-127"/>
-                  <a:ea typeface="KoPub돋움체 Bold" panose="02020603020101020101" pitchFamily="18" charset="-127"/>
-                </a:rPr>
-                <a:t>UI </a:t>
-              </a:r>
-              <a:r>
-                <a:rPr lang="ko-KR" altLang="en-US" sz="2000" dirty="0" smtClean="0">
-                  <a:solidFill>
-                    <a:srgbClr val="6C5B7B"/>
-                  </a:solidFill>
-                  <a:latin typeface="KoPub돋움체 Bold" panose="02020603020101020101" pitchFamily="18" charset="-127"/>
-                  <a:ea typeface="KoPub돋움체 Bold" panose="02020603020101020101" pitchFamily="18" charset="-127"/>
-                </a:rPr>
-                <a:t>설명</a:t>
-              </a:r>
-              <a:endParaRPr lang="en-US" altLang="ko-KR" sz="2000" dirty="0" smtClean="0">
-                <a:solidFill>
-                  <a:srgbClr val="6C5B7B"/>
-                </a:solidFill>
-                <a:latin typeface="KoPub돋움체 Bold" panose="02020603020101020101" pitchFamily="18" charset="-127"/>
-                <a:ea typeface="KoPub돋움체 Bold" panose="02020603020101020101" pitchFamily="18" charset="-127"/>
-              </a:endParaRPr>
-            </a:p>
-          </p:txBody>
-        </p:sp>
-        <p:sp>
-          <p:nvSpPr>
-            <p:cNvPr id="5" name="TextBox 4"/>
-            <p:cNvSpPr txBox="1"/>
-            <p:nvPr/>
-          </p:nvSpPr>
-          <p:spPr>
-            <a:xfrm>
-              <a:off x="4358150" y="2357858"/>
-              <a:ext cx="418704" cy="338554"/>
-            </a:xfrm>
-            <a:prstGeom prst="rect">
-              <a:avLst/>
-            </a:prstGeom>
-            <a:noFill/>
-          </p:spPr>
-          <p:txBody>
-            <a:bodyPr wrap="none" rtlCol="0">
-              <a:spAutoFit/>
-            </a:bodyPr>
-            <a:lstStyle/>
-            <a:p>
-              <a:r>
-                <a:rPr lang="en-US" altLang="ko-KR" sz="1600" dirty="0" smtClean="0">
-                  <a:solidFill>
-                    <a:schemeClr val="bg1"/>
-                  </a:solidFill>
-                  <a:latin typeface="KoPub돋움체 Light" panose="02020603020101020101" pitchFamily="18" charset="-127"/>
-                  <a:ea typeface="KoPub돋움체 Light" panose="02020603020101020101" pitchFamily="18" charset="-127"/>
-                </a:rPr>
-                <a:t>04</a:t>
-              </a:r>
-              <a:endParaRPr lang="ko-KR" altLang="en-US" sz="1600" dirty="0">
-                <a:solidFill>
-                  <a:schemeClr val="bg1"/>
-                </a:solidFill>
-                <a:latin typeface="KoPub돋움체 Light" panose="02020603020101020101" pitchFamily="18" charset="-127"/>
-                <a:ea typeface="KoPub돋움체 Light" panose="02020603020101020101" pitchFamily="18" charset="-127"/>
-              </a:endParaRPr>
-            </a:p>
-          </p:txBody>
-        </p:sp>
-      </p:grpSp>
-      <p:pic>
-        <p:nvPicPr>
-          <p:cNvPr id="10" name="그림 9"/>
-          <p:cNvPicPr>
-            <a:picLocks noChangeAspect="1"/>
-          </p:cNvPicPr>
-          <p:nvPr/>
-        </p:nvPicPr>
-        <p:blipFill>
-          <a:blip r:embed="rId2"/>
-          <a:stretch>
-            <a:fillRect/>
-          </a:stretch>
-        </p:blipFill>
-        <p:spPr>
-          <a:xfrm>
-            <a:off x="4291143" y="209199"/>
-            <a:ext cx="3609715" cy="6439603"/>
+        </p:nvSpPr>
+        <p:spPr>
+          <a:xfrm>
+            <a:off x="4537364" y="2875002"/>
+            <a:ext cx="3117273" cy="1107996"/>
           </a:xfrm>
           <a:prstGeom prst="rect">
             <a:avLst/>
           </a:prstGeom>
-        </p:spPr>
-      </p:pic>
+          <a:noFill/>
+        </p:spPr>
+        <p:txBody>
+          <a:bodyPr wrap="square" rtlCol="0">
+            <a:spAutoFit/>
+          </a:bodyPr>
+          <a:lstStyle/>
+          <a:p>
+            <a:pPr algn="ctr"/>
+            <a:r>
+              <a:rPr lang="ko-KR" altLang="en-US" sz="6600" smtClean="0">
+                <a:latin typeface="KoPubWorld돋움체 Bold" panose="00000800000000000000" pitchFamily="2" charset="-127"/>
+                <a:ea typeface="KoPubWorld돋움체 Bold" panose="00000800000000000000" pitchFamily="2" charset="-127"/>
+                <a:cs typeface="KoPubWorld돋움체 Bold" panose="00000800000000000000" pitchFamily="2" charset="-127"/>
+              </a:rPr>
+              <a:t>메뉴</a:t>
+            </a:r>
+            <a:endParaRPr lang="ko-KR" altLang="en-US" sz="6600" dirty="0">
+              <a:latin typeface="KoPubWorld돋움체 Bold" panose="00000800000000000000" pitchFamily="2" charset="-127"/>
+              <a:ea typeface="KoPubWorld돋움체 Bold" panose="00000800000000000000" pitchFamily="2" charset="-127"/>
+              <a:cs typeface="KoPubWorld돋움체 Bold" panose="00000800000000000000" pitchFamily="2" charset="-127"/>
+            </a:endParaRPr>
+          </a:p>
+        </p:txBody>
+      </p:sp>
     </p:spTree>
     <p:extLst>
       <p:ext uri="{BB962C8B-B14F-4D97-AF65-F5344CB8AC3E}">
-        <p14:creationId xmlns:p14="http://schemas.microsoft.com/office/powerpoint/2010/main" val="3421306445"/>
+        <p14:creationId xmlns:p14="http://schemas.microsoft.com/office/powerpoint/2010/main" val="480098790"/>
       </p:ext>
     </p:extLst>
   </p:cSld>
@@ -5418,265 +4098,34 @@
           <a:chExt cx="0" cy="0"/>
         </a:xfrm>
       </p:grpSpPr>
-      <p:grpSp>
-        <p:nvGrpSpPr>
-          <p:cNvPr id="2" name="그룹 1"/>
-          <p:cNvGrpSpPr/>
+      <p:pic>
+        <p:nvPicPr>
+          <p:cNvPr id="10" name="그림 9"/>
+          <p:cNvPicPr>
+            <a:picLocks noChangeAspect="1"/>
+          </p:cNvPicPr>
           <p:nvPr/>
-        </p:nvGrpSpPr>
-        <p:grpSpPr>
-          <a:xfrm>
-            <a:off x="175953" y="206639"/>
-            <a:ext cx="1901886" cy="541508"/>
-            <a:chOff x="4232564" y="2276508"/>
-            <a:chExt cx="1901886" cy="541508"/>
-          </a:xfrm>
-        </p:grpSpPr>
-        <p:grpSp>
-          <p:nvGrpSpPr>
-            <p:cNvPr id="3" name="그룹 2"/>
-            <p:cNvGrpSpPr/>
-            <p:nvPr/>
-          </p:nvGrpSpPr>
-          <p:grpSpPr>
-            <a:xfrm>
-              <a:off x="4232564" y="2276508"/>
-              <a:ext cx="712648" cy="541508"/>
-              <a:chOff x="3115591" y="4405745"/>
-              <a:chExt cx="4089168" cy="3107176"/>
-            </a:xfrm>
-          </p:grpSpPr>
-          <p:sp>
-            <p:nvSpPr>
-              <p:cNvPr id="6" name="평행 사변형 5"/>
-              <p:cNvSpPr/>
-              <p:nvPr/>
-            </p:nvSpPr>
-            <p:spPr>
-              <a:xfrm>
-                <a:off x="3379408" y="4636717"/>
-                <a:ext cx="3825351" cy="2876204"/>
-              </a:xfrm>
-              <a:prstGeom prst="parallelogram">
-                <a:avLst/>
-              </a:prstGeom>
-              <a:solidFill>
-                <a:srgbClr val="6C5B7B"/>
-              </a:solidFill>
-              <a:ln>
-                <a:noFill/>
-              </a:ln>
-            </p:spPr>
-            <p:style>
-              <a:lnRef idx="2">
-                <a:schemeClr val="accent1">
-                  <a:shade val="50000"/>
-                </a:schemeClr>
-              </a:lnRef>
-              <a:fillRef idx="1">
-                <a:schemeClr val="accent1"/>
-              </a:fillRef>
-              <a:effectRef idx="0">
-                <a:schemeClr val="accent1"/>
-              </a:effectRef>
-              <a:fontRef idx="minor">
-                <a:schemeClr val="lt1"/>
-              </a:fontRef>
-            </p:style>
-            <p:txBody>
-              <a:bodyPr rtlCol="0" anchor="ctr"/>
-              <a:lstStyle/>
-              <a:p>
-                <a:pPr algn="ctr"/>
-                <a:endParaRPr lang="ko-KR" altLang="en-US"/>
-              </a:p>
-            </p:txBody>
-          </p:sp>
-          <p:sp>
-            <p:nvSpPr>
-              <p:cNvPr id="7" name="평행 사변형 6"/>
-              <p:cNvSpPr/>
-              <p:nvPr/>
-            </p:nvSpPr>
-            <p:spPr>
-              <a:xfrm>
-                <a:off x="3115591" y="4405745"/>
-                <a:ext cx="3825352" cy="2876204"/>
-              </a:xfrm>
-              <a:prstGeom prst="parallelogram">
-                <a:avLst/>
-              </a:prstGeom>
-              <a:solidFill>
-                <a:srgbClr val="F67280"/>
-              </a:solidFill>
-              <a:ln>
-                <a:noFill/>
-              </a:ln>
-            </p:spPr>
-            <p:style>
-              <a:lnRef idx="2">
-                <a:schemeClr val="accent1">
-                  <a:shade val="50000"/>
-                </a:schemeClr>
-              </a:lnRef>
-              <a:fillRef idx="1">
-                <a:schemeClr val="accent1"/>
-              </a:fillRef>
-              <a:effectRef idx="0">
-                <a:schemeClr val="accent1"/>
-              </a:effectRef>
-              <a:fontRef idx="minor">
-                <a:schemeClr val="lt1"/>
-              </a:fontRef>
-            </p:style>
-            <p:txBody>
-              <a:bodyPr rtlCol="0" anchor="ctr"/>
-              <a:lstStyle/>
-              <a:p>
-                <a:pPr algn="ctr"/>
-                <a:endParaRPr lang="ko-KR" altLang="en-US"/>
-              </a:p>
-            </p:txBody>
-          </p:sp>
-        </p:grpSp>
-        <p:sp>
-          <p:nvSpPr>
-            <p:cNvPr id="4" name="TextBox 3"/>
-            <p:cNvSpPr txBox="1"/>
-            <p:nvPr/>
-          </p:nvSpPr>
-          <p:spPr>
-            <a:xfrm>
-              <a:off x="5201181" y="2327080"/>
-              <a:ext cx="933269" cy="400110"/>
-            </a:xfrm>
-            <a:prstGeom prst="rect">
-              <a:avLst/>
-            </a:prstGeom>
-            <a:noFill/>
-          </p:spPr>
-          <p:txBody>
-            <a:bodyPr wrap="none" rtlCol="0">
-              <a:spAutoFit/>
-            </a:bodyPr>
-            <a:lstStyle/>
-            <a:p>
-              <a:r>
-                <a:rPr lang="en-US" altLang="ko-KR" sz="2000" dirty="0" smtClean="0">
-                  <a:solidFill>
-                    <a:srgbClr val="6C5B7B"/>
-                  </a:solidFill>
-                  <a:latin typeface="KoPub돋움체 Bold" panose="02020603020101020101" pitchFamily="18" charset="-127"/>
-                  <a:ea typeface="KoPub돋움체 Bold" panose="02020603020101020101" pitchFamily="18" charset="-127"/>
-                </a:rPr>
-                <a:t>UI </a:t>
-              </a:r>
-              <a:r>
-                <a:rPr lang="ko-KR" altLang="en-US" sz="2000" dirty="0" smtClean="0">
-                  <a:solidFill>
-                    <a:srgbClr val="6C5B7B"/>
-                  </a:solidFill>
-                  <a:latin typeface="KoPub돋움체 Bold" panose="02020603020101020101" pitchFamily="18" charset="-127"/>
-                  <a:ea typeface="KoPub돋움체 Bold" panose="02020603020101020101" pitchFamily="18" charset="-127"/>
-                </a:rPr>
-                <a:t>설명</a:t>
-              </a:r>
-              <a:endParaRPr lang="en-US" altLang="ko-KR" sz="2000" dirty="0" smtClean="0">
-                <a:solidFill>
-                  <a:srgbClr val="6C5B7B"/>
-                </a:solidFill>
-                <a:latin typeface="KoPub돋움체 Bold" panose="02020603020101020101" pitchFamily="18" charset="-127"/>
-                <a:ea typeface="KoPub돋움체 Bold" panose="02020603020101020101" pitchFamily="18" charset="-127"/>
-              </a:endParaRPr>
-            </a:p>
-          </p:txBody>
-        </p:sp>
-        <p:sp>
-          <p:nvSpPr>
-            <p:cNvPr id="5" name="TextBox 4"/>
-            <p:cNvSpPr txBox="1"/>
-            <p:nvPr/>
-          </p:nvSpPr>
-          <p:spPr>
-            <a:xfrm>
-              <a:off x="4358150" y="2357858"/>
-              <a:ext cx="418704" cy="338554"/>
-            </a:xfrm>
-            <a:prstGeom prst="rect">
-              <a:avLst/>
-            </a:prstGeom>
-            <a:noFill/>
-          </p:spPr>
-          <p:txBody>
-            <a:bodyPr wrap="none" rtlCol="0">
-              <a:spAutoFit/>
-            </a:bodyPr>
-            <a:lstStyle/>
-            <a:p>
-              <a:r>
-                <a:rPr lang="en-US" altLang="ko-KR" sz="1600" dirty="0" smtClean="0">
-                  <a:solidFill>
-                    <a:schemeClr val="bg1"/>
-                  </a:solidFill>
-                  <a:latin typeface="KoPub돋움체 Light" panose="02020603020101020101" pitchFamily="18" charset="-127"/>
-                  <a:ea typeface="KoPub돋움체 Light" panose="02020603020101020101" pitchFamily="18" charset="-127"/>
-                </a:rPr>
-                <a:t>04</a:t>
-              </a:r>
-              <a:endParaRPr lang="ko-KR" altLang="en-US" sz="1600" dirty="0">
-                <a:solidFill>
-                  <a:schemeClr val="bg1"/>
-                </a:solidFill>
-                <a:latin typeface="KoPub돋움체 Light" panose="02020603020101020101" pitchFamily="18" charset="-127"/>
-                <a:ea typeface="KoPub돋움체 Light" panose="02020603020101020101" pitchFamily="18" charset="-127"/>
-              </a:endParaRPr>
-            </a:p>
-          </p:txBody>
-        </p:sp>
-      </p:grpSp>
-      <p:sp>
-        <p:nvSpPr>
-          <p:cNvPr id="8" name="TextBox 7"/>
-          <p:cNvSpPr txBox="1"/>
-          <p:nvPr/>
-        </p:nvSpPr>
-        <p:spPr>
-          <a:xfrm>
-            <a:off x="4537364" y="2875002"/>
-            <a:ext cx="3117273" cy="1107996"/>
+        </p:nvPicPr>
+        <p:blipFill>
+          <a:blip r:embed="rId2"/>
+          <a:stretch>
+            <a:fillRect/>
+          </a:stretch>
+        </p:blipFill>
+        <p:spPr>
+          <a:xfrm>
+            <a:off x="4472655" y="500398"/>
+            <a:ext cx="3246690" cy="5857204"/>
           </a:xfrm>
           <a:prstGeom prst="rect">
             <a:avLst/>
           </a:prstGeom>
-          <a:noFill/>
-        </p:spPr>
-        <p:txBody>
-          <a:bodyPr wrap="square" rtlCol="0">
-            <a:spAutoFit/>
-          </a:bodyPr>
-          <a:lstStyle/>
-          <a:p>
-            <a:pPr algn="ctr"/>
-            <a:r>
-              <a:rPr lang="ko-KR" altLang="en-US" sz="6600" dirty="0" smtClean="0">
-                <a:latin typeface="KoPubWorld돋움체 Bold" panose="00000800000000000000" pitchFamily="2" charset="-127"/>
-                <a:ea typeface="KoPubWorld돋움체 Bold" panose="00000800000000000000" pitchFamily="2" charset="-127"/>
-                <a:cs typeface="KoPubWorld돋움체 Bold" panose="00000800000000000000" pitchFamily="2" charset="-127"/>
-              </a:rPr>
-              <a:t>도움말</a:t>
-            </a:r>
-            <a:endParaRPr lang="ko-KR" altLang="en-US" sz="6600" dirty="0">
-              <a:latin typeface="KoPubWorld돋움체 Bold" panose="00000800000000000000" pitchFamily="2" charset="-127"/>
-              <a:ea typeface="KoPubWorld돋움체 Bold" panose="00000800000000000000" pitchFamily="2" charset="-127"/>
-              <a:cs typeface="KoPubWorld돋움체 Bold" panose="00000800000000000000" pitchFamily="2" charset="-127"/>
-            </a:endParaRPr>
-          </a:p>
-        </p:txBody>
-      </p:sp>
+        </p:spPr>
+      </p:pic>
     </p:spTree>
     <p:extLst>
       <p:ext uri="{BB962C8B-B14F-4D97-AF65-F5344CB8AC3E}">
-        <p14:creationId xmlns:p14="http://schemas.microsoft.com/office/powerpoint/2010/main" val="3193727258"/>
+        <p14:creationId xmlns:p14="http://schemas.microsoft.com/office/powerpoint/2010/main" val="2477866943"/>
       </p:ext>
     </p:extLst>
   </p:cSld>
@@ -5710,250 +4159,49 @@
           <a:chExt cx="0" cy="0"/>
         </a:xfrm>
       </p:grpSpPr>
-      <p:grpSp>
-        <p:nvGrpSpPr>
-          <p:cNvPr id="2" name="그룹 1"/>
-          <p:cNvGrpSpPr/>
+      <p:sp>
+        <p:nvSpPr>
+          <p:cNvPr id="8" name="TextBox 7"/>
+          <p:cNvSpPr txBox="1"/>
           <p:nvPr/>
-        </p:nvGrpSpPr>
-        <p:grpSpPr>
-          <a:xfrm>
-            <a:off x="175953" y="206639"/>
-            <a:ext cx="1901886" cy="541508"/>
-            <a:chOff x="4232564" y="2276508"/>
-            <a:chExt cx="1901886" cy="541508"/>
-          </a:xfrm>
-        </p:grpSpPr>
-        <p:grpSp>
-          <p:nvGrpSpPr>
-            <p:cNvPr id="3" name="그룹 2"/>
-            <p:cNvGrpSpPr/>
-            <p:nvPr/>
-          </p:nvGrpSpPr>
-          <p:grpSpPr>
-            <a:xfrm>
-              <a:off x="4232564" y="2276508"/>
-              <a:ext cx="712648" cy="541508"/>
-              <a:chOff x="3115591" y="4405745"/>
-              <a:chExt cx="4089168" cy="3107176"/>
-            </a:xfrm>
-          </p:grpSpPr>
-          <p:sp>
-            <p:nvSpPr>
-              <p:cNvPr id="6" name="평행 사변형 5"/>
-              <p:cNvSpPr/>
-              <p:nvPr/>
-            </p:nvSpPr>
-            <p:spPr>
-              <a:xfrm>
-                <a:off x="3379408" y="4636717"/>
-                <a:ext cx="3825351" cy="2876204"/>
-              </a:xfrm>
-              <a:prstGeom prst="parallelogram">
-                <a:avLst/>
-              </a:prstGeom>
-              <a:solidFill>
-                <a:srgbClr val="6C5B7B"/>
-              </a:solidFill>
-              <a:ln>
-                <a:noFill/>
-              </a:ln>
-            </p:spPr>
-            <p:style>
-              <a:lnRef idx="2">
-                <a:schemeClr val="accent1">
-                  <a:shade val="50000"/>
-                </a:schemeClr>
-              </a:lnRef>
-              <a:fillRef idx="1">
-                <a:schemeClr val="accent1"/>
-              </a:fillRef>
-              <a:effectRef idx="0">
-                <a:schemeClr val="accent1"/>
-              </a:effectRef>
-              <a:fontRef idx="minor">
-                <a:schemeClr val="lt1"/>
-              </a:fontRef>
-            </p:style>
-            <p:txBody>
-              <a:bodyPr rtlCol="0" anchor="ctr"/>
-              <a:lstStyle/>
-              <a:p>
-                <a:pPr algn="ctr"/>
-                <a:endParaRPr lang="ko-KR" altLang="en-US"/>
-              </a:p>
-            </p:txBody>
-          </p:sp>
-          <p:sp>
-            <p:nvSpPr>
-              <p:cNvPr id="7" name="평행 사변형 6"/>
-              <p:cNvSpPr/>
-              <p:nvPr/>
-            </p:nvSpPr>
-            <p:spPr>
-              <a:xfrm>
-                <a:off x="3115591" y="4405745"/>
-                <a:ext cx="3825352" cy="2876204"/>
-              </a:xfrm>
-              <a:prstGeom prst="parallelogram">
-                <a:avLst/>
-              </a:prstGeom>
-              <a:solidFill>
-                <a:srgbClr val="F67280"/>
-              </a:solidFill>
-              <a:ln>
-                <a:noFill/>
-              </a:ln>
-            </p:spPr>
-            <p:style>
-              <a:lnRef idx="2">
-                <a:schemeClr val="accent1">
-                  <a:shade val="50000"/>
-                </a:schemeClr>
-              </a:lnRef>
-              <a:fillRef idx="1">
-                <a:schemeClr val="accent1"/>
-              </a:fillRef>
-              <a:effectRef idx="0">
-                <a:schemeClr val="accent1"/>
-              </a:effectRef>
-              <a:fontRef idx="minor">
-                <a:schemeClr val="lt1"/>
-              </a:fontRef>
-            </p:style>
-            <p:txBody>
-              <a:bodyPr rtlCol="0" anchor="ctr"/>
-              <a:lstStyle/>
-              <a:p>
-                <a:pPr algn="ctr"/>
-                <a:endParaRPr lang="ko-KR" altLang="en-US"/>
-              </a:p>
-            </p:txBody>
-          </p:sp>
-        </p:grpSp>
-        <p:sp>
-          <p:nvSpPr>
-            <p:cNvPr id="4" name="TextBox 3"/>
-            <p:cNvSpPr txBox="1"/>
-            <p:nvPr/>
-          </p:nvSpPr>
-          <p:spPr>
-            <a:xfrm>
-              <a:off x="5201181" y="2327080"/>
-              <a:ext cx="933269" cy="400110"/>
-            </a:xfrm>
-            <a:prstGeom prst="rect">
-              <a:avLst/>
-            </a:prstGeom>
-            <a:noFill/>
-          </p:spPr>
-          <p:txBody>
-            <a:bodyPr wrap="none" rtlCol="0">
-              <a:spAutoFit/>
-            </a:bodyPr>
-            <a:lstStyle/>
-            <a:p>
-              <a:r>
-                <a:rPr lang="en-US" altLang="ko-KR" sz="2000" dirty="0" smtClean="0">
-                  <a:solidFill>
-                    <a:srgbClr val="6C5B7B"/>
-                  </a:solidFill>
-                  <a:latin typeface="KoPub돋움체 Bold" panose="02020603020101020101" pitchFamily="18" charset="-127"/>
-                  <a:ea typeface="KoPub돋움체 Bold" panose="02020603020101020101" pitchFamily="18" charset="-127"/>
-                </a:rPr>
-                <a:t>UI </a:t>
-              </a:r>
-              <a:r>
-                <a:rPr lang="ko-KR" altLang="en-US" sz="2000" dirty="0" smtClean="0">
-                  <a:solidFill>
-                    <a:srgbClr val="6C5B7B"/>
-                  </a:solidFill>
-                  <a:latin typeface="KoPub돋움체 Bold" panose="02020603020101020101" pitchFamily="18" charset="-127"/>
-                  <a:ea typeface="KoPub돋움체 Bold" panose="02020603020101020101" pitchFamily="18" charset="-127"/>
-                </a:rPr>
-                <a:t>설명</a:t>
-              </a:r>
-              <a:endParaRPr lang="en-US" altLang="ko-KR" sz="2000" dirty="0" smtClean="0">
-                <a:solidFill>
-                  <a:srgbClr val="6C5B7B"/>
-                </a:solidFill>
-                <a:latin typeface="KoPub돋움체 Bold" panose="02020603020101020101" pitchFamily="18" charset="-127"/>
-                <a:ea typeface="KoPub돋움체 Bold" panose="02020603020101020101" pitchFamily="18" charset="-127"/>
-              </a:endParaRPr>
-            </a:p>
-          </p:txBody>
-        </p:sp>
-        <p:sp>
-          <p:nvSpPr>
-            <p:cNvPr id="5" name="TextBox 4"/>
-            <p:cNvSpPr txBox="1"/>
-            <p:nvPr/>
-          </p:nvSpPr>
-          <p:spPr>
-            <a:xfrm>
-              <a:off x="4358150" y="2357858"/>
-              <a:ext cx="418704" cy="338554"/>
-            </a:xfrm>
-            <a:prstGeom prst="rect">
-              <a:avLst/>
-            </a:prstGeom>
-            <a:noFill/>
-          </p:spPr>
-          <p:txBody>
-            <a:bodyPr wrap="none" rtlCol="0">
-              <a:spAutoFit/>
-            </a:bodyPr>
-            <a:lstStyle/>
-            <a:p>
-              <a:r>
-                <a:rPr lang="en-US" altLang="ko-KR" sz="1600" dirty="0" smtClean="0">
-                  <a:solidFill>
-                    <a:schemeClr val="bg1"/>
-                  </a:solidFill>
-                  <a:latin typeface="KoPub돋움체 Light" panose="02020603020101020101" pitchFamily="18" charset="-127"/>
-                  <a:ea typeface="KoPub돋움체 Light" panose="02020603020101020101" pitchFamily="18" charset="-127"/>
-                </a:rPr>
-                <a:t>04</a:t>
-              </a:r>
-              <a:endParaRPr lang="ko-KR" altLang="en-US" sz="1600" dirty="0">
-                <a:solidFill>
-                  <a:schemeClr val="bg1"/>
-                </a:solidFill>
-                <a:latin typeface="KoPub돋움체 Light" panose="02020603020101020101" pitchFamily="18" charset="-127"/>
-                <a:ea typeface="KoPub돋움체 Light" panose="02020603020101020101" pitchFamily="18" charset="-127"/>
-              </a:endParaRPr>
-            </a:p>
-          </p:txBody>
-        </p:sp>
-      </p:grpSp>
-      <p:pic>
-        <p:nvPicPr>
-          <p:cNvPr id="8" name="그림 7"/>
-          <p:cNvPicPr>
-            <a:picLocks noChangeAspect="1"/>
-          </p:cNvPicPr>
-          <p:nvPr/>
-        </p:nvPicPr>
-        <p:blipFill>
-          <a:blip r:embed="rId2"/>
-          <a:stretch>
-            <a:fillRect/>
-          </a:stretch>
-        </p:blipFill>
-        <p:spPr>
-          <a:xfrm>
-            <a:off x="4348942" y="313153"/>
-            <a:ext cx="3494117" cy="6231695"/>
+        </p:nvSpPr>
+        <p:spPr>
+          <a:xfrm>
+            <a:off x="4537364" y="2875002"/>
+            <a:ext cx="3117273" cy="1107996"/>
           </a:xfrm>
           <a:prstGeom prst="rect">
             <a:avLst/>
           </a:prstGeom>
-        </p:spPr>
-      </p:pic>
+          <a:noFill/>
+        </p:spPr>
+        <p:txBody>
+          <a:bodyPr wrap="square" rtlCol="0">
+            <a:spAutoFit/>
+          </a:bodyPr>
+          <a:lstStyle/>
+          <a:p>
+            <a:pPr algn="ctr"/>
+            <a:r>
+              <a:rPr lang="ko-KR" altLang="en-US" sz="6600" dirty="0" smtClean="0">
+                <a:latin typeface="KoPubWorld돋움체 Bold" panose="00000800000000000000" pitchFamily="2" charset="-127"/>
+                <a:ea typeface="KoPubWorld돋움체 Bold" panose="00000800000000000000" pitchFamily="2" charset="-127"/>
+                <a:cs typeface="KoPubWorld돋움체 Bold" panose="00000800000000000000" pitchFamily="2" charset="-127"/>
+              </a:rPr>
+              <a:t>타이머</a:t>
+            </a:r>
+            <a:endParaRPr lang="ko-KR" altLang="en-US" sz="6600" dirty="0">
+              <a:latin typeface="KoPubWorld돋움체 Bold" panose="00000800000000000000" pitchFamily="2" charset="-127"/>
+              <a:ea typeface="KoPubWorld돋움체 Bold" panose="00000800000000000000" pitchFamily="2" charset="-127"/>
+              <a:cs typeface="KoPubWorld돋움체 Bold" panose="00000800000000000000" pitchFamily="2" charset="-127"/>
+            </a:endParaRPr>
+          </a:p>
+        </p:txBody>
+      </p:sp>
     </p:spTree>
     <p:extLst>
       <p:ext uri="{BB962C8B-B14F-4D97-AF65-F5344CB8AC3E}">
-        <p14:creationId xmlns:p14="http://schemas.microsoft.com/office/powerpoint/2010/main" val="2027731967"/>
+        <p14:creationId xmlns:p14="http://schemas.microsoft.com/office/powerpoint/2010/main" val="4277213233"/>
       </p:ext>
     </p:extLst>
   </p:cSld>
@@ -6083,10 +4331,10 @@
         </p:nvGrpSpPr>
         <p:grpSpPr>
           <a:xfrm>
-            <a:off x="5067752" y="1545239"/>
-            <a:ext cx="1927191" cy="541508"/>
+            <a:off x="2052931" y="1553158"/>
+            <a:ext cx="2135581" cy="541508"/>
             <a:chOff x="4232564" y="2276508"/>
-            <a:chExt cx="1927191" cy="541508"/>
+            <a:chExt cx="2135581" cy="541508"/>
           </a:xfrm>
         </p:grpSpPr>
         <p:grpSp>
@@ -6205,7 +4453,7 @@
           <p:spPr>
             <a:xfrm>
               <a:off x="5325872" y="2382722"/>
-              <a:ext cx="833883" cy="369332"/>
+              <a:ext cx="1042273" cy="369332"/>
             </a:xfrm>
             <a:prstGeom prst="rect">
               <a:avLst/>
@@ -6226,7 +4474,7 @@
                   <a:latin typeface="KoPub돋움체 Medium" panose="02020603020101020101" pitchFamily="18" charset="-127"/>
                   <a:ea typeface="KoPub돋움체 Medium" panose="02020603020101020101" pitchFamily="18" charset="-127"/>
                 </a:rPr>
-                <a:t>팀 설명</a:t>
+                <a:t>팀원 역할</a:t>
               </a:r>
               <a:endParaRPr lang="ko-KR" altLang="en-US" dirty="0">
                 <a:solidFill>
@@ -6289,7 +4537,7 @@
         </p:nvGrpSpPr>
         <p:grpSpPr>
           <a:xfrm>
-            <a:off x="5062266" y="2352543"/>
+            <a:off x="1457328" y="4422960"/>
             <a:ext cx="2197588" cy="541508"/>
             <a:chOff x="4186587" y="3254098"/>
             <a:chExt cx="2197588" cy="541508"/>
@@ -6453,7 +4701,7 @@
           <p:spPr>
             <a:xfrm>
               <a:off x="4312173" y="3334604"/>
-              <a:ext cx="415498" cy="338554"/>
+              <a:ext cx="418704" cy="338554"/>
             </a:xfrm>
             <a:prstGeom prst="rect">
               <a:avLst/>
@@ -6474,7 +4722,7 @@
                   <a:latin typeface="KoPub돋움체 Light" panose="02020603020101020101" pitchFamily="18" charset="-127"/>
                   <a:ea typeface="KoPub돋움체 Light" panose="02020603020101020101" pitchFamily="18" charset="-127"/>
                 </a:rPr>
-                <a:t>02</a:t>
+                <a:t>03</a:t>
               </a:r>
               <a:endParaRPr lang="ko-KR" altLang="en-US" sz="1600" dirty="0">
                 <a:solidFill>
@@ -6495,7 +4743,7 @@
         </p:nvGrpSpPr>
         <p:grpSpPr>
           <a:xfrm>
-            <a:off x="5062266" y="4149890"/>
+            <a:off x="6519379" y="2870999"/>
             <a:ext cx="2097958" cy="541508"/>
             <a:chOff x="4094633" y="5209278"/>
             <a:chExt cx="2097958" cy="541508"/>
@@ -6669,7 +4917,7 @@
           <p:spPr>
             <a:xfrm>
               <a:off x="4230362" y="5290628"/>
-              <a:ext cx="415498" cy="338554"/>
+              <a:ext cx="418704" cy="338554"/>
             </a:xfrm>
             <a:prstGeom prst="rect">
               <a:avLst/>
@@ -6690,7 +4938,7 @@
                   <a:latin typeface="KoPub돋움체 Light" panose="02020603020101020101" pitchFamily="18" charset="-127"/>
                   <a:ea typeface="KoPub돋움체 Light" panose="02020603020101020101" pitchFamily="18" charset="-127"/>
                 </a:rPr>
-                <a:t>04</a:t>
+                <a:t>05</a:t>
               </a:r>
               <a:endParaRPr lang="ko-KR" altLang="en-US" sz="1600" dirty="0">
                 <a:solidFill>
@@ -6711,7 +4959,7 @@
         </p:nvGrpSpPr>
         <p:grpSpPr>
           <a:xfrm>
-            <a:off x="5078308" y="3245959"/>
+            <a:off x="6855710" y="1757950"/>
             <a:ext cx="2207452" cy="541508"/>
             <a:chOff x="4958808" y="3382402"/>
             <a:chExt cx="2207452" cy="541508"/>
@@ -6879,7 +5127,7 @@
             <p:spPr>
               <a:xfrm>
                 <a:off x="4266196" y="4306041"/>
-                <a:ext cx="415498" cy="338554"/>
+                <a:ext cx="418704" cy="338554"/>
               </a:xfrm>
               <a:prstGeom prst="rect">
                 <a:avLst/>
@@ -6900,7 +5148,7 @@
                     <a:latin typeface="KoPub돋움체 Light" panose="02020603020101020101" pitchFamily="18" charset="-127"/>
                     <a:ea typeface="KoPub돋움체 Light" panose="02020603020101020101" pitchFamily="18" charset="-127"/>
                   </a:rPr>
-                  <a:t>03</a:t>
+                  <a:t>04</a:t>
                 </a:r>
                 <a:endParaRPr lang="ko-KR" altLang="en-US" sz="1600" dirty="0">
                   <a:solidFill>
@@ -6964,7 +5212,7 @@
         </p:nvGrpSpPr>
         <p:grpSpPr>
           <a:xfrm>
-            <a:off x="5078308" y="5043306"/>
+            <a:off x="6206555" y="4074859"/>
             <a:ext cx="1815830" cy="541508"/>
             <a:chOff x="4094633" y="5209278"/>
             <a:chExt cx="1815830" cy="541508"/>
@@ -6980,8 +5228,8 @@
             <a:xfrm>
               <a:off x="4094633" y="5209278"/>
               <a:ext cx="712648" cy="541508"/>
-              <a:chOff x="3115591" y="4405745"/>
-              <a:chExt cx="4089168" cy="3107176"/>
+              <a:chOff x="3115592" y="4405745"/>
+              <a:chExt cx="4089167" cy="3107176"/>
             </a:xfrm>
           </p:grpSpPr>
           <p:sp>
@@ -7038,7 +5286,7 @@
             </p:nvSpPr>
             <p:spPr>
               <a:xfrm>
-                <a:off x="3115591" y="4405745"/>
+                <a:off x="3115592" y="4405745"/>
                 <a:ext cx="3825352" cy="2876204"/>
               </a:xfrm>
               <a:prstGeom prst="parallelogram">
@@ -7149,7 +5397,7 @@
                   <a:latin typeface="KoPub돋움체 Light" panose="02020603020101020101" pitchFamily="18" charset="-127"/>
                   <a:ea typeface="KoPub돋움체 Light" panose="02020603020101020101" pitchFamily="18" charset="-127"/>
                 </a:rPr>
-                <a:t>05</a:t>
+                <a:t>06</a:t>
               </a:r>
               <a:endParaRPr lang="ko-KR" altLang="en-US" sz="1600" dirty="0">
                 <a:solidFill>
@@ -7170,7 +5418,7 @@
         </p:nvGrpSpPr>
         <p:grpSpPr>
           <a:xfrm>
-            <a:off x="5078308" y="5834772"/>
+            <a:off x="5806104" y="5450895"/>
             <a:ext cx="2226198" cy="541508"/>
             <a:chOff x="4094633" y="5209278"/>
             <a:chExt cx="2226198" cy="541508"/>
@@ -7355,7 +5603,233 @@
                   <a:latin typeface="KoPub돋움체 Light" panose="02020603020101020101" pitchFamily="18" charset="-127"/>
                   <a:ea typeface="KoPub돋움체 Light" panose="02020603020101020101" pitchFamily="18" charset="-127"/>
                 </a:rPr>
-                <a:t>06</a:t>
+                <a:t>07</a:t>
+              </a:r>
+              <a:endParaRPr lang="ko-KR" altLang="en-US" sz="1600" dirty="0">
+                <a:solidFill>
+                  <a:schemeClr val="bg1"/>
+                </a:solidFill>
+                <a:latin typeface="KoPub돋움체 Light" panose="02020603020101020101" pitchFamily="18" charset="-127"/>
+                <a:ea typeface="KoPub돋움체 Light" panose="02020603020101020101" pitchFamily="18" charset="-127"/>
+              </a:endParaRPr>
+            </a:p>
+          </p:txBody>
+        </p:sp>
+      </p:grpSp>
+      <p:grpSp>
+        <p:nvGrpSpPr>
+          <p:cNvPr id="48" name="그룹 47"/>
+          <p:cNvGrpSpPr/>
+          <p:nvPr/>
+        </p:nvGrpSpPr>
+        <p:grpSpPr>
+          <a:xfrm>
+            <a:off x="1685632" y="2975205"/>
+            <a:ext cx="2518189" cy="541508"/>
+            <a:chOff x="4186587" y="3254098"/>
+            <a:chExt cx="2518189" cy="541508"/>
+          </a:xfrm>
+        </p:grpSpPr>
+        <p:grpSp>
+          <p:nvGrpSpPr>
+            <p:cNvPr id="49" name="그룹 48"/>
+            <p:cNvGrpSpPr/>
+            <p:nvPr/>
+          </p:nvGrpSpPr>
+          <p:grpSpPr>
+            <a:xfrm>
+              <a:off x="4186587" y="3254098"/>
+              <a:ext cx="712648" cy="541508"/>
+              <a:chOff x="3115591" y="4405745"/>
+              <a:chExt cx="4089168" cy="3107176"/>
+            </a:xfrm>
+          </p:grpSpPr>
+          <p:sp>
+            <p:nvSpPr>
+              <p:cNvPr id="52" name="평행 사변형 51"/>
+              <p:cNvSpPr/>
+              <p:nvPr/>
+            </p:nvSpPr>
+            <p:spPr>
+              <a:xfrm>
+                <a:off x="3379408" y="4636717"/>
+                <a:ext cx="3825351" cy="2876204"/>
+              </a:xfrm>
+              <a:prstGeom prst="parallelogram">
+                <a:avLst/>
+              </a:prstGeom>
+              <a:solidFill>
+                <a:srgbClr val="6C5B7B"/>
+              </a:solidFill>
+              <a:ln>
+                <a:noFill/>
+              </a:ln>
+            </p:spPr>
+            <p:style>
+              <a:lnRef idx="2">
+                <a:schemeClr val="accent1">
+                  <a:shade val="50000"/>
+                </a:schemeClr>
+              </a:lnRef>
+              <a:fillRef idx="1">
+                <a:schemeClr val="accent1"/>
+              </a:fillRef>
+              <a:effectRef idx="0">
+                <a:schemeClr val="accent1"/>
+              </a:effectRef>
+              <a:fontRef idx="minor">
+                <a:schemeClr val="lt1"/>
+              </a:fontRef>
+            </p:style>
+            <p:txBody>
+              <a:bodyPr rtlCol="0" anchor="ctr"/>
+              <a:lstStyle/>
+              <a:p>
+                <a:pPr algn="ctr"/>
+                <a:endParaRPr lang="ko-KR" altLang="en-US"/>
+              </a:p>
+            </p:txBody>
+          </p:sp>
+          <p:sp>
+            <p:nvSpPr>
+              <p:cNvPr id="53" name="평행 사변형 52"/>
+              <p:cNvSpPr/>
+              <p:nvPr/>
+            </p:nvSpPr>
+            <p:spPr>
+              <a:xfrm>
+                <a:off x="3115591" y="4405745"/>
+                <a:ext cx="3825352" cy="2876204"/>
+              </a:xfrm>
+              <a:prstGeom prst="parallelogram">
+                <a:avLst/>
+              </a:prstGeom>
+              <a:solidFill>
+                <a:srgbClr val="F67280"/>
+              </a:solidFill>
+              <a:ln>
+                <a:noFill/>
+              </a:ln>
+            </p:spPr>
+            <p:style>
+              <a:lnRef idx="2">
+                <a:schemeClr val="accent1">
+                  <a:shade val="50000"/>
+                </a:schemeClr>
+              </a:lnRef>
+              <a:fillRef idx="1">
+                <a:schemeClr val="accent1"/>
+              </a:fillRef>
+              <a:effectRef idx="0">
+                <a:schemeClr val="accent1"/>
+              </a:effectRef>
+              <a:fontRef idx="minor">
+                <a:schemeClr val="lt1"/>
+              </a:fontRef>
+            </p:style>
+            <p:txBody>
+              <a:bodyPr rtlCol="0" anchor="ctr"/>
+              <a:lstStyle/>
+              <a:p>
+                <a:pPr algn="ctr"/>
+                <a:endParaRPr lang="ko-KR" altLang="en-US"/>
+              </a:p>
+            </p:txBody>
+          </p:sp>
+        </p:grpSp>
+        <p:sp>
+          <p:nvSpPr>
+            <p:cNvPr id="50" name="TextBox 49"/>
+            <p:cNvSpPr txBox="1"/>
+            <p:nvPr/>
+          </p:nvSpPr>
+          <p:spPr>
+            <a:xfrm>
+              <a:off x="5325872" y="3320059"/>
+              <a:ext cx="1378904" cy="369332"/>
+            </a:xfrm>
+            <a:prstGeom prst="rect">
+              <a:avLst/>
+            </a:prstGeom>
+            <a:noFill/>
+          </p:spPr>
+          <p:txBody>
+            <a:bodyPr wrap="none" rtlCol="0">
+              <a:spAutoFit/>
+            </a:bodyPr>
+            <a:lstStyle/>
+            <a:p>
+              <a:r>
+                <a:rPr lang="ko-KR" altLang="en-US" dirty="0" smtClean="0">
+                  <a:solidFill>
+                    <a:srgbClr val="6C5B7B"/>
+                  </a:solidFill>
+                  <a:latin typeface="KoPub돋움체 Medium" panose="02020603020101020101" pitchFamily="18" charset="-127"/>
+                  <a:ea typeface="KoPub돋움체 Medium" panose="02020603020101020101" pitchFamily="18" charset="-127"/>
+                </a:rPr>
+                <a:t>개발 툴</a:t>
+              </a:r>
+              <a:r>
+                <a:rPr lang="en-US" altLang="ko-KR" dirty="0" smtClean="0">
+                  <a:solidFill>
+                    <a:srgbClr val="6C5B7B"/>
+                  </a:solidFill>
+                  <a:latin typeface="KoPub돋움체 Medium" panose="02020603020101020101" pitchFamily="18" charset="-127"/>
+                  <a:ea typeface="KoPub돋움체 Medium" panose="02020603020101020101" pitchFamily="18" charset="-127"/>
+                </a:rPr>
+                <a:t>/</a:t>
+              </a:r>
+              <a:r>
+                <a:rPr lang="ko-KR" altLang="en-US" dirty="0" smtClean="0">
+                  <a:solidFill>
+                    <a:srgbClr val="6C5B7B"/>
+                  </a:solidFill>
+                  <a:latin typeface="KoPub돋움체 Medium" panose="02020603020101020101" pitchFamily="18" charset="-127"/>
+                  <a:ea typeface="KoPub돋움체 Medium" panose="02020603020101020101" pitchFamily="18" charset="-127"/>
+                </a:rPr>
+                <a:t>언어</a:t>
+              </a:r>
+              <a:endParaRPr lang="en-US" altLang="ko-KR" dirty="0" smtClean="0">
+                <a:solidFill>
+                  <a:srgbClr val="6C5B7B"/>
+                </a:solidFill>
+                <a:latin typeface="KoPub돋움체 Medium" panose="02020603020101020101" pitchFamily="18" charset="-127"/>
+                <a:ea typeface="KoPub돋움체 Medium" panose="02020603020101020101" pitchFamily="18" charset="-127"/>
+              </a:endParaRPr>
+            </a:p>
+          </p:txBody>
+        </p:sp>
+        <p:sp>
+          <p:nvSpPr>
+            <p:cNvPr id="51" name="TextBox 50"/>
+            <p:cNvSpPr txBox="1"/>
+            <p:nvPr/>
+          </p:nvSpPr>
+          <p:spPr>
+            <a:xfrm>
+              <a:off x="4312173" y="3334604"/>
+              <a:ext cx="415498" cy="338554"/>
+            </a:xfrm>
+            <a:prstGeom prst="rect">
+              <a:avLst/>
+            </a:prstGeom>
+            <a:noFill/>
+          </p:spPr>
+          <p:txBody>
+            <a:bodyPr wrap="none" rtlCol="0">
+              <a:spAutoFit/>
+            </a:bodyPr>
+            <a:lstStyle/>
+            <a:p>
+              <a:r>
+                <a:rPr lang="en-US" altLang="ko-KR" sz="1600" dirty="0" smtClean="0">
+                  <a:solidFill>
+                    <a:schemeClr val="bg1"/>
+                  </a:solidFill>
+                  <a:latin typeface="KoPub돋움체 Light" panose="02020603020101020101" pitchFamily="18" charset="-127"/>
+                  <a:ea typeface="KoPub돋움체 Light" panose="02020603020101020101" pitchFamily="18" charset="-127"/>
+                </a:rPr>
+                <a:t>02</a:t>
               </a:r>
               <a:endParaRPr lang="ko-KR" altLang="en-US" sz="1600" dirty="0">
                 <a:solidFill>
@@ -7407,262 +5881,32 @@
       </p:grpSpPr>
       <p:pic>
         <p:nvPicPr>
-          <p:cNvPr id="3080" name="Picture 8" descr="ëê° &amp;quot;Bugdroid&amp;quot;ë¥¼ ë§ë¤ìëì?"/>
-          <p:cNvPicPr>
-            <a:picLocks noChangeAspect="1" noChangeArrowheads="1"/>
-          </p:cNvPicPr>
-          <p:nvPr/>
-        </p:nvPicPr>
-        <p:blipFill>
-          <a:blip r:embed="rId2">
-            <a:clrChange>
-              <a:clrFrom>
-                <a:srgbClr val="F7F8F8"/>
-              </a:clrFrom>
-              <a:clrTo>
-                <a:srgbClr val="F7F8F8">
-                  <a:alpha val="0"/>
-                </a:srgbClr>
-              </a:clrTo>
-            </a:clrChange>
-            <a:extLst>
-              <a:ext uri="{28A0092B-C50C-407E-A947-70E740481C1C}">
-                <a14:useLocalDpi xmlns:a14="http://schemas.microsoft.com/office/drawing/2010/main" val="0"/>
-              </a:ext>
-            </a:extLst>
-          </a:blip>
-          <a:srcRect/>
-          <a:stretch>
-            <a:fillRect/>
-          </a:stretch>
-        </p:blipFill>
-        <p:spPr bwMode="auto">
-          <a:xfrm>
-            <a:off x="6507991" y="1315969"/>
-            <a:ext cx="6258440" cy="3739014"/>
-          </a:xfrm>
-          <a:prstGeom prst="rect">
-            <a:avLst/>
-          </a:prstGeom>
-          <a:noFill/>
-          <a:extLst>
-            <a:ext uri="{909E8E84-426E-40DD-AFC4-6F175D3DCCD1}">
-              <a14:hiddenFill xmlns:a14="http://schemas.microsoft.com/office/drawing/2010/main">
-                <a:solidFill>
-                  <a:srgbClr val="FFFFFF"/>
-                </a:solidFill>
-              </a14:hiddenFill>
-            </a:ext>
-          </a:extLst>
-        </p:spPr>
-      </p:pic>
-      <p:pic>
-        <p:nvPicPr>
-          <p:cNvPr id="3074" name="Picture 2" descr="ì§ì  ë§ëë ë¯¸ì¸ë¨¼ì§ ì¸¡ì ê¸° [ì°ì¬] 1/4"/>
-          <p:cNvPicPr>
-            <a:picLocks noChangeAspect="1" noChangeArrowheads="1"/>
-          </p:cNvPicPr>
-          <p:nvPr/>
-        </p:nvPicPr>
-        <p:blipFill>
-          <a:blip r:embed="rId3">
-            <a:extLst>
-              <a:ext uri="{28A0092B-C50C-407E-A947-70E740481C1C}">
-                <a14:useLocalDpi xmlns:a14="http://schemas.microsoft.com/office/drawing/2010/main" val="0"/>
-              </a:ext>
-            </a:extLst>
-          </a:blip>
-          <a:srcRect/>
-          <a:stretch>
-            <a:fillRect/>
-          </a:stretch>
-        </p:blipFill>
-        <p:spPr bwMode="auto">
-          <a:xfrm>
-            <a:off x="181146" y="1423034"/>
-            <a:ext cx="5308062" cy="3524885"/>
-          </a:xfrm>
-          <a:prstGeom prst="rect">
-            <a:avLst/>
-          </a:prstGeom>
-          <a:noFill/>
-          <a:extLst>
-            <a:ext uri="{909E8E84-426E-40DD-AFC4-6F175D3DCCD1}">
-              <a14:hiddenFill xmlns:a14="http://schemas.microsoft.com/office/drawing/2010/main">
-                <a:solidFill>
-                  <a:srgbClr val="FFFFFF"/>
-                </a:solidFill>
-              </a14:hiddenFill>
-            </a:ext>
-          </a:extLst>
-        </p:spPr>
-      </p:pic>
-      <p:pic>
-        <p:nvPicPr>
-          <p:cNvPr id="11" name="그림 10"/>
+          <p:cNvPr id="8" name="그림 7"/>
           <p:cNvPicPr>
             <a:picLocks noChangeAspect="1"/>
           </p:cNvPicPr>
           <p:nvPr/>
         </p:nvPicPr>
         <p:blipFill>
-          <a:blip r:embed="rId4" cstate="print">
-            <a:extLst>
-              <a:ext uri="{28A0092B-C50C-407E-A947-70E740481C1C}">
-                <a14:useLocalDpi xmlns:a14="http://schemas.microsoft.com/office/drawing/2010/main" val="0"/>
-              </a:ext>
-            </a:extLst>
-          </a:blip>
+          <a:blip r:embed="rId2"/>
           <a:stretch>
             <a:fillRect/>
           </a:stretch>
         </p:blipFill>
         <p:spPr>
           <a:xfrm>
-            <a:off x="0" y="-6415"/>
-            <a:ext cx="12192000" cy="6858000"/>
+            <a:off x="4290753" y="209374"/>
+            <a:ext cx="3610494" cy="6439252"/>
           </a:xfrm>
           <a:prstGeom prst="rect">
             <a:avLst/>
           </a:prstGeom>
         </p:spPr>
       </p:pic>
-      <p:sp>
-        <p:nvSpPr>
-          <p:cNvPr id="79" name="직사각형 78"/>
-          <p:cNvSpPr/>
-          <p:nvPr/>
-        </p:nvSpPr>
-        <p:spPr>
-          <a:xfrm>
-            <a:off x="11567828" y="2371"/>
-            <a:ext cx="624172" cy="624172"/>
-          </a:xfrm>
-          <a:prstGeom prst="rect">
-            <a:avLst/>
-          </a:prstGeom>
-          <a:solidFill>
-            <a:srgbClr val="355C7D"/>
-          </a:solidFill>
-        </p:spPr>
-        <p:style>
-          <a:lnRef idx="2">
-            <a:schemeClr val="accent1">
-              <a:shade val="50000"/>
-            </a:schemeClr>
-          </a:lnRef>
-          <a:fillRef idx="1">
-            <a:schemeClr val="accent1"/>
-          </a:fillRef>
-          <a:effectRef idx="0">
-            <a:schemeClr val="accent1"/>
-          </a:effectRef>
-          <a:fontRef idx="minor">
-            <a:schemeClr val="lt1"/>
-          </a:fontRef>
-        </p:style>
-        <p:txBody>
-          <a:bodyPr rtlCol="0" anchor="ctr"/>
-          <a:lstStyle/>
-          <a:p>
-            <a:pPr algn="ctr"/>
-            <a:endParaRPr lang="ko-KR" altLang="en-US"/>
-          </a:p>
-        </p:txBody>
-      </p:sp>
-      <p:sp>
-        <p:nvSpPr>
-          <p:cNvPr id="80" name="직각 삼각형 79"/>
-          <p:cNvSpPr/>
-          <p:nvPr/>
-        </p:nvSpPr>
-        <p:spPr>
-          <a:xfrm>
-            <a:off x="11567828" y="-6415"/>
-            <a:ext cx="624172" cy="642483"/>
-          </a:xfrm>
-          <a:prstGeom prst="rtTriangle">
-            <a:avLst/>
-          </a:prstGeom>
-          <a:solidFill>
-            <a:schemeClr val="bg1">
-              <a:lumMod val="75000"/>
-            </a:schemeClr>
-          </a:solidFill>
-          <a:ln>
-            <a:noFill/>
-          </a:ln>
-        </p:spPr>
-        <p:style>
-          <a:lnRef idx="2">
-            <a:schemeClr val="accent1">
-              <a:shade val="50000"/>
-            </a:schemeClr>
-          </a:lnRef>
-          <a:fillRef idx="1">
-            <a:schemeClr val="accent1"/>
-          </a:fillRef>
-          <a:effectRef idx="0">
-            <a:schemeClr val="accent1"/>
-          </a:effectRef>
-          <a:fontRef idx="minor">
-            <a:schemeClr val="lt1"/>
-          </a:fontRef>
-        </p:style>
-        <p:txBody>
-          <a:bodyPr rtlCol="0" anchor="ctr"/>
-          <a:lstStyle/>
-          <a:p>
-            <a:pPr algn="ctr"/>
-            <a:endParaRPr lang="ko-KR" altLang="en-US"/>
-          </a:p>
-        </p:txBody>
-      </p:sp>
-      <p:sp>
-        <p:nvSpPr>
-          <p:cNvPr id="2" name="직사각형 1"/>
-          <p:cNvSpPr/>
-          <p:nvPr/>
-        </p:nvSpPr>
-        <p:spPr>
-          <a:xfrm>
-            <a:off x="4815840" y="2699310"/>
-            <a:ext cx="2560320" cy="1446550"/>
-          </a:xfrm>
-          <a:prstGeom prst="rect">
-            <a:avLst/>
-          </a:prstGeom>
-        </p:spPr>
-        <p:txBody>
-          <a:bodyPr wrap="square">
-            <a:spAutoFit/>
-          </a:bodyPr>
-          <a:lstStyle/>
-          <a:p>
-            <a:r>
-              <a:rPr lang="ko-KR" altLang="en-US" sz="8800" dirty="0" smtClean="0">
-                <a:solidFill>
-                  <a:schemeClr val="bg1"/>
-                </a:solidFill>
-                <a:latin typeface="KoPub돋움체 Bold" panose="02020603020101020101" pitchFamily="18" charset="-127"/>
-                <a:ea typeface="KoPub돋움체 Bold" panose="02020603020101020101" pitchFamily="18" charset="-127"/>
-              </a:rPr>
-              <a:t>시 연</a:t>
-            </a:r>
-            <a:endParaRPr lang="ko-KR" altLang="en-US" sz="8800" dirty="0">
-              <a:solidFill>
-                <a:schemeClr val="bg1"/>
-              </a:solidFill>
-              <a:latin typeface="KoPub돋움체 Bold" panose="02020603020101020101" pitchFamily="18" charset="-127"/>
-              <a:ea typeface="KoPub돋움체 Bold" panose="02020603020101020101" pitchFamily="18" charset="-127"/>
-            </a:endParaRPr>
-          </a:p>
-        </p:txBody>
-      </p:sp>
     </p:spTree>
     <p:extLst>
       <p:ext uri="{BB962C8B-B14F-4D97-AF65-F5344CB8AC3E}">
-        <p14:creationId xmlns:p14="http://schemas.microsoft.com/office/powerpoint/2010/main" val="2293109900"/>
+        <p14:creationId xmlns:p14="http://schemas.microsoft.com/office/powerpoint/2010/main" val="669731534"/>
       </p:ext>
     </p:extLst>
   </p:cSld>
@@ -7696,212 +5940,1134 @@
           <a:chExt cx="0" cy="0"/>
         </a:xfrm>
       </p:grpSpPr>
-      <p:grpSp>
-        <p:nvGrpSpPr>
-          <p:cNvPr id="3" name="그룹 2"/>
-          <p:cNvGrpSpPr/>
+      <p:sp>
+        <p:nvSpPr>
+          <p:cNvPr id="8" name="TextBox 7"/>
+          <p:cNvSpPr txBox="1"/>
           <p:nvPr/>
-        </p:nvGrpSpPr>
-        <p:grpSpPr>
-          <a:xfrm>
-            <a:off x="175953" y="206639"/>
-            <a:ext cx="2034935" cy="541508"/>
-            <a:chOff x="4232564" y="2276508"/>
-            <a:chExt cx="2034935" cy="541508"/>
-          </a:xfrm>
-        </p:grpSpPr>
-        <p:grpSp>
-          <p:nvGrpSpPr>
-            <p:cNvPr id="4" name="그룹 3"/>
-            <p:cNvGrpSpPr/>
-            <p:nvPr/>
-          </p:nvGrpSpPr>
-          <p:grpSpPr>
-            <a:xfrm>
-              <a:off x="4232564" y="2276508"/>
-              <a:ext cx="712648" cy="541508"/>
-              <a:chOff x="3115591" y="4405745"/>
-              <a:chExt cx="4089168" cy="3107176"/>
-            </a:xfrm>
-          </p:grpSpPr>
-          <p:sp>
-            <p:nvSpPr>
-              <p:cNvPr id="7" name="평행 사변형 6"/>
-              <p:cNvSpPr/>
-              <p:nvPr/>
-            </p:nvSpPr>
-            <p:spPr>
-              <a:xfrm>
-                <a:off x="3379408" y="4636717"/>
-                <a:ext cx="3825351" cy="2876204"/>
-              </a:xfrm>
-              <a:prstGeom prst="parallelogram">
-                <a:avLst/>
-              </a:prstGeom>
-              <a:solidFill>
-                <a:srgbClr val="6C5B7B"/>
-              </a:solidFill>
-              <a:ln>
-                <a:noFill/>
-              </a:ln>
-            </p:spPr>
-            <p:style>
-              <a:lnRef idx="2">
-                <a:schemeClr val="accent1">
-                  <a:shade val="50000"/>
-                </a:schemeClr>
-              </a:lnRef>
-              <a:fillRef idx="1">
-                <a:schemeClr val="accent1"/>
-              </a:fillRef>
-              <a:effectRef idx="0">
-                <a:schemeClr val="accent1"/>
-              </a:effectRef>
-              <a:fontRef idx="minor">
-                <a:schemeClr val="lt1"/>
-              </a:fontRef>
-            </p:style>
-            <p:txBody>
-              <a:bodyPr rtlCol="0" anchor="ctr"/>
-              <a:lstStyle/>
-              <a:p>
-                <a:pPr algn="ctr"/>
-                <a:endParaRPr lang="ko-KR" altLang="en-US"/>
-              </a:p>
-            </p:txBody>
-          </p:sp>
-          <p:sp>
-            <p:nvSpPr>
-              <p:cNvPr id="8" name="평행 사변형 7"/>
-              <p:cNvSpPr/>
-              <p:nvPr/>
-            </p:nvSpPr>
-            <p:spPr>
-              <a:xfrm>
-                <a:off x="3115591" y="4405745"/>
-                <a:ext cx="3825352" cy="2876204"/>
-              </a:xfrm>
-              <a:prstGeom prst="parallelogram">
-                <a:avLst/>
-              </a:prstGeom>
-              <a:solidFill>
-                <a:srgbClr val="F67280"/>
-              </a:solidFill>
-              <a:ln>
-                <a:noFill/>
-              </a:ln>
-            </p:spPr>
-            <p:style>
-              <a:lnRef idx="2">
-                <a:schemeClr val="accent1">
-                  <a:shade val="50000"/>
-                </a:schemeClr>
-              </a:lnRef>
-              <a:fillRef idx="1">
-                <a:schemeClr val="accent1"/>
-              </a:fillRef>
-              <a:effectRef idx="0">
-                <a:schemeClr val="accent1"/>
-              </a:effectRef>
-              <a:fontRef idx="minor">
-                <a:schemeClr val="lt1"/>
-              </a:fontRef>
-            </p:style>
-            <p:txBody>
-              <a:bodyPr rtlCol="0" anchor="ctr"/>
-              <a:lstStyle/>
-              <a:p>
-                <a:pPr algn="ctr"/>
-                <a:endParaRPr lang="ko-KR" altLang="en-US"/>
-              </a:p>
-            </p:txBody>
-          </p:sp>
-        </p:grpSp>
-        <p:sp>
-          <p:nvSpPr>
-            <p:cNvPr id="5" name="TextBox 4"/>
-            <p:cNvSpPr txBox="1"/>
-            <p:nvPr/>
-          </p:nvSpPr>
-          <p:spPr>
-            <a:xfrm>
-              <a:off x="5201181" y="2327080"/>
-              <a:ext cx="1066318" cy="400110"/>
-            </a:xfrm>
-            <a:prstGeom prst="rect">
-              <a:avLst/>
-            </a:prstGeom>
+        </p:nvSpPr>
+        <p:spPr>
+          <a:xfrm>
+            <a:off x="4537364" y="2875002"/>
+            <a:ext cx="3117273" cy="1107996"/>
+          </a:xfrm>
+          <a:prstGeom prst="rect">
+            <a:avLst/>
+          </a:prstGeom>
+          <a:noFill/>
+        </p:spPr>
+        <p:txBody>
+          <a:bodyPr wrap="square" rtlCol="0">
+            <a:spAutoFit/>
+          </a:bodyPr>
+          <a:lstStyle/>
+          <a:p>
+            <a:r>
+              <a:rPr lang="ko-KR" altLang="en-US" sz="6600" dirty="0" err="1" smtClean="0">
+                <a:latin typeface="KoPubWorld돋움체 Bold" panose="00000800000000000000" pitchFamily="2" charset="-127"/>
+                <a:ea typeface="KoPubWorld돋움체 Bold" panose="00000800000000000000" pitchFamily="2" charset="-127"/>
+                <a:cs typeface="KoPubWorld돋움체 Bold" panose="00000800000000000000" pitchFamily="2" charset="-127"/>
+              </a:rPr>
+              <a:t>종료온도</a:t>
+            </a:r>
+            <a:endParaRPr lang="ko-KR" altLang="en-US" sz="6600" dirty="0">
+              <a:latin typeface="KoPubWorld돋움체 Bold" panose="00000800000000000000" pitchFamily="2" charset="-127"/>
+              <a:ea typeface="KoPubWorld돋움체 Bold" panose="00000800000000000000" pitchFamily="2" charset="-127"/>
+              <a:cs typeface="KoPubWorld돋움체 Bold" panose="00000800000000000000" pitchFamily="2" charset="-127"/>
+            </a:endParaRPr>
+          </a:p>
+        </p:txBody>
+      </p:sp>
+    </p:spTree>
+    <p:extLst>
+      <p:ext uri="{BB962C8B-B14F-4D97-AF65-F5344CB8AC3E}">
+        <p14:creationId xmlns:p14="http://schemas.microsoft.com/office/powerpoint/2010/main" val="953339767"/>
+      </p:ext>
+    </p:extLst>
+  </p:cSld>
+  <p:clrMapOvr>
+    <a:masterClrMapping/>
+  </p:clrMapOvr>
+  <p:timing>
+    <p:tnLst>
+      <p:par>
+        <p:cTn id="1" dur="indefinite" restart="never" nodeType="tmRoot"/>
+      </p:par>
+    </p:tnLst>
+  </p:timing>
+</p:sld>
+</file>
+
+<file path=ppt/slides/slide22.xml><?xml version="1.0" encoding="utf-8"?>
+<p:sld xmlns:a="http://schemas.openxmlformats.org/drawingml/2006/main" xmlns:r="http://schemas.openxmlformats.org/officeDocument/2006/relationships" xmlns:p="http://schemas.openxmlformats.org/presentationml/2006/main">
+  <p:cSld>
+    <p:spTree>
+      <p:nvGrpSpPr>
+        <p:cNvPr id="1" name=""/>
+        <p:cNvGrpSpPr/>
+        <p:nvPr/>
+      </p:nvGrpSpPr>
+      <p:grpSpPr>
+        <a:xfrm>
+          <a:off x="0" y="0"/>
+          <a:ext cx="0" cy="0"/>
+          <a:chOff x="0" y="0"/>
+          <a:chExt cx="0" cy="0"/>
+        </a:xfrm>
+      </p:grpSpPr>
+      <p:pic>
+        <p:nvPicPr>
+          <p:cNvPr id="9" name="그림 8"/>
+          <p:cNvPicPr>
+            <a:picLocks noChangeAspect="1"/>
+          </p:cNvPicPr>
+          <p:nvPr/>
+        </p:nvPicPr>
+        <p:blipFill>
+          <a:blip r:embed="rId2"/>
+          <a:stretch>
+            <a:fillRect/>
+          </a:stretch>
+        </p:blipFill>
+        <p:spPr>
+          <a:xfrm>
+            <a:off x="4281271" y="166565"/>
+            <a:ext cx="3629459" cy="6524870"/>
+          </a:xfrm>
+          <a:prstGeom prst="rect">
+            <a:avLst/>
+          </a:prstGeom>
+        </p:spPr>
+      </p:pic>
+    </p:spTree>
+    <p:extLst>
+      <p:ext uri="{BB962C8B-B14F-4D97-AF65-F5344CB8AC3E}">
+        <p14:creationId xmlns:p14="http://schemas.microsoft.com/office/powerpoint/2010/main" val="2738186380"/>
+      </p:ext>
+    </p:extLst>
+  </p:cSld>
+  <p:clrMapOvr>
+    <a:masterClrMapping/>
+  </p:clrMapOvr>
+  <p:timing>
+    <p:tnLst>
+      <p:par>
+        <p:cTn id="1" dur="indefinite" restart="never" nodeType="tmRoot"/>
+      </p:par>
+    </p:tnLst>
+  </p:timing>
+</p:sld>
+</file>
+
+<file path=ppt/slides/slide23.xml><?xml version="1.0" encoding="utf-8"?>
+<p:sld xmlns:a="http://schemas.openxmlformats.org/drawingml/2006/main" xmlns:r="http://schemas.openxmlformats.org/officeDocument/2006/relationships" xmlns:p="http://schemas.openxmlformats.org/presentationml/2006/main">
+  <p:cSld>
+    <p:spTree>
+      <p:nvGrpSpPr>
+        <p:cNvPr id="1" name=""/>
+        <p:cNvGrpSpPr/>
+        <p:nvPr/>
+      </p:nvGrpSpPr>
+      <p:grpSpPr>
+        <a:xfrm>
+          <a:off x="0" y="0"/>
+          <a:ext cx="0" cy="0"/>
+          <a:chOff x="0" y="0"/>
+          <a:chExt cx="0" cy="0"/>
+        </a:xfrm>
+      </p:grpSpPr>
+      <p:sp>
+        <p:nvSpPr>
+          <p:cNvPr id="8" name="TextBox 7"/>
+          <p:cNvSpPr txBox="1"/>
+          <p:nvPr/>
+        </p:nvSpPr>
+        <p:spPr>
+          <a:xfrm>
+            <a:off x="4537364" y="2875002"/>
+            <a:ext cx="3117273" cy="1107996"/>
+          </a:xfrm>
+          <a:prstGeom prst="rect">
+            <a:avLst/>
+          </a:prstGeom>
+          <a:noFill/>
+        </p:spPr>
+        <p:txBody>
+          <a:bodyPr wrap="square" rtlCol="0">
+            <a:spAutoFit/>
+          </a:bodyPr>
+          <a:lstStyle/>
+          <a:p>
+            <a:r>
+              <a:rPr lang="ko-KR" altLang="en-US" sz="6600" dirty="0" smtClean="0">
+                <a:latin typeface="KoPubWorld돋움체 Bold" panose="00000800000000000000" pitchFamily="2" charset="-127"/>
+                <a:ea typeface="KoPubWorld돋움체 Bold" panose="00000800000000000000" pitchFamily="2" charset="-127"/>
+                <a:cs typeface="KoPubWorld돋움체 Bold" panose="00000800000000000000" pitchFamily="2" charset="-127"/>
+              </a:rPr>
+              <a:t>업데이트</a:t>
+            </a:r>
+            <a:endParaRPr lang="ko-KR" altLang="en-US" sz="6600" dirty="0">
+              <a:latin typeface="KoPubWorld돋움체 Bold" panose="00000800000000000000" pitchFamily="2" charset="-127"/>
+              <a:ea typeface="KoPubWorld돋움체 Bold" panose="00000800000000000000" pitchFamily="2" charset="-127"/>
+              <a:cs typeface="KoPubWorld돋움체 Bold" panose="00000800000000000000" pitchFamily="2" charset="-127"/>
+            </a:endParaRPr>
+          </a:p>
+        </p:txBody>
+      </p:sp>
+    </p:spTree>
+    <p:extLst>
+      <p:ext uri="{BB962C8B-B14F-4D97-AF65-F5344CB8AC3E}">
+        <p14:creationId xmlns:p14="http://schemas.microsoft.com/office/powerpoint/2010/main" val="2155386988"/>
+      </p:ext>
+    </p:extLst>
+  </p:cSld>
+  <p:clrMapOvr>
+    <a:masterClrMapping/>
+  </p:clrMapOvr>
+  <p:timing>
+    <p:tnLst>
+      <p:par>
+        <p:cTn id="1" dur="indefinite" restart="never" nodeType="tmRoot"/>
+      </p:par>
+    </p:tnLst>
+  </p:timing>
+</p:sld>
+</file>
+
+<file path=ppt/slides/slide24.xml><?xml version="1.0" encoding="utf-8"?>
+<p:sld xmlns:a="http://schemas.openxmlformats.org/drawingml/2006/main" xmlns:r="http://schemas.openxmlformats.org/officeDocument/2006/relationships" xmlns:p="http://schemas.openxmlformats.org/presentationml/2006/main">
+  <p:cSld>
+    <p:spTree>
+      <p:nvGrpSpPr>
+        <p:cNvPr id="1" name=""/>
+        <p:cNvGrpSpPr/>
+        <p:nvPr/>
+      </p:nvGrpSpPr>
+      <p:grpSpPr>
+        <a:xfrm>
+          <a:off x="0" y="0"/>
+          <a:ext cx="0" cy="0"/>
+          <a:chOff x="0" y="0"/>
+          <a:chExt cx="0" cy="0"/>
+        </a:xfrm>
+      </p:grpSpPr>
+      <p:pic>
+        <p:nvPicPr>
+          <p:cNvPr id="10" name="그림 9"/>
+          <p:cNvPicPr>
+            <a:picLocks noChangeAspect="1"/>
+          </p:cNvPicPr>
+          <p:nvPr/>
+        </p:nvPicPr>
+        <p:blipFill>
+          <a:blip r:embed="rId2"/>
+          <a:stretch>
+            <a:fillRect/>
+          </a:stretch>
+        </p:blipFill>
+        <p:spPr>
+          <a:xfrm>
+            <a:off x="4291143" y="209199"/>
+            <a:ext cx="3609715" cy="6439603"/>
+          </a:xfrm>
+          <a:prstGeom prst="rect">
+            <a:avLst/>
+          </a:prstGeom>
+        </p:spPr>
+      </p:pic>
+    </p:spTree>
+    <p:extLst>
+      <p:ext uri="{BB962C8B-B14F-4D97-AF65-F5344CB8AC3E}">
+        <p14:creationId xmlns:p14="http://schemas.microsoft.com/office/powerpoint/2010/main" val="3421306445"/>
+      </p:ext>
+    </p:extLst>
+  </p:cSld>
+  <p:clrMapOvr>
+    <a:masterClrMapping/>
+  </p:clrMapOvr>
+  <p:timing>
+    <p:tnLst>
+      <p:par>
+        <p:cTn id="1" dur="indefinite" restart="never" nodeType="tmRoot"/>
+      </p:par>
+    </p:tnLst>
+  </p:timing>
+</p:sld>
+</file>
+
+<file path=ppt/slides/slide25.xml><?xml version="1.0" encoding="utf-8"?>
+<p:sld xmlns:a="http://schemas.openxmlformats.org/drawingml/2006/main" xmlns:r="http://schemas.openxmlformats.org/officeDocument/2006/relationships" xmlns:p="http://schemas.openxmlformats.org/presentationml/2006/main">
+  <p:cSld>
+    <p:spTree>
+      <p:nvGrpSpPr>
+        <p:cNvPr id="1" name=""/>
+        <p:cNvGrpSpPr/>
+        <p:nvPr/>
+      </p:nvGrpSpPr>
+      <p:grpSpPr>
+        <a:xfrm>
+          <a:off x="0" y="0"/>
+          <a:ext cx="0" cy="0"/>
+          <a:chOff x="0" y="0"/>
+          <a:chExt cx="0" cy="0"/>
+        </a:xfrm>
+      </p:grpSpPr>
+      <p:sp>
+        <p:nvSpPr>
+          <p:cNvPr id="8" name="TextBox 7"/>
+          <p:cNvSpPr txBox="1"/>
+          <p:nvPr/>
+        </p:nvSpPr>
+        <p:spPr>
+          <a:xfrm>
+            <a:off x="4537364" y="2875002"/>
+            <a:ext cx="3117273" cy="1107996"/>
+          </a:xfrm>
+          <a:prstGeom prst="rect">
+            <a:avLst/>
+          </a:prstGeom>
+          <a:noFill/>
+        </p:spPr>
+        <p:txBody>
+          <a:bodyPr wrap="square" rtlCol="0">
+            <a:spAutoFit/>
+          </a:bodyPr>
+          <a:lstStyle/>
+          <a:p>
+            <a:pPr algn="ctr"/>
+            <a:r>
+              <a:rPr lang="ko-KR" altLang="en-US" sz="6600" dirty="0" smtClean="0">
+                <a:latin typeface="KoPubWorld돋움체 Bold" panose="00000800000000000000" pitchFamily="2" charset="-127"/>
+                <a:ea typeface="KoPubWorld돋움체 Bold" panose="00000800000000000000" pitchFamily="2" charset="-127"/>
+                <a:cs typeface="KoPubWorld돋움체 Bold" panose="00000800000000000000" pitchFamily="2" charset="-127"/>
+              </a:rPr>
+              <a:t>도움말</a:t>
+            </a:r>
+            <a:endParaRPr lang="ko-KR" altLang="en-US" sz="6600" dirty="0">
+              <a:latin typeface="KoPubWorld돋움체 Bold" panose="00000800000000000000" pitchFamily="2" charset="-127"/>
+              <a:ea typeface="KoPubWorld돋움체 Bold" panose="00000800000000000000" pitchFamily="2" charset="-127"/>
+              <a:cs typeface="KoPubWorld돋움체 Bold" panose="00000800000000000000" pitchFamily="2" charset="-127"/>
+            </a:endParaRPr>
+          </a:p>
+        </p:txBody>
+      </p:sp>
+    </p:spTree>
+    <p:extLst>
+      <p:ext uri="{BB962C8B-B14F-4D97-AF65-F5344CB8AC3E}">
+        <p14:creationId xmlns:p14="http://schemas.microsoft.com/office/powerpoint/2010/main" val="3193727258"/>
+      </p:ext>
+    </p:extLst>
+  </p:cSld>
+  <p:clrMapOvr>
+    <a:masterClrMapping/>
+  </p:clrMapOvr>
+  <p:timing>
+    <p:tnLst>
+      <p:par>
+        <p:cTn id="1" dur="indefinite" restart="never" nodeType="tmRoot"/>
+      </p:par>
+    </p:tnLst>
+  </p:timing>
+</p:sld>
+</file>
+
+<file path=ppt/slides/slide26.xml><?xml version="1.0" encoding="utf-8"?>
+<p:sld xmlns:a="http://schemas.openxmlformats.org/drawingml/2006/main" xmlns:r="http://schemas.openxmlformats.org/officeDocument/2006/relationships" xmlns:p="http://schemas.openxmlformats.org/presentationml/2006/main">
+  <p:cSld>
+    <p:spTree>
+      <p:nvGrpSpPr>
+        <p:cNvPr id="1" name=""/>
+        <p:cNvGrpSpPr/>
+        <p:nvPr/>
+      </p:nvGrpSpPr>
+      <p:grpSpPr>
+        <a:xfrm>
+          <a:off x="0" y="0"/>
+          <a:ext cx="0" cy="0"/>
+          <a:chOff x="0" y="0"/>
+          <a:chExt cx="0" cy="0"/>
+        </a:xfrm>
+      </p:grpSpPr>
+      <p:pic>
+        <p:nvPicPr>
+          <p:cNvPr id="8" name="그림 7"/>
+          <p:cNvPicPr>
+            <a:picLocks noChangeAspect="1"/>
+          </p:cNvPicPr>
+          <p:nvPr/>
+        </p:nvPicPr>
+        <p:blipFill>
+          <a:blip r:embed="rId2"/>
+          <a:stretch>
+            <a:fillRect/>
+          </a:stretch>
+        </p:blipFill>
+        <p:spPr>
+          <a:xfrm>
+            <a:off x="4348942" y="313153"/>
+            <a:ext cx="3494117" cy="6231695"/>
+          </a:xfrm>
+          <a:prstGeom prst="rect">
+            <a:avLst/>
+          </a:prstGeom>
+        </p:spPr>
+      </p:pic>
+    </p:spTree>
+    <p:extLst>
+      <p:ext uri="{BB962C8B-B14F-4D97-AF65-F5344CB8AC3E}">
+        <p14:creationId xmlns:p14="http://schemas.microsoft.com/office/powerpoint/2010/main" val="2027731967"/>
+      </p:ext>
+    </p:extLst>
+  </p:cSld>
+  <p:clrMapOvr>
+    <a:masterClrMapping/>
+  </p:clrMapOvr>
+  <p:timing>
+    <p:tnLst>
+      <p:par>
+        <p:cTn id="1" dur="indefinite" restart="never" nodeType="tmRoot"/>
+      </p:par>
+    </p:tnLst>
+  </p:timing>
+</p:sld>
+</file>
+
+<file path=ppt/slides/slide27.xml><?xml version="1.0" encoding="utf-8"?>
+<p:sld xmlns:a="http://schemas.openxmlformats.org/drawingml/2006/main" xmlns:r="http://schemas.openxmlformats.org/officeDocument/2006/relationships" xmlns:p="http://schemas.openxmlformats.org/presentationml/2006/main">
+  <p:cSld>
+    <p:spTree>
+      <p:nvGrpSpPr>
+        <p:cNvPr id="1" name=""/>
+        <p:cNvGrpSpPr/>
+        <p:nvPr/>
+      </p:nvGrpSpPr>
+      <p:grpSpPr>
+        <a:xfrm>
+          <a:off x="0" y="0"/>
+          <a:ext cx="0" cy="0"/>
+          <a:chOff x="0" y="0"/>
+          <a:chExt cx="0" cy="0"/>
+        </a:xfrm>
+      </p:grpSpPr>
+      <p:sp>
+        <p:nvSpPr>
+          <p:cNvPr id="5" name="평행 사변형 4"/>
+          <p:cNvSpPr/>
+          <p:nvPr/>
+        </p:nvSpPr>
+        <p:spPr>
+          <a:xfrm>
+            <a:off x="-5098104" y="-93134"/>
+            <a:ext cx="9672941" cy="7272867"/>
+          </a:xfrm>
+          <a:prstGeom prst="parallelogram">
+            <a:avLst/>
+          </a:prstGeom>
+          <a:solidFill>
+            <a:srgbClr val="F67280"/>
+          </a:solidFill>
+          <a:ln>
             <a:noFill/>
-          </p:spPr>
-          <p:txBody>
-            <a:bodyPr wrap="none" rtlCol="0">
-              <a:spAutoFit/>
-            </a:bodyPr>
-            <a:lstStyle/>
-            <a:p>
-              <a:r>
-                <a:rPr lang="ko-KR" altLang="en-US" sz="2000" dirty="0" smtClean="0">
-                  <a:solidFill>
-                    <a:srgbClr val="6C5B7B"/>
-                  </a:solidFill>
-                  <a:latin typeface="KoPub돋움체 Bold" panose="02020603020101020101" pitchFamily="18" charset="-127"/>
-                  <a:ea typeface="KoPub돋움체 Bold" panose="02020603020101020101" pitchFamily="18" charset="-127"/>
-                </a:rPr>
-                <a:t>기대효과</a:t>
-              </a:r>
-              <a:endParaRPr lang="ko-KR" altLang="en-US" sz="2000" dirty="0">
+          </a:ln>
+        </p:spPr>
+        <p:style>
+          <a:lnRef idx="2">
+            <a:schemeClr val="accent1">
+              <a:shade val="50000"/>
+            </a:schemeClr>
+          </a:lnRef>
+          <a:fillRef idx="1">
+            <a:schemeClr val="accent1"/>
+          </a:fillRef>
+          <a:effectRef idx="0">
+            <a:schemeClr val="accent1"/>
+          </a:effectRef>
+          <a:fontRef idx="minor">
+            <a:schemeClr val="lt1"/>
+          </a:fontRef>
+        </p:style>
+        <p:txBody>
+          <a:bodyPr rtlCol="0" anchor="ctr"/>
+          <a:lstStyle/>
+          <a:p>
+            <a:pPr algn="ctr"/>
+            <a:endParaRPr lang="ko-KR" altLang="en-US"/>
+          </a:p>
+        </p:txBody>
+      </p:sp>
+      <p:sp>
+        <p:nvSpPr>
+          <p:cNvPr id="6" name="TextBox 5"/>
+          <p:cNvSpPr txBox="1"/>
+          <p:nvPr/>
+        </p:nvSpPr>
+        <p:spPr>
+          <a:xfrm>
+            <a:off x="4792133" y="2881579"/>
+            <a:ext cx="3137397" cy="1323439"/>
+          </a:xfrm>
+          <a:prstGeom prst="rect">
+            <a:avLst/>
+          </a:prstGeom>
+          <a:noFill/>
+        </p:spPr>
+        <p:txBody>
+          <a:bodyPr wrap="none" rtlCol="0">
+            <a:spAutoFit/>
+          </a:bodyPr>
+          <a:lstStyle/>
+          <a:p>
+            <a:r>
+              <a:rPr lang="en-US" altLang="ko-KR" sz="8000" b="1" dirty="0">
+                <a:latin typeface="KoPubWorld돋움체 Bold" panose="00000800000000000000" pitchFamily="2" charset="-127"/>
+                <a:ea typeface="KoPubWorld돋움체 Bold" panose="00000800000000000000" pitchFamily="2" charset="-127"/>
+                <a:cs typeface="KoPubWorld돋움체 Bold" panose="00000800000000000000" pitchFamily="2" charset="-127"/>
+              </a:rPr>
+              <a:t>6</a:t>
+            </a:r>
+            <a:r>
+              <a:rPr lang="en-US" altLang="ko-KR" sz="8000" b="1" dirty="0" smtClean="0">
+                <a:latin typeface="KoPubWorld돋움체 Bold" panose="00000800000000000000" pitchFamily="2" charset="-127"/>
+                <a:ea typeface="KoPubWorld돋움체 Bold" panose="00000800000000000000" pitchFamily="2" charset="-127"/>
+                <a:cs typeface="KoPubWorld돋움체 Bold" panose="00000800000000000000" pitchFamily="2" charset="-127"/>
+              </a:rPr>
+              <a:t>. </a:t>
+            </a:r>
+            <a:r>
+              <a:rPr lang="ko-KR" altLang="en-US" sz="8000" b="1" dirty="0" smtClean="0">
+                <a:latin typeface="KoPubWorld돋움체 Bold" panose="00000800000000000000" pitchFamily="2" charset="-127"/>
+                <a:ea typeface="KoPubWorld돋움체 Bold" panose="00000800000000000000" pitchFamily="2" charset="-127"/>
+                <a:cs typeface="KoPubWorld돋움체 Bold" panose="00000800000000000000" pitchFamily="2" charset="-127"/>
+              </a:rPr>
+              <a:t>시연</a:t>
+            </a:r>
+            <a:endParaRPr lang="en-US" altLang="ko-KR" sz="8000" b="1" dirty="0" smtClean="0">
+              <a:latin typeface="KoPubWorld돋움체 Bold" panose="00000800000000000000" pitchFamily="2" charset="-127"/>
+              <a:ea typeface="KoPubWorld돋움체 Bold" panose="00000800000000000000" pitchFamily="2" charset="-127"/>
+              <a:cs typeface="KoPubWorld돋움체 Bold" panose="00000800000000000000" pitchFamily="2" charset="-127"/>
+            </a:endParaRPr>
+          </a:p>
+        </p:txBody>
+      </p:sp>
+    </p:spTree>
+    <p:extLst>
+      <p:ext uri="{BB962C8B-B14F-4D97-AF65-F5344CB8AC3E}">
+        <p14:creationId xmlns:p14="http://schemas.microsoft.com/office/powerpoint/2010/main" val="3695207147"/>
+      </p:ext>
+    </p:extLst>
+  </p:cSld>
+  <p:clrMapOvr>
+    <a:masterClrMapping/>
+  </p:clrMapOvr>
+</p:sld>
+</file>
+
+<file path=ppt/slides/slide28.xml><?xml version="1.0" encoding="utf-8"?>
+<p:sld xmlns:a="http://schemas.openxmlformats.org/drawingml/2006/main" xmlns:r="http://schemas.openxmlformats.org/officeDocument/2006/relationships" xmlns:p="http://schemas.openxmlformats.org/presentationml/2006/main">
+  <p:cSld>
+    <p:spTree>
+      <p:nvGrpSpPr>
+        <p:cNvPr id="1" name=""/>
+        <p:cNvGrpSpPr/>
+        <p:nvPr/>
+      </p:nvGrpSpPr>
+      <p:grpSpPr>
+        <a:xfrm>
+          <a:off x="0" y="0"/>
+          <a:ext cx="0" cy="0"/>
+          <a:chOff x="0" y="0"/>
+          <a:chExt cx="0" cy="0"/>
+        </a:xfrm>
+      </p:grpSpPr>
+      <p:pic>
+        <p:nvPicPr>
+          <p:cNvPr id="3080" name="Picture 8" descr="ëê° &amp;quot;Bugdroid&amp;quot;ë¥¼ ë§ë¤ìëì?"/>
+          <p:cNvPicPr>
+            <a:picLocks noChangeAspect="1" noChangeArrowheads="1"/>
+          </p:cNvPicPr>
+          <p:nvPr/>
+        </p:nvPicPr>
+        <p:blipFill>
+          <a:blip r:embed="rId2">
+            <a:clrChange>
+              <a:clrFrom>
+                <a:srgbClr val="F7F8F8"/>
+              </a:clrFrom>
+              <a:clrTo>
+                <a:srgbClr val="F7F8F8">
+                  <a:alpha val="0"/>
+                </a:srgbClr>
+              </a:clrTo>
+            </a:clrChange>
+            <a:extLst>
+              <a:ext uri="{28A0092B-C50C-407E-A947-70E740481C1C}">
+                <a14:useLocalDpi xmlns:a14="http://schemas.microsoft.com/office/drawing/2010/main" val="0"/>
+              </a:ext>
+            </a:extLst>
+          </a:blip>
+          <a:srcRect/>
+          <a:stretch>
+            <a:fillRect/>
+          </a:stretch>
+        </p:blipFill>
+        <p:spPr bwMode="auto">
+          <a:xfrm>
+            <a:off x="6507991" y="1315969"/>
+            <a:ext cx="6258440" cy="3739014"/>
+          </a:xfrm>
+          <a:prstGeom prst="rect">
+            <a:avLst/>
+          </a:prstGeom>
+          <a:noFill/>
+          <a:extLst>
+            <a:ext uri="{909E8E84-426E-40DD-AFC4-6F175D3DCCD1}">
+              <a14:hiddenFill xmlns:a14="http://schemas.microsoft.com/office/drawing/2010/main">
                 <a:solidFill>
-                  <a:srgbClr val="6C5B7B"/>
+                  <a:srgbClr val="FFFFFF"/>
+                </a:solidFill>
+              </a14:hiddenFill>
+            </a:ext>
+          </a:extLst>
+        </p:spPr>
+      </p:pic>
+      <p:pic>
+        <p:nvPicPr>
+          <p:cNvPr id="3074" name="Picture 2" descr="ì§ì  ë§ëë ë¯¸ì¸ë¨¼ì§ ì¸¡ì ê¸° [ì°ì¬] 1/4"/>
+          <p:cNvPicPr>
+            <a:picLocks noChangeAspect="1" noChangeArrowheads="1"/>
+          </p:cNvPicPr>
+          <p:nvPr/>
+        </p:nvPicPr>
+        <p:blipFill>
+          <a:blip r:embed="rId3">
+            <a:extLst>
+              <a:ext uri="{28A0092B-C50C-407E-A947-70E740481C1C}">
+                <a14:useLocalDpi xmlns:a14="http://schemas.microsoft.com/office/drawing/2010/main" val="0"/>
+              </a:ext>
+            </a:extLst>
+          </a:blip>
+          <a:srcRect/>
+          <a:stretch>
+            <a:fillRect/>
+          </a:stretch>
+        </p:blipFill>
+        <p:spPr bwMode="auto">
+          <a:xfrm>
+            <a:off x="181146" y="1423034"/>
+            <a:ext cx="5308062" cy="3524885"/>
+          </a:xfrm>
+          <a:prstGeom prst="rect">
+            <a:avLst/>
+          </a:prstGeom>
+          <a:noFill/>
+          <a:extLst>
+            <a:ext uri="{909E8E84-426E-40DD-AFC4-6F175D3DCCD1}">
+              <a14:hiddenFill xmlns:a14="http://schemas.microsoft.com/office/drawing/2010/main">
+                <a:solidFill>
+                  <a:srgbClr val="FFFFFF"/>
+                </a:solidFill>
+              </a14:hiddenFill>
+            </a:ext>
+          </a:extLst>
+        </p:spPr>
+      </p:pic>
+      <p:pic>
+        <p:nvPicPr>
+          <p:cNvPr id="11" name="그림 10"/>
+          <p:cNvPicPr>
+            <a:picLocks noChangeAspect="1"/>
+          </p:cNvPicPr>
+          <p:nvPr/>
+        </p:nvPicPr>
+        <p:blipFill>
+          <a:blip r:embed="rId4" cstate="print">
+            <a:extLst>
+              <a:ext uri="{28A0092B-C50C-407E-A947-70E740481C1C}">
+                <a14:useLocalDpi xmlns:a14="http://schemas.microsoft.com/office/drawing/2010/main" val="0"/>
+              </a:ext>
+            </a:extLst>
+          </a:blip>
+          <a:stretch>
+            <a:fillRect/>
+          </a:stretch>
+        </p:blipFill>
+        <p:spPr>
+          <a:xfrm>
+            <a:off x="0" y="-6415"/>
+            <a:ext cx="12192000" cy="6858000"/>
+          </a:xfrm>
+          <a:prstGeom prst="rect">
+            <a:avLst/>
+          </a:prstGeom>
+        </p:spPr>
+      </p:pic>
+      <p:sp>
+        <p:nvSpPr>
+          <p:cNvPr id="79" name="직사각형 78"/>
+          <p:cNvSpPr/>
+          <p:nvPr/>
+        </p:nvSpPr>
+        <p:spPr>
+          <a:xfrm>
+            <a:off x="11567828" y="2371"/>
+            <a:ext cx="624172" cy="624172"/>
+          </a:xfrm>
+          <a:prstGeom prst="rect">
+            <a:avLst/>
+          </a:prstGeom>
+          <a:solidFill>
+            <a:srgbClr val="355C7D"/>
+          </a:solidFill>
+        </p:spPr>
+        <p:style>
+          <a:lnRef idx="2">
+            <a:schemeClr val="accent1">
+              <a:shade val="50000"/>
+            </a:schemeClr>
+          </a:lnRef>
+          <a:fillRef idx="1">
+            <a:schemeClr val="accent1"/>
+          </a:fillRef>
+          <a:effectRef idx="0">
+            <a:schemeClr val="accent1"/>
+          </a:effectRef>
+          <a:fontRef idx="minor">
+            <a:schemeClr val="lt1"/>
+          </a:fontRef>
+        </p:style>
+        <p:txBody>
+          <a:bodyPr rtlCol="0" anchor="ctr"/>
+          <a:lstStyle/>
+          <a:p>
+            <a:pPr algn="ctr"/>
+            <a:endParaRPr lang="ko-KR" altLang="en-US"/>
+          </a:p>
+        </p:txBody>
+      </p:sp>
+      <p:sp>
+        <p:nvSpPr>
+          <p:cNvPr id="80" name="직각 삼각형 79"/>
+          <p:cNvSpPr/>
+          <p:nvPr/>
+        </p:nvSpPr>
+        <p:spPr>
+          <a:xfrm>
+            <a:off x="11567828" y="-6415"/>
+            <a:ext cx="624172" cy="642483"/>
+          </a:xfrm>
+          <a:prstGeom prst="rtTriangle">
+            <a:avLst/>
+          </a:prstGeom>
+          <a:solidFill>
+            <a:schemeClr val="bg1">
+              <a:lumMod val="75000"/>
+            </a:schemeClr>
+          </a:solidFill>
+          <a:ln>
+            <a:noFill/>
+          </a:ln>
+        </p:spPr>
+        <p:style>
+          <a:lnRef idx="2">
+            <a:schemeClr val="accent1">
+              <a:shade val="50000"/>
+            </a:schemeClr>
+          </a:lnRef>
+          <a:fillRef idx="1">
+            <a:schemeClr val="accent1"/>
+          </a:fillRef>
+          <a:effectRef idx="0">
+            <a:schemeClr val="accent1"/>
+          </a:effectRef>
+          <a:fontRef idx="minor">
+            <a:schemeClr val="lt1"/>
+          </a:fontRef>
+        </p:style>
+        <p:txBody>
+          <a:bodyPr rtlCol="0" anchor="ctr"/>
+          <a:lstStyle/>
+          <a:p>
+            <a:pPr algn="ctr"/>
+            <a:endParaRPr lang="ko-KR" altLang="en-US"/>
+          </a:p>
+        </p:txBody>
+      </p:sp>
+      <p:sp>
+        <p:nvSpPr>
+          <p:cNvPr id="2" name="직사각형 1"/>
+          <p:cNvSpPr/>
+          <p:nvPr/>
+        </p:nvSpPr>
+        <p:spPr>
+          <a:xfrm>
+            <a:off x="0" y="2028617"/>
+            <a:ext cx="12192000" cy="2800767"/>
+          </a:xfrm>
+          <a:prstGeom prst="rect">
+            <a:avLst/>
+          </a:prstGeom>
+        </p:spPr>
+        <p:txBody>
+          <a:bodyPr wrap="square">
+            <a:spAutoFit/>
+          </a:bodyPr>
+          <a:lstStyle/>
+          <a:p>
+            <a:pPr algn="ctr"/>
+            <a:r>
+              <a:rPr lang="ko-KR" altLang="en-US" sz="8800" dirty="0" smtClean="0">
+                <a:solidFill>
+                  <a:schemeClr val="bg1"/>
                 </a:solidFill>
                 <a:latin typeface="KoPub돋움체 Bold" panose="02020603020101020101" pitchFamily="18" charset="-127"/>
                 <a:ea typeface="KoPub돋움체 Bold" panose="02020603020101020101" pitchFamily="18" charset="-127"/>
-              </a:endParaRPr>
-            </a:p>
-          </p:txBody>
-        </p:sp>
-        <p:sp>
-          <p:nvSpPr>
-            <p:cNvPr id="6" name="TextBox 5"/>
-            <p:cNvSpPr txBox="1"/>
-            <p:nvPr/>
-          </p:nvSpPr>
-          <p:spPr>
-            <a:xfrm>
-              <a:off x="4358150" y="2357858"/>
-              <a:ext cx="418704" cy="338554"/>
-            </a:xfrm>
-            <a:prstGeom prst="rect">
-              <a:avLst/>
-            </a:prstGeom>
-            <a:noFill/>
-          </p:spPr>
-          <p:txBody>
-            <a:bodyPr wrap="none" rtlCol="0">
-              <a:spAutoFit/>
-            </a:bodyPr>
-            <a:lstStyle/>
-            <a:p>
-              <a:r>
-                <a:rPr lang="en-US" altLang="ko-KR" sz="1600" dirty="0" smtClean="0">
-                  <a:solidFill>
-                    <a:schemeClr val="bg1"/>
-                  </a:solidFill>
-                  <a:latin typeface="KoPub돋움체 Light" panose="02020603020101020101" pitchFamily="18" charset="-127"/>
-                  <a:ea typeface="KoPub돋움체 Light" panose="02020603020101020101" pitchFamily="18" charset="-127"/>
-                </a:rPr>
-                <a:t>06</a:t>
-              </a:r>
-              <a:endParaRPr lang="ko-KR" altLang="en-US" sz="1600" dirty="0">
+              </a:rPr>
+              <a:t>시 </a:t>
+            </a:r>
+            <a:r>
+              <a:rPr lang="ko-KR" altLang="en-US" sz="8800" dirty="0" smtClean="0">
                 <a:solidFill>
                   <a:schemeClr val="bg1"/>
                 </a:solidFill>
-                <a:latin typeface="KoPub돋움체 Light" panose="02020603020101020101" pitchFamily="18" charset="-127"/>
-                <a:ea typeface="KoPub돋움체 Light" panose="02020603020101020101" pitchFamily="18" charset="-127"/>
-              </a:endParaRPr>
-            </a:p>
-          </p:txBody>
-        </p:sp>
-      </p:grpSp>
+                <a:latin typeface="KoPub돋움체 Bold" panose="02020603020101020101" pitchFamily="18" charset="-127"/>
+                <a:ea typeface="KoPub돋움체 Bold" panose="02020603020101020101" pitchFamily="18" charset="-127"/>
+              </a:rPr>
+              <a:t>연</a:t>
+            </a:r>
+            <a:endParaRPr lang="en-US" altLang="ko-KR" sz="8800" dirty="0" smtClean="0">
+              <a:solidFill>
+                <a:schemeClr val="bg1"/>
+              </a:solidFill>
+              <a:latin typeface="KoPub돋움체 Bold" panose="02020603020101020101" pitchFamily="18" charset="-127"/>
+              <a:ea typeface="KoPub돋움체 Bold" panose="02020603020101020101" pitchFamily="18" charset="-127"/>
+            </a:endParaRPr>
+          </a:p>
+          <a:p>
+            <a:pPr algn="ctr"/>
+            <a:r>
+              <a:rPr lang="en-US" altLang="ko-KR" sz="8800" dirty="0" smtClean="0">
+                <a:solidFill>
+                  <a:schemeClr val="bg1"/>
+                </a:solidFill>
+                <a:latin typeface="KoPub돋움체 Bold" panose="02020603020101020101" pitchFamily="18" charset="-127"/>
+                <a:ea typeface="KoPub돋움체 Bold" panose="02020603020101020101" pitchFamily="18" charset="-127"/>
+              </a:rPr>
+              <a:t>(</a:t>
+            </a:r>
+            <a:r>
+              <a:rPr lang="ko-KR" altLang="en-US" sz="8800" dirty="0" smtClean="0">
+                <a:solidFill>
+                  <a:schemeClr val="bg1"/>
+                </a:solidFill>
+                <a:latin typeface="KoPub돋움체 Bold" panose="02020603020101020101" pitchFamily="18" charset="-127"/>
+                <a:ea typeface="KoPub돋움체 Bold" panose="02020603020101020101" pitchFamily="18" charset="-127"/>
+              </a:rPr>
+              <a:t>영상 넣기</a:t>
+            </a:r>
+            <a:r>
+              <a:rPr lang="en-US" altLang="ko-KR" sz="8800" dirty="0" smtClean="0">
+                <a:solidFill>
+                  <a:schemeClr val="bg1"/>
+                </a:solidFill>
+                <a:latin typeface="KoPub돋움체 Bold" panose="02020603020101020101" pitchFamily="18" charset="-127"/>
+                <a:ea typeface="KoPub돋움체 Bold" panose="02020603020101020101" pitchFamily="18" charset="-127"/>
+              </a:rPr>
+              <a:t>)</a:t>
+            </a:r>
+            <a:endParaRPr lang="ko-KR" altLang="en-US" sz="8800" dirty="0">
+              <a:solidFill>
+                <a:schemeClr val="bg1"/>
+              </a:solidFill>
+              <a:latin typeface="KoPub돋움체 Bold" panose="02020603020101020101" pitchFamily="18" charset="-127"/>
+              <a:ea typeface="KoPub돋움체 Bold" panose="02020603020101020101" pitchFamily="18" charset="-127"/>
+            </a:endParaRPr>
+          </a:p>
+        </p:txBody>
+      </p:sp>
+    </p:spTree>
+    <p:extLst>
+      <p:ext uri="{BB962C8B-B14F-4D97-AF65-F5344CB8AC3E}">
+        <p14:creationId xmlns:p14="http://schemas.microsoft.com/office/powerpoint/2010/main" val="2293109900"/>
+      </p:ext>
+    </p:extLst>
+  </p:cSld>
+  <p:clrMapOvr>
+    <a:masterClrMapping/>
+  </p:clrMapOvr>
+  <p:timing>
+    <p:tnLst>
+      <p:par>
+        <p:cTn id="1" dur="indefinite" restart="never" nodeType="tmRoot"/>
+      </p:par>
+    </p:tnLst>
+  </p:timing>
+</p:sld>
+</file>
+
+<file path=ppt/slides/slide29.xml><?xml version="1.0" encoding="utf-8"?>
+<p:sld xmlns:a="http://schemas.openxmlformats.org/drawingml/2006/main" xmlns:r="http://schemas.openxmlformats.org/officeDocument/2006/relationships" xmlns:p="http://schemas.openxmlformats.org/presentationml/2006/main">
+  <p:cSld>
+    <p:spTree>
+      <p:nvGrpSpPr>
+        <p:cNvPr id="1" name=""/>
+        <p:cNvGrpSpPr/>
+        <p:nvPr/>
+      </p:nvGrpSpPr>
+      <p:grpSpPr>
+        <a:xfrm>
+          <a:off x="0" y="0"/>
+          <a:ext cx="0" cy="0"/>
+          <a:chOff x="0" y="0"/>
+          <a:chExt cx="0" cy="0"/>
+        </a:xfrm>
+      </p:grpSpPr>
+      <p:sp>
+        <p:nvSpPr>
+          <p:cNvPr id="5" name="평행 사변형 4"/>
+          <p:cNvSpPr/>
+          <p:nvPr/>
+        </p:nvSpPr>
+        <p:spPr>
+          <a:xfrm>
+            <a:off x="-5098104" y="-93134"/>
+            <a:ext cx="9672941" cy="7272867"/>
+          </a:xfrm>
+          <a:prstGeom prst="parallelogram">
+            <a:avLst/>
+          </a:prstGeom>
+          <a:solidFill>
+            <a:srgbClr val="F67280"/>
+          </a:solidFill>
+          <a:ln>
+            <a:noFill/>
+          </a:ln>
+        </p:spPr>
+        <p:style>
+          <a:lnRef idx="2">
+            <a:schemeClr val="accent1">
+              <a:shade val="50000"/>
+            </a:schemeClr>
+          </a:lnRef>
+          <a:fillRef idx="1">
+            <a:schemeClr val="accent1"/>
+          </a:fillRef>
+          <a:effectRef idx="0">
+            <a:schemeClr val="accent1"/>
+          </a:effectRef>
+          <a:fontRef idx="minor">
+            <a:schemeClr val="lt1"/>
+          </a:fontRef>
+        </p:style>
+        <p:txBody>
+          <a:bodyPr rtlCol="0" anchor="ctr"/>
+          <a:lstStyle/>
+          <a:p>
+            <a:pPr algn="ctr"/>
+            <a:endParaRPr lang="ko-KR" altLang="en-US"/>
+          </a:p>
+        </p:txBody>
+      </p:sp>
+      <p:sp>
+        <p:nvSpPr>
+          <p:cNvPr id="6" name="TextBox 5"/>
+          <p:cNvSpPr txBox="1"/>
+          <p:nvPr/>
+        </p:nvSpPr>
+        <p:spPr>
+          <a:xfrm>
+            <a:off x="4792133" y="2881579"/>
+            <a:ext cx="5224507" cy="1323439"/>
+          </a:xfrm>
+          <a:prstGeom prst="rect">
+            <a:avLst/>
+          </a:prstGeom>
+          <a:noFill/>
+        </p:spPr>
+        <p:txBody>
+          <a:bodyPr wrap="none" rtlCol="0">
+            <a:spAutoFit/>
+          </a:bodyPr>
+          <a:lstStyle/>
+          <a:p>
+            <a:r>
+              <a:rPr lang="en-US" altLang="ko-KR" sz="8000" b="1" dirty="0">
+                <a:latin typeface="KoPubWorld돋움체 Bold" panose="00000800000000000000" pitchFamily="2" charset="-127"/>
+                <a:ea typeface="KoPubWorld돋움체 Bold" panose="00000800000000000000" pitchFamily="2" charset="-127"/>
+                <a:cs typeface="KoPubWorld돋움체 Bold" panose="00000800000000000000" pitchFamily="2" charset="-127"/>
+              </a:rPr>
+              <a:t>7</a:t>
+            </a:r>
+            <a:r>
+              <a:rPr lang="en-US" altLang="ko-KR" sz="8000" b="1" dirty="0" smtClean="0">
+                <a:latin typeface="KoPubWorld돋움체 Bold" panose="00000800000000000000" pitchFamily="2" charset="-127"/>
+                <a:ea typeface="KoPubWorld돋움체 Bold" panose="00000800000000000000" pitchFamily="2" charset="-127"/>
+                <a:cs typeface="KoPubWorld돋움체 Bold" panose="00000800000000000000" pitchFamily="2" charset="-127"/>
+              </a:rPr>
+              <a:t>. </a:t>
+            </a:r>
+            <a:r>
+              <a:rPr lang="ko-KR" altLang="en-US" sz="8000" b="1" dirty="0" smtClean="0">
+                <a:latin typeface="KoPubWorld돋움체 Bold" panose="00000800000000000000" pitchFamily="2" charset="-127"/>
+                <a:ea typeface="KoPubWorld돋움체 Bold" panose="00000800000000000000" pitchFamily="2" charset="-127"/>
+                <a:cs typeface="KoPubWorld돋움체 Bold" panose="00000800000000000000" pitchFamily="2" charset="-127"/>
+              </a:rPr>
+              <a:t>기대 효과</a:t>
+            </a:r>
+            <a:endParaRPr lang="en-US" altLang="ko-KR" sz="8000" b="1" dirty="0" smtClean="0">
+              <a:latin typeface="KoPubWorld돋움체 Bold" panose="00000800000000000000" pitchFamily="2" charset="-127"/>
+              <a:ea typeface="KoPubWorld돋움체 Bold" panose="00000800000000000000" pitchFamily="2" charset="-127"/>
+              <a:cs typeface="KoPubWorld돋움체 Bold" panose="00000800000000000000" pitchFamily="2" charset="-127"/>
+            </a:endParaRPr>
+          </a:p>
+        </p:txBody>
+      </p:sp>
+    </p:spTree>
+    <p:extLst>
+      <p:ext uri="{BB962C8B-B14F-4D97-AF65-F5344CB8AC3E}">
+        <p14:creationId xmlns:p14="http://schemas.microsoft.com/office/powerpoint/2010/main" val="4055712183"/>
+      </p:ext>
+    </p:extLst>
+  </p:cSld>
+  <p:clrMapOvr>
+    <a:masterClrMapping/>
+  </p:clrMapOvr>
+</p:sld>
+</file>
+
+<file path=ppt/slides/slide3.xml><?xml version="1.0" encoding="utf-8"?>
+<p:sld xmlns:a="http://schemas.openxmlformats.org/drawingml/2006/main" xmlns:r="http://schemas.openxmlformats.org/officeDocument/2006/relationships" xmlns:p="http://schemas.openxmlformats.org/presentationml/2006/main">
+  <p:cSld>
+    <p:spTree>
+      <p:nvGrpSpPr>
+        <p:cNvPr id="1" name=""/>
+        <p:cNvGrpSpPr/>
+        <p:nvPr/>
+      </p:nvGrpSpPr>
+      <p:grpSpPr>
+        <a:xfrm>
+          <a:off x="0" y="0"/>
+          <a:ext cx="0" cy="0"/>
+          <a:chOff x="0" y="0"/>
+          <a:chExt cx="0" cy="0"/>
+        </a:xfrm>
+      </p:grpSpPr>
+      <p:sp>
+        <p:nvSpPr>
+          <p:cNvPr id="5" name="평행 사변형 4"/>
+          <p:cNvSpPr/>
+          <p:nvPr/>
+        </p:nvSpPr>
+        <p:spPr>
+          <a:xfrm>
+            <a:off x="-5098104" y="-93134"/>
+            <a:ext cx="9672941" cy="7272867"/>
+          </a:xfrm>
+          <a:prstGeom prst="parallelogram">
+            <a:avLst/>
+          </a:prstGeom>
+          <a:solidFill>
+            <a:srgbClr val="F67280"/>
+          </a:solidFill>
+          <a:ln>
+            <a:noFill/>
+          </a:ln>
+        </p:spPr>
+        <p:style>
+          <a:lnRef idx="2">
+            <a:schemeClr val="accent1">
+              <a:shade val="50000"/>
+            </a:schemeClr>
+          </a:lnRef>
+          <a:fillRef idx="1">
+            <a:schemeClr val="accent1"/>
+          </a:fillRef>
+          <a:effectRef idx="0">
+            <a:schemeClr val="accent1"/>
+          </a:effectRef>
+          <a:fontRef idx="minor">
+            <a:schemeClr val="lt1"/>
+          </a:fontRef>
+        </p:style>
+        <p:txBody>
+          <a:bodyPr rtlCol="0" anchor="ctr"/>
+          <a:lstStyle/>
+          <a:p>
+            <a:pPr algn="ctr"/>
+            <a:endParaRPr lang="ko-KR" altLang="en-US"/>
+          </a:p>
+        </p:txBody>
+      </p:sp>
+      <p:sp>
+        <p:nvSpPr>
+          <p:cNvPr id="6" name="TextBox 5"/>
+          <p:cNvSpPr txBox="1"/>
+          <p:nvPr/>
+        </p:nvSpPr>
+        <p:spPr>
+          <a:xfrm>
+            <a:off x="4792133" y="2881579"/>
+            <a:ext cx="5445722" cy="1323439"/>
+          </a:xfrm>
+          <a:prstGeom prst="rect">
+            <a:avLst/>
+          </a:prstGeom>
+          <a:noFill/>
+        </p:spPr>
+        <p:txBody>
+          <a:bodyPr wrap="none" rtlCol="0">
+            <a:spAutoFit/>
+          </a:bodyPr>
+          <a:lstStyle/>
+          <a:p>
+            <a:pPr marL="1371600" indent="-1371600">
+              <a:buAutoNum type="arabicPeriod"/>
+            </a:pPr>
+            <a:r>
+              <a:rPr lang="ko-KR" altLang="en-US" sz="8000" b="1" dirty="0" smtClean="0">
+                <a:latin typeface="KoPubWorld돋움체 Bold" panose="00000800000000000000" pitchFamily="2" charset="-127"/>
+                <a:ea typeface="KoPubWorld돋움체 Bold" panose="00000800000000000000" pitchFamily="2" charset="-127"/>
+                <a:cs typeface="KoPubWorld돋움체 Bold" panose="00000800000000000000" pitchFamily="2" charset="-127"/>
+              </a:rPr>
+              <a:t>팀원 역할</a:t>
+            </a:r>
+            <a:endParaRPr lang="en-US" altLang="ko-KR" sz="8000" b="1" dirty="0" smtClean="0">
+              <a:latin typeface="KoPubWorld돋움체 Bold" panose="00000800000000000000" pitchFamily="2" charset="-127"/>
+              <a:ea typeface="KoPubWorld돋움체 Bold" panose="00000800000000000000" pitchFamily="2" charset="-127"/>
+              <a:cs typeface="KoPubWorld돋움체 Bold" panose="00000800000000000000" pitchFamily="2" charset="-127"/>
+            </a:endParaRPr>
+          </a:p>
+        </p:txBody>
+      </p:sp>
+    </p:spTree>
+    <p:extLst>
+      <p:ext uri="{BB962C8B-B14F-4D97-AF65-F5344CB8AC3E}">
+        <p14:creationId xmlns:p14="http://schemas.microsoft.com/office/powerpoint/2010/main" val="697046208"/>
+      </p:ext>
+    </p:extLst>
+  </p:cSld>
+  <p:clrMapOvr>
+    <a:masterClrMapping/>
+  </p:clrMapOvr>
+</p:sld>
+</file>
+
+<file path=ppt/slides/slide30.xml><?xml version="1.0" encoding="utf-8"?>
+<p:sld xmlns:a="http://schemas.openxmlformats.org/drawingml/2006/main" xmlns:r="http://schemas.openxmlformats.org/officeDocument/2006/relationships" xmlns:p="http://schemas.openxmlformats.org/presentationml/2006/main">
+  <p:cSld>
+    <p:spTree>
+      <p:nvGrpSpPr>
+        <p:cNvPr id="1" name=""/>
+        <p:cNvGrpSpPr/>
+        <p:nvPr/>
+      </p:nvGrpSpPr>
+      <p:grpSpPr>
+        <a:xfrm>
+          <a:off x="0" y="0"/>
+          <a:ext cx="0" cy="0"/>
+          <a:chOff x="0" y="0"/>
+          <a:chExt cx="0" cy="0"/>
+        </a:xfrm>
+      </p:grpSpPr>
       <p:sp>
         <p:nvSpPr>
           <p:cNvPr id="79" name="직사각형 78"/>
@@ -8052,7 +7218,7 @@
 </p:sld>
 </file>
 
-<file path=ppt/slides/slide22.xml><?xml version="1.0" encoding="utf-8"?>
+<file path=ppt/slides/slide31.xml><?xml version="1.0" encoding="utf-8"?>
 <p:sld xmlns:a="http://schemas.openxmlformats.org/drawingml/2006/main" xmlns:r="http://schemas.openxmlformats.org/officeDocument/2006/relationships" xmlns:p="http://schemas.openxmlformats.org/presentationml/2006/main">
   <p:cSld>
     <p:spTree>
@@ -8250,7 +7416,7 @@
 </p:sld>
 </file>
 
-<file path=ppt/slides/slide23.xml><?xml version="1.0" encoding="utf-8"?>
+<file path=ppt/slides/slide32.xml><?xml version="1.0" encoding="utf-8"?>
 <p:sld xmlns:a="http://schemas.openxmlformats.org/drawingml/2006/main" xmlns:r="http://schemas.openxmlformats.org/officeDocument/2006/relationships" xmlns:p="http://schemas.openxmlformats.org/presentationml/2006/main">
   <p:cSld>
     <p:spTree>
@@ -8375,7 +7541,7 @@
 </p:sld>
 </file>
 
-<file path=ppt/slides/slide3.xml><?xml version="1.0" encoding="utf-8"?>
+<file path=ppt/slides/slide4.xml><?xml version="1.0" encoding="utf-8"?>
 <p:sld xmlns:a="http://schemas.openxmlformats.org/drawingml/2006/main" xmlns:r="http://schemas.openxmlformats.org/officeDocument/2006/relationships" xmlns:p="http://schemas.openxmlformats.org/presentationml/2006/main">
   <p:cSld>
     <p:spTree>
@@ -8392,212 +7558,6 @@
           <a:chExt cx="0" cy="0"/>
         </a:xfrm>
       </p:grpSpPr>
-      <p:grpSp>
-        <p:nvGrpSpPr>
-          <p:cNvPr id="3" name="그룹 2"/>
-          <p:cNvGrpSpPr/>
-          <p:nvPr/>
-        </p:nvGrpSpPr>
-        <p:grpSpPr>
-          <a:xfrm>
-            <a:off x="175953" y="206639"/>
-            <a:ext cx="1876238" cy="541508"/>
-            <a:chOff x="4232564" y="2276508"/>
-            <a:chExt cx="1876238" cy="541508"/>
-          </a:xfrm>
-        </p:grpSpPr>
-        <p:grpSp>
-          <p:nvGrpSpPr>
-            <p:cNvPr id="4" name="그룹 3"/>
-            <p:cNvGrpSpPr/>
-            <p:nvPr/>
-          </p:nvGrpSpPr>
-          <p:grpSpPr>
-            <a:xfrm>
-              <a:off x="4232564" y="2276508"/>
-              <a:ext cx="712648" cy="541508"/>
-              <a:chOff x="3115591" y="4405745"/>
-              <a:chExt cx="4089168" cy="3107176"/>
-            </a:xfrm>
-          </p:grpSpPr>
-          <p:sp>
-            <p:nvSpPr>
-              <p:cNvPr id="7" name="평행 사변형 6"/>
-              <p:cNvSpPr/>
-              <p:nvPr/>
-            </p:nvSpPr>
-            <p:spPr>
-              <a:xfrm>
-                <a:off x="3379408" y="4636717"/>
-                <a:ext cx="3825351" cy="2876204"/>
-              </a:xfrm>
-              <a:prstGeom prst="parallelogram">
-                <a:avLst/>
-              </a:prstGeom>
-              <a:solidFill>
-                <a:srgbClr val="6C5B7B"/>
-              </a:solidFill>
-              <a:ln>
-                <a:noFill/>
-              </a:ln>
-            </p:spPr>
-            <p:style>
-              <a:lnRef idx="2">
-                <a:schemeClr val="accent1">
-                  <a:shade val="50000"/>
-                </a:schemeClr>
-              </a:lnRef>
-              <a:fillRef idx="1">
-                <a:schemeClr val="accent1"/>
-              </a:fillRef>
-              <a:effectRef idx="0">
-                <a:schemeClr val="accent1"/>
-              </a:effectRef>
-              <a:fontRef idx="minor">
-                <a:schemeClr val="lt1"/>
-              </a:fontRef>
-            </p:style>
-            <p:txBody>
-              <a:bodyPr rtlCol="0" anchor="ctr"/>
-              <a:lstStyle/>
-              <a:p>
-                <a:pPr algn="ctr"/>
-                <a:endParaRPr lang="ko-KR" altLang="en-US"/>
-              </a:p>
-            </p:txBody>
-          </p:sp>
-          <p:sp>
-            <p:nvSpPr>
-              <p:cNvPr id="8" name="평행 사변형 7"/>
-              <p:cNvSpPr/>
-              <p:nvPr/>
-            </p:nvSpPr>
-            <p:spPr>
-              <a:xfrm>
-                <a:off x="3115591" y="4405745"/>
-                <a:ext cx="3825352" cy="2876204"/>
-              </a:xfrm>
-              <a:prstGeom prst="parallelogram">
-                <a:avLst/>
-              </a:prstGeom>
-              <a:solidFill>
-                <a:srgbClr val="F67280"/>
-              </a:solidFill>
-              <a:ln>
-                <a:noFill/>
-              </a:ln>
-            </p:spPr>
-            <p:style>
-              <a:lnRef idx="2">
-                <a:schemeClr val="accent1">
-                  <a:shade val="50000"/>
-                </a:schemeClr>
-              </a:lnRef>
-              <a:fillRef idx="1">
-                <a:schemeClr val="accent1"/>
-              </a:fillRef>
-              <a:effectRef idx="0">
-                <a:schemeClr val="accent1"/>
-              </a:effectRef>
-              <a:fontRef idx="minor">
-                <a:schemeClr val="lt1"/>
-              </a:fontRef>
-            </p:style>
-            <p:txBody>
-              <a:bodyPr rtlCol="0" anchor="ctr"/>
-              <a:lstStyle/>
-              <a:p>
-                <a:pPr algn="ctr"/>
-                <a:endParaRPr lang="ko-KR" altLang="en-US"/>
-              </a:p>
-            </p:txBody>
-          </p:sp>
-        </p:grpSp>
-        <p:sp>
-          <p:nvSpPr>
-            <p:cNvPr id="5" name="TextBox 4"/>
-            <p:cNvSpPr txBox="1"/>
-            <p:nvPr/>
-          </p:nvSpPr>
-          <p:spPr>
-            <a:xfrm>
-              <a:off x="5201181" y="2327080"/>
-              <a:ext cx="907621" cy="400110"/>
-            </a:xfrm>
-            <a:prstGeom prst="rect">
-              <a:avLst/>
-            </a:prstGeom>
-            <a:noFill/>
-          </p:spPr>
-          <p:txBody>
-            <a:bodyPr wrap="none" rtlCol="0">
-              <a:spAutoFit/>
-            </a:bodyPr>
-            <a:lstStyle/>
-            <a:p>
-              <a:r>
-                <a:rPr lang="ko-KR" altLang="en-US" sz="2000" dirty="0" smtClean="0">
-                  <a:solidFill>
-                    <a:srgbClr val="6C5B7B"/>
-                  </a:solidFill>
-                  <a:latin typeface="KoPub돋움체 Bold" panose="02020603020101020101" pitchFamily="18" charset="-127"/>
-                  <a:ea typeface="KoPub돋움체 Bold" panose="02020603020101020101" pitchFamily="18" charset="-127"/>
-                </a:rPr>
-                <a:t>팀 설명</a:t>
-              </a:r>
-              <a:endParaRPr lang="ko-KR" altLang="en-US" sz="2000" dirty="0">
-                <a:solidFill>
-                  <a:srgbClr val="6C5B7B"/>
-                </a:solidFill>
-                <a:latin typeface="KoPub돋움체 Bold" panose="02020603020101020101" pitchFamily="18" charset="-127"/>
-                <a:ea typeface="KoPub돋움체 Bold" panose="02020603020101020101" pitchFamily="18" charset="-127"/>
-              </a:endParaRPr>
-            </a:p>
-          </p:txBody>
-        </p:sp>
-        <p:sp>
-          <p:nvSpPr>
-            <p:cNvPr id="6" name="TextBox 5"/>
-            <p:cNvSpPr txBox="1"/>
-            <p:nvPr/>
-          </p:nvSpPr>
-          <p:spPr>
-            <a:xfrm>
-              <a:off x="4358150" y="2357858"/>
-              <a:ext cx="415498" cy="338554"/>
-            </a:xfrm>
-            <a:prstGeom prst="rect">
-              <a:avLst/>
-            </a:prstGeom>
-            <a:noFill/>
-          </p:spPr>
-          <p:txBody>
-            <a:bodyPr wrap="none" rtlCol="0">
-              <a:spAutoFit/>
-            </a:bodyPr>
-            <a:lstStyle/>
-            <a:p>
-              <a:r>
-                <a:rPr lang="en-US" altLang="ko-KR" sz="1600" dirty="0" smtClean="0">
-                  <a:solidFill>
-                    <a:schemeClr val="bg1"/>
-                  </a:solidFill>
-                  <a:latin typeface="KoPub돋움체 Light" panose="02020603020101020101" pitchFamily="18" charset="-127"/>
-                  <a:ea typeface="KoPub돋움체 Light" panose="02020603020101020101" pitchFamily="18" charset="-127"/>
-                </a:rPr>
-                <a:t>01</a:t>
-              </a:r>
-              <a:endParaRPr lang="ko-KR" altLang="en-US" sz="1600" dirty="0">
-                <a:solidFill>
-                  <a:schemeClr val="bg1"/>
-                </a:solidFill>
-                <a:latin typeface="KoPub돋움체 Light" panose="02020603020101020101" pitchFamily="18" charset="-127"/>
-                <a:ea typeface="KoPub돋움체 Light" panose="02020603020101020101" pitchFamily="18" charset="-127"/>
-              </a:endParaRPr>
-            </a:p>
-          </p:txBody>
-        </p:sp>
-      </p:grpSp>
       <p:sp>
         <p:nvSpPr>
           <p:cNvPr id="10" name="TextBox 9"/>
@@ -8606,49 +7566,7 @@
         </p:nvSpPr>
         <p:spPr>
           <a:xfrm>
-            <a:off x="2082273" y="3154607"/>
-            <a:ext cx="962123" cy="369332"/>
-          </a:xfrm>
-          <a:prstGeom prst="rect">
-            <a:avLst/>
-          </a:prstGeom>
-          <a:noFill/>
-        </p:spPr>
-        <p:txBody>
-          <a:bodyPr wrap="none" rtlCol="0">
-            <a:spAutoFit/>
-          </a:bodyPr>
-          <a:lstStyle/>
-          <a:p>
-            <a:r>
-              <a:rPr lang="en-US" altLang="ko-KR" dirty="0" smtClean="0">
-                <a:solidFill>
-                  <a:schemeClr val="bg1"/>
-                </a:solidFill>
-                <a:latin typeface="KoPub돋움체 Bold" panose="02020603020101020101" pitchFamily="18" charset="-127"/>
-                <a:ea typeface="KoPub돋움체 Bold" panose="02020603020101020101" pitchFamily="18" charset="-127"/>
-              </a:rPr>
-              <a:t>Subject</a:t>
-            </a:r>
-            <a:endParaRPr lang="ko-KR" altLang="en-US" dirty="0">
-              <a:solidFill>
-                <a:schemeClr val="bg1"/>
-              </a:solidFill>
-              <a:latin typeface="KoPub돋움체 Bold" panose="02020603020101020101" pitchFamily="18" charset="-127"/>
-              <a:ea typeface="KoPub돋움체 Bold" panose="02020603020101020101" pitchFamily="18" charset="-127"/>
-            </a:endParaRPr>
-          </a:p>
-        </p:txBody>
-      </p:sp>
-      <p:sp>
-        <p:nvSpPr>
-          <p:cNvPr id="23" name="TextBox 22"/>
-          <p:cNvSpPr txBox="1"/>
-          <p:nvPr/>
-        </p:nvSpPr>
-        <p:spPr>
-          <a:xfrm>
-            <a:off x="4332251" y="3154607"/>
+            <a:off x="2679249" y="2934473"/>
             <a:ext cx="962123" cy="369332"/>
           </a:xfrm>
           <a:prstGeom prst="rect">
@@ -8779,7 +7697,7 @@
         </p:nvSpPr>
         <p:spPr>
           <a:xfrm>
-            <a:off x="1736251" y="1627972"/>
+            <a:off x="1741546" y="1210861"/>
             <a:ext cx="1283677" cy="1283677"/>
           </a:xfrm>
           <a:prstGeom prst="ellipse">
@@ -8819,7 +7737,7 @@
         </p:nvSpPr>
         <p:spPr>
           <a:xfrm>
-            <a:off x="4249260" y="1629831"/>
+            <a:off x="4559436" y="1210861"/>
             <a:ext cx="1283677" cy="1283677"/>
           </a:xfrm>
           <a:prstGeom prst="ellipse">
@@ -8859,7 +7777,7 @@
         </p:nvSpPr>
         <p:spPr>
           <a:xfrm>
-            <a:off x="6822392" y="1629832"/>
+            <a:off x="7377326" y="1210861"/>
             <a:ext cx="1283677" cy="1283677"/>
           </a:xfrm>
           <a:prstGeom prst="ellipse">
@@ -8899,7 +7817,7 @@
         </p:nvSpPr>
         <p:spPr>
           <a:xfrm>
-            <a:off x="9097905" y="1627972"/>
+            <a:off x="10195216" y="1210861"/>
             <a:ext cx="1283677" cy="1283677"/>
           </a:xfrm>
           <a:prstGeom prst="ellipse">
@@ -8942,8 +7860,8 @@
         </p:nvSpPr>
         <p:spPr>
           <a:xfrm>
-            <a:off x="1987597" y="3043563"/>
-            <a:ext cx="780983" cy="369332"/>
+            <a:off x="1826981" y="2549605"/>
+            <a:ext cx="1112805" cy="523220"/>
           </a:xfrm>
           <a:prstGeom prst="rect">
             <a:avLst/>
@@ -8957,12 +7875,12 @@
           <a:lstStyle/>
           <a:p>
             <a:r>
-              <a:rPr lang="ko-KR" altLang="en-US" dirty="0" smtClean="0">
+              <a:rPr lang="ko-KR" altLang="en-US" sz="2800" b="1" dirty="0" smtClean="0">
                 <a:ea typeface="KoPub돋움체 Bold" panose="02020603020101020101"/>
               </a:rPr>
               <a:t>김태오</a:t>
             </a:r>
-            <a:endParaRPr lang="en-US" altLang="ko-KR" dirty="0">
+            <a:endParaRPr lang="en-US" altLang="ko-KR" sz="2800" b="1" dirty="0">
               <a:ea typeface="KoPub돋움체 Bold" panose="02020603020101020101"/>
             </a:endParaRPr>
           </a:p>
@@ -8976,8 +7894,8 @@
         </p:nvSpPr>
         <p:spPr>
           <a:xfrm>
-            <a:off x="4495797" y="3043563"/>
-            <a:ext cx="790601" cy="369332"/>
+            <a:off x="4637339" y="2549605"/>
+            <a:ext cx="1127232" cy="523220"/>
           </a:xfrm>
           <a:prstGeom prst="rect">
             <a:avLst/>
@@ -8991,12 +7909,12 @@
           <a:lstStyle/>
           <a:p>
             <a:r>
-              <a:rPr lang="ko-KR" altLang="en-US" dirty="0" err="1" smtClean="0">
+              <a:rPr lang="ko-KR" altLang="en-US" sz="2800" b="1" dirty="0" err="1" smtClean="0">
                 <a:ea typeface="KoPub돋움체 Bold" panose="02020603020101020101"/>
               </a:rPr>
               <a:t>한지완</a:t>
             </a:r>
-            <a:endParaRPr lang="ko-KR" altLang="en-US" dirty="0">
+            <a:endParaRPr lang="ko-KR" altLang="en-US" sz="2800" b="1" dirty="0">
               <a:ea typeface="KoPub돋움체 Bold" panose="02020603020101020101"/>
             </a:endParaRPr>
           </a:p>
@@ -9010,8 +7928,8 @@
         </p:nvSpPr>
         <p:spPr>
           <a:xfrm>
-            <a:off x="7127389" y="3079616"/>
-            <a:ext cx="771365" cy="369332"/>
+            <a:off x="7462124" y="2591145"/>
+            <a:ext cx="1103187" cy="523220"/>
           </a:xfrm>
           <a:prstGeom prst="rect">
             <a:avLst/>
@@ -9025,12 +7943,12 @@
           <a:lstStyle/>
           <a:p>
             <a:r>
-              <a:rPr lang="ko-KR" altLang="en-US" dirty="0" err="1" smtClean="0">
+              <a:rPr lang="ko-KR" altLang="en-US" sz="2800" b="1" dirty="0" err="1" smtClean="0">
                 <a:ea typeface="KoPub돋움체 Bold" panose="02020603020101020101"/>
               </a:rPr>
               <a:t>전도권</a:t>
             </a:r>
-            <a:endParaRPr lang="ko-KR" altLang="en-US" dirty="0">
+            <a:endParaRPr lang="ko-KR" altLang="en-US" sz="2800" b="1" dirty="0">
               <a:ea typeface="KoPub돋움체 Bold" panose="02020603020101020101"/>
             </a:endParaRPr>
           </a:p>
@@ -9044,8 +7962,8 @@
         </p:nvSpPr>
         <p:spPr>
           <a:xfrm>
-            <a:off x="9420785" y="3079616"/>
-            <a:ext cx="771365" cy="369332"/>
+            <a:off x="10287865" y="2549605"/>
+            <a:ext cx="1098378" cy="523220"/>
           </a:xfrm>
           <a:prstGeom prst="rect">
             <a:avLst/>
@@ -9059,12 +7977,12 @@
           <a:lstStyle/>
           <a:p>
             <a:r>
-              <a:rPr lang="ko-KR" altLang="en-US" dirty="0" smtClean="0">
+              <a:rPr lang="ko-KR" altLang="en-US" sz="2800" b="1" dirty="0" smtClean="0">
                 <a:ea typeface="KoPub돋움체 Bold" panose="02020603020101020101"/>
               </a:rPr>
               <a:t>이지민</a:t>
             </a:r>
-            <a:endParaRPr lang="ko-KR" altLang="en-US" dirty="0">
+            <a:endParaRPr lang="ko-KR" altLang="en-US" sz="2800" b="1" dirty="0">
               <a:ea typeface="KoPub돋움체 Bold" panose="02020603020101020101"/>
             </a:endParaRPr>
           </a:p>
@@ -9078,8 +7996,8 @@
         </p:nvSpPr>
         <p:spPr>
           <a:xfrm>
-            <a:off x="1849951" y="3372453"/>
-            <a:ext cx="1077539" cy="369332"/>
+            <a:off x="870790" y="3043130"/>
+            <a:ext cx="3025187" cy="1384995"/>
           </a:xfrm>
           <a:prstGeom prst="rect">
             <a:avLst/>
@@ -9092,13 +8010,44 @@
           </a:bodyPr>
           <a:lstStyle/>
           <a:p>
-            <a:r>
-              <a:rPr lang="ko-KR" altLang="en-US" dirty="0" smtClean="0">
+            <a:pPr algn="ctr"/>
+            <a:r>
+              <a:rPr lang="ko-KR" altLang="en-US" sz="2800" dirty="0" err="1" smtClean="0">
                 <a:ea typeface="KoPub돋움체 Bold" panose="02020603020101020101"/>
               </a:rPr>
-              <a:t>메인 개발</a:t>
-            </a:r>
-            <a:endParaRPr lang="ko-KR" altLang="en-US" dirty="0">
+              <a:t>아두이노</a:t>
+            </a:r>
+            <a:r>
+              <a:rPr lang="en-US" altLang="ko-KR" sz="2800" dirty="0" smtClean="0">
+                <a:ea typeface="KoPub돋움체 Bold" panose="02020603020101020101"/>
+              </a:rPr>
+              <a:t>,</a:t>
+            </a:r>
+          </a:p>
+          <a:p>
+            <a:pPr algn="ctr"/>
+            <a:r>
+              <a:rPr lang="ko-KR" altLang="en-US" sz="2800" dirty="0" smtClean="0">
+                <a:ea typeface="KoPub돋움체 Bold" panose="02020603020101020101"/>
+              </a:rPr>
+              <a:t>하드웨어 제어 개발</a:t>
+            </a:r>
+            <a:r>
+              <a:rPr lang="en-US" altLang="ko-KR" sz="2800" dirty="0" smtClean="0">
+                <a:ea typeface="KoPub돋움체 Bold" panose="02020603020101020101"/>
+              </a:rPr>
+              <a:t>,</a:t>
+            </a:r>
+          </a:p>
+          <a:p>
+            <a:pPr algn="ctr"/>
+            <a:r>
+              <a:rPr lang="ko-KR" altLang="en-US" sz="2800" dirty="0" smtClean="0">
+                <a:ea typeface="KoPub돋움체 Bold" panose="02020603020101020101"/>
+              </a:rPr>
+              <a:t>하드웨어 제작</a:t>
+            </a:r>
+            <a:endParaRPr lang="ko-KR" altLang="en-US" sz="2800" dirty="0">
               <a:ea typeface="KoPub돋움체 Bold" panose="02020603020101020101"/>
             </a:endParaRPr>
           </a:p>
@@ -9112,8 +8061,8 @@
         </p:nvSpPr>
         <p:spPr>
           <a:xfrm>
-            <a:off x="4290611" y="3372453"/>
-            <a:ext cx="1273105" cy="369332"/>
+            <a:off x="4262236" y="3114365"/>
+            <a:ext cx="2323072" cy="523220"/>
           </a:xfrm>
           <a:prstGeom prst="rect">
             <a:avLst/>
@@ -9127,12 +8076,18 @@
           <a:lstStyle/>
           <a:p>
             <a:r>
-              <a:rPr lang="ko-KR" altLang="en-US" dirty="0" smtClean="0">
+              <a:rPr lang="ko-KR" altLang="en-US" sz="2800" dirty="0" smtClean="0">
                 <a:ea typeface="KoPub돋움체 Bold" panose="02020603020101020101"/>
               </a:rPr>
-              <a:t>모바일 개발</a:t>
-            </a:r>
-            <a:endParaRPr lang="ko-KR" altLang="en-US" dirty="0">
+              <a:t>모바일 </a:t>
+            </a:r>
+            <a:r>
+              <a:rPr lang="ko-KR" altLang="en-US" sz="2800" dirty="0" smtClean="0">
+                <a:ea typeface="KoPub돋움체 Bold" panose="02020603020101020101"/>
+              </a:rPr>
+              <a:t>앱 개발</a:t>
+            </a:r>
+            <a:endParaRPr lang="ko-KR" altLang="en-US" sz="2800" dirty="0">
               <a:ea typeface="KoPub돋움체 Bold" panose="02020603020101020101"/>
             </a:endParaRPr>
           </a:p>
@@ -9146,8 +8101,8 @@
         </p:nvSpPr>
         <p:spPr>
           <a:xfrm>
-            <a:off x="8933471" y="3395706"/>
-            <a:ext cx="1745991" cy="369332"/>
+            <a:off x="9745248" y="3043130"/>
+            <a:ext cx="2183611" cy="954107"/>
           </a:xfrm>
           <a:prstGeom prst="rect">
             <a:avLst/>
@@ -9161,12 +8116,45 @@
           <a:lstStyle/>
           <a:p>
             <a:r>
-              <a:rPr lang="ko-KR" altLang="en-US" dirty="0" smtClean="0">
+              <a:rPr lang="ko-KR" altLang="en-US" sz="2800" dirty="0" smtClean="0">
                 <a:ea typeface="KoPub돋움체 Bold" panose="02020603020101020101"/>
               </a:rPr>
-              <a:t>모바일 서브 개발</a:t>
-            </a:r>
-            <a:endParaRPr lang="ko-KR" altLang="en-US" dirty="0">
+              <a:t>서버</a:t>
+            </a:r>
+            <a:r>
+              <a:rPr lang="en-US" altLang="ko-KR" sz="2800" dirty="0" smtClean="0">
+                <a:ea typeface="KoPub돋움체 Bold" panose="02020603020101020101"/>
+              </a:rPr>
+              <a:t>, </a:t>
+            </a:r>
+            <a:r>
+              <a:rPr lang="en-US" altLang="ko-KR" sz="2800" dirty="0" smtClean="0">
+                <a:latin typeface="Berlin Sans FB" panose="020E0602020502020306" pitchFamily="34" charset="0"/>
+                <a:ea typeface="KoPub돋움체 Bold" panose="02020603020101020101"/>
+              </a:rPr>
+              <a:t>DB</a:t>
+            </a:r>
+            <a:r>
+              <a:rPr lang="ko-KR" altLang="en-US" sz="2800" dirty="0" smtClean="0">
+                <a:ea typeface="KoPub돋움체 Bold" panose="02020603020101020101"/>
+              </a:rPr>
+              <a:t>개발</a:t>
+            </a:r>
+            <a:r>
+              <a:rPr lang="en-US" altLang="ko-KR" sz="2800" dirty="0" smtClean="0">
+                <a:ea typeface="KoPub돋움체 Bold" panose="02020603020101020101"/>
+              </a:rPr>
+              <a:t>,</a:t>
+            </a:r>
+          </a:p>
+          <a:p>
+            <a:r>
+              <a:rPr lang="ko-KR" altLang="en-US" sz="2800" dirty="0" smtClean="0">
+                <a:ea typeface="KoPub돋움체 Bold" panose="02020603020101020101"/>
+              </a:rPr>
+              <a:t>하드웨어 제작</a:t>
+            </a:r>
+            <a:endParaRPr lang="ko-KR" altLang="en-US" sz="2800" dirty="0">
               <a:ea typeface="KoPub돋움체 Bold" panose="02020603020101020101"/>
             </a:endParaRPr>
           </a:p>
@@ -9180,7 +8168,7 @@
         </p:nvSpPr>
         <p:spPr>
           <a:xfrm>
-            <a:off x="6871231" y="4158967"/>
+            <a:off x="7371877" y="3854048"/>
             <a:ext cx="1283677" cy="1283677"/>
           </a:xfrm>
           <a:prstGeom prst="ellipse">
@@ -9223,7 +8211,7 @@
         </p:nvSpPr>
         <p:spPr>
           <a:xfrm>
-            <a:off x="4249258" y="4158967"/>
+            <a:off x="4559115" y="3854049"/>
             <a:ext cx="1283677" cy="1283677"/>
           </a:xfrm>
           <a:prstGeom prst="ellipse">
@@ -9263,8 +8251,8 @@
         </p:nvSpPr>
         <p:spPr>
           <a:xfrm>
-            <a:off x="4478925" y="5574324"/>
-            <a:ext cx="774571" cy="369332"/>
+            <a:off x="4628689" y="5301204"/>
+            <a:ext cx="1103187" cy="523220"/>
           </a:xfrm>
           <a:prstGeom prst="rect">
             <a:avLst/>
@@ -9278,12 +8266,12 @@
           <a:lstStyle/>
           <a:p>
             <a:r>
-              <a:rPr lang="ko-KR" altLang="en-US" dirty="0" smtClean="0">
+              <a:rPr lang="ko-KR" altLang="en-US" sz="2800" b="1" dirty="0" smtClean="0">
                 <a:ea typeface="KoPub돋움체 Bold" panose="02020603020101020101"/>
               </a:rPr>
               <a:t>김동희</a:t>
             </a:r>
-            <a:endParaRPr lang="ko-KR" altLang="en-US" dirty="0">
+            <a:endParaRPr lang="ko-KR" altLang="en-US" sz="2800" b="1" dirty="0">
               <a:ea typeface="KoPub돋움체 Bold" panose="02020603020101020101"/>
             </a:endParaRPr>
           </a:p>
@@ -9297,8 +8285,8 @@
         </p:nvSpPr>
         <p:spPr>
           <a:xfrm>
-            <a:off x="4573501" y="5890670"/>
-            <a:ext cx="585417" cy="369332"/>
+            <a:off x="3628415" y="5824423"/>
+            <a:ext cx="3103734" cy="954107"/>
           </a:xfrm>
           <a:prstGeom prst="rect">
             <a:avLst/>
@@ -9311,14 +8299,46 @@
           </a:bodyPr>
           <a:lstStyle/>
           <a:p>
-            <a:r>
-              <a:rPr lang="ko-KR" altLang="en-US" dirty="0" smtClean="0">
+            <a:pPr algn="ctr"/>
+            <a:r>
+              <a:rPr lang="ko-KR" altLang="en-US" sz="2800" dirty="0" smtClean="0">
                 <a:ea typeface="KoPub돋움체 Bold" panose="02020603020101020101"/>
               </a:rPr>
               <a:t>발표</a:t>
             </a:r>
-            <a:endParaRPr lang="ko-KR" altLang="en-US" dirty="0">
-              <a:ea typeface="KoPub돋움체 Bold" panose="02020603020101020101"/>
+            <a:r>
+              <a:rPr lang="en-US" altLang="ko-KR" sz="2800" dirty="0" smtClean="0">
+                <a:ea typeface="KoPub돋움체 Bold" panose="02020603020101020101"/>
+              </a:rPr>
+              <a:t>, </a:t>
+            </a:r>
+            <a:r>
+              <a:rPr lang="ko-KR" altLang="en-US" sz="2800" dirty="0" smtClean="0">
+                <a:ea typeface="KoPub돋움체 Bold" panose="02020603020101020101"/>
+              </a:rPr>
+              <a:t>하드웨어 제작</a:t>
+            </a:r>
+            <a:r>
+              <a:rPr lang="en-US" altLang="ko-KR" sz="2800" dirty="0" smtClean="0">
+                <a:ea typeface="KoPub돋움체 Bold" panose="02020603020101020101"/>
+              </a:rPr>
+              <a:t>,</a:t>
+            </a:r>
+          </a:p>
+          <a:p>
+            <a:pPr algn="ctr"/>
+            <a:r>
+              <a:rPr lang="en-US" altLang="ko-KR" sz="2800" dirty="0" smtClean="0">
+                <a:latin typeface="KoPubWorld돋움체 Bold" panose="00000800000000000000" pitchFamily="2" charset="-127"/>
+                <a:ea typeface="KoPubWorld돋움체 Bold" panose="00000800000000000000" pitchFamily="2" charset="-127"/>
+                <a:cs typeface="KoPubWorld돋움체 Bold" panose="00000800000000000000" pitchFamily="2" charset="-127"/>
+              </a:rPr>
+              <a:t>PPT</a:t>
+            </a:r>
+            <a:endParaRPr lang="ko-KR" altLang="en-US" sz="2800" dirty="0">
+              <a:latin typeface="KoPubWorld돋움체 Bold" panose="00000800000000000000" pitchFamily="2" charset="-127"/>
+              <a:ea typeface="KoPubWorld돋움체 Bold" panose="00000800000000000000" pitchFamily="2" charset="-127"/>
+              <a:cs typeface="KoPubWorld돋움체 Bold" panose="00000800000000000000" pitchFamily="2" charset="-127"/>
             </a:endParaRPr>
           </a:p>
         </p:txBody>
@@ -9331,8 +8351,8 @@
         </p:nvSpPr>
         <p:spPr>
           <a:xfrm>
-            <a:off x="7148235" y="5521338"/>
-            <a:ext cx="780983" cy="369332"/>
+            <a:off x="7457312" y="5301204"/>
+            <a:ext cx="1112805" cy="523220"/>
           </a:xfrm>
           <a:prstGeom prst="rect">
             <a:avLst/>
@@ -9346,12 +8366,12 @@
           <a:lstStyle/>
           <a:p>
             <a:r>
-              <a:rPr lang="ko-KR" altLang="en-US" smtClean="0">
+              <a:rPr lang="ko-KR" altLang="en-US" sz="2800" b="1" dirty="0" smtClean="0">
                 <a:ea typeface="KoPub돋움체 Bold" panose="02020603020101020101"/>
               </a:rPr>
               <a:t>이예은</a:t>
             </a:r>
-            <a:endParaRPr lang="ko-KR" altLang="en-US" dirty="0">
+            <a:endParaRPr lang="ko-KR" altLang="en-US" sz="2800" b="1" dirty="0">
               <a:ea typeface="KoPub돋움체 Bold" panose="02020603020101020101"/>
             </a:endParaRPr>
           </a:p>
@@ -9379,8 +8399,8 @@
         </p:blipFill>
         <p:spPr>
           <a:xfrm>
-            <a:off x="6582229" y="3378892"/>
-            <a:ext cx="1822862" cy="493819"/>
+            <a:off x="6719193" y="3070762"/>
+            <a:ext cx="2589047" cy="701381"/>
           </a:xfrm>
           <a:prstGeom prst="rect">
             <a:avLst/>
@@ -9389,14 +8409,14 @@
       </p:pic>
       <p:pic>
         <p:nvPicPr>
-          <p:cNvPr id="15" name="그림 14"/>
+          <p:cNvPr id="32" name="그림 31"/>
           <p:cNvPicPr>
             <a:picLocks noChangeAspect="1"/>
           </p:cNvPicPr>
           <p:nvPr/>
         </p:nvPicPr>
         <p:blipFill>
-          <a:blip r:embed="rId3">
+          <a:blip r:embed="rId2">
             <a:extLst>
               <a:ext uri="{28A0092B-C50C-407E-A947-70E740481C1C}">
                 <a14:useLocalDpi xmlns:a14="http://schemas.microsoft.com/office/drawing/2010/main" val="0"/>
@@ -9409,8 +8429,8 @@
         </p:blipFill>
         <p:spPr>
           <a:xfrm>
-            <a:off x="6930040" y="5828426"/>
-            <a:ext cx="1176630" cy="493819"/>
+            <a:off x="6719190" y="5824423"/>
+            <a:ext cx="2589047" cy="701381"/>
           </a:xfrm>
           <a:prstGeom prst="rect">
             <a:avLst/>
@@ -9437,7 +8457,559 @@
 </p:sld>
 </file>
 
-<file path=ppt/slides/slide4.xml><?xml version="1.0" encoding="utf-8"?>
+<file path=ppt/slides/slide5.xml><?xml version="1.0" encoding="utf-8"?>
+<p:sld xmlns:a="http://schemas.openxmlformats.org/drawingml/2006/main" xmlns:r="http://schemas.openxmlformats.org/officeDocument/2006/relationships" xmlns:p="http://schemas.openxmlformats.org/presentationml/2006/main">
+  <p:cSld>
+    <p:spTree>
+      <p:nvGrpSpPr>
+        <p:cNvPr id="1" name=""/>
+        <p:cNvGrpSpPr/>
+        <p:nvPr/>
+      </p:nvGrpSpPr>
+      <p:grpSpPr>
+        <a:xfrm>
+          <a:off x="0" y="0"/>
+          <a:ext cx="0" cy="0"/>
+          <a:chOff x="0" y="0"/>
+          <a:chExt cx="0" cy="0"/>
+        </a:xfrm>
+      </p:grpSpPr>
+      <p:sp>
+        <p:nvSpPr>
+          <p:cNvPr id="5" name="평행 사변형 4"/>
+          <p:cNvSpPr/>
+          <p:nvPr/>
+        </p:nvSpPr>
+        <p:spPr>
+          <a:xfrm>
+            <a:off x="-5098104" y="-93134"/>
+            <a:ext cx="9672941" cy="7272867"/>
+          </a:xfrm>
+          <a:prstGeom prst="parallelogram">
+            <a:avLst/>
+          </a:prstGeom>
+          <a:solidFill>
+            <a:srgbClr val="F67280"/>
+          </a:solidFill>
+          <a:ln>
+            <a:noFill/>
+          </a:ln>
+        </p:spPr>
+        <p:style>
+          <a:lnRef idx="2">
+            <a:schemeClr val="accent1">
+              <a:shade val="50000"/>
+            </a:schemeClr>
+          </a:lnRef>
+          <a:fillRef idx="1">
+            <a:schemeClr val="accent1"/>
+          </a:fillRef>
+          <a:effectRef idx="0">
+            <a:schemeClr val="accent1"/>
+          </a:effectRef>
+          <a:fontRef idx="minor">
+            <a:schemeClr val="lt1"/>
+          </a:fontRef>
+        </p:style>
+        <p:txBody>
+          <a:bodyPr rtlCol="0" anchor="ctr"/>
+          <a:lstStyle/>
+          <a:p>
+            <a:pPr algn="ctr"/>
+            <a:endParaRPr lang="ko-KR" altLang="en-US"/>
+          </a:p>
+        </p:txBody>
+      </p:sp>
+      <p:sp>
+        <p:nvSpPr>
+          <p:cNvPr id="6" name="TextBox 5"/>
+          <p:cNvSpPr txBox="1"/>
+          <p:nvPr/>
+        </p:nvSpPr>
+        <p:spPr>
+          <a:xfrm>
+            <a:off x="4792133" y="2881579"/>
+            <a:ext cx="6575839" cy="1323439"/>
+          </a:xfrm>
+          <a:prstGeom prst="rect">
+            <a:avLst/>
+          </a:prstGeom>
+          <a:noFill/>
+        </p:spPr>
+        <p:txBody>
+          <a:bodyPr wrap="none" rtlCol="0">
+            <a:spAutoFit/>
+          </a:bodyPr>
+          <a:lstStyle/>
+          <a:p>
+            <a:r>
+              <a:rPr lang="en-US" altLang="ko-KR" sz="8000" b="1" dirty="0" smtClean="0">
+                <a:latin typeface="KoPubWorld돋움체 Bold" panose="00000800000000000000" pitchFamily="2" charset="-127"/>
+                <a:ea typeface="KoPubWorld돋움체 Bold" panose="00000800000000000000" pitchFamily="2" charset="-127"/>
+                <a:cs typeface="KoPubWorld돋움체 Bold" panose="00000800000000000000" pitchFamily="2" charset="-127"/>
+              </a:rPr>
+              <a:t>2. </a:t>
+            </a:r>
+            <a:r>
+              <a:rPr lang="ko-KR" altLang="en-US" sz="8000" b="1" dirty="0" smtClean="0">
+                <a:latin typeface="KoPubWorld돋움체 Bold" panose="00000800000000000000" pitchFamily="2" charset="-127"/>
+                <a:ea typeface="KoPubWorld돋움체 Bold" panose="00000800000000000000" pitchFamily="2" charset="-127"/>
+                <a:cs typeface="KoPubWorld돋움체 Bold" panose="00000800000000000000" pitchFamily="2" charset="-127"/>
+              </a:rPr>
+              <a:t>개발 툴</a:t>
+            </a:r>
+            <a:r>
+              <a:rPr lang="en-US" altLang="ko-KR" sz="8000" b="1" dirty="0" smtClean="0">
+                <a:latin typeface="KoPubWorld돋움체 Bold" panose="00000800000000000000" pitchFamily="2" charset="-127"/>
+                <a:ea typeface="KoPubWorld돋움체 Bold" panose="00000800000000000000" pitchFamily="2" charset="-127"/>
+                <a:cs typeface="KoPubWorld돋움체 Bold" panose="00000800000000000000" pitchFamily="2" charset="-127"/>
+              </a:rPr>
+              <a:t>/</a:t>
+            </a:r>
+            <a:r>
+              <a:rPr lang="ko-KR" altLang="en-US" sz="8000" b="1" dirty="0" smtClean="0">
+                <a:latin typeface="KoPubWorld돋움체 Bold" panose="00000800000000000000" pitchFamily="2" charset="-127"/>
+                <a:ea typeface="KoPubWorld돋움체 Bold" panose="00000800000000000000" pitchFamily="2" charset="-127"/>
+                <a:cs typeface="KoPubWorld돋움체 Bold" panose="00000800000000000000" pitchFamily="2" charset="-127"/>
+              </a:rPr>
+              <a:t>언어</a:t>
+            </a:r>
+            <a:endParaRPr lang="ko-KR" altLang="en-US" sz="8000" b="1" dirty="0">
+              <a:latin typeface="KoPubWorld돋움체 Bold" panose="00000800000000000000" pitchFamily="2" charset="-127"/>
+              <a:ea typeface="KoPubWorld돋움체 Bold" panose="00000800000000000000" pitchFamily="2" charset="-127"/>
+              <a:cs typeface="KoPubWorld돋움체 Bold" panose="00000800000000000000" pitchFamily="2" charset="-127"/>
+            </a:endParaRPr>
+          </a:p>
+        </p:txBody>
+      </p:sp>
+    </p:spTree>
+    <p:extLst>
+      <p:ext uri="{BB962C8B-B14F-4D97-AF65-F5344CB8AC3E}">
+        <p14:creationId xmlns:p14="http://schemas.microsoft.com/office/powerpoint/2010/main" val="1333717259"/>
+      </p:ext>
+    </p:extLst>
+  </p:cSld>
+  <p:clrMapOvr>
+    <a:masterClrMapping/>
+  </p:clrMapOvr>
+</p:sld>
+</file>
+
+<file path=ppt/slides/slide6.xml><?xml version="1.0" encoding="utf-8"?>
+<p:sld xmlns:a="http://schemas.openxmlformats.org/drawingml/2006/main" xmlns:r="http://schemas.openxmlformats.org/officeDocument/2006/relationships" xmlns:p="http://schemas.openxmlformats.org/presentationml/2006/main">
+  <p:cSld>
+    <p:spTree>
+      <p:nvGrpSpPr>
+        <p:cNvPr id="1" name=""/>
+        <p:cNvGrpSpPr/>
+        <p:nvPr/>
+      </p:nvGrpSpPr>
+      <p:grpSpPr>
+        <a:xfrm>
+          <a:off x="0" y="0"/>
+          <a:ext cx="0" cy="0"/>
+          <a:chOff x="0" y="0"/>
+          <a:chExt cx="0" cy="0"/>
+        </a:xfrm>
+      </p:grpSpPr>
+      <p:sp>
+        <p:nvSpPr>
+          <p:cNvPr id="79" name="직사각형 78"/>
+          <p:cNvSpPr/>
+          <p:nvPr/>
+        </p:nvSpPr>
+        <p:spPr>
+          <a:xfrm>
+            <a:off x="11567828" y="2371"/>
+            <a:ext cx="624172" cy="624172"/>
+          </a:xfrm>
+          <a:prstGeom prst="rect">
+            <a:avLst/>
+          </a:prstGeom>
+          <a:solidFill>
+            <a:srgbClr val="355C7D"/>
+          </a:solidFill>
+        </p:spPr>
+        <p:style>
+          <a:lnRef idx="2">
+            <a:schemeClr val="accent1">
+              <a:shade val="50000"/>
+            </a:schemeClr>
+          </a:lnRef>
+          <a:fillRef idx="1">
+            <a:schemeClr val="accent1"/>
+          </a:fillRef>
+          <a:effectRef idx="0">
+            <a:schemeClr val="accent1"/>
+          </a:effectRef>
+          <a:fontRef idx="minor">
+            <a:schemeClr val="lt1"/>
+          </a:fontRef>
+        </p:style>
+        <p:txBody>
+          <a:bodyPr rtlCol="0" anchor="ctr"/>
+          <a:lstStyle/>
+          <a:p>
+            <a:pPr algn="ctr"/>
+            <a:endParaRPr lang="ko-KR" altLang="en-US"/>
+          </a:p>
+        </p:txBody>
+      </p:sp>
+      <p:sp>
+        <p:nvSpPr>
+          <p:cNvPr id="80" name="직각 삼각형 79"/>
+          <p:cNvSpPr/>
+          <p:nvPr/>
+        </p:nvSpPr>
+        <p:spPr>
+          <a:xfrm>
+            <a:off x="11567828" y="-6415"/>
+            <a:ext cx="624172" cy="642483"/>
+          </a:xfrm>
+          <a:prstGeom prst="rtTriangle">
+            <a:avLst/>
+          </a:prstGeom>
+          <a:solidFill>
+            <a:srgbClr val="F67280"/>
+          </a:solidFill>
+          <a:ln>
+            <a:noFill/>
+          </a:ln>
+        </p:spPr>
+        <p:style>
+          <a:lnRef idx="2">
+            <a:schemeClr val="accent1">
+              <a:shade val="50000"/>
+            </a:schemeClr>
+          </a:lnRef>
+          <a:fillRef idx="1">
+            <a:schemeClr val="accent1"/>
+          </a:fillRef>
+          <a:effectRef idx="0">
+            <a:schemeClr val="accent1"/>
+          </a:effectRef>
+          <a:fontRef idx="minor">
+            <a:schemeClr val="lt1"/>
+          </a:fontRef>
+        </p:style>
+        <p:txBody>
+          <a:bodyPr rtlCol="0" anchor="ctr"/>
+          <a:lstStyle/>
+          <a:p>
+            <a:pPr algn="ctr"/>
+            <a:endParaRPr lang="ko-KR" altLang="en-US"/>
+          </a:p>
+        </p:txBody>
+      </p:sp>
+      <p:sp>
+        <p:nvSpPr>
+          <p:cNvPr id="9" name="TextBox 8"/>
+          <p:cNvSpPr txBox="1"/>
+          <p:nvPr/>
+        </p:nvSpPr>
+        <p:spPr>
+          <a:xfrm>
+            <a:off x="2568632" y="314457"/>
+            <a:ext cx="7015942" cy="2585323"/>
+          </a:xfrm>
+          <a:prstGeom prst="rect">
+            <a:avLst/>
+          </a:prstGeom>
+          <a:noFill/>
+        </p:spPr>
+        <p:txBody>
+          <a:bodyPr wrap="square" rtlCol="0">
+            <a:spAutoFit/>
+          </a:bodyPr>
+          <a:lstStyle/>
+          <a:p>
+            <a:r>
+              <a:rPr lang="ko-KR" altLang="en-US" dirty="0" err="1" smtClean="0"/>
+              <a:t>아두이노</a:t>
+            </a:r>
+            <a:r>
+              <a:rPr lang="en-US" altLang="ko-KR" dirty="0" smtClean="0"/>
+              <a:t>-</a:t>
+            </a:r>
+            <a:r>
+              <a:rPr lang="ko-KR" altLang="en-US" dirty="0" smtClean="0"/>
+              <a:t>툴</a:t>
+            </a:r>
+            <a:endParaRPr lang="en-US" altLang="ko-KR" dirty="0" smtClean="0"/>
+          </a:p>
+          <a:p>
+            <a:r>
+              <a:rPr lang="ko-KR" altLang="en-US" dirty="0" smtClean="0"/>
+              <a:t>안드로이드 스튜디오</a:t>
+            </a:r>
+            <a:r>
+              <a:rPr lang="en-US" altLang="ko-KR" dirty="0" smtClean="0"/>
+              <a:t>-</a:t>
+            </a:r>
+            <a:r>
+              <a:rPr lang="ko-KR" altLang="en-US" dirty="0" smtClean="0"/>
+              <a:t>툴</a:t>
+            </a:r>
+            <a:endParaRPr lang="en-US" altLang="ko-KR" dirty="0"/>
+          </a:p>
+          <a:p>
+            <a:r>
+              <a:rPr lang="ko-KR" altLang="en-US" dirty="0" err="1"/>
+              <a:t>라즈베리파이</a:t>
+            </a:r>
+            <a:r>
+              <a:rPr lang="en-US" altLang="ko-KR" dirty="0"/>
+              <a:t>-</a:t>
+            </a:r>
+            <a:r>
+              <a:rPr lang="ko-KR" altLang="en-US" dirty="0" smtClean="0"/>
+              <a:t>툴</a:t>
+            </a:r>
+            <a:endParaRPr lang="en-US" altLang="ko-KR" dirty="0" smtClean="0"/>
+          </a:p>
+          <a:p>
+            <a:r>
+              <a:rPr lang="en-US" altLang="ko-KR" dirty="0" smtClean="0"/>
+              <a:t>My SQL-</a:t>
+            </a:r>
+            <a:r>
+              <a:rPr lang="ko-KR" altLang="en-US" dirty="0" smtClean="0"/>
+              <a:t>툴</a:t>
+            </a:r>
+            <a:endParaRPr lang="en-US" altLang="ko-KR" dirty="0"/>
+          </a:p>
+          <a:p>
+            <a:endParaRPr lang="en-US" altLang="ko-KR" dirty="0" smtClean="0"/>
+          </a:p>
+          <a:p>
+            <a:r>
+              <a:rPr lang="ko-KR" altLang="en-US" dirty="0" smtClean="0"/>
+              <a:t>자바</a:t>
+            </a:r>
+            <a:r>
+              <a:rPr lang="en-US" altLang="ko-KR" dirty="0" smtClean="0"/>
+              <a:t>-</a:t>
+            </a:r>
+            <a:r>
+              <a:rPr lang="ko-KR" altLang="en-US" dirty="0" smtClean="0"/>
+              <a:t>언어</a:t>
+            </a:r>
+            <a:endParaRPr lang="en-US" altLang="ko-KR" dirty="0" smtClean="0"/>
+          </a:p>
+          <a:p>
+            <a:r>
+              <a:rPr lang="ko-KR" altLang="en-US" dirty="0" err="1" smtClean="0"/>
+              <a:t>파이썬</a:t>
+            </a:r>
+            <a:r>
+              <a:rPr lang="en-US" altLang="ko-KR" dirty="0" smtClean="0"/>
+              <a:t>-</a:t>
+            </a:r>
+            <a:r>
+              <a:rPr lang="ko-KR" altLang="en-US" dirty="0" smtClean="0"/>
+              <a:t>언어</a:t>
+            </a:r>
+            <a:endParaRPr lang="en-US" altLang="ko-KR" dirty="0" smtClean="0"/>
+          </a:p>
+          <a:p>
+            <a:r>
+              <a:rPr lang="en-US" altLang="ko-KR" dirty="0" smtClean="0"/>
+              <a:t>C</a:t>
+            </a:r>
+            <a:r>
+              <a:rPr lang="ko-KR" altLang="en-US" dirty="0" smtClean="0"/>
+              <a:t>언어</a:t>
+            </a:r>
+            <a:r>
+              <a:rPr lang="en-US" altLang="ko-KR" dirty="0" smtClean="0"/>
+              <a:t>-</a:t>
+            </a:r>
+            <a:r>
+              <a:rPr lang="ko-KR" altLang="en-US" dirty="0" smtClean="0"/>
+              <a:t>언어</a:t>
+            </a:r>
+            <a:endParaRPr lang="en-US" altLang="ko-KR" dirty="0"/>
+          </a:p>
+          <a:p>
+            <a:r>
+              <a:rPr lang="en-US" altLang="ko-KR" dirty="0" smtClean="0"/>
+              <a:t>(</a:t>
+            </a:r>
+            <a:r>
+              <a:rPr lang="ko-KR" altLang="en-US" dirty="0" smtClean="0"/>
+              <a:t>로고 찾아서 </a:t>
+            </a:r>
+            <a:r>
+              <a:rPr lang="en-US" altLang="ko-KR" dirty="0" smtClean="0"/>
+              <a:t>6</a:t>
+            </a:r>
+            <a:r>
+              <a:rPr lang="ko-KR" altLang="en-US" dirty="0" smtClean="0"/>
+              <a:t>개 </a:t>
+            </a:r>
+            <a:r>
+              <a:rPr lang="ko-KR" altLang="en-US" dirty="0" err="1" smtClean="0"/>
+              <a:t>박아넣읍시다</a:t>
+            </a:r>
+            <a:r>
+              <a:rPr lang="en-US" altLang="ko-KR" dirty="0" smtClean="0"/>
+              <a:t>. </a:t>
+            </a:r>
+            <a:r>
+              <a:rPr lang="ko-KR" altLang="en-US" dirty="0" err="1" smtClean="0"/>
+              <a:t>인근씨</a:t>
+            </a:r>
+            <a:r>
+              <a:rPr lang="en-US" altLang="ko-KR" dirty="0" smtClean="0"/>
+              <a:t>)</a:t>
+            </a:r>
+            <a:endParaRPr lang="ko-KR" altLang="en-US" dirty="0"/>
+          </a:p>
+        </p:txBody>
+      </p:sp>
+    </p:spTree>
+    <p:extLst>
+      <p:ext uri="{BB962C8B-B14F-4D97-AF65-F5344CB8AC3E}">
+        <p14:creationId xmlns:p14="http://schemas.microsoft.com/office/powerpoint/2010/main" val="216639480"/>
+      </p:ext>
+    </p:extLst>
+  </p:cSld>
+  <p:clrMapOvr>
+    <a:masterClrMapping/>
+  </p:clrMapOvr>
+  <p:timing>
+    <p:tnLst>
+      <p:par>
+        <p:cTn id="1" dur="indefinite" restart="never" nodeType="tmRoot"/>
+      </p:par>
+    </p:tnLst>
+  </p:timing>
+</p:sld>
+</file>
+
+<file path=ppt/slides/slide7.xml><?xml version="1.0" encoding="utf-8"?>
+<p:sld xmlns:a="http://schemas.openxmlformats.org/drawingml/2006/main" xmlns:r="http://schemas.openxmlformats.org/officeDocument/2006/relationships" xmlns:p="http://schemas.openxmlformats.org/presentationml/2006/main">
+  <p:cSld>
+    <p:spTree>
+      <p:nvGrpSpPr>
+        <p:cNvPr id="1" name=""/>
+        <p:cNvGrpSpPr/>
+        <p:nvPr/>
+      </p:nvGrpSpPr>
+      <p:grpSpPr>
+        <a:xfrm>
+          <a:off x="0" y="0"/>
+          <a:ext cx="0" cy="0"/>
+          <a:chOff x="0" y="0"/>
+          <a:chExt cx="0" cy="0"/>
+        </a:xfrm>
+      </p:grpSpPr>
+      <p:sp>
+        <p:nvSpPr>
+          <p:cNvPr id="5" name="평행 사변형 4"/>
+          <p:cNvSpPr/>
+          <p:nvPr/>
+        </p:nvSpPr>
+        <p:spPr>
+          <a:xfrm>
+            <a:off x="-5098104" y="-93134"/>
+            <a:ext cx="9672941" cy="7272867"/>
+          </a:xfrm>
+          <a:prstGeom prst="parallelogram">
+            <a:avLst/>
+          </a:prstGeom>
+          <a:solidFill>
+            <a:srgbClr val="F67280"/>
+          </a:solidFill>
+          <a:ln>
+            <a:noFill/>
+          </a:ln>
+        </p:spPr>
+        <p:style>
+          <a:lnRef idx="2">
+            <a:schemeClr val="accent1">
+              <a:shade val="50000"/>
+            </a:schemeClr>
+          </a:lnRef>
+          <a:fillRef idx="1">
+            <a:schemeClr val="accent1"/>
+          </a:fillRef>
+          <a:effectRef idx="0">
+            <a:schemeClr val="accent1"/>
+          </a:effectRef>
+          <a:fontRef idx="minor">
+            <a:schemeClr val="lt1"/>
+          </a:fontRef>
+        </p:style>
+        <p:txBody>
+          <a:bodyPr rtlCol="0" anchor="ctr"/>
+          <a:lstStyle/>
+          <a:p>
+            <a:pPr algn="ctr"/>
+            <a:endParaRPr lang="ko-KR" altLang="en-US"/>
+          </a:p>
+        </p:txBody>
+      </p:sp>
+      <p:sp>
+        <p:nvSpPr>
+          <p:cNvPr id="6" name="TextBox 5"/>
+          <p:cNvSpPr txBox="1"/>
+          <p:nvPr/>
+        </p:nvSpPr>
+        <p:spPr>
+          <a:xfrm>
+            <a:off x="4792133" y="2881579"/>
+            <a:ext cx="5224507" cy="1323439"/>
+          </a:xfrm>
+          <a:prstGeom prst="rect">
+            <a:avLst/>
+          </a:prstGeom>
+          <a:noFill/>
+        </p:spPr>
+        <p:txBody>
+          <a:bodyPr wrap="none" rtlCol="0">
+            <a:spAutoFit/>
+          </a:bodyPr>
+          <a:lstStyle/>
+          <a:p>
+            <a:r>
+              <a:rPr lang="en-US" altLang="ko-KR" sz="8000" b="1" dirty="0" smtClean="0">
+                <a:latin typeface="KoPubWorld돋움체 Bold" panose="00000800000000000000" pitchFamily="2" charset="-127"/>
+                <a:ea typeface="KoPubWorld돋움체 Bold" panose="00000800000000000000" pitchFamily="2" charset="-127"/>
+                <a:cs typeface="KoPubWorld돋움체 Bold" panose="00000800000000000000" pitchFamily="2" charset="-127"/>
+              </a:rPr>
+              <a:t>3. </a:t>
+            </a:r>
+            <a:r>
+              <a:rPr lang="ko-KR" altLang="en-US" sz="8000" b="1" dirty="0" smtClean="0">
+                <a:latin typeface="KoPubWorld돋움체 Bold" panose="00000800000000000000" pitchFamily="2" charset="-127"/>
+                <a:ea typeface="KoPubWorld돋움체 Bold" panose="00000800000000000000" pitchFamily="2" charset="-127"/>
+                <a:cs typeface="KoPubWorld돋움체 Bold" panose="00000800000000000000" pitchFamily="2" charset="-127"/>
+              </a:rPr>
+              <a:t>제작 동기</a:t>
+            </a:r>
+            <a:endParaRPr lang="ko-KR" altLang="en-US" sz="8000" b="1" dirty="0">
+              <a:latin typeface="KoPubWorld돋움체 Bold" panose="00000800000000000000" pitchFamily="2" charset="-127"/>
+              <a:ea typeface="KoPubWorld돋움체 Bold" panose="00000800000000000000" pitchFamily="2" charset="-127"/>
+              <a:cs typeface="KoPubWorld돋움체 Bold" panose="00000800000000000000" pitchFamily="2" charset="-127"/>
+            </a:endParaRPr>
+          </a:p>
+        </p:txBody>
+      </p:sp>
+    </p:spTree>
+    <p:extLst>
+      <p:ext uri="{BB962C8B-B14F-4D97-AF65-F5344CB8AC3E}">
+        <p14:creationId xmlns:p14="http://schemas.microsoft.com/office/powerpoint/2010/main" val="388958154"/>
+      </p:ext>
+    </p:extLst>
+  </p:cSld>
+  <p:clrMapOvr>
+    <a:masterClrMapping/>
+  </p:clrMapOvr>
+</p:sld>
+</file>
+
+<file path=ppt/slides/slide8.xml><?xml version="1.0" encoding="utf-8"?>
 <p:sld xmlns:a="http://schemas.openxmlformats.org/drawingml/2006/main" xmlns:r="http://schemas.openxmlformats.org/officeDocument/2006/relationships" xmlns:p="http://schemas.openxmlformats.org/presentationml/2006/main">
   <p:cSld>
     <p:spTree>
@@ -9720,7 +9292,7 @@
                   <a:latin typeface="KoPub돋움체 Light" panose="02020603020101020101" pitchFamily="18" charset="-127"/>
                   <a:ea typeface="KoPub돋움체 Light" panose="02020603020101020101" pitchFamily="18" charset="-127"/>
                 </a:rPr>
-                <a:t>02</a:t>
+                <a:t>03</a:t>
               </a:r>
               <a:endParaRPr lang="ko-KR" altLang="en-US" sz="1600" dirty="0">
                 <a:solidFill>
@@ -9832,8 +9404,8 @@
         </p:nvSpPr>
         <p:spPr>
           <a:xfrm>
-            <a:off x="2052320" y="3264789"/>
-            <a:ext cx="8087360" cy="369332"/>
+            <a:off x="0" y="2828836"/>
+            <a:ext cx="12191999" cy="1200329"/>
           </a:xfrm>
           <a:prstGeom prst="rect">
             <a:avLst/>
@@ -9846,8 +9418,9 @@
           </a:bodyPr>
           <a:lstStyle/>
           <a:p>
-            <a:r>
-              <a:rPr lang="ko-KR" altLang="en-US" dirty="0" smtClean="0">
+            <a:pPr algn="ctr"/>
+            <a:r>
+              <a:rPr lang="ko-KR" altLang="en-US" sz="3600" dirty="0" smtClean="0">
                 <a:solidFill>
                   <a:schemeClr val="bg1"/>
                 </a:solidFill>
@@ -9856,7 +9429,7 @@
               <a:t>사람이 없는 곳에서 </a:t>
             </a:r>
             <a:r>
-              <a:rPr lang="ko-KR" altLang="en-US" dirty="0" err="1" smtClean="0">
+              <a:rPr lang="ko-KR" altLang="en-US" sz="3600" dirty="0" err="1" smtClean="0">
                 <a:solidFill>
                   <a:schemeClr val="bg1"/>
                 </a:solidFill>
@@ -9865,16 +9438,7 @@
               <a:t>냉난방기가</a:t>
             </a:r>
             <a:r>
-              <a:rPr lang="ko-KR" altLang="en-US" dirty="0" smtClean="0">
-                <a:solidFill>
-                  <a:schemeClr val="bg1"/>
-                </a:solidFill>
-                <a:ea typeface="KoPub돋움체 Bold" panose="02020603020101020101"/>
-              </a:rPr>
-              <a:t> 계속 작동된다면</a:t>
-            </a:r>
-            <a:r>
-              <a:rPr lang="en-US" altLang="ko-KR" dirty="0">
+              <a:rPr lang="ko-KR" altLang="en-US" sz="3600" dirty="0" smtClean="0">
                 <a:solidFill>
                   <a:schemeClr val="bg1"/>
                 </a:solidFill>
@@ -9883,16 +9447,61 @@
               <a:t> </a:t>
             </a:r>
             <a:r>
-              <a:rPr lang="ko-KR" altLang="en-US" dirty="0" smtClean="0">
+              <a:rPr lang="ko-KR" altLang="en-US" sz="3600" dirty="0" smtClean="0">
                 <a:solidFill>
                   <a:schemeClr val="bg1"/>
                 </a:solidFill>
                 <a:ea typeface="KoPub돋움체 Bold" panose="02020603020101020101"/>
               </a:rPr>
-              <a:t>전기가 낭비되고 환경오염이 심화된다</a:t>
-            </a:r>
-            <a:r>
-              <a:rPr lang="en-US" altLang="ko-KR" dirty="0" smtClean="0">
+              <a:t>계속 </a:t>
+            </a:r>
+            <a:r>
+              <a:rPr lang="ko-KR" altLang="en-US" sz="3600" dirty="0" smtClean="0">
+                <a:solidFill>
+                  <a:schemeClr val="bg1"/>
+                </a:solidFill>
+                <a:ea typeface="KoPub돋움체 Bold" panose="02020603020101020101"/>
+              </a:rPr>
+              <a:t>작동된다면</a:t>
+            </a:r>
+            <a:r>
+              <a:rPr lang="en-US" altLang="ko-KR" sz="3600" dirty="0">
+                <a:solidFill>
+                  <a:schemeClr val="bg1"/>
+                </a:solidFill>
+                <a:ea typeface="KoPub돋움체 Bold" panose="02020603020101020101"/>
+              </a:rPr>
+              <a:t> </a:t>
+            </a:r>
+            <a:endParaRPr lang="en-US" altLang="ko-KR" sz="3600" dirty="0" smtClean="0">
+              <a:solidFill>
+                <a:schemeClr val="bg1"/>
+              </a:solidFill>
+              <a:ea typeface="KoPub돋움체 Bold" panose="02020603020101020101"/>
+            </a:endParaRPr>
+          </a:p>
+          <a:p>
+            <a:pPr algn="ctr"/>
+            <a:r>
+              <a:rPr lang="ko-KR" altLang="en-US" sz="3600" dirty="0" smtClean="0">
+                <a:solidFill>
+                  <a:schemeClr val="bg1"/>
+                </a:solidFill>
+                <a:ea typeface="KoPub돋움체 Bold" panose="02020603020101020101"/>
+              </a:rPr>
+              <a:t>전기가 </a:t>
+            </a:r>
+            <a:r>
+              <a:rPr lang="ko-KR" altLang="en-US" sz="3600" dirty="0" smtClean="0">
+                <a:solidFill>
+                  <a:schemeClr val="bg1"/>
+                </a:solidFill>
+                <a:ea typeface="KoPub돋움체 Bold" panose="02020603020101020101"/>
+              </a:rPr>
+              <a:t>낭비되고 환경오염이 심화된다</a:t>
+            </a:r>
+            <a:r>
+              <a:rPr lang="en-US" altLang="ko-KR" sz="3600" dirty="0" smtClean="0">
                 <a:solidFill>
                   <a:schemeClr val="bg1"/>
                 </a:solidFill>
@@ -9900,7 +9509,7 @@
               </a:rPr>
               <a:t>.</a:t>
             </a:r>
-            <a:endParaRPr lang="ko-KR" altLang="en-US" dirty="0">
+            <a:endParaRPr lang="ko-KR" altLang="en-US" sz="3600" dirty="0">
               <a:solidFill>
                 <a:schemeClr val="bg1"/>
               </a:solidFill>
@@ -9913,1408 +9522,6 @@
     <p:extLst>
       <p:ext uri="{BB962C8B-B14F-4D97-AF65-F5344CB8AC3E}">
         <p14:creationId xmlns:p14="http://schemas.microsoft.com/office/powerpoint/2010/main" val="821880162"/>
-      </p:ext>
-    </p:extLst>
-  </p:cSld>
-  <p:clrMapOvr>
-    <a:masterClrMapping/>
-  </p:clrMapOvr>
-  <p:timing>
-    <p:tnLst>
-      <p:par>
-        <p:cTn id="1" dur="indefinite" restart="never" nodeType="tmRoot"/>
-      </p:par>
-    </p:tnLst>
-  </p:timing>
-</p:sld>
-</file>
-
-<file path=ppt/slides/slide5.xml><?xml version="1.0" encoding="utf-8"?>
-<p:sld xmlns:a="http://schemas.openxmlformats.org/drawingml/2006/main" xmlns:r="http://schemas.openxmlformats.org/officeDocument/2006/relationships" xmlns:p="http://schemas.openxmlformats.org/presentationml/2006/main">
-  <p:cSld>
-    <p:spTree>
-      <p:nvGrpSpPr>
-        <p:cNvPr id="1" name=""/>
-        <p:cNvGrpSpPr/>
-        <p:nvPr/>
-      </p:nvGrpSpPr>
-      <p:grpSpPr>
-        <a:xfrm>
-          <a:off x="0" y="0"/>
-          <a:ext cx="0" cy="0"/>
-          <a:chOff x="0" y="0"/>
-          <a:chExt cx="0" cy="0"/>
-        </a:xfrm>
-      </p:grpSpPr>
-      <p:grpSp>
-        <p:nvGrpSpPr>
-          <p:cNvPr id="3" name="그룹 2"/>
-          <p:cNvGrpSpPr/>
-          <p:nvPr/>
-        </p:nvGrpSpPr>
-        <p:grpSpPr>
-          <a:xfrm>
-            <a:off x="175953" y="206639"/>
-            <a:ext cx="2094246" cy="541508"/>
-            <a:chOff x="4232564" y="2276508"/>
-            <a:chExt cx="2094246" cy="541508"/>
-          </a:xfrm>
-        </p:grpSpPr>
-        <p:grpSp>
-          <p:nvGrpSpPr>
-            <p:cNvPr id="4" name="그룹 3"/>
-            <p:cNvGrpSpPr/>
-            <p:nvPr/>
-          </p:nvGrpSpPr>
-          <p:grpSpPr>
-            <a:xfrm>
-              <a:off x="4232564" y="2276508"/>
-              <a:ext cx="712648" cy="541508"/>
-              <a:chOff x="3115591" y="4405745"/>
-              <a:chExt cx="4089168" cy="3107176"/>
-            </a:xfrm>
-          </p:grpSpPr>
-          <p:sp>
-            <p:nvSpPr>
-              <p:cNvPr id="7" name="평행 사변형 6"/>
-              <p:cNvSpPr/>
-              <p:nvPr/>
-            </p:nvSpPr>
-            <p:spPr>
-              <a:xfrm>
-                <a:off x="3379408" y="4636717"/>
-                <a:ext cx="3825351" cy="2876204"/>
-              </a:xfrm>
-              <a:prstGeom prst="parallelogram">
-                <a:avLst/>
-              </a:prstGeom>
-              <a:solidFill>
-                <a:srgbClr val="6C5B7B"/>
-              </a:solidFill>
-              <a:ln>
-                <a:noFill/>
-              </a:ln>
-            </p:spPr>
-            <p:style>
-              <a:lnRef idx="2">
-                <a:schemeClr val="accent1">
-                  <a:shade val="50000"/>
-                </a:schemeClr>
-              </a:lnRef>
-              <a:fillRef idx="1">
-                <a:schemeClr val="accent1"/>
-              </a:fillRef>
-              <a:effectRef idx="0">
-                <a:schemeClr val="accent1"/>
-              </a:effectRef>
-              <a:fontRef idx="minor">
-                <a:schemeClr val="lt1"/>
-              </a:fontRef>
-            </p:style>
-            <p:txBody>
-              <a:bodyPr rtlCol="0" anchor="ctr"/>
-              <a:lstStyle/>
-              <a:p>
-                <a:pPr algn="ctr"/>
-                <a:endParaRPr lang="ko-KR" altLang="en-US"/>
-              </a:p>
-            </p:txBody>
-          </p:sp>
-          <p:sp>
-            <p:nvSpPr>
-              <p:cNvPr id="8" name="평행 사변형 7"/>
-              <p:cNvSpPr/>
-              <p:nvPr/>
-            </p:nvSpPr>
-            <p:spPr>
-              <a:xfrm>
-                <a:off x="3115591" y="4405745"/>
-                <a:ext cx="3825352" cy="2876204"/>
-              </a:xfrm>
-              <a:prstGeom prst="parallelogram">
-                <a:avLst/>
-              </a:prstGeom>
-              <a:solidFill>
-                <a:srgbClr val="F67280"/>
-              </a:solidFill>
-              <a:ln>
-                <a:noFill/>
-              </a:ln>
-            </p:spPr>
-            <p:style>
-              <a:lnRef idx="2">
-                <a:schemeClr val="accent1">
-                  <a:shade val="50000"/>
-                </a:schemeClr>
-              </a:lnRef>
-              <a:fillRef idx="1">
-                <a:schemeClr val="accent1"/>
-              </a:fillRef>
-              <a:effectRef idx="0">
-                <a:schemeClr val="accent1"/>
-              </a:effectRef>
-              <a:fontRef idx="minor">
-                <a:schemeClr val="lt1"/>
-              </a:fontRef>
-            </p:style>
-            <p:txBody>
-              <a:bodyPr rtlCol="0" anchor="ctr"/>
-              <a:lstStyle/>
-              <a:p>
-                <a:pPr algn="ctr"/>
-                <a:endParaRPr lang="ko-KR" altLang="en-US"/>
-              </a:p>
-            </p:txBody>
-          </p:sp>
-        </p:grpSp>
-        <p:sp>
-          <p:nvSpPr>
-            <p:cNvPr id="5" name="TextBox 4"/>
-            <p:cNvSpPr txBox="1"/>
-            <p:nvPr/>
-          </p:nvSpPr>
-          <p:spPr>
-            <a:xfrm>
-              <a:off x="5201181" y="2327080"/>
-              <a:ext cx="1125629" cy="400110"/>
-            </a:xfrm>
-            <a:prstGeom prst="rect">
-              <a:avLst/>
-            </a:prstGeom>
-            <a:noFill/>
-          </p:spPr>
-          <p:txBody>
-            <a:bodyPr wrap="none" rtlCol="0">
-              <a:spAutoFit/>
-            </a:bodyPr>
-            <a:lstStyle/>
-            <a:p>
-              <a:r>
-                <a:rPr lang="ko-KR" altLang="en-US" sz="2000" dirty="0" smtClean="0">
-                  <a:solidFill>
-                    <a:srgbClr val="6C5B7B"/>
-                  </a:solidFill>
-                  <a:latin typeface="KoPub돋움체 Bold" panose="02020603020101020101" pitchFamily="18" charset="-127"/>
-                  <a:ea typeface="KoPub돋움체 Bold" panose="02020603020101020101" pitchFamily="18" charset="-127"/>
-                </a:rPr>
-                <a:t>기능 설명</a:t>
-              </a:r>
-              <a:endParaRPr lang="ko-KR" altLang="en-US" sz="2000" dirty="0">
-                <a:solidFill>
-                  <a:srgbClr val="6C5B7B"/>
-                </a:solidFill>
-                <a:latin typeface="KoPub돋움체 Bold" panose="02020603020101020101" pitchFamily="18" charset="-127"/>
-                <a:ea typeface="KoPub돋움체 Bold" panose="02020603020101020101" pitchFamily="18" charset="-127"/>
-              </a:endParaRPr>
-            </a:p>
-          </p:txBody>
-        </p:sp>
-        <p:sp>
-          <p:nvSpPr>
-            <p:cNvPr id="6" name="TextBox 5"/>
-            <p:cNvSpPr txBox="1"/>
-            <p:nvPr/>
-          </p:nvSpPr>
-          <p:spPr>
-            <a:xfrm>
-              <a:off x="4358150" y="2357858"/>
-              <a:ext cx="418704" cy="338554"/>
-            </a:xfrm>
-            <a:prstGeom prst="rect">
-              <a:avLst/>
-            </a:prstGeom>
-            <a:noFill/>
-          </p:spPr>
-          <p:txBody>
-            <a:bodyPr wrap="none" rtlCol="0">
-              <a:spAutoFit/>
-            </a:bodyPr>
-            <a:lstStyle/>
-            <a:p>
-              <a:r>
-                <a:rPr lang="en-US" altLang="ko-KR" sz="1600" dirty="0" smtClean="0">
-                  <a:solidFill>
-                    <a:schemeClr val="bg1"/>
-                  </a:solidFill>
-                  <a:latin typeface="KoPub돋움체 Light" panose="02020603020101020101" pitchFamily="18" charset="-127"/>
-                  <a:ea typeface="KoPub돋움체 Light" panose="02020603020101020101" pitchFamily="18" charset="-127"/>
-                </a:rPr>
-                <a:t>03</a:t>
-              </a:r>
-              <a:endParaRPr lang="ko-KR" altLang="en-US" sz="1600" dirty="0">
-                <a:solidFill>
-                  <a:schemeClr val="bg1"/>
-                </a:solidFill>
-                <a:latin typeface="KoPub돋움체 Light" panose="02020603020101020101" pitchFamily="18" charset="-127"/>
-                <a:ea typeface="KoPub돋움체 Light" panose="02020603020101020101" pitchFamily="18" charset="-127"/>
-              </a:endParaRPr>
-            </a:p>
-          </p:txBody>
-        </p:sp>
-      </p:grpSp>
-      <p:sp>
-        <p:nvSpPr>
-          <p:cNvPr id="79" name="직사각형 78"/>
-          <p:cNvSpPr/>
-          <p:nvPr/>
-        </p:nvSpPr>
-        <p:spPr>
-          <a:xfrm>
-            <a:off x="11567828" y="2371"/>
-            <a:ext cx="624172" cy="624172"/>
-          </a:xfrm>
-          <a:prstGeom prst="rect">
-            <a:avLst/>
-          </a:prstGeom>
-          <a:solidFill>
-            <a:srgbClr val="355C7D"/>
-          </a:solidFill>
-        </p:spPr>
-        <p:style>
-          <a:lnRef idx="2">
-            <a:schemeClr val="accent1">
-              <a:shade val="50000"/>
-            </a:schemeClr>
-          </a:lnRef>
-          <a:fillRef idx="1">
-            <a:schemeClr val="accent1"/>
-          </a:fillRef>
-          <a:effectRef idx="0">
-            <a:schemeClr val="accent1"/>
-          </a:effectRef>
-          <a:fontRef idx="minor">
-            <a:schemeClr val="lt1"/>
-          </a:fontRef>
-        </p:style>
-        <p:txBody>
-          <a:bodyPr rtlCol="0" anchor="ctr"/>
-          <a:lstStyle/>
-          <a:p>
-            <a:pPr algn="ctr"/>
-            <a:endParaRPr lang="ko-KR" altLang="en-US"/>
-          </a:p>
-        </p:txBody>
-      </p:sp>
-      <p:sp>
-        <p:nvSpPr>
-          <p:cNvPr id="80" name="직각 삼각형 79"/>
-          <p:cNvSpPr/>
-          <p:nvPr/>
-        </p:nvSpPr>
-        <p:spPr>
-          <a:xfrm>
-            <a:off x="11567828" y="-6415"/>
-            <a:ext cx="624172" cy="642483"/>
-          </a:xfrm>
-          <a:prstGeom prst="rtTriangle">
-            <a:avLst/>
-          </a:prstGeom>
-          <a:solidFill>
-            <a:srgbClr val="F67280"/>
-          </a:solidFill>
-          <a:ln>
-            <a:noFill/>
-          </a:ln>
-        </p:spPr>
-        <p:style>
-          <a:lnRef idx="2">
-            <a:schemeClr val="accent1">
-              <a:shade val="50000"/>
-            </a:schemeClr>
-          </a:lnRef>
-          <a:fillRef idx="1">
-            <a:schemeClr val="accent1"/>
-          </a:fillRef>
-          <a:effectRef idx="0">
-            <a:schemeClr val="accent1"/>
-          </a:effectRef>
-          <a:fontRef idx="minor">
-            <a:schemeClr val="lt1"/>
-          </a:fontRef>
-        </p:style>
-        <p:txBody>
-          <a:bodyPr rtlCol="0" anchor="ctr"/>
-          <a:lstStyle/>
-          <a:p>
-            <a:pPr algn="ctr"/>
-            <a:endParaRPr lang="ko-KR" altLang="en-US"/>
-          </a:p>
-        </p:txBody>
-      </p:sp>
-      <p:sp>
-        <p:nvSpPr>
-          <p:cNvPr id="9" name="TextBox 8"/>
-          <p:cNvSpPr txBox="1"/>
-          <p:nvPr/>
-        </p:nvSpPr>
-        <p:spPr>
-          <a:xfrm>
-            <a:off x="3322320" y="2844800"/>
-            <a:ext cx="5902961" cy="923330"/>
-          </a:xfrm>
-          <a:prstGeom prst="rect">
-            <a:avLst/>
-          </a:prstGeom>
-          <a:noFill/>
-        </p:spPr>
-        <p:txBody>
-          <a:bodyPr wrap="square" rtlCol="0">
-            <a:spAutoFit/>
-          </a:bodyPr>
-          <a:lstStyle/>
-          <a:p>
-            <a:pPr marL="285750" indent="-285750">
-              <a:buFontTx/>
-              <a:buChar char="-"/>
-            </a:pPr>
-            <a:r>
-              <a:rPr lang="ko-KR" altLang="en-US" dirty="0" smtClean="0">
-                <a:ea typeface="KoPub돋움체 Bold" panose="02020603020101020101"/>
-              </a:rPr>
-              <a:t>설정한 시간 동안 사람이 없을 때 자동으로 에어컨이 꺼짐</a:t>
-            </a:r>
-            <a:endParaRPr lang="en-US" altLang="ko-KR" dirty="0" smtClean="0">
-              <a:ea typeface="KoPub돋움체 Bold" panose="02020603020101020101"/>
-            </a:endParaRPr>
-          </a:p>
-          <a:p>
-            <a:pPr marL="285750" indent="-285750">
-              <a:buFontTx/>
-              <a:buChar char="-"/>
-            </a:pPr>
-            <a:r>
-              <a:rPr lang="ko-KR" altLang="en-US" dirty="0" smtClean="0">
-                <a:ea typeface="KoPub돋움체 Bold" panose="02020603020101020101"/>
-              </a:rPr>
-              <a:t>모바일에서 에어컨 온도</a:t>
-            </a:r>
-            <a:r>
-              <a:rPr lang="en-US" altLang="ko-KR" dirty="0" smtClean="0">
-                <a:ea typeface="KoPub돋움체 Bold" panose="02020603020101020101"/>
-              </a:rPr>
-              <a:t>, </a:t>
-            </a:r>
-            <a:r>
-              <a:rPr lang="ko-KR" altLang="en-US" dirty="0" smtClean="0">
-                <a:ea typeface="KoPub돋움체 Bold" panose="02020603020101020101"/>
-              </a:rPr>
-              <a:t>온</a:t>
-            </a:r>
-            <a:r>
-              <a:rPr lang="en-US" altLang="ko-KR" dirty="0" smtClean="0">
-                <a:ea typeface="KoPub돋움체 Bold" panose="02020603020101020101"/>
-              </a:rPr>
-              <a:t>/</a:t>
-            </a:r>
-            <a:r>
-              <a:rPr lang="ko-KR" altLang="en-US" dirty="0" smtClean="0">
-                <a:ea typeface="KoPub돋움체 Bold" panose="02020603020101020101"/>
-              </a:rPr>
-              <a:t>오프</a:t>
-            </a:r>
-            <a:r>
-              <a:rPr lang="en-US" altLang="ko-KR" dirty="0">
-                <a:ea typeface="KoPub돋움체 Bold" panose="02020603020101020101"/>
-              </a:rPr>
-              <a:t> </a:t>
-            </a:r>
-            <a:r>
-              <a:rPr lang="ko-KR" altLang="en-US" dirty="0" smtClean="0">
-                <a:ea typeface="KoPub돋움체 Bold" panose="02020603020101020101"/>
-              </a:rPr>
-              <a:t>조절</a:t>
-            </a:r>
-            <a:endParaRPr lang="en-US" altLang="ko-KR" dirty="0" smtClean="0">
-              <a:ea typeface="KoPub돋움체 Bold" panose="02020603020101020101"/>
-            </a:endParaRPr>
-          </a:p>
-          <a:p>
-            <a:pPr marL="285750" indent="-285750">
-              <a:buFontTx/>
-              <a:buChar char="-"/>
-            </a:pPr>
-            <a:r>
-              <a:rPr lang="ko-KR" altLang="en-US" dirty="0" smtClean="0">
-                <a:ea typeface="KoPub돋움체 Bold" panose="02020603020101020101"/>
-              </a:rPr>
-              <a:t>설정한 온도가 </a:t>
-            </a:r>
-            <a:r>
-              <a:rPr lang="ko-KR" altLang="en-US" dirty="0" err="1" smtClean="0">
-                <a:ea typeface="KoPub돋움체 Bold" panose="02020603020101020101"/>
-              </a:rPr>
-              <a:t>되었을때</a:t>
-            </a:r>
-            <a:r>
-              <a:rPr lang="ko-KR" altLang="en-US" dirty="0" smtClean="0">
-                <a:ea typeface="KoPub돋움체 Bold" panose="02020603020101020101"/>
-              </a:rPr>
-              <a:t> 자동으로 에어컨이 꺼짐</a:t>
-            </a:r>
-            <a:endParaRPr lang="ko-KR" altLang="en-US" dirty="0">
-              <a:ea typeface="KoPub돋움체 Bold" panose="02020603020101020101"/>
-            </a:endParaRPr>
-          </a:p>
-        </p:txBody>
-      </p:sp>
-    </p:spTree>
-    <p:extLst>
-      <p:ext uri="{BB962C8B-B14F-4D97-AF65-F5344CB8AC3E}">
-        <p14:creationId xmlns:p14="http://schemas.microsoft.com/office/powerpoint/2010/main" val="1372329503"/>
-      </p:ext>
-    </p:extLst>
-  </p:cSld>
-  <p:clrMapOvr>
-    <a:masterClrMapping/>
-  </p:clrMapOvr>
-  <p:timing>
-    <p:tnLst>
-      <p:par>
-        <p:cTn id="1" dur="indefinite" restart="never" nodeType="tmRoot"/>
-      </p:par>
-    </p:tnLst>
-  </p:timing>
-</p:sld>
-</file>
-
-<file path=ppt/slides/slide6.xml><?xml version="1.0" encoding="utf-8"?>
-<p:sld xmlns:a="http://schemas.openxmlformats.org/drawingml/2006/main" xmlns:r="http://schemas.openxmlformats.org/officeDocument/2006/relationships" xmlns:p="http://schemas.openxmlformats.org/presentationml/2006/main">
-  <p:cSld>
-    <p:spTree>
-      <p:nvGrpSpPr>
-        <p:cNvPr id="1" name=""/>
-        <p:cNvGrpSpPr/>
-        <p:nvPr/>
-      </p:nvGrpSpPr>
-      <p:grpSpPr>
-        <a:xfrm>
-          <a:off x="0" y="0"/>
-          <a:ext cx="0" cy="0"/>
-          <a:chOff x="0" y="0"/>
-          <a:chExt cx="0" cy="0"/>
-        </a:xfrm>
-      </p:grpSpPr>
-      <p:grpSp>
-        <p:nvGrpSpPr>
-          <p:cNvPr id="2" name="그룹 1"/>
-          <p:cNvGrpSpPr/>
-          <p:nvPr/>
-        </p:nvGrpSpPr>
-        <p:grpSpPr>
-          <a:xfrm>
-            <a:off x="175953" y="206639"/>
-            <a:ext cx="1901886" cy="541508"/>
-            <a:chOff x="4232564" y="2276508"/>
-            <a:chExt cx="1901886" cy="541508"/>
-          </a:xfrm>
-        </p:grpSpPr>
-        <p:grpSp>
-          <p:nvGrpSpPr>
-            <p:cNvPr id="3" name="그룹 2"/>
-            <p:cNvGrpSpPr/>
-            <p:nvPr/>
-          </p:nvGrpSpPr>
-          <p:grpSpPr>
-            <a:xfrm>
-              <a:off x="4232564" y="2276508"/>
-              <a:ext cx="712648" cy="541508"/>
-              <a:chOff x="3115591" y="4405745"/>
-              <a:chExt cx="4089168" cy="3107176"/>
-            </a:xfrm>
-          </p:grpSpPr>
-          <p:sp>
-            <p:nvSpPr>
-              <p:cNvPr id="6" name="평행 사변형 5"/>
-              <p:cNvSpPr/>
-              <p:nvPr/>
-            </p:nvSpPr>
-            <p:spPr>
-              <a:xfrm>
-                <a:off x="3379408" y="4636717"/>
-                <a:ext cx="3825351" cy="2876204"/>
-              </a:xfrm>
-              <a:prstGeom prst="parallelogram">
-                <a:avLst/>
-              </a:prstGeom>
-              <a:solidFill>
-                <a:srgbClr val="6C5B7B"/>
-              </a:solidFill>
-              <a:ln>
-                <a:noFill/>
-              </a:ln>
-            </p:spPr>
-            <p:style>
-              <a:lnRef idx="2">
-                <a:schemeClr val="accent1">
-                  <a:shade val="50000"/>
-                </a:schemeClr>
-              </a:lnRef>
-              <a:fillRef idx="1">
-                <a:schemeClr val="accent1"/>
-              </a:fillRef>
-              <a:effectRef idx="0">
-                <a:schemeClr val="accent1"/>
-              </a:effectRef>
-              <a:fontRef idx="minor">
-                <a:schemeClr val="lt1"/>
-              </a:fontRef>
-            </p:style>
-            <p:txBody>
-              <a:bodyPr rtlCol="0" anchor="ctr"/>
-              <a:lstStyle/>
-              <a:p>
-                <a:pPr algn="ctr"/>
-                <a:endParaRPr lang="ko-KR" altLang="en-US"/>
-              </a:p>
-            </p:txBody>
-          </p:sp>
-          <p:sp>
-            <p:nvSpPr>
-              <p:cNvPr id="7" name="평행 사변형 6"/>
-              <p:cNvSpPr/>
-              <p:nvPr/>
-            </p:nvSpPr>
-            <p:spPr>
-              <a:xfrm>
-                <a:off x="3115591" y="4405745"/>
-                <a:ext cx="3825352" cy="2876204"/>
-              </a:xfrm>
-              <a:prstGeom prst="parallelogram">
-                <a:avLst/>
-              </a:prstGeom>
-              <a:solidFill>
-                <a:srgbClr val="F67280"/>
-              </a:solidFill>
-              <a:ln>
-                <a:noFill/>
-              </a:ln>
-            </p:spPr>
-            <p:style>
-              <a:lnRef idx="2">
-                <a:schemeClr val="accent1">
-                  <a:shade val="50000"/>
-                </a:schemeClr>
-              </a:lnRef>
-              <a:fillRef idx="1">
-                <a:schemeClr val="accent1"/>
-              </a:fillRef>
-              <a:effectRef idx="0">
-                <a:schemeClr val="accent1"/>
-              </a:effectRef>
-              <a:fontRef idx="minor">
-                <a:schemeClr val="lt1"/>
-              </a:fontRef>
-            </p:style>
-            <p:txBody>
-              <a:bodyPr rtlCol="0" anchor="ctr"/>
-              <a:lstStyle/>
-              <a:p>
-                <a:pPr algn="ctr"/>
-                <a:endParaRPr lang="ko-KR" altLang="en-US"/>
-              </a:p>
-            </p:txBody>
-          </p:sp>
-        </p:grpSp>
-        <p:sp>
-          <p:nvSpPr>
-            <p:cNvPr id="4" name="TextBox 3"/>
-            <p:cNvSpPr txBox="1"/>
-            <p:nvPr/>
-          </p:nvSpPr>
-          <p:spPr>
-            <a:xfrm>
-              <a:off x="5201181" y="2327080"/>
-              <a:ext cx="933269" cy="400110"/>
-            </a:xfrm>
-            <a:prstGeom prst="rect">
-              <a:avLst/>
-            </a:prstGeom>
-            <a:noFill/>
-          </p:spPr>
-          <p:txBody>
-            <a:bodyPr wrap="none" rtlCol="0">
-              <a:spAutoFit/>
-            </a:bodyPr>
-            <a:lstStyle/>
-            <a:p>
-              <a:r>
-                <a:rPr lang="en-US" altLang="ko-KR" sz="2000" dirty="0" smtClean="0">
-                  <a:solidFill>
-                    <a:srgbClr val="6C5B7B"/>
-                  </a:solidFill>
-                  <a:latin typeface="KoPub돋움체 Bold" panose="02020603020101020101" pitchFamily="18" charset="-127"/>
-                  <a:ea typeface="KoPub돋움체 Bold" panose="02020603020101020101" pitchFamily="18" charset="-127"/>
-                </a:rPr>
-                <a:t>UI </a:t>
-              </a:r>
-              <a:r>
-                <a:rPr lang="ko-KR" altLang="en-US" sz="2000" dirty="0" smtClean="0">
-                  <a:solidFill>
-                    <a:srgbClr val="6C5B7B"/>
-                  </a:solidFill>
-                  <a:latin typeface="KoPub돋움체 Bold" panose="02020603020101020101" pitchFamily="18" charset="-127"/>
-                  <a:ea typeface="KoPub돋움체 Bold" panose="02020603020101020101" pitchFamily="18" charset="-127"/>
-                </a:rPr>
-                <a:t>설명</a:t>
-              </a:r>
-              <a:endParaRPr lang="en-US" altLang="ko-KR" sz="2000" dirty="0" smtClean="0">
-                <a:solidFill>
-                  <a:srgbClr val="6C5B7B"/>
-                </a:solidFill>
-                <a:latin typeface="KoPub돋움체 Bold" panose="02020603020101020101" pitchFamily="18" charset="-127"/>
-                <a:ea typeface="KoPub돋움체 Bold" panose="02020603020101020101" pitchFamily="18" charset="-127"/>
-              </a:endParaRPr>
-            </a:p>
-          </p:txBody>
-        </p:sp>
-        <p:sp>
-          <p:nvSpPr>
-            <p:cNvPr id="5" name="TextBox 4"/>
-            <p:cNvSpPr txBox="1"/>
-            <p:nvPr/>
-          </p:nvSpPr>
-          <p:spPr>
-            <a:xfrm>
-              <a:off x="4358150" y="2357858"/>
-              <a:ext cx="418704" cy="338554"/>
-            </a:xfrm>
-            <a:prstGeom prst="rect">
-              <a:avLst/>
-            </a:prstGeom>
-            <a:noFill/>
-          </p:spPr>
-          <p:txBody>
-            <a:bodyPr wrap="none" rtlCol="0">
-              <a:spAutoFit/>
-            </a:bodyPr>
-            <a:lstStyle/>
-            <a:p>
-              <a:r>
-                <a:rPr lang="en-US" altLang="ko-KR" sz="1600" dirty="0" smtClean="0">
-                  <a:solidFill>
-                    <a:schemeClr val="bg1"/>
-                  </a:solidFill>
-                  <a:latin typeface="KoPub돋움체 Light" panose="02020603020101020101" pitchFamily="18" charset="-127"/>
-                  <a:ea typeface="KoPub돋움체 Light" panose="02020603020101020101" pitchFamily="18" charset="-127"/>
-                </a:rPr>
-                <a:t>04</a:t>
-              </a:r>
-              <a:endParaRPr lang="ko-KR" altLang="en-US" sz="1600" dirty="0">
-                <a:solidFill>
-                  <a:schemeClr val="bg1"/>
-                </a:solidFill>
-                <a:latin typeface="KoPub돋움체 Light" panose="02020603020101020101" pitchFamily="18" charset="-127"/>
-                <a:ea typeface="KoPub돋움체 Light" panose="02020603020101020101" pitchFamily="18" charset="-127"/>
-              </a:endParaRPr>
-            </a:p>
-          </p:txBody>
-        </p:sp>
-      </p:grpSp>
-      <p:sp>
-        <p:nvSpPr>
-          <p:cNvPr id="8" name="TextBox 7"/>
-          <p:cNvSpPr txBox="1"/>
-          <p:nvPr/>
-        </p:nvSpPr>
-        <p:spPr>
-          <a:xfrm>
-            <a:off x="4537364" y="2875002"/>
-            <a:ext cx="3117273" cy="1107996"/>
-          </a:xfrm>
-          <a:prstGeom prst="rect">
-            <a:avLst/>
-          </a:prstGeom>
-          <a:noFill/>
-        </p:spPr>
-        <p:txBody>
-          <a:bodyPr wrap="square" rtlCol="0">
-            <a:spAutoFit/>
-          </a:bodyPr>
-          <a:lstStyle/>
-          <a:p>
-            <a:pPr algn="ctr"/>
-            <a:r>
-              <a:rPr lang="ko-KR" altLang="en-US" sz="6600" dirty="0" err="1" smtClean="0">
-                <a:latin typeface="KoPubWorld돋움체 Bold" panose="00000800000000000000" pitchFamily="2" charset="-127"/>
-                <a:ea typeface="KoPubWorld돋움체 Bold" panose="00000800000000000000" pitchFamily="2" charset="-127"/>
-                <a:cs typeface="KoPubWorld돋움체 Bold" panose="00000800000000000000" pitchFamily="2" charset="-127"/>
-              </a:rPr>
-              <a:t>시작화면</a:t>
-            </a:r>
-            <a:endParaRPr lang="ko-KR" altLang="en-US" sz="6600" dirty="0">
-              <a:latin typeface="KoPubWorld돋움체 Bold" panose="00000800000000000000" pitchFamily="2" charset="-127"/>
-              <a:ea typeface="KoPubWorld돋움체 Bold" panose="00000800000000000000" pitchFamily="2" charset="-127"/>
-              <a:cs typeface="KoPubWorld돋움체 Bold" panose="00000800000000000000" pitchFamily="2" charset="-127"/>
-            </a:endParaRPr>
-          </a:p>
-        </p:txBody>
-      </p:sp>
-    </p:spTree>
-    <p:extLst>
-      <p:ext uri="{BB962C8B-B14F-4D97-AF65-F5344CB8AC3E}">
-        <p14:creationId xmlns:p14="http://schemas.microsoft.com/office/powerpoint/2010/main" val="980366472"/>
-      </p:ext>
-    </p:extLst>
-  </p:cSld>
-  <p:clrMapOvr>
-    <a:masterClrMapping/>
-  </p:clrMapOvr>
-  <p:timing>
-    <p:tnLst>
-      <p:par>
-        <p:cTn id="1" dur="indefinite" restart="never" nodeType="tmRoot"/>
-      </p:par>
-    </p:tnLst>
-  </p:timing>
-</p:sld>
-</file>
-
-<file path=ppt/slides/slide7.xml><?xml version="1.0" encoding="utf-8"?>
-<p:sld xmlns:a="http://schemas.openxmlformats.org/drawingml/2006/main" xmlns:r="http://schemas.openxmlformats.org/officeDocument/2006/relationships" xmlns:p="http://schemas.openxmlformats.org/presentationml/2006/main">
-  <p:cSld>
-    <p:spTree>
-      <p:nvGrpSpPr>
-        <p:cNvPr id="1" name=""/>
-        <p:cNvGrpSpPr/>
-        <p:nvPr/>
-      </p:nvGrpSpPr>
-      <p:grpSpPr>
-        <a:xfrm>
-          <a:off x="0" y="0"/>
-          <a:ext cx="0" cy="0"/>
-          <a:chOff x="0" y="0"/>
-          <a:chExt cx="0" cy="0"/>
-        </a:xfrm>
-      </p:grpSpPr>
-      <p:grpSp>
-        <p:nvGrpSpPr>
-          <p:cNvPr id="2" name="그룹 1"/>
-          <p:cNvGrpSpPr/>
-          <p:nvPr/>
-        </p:nvGrpSpPr>
-        <p:grpSpPr>
-          <a:xfrm>
-            <a:off x="175953" y="206639"/>
-            <a:ext cx="1901886" cy="541508"/>
-            <a:chOff x="4232564" y="2276508"/>
-            <a:chExt cx="1901886" cy="541508"/>
-          </a:xfrm>
-        </p:grpSpPr>
-        <p:grpSp>
-          <p:nvGrpSpPr>
-            <p:cNvPr id="3" name="그룹 2"/>
-            <p:cNvGrpSpPr/>
-            <p:nvPr/>
-          </p:nvGrpSpPr>
-          <p:grpSpPr>
-            <a:xfrm>
-              <a:off x="4232564" y="2276508"/>
-              <a:ext cx="712648" cy="541508"/>
-              <a:chOff x="3115591" y="4405745"/>
-              <a:chExt cx="4089168" cy="3107176"/>
-            </a:xfrm>
-          </p:grpSpPr>
-          <p:sp>
-            <p:nvSpPr>
-              <p:cNvPr id="6" name="평행 사변형 5"/>
-              <p:cNvSpPr/>
-              <p:nvPr/>
-            </p:nvSpPr>
-            <p:spPr>
-              <a:xfrm>
-                <a:off x="3379408" y="4636717"/>
-                <a:ext cx="3825351" cy="2876204"/>
-              </a:xfrm>
-              <a:prstGeom prst="parallelogram">
-                <a:avLst/>
-              </a:prstGeom>
-              <a:solidFill>
-                <a:srgbClr val="6C5B7B"/>
-              </a:solidFill>
-              <a:ln>
-                <a:noFill/>
-              </a:ln>
-            </p:spPr>
-            <p:style>
-              <a:lnRef idx="2">
-                <a:schemeClr val="accent1">
-                  <a:shade val="50000"/>
-                </a:schemeClr>
-              </a:lnRef>
-              <a:fillRef idx="1">
-                <a:schemeClr val="accent1"/>
-              </a:fillRef>
-              <a:effectRef idx="0">
-                <a:schemeClr val="accent1"/>
-              </a:effectRef>
-              <a:fontRef idx="minor">
-                <a:schemeClr val="lt1"/>
-              </a:fontRef>
-            </p:style>
-            <p:txBody>
-              <a:bodyPr rtlCol="0" anchor="ctr"/>
-              <a:lstStyle/>
-              <a:p>
-                <a:pPr algn="ctr"/>
-                <a:endParaRPr lang="ko-KR" altLang="en-US"/>
-              </a:p>
-            </p:txBody>
-          </p:sp>
-          <p:sp>
-            <p:nvSpPr>
-              <p:cNvPr id="7" name="평행 사변형 6"/>
-              <p:cNvSpPr/>
-              <p:nvPr/>
-            </p:nvSpPr>
-            <p:spPr>
-              <a:xfrm>
-                <a:off x="3115591" y="4405745"/>
-                <a:ext cx="3825352" cy="2876204"/>
-              </a:xfrm>
-              <a:prstGeom prst="parallelogram">
-                <a:avLst/>
-              </a:prstGeom>
-              <a:solidFill>
-                <a:srgbClr val="F67280"/>
-              </a:solidFill>
-              <a:ln>
-                <a:noFill/>
-              </a:ln>
-            </p:spPr>
-            <p:style>
-              <a:lnRef idx="2">
-                <a:schemeClr val="accent1">
-                  <a:shade val="50000"/>
-                </a:schemeClr>
-              </a:lnRef>
-              <a:fillRef idx="1">
-                <a:schemeClr val="accent1"/>
-              </a:fillRef>
-              <a:effectRef idx="0">
-                <a:schemeClr val="accent1"/>
-              </a:effectRef>
-              <a:fontRef idx="minor">
-                <a:schemeClr val="lt1"/>
-              </a:fontRef>
-            </p:style>
-            <p:txBody>
-              <a:bodyPr rtlCol="0" anchor="ctr"/>
-              <a:lstStyle/>
-              <a:p>
-                <a:pPr algn="ctr"/>
-                <a:endParaRPr lang="ko-KR" altLang="en-US"/>
-              </a:p>
-            </p:txBody>
-          </p:sp>
-        </p:grpSp>
-        <p:sp>
-          <p:nvSpPr>
-            <p:cNvPr id="4" name="TextBox 3"/>
-            <p:cNvSpPr txBox="1"/>
-            <p:nvPr/>
-          </p:nvSpPr>
-          <p:spPr>
-            <a:xfrm>
-              <a:off x="5201181" y="2327080"/>
-              <a:ext cx="933269" cy="400110"/>
-            </a:xfrm>
-            <a:prstGeom prst="rect">
-              <a:avLst/>
-            </a:prstGeom>
-            <a:noFill/>
-          </p:spPr>
-          <p:txBody>
-            <a:bodyPr wrap="none" rtlCol="0">
-              <a:spAutoFit/>
-            </a:bodyPr>
-            <a:lstStyle/>
-            <a:p>
-              <a:r>
-                <a:rPr lang="en-US" altLang="ko-KR" sz="2000" dirty="0" smtClean="0">
-                  <a:solidFill>
-                    <a:srgbClr val="6C5B7B"/>
-                  </a:solidFill>
-                  <a:latin typeface="KoPub돋움체 Bold" panose="02020603020101020101" pitchFamily="18" charset="-127"/>
-                  <a:ea typeface="KoPub돋움체 Bold" panose="02020603020101020101" pitchFamily="18" charset="-127"/>
-                </a:rPr>
-                <a:t>UI </a:t>
-              </a:r>
-              <a:r>
-                <a:rPr lang="ko-KR" altLang="en-US" sz="2000" dirty="0" smtClean="0">
-                  <a:solidFill>
-                    <a:srgbClr val="6C5B7B"/>
-                  </a:solidFill>
-                  <a:latin typeface="KoPub돋움체 Bold" panose="02020603020101020101" pitchFamily="18" charset="-127"/>
-                  <a:ea typeface="KoPub돋움체 Bold" panose="02020603020101020101" pitchFamily="18" charset="-127"/>
-                </a:rPr>
-                <a:t>설명</a:t>
-              </a:r>
-              <a:endParaRPr lang="en-US" altLang="ko-KR" sz="2000" dirty="0" smtClean="0">
-                <a:solidFill>
-                  <a:srgbClr val="6C5B7B"/>
-                </a:solidFill>
-                <a:latin typeface="KoPub돋움체 Bold" panose="02020603020101020101" pitchFamily="18" charset="-127"/>
-                <a:ea typeface="KoPub돋움체 Bold" panose="02020603020101020101" pitchFamily="18" charset="-127"/>
-              </a:endParaRPr>
-            </a:p>
-          </p:txBody>
-        </p:sp>
-        <p:sp>
-          <p:nvSpPr>
-            <p:cNvPr id="5" name="TextBox 4"/>
-            <p:cNvSpPr txBox="1"/>
-            <p:nvPr/>
-          </p:nvSpPr>
-          <p:spPr>
-            <a:xfrm>
-              <a:off x="4358150" y="2357858"/>
-              <a:ext cx="418704" cy="338554"/>
-            </a:xfrm>
-            <a:prstGeom prst="rect">
-              <a:avLst/>
-            </a:prstGeom>
-            <a:noFill/>
-          </p:spPr>
-          <p:txBody>
-            <a:bodyPr wrap="none" rtlCol="0">
-              <a:spAutoFit/>
-            </a:bodyPr>
-            <a:lstStyle/>
-            <a:p>
-              <a:r>
-                <a:rPr lang="en-US" altLang="ko-KR" sz="1600" dirty="0" smtClean="0">
-                  <a:solidFill>
-                    <a:schemeClr val="bg1"/>
-                  </a:solidFill>
-                  <a:latin typeface="KoPub돋움체 Light" panose="02020603020101020101" pitchFamily="18" charset="-127"/>
-                  <a:ea typeface="KoPub돋움체 Light" panose="02020603020101020101" pitchFamily="18" charset="-127"/>
-                </a:rPr>
-                <a:t>04</a:t>
-              </a:r>
-              <a:endParaRPr lang="ko-KR" altLang="en-US" sz="1600" dirty="0">
-                <a:solidFill>
-                  <a:schemeClr val="bg1"/>
-                </a:solidFill>
-                <a:latin typeface="KoPub돋움체 Light" panose="02020603020101020101" pitchFamily="18" charset="-127"/>
-                <a:ea typeface="KoPub돋움체 Light" panose="02020603020101020101" pitchFamily="18" charset="-127"/>
-              </a:endParaRPr>
-            </a:p>
-          </p:txBody>
-        </p:sp>
-      </p:grpSp>
-      <p:pic>
-        <p:nvPicPr>
-          <p:cNvPr id="1026" name="Picture 2" descr="https://scontent-gmp1-1.xx.fbcdn.net/v/t1.15752-9/67318778_2345328899075641_4721972678280347648_n.png?_nc_cat=107&amp;_nc_oc=AQkDCCxYa8R1_Ry4qBWwvIJIZg-Z5yBWNErcOvm3xTKPwsY4UeroxsUW43L2p099mN4&amp;_nc_ht=scontent-gmp1-1.xx&amp;oh=40474e3a4b5cee8e331ca9ec48e26871&amp;oe=5DADC85E"/>
-          <p:cNvPicPr>
-            <a:picLocks noChangeAspect="1" noChangeArrowheads="1"/>
-          </p:cNvPicPr>
-          <p:nvPr/>
-        </p:nvPicPr>
-        <p:blipFill>
-          <a:blip r:embed="rId2">
-            <a:extLst>
-              <a:ext uri="{28A0092B-C50C-407E-A947-70E740481C1C}">
-                <a14:useLocalDpi xmlns:a14="http://schemas.microsoft.com/office/drawing/2010/main" val="0"/>
-              </a:ext>
-            </a:extLst>
-          </a:blip>
-          <a:srcRect/>
-          <a:stretch>
-            <a:fillRect/>
-          </a:stretch>
-        </p:blipFill>
-        <p:spPr bwMode="auto">
-          <a:xfrm>
-            <a:off x="4381500" y="381000"/>
-            <a:ext cx="3429000" cy="6096001"/>
-          </a:xfrm>
-          <a:prstGeom prst="rect">
-            <a:avLst/>
-          </a:prstGeom>
-          <a:noFill/>
-          <a:extLst>
-            <a:ext uri="{909E8E84-426E-40DD-AFC4-6F175D3DCCD1}">
-              <a14:hiddenFill xmlns:a14="http://schemas.microsoft.com/office/drawing/2010/main">
-                <a:solidFill>
-                  <a:srgbClr val="FFFFFF"/>
-                </a:solidFill>
-              </a14:hiddenFill>
-            </a:ext>
-          </a:extLst>
-        </p:spPr>
-      </p:pic>
-    </p:spTree>
-    <p:extLst>
-      <p:ext uri="{BB962C8B-B14F-4D97-AF65-F5344CB8AC3E}">
-        <p14:creationId xmlns:p14="http://schemas.microsoft.com/office/powerpoint/2010/main" val="3021865413"/>
-      </p:ext>
-    </p:extLst>
-  </p:cSld>
-  <p:clrMapOvr>
-    <a:masterClrMapping/>
-  </p:clrMapOvr>
-  <p:timing>
-    <p:tnLst>
-      <p:par>
-        <p:cTn id="1" dur="indefinite" restart="never" nodeType="tmRoot">
-          <p:childTnLst>
-            <p:seq concurrent="1" nextAc="seek">
-              <p:cTn id="2" dur="indefinite" nodeType="mainSeq">
-                <p:childTnLst>
-                  <p:par>
-                    <p:cTn id="3" fill="hold">
-                      <p:stCondLst>
-                        <p:cond delay="indefinite"/>
-                      </p:stCondLst>
-                      <p:childTnLst>
-                        <p:par>
-                          <p:cTn id="4" fill="hold">
-                            <p:stCondLst>
-                              <p:cond delay="0"/>
-                            </p:stCondLst>
-                            <p:childTnLst>
-                              <p:par>
-                                <p:cTn id="5" presetID="10" presetClass="exit" presetSubtype="0" fill="hold" nodeType="clickEffect">
-                                  <p:stCondLst>
-                                    <p:cond delay="0"/>
-                                  </p:stCondLst>
-                                  <p:childTnLst>
-                                    <p:animEffect transition="out" filter="fade">
-                                      <p:cBhvr>
-                                        <p:cTn id="6" dur="1000"/>
-                                        <p:tgtEl>
-                                          <p:spTgt spid="1026"/>
-                                        </p:tgtEl>
-                                      </p:cBhvr>
-                                    </p:animEffect>
-                                    <p:set>
-                                      <p:cBhvr>
-                                        <p:cTn id="7" dur="1" fill="hold">
-                                          <p:stCondLst>
-                                            <p:cond delay="999"/>
-                                          </p:stCondLst>
-                                        </p:cTn>
-                                        <p:tgtEl>
-                                          <p:spTgt spid="1026"/>
-                                        </p:tgtEl>
-                                        <p:attrNameLst>
-                                          <p:attrName>style.visibility</p:attrName>
-                                        </p:attrNameLst>
-                                      </p:cBhvr>
-                                      <p:to>
-                                        <p:strVal val="hidden"/>
-                                      </p:to>
-                                    </p:set>
-                                  </p:childTnLst>
-                                </p:cTn>
-                              </p:par>
-                            </p:childTnLst>
-                          </p:cTn>
-                        </p:par>
-                      </p:childTnLst>
-                    </p:cTn>
-                  </p:par>
-                </p:childTnLst>
-              </p:cTn>
-              <p:prevCondLst>
-                <p:cond evt="onPrev" delay="0">
-                  <p:tgtEl>
-                    <p:sldTgt/>
-                  </p:tgtEl>
-                </p:cond>
-              </p:prevCondLst>
-              <p:nextCondLst>
-                <p:cond evt="onNext" delay="0">
-                  <p:tgtEl>
-                    <p:sldTgt/>
-                  </p:tgtEl>
-                </p:cond>
-              </p:nextCondLst>
-            </p:seq>
-          </p:childTnLst>
-        </p:cTn>
-      </p:par>
-    </p:tnLst>
-  </p:timing>
-</p:sld>
-</file>
-
-<file path=ppt/slides/slide8.xml><?xml version="1.0" encoding="utf-8"?>
-<p:sld xmlns:a="http://schemas.openxmlformats.org/drawingml/2006/main" xmlns:r="http://schemas.openxmlformats.org/officeDocument/2006/relationships" xmlns:p="http://schemas.openxmlformats.org/presentationml/2006/main">
-  <p:cSld>
-    <p:spTree>
-      <p:nvGrpSpPr>
-        <p:cNvPr id="1" name=""/>
-        <p:cNvGrpSpPr/>
-        <p:nvPr/>
-      </p:nvGrpSpPr>
-      <p:grpSpPr>
-        <a:xfrm>
-          <a:off x="0" y="0"/>
-          <a:ext cx="0" cy="0"/>
-          <a:chOff x="0" y="0"/>
-          <a:chExt cx="0" cy="0"/>
-        </a:xfrm>
-      </p:grpSpPr>
-      <p:grpSp>
-        <p:nvGrpSpPr>
-          <p:cNvPr id="2" name="그룹 1"/>
-          <p:cNvGrpSpPr/>
-          <p:nvPr/>
-        </p:nvGrpSpPr>
-        <p:grpSpPr>
-          <a:xfrm>
-            <a:off x="175953" y="206639"/>
-            <a:ext cx="1901886" cy="541508"/>
-            <a:chOff x="4232564" y="2276508"/>
-            <a:chExt cx="1901886" cy="541508"/>
-          </a:xfrm>
-        </p:grpSpPr>
-        <p:grpSp>
-          <p:nvGrpSpPr>
-            <p:cNvPr id="3" name="그룹 2"/>
-            <p:cNvGrpSpPr/>
-            <p:nvPr/>
-          </p:nvGrpSpPr>
-          <p:grpSpPr>
-            <a:xfrm>
-              <a:off x="4232564" y="2276508"/>
-              <a:ext cx="712648" cy="541508"/>
-              <a:chOff x="3115591" y="4405745"/>
-              <a:chExt cx="4089168" cy="3107176"/>
-            </a:xfrm>
-          </p:grpSpPr>
-          <p:sp>
-            <p:nvSpPr>
-              <p:cNvPr id="6" name="평행 사변형 5"/>
-              <p:cNvSpPr/>
-              <p:nvPr/>
-            </p:nvSpPr>
-            <p:spPr>
-              <a:xfrm>
-                <a:off x="3379408" y="4636717"/>
-                <a:ext cx="3825351" cy="2876204"/>
-              </a:xfrm>
-              <a:prstGeom prst="parallelogram">
-                <a:avLst/>
-              </a:prstGeom>
-              <a:solidFill>
-                <a:srgbClr val="6C5B7B"/>
-              </a:solidFill>
-              <a:ln>
-                <a:noFill/>
-              </a:ln>
-            </p:spPr>
-            <p:style>
-              <a:lnRef idx="2">
-                <a:schemeClr val="accent1">
-                  <a:shade val="50000"/>
-                </a:schemeClr>
-              </a:lnRef>
-              <a:fillRef idx="1">
-                <a:schemeClr val="accent1"/>
-              </a:fillRef>
-              <a:effectRef idx="0">
-                <a:schemeClr val="accent1"/>
-              </a:effectRef>
-              <a:fontRef idx="minor">
-                <a:schemeClr val="lt1"/>
-              </a:fontRef>
-            </p:style>
-            <p:txBody>
-              <a:bodyPr rtlCol="0" anchor="ctr"/>
-              <a:lstStyle/>
-              <a:p>
-                <a:pPr algn="ctr"/>
-                <a:endParaRPr lang="ko-KR" altLang="en-US"/>
-              </a:p>
-            </p:txBody>
-          </p:sp>
-          <p:sp>
-            <p:nvSpPr>
-              <p:cNvPr id="7" name="평행 사변형 6"/>
-              <p:cNvSpPr/>
-              <p:nvPr/>
-            </p:nvSpPr>
-            <p:spPr>
-              <a:xfrm>
-                <a:off x="3115591" y="4405745"/>
-                <a:ext cx="3825352" cy="2876204"/>
-              </a:xfrm>
-              <a:prstGeom prst="parallelogram">
-                <a:avLst/>
-              </a:prstGeom>
-              <a:solidFill>
-                <a:srgbClr val="F67280"/>
-              </a:solidFill>
-              <a:ln>
-                <a:noFill/>
-              </a:ln>
-            </p:spPr>
-            <p:style>
-              <a:lnRef idx="2">
-                <a:schemeClr val="accent1">
-                  <a:shade val="50000"/>
-                </a:schemeClr>
-              </a:lnRef>
-              <a:fillRef idx="1">
-                <a:schemeClr val="accent1"/>
-              </a:fillRef>
-              <a:effectRef idx="0">
-                <a:schemeClr val="accent1"/>
-              </a:effectRef>
-              <a:fontRef idx="minor">
-                <a:schemeClr val="lt1"/>
-              </a:fontRef>
-            </p:style>
-            <p:txBody>
-              <a:bodyPr rtlCol="0" anchor="ctr"/>
-              <a:lstStyle/>
-              <a:p>
-                <a:pPr algn="ctr"/>
-                <a:endParaRPr lang="ko-KR" altLang="en-US"/>
-              </a:p>
-            </p:txBody>
-          </p:sp>
-        </p:grpSp>
-        <p:sp>
-          <p:nvSpPr>
-            <p:cNvPr id="4" name="TextBox 3"/>
-            <p:cNvSpPr txBox="1"/>
-            <p:nvPr/>
-          </p:nvSpPr>
-          <p:spPr>
-            <a:xfrm>
-              <a:off x="5201181" y="2327080"/>
-              <a:ext cx="933269" cy="400110"/>
-            </a:xfrm>
-            <a:prstGeom prst="rect">
-              <a:avLst/>
-            </a:prstGeom>
-            <a:noFill/>
-          </p:spPr>
-          <p:txBody>
-            <a:bodyPr wrap="none" rtlCol="0">
-              <a:spAutoFit/>
-            </a:bodyPr>
-            <a:lstStyle/>
-            <a:p>
-              <a:r>
-                <a:rPr lang="en-US" altLang="ko-KR" sz="2000" dirty="0" smtClean="0">
-                  <a:solidFill>
-                    <a:srgbClr val="6C5B7B"/>
-                  </a:solidFill>
-                  <a:latin typeface="KoPub돋움체 Bold" panose="02020603020101020101" pitchFamily="18" charset="-127"/>
-                  <a:ea typeface="KoPub돋움체 Bold" panose="02020603020101020101" pitchFamily="18" charset="-127"/>
-                </a:rPr>
-                <a:t>UI </a:t>
-              </a:r>
-              <a:r>
-                <a:rPr lang="ko-KR" altLang="en-US" sz="2000" dirty="0" smtClean="0">
-                  <a:solidFill>
-                    <a:srgbClr val="6C5B7B"/>
-                  </a:solidFill>
-                  <a:latin typeface="KoPub돋움체 Bold" panose="02020603020101020101" pitchFamily="18" charset="-127"/>
-                  <a:ea typeface="KoPub돋움체 Bold" panose="02020603020101020101" pitchFamily="18" charset="-127"/>
-                </a:rPr>
-                <a:t>설명</a:t>
-              </a:r>
-              <a:endParaRPr lang="en-US" altLang="ko-KR" sz="2000" dirty="0" smtClean="0">
-                <a:solidFill>
-                  <a:srgbClr val="6C5B7B"/>
-                </a:solidFill>
-                <a:latin typeface="KoPub돋움체 Bold" panose="02020603020101020101" pitchFamily="18" charset="-127"/>
-                <a:ea typeface="KoPub돋움체 Bold" panose="02020603020101020101" pitchFamily="18" charset="-127"/>
-              </a:endParaRPr>
-            </a:p>
-          </p:txBody>
-        </p:sp>
-        <p:sp>
-          <p:nvSpPr>
-            <p:cNvPr id="5" name="TextBox 4"/>
-            <p:cNvSpPr txBox="1"/>
-            <p:nvPr/>
-          </p:nvSpPr>
-          <p:spPr>
-            <a:xfrm>
-              <a:off x="4358150" y="2357858"/>
-              <a:ext cx="418704" cy="338554"/>
-            </a:xfrm>
-            <a:prstGeom prst="rect">
-              <a:avLst/>
-            </a:prstGeom>
-            <a:noFill/>
-          </p:spPr>
-          <p:txBody>
-            <a:bodyPr wrap="none" rtlCol="0">
-              <a:spAutoFit/>
-            </a:bodyPr>
-            <a:lstStyle/>
-            <a:p>
-              <a:r>
-                <a:rPr lang="en-US" altLang="ko-KR" sz="1600" dirty="0" smtClean="0">
-                  <a:solidFill>
-                    <a:schemeClr val="bg1"/>
-                  </a:solidFill>
-                  <a:latin typeface="KoPub돋움체 Light" panose="02020603020101020101" pitchFamily="18" charset="-127"/>
-                  <a:ea typeface="KoPub돋움체 Light" panose="02020603020101020101" pitchFamily="18" charset="-127"/>
-                </a:rPr>
-                <a:t>04</a:t>
-              </a:r>
-              <a:endParaRPr lang="ko-KR" altLang="en-US" sz="1600" dirty="0">
-                <a:solidFill>
-                  <a:schemeClr val="bg1"/>
-                </a:solidFill>
-                <a:latin typeface="KoPub돋움체 Light" panose="02020603020101020101" pitchFamily="18" charset="-127"/>
-                <a:ea typeface="KoPub돋움체 Light" panose="02020603020101020101" pitchFamily="18" charset="-127"/>
-              </a:endParaRPr>
-            </a:p>
-          </p:txBody>
-        </p:sp>
-      </p:grpSp>
-      <p:sp>
-        <p:nvSpPr>
-          <p:cNvPr id="8" name="TextBox 7"/>
-          <p:cNvSpPr txBox="1"/>
-          <p:nvPr/>
-        </p:nvSpPr>
-        <p:spPr>
-          <a:xfrm>
-            <a:off x="4537364" y="2875002"/>
-            <a:ext cx="3117273" cy="1107996"/>
-          </a:xfrm>
-          <a:prstGeom prst="rect">
-            <a:avLst/>
-          </a:prstGeom>
-          <a:noFill/>
-        </p:spPr>
-        <p:txBody>
-          <a:bodyPr wrap="square" rtlCol="0">
-            <a:spAutoFit/>
-          </a:bodyPr>
-          <a:lstStyle/>
-          <a:p>
-            <a:pPr algn="ctr"/>
-            <a:r>
-              <a:rPr lang="ko-KR" altLang="en-US" sz="6600" dirty="0" err="1" smtClean="0">
-                <a:latin typeface="KoPubWorld돋움체 Bold" panose="00000800000000000000" pitchFamily="2" charset="-127"/>
-                <a:ea typeface="KoPubWorld돋움체 Bold" panose="00000800000000000000" pitchFamily="2" charset="-127"/>
-                <a:cs typeface="KoPubWorld돋움체 Bold" panose="00000800000000000000" pitchFamily="2" charset="-127"/>
-              </a:rPr>
-              <a:t>메인화면</a:t>
-            </a:r>
-            <a:endParaRPr lang="ko-KR" altLang="en-US" sz="6600" dirty="0">
-              <a:latin typeface="KoPubWorld돋움체 Bold" panose="00000800000000000000" pitchFamily="2" charset="-127"/>
-              <a:ea typeface="KoPubWorld돋움체 Bold" panose="00000800000000000000" pitchFamily="2" charset="-127"/>
-              <a:cs typeface="KoPubWorld돋움체 Bold" panose="00000800000000000000" pitchFamily="2" charset="-127"/>
-            </a:endParaRPr>
-          </a:p>
-        </p:txBody>
-      </p:sp>
-    </p:spTree>
-    <p:extLst>
-      <p:ext uri="{BB962C8B-B14F-4D97-AF65-F5344CB8AC3E}">
-        <p14:creationId xmlns:p14="http://schemas.microsoft.com/office/powerpoint/2010/main" val="1850548577"/>
       </p:ext>
     </p:extLst>
   </p:cSld>
@@ -11348,274 +9555,238 @@
           <a:chExt cx="0" cy="0"/>
         </a:xfrm>
       </p:grpSpPr>
-      <p:grpSp>
-        <p:nvGrpSpPr>
-          <p:cNvPr id="2" name="그룹 1"/>
-          <p:cNvGrpSpPr/>
+      <p:sp>
+        <p:nvSpPr>
+          <p:cNvPr id="79" name="직사각형 78"/>
+          <p:cNvSpPr/>
           <p:nvPr/>
-        </p:nvGrpSpPr>
-        <p:grpSpPr>
-          <a:xfrm>
-            <a:off x="175953" y="206639"/>
-            <a:ext cx="1901886" cy="541508"/>
-            <a:chOff x="4232564" y="2276508"/>
-            <a:chExt cx="1901886" cy="541508"/>
-          </a:xfrm>
-        </p:grpSpPr>
-        <p:grpSp>
-          <p:nvGrpSpPr>
-            <p:cNvPr id="3" name="그룹 2"/>
-            <p:cNvGrpSpPr/>
-            <p:nvPr/>
-          </p:nvGrpSpPr>
-          <p:grpSpPr>
-            <a:xfrm>
-              <a:off x="4232564" y="2276508"/>
-              <a:ext cx="712648" cy="541508"/>
-              <a:chOff x="3115591" y="4405745"/>
-              <a:chExt cx="4089168" cy="3107176"/>
-            </a:xfrm>
-          </p:grpSpPr>
-          <p:sp>
-            <p:nvSpPr>
-              <p:cNvPr id="6" name="평행 사변형 5"/>
-              <p:cNvSpPr/>
-              <p:nvPr/>
-            </p:nvSpPr>
-            <p:spPr>
-              <a:xfrm>
-                <a:off x="3379408" y="4636717"/>
-                <a:ext cx="3825351" cy="2876204"/>
-              </a:xfrm>
-              <a:prstGeom prst="parallelogram">
-                <a:avLst/>
-              </a:prstGeom>
-              <a:solidFill>
-                <a:srgbClr val="6C5B7B"/>
-              </a:solidFill>
-              <a:ln>
-                <a:noFill/>
-              </a:ln>
-            </p:spPr>
-            <p:style>
-              <a:lnRef idx="2">
-                <a:schemeClr val="accent1">
-                  <a:shade val="50000"/>
-                </a:schemeClr>
-              </a:lnRef>
-              <a:fillRef idx="1">
-                <a:schemeClr val="accent1"/>
-              </a:fillRef>
-              <a:effectRef idx="0">
-                <a:schemeClr val="accent1"/>
-              </a:effectRef>
-              <a:fontRef idx="minor">
-                <a:schemeClr val="lt1"/>
-              </a:fontRef>
-            </p:style>
-            <p:txBody>
-              <a:bodyPr rtlCol="0" anchor="ctr"/>
-              <a:lstStyle/>
-              <a:p>
-                <a:pPr algn="ctr"/>
-                <a:endParaRPr lang="ko-KR" altLang="en-US"/>
-              </a:p>
-            </p:txBody>
-          </p:sp>
-          <p:sp>
-            <p:nvSpPr>
-              <p:cNvPr id="7" name="평행 사변형 6"/>
-              <p:cNvSpPr/>
-              <p:nvPr/>
-            </p:nvSpPr>
-            <p:spPr>
-              <a:xfrm>
-                <a:off x="3115591" y="4405745"/>
-                <a:ext cx="3825352" cy="2876204"/>
-              </a:xfrm>
-              <a:prstGeom prst="parallelogram">
-                <a:avLst/>
-              </a:prstGeom>
-              <a:solidFill>
-                <a:srgbClr val="F67280"/>
-              </a:solidFill>
-              <a:ln>
-                <a:noFill/>
-              </a:ln>
-            </p:spPr>
-            <p:style>
-              <a:lnRef idx="2">
-                <a:schemeClr val="accent1">
-                  <a:shade val="50000"/>
-                </a:schemeClr>
-              </a:lnRef>
-              <a:fillRef idx="1">
-                <a:schemeClr val="accent1"/>
-              </a:fillRef>
-              <a:effectRef idx="0">
-                <a:schemeClr val="accent1"/>
-              </a:effectRef>
-              <a:fontRef idx="minor">
-                <a:schemeClr val="lt1"/>
-              </a:fontRef>
-            </p:style>
-            <p:txBody>
-              <a:bodyPr rtlCol="0" anchor="ctr"/>
-              <a:lstStyle/>
-              <a:p>
-                <a:pPr algn="ctr"/>
-                <a:endParaRPr lang="ko-KR" altLang="en-US"/>
-              </a:p>
-            </p:txBody>
-          </p:sp>
-        </p:grpSp>
-        <p:sp>
-          <p:nvSpPr>
-            <p:cNvPr id="4" name="TextBox 3"/>
-            <p:cNvSpPr txBox="1"/>
-            <p:nvPr/>
-          </p:nvSpPr>
-          <p:spPr>
-            <a:xfrm>
-              <a:off x="5201181" y="2327080"/>
-              <a:ext cx="933269" cy="400110"/>
-            </a:xfrm>
-            <a:prstGeom prst="rect">
-              <a:avLst/>
-            </a:prstGeom>
-            <a:noFill/>
-          </p:spPr>
-          <p:txBody>
-            <a:bodyPr wrap="none" rtlCol="0">
-              <a:spAutoFit/>
-            </a:bodyPr>
-            <a:lstStyle/>
-            <a:p>
-              <a:r>
-                <a:rPr lang="en-US" altLang="ko-KR" sz="2000" dirty="0" smtClean="0">
-                  <a:solidFill>
-                    <a:srgbClr val="6C5B7B"/>
-                  </a:solidFill>
-                  <a:latin typeface="KoPub돋움체 Bold" panose="02020603020101020101" pitchFamily="18" charset="-127"/>
-                  <a:ea typeface="KoPub돋움체 Bold" panose="02020603020101020101" pitchFamily="18" charset="-127"/>
-                </a:rPr>
-                <a:t>UI </a:t>
-              </a:r>
-              <a:r>
-                <a:rPr lang="ko-KR" altLang="en-US" sz="2000" dirty="0" smtClean="0">
-                  <a:solidFill>
-                    <a:srgbClr val="6C5B7B"/>
-                  </a:solidFill>
-                  <a:latin typeface="KoPub돋움체 Bold" panose="02020603020101020101" pitchFamily="18" charset="-127"/>
-                  <a:ea typeface="KoPub돋움체 Bold" panose="02020603020101020101" pitchFamily="18" charset="-127"/>
-                </a:rPr>
-                <a:t>설명</a:t>
-              </a:r>
-              <a:endParaRPr lang="en-US" altLang="ko-KR" sz="2000" dirty="0" smtClean="0">
-                <a:solidFill>
-                  <a:srgbClr val="6C5B7B"/>
-                </a:solidFill>
-                <a:latin typeface="KoPub돋움체 Bold" panose="02020603020101020101" pitchFamily="18" charset="-127"/>
-                <a:ea typeface="KoPub돋움체 Bold" panose="02020603020101020101" pitchFamily="18" charset="-127"/>
-              </a:endParaRPr>
-            </a:p>
-          </p:txBody>
-        </p:sp>
-        <p:sp>
-          <p:nvSpPr>
-            <p:cNvPr id="5" name="TextBox 4"/>
-            <p:cNvSpPr txBox="1"/>
-            <p:nvPr/>
-          </p:nvSpPr>
-          <p:spPr>
-            <a:xfrm>
-              <a:off x="4358150" y="2357858"/>
-              <a:ext cx="418704" cy="338554"/>
-            </a:xfrm>
-            <a:prstGeom prst="rect">
-              <a:avLst/>
-            </a:prstGeom>
-            <a:noFill/>
-          </p:spPr>
-          <p:txBody>
-            <a:bodyPr wrap="none" rtlCol="0">
-              <a:spAutoFit/>
-            </a:bodyPr>
-            <a:lstStyle/>
-            <a:p>
-              <a:r>
-                <a:rPr lang="en-US" altLang="ko-KR" sz="1600" dirty="0" smtClean="0">
-                  <a:solidFill>
-                    <a:schemeClr val="bg1"/>
-                  </a:solidFill>
-                  <a:latin typeface="KoPub돋움체 Light" panose="02020603020101020101" pitchFamily="18" charset="-127"/>
-                  <a:ea typeface="KoPub돋움체 Light" panose="02020603020101020101" pitchFamily="18" charset="-127"/>
-                </a:rPr>
-                <a:t>04</a:t>
-              </a:r>
-              <a:endParaRPr lang="ko-KR" altLang="en-US" sz="1600" dirty="0">
-                <a:solidFill>
-                  <a:schemeClr val="bg1"/>
-                </a:solidFill>
-                <a:latin typeface="KoPub돋움체 Light" panose="02020603020101020101" pitchFamily="18" charset="-127"/>
-                <a:ea typeface="KoPub돋움체 Light" panose="02020603020101020101" pitchFamily="18" charset="-127"/>
-              </a:endParaRPr>
-            </a:p>
-          </p:txBody>
-        </p:sp>
-      </p:grpSp>
-      <p:pic>
-        <p:nvPicPr>
-          <p:cNvPr id="8" name="그림 7"/>
-          <p:cNvPicPr>
-            <a:picLocks noChangeAspect="1"/>
-          </p:cNvPicPr>
-          <p:nvPr/>
-        </p:nvPicPr>
-        <p:blipFill>
-          <a:blip r:embed="rId2"/>
-          <a:stretch>
-            <a:fillRect/>
-          </a:stretch>
-        </p:blipFill>
-        <p:spPr>
-          <a:xfrm>
-            <a:off x="2398781" y="206639"/>
-            <a:ext cx="3629775" cy="6480000"/>
+        </p:nvSpPr>
+        <p:spPr>
+          <a:xfrm>
+            <a:off x="11567828" y="2371"/>
+            <a:ext cx="624172" cy="624172"/>
           </a:xfrm>
           <a:prstGeom prst="rect">
             <a:avLst/>
           </a:prstGeom>
-        </p:spPr>
-      </p:pic>
-      <p:pic>
-        <p:nvPicPr>
-          <p:cNvPr id="9" name="그림 8"/>
-          <p:cNvPicPr>
-            <a:picLocks noChangeAspect="1"/>
-          </p:cNvPicPr>
+          <a:solidFill>
+            <a:srgbClr val="355C7D"/>
+          </a:solidFill>
+        </p:spPr>
+        <p:style>
+          <a:lnRef idx="2">
+            <a:schemeClr val="accent1">
+              <a:shade val="50000"/>
+            </a:schemeClr>
+          </a:lnRef>
+          <a:fillRef idx="1">
+            <a:schemeClr val="accent1"/>
+          </a:fillRef>
+          <a:effectRef idx="0">
+            <a:schemeClr val="accent1"/>
+          </a:effectRef>
+          <a:fontRef idx="minor">
+            <a:schemeClr val="lt1"/>
+          </a:fontRef>
+        </p:style>
+        <p:txBody>
+          <a:bodyPr rtlCol="0" anchor="ctr"/>
+          <a:lstStyle/>
+          <a:p>
+            <a:pPr algn="ctr"/>
+            <a:endParaRPr lang="ko-KR" altLang="en-US"/>
+          </a:p>
+        </p:txBody>
+      </p:sp>
+      <p:sp>
+        <p:nvSpPr>
+          <p:cNvPr id="80" name="직각 삼각형 79"/>
+          <p:cNvSpPr/>
           <p:nvPr/>
-        </p:nvPicPr>
-        <p:blipFill>
-          <a:blip r:embed="rId3"/>
-          <a:stretch>
-            <a:fillRect/>
-          </a:stretch>
-        </p:blipFill>
-        <p:spPr>
-          <a:xfrm>
-            <a:off x="6074533" y="206639"/>
-            <a:ext cx="3652070" cy="6480000"/>
+        </p:nvSpPr>
+        <p:spPr>
+          <a:xfrm>
+            <a:off x="11567828" y="-6415"/>
+            <a:ext cx="624172" cy="642483"/>
+          </a:xfrm>
+          <a:prstGeom prst="rtTriangle">
+            <a:avLst/>
+          </a:prstGeom>
+          <a:solidFill>
+            <a:srgbClr val="F67280"/>
+          </a:solidFill>
+          <a:ln>
+            <a:noFill/>
+          </a:ln>
+        </p:spPr>
+        <p:style>
+          <a:lnRef idx="2">
+            <a:schemeClr val="accent1">
+              <a:shade val="50000"/>
+            </a:schemeClr>
+          </a:lnRef>
+          <a:fillRef idx="1">
+            <a:schemeClr val="accent1"/>
+          </a:fillRef>
+          <a:effectRef idx="0">
+            <a:schemeClr val="accent1"/>
+          </a:effectRef>
+          <a:fontRef idx="minor">
+            <a:schemeClr val="lt1"/>
+          </a:fontRef>
+        </p:style>
+        <p:txBody>
+          <a:bodyPr rtlCol="0" anchor="ctr"/>
+          <a:lstStyle/>
+          <a:p>
+            <a:pPr algn="ctr"/>
+            <a:endParaRPr lang="ko-KR" altLang="en-US"/>
+          </a:p>
+        </p:txBody>
+      </p:sp>
+      <p:sp>
+        <p:nvSpPr>
+          <p:cNvPr id="9" name="TextBox 8"/>
+          <p:cNvSpPr txBox="1"/>
+          <p:nvPr/>
+        </p:nvSpPr>
+        <p:spPr>
+          <a:xfrm>
+            <a:off x="125844" y="1456574"/>
+            <a:ext cx="11685155" cy="3785652"/>
           </a:xfrm>
           <a:prstGeom prst="rect">
             <a:avLst/>
           </a:prstGeom>
-        </p:spPr>
-      </p:pic>
+          <a:noFill/>
+        </p:spPr>
+        <p:txBody>
+          <a:bodyPr wrap="square" rtlCol="0">
+            <a:spAutoFit/>
+          </a:bodyPr>
+          <a:lstStyle/>
+          <a:p>
+            <a:pPr marL="285750" indent="-285750">
+              <a:buFontTx/>
+              <a:buChar char="-"/>
+            </a:pPr>
+            <a:r>
+              <a:rPr lang="ko-KR" altLang="en-US" sz="4800" dirty="0" smtClean="0">
+                <a:ea typeface="KoPub돋움체 Bold" panose="02020603020101020101"/>
+              </a:rPr>
+              <a:t>설정한 시간 동안 사람이 없을 때 자동으로 </a:t>
+            </a:r>
+            <a:endParaRPr lang="en-US" altLang="ko-KR" sz="4800" dirty="0" smtClean="0">
+              <a:ea typeface="KoPub돋움체 Bold" panose="02020603020101020101"/>
+            </a:endParaRPr>
+          </a:p>
+          <a:p>
+            <a:r>
+              <a:rPr lang="en-US" altLang="ko-KR" sz="4800" dirty="0">
+                <a:ea typeface="KoPub돋움체 Bold" panose="02020603020101020101"/>
+              </a:rPr>
+              <a:t> </a:t>
+            </a:r>
+            <a:r>
+              <a:rPr lang="ko-KR" altLang="en-US" sz="4800" dirty="0" smtClean="0">
+                <a:ea typeface="KoPub돋움체 Bold" panose="02020603020101020101"/>
+              </a:rPr>
+              <a:t>에어컨이 </a:t>
+            </a:r>
+            <a:r>
+              <a:rPr lang="ko-KR" altLang="en-US" sz="4800" dirty="0" smtClean="0">
+                <a:ea typeface="KoPub돋움체 Bold" panose="02020603020101020101"/>
+              </a:rPr>
+              <a:t>꺼짐</a:t>
+            </a:r>
+            <a:endParaRPr lang="en-US" altLang="ko-KR" sz="4800" dirty="0" smtClean="0">
+              <a:ea typeface="KoPub돋움체 Bold" panose="02020603020101020101"/>
+            </a:endParaRPr>
+          </a:p>
+          <a:p>
+            <a:pPr marL="285750" indent="-285750">
+              <a:buFontTx/>
+              <a:buChar char="-"/>
+            </a:pPr>
+            <a:r>
+              <a:rPr lang="ko-KR" altLang="en-US" sz="4800" dirty="0" smtClean="0">
+                <a:ea typeface="KoPub돋움체 Bold" panose="02020603020101020101"/>
+              </a:rPr>
+              <a:t>모바일에서 에어컨 온도</a:t>
+            </a:r>
+            <a:r>
+              <a:rPr lang="en-US" altLang="ko-KR" sz="4800" dirty="0" smtClean="0">
+                <a:ea typeface="KoPub돋움체 Bold" panose="02020603020101020101"/>
+              </a:rPr>
+              <a:t>, </a:t>
+            </a:r>
+            <a:r>
+              <a:rPr lang="ko-KR" altLang="en-US" sz="4800" dirty="0" smtClean="0">
+                <a:ea typeface="KoPub돋움체 Bold" panose="02020603020101020101"/>
+              </a:rPr>
+              <a:t>온</a:t>
+            </a:r>
+            <a:r>
+              <a:rPr lang="en-US" altLang="ko-KR" sz="4800" dirty="0" smtClean="0">
+                <a:ea typeface="KoPub돋움체 Bold" panose="02020603020101020101"/>
+              </a:rPr>
+              <a:t>/</a:t>
+            </a:r>
+            <a:r>
+              <a:rPr lang="ko-KR" altLang="en-US" sz="4800" dirty="0" smtClean="0">
+                <a:ea typeface="KoPub돋움체 Bold" panose="02020603020101020101"/>
+              </a:rPr>
+              <a:t>오프</a:t>
+            </a:r>
+            <a:r>
+              <a:rPr lang="en-US" altLang="ko-KR" sz="4800" dirty="0">
+                <a:ea typeface="KoPub돋움체 Bold" panose="02020603020101020101"/>
+              </a:rPr>
+              <a:t> </a:t>
+            </a:r>
+            <a:r>
+              <a:rPr lang="ko-KR" altLang="en-US" sz="4800" dirty="0" smtClean="0">
+                <a:ea typeface="KoPub돋움체 Bold" panose="02020603020101020101"/>
+              </a:rPr>
+              <a:t>조절</a:t>
+            </a:r>
+            <a:endParaRPr lang="en-US" altLang="ko-KR" sz="4800" dirty="0" smtClean="0">
+              <a:ea typeface="KoPub돋움체 Bold" panose="02020603020101020101"/>
+            </a:endParaRPr>
+          </a:p>
+          <a:p>
+            <a:pPr marL="285750" indent="-285750">
+              <a:buFontTx/>
+              <a:buChar char="-"/>
+            </a:pPr>
+            <a:r>
+              <a:rPr lang="ko-KR" altLang="en-US" sz="4800" dirty="0" smtClean="0">
+                <a:ea typeface="KoPub돋움체 Bold" panose="02020603020101020101"/>
+              </a:rPr>
+              <a:t>설정한 온도가 </a:t>
+            </a:r>
+            <a:r>
+              <a:rPr lang="ko-KR" altLang="en-US" sz="4800" dirty="0" err="1" smtClean="0">
+                <a:ea typeface="KoPub돋움체 Bold" panose="02020603020101020101"/>
+              </a:rPr>
+              <a:t>되었을때</a:t>
+            </a:r>
+            <a:r>
+              <a:rPr lang="ko-KR" altLang="en-US" sz="4800" dirty="0" smtClean="0">
+                <a:ea typeface="KoPub돋움체 Bold" panose="02020603020101020101"/>
+              </a:rPr>
+              <a:t> 자동으로 에어컨이 꺼짐</a:t>
+            </a:r>
+            <a:endParaRPr lang="ko-KR" altLang="en-US" sz="4800" dirty="0">
+              <a:ea typeface="KoPub돋움체 Bold" panose="02020603020101020101"/>
+            </a:endParaRPr>
+          </a:p>
+        </p:txBody>
+      </p:sp>
     </p:spTree>
     <p:extLst>
       <p:ext uri="{BB962C8B-B14F-4D97-AF65-F5344CB8AC3E}">
-        <p14:creationId xmlns:p14="http://schemas.microsoft.com/office/powerpoint/2010/main" val="1763469085"/>
+        <p14:creationId xmlns:p14="http://schemas.microsoft.com/office/powerpoint/2010/main" val="634404379"/>
       </p:ext>
     </p:extLst>
   </p:cSld>

--- a/pptFile/ppt.pptx
+++ b/pptFile/ppt.pptx
@@ -4,6 +4,9 @@
   <p:sldMasterIdLst>
     <p:sldMasterId id="2147483648" r:id="rId1"/>
   </p:sldMasterIdLst>
+  <p:notesMasterIdLst>
+    <p:notesMasterId r:id="rId33"/>
+  </p:notesMasterIdLst>
   <p:sldIdLst>
     <p:sldId id="257" r:id="rId2"/>
     <p:sldId id="258" r:id="rId3"/>
@@ -13,30 +16,29 @@
     <p:sldId id="288" r:id="rId7"/>
     <p:sldId id="289" r:id="rId8"/>
     <p:sldId id="266" r:id="rId9"/>
-    <p:sldId id="290" r:id="rId10"/>
-    <p:sldId id="293" r:id="rId11"/>
-    <p:sldId id="267" r:id="rId12"/>
-    <p:sldId id="294" r:id="rId13"/>
-    <p:sldId id="287" r:id="rId14"/>
-    <p:sldId id="271" r:id="rId15"/>
-    <p:sldId id="286" r:id="rId16"/>
-    <p:sldId id="285" r:id="rId17"/>
-    <p:sldId id="280" r:id="rId18"/>
-    <p:sldId id="274" r:id="rId19"/>
-    <p:sldId id="281" r:id="rId20"/>
-    <p:sldId id="273" r:id="rId21"/>
-    <p:sldId id="283" r:id="rId22"/>
-    <p:sldId id="275" r:id="rId23"/>
-    <p:sldId id="282" r:id="rId24"/>
-    <p:sldId id="276" r:id="rId25"/>
-    <p:sldId id="284" r:id="rId26"/>
-    <p:sldId id="277" r:id="rId27"/>
-    <p:sldId id="296" r:id="rId28"/>
-    <p:sldId id="268" r:id="rId29"/>
-    <p:sldId id="295" r:id="rId30"/>
-    <p:sldId id="269" r:id="rId31"/>
-    <p:sldId id="270" r:id="rId32"/>
-    <p:sldId id="265" r:id="rId33"/>
+    <p:sldId id="293" r:id="rId10"/>
+    <p:sldId id="290" r:id="rId11"/>
+    <p:sldId id="294" r:id="rId12"/>
+    <p:sldId id="287" r:id="rId13"/>
+    <p:sldId id="271" r:id="rId14"/>
+    <p:sldId id="286" r:id="rId15"/>
+    <p:sldId id="285" r:id="rId16"/>
+    <p:sldId id="280" r:id="rId17"/>
+    <p:sldId id="274" r:id="rId18"/>
+    <p:sldId id="281" r:id="rId19"/>
+    <p:sldId id="273" r:id="rId20"/>
+    <p:sldId id="283" r:id="rId21"/>
+    <p:sldId id="275" r:id="rId22"/>
+    <p:sldId id="282" r:id="rId23"/>
+    <p:sldId id="276" r:id="rId24"/>
+    <p:sldId id="284" r:id="rId25"/>
+    <p:sldId id="277" r:id="rId26"/>
+    <p:sldId id="296" r:id="rId27"/>
+    <p:sldId id="268" r:id="rId28"/>
+    <p:sldId id="295" r:id="rId29"/>
+    <p:sldId id="269" r:id="rId30"/>
+    <p:sldId id="270" r:id="rId31"/>
+    <p:sldId id="265" r:id="rId32"/>
   </p:sldIdLst>
   <p:sldSz cx="12192000" cy="6858000"/>
   <p:notesSz cx="6858000" cy="9144000"/>
@@ -143,6 +145,669 @@
 </p:presentation>
 </file>
 
+<file path=ppt/notesMasters/notesMaster1.xml><?xml version="1.0" encoding="utf-8"?>
+<p:notesMaster xmlns:a="http://schemas.openxmlformats.org/drawingml/2006/main" xmlns:r="http://schemas.openxmlformats.org/officeDocument/2006/relationships" xmlns:p="http://schemas.openxmlformats.org/presentationml/2006/main">
+  <p:cSld>
+    <p:bg>
+      <p:bgRef idx="1001">
+        <a:schemeClr val="bg1"/>
+      </p:bgRef>
+    </p:bg>
+    <p:spTree>
+      <p:nvGrpSpPr>
+        <p:cNvPr id="1" name=""/>
+        <p:cNvGrpSpPr/>
+        <p:nvPr/>
+      </p:nvGrpSpPr>
+      <p:grpSpPr>
+        <a:xfrm>
+          <a:off x="0" y="0"/>
+          <a:ext cx="0" cy="0"/>
+          <a:chOff x="0" y="0"/>
+          <a:chExt cx="0" cy="0"/>
+        </a:xfrm>
+      </p:grpSpPr>
+      <p:sp>
+        <p:nvSpPr>
+          <p:cNvPr id="2" name="머리글 개체 틀 1"/>
+          <p:cNvSpPr>
+            <a:spLocks noGrp="1"/>
+          </p:cNvSpPr>
+          <p:nvPr>
+            <p:ph type="hdr" sz="quarter"/>
+          </p:nvPr>
+        </p:nvSpPr>
+        <p:spPr>
+          <a:xfrm>
+            <a:off x="0" y="0"/>
+            <a:ext cx="2971800" cy="458788"/>
+          </a:xfrm>
+          <a:prstGeom prst="rect">
+            <a:avLst/>
+          </a:prstGeom>
+        </p:spPr>
+        <p:txBody>
+          <a:bodyPr vert="horz" lIns="91440" tIns="45720" rIns="91440" bIns="45720" rtlCol="0"/>
+          <a:lstStyle>
+            <a:lvl1pPr algn="l">
+              <a:defRPr sz="1200"/>
+            </a:lvl1pPr>
+          </a:lstStyle>
+          <a:p>
+            <a:endParaRPr lang="ko-KR" altLang="en-US"/>
+          </a:p>
+        </p:txBody>
+      </p:sp>
+      <p:sp>
+        <p:nvSpPr>
+          <p:cNvPr id="3" name="날짜 개체 틀 2"/>
+          <p:cNvSpPr>
+            <a:spLocks noGrp="1"/>
+          </p:cNvSpPr>
+          <p:nvPr>
+            <p:ph type="dt" idx="1"/>
+          </p:nvPr>
+        </p:nvSpPr>
+        <p:spPr>
+          <a:xfrm>
+            <a:off x="3884613" y="0"/>
+            <a:ext cx="2971800" cy="458788"/>
+          </a:xfrm>
+          <a:prstGeom prst="rect">
+            <a:avLst/>
+          </a:prstGeom>
+        </p:spPr>
+        <p:txBody>
+          <a:bodyPr vert="horz" lIns="91440" tIns="45720" rIns="91440" bIns="45720" rtlCol="0"/>
+          <a:lstStyle>
+            <a:lvl1pPr algn="r">
+              <a:defRPr sz="1200"/>
+            </a:lvl1pPr>
+          </a:lstStyle>
+          <a:p>
+            <a:fld id="{5FAE6046-C9A9-4427-B474-42F84026CA8F}" type="datetimeFigureOut">
+              <a:rPr lang="ko-KR" altLang="en-US" smtClean="0"/>
+              <a:t>2019-07-17</a:t>
+            </a:fld>
+            <a:endParaRPr lang="ko-KR" altLang="en-US"/>
+          </a:p>
+        </p:txBody>
+      </p:sp>
+      <p:sp>
+        <p:nvSpPr>
+          <p:cNvPr id="4" name="슬라이드 이미지 개체 틀 3"/>
+          <p:cNvSpPr>
+            <a:spLocks noGrp="1" noRot="1" noChangeAspect="1"/>
+          </p:cNvSpPr>
+          <p:nvPr>
+            <p:ph type="sldImg" idx="2"/>
+          </p:nvPr>
+        </p:nvSpPr>
+        <p:spPr>
+          <a:xfrm>
+            <a:off x="685800" y="1143000"/>
+            <a:ext cx="5486400" cy="3086100"/>
+          </a:xfrm>
+          <a:prstGeom prst="rect">
+            <a:avLst/>
+          </a:prstGeom>
+          <a:noFill/>
+          <a:ln w="12700">
+            <a:solidFill>
+              <a:prstClr val="black"/>
+            </a:solidFill>
+          </a:ln>
+        </p:spPr>
+        <p:txBody>
+          <a:bodyPr vert="horz" lIns="91440" tIns="45720" rIns="91440" bIns="45720" rtlCol="0" anchor="ctr"/>
+          <a:lstStyle/>
+          <a:p>
+            <a:endParaRPr lang="ko-KR" altLang="en-US"/>
+          </a:p>
+        </p:txBody>
+      </p:sp>
+      <p:sp>
+        <p:nvSpPr>
+          <p:cNvPr id="5" name="슬라이드 노트 개체 틀 4"/>
+          <p:cNvSpPr>
+            <a:spLocks noGrp="1"/>
+          </p:cNvSpPr>
+          <p:nvPr>
+            <p:ph type="body" sz="quarter" idx="3"/>
+          </p:nvPr>
+        </p:nvSpPr>
+        <p:spPr>
+          <a:xfrm>
+            <a:off x="685800" y="4400550"/>
+            <a:ext cx="5486400" cy="3600450"/>
+          </a:xfrm>
+          <a:prstGeom prst="rect">
+            <a:avLst/>
+          </a:prstGeom>
+        </p:spPr>
+        <p:txBody>
+          <a:bodyPr vert="horz" lIns="91440" tIns="45720" rIns="91440" bIns="45720" rtlCol="0"/>
+          <a:lstStyle/>
+          <a:p>
+            <a:pPr lvl="0"/>
+            <a:r>
+              <a:rPr lang="ko-KR" altLang="en-US" smtClean="0"/>
+              <a:t>마스터 텍스트 스타일 편집</a:t>
+            </a:r>
+          </a:p>
+          <a:p>
+            <a:pPr lvl="1"/>
+            <a:r>
+              <a:rPr lang="ko-KR" altLang="en-US" smtClean="0"/>
+              <a:t>둘째 수준</a:t>
+            </a:r>
+          </a:p>
+          <a:p>
+            <a:pPr lvl="2"/>
+            <a:r>
+              <a:rPr lang="ko-KR" altLang="en-US" smtClean="0"/>
+              <a:t>셋째 수준</a:t>
+            </a:r>
+          </a:p>
+          <a:p>
+            <a:pPr lvl="3"/>
+            <a:r>
+              <a:rPr lang="ko-KR" altLang="en-US" smtClean="0"/>
+              <a:t>넷째 수준</a:t>
+            </a:r>
+          </a:p>
+          <a:p>
+            <a:pPr lvl="4"/>
+            <a:r>
+              <a:rPr lang="ko-KR" altLang="en-US" smtClean="0"/>
+              <a:t>다섯째 수준</a:t>
+            </a:r>
+            <a:endParaRPr lang="ko-KR" altLang="en-US"/>
+          </a:p>
+        </p:txBody>
+      </p:sp>
+      <p:sp>
+        <p:nvSpPr>
+          <p:cNvPr id="6" name="바닥글 개체 틀 5"/>
+          <p:cNvSpPr>
+            <a:spLocks noGrp="1"/>
+          </p:cNvSpPr>
+          <p:nvPr>
+            <p:ph type="ftr" sz="quarter" idx="4"/>
+          </p:nvPr>
+        </p:nvSpPr>
+        <p:spPr>
+          <a:xfrm>
+            <a:off x="0" y="8685213"/>
+            <a:ext cx="2971800" cy="458787"/>
+          </a:xfrm>
+          <a:prstGeom prst="rect">
+            <a:avLst/>
+          </a:prstGeom>
+        </p:spPr>
+        <p:txBody>
+          <a:bodyPr vert="horz" lIns="91440" tIns="45720" rIns="91440" bIns="45720" rtlCol="0" anchor="b"/>
+          <a:lstStyle>
+            <a:lvl1pPr algn="l">
+              <a:defRPr sz="1200"/>
+            </a:lvl1pPr>
+          </a:lstStyle>
+          <a:p>
+            <a:endParaRPr lang="ko-KR" altLang="en-US"/>
+          </a:p>
+        </p:txBody>
+      </p:sp>
+      <p:sp>
+        <p:nvSpPr>
+          <p:cNvPr id="7" name="슬라이드 번호 개체 틀 6"/>
+          <p:cNvSpPr>
+            <a:spLocks noGrp="1"/>
+          </p:cNvSpPr>
+          <p:nvPr>
+            <p:ph type="sldNum" sz="quarter" idx="5"/>
+          </p:nvPr>
+        </p:nvSpPr>
+        <p:spPr>
+          <a:xfrm>
+            <a:off x="3884613" y="8685213"/>
+            <a:ext cx="2971800" cy="458787"/>
+          </a:xfrm>
+          <a:prstGeom prst="rect">
+            <a:avLst/>
+          </a:prstGeom>
+        </p:spPr>
+        <p:txBody>
+          <a:bodyPr vert="horz" lIns="91440" tIns="45720" rIns="91440" bIns="45720" rtlCol="0" anchor="b"/>
+          <a:lstStyle>
+            <a:lvl1pPr algn="r">
+              <a:defRPr sz="1200"/>
+            </a:lvl1pPr>
+          </a:lstStyle>
+          <a:p>
+            <a:fld id="{AAE96162-B206-4D75-A053-176CC24B0B2A}" type="slidenum">
+              <a:rPr lang="ko-KR" altLang="en-US" smtClean="0"/>
+              <a:t>‹#›</a:t>
+            </a:fld>
+            <a:endParaRPr lang="ko-KR" altLang="en-US"/>
+          </a:p>
+        </p:txBody>
+      </p:sp>
+    </p:spTree>
+    <p:extLst>
+      <p:ext uri="{BB962C8B-B14F-4D97-AF65-F5344CB8AC3E}">
+        <p14:creationId xmlns:p14="http://schemas.microsoft.com/office/powerpoint/2010/main" val="3869836083"/>
+      </p:ext>
+    </p:extLst>
+  </p:cSld>
+  <p:clrMap bg1="lt1" tx1="dk1" bg2="lt2" tx2="dk2" accent1="accent1" accent2="accent2" accent3="accent3" accent4="accent4" accent5="accent5" accent6="accent6" hlink="hlink" folHlink="folHlink"/>
+  <p:notesStyle>
+    <a:lvl1pPr marL="0" algn="l" defTabSz="914400" rtl="0" eaLnBrk="1" latinLnBrk="1" hangingPunct="1">
+      <a:defRPr sz="1200" kern="1200">
+        <a:solidFill>
+          <a:schemeClr val="tx1"/>
+        </a:solidFill>
+        <a:latin typeface="+mn-lt"/>
+        <a:ea typeface="+mn-ea"/>
+        <a:cs typeface="+mn-cs"/>
+      </a:defRPr>
+    </a:lvl1pPr>
+    <a:lvl2pPr marL="457200" algn="l" defTabSz="914400" rtl="0" eaLnBrk="1" latinLnBrk="1" hangingPunct="1">
+      <a:defRPr sz="1200" kern="1200">
+        <a:solidFill>
+          <a:schemeClr val="tx1"/>
+        </a:solidFill>
+        <a:latin typeface="+mn-lt"/>
+        <a:ea typeface="+mn-ea"/>
+        <a:cs typeface="+mn-cs"/>
+      </a:defRPr>
+    </a:lvl2pPr>
+    <a:lvl3pPr marL="914400" algn="l" defTabSz="914400" rtl="0" eaLnBrk="1" latinLnBrk="1" hangingPunct="1">
+      <a:defRPr sz="1200" kern="1200">
+        <a:solidFill>
+          <a:schemeClr val="tx1"/>
+        </a:solidFill>
+        <a:latin typeface="+mn-lt"/>
+        <a:ea typeface="+mn-ea"/>
+        <a:cs typeface="+mn-cs"/>
+      </a:defRPr>
+    </a:lvl3pPr>
+    <a:lvl4pPr marL="1371600" algn="l" defTabSz="914400" rtl="0" eaLnBrk="1" latinLnBrk="1" hangingPunct="1">
+      <a:defRPr sz="1200" kern="1200">
+        <a:solidFill>
+          <a:schemeClr val="tx1"/>
+        </a:solidFill>
+        <a:latin typeface="+mn-lt"/>
+        <a:ea typeface="+mn-ea"/>
+        <a:cs typeface="+mn-cs"/>
+      </a:defRPr>
+    </a:lvl4pPr>
+    <a:lvl5pPr marL="1828800" algn="l" defTabSz="914400" rtl="0" eaLnBrk="1" latinLnBrk="1" hangingPunct="1">
+      <a:defRPr sz="1200" kern="1200">
+        <a:solidFill>
+          <a:schemeClr val="tx1"/>
+        </a:solidFill>
+        <a:latin typeface="+mn-lt"/>
+        <a:ea typeface="+mn-ea"/>
+        <a:cs typeface="+mn-cs"/>
+      </a:defRPr>
+    </a:lvl5pPr>
+    <a:lvl6pPr marL="2286000" algn="l" defTabSz="914400" rtl="0" eaLnBrk="1" latinLnBrk="1" hangingPunct="1">
+      <a:defRPr sz="1200" kern="1200">
+        <a:solidFill>
+          <a:schemeClr val="tx1"/>
+        </a:solidFill>
+        <a:latin typeface="+mn-lt"/>
+        <a:ea typeface="+mn-ea"/>
+        <a:cs typeface="+mn-cs"/>
+      </a:defRPr>
+    </a:lvl6pPr>
+    <a:lvl7pPr marL="2743200" algn="l" defTabSz="914400" rtl="0" eaLnBrk="1" latinLnBrk="1" hangingPunct="1">
+      <a:defRPr sz="1200" kern="1200">
+        <a:solidFill>
+          <a:schemeClr val="tx1"/>
+        </a:solidFill>
+        <a:latin typeface="+mn-lt"/>
+        <a:ea typeface="+mn-ea"/>
+        <a:cs typeface="+mn-cs"/>
+      </a:defRPr>
+    </a:lvl7pPr>
+    <a:lvl8pPr marL="3200400" algn="l" defTabSz="914400" rtl="0" eaLnBrk="1" latinLnBrk="1" hangingPunct="1">
+      <a:defRPr sz="1200" kern="1200">
+        <a:solidFill>
+          <a:schemeClr val="tx1"/>
+        </a:solidFill>
+        <a:latin typeface="+mn-lt"/>
+        <a:ea typeface="+mn-ea"/>
+        <a:cs typeface="+mn-cs"/>
+      </a:defRPr>
+    </a:lvl8pPr>
+    <a:lvl9pPr marL="3657600" algn="l" defTabSz="914400" rtl="0" eaLnBrk="1" latinLnBrk="1" hangingPunct="1">
+      <a:defRPr sz="1200" kern="1200">
+        <a:solidFill>
+          <a:schemeClr val="tx1"/>
+        </a:solidFill>
+        <a:latin typeface="+mn-lt"/>
+        <a:ea typeface="+mn-ea"/>
+        <a:cs typeface="+mn-cs"/>
+      </a:defRPr>
+    </a:lvl9pPr>
+  </p:notesStyle>
+</p:notesMaster>
+</file>
+
+<file path=ppt/notesSlides/notesSlide1.xml><?xml version="1.0" encoding="utf-8"?>
+<p:notes xmlns:a="http://schemas.openxmlformats.org/drawingml/2006/main" xmlns:r="http://schemas.openxmlformats.org/officeDocument/2006/relationships" xmlns:p="http://schemas.openxmlformats.org/presentationml/2006/main">
+  <p:cSld>
+    <p:spTree>
+      <p:nvGrpSpPr>
+        <p:cNvPr id="1" name=""/>
+        <p:cNvGrpSpPr/>
+        <p:nvPr/>
+      </p:nvGrpSpPr>
+      <p:grpSpPr>
+        <a:xfrm>
+          <a:off x="0" y="0"/>
+          <a:ext cx="0" cy="0"/>
+          <a:chOff x="0" y="0"/>
+          <a:chExt cx="0" cy="0"/>
+        </a:xfrm>
+      </p:grpSpPr>
+      <p:sp>
+        <p:nvSpPr>
+          <p:cNvPr id="2" name="슬라이드 이미지 개체 틀 1"/>
+          <p:cNvSpPr>
+            <a:spLocks noGrp="1" noRot="1" noChangeAspect="1"/>
+          </p:cNvSpPr>
+          <p:nvPr>
+            <p:ph type="sldImg"/>
+          </p:nvPr>
+        </p:nvSpPr>
+        <p:spPr/>
+      </p:sp>
+      <p:sp>
+        <p:nvSpPr>
+          <p:cNvPr id="3" name="슬라이드 노트 개체 틀 2"/>
+          <p:cNvSpPr>
+            <a:spLocks noGrp="1"/>
+          </p:cNvSpPr>
+          <p:nvPr>
+            <p:ph type="body" idx="1"/>
+          </p:nvPr>
+        </p:nvSpPr>
+        <p:spPr/>
+        <p:txBody>
+          <a:bodyPr/>
+          <a:lstStyle/>
+          <a:p>
+            <a:endParaRPr lang="ko-KR" altLang="en-US" dirty="0"/>
+          </a:p>
+        </p:txBody>
+      </p:sp>
+      <p:sp>
+        <p:nvSpPr>
+          <p:cNvPr id="4" name="슬라이드 번호 개체 틀 3"/>
+          <p:cNvSpPr>
+            <a:spLocks noGrp="1"/>
+          </p:cNvSpPr>
+          <p:nvPr>
+            <p:ph type="sldNum" sz="quarter" idx="10"/>
+          </p:nvPr>
+        </p:nvSpPr>
+        <p:spPr/>
+        <p:txBody>
+          <a:bodyPr/>
+          <a:lstStyle/>
+          <a:p>
+            <a:fld id="{AAE96162-B206-4D75-A053-176CC24B0B2A}" type="slidenum">
+              <a:rPr lang="ko-KR" altLang="en-US" smtClean="0"/>
+              <a:t>28</a:t>
+            </a:fld>
+            <a:endParaRPr lang="ko-KR" altLang="en-US"/>
+          </a:p>
+        </p:txBody>
+      </p:sp>
+    </p:spTree>
+    <p:extLst>
+      <p:ext uri="{BB962C8B-B14F-4D97-AF65-F5344CB8AC3E}">
+        <p14:creationId xmlns:p14="http://schemas.microsoft.com/office/powerpoint/2010/main" val="3001152113"/>
+      </p:ext>
+    </p:extLst>
+  </p:cSld>
+  <p:clrMapOvr>
+    <a:masterClrMapping/>
+  </p:clrMapOvr>
+</p:notes>
+</file>
+
+<file path=ppt/notesSlides/notesSlide2.xml><?xml version="1.0" encoding="utf-8"?>
+<p:notes xmlns:a="http://schemas.openxmlformats.org/drawingml/2006/main" xmlns:r="http://schemas.openxmlformats.org/officeDocument/2006/relationships" xmlns:p="http://schemas.openxmlformats.org/presentationml/2006/main">
+  <p:cSld>
+    <p:spTree>
+      <p:nvGrpSpPr>
+        <p:cNvPr id="1" name=""/>
+        <p:cNvGrpSpPr/>
+        <p:nvPr/>
+      </p:nvGrpSpPr>
+      <p:grpSpPr>
+        <a:xfrm>
+          <a:off x="0" y="0"/>
+          <a:ext cx="0" cy="0"/>
+          <a:chOff x="0" y="0"/>
+          <a:chExt cx="0" cy="0"/>
+        </a:xfrm>
+      </p:grpSpPr>
+      <p:sp>
+        <p:nvSpPr>
+          <p:cNvPr id="2" name="슬라이드 이미지 개체 틀 1"/>
+          <p:cNvSpPr>
+            <a:spLocks noGrp="1" noRot="1" noChangeAspect="1"/>
+          </p:cNvSpPr>
+          <p:nvPr>
+            <p:ph type="sldImg"/>
+          </p:nvPr>
+        </p:nvSpPr>
+        <p:spPr/>
+      </p:sp>
+      <p:sp>
+        <p:nvSpPr>
+          <p:cNvPr id="3" name="슬라이드 노트 개체 틀 2"/>
+          <p:cNvSpPr>
+            <a:spLocks noGrp="1"/>
+          </p:cNvSpPr>
+          <p:nvPr>
+            <p:ph type="body" idx="1"/>
+          </p:nvPr>
+        </p:nvSpPr>
+        <p:spPr/>
+        <p:txBody>
+          <a:bodyPr/>
+          <a:lstStyle/>
+          <a:p>
+            <a:pPr rtl="0"/>
+            <a:r>
+              <a:rPr lang="ko-KR" altLang="en-US" sz="1200" b="1" i="0" u="none" strike="noStrike" kern="1200" dirty="0" err="1" smtClean="0">
+                <a:solidFill>
+                  <a:schemeClr val="tx1"/>
+                </a:solidFill>
+                <a:effectLst/>
+                <a:latin typeface="+mn-lt"/>
+                <a:ea typeface="+mn-ea"/>
+                <a:cs typeface="+mn-cs"/>
+              </a:rPr>
+              <a:t>가스별</a:t>
+            </a:r>
+            <a:r>
+              <a:rPr lang="ko-KR" altLang="en-US" sz="1200" b="1" i="0" u="none" strike="noStrike" kern="1200" dirty="0" smtClean="0">
+                <a:solidFill>
+                  <a:schemeClr val="tx1"/>
+                </a:solidFill>
+                <a:effectLst/>
+                <a:latin typeface="+mn-lt"/>
+                <a:ea typeface="+mn-ea"/>
+                <a:cs typeface="+mn-cs"/>
+              </a:rPr>
+              <a:t> 지구온난화 영향력</a:t>
+            </a:r>
+            <a:r>
+              <a:rPr lang="ko-KR" altLang="en-US" sz="1200" b="0" i="0" u="none" strike="noStrike" kern="1200" baseline="0" dirty="0" smtClean="0">
+                <a:solidFill>
+                  <a:schemeClr val="tx1"/>
+                </a:solidFill>
+                <a:effectLst/>
+                <a:latin typeface="+mn-lt"/>
+                <a:ea typeface="+mn-ea"/>
+                <a:cs typeface="+mn-cs"/>
+              </a:rPr>
+              <a:t> </a:t>
+            </a:r>
+            <a:r>
+              <a:rPr lang="en-US" altLang="ko-KR" sz="1200" b="0" i="0" u="none" strike="noStrike" kern="1200" baseline="0" dirty="0" smtClean="0">
+                <a:solidFill>
+                  <a:schemeClr val="tx1"/>
+                </a:solidFill>
+                <a:effectLst/>
+                <a:latin typeface="+mn-lt"/>
+                <a:ea typeface="+mn-ea"/>
+                <a:cs typeface="+mn-cs"/>
+              </a:rPr>
+              <a:t>: </a:t>
+            </a:r>
+            <a:r>
+              <a:rPr lang="ko-KR" altLang="en-US" sz="1200" b="1" i="0" u="none" strike="noStrike" kern="1200" dirty="0" smtClean="0">
+                <a:solidFill>
+                  <a:schemeClr val="tx1"/>
+                </a:solidFill>
+                <a:effectLst/>
+                <a:latin typeface="+mn-lt"/>
+                <a:ea typeface="+mn-ea"/>
+                <a:cs typeface="+mn-cs"/>
+              </a:rPr>
+              <a:t>이산화탄소의 영향력을 </a:t>
+            </a:r>
+            <a:r>
+              <a:rPr lang="en-US" altLang="ko-KR" sz="1200" b="1" i="0" u="none" strike="noStrike" kern="1200" dirty="0" smtClean="0">
+                <a:solidFill>
+                  <a:schemeClr val="tx1"/>
+                </a:solidFill>
+                <a:effectLst/>
+                <a:latin typeface="+mn-lt"/>
+                <a:ea typeface="+mn-ea"/>
+                <a:cs typeface="+mn-cs"/>
+              </a:rPr>
+              <a:t>1</a:t>
+            </a:r>
+            <a:r>
+              <a:rPr lang="ko-KR" altLang="en-US" sz="1200" b="1" i="0" u="none" strike="noStrike" kern="1200" dirty="0" smtClean="0">
+                <a:solidFill>
+                  <a:schemeClr val="tx1"/>
+                </a:solidFill>
+                <a:effectLst/>
+                <a:latin typeface="+mn-lt"/>
+                <a:ea typeface="+mn-ea"/>
+                <a:cs typeface="+mn-cs"/>
+              </a:rPr>
+              <a:t>로 </a:t>
+            </a:r>
+            <a:r>
+              <a:rPr lang="ko-KR" altLang="en-US" sz="1200" b="1" i="0" u="none" strike="noStrike" kern="1200" dirty="0" err="1" smtClean="0">
+                <a:solidFill>
+                  <a:schemeClr val="tx1"/>
+                </a:solidFill>
+                <a:effectLst/>
+                <a:latin typeface="+mn-lt"/>
+                <a:ea typeface="+mn-ea"/>
+                <a:cs typeface="+mn-cs"/>
+              </a:rPr>
+              <a:t>잡을때</a:t>
+            </a:r>
+            <a:r>
+              <a:rPr lang="ko-KR" altLang="en-US" sz="1200" b="0" i="0" u="none" strike="noStrike" kern="1200" baseline="0" dirty="0" smtClean="0">
+                <a:solidFill>
+                  <a:schemeClr val="tx1"/>
+                </a:solidFill>
+                <a:effectLst/>
+                <a:latin typeface="+mn-lt"/>
+                <a:ea typeface="+mn-ea"/>
+                <a:cs typeface="+mn-cs"/>
+              </a:rPr>
+              <a:t> </a:t>
+            </a:r>
+            <a:r>
+              <a:rPr lang="ko-KR" altLang="en-US" sz="1200" b="1" i="0" u="none" strike="noStrike" kern="1200" dirty="0" smtClean="0">
+                <a:solidFill>
+                  <a:schemeClr val="tx1"/>
+                </a:solidFill>
+                <a:effectLst/>
+                <a:latin typeface="+mn-lt"/>
+                <a:ea typeface="+mn-ea"/>
+                <a:cs typeface="+mn-cs"/>
+              </a:rPr>
+              <a:t>수소불화탄소의 영향력 </a:t>
+            </a:r>
+            <a:r>
+              <a:rPr lang="en-US" altLang="ko-KR" sz="1200" b="1" i="0" u="none" strike="noStrike" kern="1200" dirty="0" smtClean="0">
+                <a:solidFill>
+                  <a:schemeClr val="tx1"/>
+                </a:solidFill>
+                <a:effectLst/>
+                <a:latin typeface="+mn-lt"/>
+                <a:ea typeface="+mn-ea"/>
+                <a:cs typeface="+mn-cs"/>
+              </a:rPr>
+              <a:t>140~11,700</a:t>
+            </a:r>
+            <a:endParaRPr lang="ko-KR" altLang="en-US" b="0" dirty="0" smtClean="0">
+              <a:effectLst/>
+            </a:endParaRPr>
+          </a:p>
+          <a:p>
+            <a:r>
+              <a:rPr lang="ko-KR" altLang="en-US" dirty="0" smtClean="0"/>
+              <a:t/>
+            </a:r>
+            <a:br>
+              <a:rPr lang="ko-KR" altLang="en-US" dirty="0" smtClean="0"/>
+            </a:br>
+            <a:endParaRPr lang="ko-KR" altLang="en-US" dirty="0"/>
+          </a:p>
+        </p:txBody>
+      </p:sp>
+      <p:sp>
+        <p:nvSpPr>
+          <p:cNvPr id="4" name="슬라이드 번호 개체 틀 3"/>
+          <p:cNvSpPr>
+            <a:spLocks noGrp="1"/>
+          </p:cNvSpPr>
+          <p:nvPr>
+            <p:ph type="sldNum" sz="quarter" idx="10"/>
+          </p:nvPr>
+        </p:nvSpPr>
+        <p:spPr/>
+        <p:txBody>
+          <a:bodyPr/>
+          <a:lstStyle/>
+          <a:p>
+            <a:fld id="{AAE96162-B206-4D75-A053-176CC24B0B2A}" type="slidenum">
+              <a:rPr lang="ko-KR" altLang="en-US" smtClean="0"/>
+              <a:t>29</a:t>
+            </a:fld>
+            <a:endParaRPr lang="ko-KR" altLang="en-US"/>
+          </a:p>
+        </p:txBody>
+      </p:sp>
+    </p:spTree>
+    <p:extLst>
+      <p:ext uri="{BB962C8B-B14F-4D97-AF65-F5344CB8AC3E}">
+        <p14:creationId xmlns:p14="http://schemas.microsoft.com/office/powerpoint/2010/main" val="1521629801"/>
+      </p:ext>
+    </p:extLst>
+  </p:cSld>
+  <p:clrMapOvr>
+    <a:masterClrMapping/>
+  </p:clrMapOvr>
+</p:notes>
+</file>
+
 <file path=ppt/slideLayouts/slideLayout1.xml><?xml version="1.0" encoding="utf-8"?>
 <p:sldLayout xmlns:a="http://schemas.openxmlformats.org/drawingml/2006/main" xmlns:r="http://schemas.openxmlformats.org/officeDocument/2006/relationships" xmlns:p="http://schemas.openxmlformats.org/presentationml/2006/main" type="title" preserve="1">
   <p:cSld name="제목 슬라이드">
@@ -274,7 +939,7 @@
           <a:p>
             <a:fld id="{8CC59B9F-ED99-43DD-A96B-36EF8EBB65E7}" type="datetimeFigureOut">
               <a:rPr lang="ko-KR" altLang="en-US" smtClean="0"/>
-              <a:t>2019-07-16</a:t>
+              <a:t>2019-07-17</a:t>
             </a:fld>
             <a:endParaRPr lang="ko-KR" altLang="en-US"/>
           </a:p>
@@ -444,7 +1109,7 @@
           <a:p>
             <a:fld id="{8CC59B9F-ED99-43DD-A96B-36EF8EBB65E7}" type="datetimeFigureOut">
               <a:rPr lang="ko-KR" altLang="en-US" smtClean="0"/>
-              <a:t>2019-07-16</a:t>
+              <a:t>2019-07-17</a:t>
             </a:fld>
             <a:endParaRPr lang="ko-KR" altLang="en-US"/>
           </a:p>
@@ -624,7 +1289,7 @@
           <a:p>
             <a:fld id="{8CC59B9F-ED99-43DD-A96B-36EF8EBB65E7}" type="datetimeFigureOut">
               <a:rPr lang="ko-KR" altLang="en-US" smtClean="0"/>
-              <a:t>2019-07-16</a:t>
+              <a:t>2019-07-17</a:t>
             </a:fld>
             <a:endParaRPr lang="ko-KR" altLang="en-US"/>
           </a:p>
@@ -794,7 +1459,7 @@
           <a:p>
             <a:fld id="{8CC59B9F-ED99-43DD-A96B-36EF8EBB65E7}" type="datetimeFigureOut">
               <a:rPr lang="ko-KR" altLang="en-US" smtClean="0"/>
-              <a:t>2019-07-16</a:t>
+              <a:t>2019-07-17</a:t>
             </a:fld>
             <a:endParaRPr lang="ko-KR" altLang="en-US"/>
           </a:p>
@@ -1040,7 +1705,7 @@
           <a:p>
             <a:fld id="{8CC59B9F-ED99-43DD-A96B-36EF8EBB65E7}" type="datetimeFigureOut">
               <a:rPr lang="ko-KR" altLang="en-US" smtClean="0"/>
-              <a:t>2019-07-16</a:t>
+              <a:t>2019-07-17</a:t>
             </a:fld>
             <a:endParaRPr lang="ko-KR" altLang="en-US"/>
           </a:p>
@@ -1272,7 +1937,7 @@
           <a:p>
             <a:fld id="{8CC59B9F-ED99-43DD-A96B-36EF8EBB65E7}" type="datetimeFigureOut">
               <a:rPr lang="ko-KR" altLang="en-US" smtClean="0"/>
-              <a:t>2019-07-16</a:t>
+              <a:t>2019-07-17</a:t>
             </a:fld>
             <a:endParaRPr lang="ko-KR" altLang="en-US"/>
           </a:p>
@@ -1639,7 +2304,7 @@
           <a:p>
             <a:fld id="{8CC59B9F-ED99-43DD-A96B-36EF8EBB65E7}" type="datetimeFigureOut">
               <a:rPr lang="ko-KR" altLang="en-US" smtClean="0"/>
-              <a:t>2019-07-16</a:t>
+              <a:t>2019-07-17</a:t>
             </a:fld>
             <a:endParaRPr lang="ko-KR" altLang="en-US"/>
           </a:p>
@@ -1757,7 +2422,7 @@
           <a:p>
             <a:fld id="{8CC59B9F-ED99-43DD-A96B-36EF8EBB65E7}" type="datetimeFigureOut">
               <a:rPr lang="ko-KR" altLang="en-US" smtClean="0"/>
-              <a:t>2019-07-16</a:t>
+              <a:t>2019-07-17</a:t>
             </a:fld>
             <a:endParaRPr lang="ko-KR" altLang="en-US"/>
           </a:p>
@@ -1852,7 +2517,7 @@
           <a:p>
             <a:fld id="{8CC59B9F-ED99-43DD-A96B-36EF8EBB65E7}" type="datetimeFigureOut">
               <a:rPr lang="ko-KR" altLang="en-US" smtClean="0"/>
-              <a:t>2019-07-16</a:t>
+              <a:t>2019-07-17</a:t>
             </a:fld>
             <a:endParaRPr lang="ko-KR" altLang="en-US"/>
           </a:p>
@@ -2129,7 +2794,7 @@
           <a:p>
             <a:fld id="{8CC59B9F-ED99-43DD-A96B-36EF8EBB65E7}" type="datetimeFigureOut">
               <a:rPr lang="ko-KR" altLang="en-US" smtClean="0"/>
-              <a:t>2019-07-16</a:t>
+              <a:t>2019-07-17</a:t>
             </a:fld>
             <a:endParaRPr lang="ko-KR" altLang="en-US"/>
           </a:p>
@@ -2382,7 +3047,7 @@
           <a:p>
             <a:fld id="{8CC59B9F-ED99-43DD-A96B-36EF8EBB65E7}" type="datetimeFigureOut">
               <a:rPr lang="ko-KR" altLang="en-US" smtClean="0"/>
-              <a:t>2019-07-16</a:t>
+              <a:t>2019-07-17</a:t>
             </a:fld>
             <a:endParaRPr lang="ko-KR" altLang="en-US"/>
           </a:p>
@@ -2595,7 +3260,7 @@
           <a:p>
             <a:fld id="{8CC59B9F-ED99-43DD-A96B-36EF8EBB65E7}" type="datetimeFigureOut">
               <a:rPr lang="ko-KR" altLang="en-US" smtClean="0"/>
-              <a:t>2019-07-16</a:t>
+              <a:t>2019-07-17</a:t>
             </a:fld>
             <a:endParaRPr lang="ko-KR" altLang="en-US"/>
           </a:p>
@@ -3070,7 +3735,7 @@
         </p:blipFill>
         <p:spPr>
           <a:xfrm>
-            <a:off x="753118" y="2624258"/>
+            <a:off x="1808834" y="2624258"/>
             <a:ext cx="7925487" cy="1609483"/>
           </a:xfrm>
           <a:prstGeom prst="rect">
@@ -3100,7 +3765,7 @@
         </p:blipFill>
         <p:spPr>
           <a:xfrm>
-            <a:off x="6668383" y="4137024"/>
+            <a:off x="7724099" y="4137024"/>
             <a:ext cx="4298053" cy="493819"/>
           </a:xfrm>
           <a:prstGeom prst="rect">
@@ -3147,24 +3812,21 @@
       </p:grpSpPr>
       <p:sp>
         <p:nvSpPr>
-          <p:cNvPr id="5" name="평행 사변형 4"/>
+          <p:cNvPr id="79" name="직사각형 78"/>
           <p:cNvSpPr/>
           <p:nvPr/>
         </p:nvSpPr>
         <p:spPr>
           <a:xfrm>
-            <a:off x="-5098104" y="-93134"/>
-            <a:ext cx="9672941" cy="7272867"/>
-          </a:xfrm>
-          <a:prstGeom prst="parallelogram">
+            <a:off x="11567828" y="2371"/>
+            <a:ext cx="624172" cy="624172"/>
+          </a:xfrm>
+          <a:prstGeom prst="rect">
             <a:avLst/>
           </a:prstGeom>
           <a:solidFill>
-            <a:srgbClr val="F67280"/>
+            <a:srgbClr val="355C7D"/>
           </a:solidFill>
-          <a:ln>
-            <a:noFill/>
-          </a:ln>
         </p:spPr>
         <p:style>
           <a:lnRef idx="2">
@@ -3193,14 +3855,60 @@
       </p:sp>
       <p:sp>
         <p:nvSpPr>
-          <p:cNvPr id="6" name="TextBox 5"/>
+          <p:cNvPr id="80" name="직각 삼각형 79"/>
+          <p:cNvSpPr/>
+          <p:nvPr/>
+        </p:nvSpPr>
+        <p:spPr>
+          <a:xfrm>
+            <a:off x="11567828" y="-6415"/>
+            <a:ext cx="624172" cy="642483"/>
+          </a:xfrm>
+          <a:prstGeom prst="rtTriangle">
+            <a:avLst/>
+          </a:prstGeom>
+          <a:solidFill>
+            <a:srgbClr val="F67280"/>
+          </a:solidFill>
+          <a:ln>
+            <a:noFill/>
+          </a:ln>
+        </p:spPr>
+        <p:style>
+          <a:lnRef idx="2">
+            <a:schemeClr val="accent1">
+              <a:shade val="50000"/>
+            </a:schemeClr>
+          </a:lnRef>
+          <a:fillRef idx="1">
+            <a:schemeClr val="accent1"/>
+          </a:fillRef>
+          <a:effectRef idx="0">
+            <a:schemeClr val="accent1"/>
+          </a:effectRef>
+          <a:fontRef idx="minor">
+            <a:schemeClr val="lt1"/>
+          </a:fontRef>
+        </p:style>
+        <p:txBody>
+          <a:bodyPr rtlCol="0" anchor="ctr"/>
+          <a:lstStyle/>
+          <a:p>
+            <a:pPr algn="ctr"/>
+            <a:endParaRPr lang="ko-KR" altLang="en-US"/>
+          </a:p>
+        </p:txBody>
+      </p:sp>
+      <p:sp>
+        <p:nvSpPr>
+          <p:cNvPr id="9" name="TextBox 8"/>
           <p:cNvSpPr txBox="1"/>
           <p:nvPr/>
         </p:nvSpPr>
         <p:spPr>
           <a:xfrm>
-            <a:off x="4792133" y="2881579"/>
-            <a:ext cx="5224507" cy="1323439"/>
+            <a:off x="1848095" y="1803707"/>
+            <a:ext cx="9719733" cy="3046988"/>
           </a:xfrm>
           <a:prstGeom prst="rect">
             <a:avLst/>
@@ -3208,31 +3916,148 @@
           <a:noFill/>
         </p:spPr>
         <p:txBody>
-          <a:bodyPr wrap="none" rtlCol="0">
+          <a:bodyPr wrap="square" rtlCol="0">
             <a:spAutoFit/>
           </a:bodyPr>
           <a:lstStyle/>
           <a:p>
-            <a:r>
-              <a:rPr lang="en-US" altLang="ko-KR" sz="8000" b="1" dirty="0" smtClean="0">
-                <a:latin typeface="KoPubWorld돋움체 Bold" panose="00000800000000000000" pitchFamily="2" charset="-127"/>
-                <a:ea typeface="KoPubWorld돋움체 Bold" panose="00000800000000000000" pitchFamily="2" charset="-127"/>
-                <a:cs typeface="KoPubWorld돋움체 Bold" panose="00000800000000000000" pitchFamily="2" charset="-127"/>
+            <a:pPr marL="285750" indent="-285750">
+              <a:buFontTx/>
+              <a:buChar char="-"/>
+            </a:pPr>
+            <a:r>
+              <a:rPr lang="ko-KR" altLang="en-US" sz="4800" dirty="0" smtClean="0">
+                <a:ea typeface="KoPub돋움체 Bold" panose="02020603020101020101"/>
               </a:rPr>
-              <a:t>4. </a:t>
-            </a:r>
-            <a:r>
-              <a:rPr lang="ko-KR" altLang="en-US" sz="8000" b="1" dirty="0" smtClean="0">
-                <a:latin typeface="KoPubWorld돋움체 Bold" panose="00000800000000000000" pitchFamily="2" charset="-127"/>
-                <a:ea typeface="KoPubWorld돋움체 Bold" panose="00000800000000000000" pitchFamily="2" charset="-127"/>
-                <a:cs typeface="KoPubWorld돋움체 Bold" panose="00000800000000000000" pitchFamily="2" charset="-127"/>
+              <a:t>설정한 시간 동안 사람이 없을 </a:t>
+            </a:r>
+            <a:r>
+              <a:rPr lang="ko-KR" altLang="en-US" sz="4800" dirty="0" smtClean="0">
+                <a:ea typeface="KoPub돋움체 Bold" panose="02020603020101020101"/>
               </a:rPr>
-              <a:t>기능 설명</a:t>
-            </a:r>
-            <a:endParaRPr lang="ko-KR" altLang="en-US" sz="8000" b="1" dirty="0">
-              <a:latin typeface="KoPubWorld돋움체 Bold" panose="00000800000000000000" pitchFamily="2" charset="-127"/>
-              <a:ea typeface="KoPubWorld돋움체 Bold" panose="00000800000000000000" pitchFamily="2" charset="-127"/>
-              <a:cs typeface="KoPubWorld돋움체 Bold" panose="00000800000000000000" pitchFamily="2" charset="-127"/>
+              <a:t>때</a:t>
+            </a:r>
+            <a:endParaRPr lang="en-US" altLang="ko-KR" sz="4800" dirty="0" smtClean="0">
+              <a:ea typeface="KoPub돋움체 Bold" panose="02020603020101020101"/>
+            </a:endParaRPr>
+          </a:p>
+          <a:p>
+            <a:r>
+              <a:rPr lang="en-US" altLang="ko-KR" sz="4800" dirty="0">
+                <a:ea typeface="KoPub돋움체 Bold" panose="02020603020101020101"/>
+              </a:rPr>
+              <a:t> </a:t>
+            </a:r>
+            <a:r>
+              <a:rPr lang="en-US" altLang="ko-KR" sz="4800" dirty="0" smtClean="0">
+                <a:ea typeface="KoPub돋움체 Bold" panose="02020603020101020101"/>
+              </a:rPr>
+              <a:t> </a:t>
+            </a:r>
+            <a:r>
+              <a:rPr lang="ko-KR" altLang="en-US" sz="4800" dirty="0" smtClean="0">
+                <a:ea typeface="KoPub돋움체 Bold" panose="02020603020101020101"/>
+              </a:rPr>
+              <a:t>자동으로 에어컨이 꺼짐</a:t>
+            </a:r>
+            <a:endParaRPr lang="en-US" altLang="ko-KR" sz="4800" dirty="0" smtClean="0">
+              <a:ea typeface="KoPub돋움체 Bold" panose="02020603020101020101"/>
+            </a:endParaRPr>
+          </a:p>
+          <a:p>
+            <a:pPr marL="285750" indent="-285750">
+              <a:buFontTx/>
+              <a:buChar char="-"/>
+            </a:pPr>
+            <a:r>
+              <a:rPr lang="ko-KR" altLang="en-US" sz="4800" dirty="0" smtClean="0">
+                <a:ea typeface="KoPub돋움체 Bold" panose="02020603020101020101"/>
+              </a:rPr>
+              <a:t>모바일에서 </a:t>
+            </a:r>
+            <a:r>
+              <a:rPr lang="ko-KR" altLang="en-US" sz="4800" dirty="0" smtClean="0">
+                <a:ea typeface="KoPub돋움체 Bold" panose="02020603020101020101"/>
+              </a:rPr>
+              <a:t>에어컨 온도</a:t>
+            </a:r>
+            <a:r>
+              <a:rPr lang="en-US" altLang="ko-KR" sz="4800" dirty="0" smtClean="0">
+                <a:ea typeface="KoPub돋움체 Bold" panose="02020603020101020101"/>
+              </a:rPr>
+              <a:t>, </a:t>
+            </a:r>
+            <a:r>
+              <a:rPr lang="ko-KR" altLang="en-US" sz="4800" dirty="0" smtClean="0">
+                <a:ea typeface="KoPub돋움체 Bold" panose="02020603020101020101"/>
+              </a:rPr>
+              <a:t>온</a:t>
+            </a:r>
+            <a:r>
+              <a:rPr lang="en-US" altLang="ko-KR" sz="4800" dirty="0" smtClean="0">
+                <a:ea typeface="KoPub돋움체 Bold" panose="02020603020101020101"/>
+              </a:rPr>
+              <a:t>/</a:t>
+            </a:r>
+            <a:r>
+              <a:rPr lang="ko-KR" altLang="en-US" sz="4800" dirty="0" smtClean="0">
+                <a:ea typeface="KoPub돋움체 Bold" panose="02020603020101020101"/>
+              </a:rPr>
+              <a:t>오프</a:t>
+            </a:r>
+            <a:r>
+              <a:rPr lang="en-US" altLang="ko-KR" sz="4800" dirty="0">
+                <a:ea typeface="KoPub돋움체 Bold" panose="02020603020101020101"/>
+              </a:rPr>
+              <a:t> </a:t>
+            </a:r>
+            <a:r>
+              <a:rPr lang="ko-KR" altLang="en-US" sz="4800" dirty="0" smtClean="0">
+                <a:ea typeface="KoPub돋움체 Bold" panose="02020603020101020101"/>
+              </a:rPr>
+              <a:t>조절</a:t>
+            </a:r>
+            <a:endParaRPr lang="en-US" altLang="ko-KR" sz="4800" dirty="0" smtClean="0">
+              <a:ea typeface="KoPub돋움체 Bold" panose="02020603020101020101"/>
+            </a:endParaRPr>
+          </a:p>
+          <a:p>
+            <a:pPr marL="285750" indent="-285750">
+              <a:buFontTx/>
+              <a:buChar char="-"/>
+            </a:pPr>
+            <a:r>
+              <a:rPr lang="ko-KR" altLang="en-US" sz="4800" dirty="0" smtClean="0">
+                <a:ea typeface="KoPub돋움체 Bold" panose="02020603020101020101"/>
+              </a:rPr>
+              <a:t>설정한 온도가 </a:t>
+            </a:r>
+            <a:r>
+              <a:rPr lang="ko-KR" altLang="en-US" sz="4800" dirty="0" err="1" smtClean="0">
+                <a:ea typeface="KoPub돋움체 Bold" panose="02020603020101020101"/>
+              </a:rPr>
+              <a:t>되었을때</a:t>
+            </a:r>
+            <a:r>
+              <a:rPr lang="ko-KR" altLang="en-US" sz="4800" dirty="0" smtClean="0">
+                <a:ea typeface="KoPub돋움체 Bold" panose="02020603020101020101"/>
+              </a:rPr>
+              <a:t> </a:t>
+            </a:r>
+            <a:r>
+              <a:rPr lang="ko-KR" altLang="en-US" sz="4800" dirty="0" smtClean="0">
+                <a:ea typeface="KoPub돋움체 Bold" panose="02020603020101020101"/>
+              </a:rPr>
+              <a:t>에어컨이 </a:t>
+            </a:r>
+            <a:r>
+              <a:rPr lang="ko-KR" altLang="en-US" sz="4800" dirty="0" smtClean="0">
+                <a:ea typeface="KoPub돋움체 Bold" panose="02020603020101020101"/>
+              </a:rPr>
+              <a:t>꺼짐</a:t>
+            </a:r>
+            <a:endParaRPr lang="ko-KR" altLang="en-US" sz="4800" dirty="0">
+              <a:ea typeface="KoPub돋움체 Bold" panose="02020603020101020101"/>
             </a:endParaRPr>
           </a:p>
         </p:txBody>
@@ -3240,13 +4065,20 @@
     </p:spTree>
     <p:extLst>
       <p:ext uri="{BB962C8B-B14F-4D97-AF65-F5344CB8AC3E}">
-        <p14:creationId xmlns:p14="http://schemas.microsoft.com/office/powerpoint/2010/main" val="3496952127"/>
+        <p14:creationId xmlns:p14="http://schemas.microsoft.com/office/powerpoint/2010/main" val="634404379"/>
       </p:ext>
     </p:extLst>
   </p:cSld>
   <p:clrMapOvr>
     <a:masterClrMapping/>
   </p:clrMapOvr>
+  <p:timing>
+    <p:tnLst>
+      <p:par>
+        <p:cTn id="1" dur="indefinite" restart="never" nodeType="tmRoot"/>
+      </p:par>
+    </p:tnLst>
+  </p:timing>
 </p:sld>
 </file>
 
@@ -3269,21 +4101,24 @@
       </p:grpSpPr>
       <p:sp>
         <p:nvSpPr>
-          <p:cNvPr id="79" name="직사각형 78"/>
+          <p:cNvPr id="5" name="평행 사변형 4"/>
           <p:cNvSpPr/>
           <p:nvPr/>
         </p:nvSpPr>
         <p:spPr>
           <a:xfrm>
-            <a:off x="11567828" y="2371"/>
-            <a:ext cx="624172" cy="624172"/>
-          </a:xfrm>
-          <a:prstGeom prst="rect">
+            <a:off x="-5098104" y="-93134"/>
+            <a:ext cx="9672941" cy="7272867"/>
+          </a:xfrm>
+          <a:prstGeom prst="parallelogram">
             <a:avLst/>
           </a:prstGeom>
           <a:solidFill>
-            <a:srgbClr val="355C7D"/>
+            <a:srgbClr val="F67280"/>
           </a:solidFill>
+          <a:ln>
+            <a:noFill/>
+          </a:ln>
         </p:spPr>
         <p:style>
           <a:lnRef idx="2">
@@ -3312,60 +4147,14 @@
       </p:sp>
       <p:sp>
         <p:nvSpPr>
-          <p:cNvPr id="80" name="직각 삼각형 79"/>
-          <p:cNvSpPr/>
-          <p:nvPr/>
-        </p:nvSpPr>
-        <p:spPr>
-          <a:xfrm>
-            <a:off x="11567828" y="-6415"/>
-            <a:ext cx="624172" cy="642483"/>
-          </a:xfrm>
-          <a:prstGeom prst="rtTriangle">
-            <a:avLst/>
-          </a:prstGeom>
-          <a:solidFill>
-            <a:srgbClr val="F67280"/>
-          </a:solidFill>
-          <a:ln>
-            <a:noFill/>
-          </a:ln>
-        </p:spPr>
-        <p:style>
-          <a:lnRef idx="2">
-            <a:schemeClr val="accent1">
-              <a:shade val="50000"/>
-            </a:schemeClr>
-          </a:lnRef>
-          <a:fillRef idx="1">
-            <a:schemeClr val="accent1"/>
-          </a:fillRef>
-          <a:effectRef idx="0">
-            <a:schemeClr val="accent1"/>
-          </a:effectRef>
-          <a:fontRef idx="minor">
-            <a:schemeClr val="lt1"/>
-          </a:fontRef>
-        </p:style>
-        <p:txBody>
-          <a:bodyPr rtlCol="0" anchor="ctr"/>
-          <a:lstStyle/>
-          <a:p>
-            <a:pPr algn="ctr"/>
-            <a:endParaRPr lang="ko-KR" altLang="en-US"/>
-          </a:p>
-        </p:txBody>
-      </p:sp>
-      <p:sp>
-        <p:nvSpPr>
-          <p:cNvPr id="9" name="TextBox 8"/>
+          <p:cNvPr id="6" name="TextBox 5"/>
           <p:cNvSpPr txBox="1"/>
           <p:nvPr/>
         </p:nvSpPr>
         <p:spPr>
           <a:xfrm>
-            <a:off x="1206500" y="2844800"/>
-            <a:ext cx="9779001" cy="1569660"/>
+            <a:off x="4792133" y="2881579"/>
+            <a:ext cx="4463081" cy="1323439"/>
           </a:xfrm>
           <a:prstGeom prst="rect">
             <a:avLst/>
@@ -3373,101 +4162,31 @@
           <a:noFill/>
         </p:spPr>
         <p:txBody>
-          <a:bodyPr wrap="square" rtlCol="0">
+          <a:bodyPr wrap="none" rtlCol="0">
             <a:spAutoFit/>
           </a:bodyPr>
           <a:lstStyle/>
           <a:p>
-            <a:pPr marL="285750" indent="-285750">
-              <a:buFontTx/>
-              <a:buChar char="-"/>
-            </a:pPr>
-            <a:r>
-              <a:rPr lang="ko-KR" altLang="en-US" sz="3200" dirty="0" smtClean="0">
-                <a:ea typeface="KoPub돋움체 Bold" panose="02020603020101020101"/>
+            <a:r>
+              <a:rPr lang="en-US" altLang="ko-KR" sz="8000" b="1" dirty="0" smtClean="0">
+                <a:latin typeface="KoPubWorld돋움체 Bold" panose="00000800000000000000" pitchFamily="2" charset="-127"/>
+                <a:ea typeface="KoPubWorld돋움체 Bold" panose="00000800000000000000" pitchFamily="2" charset="-127"/>
+                <a:cs typeface="KoPubWorld돋움체 Bold" panose="00000800000000000000" pitchFamily="2" charset="-127"/>
               </a:rPr>
-              <a:t>설정한 시간 동안 사람이 없을 때 자동으로 에어컨이 꺼짐</a:t>
-            </a:r>
-            <a:endParaRPr lang="en-US" altLang="ko-KR" sz="3200" dirty="0" smtClean="0">
-              <a:ea typeface="KoPub돋움체 Bold" panose="02020603020101020101"/>
-            </a:endParaRPr>
-          </a:p>
-          <a:p>
-            <a:pPr marL="285750" indent="-285750">
-              <a:buFontTx/>
-              <a:buChar char="-"/>
-            </a:pPr>
-            <a:r>
-              <a:rPr lang="ko-KR" altLang="en-US" sz="3200" dirty="0" smtClean="0">
-                <a:ea typeface="KoPub돋움체 Bold" panose="02020603020101020101"/>
+              <a:t>5. UI </a:t>
+            </a:r>
+            <a:r>
+              <a:rPr lang="ko-KR" altLang="en-US" sz="8000" b="1" dirty="0" smtClean="0">
+                <a:latin typeface="KoPubWorld돋움체 Bold" panose="00000800000000000000" pitchFamily="2" charset="-127"/>
+                <a:ea typeface="KoPubWorld돋움체 Bold" panose="00000800000000000000" pitchFamily="2" charset="-127"/>
+                <a:cs typeface="KoPubWorld돋움체 Bold" panose="00000800000000000000" pitchFamily="2" charset="-127"/>
               </a:rPr>
-              <a:t>모바일에서 에어컨 온도</a:t>
-            </a:r>
-            <a:r>
-              <a:rPr lang="en-US" altLang="ko-KR" sz="3200" dirty="0" smtClean="0">
-                <a:ea typeface="KoPub돋움체 Bold" panose="02020603020101020101"/>
-              </a:rPr>
-              <a:t>, </a:t>
-            </a:r>
-            <a:r>
-              <a:rPr lang="ko-KR" altLang="en-US" sz="3200" dirty="0" smtClean="0">
-                <a:ea typeface="KoPub돋움체 Bold" panose="02020603020101020101"/>
-              </a:rPr>
-              <a:t>온</a:t>
-            </a:r>
-            <a:r>
-              <a:rPr lang="en-US" altLang="ko-KR" sz="3200" dirty="0" smtClean="0">
-                <a:ea typeface="KoPub돋움체 Bold" panose="02020603020101020101"/>
-              </a:rPr>
-              <a:t>/</a:t>
-            </a:r>
-            <a:r>
-              <a:rPr lang="ko-KR" altLang="en-US" sz="3200" dirty="0" smtClean="0">
-                <a:ea typeface="KoPub돋움체 Bold" panose="02020603020101020101"/>
-              </a:rPr>
-              <a:t>오프</a:t>
-            </a:r>
-            <a:r>
-              <a:rPr lang="en-US" altLang="ko-KR" sz="3200" dirty="0">
-                <a:ea typeface="KoPub돋움체 Bold" panose="02020603020101020101"/>
-              </a:rPr>
-              <a:t> </a:t>
-            </a:r>
-            <a:r>
-              <a:rPr lang="ko-KR" altLang="en-US" sz="3200" dirty="0" smtClean="0">
-                <a:ea typeface="KoPub돋움체 Bold" panose="02020603020101020101"/>
-              </a:rPr>
-              <a:t>조절</a:t>
-            </a:r>
-            <a:endParaRPr lang="en-US" altLang="ko-KR" sz="3200" dirty="0" smtClean="0">
-              <a:ea typeface="KoPub돋움체 Bold" panose="02020603020101020101"/>
-            </a:endParaRPr>
-          </a:p>
-          <a:p>
-            <a:pPr marL="285750" indent="-285750">
-              <a:buFontTx/>
-              <a:buChar char="-"/>
-            </a:pPr>
-            <a:r>
-              <a:rPr lang="ko-KR" altLang="en-US" sz="3200" dirty="0" smtClean="0">
-                <a:ea typeface="KoPub돋움체 Bold" panose="02020603020101020101"/>
-              </a:rPr>
-              <a:t>설정한 온도가 </a:t>
-            </a:r>
-            <a:r>
-              <a:rPr lang="ko-KR" altLang="en-US" sz="3200" dirty="0" err="1" smtClean="0">
-                <a:ea typeface="KoPub돋움체 Bold" panose="02020603020101020101"/>
-              </a:rPr>
-              <a:t>되었을때</a:t>
-            </a:r>
-            <a:r>
-              <a:rPr lang="ko-KR" altLang="en-US" sz="3200" dirty="0" smtClean="0">
-                <a:ea typeface="KoPub돋움체 Bold" panose="02020603020101020101"/>
-              </a:rPr>
-              <a:t> 자동으로 에어컨이 꺼짐</a:t>
-            </a:r>
-            <a:endParaRPr lang="ko-KR" altLang="en-US" sz="3200" dirty="0">
-              <a:ea typeface="KoPub돋움체 Bold" panose="02020603020101020101"/>
+              <a:t>설명</a:t>
+            </a:r>
+            <a:endParaRPr lang="en-US" altLang="ko-KR" sz="8000" b="1" dirty="0" smtClean="0">
+              <a:latin typeface="KoPubWorld돋움체 Bold" panose="00000800000000000000" pitchFamily="2" charset="-127"/>
+              <a:ea typeface="KoPubWorld돋움체 Bold" panose="00000800000000000000" pitchFamily="2" charset="-127"/>
+              <a:cs typeface="KoPubWorld돋움체 Bold" panose="00000800000000000000" pitchFamily="2" charset="-127"/>
             </a:endParaRPr>
           </a:p>
         </p:txBody>
@@ -3475,7 +4194,7 @@
     </p:spTree>
     <p:extLst>
       <p:ext uri="{BB962C8B-B14F-4D97-AF65-F5344CB8AC3E}">
-        <p14:creationId xmlns:p14="http://schemas.microsoft.com/office/powerpoint/2010/main" val="1372329503"/>
+        <p14:creationId xmlns:p14="http://schemas.microsoft.com/office/powerpoint/2010/main" val="3393832238"/>
       </p:ext>
     </p:extLst>
   </p:cSld>
@@ -3511,128 +4230,6 @@
       </p:grpSpPr>
       <p:sp>
         <p:nvSpPr>
-          <p:cNvPr id="5" name="평행 사변형 4"/>
-          <p:cNvSpPr/>
-          <p:nvPr/>
-        </p:nvSpPr>
-        <p:spPr>
-          <a:xfrm>
-            <a:off x="-5098104" y="-93134"/>
-            <a:ext cx="9672941" cy="7272867"/>
-          </a:xfrm>
-          <a:prstGeom prst="parallelogram">
-            <a:avLst/>
-          </a:prstGeom>
-          <a:solidFill>
-            <a:srgbClr val="F67280"/>
-          </a:solidFill>
-          <a:ln>
-            <a:noFill/>
-          </a:ln>
-        </p:spPr>
-        <p:style>
-          <a:lnRef idx="2">
-            <a:schemeClr val="accent1">
-              <a:shade val="50000"/>
-            </a:schemeClr>
-          </a:lnRef>
-          <a:fillRef idx="1">
-            <a:schemeClr val="accent1"/>
-          </a:fillRef>
-          <a:effectRef idx="0">
-            <a:schemeClr val="accent1"/>
-          </a:effectRef>
-          <a:fontRef idx="minor">
-            <a:schemeClr val="lt1"/>
-          </a:fontRef>
-        </p:style>
-        <p:txBody>
-          <a:bodyPr rtlCol="0" anchor="ctr"/>
-          <a:lstStyle/>
-          <a:p>
-            <a:pPr algn="ctr"/>
-            <a:endParaRPr lang="ko-KR" altLang="en-US"/>
-          </a:p>
-        </p:txBody>
-      </p:sp>
-      <p:sp>
-        <p:nvSpPr>
-          <p:cNvPr id="6" name="TextBox 5"/>
-          <p:cNvSpPr txBox="1"/>
-          <p:nvPr/>
-        </p:nvSpPr>
-        <p:spPr>
-          <a:xfrm>
-            <a:off x="4792133" y="2881579"/>
-            <a:ext cx="4463081" cy="1323439"/>
-          </a:xfrm>
-          <a:prstGeom prst="rect">
-            <a:avLst/>
-          </a:prstGeom>
-          <a:noFill/>
-        </p:spPr>
-        <p:txBody>
-          <a:bodyPr wrap="none" rtlCol="0">
-            <a:spAutoFit/>
-          </a:bodyPr>
-          <a:lstStyle/>
-          <a:p>
-            <a:r>
-              <a:rPr lang="en-US" altLang="ko-KR" sz="8000" b="1" dirty="0" smtClean="0">
-                <a:latin typeface="KoPubWorld돋움체 Bold" panose="00000800000000000000" pitchFamily="2" charset="-127"/>
-                <a:ea typeface="KoPubWorld돋움체 Bold" panose="00000800000000000000" pitchFamily="2" charset="-127"/>
-                <a:cs typeface="KoPubWorld돋움체 Bold" panose="00000800000000000000" pitchFamily="2" charset="-127"/>
-              </a:rPr>
-              <a:t>5. UI </a:t>
-            </a:r>
-            <a:r>
-              <a:rPr lang="ko-KR" altLang="en-US" sz="8000" b="1" dirty="0" smtClean="0">
-                <a:latin typeface="KoPubWorld돋움체 Bold" panose="00000800000000000000" pitchFamily="2" charset="-127"/>
-                <a:ea typeface="KoPubWorld돋움체 Bold" panose="00000800000000000000" pitchFamily="2" charset="-127"/>
-                <a:cs typeface="KoPubWorld돋움체 Bold" panose="00000800000000000000" pitchFamily="2" charset="-127"/>
-              </a:rPr>
-              <a:t>설명</a:t>
-            </a:r>
-            <a:endParaRPr lang="en-US" altLang="ko-KR" sz="8000" b="1" dirty="0" smtClean="0">
-              <a:latin typeface="KoPubWorld돋움체 Bold" panose="00000800000000000000" pitchFamily="2" charset="-127"/>
-              <a:ea typeface="KoPubWorld돋움체 Bold" panose="00000800000000000000" pitchFamily="2" charset="-127"/>
-              <a:cs typeface="KoPubWorld돋움체 Bold" panose="00000800000000000000" pitchFamily="2" charset="-127"/>
-            </a:endParaRPr>
-          </a:p>
-        </p:txBody>
-      </p:sp>
-    </p:spTree>
-    <p:extLst>
-      <p:ext uri="{BB962C8B-B14F-4D97-AF65-F5344CB8AC3E}">
-        <p14:creationId xmlns:p14="http://schemas.microsoft.com/office/powerpoint/2010/main" val="3393832238"/>
-      </p:ext>
-    </p:extLst>
-  </p:cSld>
-  <p:clrMapOvr>
-    <a:masterClrMapping/>
-  </p:clrMapOvr>
-</p:sld>
-</file>
-
-<file path=ppt/slides/slide13.xml><?xml version="1.0" encoding="utf-8"?>
-<p:sld xmlns:a="http://schemas.openxmlformats.org/drawingml/2006/main" xmlns:r="http://schemas.openxmlformats.org/officeDocument/2006/relationships" xmlns:p="http://schemas.openxmlformats.org/presentationml/2006/main">
-  <p:cSld>
-    <p:spTree>
-      <p:nvGrpSpPr>
-        <p:cNvPr id="1" name=""/>
-        <p:cNvGrpSpPr/>
-        <p:nvPr/>
-      </p:nvGrpSpPr>
-      <p:grpSpPr>
-        <a:xfrm>
-          <a:off x="0" y="0"/>
-          <a:ext cx="0" cy="0"/>
-          <a:chOff x="0" y="0"/>
-          <a:chExt cx="0" cy="0"/>
-        </a:xfrm>
-      </p:grpSpPr>
-      <p:sp>
-        <p:nvSpPr>
           <p:cNvPr id="8" name="TextBox 7"/>
           <p:cNvSpPr txBox="1"/>
           <p:nvPr/>
@@ -3690,7 +4287,7 @@
 </p:sld>
 </file>
 
-<file path=ppt/slides/slide14.xml><?xml version="1.0" encoding="utf-8"?>
+<file path=ppt/slides/slide13.xml><?xml version="1.0" encoding="utf-8"?>
 <p:sld xmlns:a="http://schemas.openxmlformats.org/drawingml/2006/main" xmlns:r="http://schemas.openxmlformats.org/officeDocument/2006/relationships" xmlns:p="http://schemas.openxmlformats.org/presentationml/2006/main">
   <p:cSld>
     <p:spTree>
@@ -3844,6 +4441,82 @@
 </p:sld>
 </file>
 
+<file path=ppt/slides/slide14.xml><?xml version="1.0" encoding="utf-8"?>
+<p:sld xmlns:a="http://schemas.openxmlformats.org/drawingml/2006/main" xmlns:r="http://schemas.openxmlformats.org/officeDocument/2006/relationships" xmlns:p="http://schemas.openxmlformats.org/presentationml/2006/main">
+  <p:cSld>
+    <p:spTree>
+      <p:nvGrpSpPr>
+        <p:cNvPr id="1" name=""/>
+        <p:cNvGrpSpPr/>
+        <p:nvPr/>
+      </p:nvGrpSpPr>
+      <p:grpSpPr>
+        <a:xfrm>
+          <a:off x="0" y="0"/>
+          <a:ext cx="0" cy="0"/>
+          <a:chOff x="0" y="0"/>
+          <a:chExt cx="0" cy="0"/>
+        </a:xfrm>
+      </p:grpSpPr>
+      <p:sp>
+        <p:nvSpPr>
+          <p:cNvPr id="8" name="TextBox 7"/>
+          <p:cNvSpPr txBox="1"/>
+          <p:nvPr/>
+        </p:nvSpPr>
+        <p:spPr>
+          <a:xfrm>
+            <a:off x="4537364" y="2875002"/>
+            <a:ext cx="3117273" cy="1107996"/>
+          </a:xfrm>
+          <a:prstGeom prst="rect">
+            <a:avLst/>
+          </a:prstGeom>
+          <a:noFill/>
+        </p:spPr>
+        <p:txBody>
+          <a:bodyPr wrap="square" rtlCol="0">
+            <a:spAutoFit/>
+          </a:bodyPr>
+          <a:lstStyle/>
+          <a:p>
+            <a:pPr algn="ctr"/>
+            <a:r>
+              <a:rPr lang="ko-KR" altLang="en-US" sz="6600" dirty="0" err="1" smtClean="0">
+                <a:latin typeface="KoPubWorld돋움체 Bold" panose="00000800000000000000" pitchFamily="2" charset="-127"/>
+                <a:ea typeface="KoPubWorld돋움체 Bold" panose="00000800000000000000" pitchFamily="2" charset="-127"/>
+                <a:cs typeface="KoPubWorld돋움체 Bold" panose="00000800000000000000" pitchFamily="2" charset="-127"/>
+              </a:rPr>
+              <a:t>메인화면</a:t>
+            </a:r>
+            <a:endParaRPr lang="ko-KR" altLang="en-US" sz="6600" dirty="0">
+              <a:latin typeface="KoPubWorld돋움체 Bold" panose="00000800000000000000" pitchFamily="2" charset="-127"/>
+              <a:ea typeface="KoPubWorld돋움체 Bold" panose="00000800000000000000" pitchFamily="2" charset="-127"/>
+              <a:cs typeface="KoPubWorld돋움체 Bold" panose="00000800000000000000" pitchFamily="2" charset="-127"/>
+            </a:endParaRPr>
+          </a:p>
+        </p:txBody>
+      </p:sp>
+    </p:spTree>
+    <p:extLst>
+      <p:ext uri="{BB962C8B-B14F-4D97-AF65-F5344CB8AC3E}">
+        <p14:creationId xmlns:p14="http://schemas.microsoft.com/office/powerpoint/2010/main" val="1850548577"/>
+      </p:ext>
+    </p:extLst>
+  </p:cSld>
+  <p:clrMapOvr>
+    <a:masterClrMapping/>
+  </p:clrMapOvr>
+  <p:timing>
+    <p:tnLst>
+      <p:par>
+        <p:cTn id="1" dur="indefinite" restart="never" nodeType="tmRoot"/>
+      </p:par>
+    </p:tnLst>
+  </p:timing>
+</p:sld>
+</file>
+
 <file path=ppt/slides/slide15.xml><?xml version="1.0" encoding="utf-8"?>
 <p:sld xmlns:a="http://schemas.openxmlformats.org/drawingml/2006/main" xmlns:r="http://schemas.openxmlformats.org/officeDocument/2006/relationships" xmlns:p="http://schemas.openxmlformats.org/presentationml/2006/main">
   <p:cSld>
@@ -3861,49 +4534,58 @@
           <a:chExt cx="0" cy="0"/>
         </a:xfrm>
       </p:grpSpPr>
-      <p:sp>
-        <p:nvSpPr>
-          <p:cNvPr id="8" name="TextBox 7"/>
-          <p:cNvSpPr txBox="1"/>
+      <p:pic>
+        <p:nvPicPr>
+          <p:cNvPr id="8" name="그림 7"/>
+          <p:cNvPicPr>
+            <a:picLocks noChangeAspect="1"/>
+          </p:cNvPicPr>
           <p:nvPr/>
-        </p:nvSpPr>
-        <p:spPr>
-          <a:xfrm>
-            <a:off x="4537364" y="2875002"/>
-            <a:ext cx="3117273" cy="1107996"/>
+        </p:nvPicPr>
+        <p:blipFill>
+          <a:blip r:embed="rId2"/>
+          <a:stretch>
+            <a:fillRect/>
+          </a:stretch>
+        </p:blipFill>
+        <p:spPr>
+          <a:xfrm>
+            <a:off x="2398781" y="206639"/>
+            <a:ext cx="3629775" cy="6480000"/>
           </a:xfrm>
           <a:prstGeom prst="rect">
             <a:avLst/>
           </a:prstGeom>
-          <a:noFill/>
-        </p:spPr>
-        <p:txBody>
-          <a:bodyPr wrap="square" rtlCol="0">
-            <a:spAutoFit/>
-          </a:bodyPr>
-          <a:lstStyle/>
-          <a:p>
-            <a:pPr algn="ctr"/>
-            <a:r>
-              <a:rPr lang="ko-KR" altLang="en-US" sz="6600" dirty="0" err="1" smtClean="0">
-                <a:latin typeface="KoPubWorld돋움체 Bold" panose="00000800000000000000" pitchFamily="2" charset="-127"/>
-                <a:ea typeface="KoPubWorld돋움체 Bold" panose="00000800000000000000" pitchFamily="2" charset="-127"/>
-                <a:cs typeface="KoPubWorld돋움체 Bold" panose="00000800000000000000" pitchFamily="2" charset="-127"/>
-              </a:rPr>
-              <a:t>메인화면</a:t>
-            </a:r>
-            <a:endParaRPr lang="ko-KR" altLang="en-US" sz="6600" dirty="0">
-              <a:latin typeface="KoPubWorld돋움체 Bold" panose="00000800000000000000" pitchFamily="2" charset="-127"/>
-              <a:ea typeface="KoPubWorld돋움체 Bold" panose="00000800000000000000" pitchFamily="2" charset="-127"/>
-              <a:cs typeface="KoPubWorld돋움체 Bold" panose="00000800000000000000" pitchFamily="2" charset="-127"/>
-            </a:endParaRPr>
-          </a:p>
-        </p:txBody>
-      </p:sp>
+        </p:spPr>
+      </p:pic>
+      <p:pic>
+        <p:nvPicPr>
+          <p:cNvPr id="9" name="그림 8"/>
+          <p:cNvPicPr>
+            <a:picLocks noChangeAspect="1"/>
+          </p:cNvPicPr>
+          <p:nvPr/>
+        </p:nvPicPr>
+        <p:blipFill>
+          <a:blip r:embed="rId3"/>
+          <a:stretch>
+            <a:fillRect/>
+          </a:stretch>
+        </p:blipFill>
+        <p:spPr>
+          <a:xfrm>
+            <a:off x="6074533" y="206639"/>
+            <a:ext cx="3652070" cy="6480000"/>
+          </a:xfrm>
+          <a:prstGeom prst="rect">
+            <a:avLst/>
+          </a:prstGeom>
+        </p:spPr>
+      </p:pic>
     </p:spTree>
     <p:extLst>
       <p:ext uri="{BB962C8B-B14F-4D97-AF65-F5344CB8AC3E}">
-        <p14:creationId xmlns:p14="http://schemas.microsoft.com/office/powerpoint/2010/main" val="1850548577"/>
+        <p14:creationId xmlns:p14="http://schemas.microsoft.com/office/powerpoint/2010/main" val="1763469085"/>
       </p:ext>
     </p:extLst>
   </p:cSld>
@@ -3937,58 +4619,49 @@
           <a:chExt cx="0" cy="0"/>
         </a:xfrm>
       </p:grpSpPr>
-      <p:pic>
-        <p:nvPicPr>
-          <p:cNvPr id="8" name="그림 7"/>
-          <p:cNvPicPr>
-            <a:picLocks noChangeAspect="1"/>
-          </p:cNvPicPr>
+      <p:sp>
+        <p:nvSpPr>
+          <p:cNvPr id="8" name="TextBox 7"/>
+          <p:cNvSpPr txBox="1"/>
           <p:nvPr/>
-        </p:nvPicPr>
-        <p:blipFill>
-          <a:blip r:embed="rId2"/>
-          <a:stretch>
-            <a:fillRect/>
-          </a:stretch>
-        </p:blipFill>
-        <p:spPr>
-          <a:xfrm>
-            <a:off x="2398781" y="206639"/>
-            <a:ext cx="3629775" cy="6480000"/>
+        </p:nvSpPr>
+        <p:spPr>
+          <a:xfrm>
+            <a:off x="4537364" y="2875002"/>
+            <a:ext cx="3117273" cy="1107996"/>
           </a:xfrm>
           <a:prstGeom prst="rect">
             <a:avLst/>
           </a:prstGeom>
-        </p:spPr>
-      </p:pic>
-      <p:pic>
-        <p:nvPicPr>
-          <p:cNvPr id="9" name="그림 8"/>
-          <p:cNvPicPr>
-            <a:picLocks noChangeAspect="1"/>
-          </p:cNvPicPr>
-          <p:nvPr/>
-        </p:nvPicPr>
-        <p:blipFill>
-          <a:blip r:embed="rId3"/>
-          <a:stretch>
-            <a:fillRect/>
-          </a:stretch>
-        </p:blipFill>
-        <p:spPr>
-          <a:xfrm>
-            <a:off x="6074533" y="206639"/>
-            <a:ext cx="3652070" cy="6480000"/>
-          </a:xfrm>
-          <a:prstGeom prst="rect">
-            <a:avLst/>
-          </a:prstGeom>
-        </p:spPr>
-      </p:pic>
+          <a:noFill/>
+        </p:spPr>
+        <p:txBody>
+          <a:bodyPr wrap="square" rtlCol="0">
+            <a:spAutoFit/>
+          </a:bodyPr>
+          <a:lstStyle/>
+          <a:p>
+            <a:pPr algn="ctr"/>
+            <a:r>
+              <a:rPr lang="ko-KR" altLang="en-US" sz="6600" smtClean="0">
+                <a:latin typeface="KoPubWorld돋움체 Bold" panose="00000800000000000000" pitchFamily="2" charset="-127"/>
+                <a:ea typeface="KoPubWorld돋움체 Bold" panose="00000800000000000000" pitchFamily="2" charset="-127"/>
+                <a:cs typeface="KoPubWorld돋움체 Bold" panose="00000800000000000000" pitchFamily="2" charset="-127"/>
+              </a:rPr>
+              <a:t>메뉴</a:t>
+            </a:r>
+            <a:endParaRPr lang="ko-KR" altLang="en-US" sz="6600" dirty="0">
+              <a:latin typeface="KoPubWorld돋움체 Bold" panose="00000800000000000000" pitchFamily="2" charset="-127"/>
+              <a:ea typeface="KoPubWorld돋움체 Bold" panose="00000800000000000000" pitchFamily="2" charset="-127"/>
+              <a:cs typeface="KoPubWorld돋움체 Bold" panose="00000800000000000000" pitchFamily="2" charset="-127"/>
+            </a:endParaRPr>
+          </a:p>
+        </p:txBody>
+      </p:sp>
     </p:spTree>
     <p:extLst>
       <p:ext uri="{BB962C8B-B14F-4D97-AF65-F5344CB8AC3E}">
-        <p14:creationId xmlns:p14="http://schemas.microsoft.com/office/powerpoint/2010/main" val="1763469085"/>
+        <p14:creationId xmlns:p14="http://schemas.microsoft.com/office/powerpoint/2010/main" val="480098790"/>
       </p:ext>
     </p:extLst>
   </p:cSld>
@@ -4022,49 +4695,34 @@
           <a:chExt cx="0" cy="0"/>
         </a:xfrm>
       </p:grpSpPr>
-      <p:sp>
-        <p:nvSpPr>
-          <p:cNvPr id="8" name="TextBox 7"/>
-          <p:cNvSpPr txBox="1"/>
+      <p:pic>
+        <p:nvPicPr>
+          <p:cNvPr id="10" name="그림 9"/>
+          <p:cNvPicPr>
+            <a:picLocks noChangeAspect="1"/>
+          </p:cNvPicPr>
           <p:nvPr/>
-        </p:nvSpPr>
-        <p:spPr>
-          <a:xfrm>
-            <a:off x="4537364" y="2875002"/>
-            <a:ext cx="3117273" cy="1107996"/>
+        </p:nvPicPr>
+        <p:blipFill>
+          <a:blip r:embed="rId2"/>
+          <a:stretch>
+            <a:fillRect/>
+          </a:stretch>
+        </p:blipFill>
+        <p:spPr>
+          <a:xfrm>
+            <a:off x="4472655" y="500398"/>
+            <a:ext cx="3246690" cy="5857204"/>
           </a:xfrm>
           <a:prstGeom prst="rect">
             <a:avLst/>
           </a:prstGeom>
-          <a:noFill/>
-        </p:spPr>
-        <p:txBody>
-          <a:bodyPr wrap="square" rtlCol="0">
-            <a:spAutoFit/>
-          </a:bodyPr>
-          <a:lstStyle/>
-          <a:p>
-            <a:pPr algn="ctr"/>
-            <a:r>
-              <a:rPr lang="ko-KR" altLang="en-US" sz="6600" smtClean="0">
-                <a:latin typeface="KoPubWorld돋움체 Bold" panose="00000800000000000000" pitchFamily="2" charset="-127"/>
-                <a:ea typeface="KoPubWorld돋움체 Bold" panose="00000800000000000000" pitchFamily="2" charset="-127"/>
-                <a:cs typeface="KoPubWorld돋움체 Bold" panose="00000800000000000000" pitchFamily="2" charset="-127"/>
-              </a:rPr>
-              <a:t>메뉴</a:t>
-            </a:r>
-            <a:endParaRPr lang="ko-KR" altLang="en-US" sz="6600" dirty="0">
-              <a:latin typeface="KoPubWorld돋움체 Bold" panose="00000800000000000000" pitchFamily="2" charset="-127"/>
-              <a:ea typeface="KoPubWorld돋움체 Bold" panose="00000800000000000000" pitchFamily="2" charset="-127"/>
-              <a:cs typeface="KoPubWorld돋움체 Bold" panose="00000800000000000000" pitchFamily="2" charset="-127"/>
-            </a:endParaRPr>
-          </a:p>
-        </p:txBody>
-      </p:sp>
+        </p:spPr>
+      </p:pic>
     </p:spTree>
     <p:extLst>
       <p:ext uri="{BB962C8B-B14F-4D97-AF65-F5344CB8AC3E}">
-        <p14:creationId xmlns:p14="http://schemas.microsoft.com/office/powerpoint/2010/main" val="480098790"/>
+        <p14:creationId xmlns:p14="http://schemas.microsoft.com/office/powerpoint/2010/main" val="2477866943"/>
       </p:ext>
     </p:extLst>
   </p:cSld>
@@ -4098,34 +4756,49 @@
           <a:chExt cx="0" cy="0"/>
         </a:xfrm>
       </p:grpSpPr>
-      <p:pic>
-        <p:nvPicPr>
-          <p:cNvPr id="10" name="그림 9"/>
-          <p:cNvPicPr>
-            <a:picLocks noChangeAspect="1"/>
-          </p:cNvPicPr>
+      <p:sp>
+        <p:nvSpPr>
+          <p:cNvPr id="8" name="TextBox 7"/>
+          <p:cNvSpPr txBox="1"/>
           <p:nvPr/>
-        </p:nvPicPr>
-        <p:blipFill>
-          <a:blip r:embed="rId2"/>
-          <a:stretch>
-            <a:fillRect/>
-          </a:stretch>
-        </p:blipFill>
-        <p:spPr>
-          <a:xfrm>
-            <a:off x="4472655" y="500398"/>
-            <a:ext cx="3246690" cy="5857204"/>
+        </p:nvSpPr>
+        <p:spPr>
+          <a:xfrm>
+            <a:off x="4537364" y="2875002"/>
+            <a:ext cx="3117273" cy="1107996"/>
           </a:xfrm>
           <a:prstGeom prst="rect">
             <a:avLst/>
           </a:prstGeom>
-        </p:spPr>
-      </p:pic>
+          <a:noFill/>
+        </p:spPr>
+        <p:txBody>
+          <a:bodyPr wrap="square" rtlCol="0">
+            <a:spAutoFit/>
+          </a:bodyPr>
+          <a:lstStyle/>
+          <a:p>
+            <a:pPr algn="ctr"/>
+            <a:r>
+              <a:rPr lang="ko-KR" altLang="en-US" sz="6600" dirty="0" smtClean="0">
+                <a:latin typeface="KoPubWorld돋움체 Bold" panose="00000800000000000000" pitchFamily="2" charset="-127"/>
+                <a:ea typeface="KoPubWorld돋움체 Bold" panose="00000800000000000000" pitchFamily="2" charset="-127"/>
+                <a:cs typeface="KoPubWorld돋움체 Bold" panose="00000800000000000000" pitchFamily="2" charset="-127"/>
+              </a:rPr>
+              <a:t>타이머</a:t>
+            </a:r>
+            <a:endParaRPr lang="ko-KR" altLang="en-US" sz="6600" dirty="0">
+              <a:latin typeface="KoPubWorld돋움체 Bold" panose="00000800000000000000" pitchFamily="2" charset="-127"/>
+              <a:ea typeface="KoPubWorld돋움체 Bold" panose="00000800000000000000" pitchFamily="2" charset="-127"/>
+              <a:cs typeface="KoPubWorld돋움체 Bold" panose="00000800000000000000" pitchFamily="2" charset="-127"/>
+            </a:endParaRPr>
+          </a:p>
+        </p:txBody>
+      </p:sp>
     </p:spTree>
     <p:extLst>
       <p:ext uri="{BB962C8B-B14F-4D97-AF65-F5344CB8AC3E}">
-        <p14:creationId xmlns:p14="http://schemas.microsoft.com/office/powerpoint/2010/main" val="2477866943"/>
+        <p14:creationId xmlns:p14="http://schemas.microsoft.com/office/powerpoint/2010/main" val="4277213233"/>
       </p:ext>
     </p:extLst>
   </p:cSld>
@@ -4159,49 +4832,34 @@
           <a:chExt cx="0" cy="0"/>
         </a:xfrm>
       </p:grpSpPr>
-      <p:sp>
-        <p:nvSpPr>
-          <p:cNvPr id="8" name="TextBox 7"/>
-          <p:cNvSpPr txBox="1"/>
+      <p:pic>
+        <p:nvPicPr>
+          <p:cNvPr id="8" name="그림 7"/>
+          <p:cNvPicPr>
+            <a:picLocks noChangeAspect="1"/>
+          </p:cNvPicPr>
           <p:nvPr/>
-        </p:nvSpPr>
-        <p:spPr>
-          <a:xfrm>
-            <a:off x="4537364" y="2875002"/>
-            <a:ext cx="3117273" cy="1107996"/>
+        </p:nvPicPr>
+        <p:blipFill>
+          <a:blip r:embed="rId2"/>
+          <a:stretch>
+            <a:fillRect/>
+          </a:stretch>
+        </p:blipFill>
+        <p:spPr>
+          <a:xfrm>
+            <a:off x="4290753" y="209374"/>
+            <a:ext cx="3610494" cy="6439252"/>
           </a:xfrm>
           <a:prstGeom prst="rect">
             <a:avLst/>
           </a:prstGeom>
-          <a:noFill/>
-        </p:spPr>
-        <p:txBody>
-          <a:bodyPr wrap="square" rtlCol="0">
-            <a:spAutoFit/>
-          </a:bodyPr>
-          <a:lstStyle/>
-          <a:p>
-            <a:pPr algn="ctr"/>
-            <a:r>
-              <a:rPr lang="ko-KR" altLang="en-US" sz="6600" dirty="0" smtClean="0">
-                <a:latin typeface="KoPubWorld돋움체 Bold" panose="00000800000000000000" pitchFamily="2" charset="-127"/>
-                <a:ea typeface="KoPubWorld돋움체 Bold" panose="00000800000000000000" pitchFamily="2" charset="-127"/>
-                <a:cs typeface="KoPubWorld돋움체 Bold" panose="00000800000000000000" pitchFamily="2" charset="-127"/>
-              </a:rPr>
-              <a:t>타이머</a:t>
-            </a:r>
-            <a:endParaRPr lang="ko-KR" altLang="en-US" sz="6600" dirty="0">
-              <a:latin typeface="KoPubWorld돋움체 Bold" panose="00000800000000000000" pitchFamily="2" charset="-127"/>
-              <a:ea typeface="KoPubWorld돋움체 Bold" panose="00000800000000000000" pitchFamily="2" charset="-127"/>
-              <a:cs typeface="KoPubWorld돋움체 Bold" panose="00000800000000000000" pitchFamily="2" charset="-127"/>
-            </a:endParaRPr>
-          </a:p>
-        </p:txBody>
-      </p:sp>
+        </p:spPr>
+      </p:pic>
     </p:spTree>
     <p:extLst>
       <p:ext uri="{BB962C8B-B14F-4D97-AF65-F5344CB8AC3E}">
-        <p14:creationId xmlns:p14="http://schemas.microsoft.com/office/powerpoint/2010/main" val="4277213233"/>
+        <p14:creationId xmlns:p14="http://schemas.microsoft.com/office/powerpoint/2010/main" val="669731534"/>
       </p:ext>
     </p:extLst>
   </p:cSld>
@@ -4243,7 +4901,7 @@
         </p:nvSpPr>
         <p:spPr>
           <a:xfrm>
-            <a:off x="4232564" y="538659"/>
+            <a:off x="4832421" y="538659"/>
             <a:ext cx="3726872" cy="782330"/>
           </a:xfrm>
           <a:prstGeom prst="snip2DiagRect">
@@ -4289,7 +4947,7 @@
         </p:nvSpPr>
         <p:spPr>
           <a:xfrm>
-            <a:off x="5161042" y="721457"/>
+            <a:off x="5760899" y="721457"/>
             <a:ext cx="1789272" cy="400110"/>
           </a:xfrm>
           <a:prstGeom prst="rect">
@@ -4331,7 +4989,7 @@
         </p:nvGrpSpPr>
         <p:grpSpPr>
           <a:xfrm>
-            <a:off x="2052931" y="1553158"/>
+            <a:off x="3824009" y="1757950"/>
             <a:ext cx="2135581" cy="541508"/>
             <a:chOff x="4232564" y="2276508"/>
             <a:chExt cx="2135581" cy="541508"/>
@@ -4537,7 +5195,7 @@
         </p:nvGrpSpPr>
         <p:grpSpPr>
           <a:xfrm>
-            <a:off x="1457328" y="4422960"/>
+            <a:off x="3824009" y="5450895"/>
             <a:ext cx="2197588" cy="541508"/>
             <a:chOff x="4186587" y="3254098"/>
             <a:chExt cx="2197588" cy="541508"/>
@@ -4743,7 +5401,7 @@
         </p:nvGrpSpPr>
         <p:grpSpPr>
           <a:xfrm>
-            <a:off x="6519379" y="2870999"/>
+            <a:off x="7319262" y="2988932"/>
             <a:ext cx="2097958" cy="541508"/>
             <a:chOff x="4094633" y="5209278"/>
             <a:chExt cx="2097958" cy="541508"/>
@@ -4959,7 +5617,7 @@
         </p:nvGrpSpPr>
         <p:grpSpPr>
           <a:xfrm>
-            <a:off x="6855710" y="1757950"/>
+            <a:off x="7319262" y="1757950"/>
             <a:ext cx="2207452" cy="541508"/>
             <a:chOff x="4958808" y="3382402"/>
             <a:chExt cx="2207452" cy="541508"/>
@@ -5212,7 +5870,7 @@
         </p:nvGrpSpPr>
         <p:grpSpPr>
           <a:xfrm>
-            <a:off x="6206555" y="4074859"/>
+            <a:off x="7319262" y="4219914"/>
             <a:ext cx="1815830" cy="541508"/>
             <a:chOff x="4094633" y="5209278"/>
             <a:chExt cx="1815830" cy="541508"/>
@@ -5418,7 +6076,7 @@
         </p:nvGrpSpPr>
         <p:grpSpPr>
           <a:xfrm>
-            <a:off x="5806104" y="5450895"/>
+            <a:off x="7319262" y="5450895"/>
             <a:ext cx="2226198" cy="541508"/>
             <a:chOff x="4094633" y="5209278"/>
             <a:chExt cx="2226198" cy="541508"/>
@@ -5624,7 +6282,7 @@
         </p:nvGrpSpPr>
         <p:grpSpPr>
           <a:xfrm>
-            <a:off x="1685632" y="2975205"/>
+            <a:off x="3824009" y="3604423"/>
             <a:ext cx="2518189" cy="541508"/>
             <a:chOff x="4186587" y="3254098"/>
             <a:chExt cx="2518189" cy="541508"/>
@@ -5879,34 +6537,48 @@
           <a:chExt cx="0" cy="0"/>
         </a:xfrm>
       </p:grpSpPr>
-      <p:pic>
-        <p:nvPicPr>
-          <p:cNvPr id="8" name="그림 7"/>
-          <p:cNvPicPr>
-            <a:picLocks noChangeAspect="1"/>
-          </p:cNvPicPr>
+      <p:sp>
+        <p:nvSpPr>
+          <p:cNvPr id="8" name="TextBox 7"/>
+          <p:cNvSpPr txBox="1"/>
           <p:nvPr/>
-        </p:nvPicPr>
-        <p:blipFill>
-          <a:blip r:embed="rId2"/>
-          <a:stretch>
-            <a:fillRect/>
-          </a:stretch>
-        </p:blipFill>
-        <p:spPr>
-          <a:xfrm>
-            <a:off x="4290753" y="209374"/>
-            <a:ext cx="3610494" cy="6439252"/>
+        </p:nvSpPr>
+        <p:spPr>
+          <a:xfrm>
+            <a:off x="4537364" y="2875002"/>
+            <a:ext cx="3117273" cy="1107996"/>
           </a:xfrm>
           <a:prstGeom prst="rect">
             <a:avLst/>
           </a:prstGeom>
-        </p:spPr>
-      </p:pic>
+          <a:noFill/>
+        </p:spPr>
+        <p:txBody>
+          <a:bodyPr wrap="square" rtlCol="0">
+            <a:spAutoFit/>
+          </a:bodyPr>
+          <a:lstStyle/>
+          <a:p>
+            <a:r>
+              <a:rPr lang="ko-KR" altLang="en-US" sz="6600" dirty="0" err="1" smtClean="0">
+                <a:latin typeface="KoPubWorld돋움체 Bold" panose="00000800000000000000" pitchFamily="2" charset="-127"/>
+                <a:ea typeface="KoPubWorld돋움체 Bold" panose="00000800000000000000" pitchFamily="2" charset="-127"/>
+                <a:cs typeface="KoPubWorld돋움체 Bold" panose="00000800000000000000" pitchFamily="2" charset="-127"/>
+              </a:rPr>
+              <a:t>종료온도</a:t>
+            </a:r>
+            <a:endParaRPr lang="ko-KR" altLang="en-US" sz="6600" dirty="0">
+              <a:latin typeface="KoPubWorld돋움체 Bold" panose="00000800000000000000" pitchFamily="2" charset="-127"/>
+              <a:ea typeface="KoPubWorld돋움체 Bold" panose="00000800000000000000" pitchFamily="2" charset="-127"/>
+              <a:cs typeface="KoPubWorld돋움체 Bold" panose="00000800000000000000" pitchFamily="2" charset="-127"/>
+            </a:endParaRPr>
+          </a:p>
+        </p:txBody>
+      </p:sp>
     </p:spTree>
     <p:extLst>
       <p:ext uri="{BB962C8B-B14F-4D97-AF65-F5344CB8AC3E}">
-        <p14:creationId xmlns:p14="http://schemas.microsoft.com/office/powerpoint/2010/main" val="669731534"/>
+        <p14:creationId xmlns:p14="http://schemas.microsoft.com/office/powerpoint/2010/main" val="953339767"/>
       </p:ext>
     </p:extLst>
   </p:cSld>
@@ -5940,48 +6612,34 @@
           <a:chExt cx="0" cy="0"/>
         </a:xfrm>
       </p:grpSpPr>
-      <p:sp>
-        <p:nvSpPr>
-          <p:cNvPr id="8" name="TextBox 7"/>
-          <p:cNvSpPr txBox="1"/>
+      <p:pic>
+        <p:nvPicPr>
+          <p:cNvPr id="9" name="그림 8"/>
+          <p:cNvPicPr>
+            <a:picLocks noChangeAspect="1"/>
+          </p:cNvPicPr>
           <p:nvPr/>
-        </p:nvSpPr>
-        <p:spPr>
-          <a:xfrm>
-            <a:off x="4537364" y="2875002"/>
-            <a:ext cx="3117273" cy="1107996"/>
+        </p:nvPicPr>
+        <p:blipFill>
+          <a:blip r:embed="rId2"/>
+          <a:stretch>
+            <a:fillRect/>
+          </a:stretch>
+        </p:blipFill>
+        <p:spPr>
+          <a:xfrm>
+            <a:off x="4281271" y="166565"/>
+            <a:ext cx="3629459" cy="6524870"/>
           </a:xfrm>
           <a:prstGeom prst="rect">
             <a:avLst/>
           </a:prstGeom>
-          <a:noFill/>
-        </p:spPr>
-        <p:txBody>
-          <a:bodyPr wrap="square" rtlCol="0">
-            <a:spAutoFit/>
-          </a:bodyPr>
-          <a:lstStyle/>
-          <a:p>
-            <a:r>
-              <a:rPr lang="ko-KR" altLang="en-US" sz="6600" dirty="0" err="1" smtClean="0">
-                <a:latin typeface="KoPubWorld돋움체 Bold" panose="00000800000000000000" pitchFamily="2" charset="-127"/>
-                <a:ea typeface="KoPubWorld돋움체 Bold" panose="00000800000000000000" pitchFamily="2" charset="-127"/>
-                <a:cs typeface="KoPubWorld돋움체 Bold" panose="00000800000000000000" pitchFamily="2" charset="-127"/>
-              </a:rPr>
-              <a:t>종료온도</a:t>
-            </a:r>
-            <a:endParaRPr lang="ko-KR" altLang="en-US" sz="6600" dirty="0">
-              <a:latin typeface="KoPubWorld돋움체 Bold" panose="00000800000000000000" pitchFamily="2" charset="-127"/>
-              <a:ea typeface="KoPubWorld돋움체 Bold" panose="00000800000000000000" pitchFamily="2" charset="-127"/>
-              <a:cs typeface="KoPubWorld돋움체 Bold" panose="00000800000000000000" pitchFamily="2" charset="-127"/>
-            </a:endParaRPr>
-          </a:p>
-        </p:txBody>
-      </p:sp>
+        </p:spPr>
+      </p:pic>
     </p:spTree>
     <p:extLst>
       <p:ext uri="{BB962C8B-B14F-4D97-AF65-F5344CB8AC3E}">
-        <p14:creationId xmlns:p14="http://schemas.microsoft.com/office/powerpoint/2010/main" val="953339767"/>
+        <p14:creationId xmlns:p14="http://schemas.microsoft.com/office/powerpoint/2010/main" val="2738186380"/>
       </p:ext>
     </p:extLst>
   </p:cSld>
@@ -6015,34 +6673,48 @@
           <a:chExt cx="0" cy="0"/>
         </a:xfrm>
       </p:grpSpPr>
-      <p:pic>
-        <p:nvPicPr>
-          <p:cNvPr id="9" name="그림 8"/>
-          <p:cNvPicPr>
-            <a:picLocks noChangeAspect="1"/>
-          </p:cNvPicPr>
+      <p:sp>
+        <p:nvSpPr>
+          <p:cNvPr id="8" name="TextBox 7"/>
+          <p:cNvSpPr txBox="1"/>
           <p:nvPr/>
-        </p:nvPicPr>
-        <p:blipFill>
-          <a:blip r:embed="rId2"/>
-          <a:stretch>
-            <a:fillRect/>
-          </a:stretch>
-        </p:blipFill>
-        <p:spPr>
-          <a:xfrm>
-            <a:off x="4281271" y="166565"/>
-            <a:ext cx="3629459" cy="6524870"/>
+        </p:nvSpPr>
+        <p:spPr>
+          <a:xfrm>
+            <a:off x="4537364" y="2875002"/>
+            <a:ext cx="3117273" cy="1107996"/>
           </a:xfrm>
           <a:prstGeom prst="rect">
             <a:avLst/>
           </a:prstGeom>
-        </p:spPr>
-      </p:pic>
+          <a:noFill/>
+        </p:spPr>
+        <p:txBody>
+          <a:bodyPr wrap="square" rtlCol="0">
+            <a:spAutoFit/>
+          </a:bodyPr>
+          <a:lstStyle/>
+          <a:p>
+            <a:r>
+              <a:rPr lang="ko-KR" altLang="en-US" sz="6600" dirty="0" smtClean="0">
+                <a:latin typeface="KoPubWorld돋움체 Bold" panose="00000800000000000000" pitchFamily="2" charset="-127"/>
+                <a:ea typeface="KoPubWorld돋움체 Bold" panose="00000800000000000000" pitchFamily="2" charset="-127"/>
+                <a:cs typeface="KoPubWorld돋움체 Bold" panose="00000800000000000000" pitchFamily="2" charset="-127"/>
+              </a:rPr>
+              <a:t>업데이트</a:t>
+            </a:r>
+            <a:endParaRPr lang="ko-KR" altLang="en-US" sz="6600" dirty="0">
+              <a:latin typeface="KoPubWorld돋움체 Bold" panose="00000800000000000000" pitchFamily="2" charset="-127"/>
+              <a:ea typeface="KoPubWorld돋움체 Bold" panose="00000800000000000000" pitchFamily="2" charset="-127"/>
+              <a:cs typeface="KoPubWorld돋움체 Bold" panose="00000800000000000000" pitchFamily="2" charset="-127"/>
+            </a:endParaRPr>
+          </a:p>
+        </p:txBody>
+      </p:sp>
     </p:spTree>
     <p:extLst>
       <p:ext uri="{BB962C8B-B14F-4D97-AF65-F5344CB8AC3E}">
-        <p14:creationId xmlns:p14="http://schemas.microsoft.com/office/powerpoint/2010/main" val="2738186380"/>
+        <p14:creationId xmlns:p14="http://schemas.microsoft.com/office/powerpoint/2010/main" val="2155386988"/>
       </p:ext>
     </p:extLst>
   </p:cSld>
@@ -6076,48 +6748,34 @@
           <a:chExt cx="0" cy="0"/>
         </a:xfrm>
       </p:grpSpPr>
-      <p:sp>
-        <p:nvSpPr>
-          <p:cNvPr id="8" name="TextBox 7"/>
-          <p:cNvSpPr txBox="1"/>
+      <p:pic>
+        <p:nvPicPr>
+          <p:cNvPr id="10" name="그림 9"/>
+          <p:cNvPicPr>
+            <a:picLocks noChangeAspect="1"/>
+          </p:cNvPicPr>
           <p:nvPr/>
-        </p:nvSpPr>
-        <p:spPr>
-          <a:xfrm>
-            <a:off x="4537364" y="2875002"/>
-            <a:ext cx="3117273" cy="1107996"/>
+        </p:nvPicPr>
+        <p:blipFill>
+          <a:blip r:embed="rId2"/>
+          <a:stretch>
+            <a:fillRect/>
+          </a:stretch>
+        </p:blipFill>
+        <p:spPr>
+          <a:xfrm>
+            <a:off x="4291143" y="209199"/>
+            <a:ext cx="3609715" cy="6439603"/>
           </a:xfrm>
           <a:prstGeom prst="rect">
             <a:avLst/>
           </a:prstGeom>
-          <a:noFill/>
-        </p:spPr>
-        <p:txBody>
-          <a:bodyPr wrap="square" rtlCol="0">
-            <a:spAutoFit/>
-          </a:bodyPr>
-          <a:lstStyle/>
-          <a:p>
-            <a:r>
-              <a:rPr lang="ko-KR" altLang="en-US" sz="6600" dirty="0" smtClean="0">
-                <a:latin typeface="KoPubWorld돋움체 Bold" panose="00000800000000000000" pitchFamily="2" charset="-127"/>
-                <a:ea typeface="KoPubWorld돋움체 Bold" panose="00000800000000000000" pitchFamily="2" charset="-127"/>
-                <a:cs typeface="KoPubWorld돋움체 Bold" panose="00000800000000000000" pitchFamily="2" charset="-127"/>
-              </a:rPr>
-              <a:t>업데이트</a:t>
-            </a:r>
-            <a:endParaRPr lang="ko-KR" altLang="en-US" sz="6600" dirty="0">
-              <a:latin typeface="KoPubWorld돋움체 Bold" panose="00000800000000000000" pitchFamily="2" charset="-127"/>
-              <a:ea typeface="KoPubWorld돋움체 Bold" panose="00000800000000000000" pitchFamily="2" charset="-127"/>
-              <a:cs typeface="KoPubWorld돋움체 Bold" panose="00000800000000000000" pitchFamily="2" charset="-127"/>
-            </a:endParaRPr>
-          </a:p>
-        </p:txBody>
-      </p:sp>
+        </p:spPr>
+      </p:pic>
     </p:spTree>
     <p:extLst>
       <p:ext uri="{BB962C8B-B14F-4D97-AF65-F5344CB8AC3E}">
-        <p14:creationId xmlns:p14="http://schemas.microsoft.com/office/powerpoint/2010/main" val="2155386988"/>
+        <p14:creationId xmlns:p14="http://schemas.microsoft.com/office/powerpoint/2010/main" val="3421306445"/>
       </p:ext>
     </p:extLst>
   </p:cSld>
@@ -6151,34 +6809,49 @@
           <a:chExt cx="0" cy="0"/>
         </a:xfrm>
       </p:grpSpPr>
-      <p:pic>
-        <p:nvPicPr>
-          <p:cNvPr id="10" name="그림 9"/>
-          <p:cNvPicPr>
-            <a:picLocks noChangeAspect="1"/>
-          </p:cNvPicPr>
+      <p:sp>
+        <p:nvSpPr>
+          <p:cNvPr id="8" name="TextBox 7"/>
+          <p:cNvSpPr txBox="1"/>
           <p:nvPr/>
-        </p:nvPicPr>
-        <p:blipFill>
-          <a:blip r:embed="rId2"/>
-          <a:stretch>
-            <a:fillRect/>
-          </a:stretch>
-        </p:blipFill>
-        <p:spPr>
-          <a:xfrm>
-            <a:off x="4291143" y="209199"/>
-            <a:ext cx="3609715" cy="6439603"/>
+        </p:nvSpPr>
+        <p:spPr>
+          <a:xfrm>
+            <a:off x="4537364" y="2875002"/>
+            <a:ext cx="3117273" cy="1107996"/>
           </a:xfrm>
           <a:prstGeom prst="rect">
             <a:avLst/>
           </a:prstGeom>
-        </p:spPr>
-      </p:pic>
+          <a:noFill/>
+        </p:spPr>
+        <p:txBody>
+          <a:bodyPr wrap="square" rtlCol="0">
+            <a:spAutoFit/>
+          </a:bodyPr>
+          <a:lstStyle/>
+          <a:p>
+            <a:pPr algn="ctr"/>
+            <a:r>
+              <a:rPr lang="ko-KR" altLang="en-US" sz="6600" dirty="0" smtClean="0">
+                <a:latin typeface="KoPubWorld돋움체 Bold" panose="00000800000000000000" pitchFamily="2" charset="-127"/>
+                <a:ea typeface="KoPubWorld돋움체 Bold" panose="00000800000000000000" pitchFamily="2" charset="-127"/>
+                <a:cs typeface="KoPubWorld돋움체 Bold" panose="00000800000000000000" pitchFamily="2" charset="-127"/>
+              </a:rPr>
+              <a:t>도움말</a:t>
+            </a:r>
+            <a:endParaRPr lang="ko-KR" altLang="en-US" sz="6600" dirty="0">
+              <a:latin typeface="KoPubWorld돋움체 Bold" panose="00000800000000000000" pitchFamily="2" charset="-127"/>
+              <a:ea typeface="KoPubWorld돋움체 Bold" panose="00000800000000000000" pitchFamily="2" charset="-127"/>
+              <a:cs typeface="KoPubWorld돋움체 Bold" panose="00000800000000000000" pitchFamily="2" charset="-127"/>
+            </a:endParaRPr>
+          </a:p>
+        </p:txBody>
+      </p:sp>
     </p:spTree>
     <p:extLst>
       <p:ext uri="{BB962C8B-B14F-4D97-AF65-F5344CB8AC3E}">
-        <p14:creationId xmlns:p14="http://schemas.microsoft.com/office/powerpoint/2010/main" val="3421306445"/>
+        <p14:creationId xmlns:p14="http://schemas.microsoft.com/office/powerpoint/2010/main" val="3193727258"/>
       </p:ext>
     </p:extLst>
   </p:cSld>
@@ -6212,49 +6885,34 @@
           <a:chExt cx="0" cy="0"/>
         </a:xfrm>
       </p:grpSpPr>
-      <p:sp>
-        <p:nvSpPr>
-          <p:cNvPr id="8" name="TextBox 7"/>
-          <p:cNvSpPr txBox="1"/>
+      <p:pic>
+        <p:nvPicPr>
+          <p:cNvPr id="8" name="그림 7"/>
+          <p:cNvPicPr>
+            <a:picLocks noChangeAspect="1"/>
+          </p:cNvPicPr>
           <p:nvPr/>
-        </p:nvSpPr>
-        <p:spPr>
-          <a:xfrm>
-            <a:off x="4537364" y="2875002"/>
-            <a:ext cx="3117273" cy="1107996"/>
+        </p:nvPicPr>
+        <p:blipFill>
+          <a:blip r:embed="rId2"/>
+          <a:stretch>
+            <a:fillRect/>
+          </a:stretch>
+        </p:blipFill>
+        <p:spPr>
+          <a:xfrm>
+            <a:off x="4348942" y="313153"/>
+            <a:ext cx="3494117" cy="6231695"/>
           </a:xfrm>
           <a:prstGeom prst="rect">
             <a:avLst/>
           </a:prstGeom>
-          <a:noFill/>
-        </p:spPr>
-        <p:txBody>
-          <a:bodyPr wrap="square" rtlCol="0">
-            <a:spAutoFit/>
-          </a:bodyPr>
-          <a:lstStyle/>
-          <a:p>
-            <a:pPr algn="ctr"/>
-            <a:r>
-              <a:rPr lang="ko-KR" altLang="en-US" sz="6600" dirty="0" smtClean="0">
-                <a:latin typeface="KoPubWorld돋움체 Bold" panose="00000800000000000000" pitchFamily="2" charset="-127"/>
-                <a:ea typeface="KoPubWorld돋움체 Bold" panose="00000800000000000000" pitchFamily="2" charset="-127"/>
-                <a:cs typeface="KoPubWorld돋움체 Bold" panose="00000800000000000000" pitchFamily="2" charset="-127"/>
-              </a:rPr>
-              <a:t>도움말</a:t>
-            </a:r>
-            <a:endParaRPr lang="ko-KR" altLang="en-US" sz="6600" dirty="0">
-              <a:latin typeface="KoPubWorld돋움체 Bold" panose="00000800000000000000" pitchFamily="2" charset="-127"/>
-              <a:ea typeface="KoPubWorld돋움체 Bold" panose="00000800000000000000" pitchFamily="2" charset="-127"/>
-              <a:cs typeface="KoPubWorld돋움체 Bold" panose="00000800000000000000" pitchFamily="2" charset="-127"/>
-            </a:endParaRPr>
-          </a:p>
-        </p:txBody>
-      </p:sp>
+        </p:spPr>
+      </p:pic>
     </p:spTree>
     <p:extLst>
       <p:ext uri="{BB962C8B-B14F-4D97-AF65-F5344CB8AC3E}">
-        <p14:creationId xmlns:p14="http://schemas.microsoft.com/office/powerpoint/2010/main" val="3193727258"/>
+        <p14:creationId xmlns:p14="http://schemas.microsoft.com/office/powerpoint/2010/main" val="2027731967"/>
       </p:ext>
     </p:extLst>
   </p:cSld>
@@ -6288,34 +6946,110 @@
           <a:chExt cx="0" cy="0"/>
         </a:xfrm>
       </p:grpSpPr>
-      <p:pic>
-        <p:nvPicPr>
-          <p:cNvPr id="8" name="그림 7"/>
-          <p:cNvPicPr>
-            <a:picLocks noChangeAspect="1"/>
-          </p:cNvPicPr>
+      <p:sp>
+        <p:nvSpPr>
+          <p:cNvPr id="5" name="평행 사변형 4"/>
+          <p:cNvSpPr/>
           <p:nvPr/>
-        </p:nvPicPr>
-        <p:blipFill>
-          <a:blip r:embed="rId2"/>
-          <a:stretch>
-            <a:fillRect/>
-          </a:stretch>
-        </p:blipFill>
-        <p:spPr>
-          <a:xfrm>
-            <a:off x="4348942" y="313153"/>
-            <a:ext cx="3494117" cy="6231695"/>
+        </p:nvSpPr>
+        <p:spPr>
+          <a:xfrm>
+            <a:off x="-5098104" y="-93134"/>
+            <a:ext cx="9672941" cy="7272867"/>
+          </a:xfrm>
+          <a:prstGeom prst="parallelogram">
+            <a:avLst/>
+          </a:prstGeom>
+          <a:solidFill>
+            <a:srgbClr val="F67280"/>
+          </a:solidFill>
+          <a:ln>
+            <a:noFill/>
+          </a:ln>
+        </p:spPr>
+        <p:style>
+          <a:lnRef idx="2">
+            <a:schemeClr val="accent1">
+              <a:shade val="50000"/>
+            </a:schemeClr>
+          </a:lnRef>
+          <a:fillRef idx="1">
+            <a:schemeClr val="accent1"/>
+          </a:fillRef>
+          <a:effectRef idx="0">
+            <a:schemeClr val="accent1"/>
+          </a:effectRef>
+          <a:fontRef idx="minor">
+            <a:schemeClr val="lt1"/>
+          </a:fontRef>
+        </p:style>
+        <p:txBody>
+          <a:bodyPr rtlCol="0" anchor="ctr"/>
+          <a:lstStyle/>
+          <a:p>
+            <a:pPr algn="ctr"/>
+            <a:endParaRPr lang="ko-KR" altLang="en-US"/>
+          </a:p>
+        </p:txBody>
+      </p:sp>
+      <p:sp>
+        <p:nvSpPr>
+          <p:cNvPr id="6" name="TextBox 5"/>
+          <p:cNvSpPr txBox="1"/>
+          <p:nvPr/>
+        </p:nvSpPr>
+        <p:spPr>
+          <a:xfrm>
+            <a:off x="4792133" y="2881579"/>
+            <a:ext cx="3137397" cy="1323439"/>
           </a:xfrm>
           <a:prstGeom prst="rect">
             <a:avLst/>
           </a:prstGeom>
-        </p:spPr>
-      </p:pic>
+          <a:noFill/>
+        </p:spPr>
+        <p:txBody>
+          <a:bodyPr wrap="none" rtlCol="0">
+            <a:spAutoFit/>
+          </a:bodyPr>
+          <a:lstStyle/>
+          <a:p>
+            <a:r>
+              <a:rPr lang="en-US" altLang="ko-KR" sz="8000" b="1" dirty="0">
+                <a:latin typeface="KoPubWorld돋움체 Bold" panose="00000800000000000000" pitchFamily="2" charset="-127"/>
+                <a:ea typeface="KoPubWorld돋움체 Bold" panose="00000800000000000000" pitchFamily="2" charset="-127"/>
+                <a:cs typeface="KoPubWorld돋움체 Bold" panose="00000800000000000000" pitchFamily="2" charset="-127"/>
+              </a:rPr>
+              <a:t>6</a:t>
+            </a:r>
+            <a:r>
+              <a:rPr lang="en-US" altLang="ko-KR" sz="8000" b="1" dirty="0" smtClean="0">
+                <a:latin typeface="KoPubWorld돋움체 Bold" panose="00000800000000000000" pitchFamily="2" charset="-127"/>
+                <a:ea typeface="KoPubWorld돋움체 Bold" panose="00000800000000000000" pitchFamily="2" charset="-127"/>
+                <a:cs typeface="KoPubWorld돋움체 Bold" panose="00000800000000000000" pitchFamily="2" charset="-127"/>
+              </a:rPr>
+              <a:t>. </a:t>
+            </a:r>
+            <a:r>
+              <a:rPr lang="ko-KR" altLang="en-US" sz="8000" b="1" dirty="0" smtClean="0">
+                <a:latin typeface="KoPubWorld돋움체 Bold" panose="00000800000000000000" pitchFamily="2" charset="-127"/>
+                <a:ea typeface="KoPubWorld돋움체 Bold" panose="00000800000000000000" pitchFamily="2" charset="-127"/>
+                <a:cs typeface="KoPubWorld돋움체 Bold" panose="00000800000000000000" pitchFamily="2" charset="-127"/>
+              </a:rPr>
+              <a:t>시연</a:t>
+            </a:r>
+            <a:endParaRPr lang="en-US" altLang="ko-KR" sz="8000" b="1" dirty="0" smtClean="0">
+              <a:latin typeface="KoPubWorld돋움체 Bold" panose="00000800000000000000" pitchFamily="2" charset="-127"/>
+              <a:ea typeface="KoPubWorld돋움체 Bold" panose="00000800000000000000" pitchFamily="2" charset="-127"/>
+              <a:cs typeface="KoPubWorld돋움체 Bold" panose="00000800000000000000" pitchFamily="2" charset="-127"/>
+            </a:endParaRPr>
+          </a:p>
+        </p:txBody>
+      </p:sp>
     </p:spTree>
     <p:extLst>
       <p:ext uri="{BB962C8B-B14F-4D97-AF65-F5344CB8AC3E}">
-        <p14:creationId xmlns:p14="http://schemas.microsoft.com/office/powerpoint/2010/main" val="2027731967"/>
+        <p14:creationId xmlns:p14="http://schemas.microsoft.com/office/powerpoint/2010/main" val="3695207147"/>
       </p:ext>
     </p:extLst>
   </p:cSld>
@@ -6349,136 +7083,6 @@
           <a:chExt cx="0" cy="0"/>
         </a:xfrm>
       </p:grpSpPr>
-      <p:sp>
-        <p:nvSpPr>
-          <p:cNvPr id="5" name="평행 사변형 4"/>
-          <p:cNvSpPr/>
-          <p:nvPr/>
-        </p:nvSpPr>
-        <p:spPr>
-          <a:xfrm>
-            <a:off x="-5098104" y="-93134"/>
-            <a:ext cx="9672941" cy="7272867"/>
-          </a:xfrm>
-          <a:prstGeom prst="parallelogram">
-            <a:avLst/>
-          </a:prstGeom>
-          <a:solidFill>
-            <a:srgbClr val="F67280"/>
-          </a:solidFill>
-          <a:ln>
-            <a:noFill/>
-          </a:ln>
-        </p:spPr>
-        <p:style>
-          <a:lnRef idx="2">
-            <a:schemeClr val="accent1">
-              <a:shade val="50000"/>
-            </a:schemeClr>
-          </a:lnRef>
-          <a:fillRef idx="1">
-            <a:schemeClr val="accent1"/>
-          </a:fillRef>
-          <a:effectRef idx="0">
-            <a:schemeClr val="accent1"/>
-          </a:effectRef>
-          <a:fontRef idx="minor">
-            <a:schemeClr val="lt1"/>
-          </a:fontRef>
-        </p:style>
-        <p:txBody>
-          <a:bodyPr rtlCol="0" anchor="ctr"/>
-          <a:lstStyle/>
-          <a:p>
-            <a:pPr algn="ctr"/>
-            <a:endParaRPr lang="ko-KR" altLang="en-US"/>
-          </a:p>
-        </p:txBody>
-      </p:sp>
-      <p:sp>
-        <p:nvSpPr>
-          <p:cNvPr id="6" name="TextBox 5"/>
-          <p:cNvSpPr txBox="1"/>
-          <p:nvPr/>
-        </p:nvSpPr>
-        <p:spPr>
-          <a:xfrm>
-            <a:off x="4792133" y="2881579"/>
-            <a:ext cx="3137397" cy="1323439"/>
-          </a:xfrm>
-          <a:prstGeom prst="rect">
-            <a:avLst/>
-          </a:prstGeom>
-          <a:noFill/>
-        </p:spPr>
-        <p:txBody>
-          <a:bodyPr wrap="none" rtlCol="0">
-            <a:spAutoFit/>
-          </a:bodyPr>
-          <a:lstStyle/>
-          <a:p>
-            <a:r>
-              <a:rPr lang="en-US" altLang="ko-KR" sz="8000" b="1" dirty="0">
-                <a:latin typeface="KoPubWorld돋움체 Bold" panose="00000800000000000000" pitchFamily="2" charset="-127"/>
-                <a:ea typeface="KoPubWorld돋움체 Bold" panose="00000800000000000000" pitchFamily="2" charset="-127"/>
-                <a:cs typeface="KoPubWorld돋움체 Bold" panose="00000800000000000000" pitchFamily="2" charset="-127"/>
-              </a:rPr>
-              <a:t>6</a:t>
-            </a:r>
-            <a:r>
-              <a:rPr lang="en-US" altLang="ko-KR" sz="8000" b="1" dirty="0" smtClean="0">
-                <a:latin typeface="KoPubWorld돋움체 Bold" panose="00000800000000000000" pitchFamily="2" charset="-127"/>
-                <a:ea typeface="KoPubWorld돋움체 Bold" panose="00000800000000000000" pitchFamily="2" charset="-127"/>
-                <a:cs typeface="KoPubWorld돋움체 Bold" panose="00000800000000000000" pitchFamily="2" charset="-127"/>
-              </a:rPr>
-              <a:t>. </a:t>
-            </a:r>
-            <a:r>
-              <a:rPr lang="ko-KR" altLang="en-US" sz="8000" b="1" dirty="0" smtClean="0">
-                <a:latin typeface="KoPubWorld돋움체 Bold" panose="00000800000000000000" pitchFamily="2" charset="-127"/>
-                <a:ea typeface="KoPubWorld돋움체 Bold" panose="00000800000000000000" pitchFamily="2" charset="-127"/>
-                <a:cs typeface="KoPubWorld돋움체 Bold" panose="00000800000000000000" pitchFamily="2" charset="-127"/>
-              </a:rPr>
-              <a:t>시연</a:t>
-            </a:r>
-            <a:endParaRPr lang="en-US" altLang="ko-KR" sz="8000" b="1" dirty="0" smtClean="0">
-              <a:latin typeface="KoPubWorld돋움체 Bold" panose="00000800000000000000" pitchFamily="2" charset="-127"/>
-              <a:ea typeface="KoPubWorld돋움체 Bold" panose="00000800000000000000" pitchFamily="2" charset="-127"/>
-              <a:cs typeface="KoPubWorld돋움체 Bold" panose="00000800000000000000" pitchFamily="2" charset="-127"/>
-            </a:endParaRPr>
-          </a:p>
-        </p:txBody>
-      </p:sp>
-    </p:spTree>
-    <p:extLst>
-      <p:ext uri="{BB962C8B-B14F-4D97-AF65-F5344CB8AC3E}">
-        <p14:creationId xmlns:p14="http://schemas.microsoft.com/office/powerpoint/2010/main" val="3695207147"/>
-      </p:ext>
-    </p:extLst>
-  </p:cSld>
-  <p:clrMapOvr>
-    <a:masterClrMapping/>
-  </p:clrMapOvr>
-</p:sld>
-</file>
-
-<file path=ppt/slides/slide28.xml><?xml version="1.0" encoding="utf-8"?>
-<p:sld xmlns:a="http://schemas.openxmlformats.org/drawingml/2006/main" xmlns:r="http://schemas.openxmlformats.org/officeDocument/2006/relationships" xmlns:p="http://schemas.openxmlformats.org/presentationml/2006/main">
-  <p:cSld>
-    <p:spTree>
-      <p:nvGrpSpPr>
-        <p:cNvPr id="1" name=""/>
-        <p:cNvGrpSpPr/>
-        <p:nvPr/>
-      </p:nvGrpSpPr>
-      <p:grpSpPr>
-        <a:xfrm>
-          <a:off x="0" y="0"/>
-          <a:ext cx="0" cy="0"/>
-          <a:chOff x="0" y="0"/>
-          <a:chExt cx="0" cy="0"/>
-        </a:xfrm>
-      </p:grpSpPr>
       <p:pic>
         <p:nvPicPr>
           <p:cNvPr id="3080" name="Picture 8" descr="ëê° &amp;quot;Bugdroid&amp;quot;ë¥¼ ë§ë¤ìëì?"/>
@@ -6487,7 +7091,7 @@
           </p:cNvPicPr>
           <p:nvPr/>
         </p:nvPicPr>
-        <p:blipFill>
+        <p:blipFill rotWithShape="1">
           <a:blip r:embed="rId2">
             <a:clrChange>
               <a:clrFrom>
@@ -6505,15 +7109,13 @@
               </a:ext>
             </a:extLst>
           </a:blip>
-          <a:srcRect/>
-          <a:stretch>
-            <a:fillRect/>
-          </a:stretch>
+          <a:srcRect l="25867" r="25717"/>
+          <a:stretch/>
         </p:blipFill>
         <p:spPr bwMode="auto">
           <a:xfrm>
-            <a:off x="6507991" y="1315969"/>
-            <a:ext cx="6258440" cy="3739014"/>
+            <a:off x="8597152" y="1315969"/>
+            <a:ext cx="3030071" cy="3739014"/>
           </a:xfrm>
           <a:prstGeom prst="rect">
             <a:avLst/>
@@ -6553,7 +7155,7 @@
         </p:blipFill>
         <p:spPr bwMode="auto">
           <a:xfrm>
-            <a:off x="181146" y="1423034"/>
+            <a:off x="651409" y="1423034"/>
             <a:ext cx="5308062" cy="3524885"/>
           </a:xfrm>
           <a:prstGeom prst="rect">
@@ -6700,8 +7302,8 @@
         </p:nvSpPr>
         <p:spPr>
           <a:xfrm>
-            <a:off x="0" y="2028617"/>
-            <a:ext cx="12192000" cy="2800767"/>
+            <a:off x="1084729" y="2028617"/>
+            <a:ext cx="11107271" cy="2800767"/>
           </a:xfrm>
           <a:prstGeom prst="rect">
             <a:avLst/>
@@ -6722,17 +7324,7 @@
                 <a:latin typeface="KoPub돋움체 Bold" panose="02020603020101020101" pitchFamily="18" charset="-127"/>
                 <a:ea typeface="KoPub돋움체 Bold" panose="02020603020101020101" pitchFamily="18" charset="-127"/>
               </a:rPr>
-              <a:t>시 </a:t>
-            </a:r>
-            <a:r>
-              <a:rPr lang="ko-KR" altLang="en-US" sz="8800" dirty="0" smtClean="0">
-                <a:solidFill>
-                  <a:schemeClr val="bg1"/>
-                </a:solidFill>
-                <a:latin typeface="KoPub돋움체 Bold" panose="02020603020101020101" pitchFamily="18" charset="-127"/>
-                <a:ea typeface="KoPub돋움체 Bold" panose="02020603020101020101" pitchFamily="18" charset="-127"/>
-              </a:rPr>
-              <a:t>연</a:t>
+              <a:t>시 연</a:t>
             </a:r>
             <a:endParaRPr lang="en-US" altLang="ko-KR" sz="8800" dirty="0" smtClean="0">
               <a:solidFill>
@@ -6788,6 +7380,143 @@
     <p:extLst>
       <p:ext uri="{BB962C8B-B14F-4D97-AF65-F5344CB8AC3E}">
         <p14:creationId xmlns:p14="http://schemas.microsoft.com/office/powerpoint/2010/main" val="2293109900"/>
+      </p:ext>
+    </p:extLst>
+  </p:cSld>
+  <p:clrMapOvr>
+    <a:masterClrMapping/>
+  </p:clrMapOvr>
+  <p:timing>
+    <p:tnLst>
+      <p:par>
+        <p:cTn id="1" dur="indefinite" restart="never" nodeType="tmRoot"/>
+      </p:par>
+    </p:tnLst>
+  </p:timing>
+</p:sld>
+</file>
+
+<file path=ppt/slides/slide28.xml><?xml version="1.0" encoding="utf-8"?>
+<p:sld xmlns:a="http://schemas.openxmlformats.org/drawingml/2006/main" xmlns:r="http://schemas.openxmlformats.org/officeDocument/2006/relationships" xmlns:p="http://schemas.openxmlformats.org/presentationml/2006/main">
+  <p:cSld>
+    <p:spTree>
+      <p:nvGrpSpPr>
+        <p:cNvPr id="1" name=""/>
+        <p:cNvGrpSpPr/>
+        <p:nvPr/>
+      </p:nvGrpSpPr>
+      <p:grpSpPr>
+        <a:xfrm>
+          <a:off x="0" y="0"/>
+          <a:ext cx="0" cy="0"/>
+          <a:chOff x="0" y="0"/>
+          <a:chExt cx="0" cy="0"/>
+        </a:xfrm>
+      </p:grpSpPr>
+      <p:sp>
+        <p:nvSpPr>
+          <p:cNvPr id="5" name="평행 사변형 4"/>
+          <p:cNvSpPr/>
+          <p:nvPr/>
+        </p:nvSpPr>
+        <p:spPr>
+          <a:xfrm>
+            <a:off x="-5098104" y="-93134"/>
+            <a:ext cx="9672941" cy="7272867"/>
+          </a:xfrm>
+          <a:prstGeom prst="parallelogram">
+            <a:avLst/>
+          </a:prstGeom>
+          <a:solidFill>
+            <a:srgbClr val="F67280"/>
+          </a:solidFill>
+          <a:ln>
+            <a:noFill/>
+          </a:ln>
+        </p:spPr>
+        <p:style>
+          <a:lnRef idx="2">
+            <a:schemeClr val="accent1">
+              <a:shade val="50000"/>
+            </a:schemeClr>
+          </a:lnRef>
+          <a:fillRef idx="1">
+            <a:schemeClr val="accent1"/>
+          </a:fillRef>
+          <a:effectRef idx="0">
+            <a:schemeClr val="accent1"/>
+          </a:effectRef>
+          <a:fontRef idx="minor">
+            <a:schemeClr val="lt1"/>
+          </a:fontRef>
+        </p:style>
+        <p:txBody>
+          <a:bodyPr rtlCol="0" anchor="ctr"/>
+          <a:lstStyle/>
+          <a:p>
+            <a:pPr algn="ctr"/>
+            <a:endParaRPr lang="ko-KR" altLang="en-US"/>
+          </a:p>
+        </p:txBody>
+      </p:sp>
+      <p:sp>
+        <p:nvSpPr>
+          <p:cNvPr id="6" name="TextBox 5"/>
+          <p:cNvSpPr txBox="1"/>
+          <p:nvPr/>
+        </p:nvSpPr>
+        <p:spPr>
+          <a:xfrm>
+            <a:off x="4792133" y="2881579"/>
+            <a:ext cx="5224507" cy="1323439"/>
+          </a:xfrm>
+          <a:prstGeom prst="rect">
+            <a:avLst/>
+          </a:prstGeom>
+          <a:noFill/>
+        </p:spPr>
+        <p:txBody>
+          <a:bodyPr wrap="none" rtlCol="0">
+            <a:spAutoFit/>
+          </a:bodyPr>
+          <a:lstStyle/>
+          <a:p>
+            <a:r>
+              <a:rPr lang="en-US" altLang="ko-KR" sz="8000" b="1" dirty="0">
+                <a:latin typeface="KoPubWorld돋움체 Bold" panose="00000800000000000000" pitchFamily="2" charset="-127"/>
+                <a:ea typeface="KoPubWorld돋움체 Bold" panose="00000800000000000000" pitchFamily="2" charset="-127"/>
+                <a:cs typeface="KoPubWorld돋움체 Bold" panose="00000800000000000000" pitchFamily="2" charset="-127"/>
+              </a:rPr>
+              <a:t>7</a:t>
+            </a:r>
+            <a:r>
+              <a:rPr lang="en-US" altLang="ko-KR" sz="8000" b="1" dirty="0" smtClean="0">
+                <a:latin typeface="KoPubWorld돋움체 Bold" panose="00000800000000000000" pitchFamily="2" charset="-127"/>
+                <a:ea typeface="KoPubWorld돋움체 Bold" panose="00000800000000000000" pitchFamily="2" charset="-127"/>
+                <a:cs typeface="KoPubWorld돋움체 Bold" panose="00000800000000000000" pitchFamily="2" charset="-127"/>
+              </a:rPr>
+              <a:t>. </a:t>
+            </a:r>
+            <a:r>
+              <a:rPr lang="ko-KR" altLang="en-US" sz="8000" b="1" dirty="0" smtClean="0">
+                <a:latin typeface="KoPubWorld돋움체 Bold" panose="00000800000000000000" pitchFamily="2" charset="-127"/>
+                <a:ea typeface="KoPubWorld돋움체 Bold" panose="00000800000000000000" pitchFamily="2" charset="-127"/>
+                <a:cs typeface="KoPubWorld돋움체 Bold" panose="00000800000000000000" pitchFamily="2" charset="-127"/>
+              </a:rPr>
+              <a:t>기대 효과</a:t>
+            </a:r>
+            <a:endParaRPr lang="en-US" altLang="ko-KR" sz="8000" b="1" dirty="0" smtClean="0">
+              <a:latin typeface="KoPubWorld돋움체 Bold" panose="00000800000000000000" pitchFamily="2" charset="-127"/>
+              <a:ea typeface="KoPubWorld돋움체 Bold" panose="00000800000000000000" pitchFamily="2" charset="-127"/>
+              <a:cs typeface="KoPubWorld돋움체 Bold" panose="00000800000000000000" pitchFamily="2" charset="-127"/>
+            </a:endParaRPr>
+          </a:p>
+        </p:txBody>
+      </p:sp>
+    </p:spTree>
+    <p:extLst>
+      <p:ext uri="{BB962C8B-B14F-4D97-AF65-F5344CB8AC3E}">
+        <p14:creationId xmlns:p14="http://schemas.microsoft.com/office/powerpoint/2010/main" val="4055712183"/>
       </p:ext>
     </p:extLst>
   </p:cSld>
@@ -6823,24 +7552,21 @@
       </p:grpSpPr>
       <p:sp>
         <p:nvSpPr>
-          <p:cNvPr id="5" name="평행 사변형 4"/>
+          <p:cNvPr id="79" name="직사각형 78"/>
           <p:cNvSpPr/>
           <p:nvPr/>
         </p:nvSpPr>
         <p:spPr>
           <a:xfrm>
-            <a:off x="-5098104" y="-93134"/>
-            <a:ext cx="9672941" cy="7272867"/>
-          </a:xfrm>
-          <a:prstGeom prst="parallelogram">
+            <a:off x="11567828" y="2371"/>
+            <a:ext cx="624172" cy="624172"/>
+          </a:xfrm>
+          <a:prstGeom prst="rect">
             <a:avLst/>
           </a:prstGeom>
           <a:solidFill>
-            <a:srgbClr val="F67280"/>
+            <a:srgbClr val="355C7D"/>
           </a:solidFill>
-          <a:ln>
-            <a:noFill/>
-          </a:ln>
         </p:spPr>
         <p:style>
           <a:lnRef idx="2">
@@ -6869,100 +7595,16 @@
       </p:sp>
       <p:sp>
         <p:nvSpPr>
-          <p:cNvPr id="6" name="TextBox 5"/>
-          <p:cNvSpPr txBox="1"/>
-          <p:nvPr/>
-        </p:nvSpPr>
-        <p:spPr>
-          <a:xfrm>
-            <a:off x="4792133" y="2881579"/>
-            <a:ext cx="5224507" cy="1323439"/>
-          </a:xfrm>
-          <a:prstGeom prst="rect">
-            <a:avLst/>
-          </a:prstGeom>
-          <a:noFill/>
-        </p:spPr>
-        <p:txBody>
-          <a:bodyPr wrap="none" rtlCol="0">
-            <a:spAutoFit/>
-          </a:bodyPr>
-          <a:lstStyle/>
-          <a:p>
-            <a:r>
-              <a:rPr lang="en-US" altLang="ko-KR" sz="8000" b="1" dirty="0">
-                <a:latin typeface="KoPubWorld돋움체 Bold" panose="00000800000000000000" pitchFamily="2" charset="-127"/>
-                <a:ea typeface="KoPubWorld돋움체 Bold" panose="00000800000000000000" pitchFamily="2" charset="-127"/>
-                <a:cs typeface="KoPubWorld돋움체 Bold" panose="00000800000000000000" pitchFamily="2" charset="-127"/>
-              </a:rPr>
-              <a:t>7</a:t>
-            </a:r>
-            <a:r>
-              <a:rPr lang="en-US" altLang="ko-KR" sz="8000" b="1" dirty="0" smtClean="0">
-                <a:latin typeface="KoPubWorld돋움체 Bold" panose="00000800000000000000" pitchFamily="2" charset="-127"/>
-                <a:ea typeface="KoPubWorld돋움체 Bold" panose="00000800000000000000" pitchFamily="2" charset="-127"/>
-                <a:cs typeface="KoPubWorld돋움체 Bold" panose="00000800000000000000" pitchFamily="2" charset="-127"/>
-              </a:rPr>
-              <a:t>. </a:t>
-            </a:r>
-            <a:r>
-              <a:rPr lang="ko-KR" altLang="en-US" sz="8000" b="1" dirty="0" smtClean="0">
-                <a:latin typeface="KoPubWorld돋움체 Bold" panose="00000800000000000000" pitchFamily="2" charset="-127"/>
-                <a:ea typeface="KoPubWorld돋움체 Bold" panose="00000800000000000000" pitchFamily="2" charset="-127"/>
-                <a:cs typeface="KoPubWorld돋움체 Bold" panose="00000800000000000000" pitchFamily="2" charset="-127"/>
-              </a:rPr>
-              <a:t>기대 효과</a:t>
-            </a:r>
-            <a:endParaRPr lang="en-US" altLang="ko-KR" sz="8000" b="1" dirty="0" smtClean="0">
-              <a:latin typeface="KoPubWorld돋움체 Bold" panose="00000800000000000000" pitchFamily="2" charset="-127"/>
-              <a:ea typeface="KoPubWorld돋움체 Bold" panose="00000800000000000000" pitchFamily="2" charset="-127"/>
-              <a:cs typeface="KoPubWorld돋움체 Bold" panose="00000800000000000000" pitchFamily="2" charset="-127"/>
-            </a:endParaRPr>
-          </a:p>
-        </p:txBody>
-      </p:sp>
-    </p:spTree>
-    <p:extLst>
-      <p:ext uri="{BB962C8B-B14F-4D97-AF65-F5344CB8AC3E}">
-        <p14:creationId xmlns:p14="http://schemas.microsoft.com/office/powerpoint/2010/main" val="4055712183"/>
-      </p:ext>
-    </p:extLst>
-  </p:cSld>
-  <p:clrMapOvr>
-    <a:masterClrMapping/>
-  </p:clrMapOvr>
-</p:sld>
-</file>
-
-<file path=ppt/slides/slide3.xml><?xml version="1.0" encoding="utf-8"?>
-<p:sld xmlns:a="http://schemas.openxmlformats.org/drawingml/2006/main" xmlns:r="http://schemas.openxmlformats.org/officeDocument/2006/relationships" xmlns:p="http://schemas.openxmlformats.org/presentationml/2006/main">
-  <p:cSld>
-    <p:spTree>
-      <p:nvGrpSpPr>
-        <p:cNvPr id="1" name=""/>
-        <p:cNvGrpSpPr/>
-        <p:nvPr/>
-      </p:nvGrpSpPr>
-      <p:grpSpPr>
-        <a:xfrm>
-          <a:off x="0" y="0"/>
-          <a:ext cx="0" cy="0"/>
-          <a:chOff x="0" y="0"/>
-          <a:chExt cx="0" cy="0"/>
-        </a:xfrm>
-      </p:grpSpPr>
-      <p:sp>
-        <p:nvSpPr>
-          <p:cNvPr id="5" name="평행 사변형 4"/>
+          <p:cNvPr id="80" name="직각 삼각형 79"/>
           <p:cNvSpPr/>
           <p:nvPr/>
         </p:nvSpPr>
         <p:spPr>
           <a:xfrm>
-            <a:off x="-5098104" y="-93134"/>
-            <a:ext cx="9672941" cy="7272867"/>
-          </a:xfrm>
-          <a:prstGeom prst="parallelogram">
+            <a:off x="11567828" y="-6415"/>
+            <a:ext cx="624172" cy="642483"/>
+          </a:xfrm>
+          <a:prstGeom prst="rtTriangle">
             <a:avLst/>
           </a:prstGeom>
           <a:solidFill>
@@ -6997,166 +7639,6 @@
           </a:p>
         </p:txBody>
       </p:sp>
-      <p:sp>
-        <p:nvSpPr>
-          <p:cNvPr id="6" name="TextBox 5"/>
-          <p:cNvSpPr txBox="1"/>
-          <p:nvPr/>
-        </p:nvSpPr>
-        <p:spPr>
-          <a:xfrm>
-            <a:off x="4792133" y="2881579"/>
-            <a:ext cx="5445722" cy="1323439"/>
-          </a:xfrm>
-          <a:prstGeom prst="rect">
-            <a:avLst/>
-          </a:prstGeom>
-          <a:noFill/>
-        </p:spPr>
-        <p:txBody>
-          <a:bodyPr wrap="none" rtlCol="0">
-            <a:spAutoFit/>
-          </a:bodyPr>
-          <a:lstStyle/>
-          <a:p>
-            <a:pPr marL="1371600" indent="-1371600">
-              <a:buAutoNum type="arabicPeriod"/>
-            </a:pPr>
-            <a:r>
-              <a:rPr lang="ko-KR" altLang="en-US" sz="8000" b="1" dirty="0" smtClean="0">
-                <a:latin typeface="KoPubWorld돋움체 Bold" panose="00000800000000000000" pitchFamily="2" charset="-127"/>
-                <a:ea typeface="KoPubWorld돋움체 Bold" panose="00000800000000000000" pitchFamily="2" charset="-127"/>
-                <a:cs typeface="KoPubWorld돋움체 Bold" panose="00000800000000000000" pitchFamily="2" charset="-127"/>
-              </a:rPr>
-              <a:t>팀원 역할</a:t>
-            </a:r>
-            <a:endParaRPr lang="en-US" altLang="ko-KR" sz="8000" b="1" dirty="0" smtClean="0">
-              <a:latin typeface="KoPubWorld돋움체 Bold" panose="00000800000000000000" pitchFamily="2" charset="-127"/>
-              <a:ea typeface="KoPubWorld돋움체 Bold" panose="00000800000000000000" pitchFamily="2" charset="-127"/>
-              <a:cs typeface="KoPubWorld돋움체 Bold" panose="00000800000000000000" pitchFamily="2" charset="-127"/>
-            </a:endParaRPr>
-          </a:p>
-        </p:txBody>
-      </p:sp>
-    </p:spTree>
-    <p:extLst>
-      <p:ext uri="{BB962C8B-B14F-4D97-AF65-F5344CB8AC3E}">
-        <p14:creationId xmlns:p14="http://schemas.microsoft.com/office/powerpoint/2010/main" val="697046208"/>
-      </p:ext>
-    </p:extLst>
-  </p:cSld>
-  <p:clrMapOvr>
-    <a:masterClrMapping/>
-  </p:clrMapOvr>
-</p:sld>
-</file>
-
-<file path=ppt/slides/slide30.xml><?xml version="1.0" encoding="utf-8"?>
-<p:sld xmlns:a="http://schemas.openxmlformats.org/drawingml/2006/main" xmlns:r="http://schemas.openxmlformats.org/officeDocument/2006/relationships" xmlns:p="http://schemas.openxmlformats.org/presentationml/2006/main">
-  <p:cSld>
-    <p:spTree>
-      <p:nvGrpSpPr>
-        <p:cNvPr id="1" name=""/>
-        <p:cNvGrpSpPr/>
-        <p:nvPr/>
-      </p:nvGrpSpPr>
-      <p:grpSpPr>
-        <a:xfrm>
-          <a:off x="0" y="0"/>
-          <a:ext cx="0" cy="0"/>
-          <a:chOff x="0" y="0"/>
-          <a:chExt cx="0" cy="0"/>
-        </a:xfrm>
-      </p:grpSpPr>
-      <p:sp>
-        <p:nvSpPr>
-          <p:cNvPr id="79" name="직사각형 78"/>
-          <p:cNvSpPr/>
-          <p:nvPr/>
-        </p:nvSpPr>
-        <p:spPr>
-          <a:xfrm>
-            <a:off x="11567828" y="2371"/>
-            <a:ext cx="624172" cy="624172"/>
-          </a:xfrm>
-          <a:prstGeom prst="rect">
-            <a:avLst/>
-          </a:prstGeom>
-          <a:solidFill>
-            <a:srgbClr val="355C7D"/>
-          </a:solidFill>
-        </p:spPr>
-        <p:style>
-          <a:lnRef idx="2">
-            <a:schemeClr val="accent1">
-              <a:shade val="50000"/>
-            </a:schemeClr>
-          </a:lnRef>
-          <a:fillRef idx="1">
-            <a:schemeClr val="accent1"/>
-          </a:fillRef>
-          <a:effectRef idx="0">
-            <a:schemeClr val="accent1"/>
-          </a:effectRef>
-          <a:fontRef idx="minor">
-            <a:schemeClr val="lt1"/>
-          </a:fontRef>
-        </p:style>
-        <p:txBody>
-          <a:bodyPr rtlCol="0" anchor="ctr"/>
-          <a:lstStyle/>
-          <a:p>
-            <a:pPr algn="ctr"/>
-            <a:endParaRPr lang="ko-KR" altLang="en-US"/>
-          </a:p>
-        </p:txBody>
-      </p:sp>
-      <p:sp>
-        <p:nvSpPr>
-          <p:cNvPr id="80" name="직각 삼각형 79"/>
-          <p:cNvSpPr/>
-          <p:nvPr/>
-        </p:nvSpPr>
-        <p:spPr>
-          <a:xfrm>
-            <a:off x="11567828" y="-6415"/>
-            <a:ext cx="624172" cy="642483"/>
-          </a:xfrm>
-          <a:prstGeom prst="rtTriangle">
-            <a:avLst/>
-          </a:prstGeom>
-          <a:solidFill>
-            <a:srgbClr val="F67280"/>
-          </a:solidFill>
-          <a:ln>
-            <a:noFill/>
-          </a:ln>
-        </p:spPr>
-        <p:style>
-          <a:lnRef idx="2">
-            <a:schemeClr val="accent1">
-              <a:shade val="50000"/>
-            </a:schemeClr>
-          </a:lnRef>
-          <a:fillRef idx="1">
-            <a:schemeClr val="accent1"/>
-          </a:fillRef>
-          <a:effectRef idx="0">
-            <a:schemeClr val="accent1"/>
-          </a:effectRef>
-          <a:fontRef idx="minor">
-            <a:schemeClr val="lt1"/>
-          </a:fontRef>
-        </p:style>
-        <p:txBody>
-          <a:bodyPr rtlCol="0" anchor="ctr"/>
-          <a:lstStyle/>
-          <a:p>
-            <a:pPr algn="ctr"/>
-            <a:endParaRPr lang="ko-KR" altLang="en-US"/>
-          </a:p>
-        </p:txBody>
-      </p:sp>
       <p:pic>
         <p:nvPicPr>
           <p:cNvPr id="2050" name="Picture 2" descr="https://lh4.googleusercontent.com/qzf-wKgw5rdvkbcNdP9Ev8tTYNos_fbPlj1Y6b967q6S78jP45nbucCPExN0NbTsDckG5rxd8m0Vm5eg83aTOWM1ueUyGIpqTyusW50b8aDNjFnF815PFNuD6OYs1z0EFlN57h51"/>
@@ -7166,7 +7648,7 @@
           <p:nvPr/>
         </p:nvPicPr>
         <p:blipFill>
-          <a:blip r:embed="rId2">
+          <a:blip r:embed="rId3">
             <a:extLst>
               <a:ext uri="{28A0092B-C50C-407E-A947-70E740481C1C}">
                 <a14:useLocalDpi xmlns:a14="http://schemas.microsoft.com/office/drawing/2010/main" val="0"/>
@@ -7180,7 +7662,7 @@
         </p:blipFill>
         <p:spPr bwMode="auto">
           <a:xfrm>
-            <a:off x="842624" y="1425256"/>
+            <a:off x="1339013" y="1425256"/>
             <a:ext cx="10650236" cy="4122103"/>
           </a:xfrm>
           <a:prstGeom prst="rect">
@@ -7218,7 +7700,131 @@
 </p:sld>
 </file>
 
-<file path=ppt/slides/slide31.xml><?xml version="1.0" encoding="utf-8"?>
+<file path=ppt/slides/slide3.xml><?xml version="1.0" encoding="utf-8"?>
+<p:sld xmlns:a="http://schemas.openxmlformats.org/drawingml/2006/main" xmlns:r="http://schemas.openxmlformats.org/officeDocument/2006/relationships" xmlns:p="http://schemas.openxmlformats.org/presentationml/2006/main">
+  <p:cSld>
+    <p:spTree>
+      <p:nvGrpSpPr>
+        <p:cNvPr id="1" name=""/>
+        <p:cNvGrpSpPr/>
+        <p:nvPr/>
+      </p:nvGrpSpPr>
+      <p:grpSpPr>
+        <a:xfrm>
+          <a:off x="0" y="0"/>
+          <a:ext cx="0" cy="0"/>
+          <a:chOff x="0" y="0"/>
+          <a:chExt cx="0" cy="0"/>
+        </a:xfrm>
+      </p:grpSpPr>
+      <p:sp>
+        <p:nvSpPr>
+          <p:cNvPr id="5" name="평행 사변형 4"/>
+          <p:cNvSpPr/>
+          <p:nvPr/>
+        </p:nvSpPr>
+        <p:spPr>
+          <a:xfrm>
+            <a:off x="-5098104" y="-93134"/>
+            <a:ext cx="9672941" cy="7272867"/>
+          </a:xfrm>
+          <a:prstGeom prst="parallelogram">
+            <a:avLst/>
+          </a:prstGeom>
+          <a:solidFill>
+            <a:srgbClr val="F67280"/>
+          </a:solidFill>
+          <a:ln>
+            <a:noFill/>
+          </a:ln>
+        </p:spPr>
+        <p:style>
+          <a:lnRef idx="2">
+            <a:schemeClr val="accent1">
+              <a:shade val="50000"/>
+            </a:schemeClr>
+          </a:lnRef>
+          <a:fillRef idx="1">
+            <a:schemeClr val="accent1"/>
+          </a:fillRef>
+          <a:effectRef idx="0">
+            <a:schemeClr val="accent1"/>
+          </a:effectRef>
+          <a:fontRef idx="minor">
+            <a:schemeClr val="lt1"/>
+          </a:fontRef>
+        </p:style>
+        <p:txBody>
+          <a:bodyPr rtlCol="0" anchor="ctr"/>
+          <a:lstStyle/>
+          <a:p>
+            <a:pPr algn="ctr"/>
+            <a:endParaRPr lang="ko-KR" altLang="en-US"/>
+          </a:p>
+        </p:txBody>
+      </p:sp>
+      <p:sp>
+        <p:nvSpPr>
+          <p:cNvPr id="6" name="TextBox 5"/>
+          <p:cNvSpPr txBox="1"/>
+          <p:nvPr/>
+        </p:nvSpPr>
+        <p:spPr>
+          <a:xfrm>
+            <a:off x="4792133" y="2881579"/>
+            <a:ext cx="5445722" cy="1323439"/>
+          </a:xfrm>
+          <a:prstGeom prst="rect">
+            <a:avLst/>
+          </a:prstGeom>
+          <a:noFill/>
+        </p:spPr>
+        <p:txBody>
+          <a:bodyPr wrap="none" rtlCol="0">
+            <a:spAutoFit/>
+          </a:bodyPr>
+          <a:lstStyle/>
+          <a:p>
+            <a:pPr marL="1371600" indent="-1371600">
+              <a:buAutoNum type="arabicPeriod"/>
+            </a:pPr>
+            <a:r>
+              <a:rPr lang="ko-KR" altLang="en-US" sz="8000" b="1" dirty="0" smtClean="0">
+                <a:latin typeface="KoPubWorld돋움체 Bold" panose="00000800000000000000" pitchFamily="2" charset="-127"/>
+                <a:ea typeface="KoPubWorld돋움체 Bold" panose="00000800000000000000" pitchFamily="2" charset="-127"/>
+                <a:cs typeface="KoPubWorld돋움체 Bold" panose="00000800000000000000" pitchFamily="2" charset="-127"/>
+              </a:rPr>
+              <a:t>팀원 역할</a:t>
+            </a:r>
+            <a:endParaRPr lang="en-US" altLang="ko-KR" sz="8000" b="1" dirty="0" smtClean="0">
+              <a:latin typeface="KoPubWorld돋움체 Bold" panose="00000800000000000000" pitchFamily="2" charset="-127"/>
+              <a:ea typeface="KoPubWorld돋움체 Bold" panose="00000800000000000000" pitchFamily="2" charset="-127"/>
+              <a:cs typeface="KoPubWorld돋움체 Bold" panose="00000800000000000000" pitchFamily="2" charset="-127"/>
+            </a:endParaRPr>
+          </a:p>
+        </p:txBody>
+      </p:sp>
+    </p:spTree>
+    <p:extLst>
+      <p:ext uri="{BB962C8B-B14F-4D97-AF65-F5344CB8AC3E}">
+        <p14:creationId xmlns:p14="http://schemas.microsoft.com/office/powerpoint/2010/main" val="697046208"/>
+      </p:ext>
+    </p:extLst>
+  </p:cSld>
+  <p:clrMapOvr>
+    <a:masterClrMapping/>
+  </p:clrMapOvr>
+  <p:timing>
+    <p:tnLst>
+      <p:par>
+        <p:cTn id="1" dur="indefinite" restart="never" nodeType="tmRoot"/>
+      </p:par>
+    </p:tnLst>
+  </p:timing>
+</p:sld>
+</file>
+
+<file path=ppt/slides/slide30.xml><?xml version="1.0" encoding="utf-8"?>
 <p:sld xmlns:a="http://schemas.openxmlformats.org/drawingml/2006/main" xmlns:r="http://schemas.openxmlformats.org/officeDocument/2006/relationships" xmlns:p="http://schemas.openxmlformats.org/presentationml/2006/main">
   <p:cSld>
     <p:spTree>
@@ -7364,8 +7970,8 @@
         </p:nvSpPr>
         <p:spPr>
           <a:xfrm>
-            <a:off x="4500880" y="2675825"/>
-            <a:ext cx="3190240" cy="1493520"/>
+            <a:off x="0" y="2675825"/>
+            <a:ext cx="12192000" cy="1493520"/>
           </a:xfrm>
           <a:prstGeom prst="rect">
             <a:avLst/>
@@ -7378,6 +7984,7 @@
           </a:bodyPr>
           <a:lstStyle/>
           <a:p>
+            <a:pPr algn="ctr"/>
             <a:r>
               <a:rPr lang="en-US" altLang="ko-KR" sz="8800" dirty="0" smtClean="0">
                 <a:solidFill>
@@ -7416,7 +8023,7 @@
 </p:sld>
 </file>
 
-<file path=ppt/slides/slide32.xml><?xml version="1.0" encoding="utf-8"?>
+<file path=ppt/slides/slide31.xml><?xml version="1.0" encoding="utf-8"?>
 <p:sld xmlns:a="http://schemas.openxmlformats.org/drawingml/2006/main" xmlns:r="http://schemas.openxmlformats.org/officeDocument/2006/relationships" xmlns:p="http://schemas.openxmlformats.org/presentationml/2006/main">
   <p:cSld>
     <p:spTree>
@@ -7566,7 +8173,7 @@
         </p:nvSpPr>
         <p:spPr>
           <a:xfrm>
-            <a:off x="2679249" y="2934473"/>
+            <a:off x="4333482" y="2195909"/>
             <a:ext cx="962123" cy="369332"/>
           </a:xfrm>
           <a:prstGeom prst="rect">
@@ -7697,7 +8304,7 @@
         </p:nvSpPr>
         <p:spPr>
           <a:xfrm>
-            <a:off x="1741546" y="1210861"/>
+            <a:off x="3395779" y="472297"/>
             <a:ext cx="1283677" cy="1283677"/>
           </a:xfrm>
           <a:prstGeom prst="ellipse">
@@ -7737,7 +8344,7 @@
         </p:nvSpPr>
         <p:spPr>
           <a:xfrm>
-            <a:off x="4559436" y="1210861"/>
+            <a:off x="6213669" y="472297"/>
             <a:ext cx="1283677" cy="1283677"/>
           </a:xfrm>
           <a:prstGeom prst="ellipse">
@@ -7777,7 +8384,7 @@
         </p:nvSpPr>
         <p:spPr>
           <a:xfrm>
-            <a:off x="7377326" y="1210861"/>
+            <a:off x="3414662" y="3671168"/>
             <a:ext cx="1283677" cy="1283677"/>
           </a:xfrm>
           <a:prstGeom prst="ellipse">
@@ -7811,13 +8418,214 @@
       </p:sp>
       <p:sp>
         <p:nvSpPr>
-          <p:cNvPr id="25" name="타원 24"/>
+          <p:cNvPr id="13" name="TextBox 12"/>
+          <p:cNvSpPr txBox="1"/>
+          <p:nvPr/>
+        </p:nvSpPr>
+        <p:spPr>
+          <a:xfrm>
+            <a:off x="3481214" y="1811041"/>
+            <a:ext cx="1112805" cy="523220"/>
+          </a:xfrm>
+          <a:prstGeom prst="rect">
+            <a:avLst/>
+          </a:prstGeom>
+          <a:noFill/>
+        </p:spPr>
+        <p:txBody>
+          <a:bodyPr wrap="none" rtlCol="0">
+            <a:spAutoFit/>
+          </a:bodyPr>
+          <a:lstStyle/>
+          <a:p>
+            <a:r>
+              <a:rPr lang="ko-KR" altLang="en-US" sz="2800" b="1" dirty="0" smtClean="0">
+                <a:ea typeface="KoPub돋움체 Bold" panose="02020603020101020101"/>
+              </a:rPr>
+              <a:t>김태오</a:t>
+            </a:r>
+            <a:endParaRPr lang="en-US" altLang="ko-KR" sz="2800" b="1" dirty="0">
+              <a:ea typeface="KoPub돋움체 Bold" panose="02020603020101020101"/>
+            </a:endParaRPr>
+          </a:p>
+        </p:txBody>
+      </p:sp>
+      <p:sp>
+        <p:nvSpPr>
+          <p:cNvPr id="27" name="TextBox 26"/>
+          <p:cNvSpPr txBox="1"/>
+          <p:nvPr/>
+        </p:nvSpPr>
+        <p:spPr>
+          <a:xfrm>
+            <a:off x="6291572" y="1811041"/>
+            <a:ext cx="1127232" cy="523220"/>
+          </a:xfrm>
+          <a:prstGeom prst="rect">
+            <a:avLst/>
+          </a:prstGeom>
+          <a:noFill/>
+        </p:spPr>
+        <p:txBody>
+          <a:bodyPr wrap="none" rtlCol="0">
+            <a:spAutoFit/>
+          </a:bodyPr>
+          <a:lstStyle/>
+          <a:p>
+            <a:r>
+              <a:rPr lang="ko-KR" altLang="en-US" sz="2800" b="1" dirty="0" err="1" smtClean="0">
+                <a:ea typeface="KoPub돋움체 Bold" panose="02020603020101020101"/>
+              </a:rPr>
+              <a:t>한지완</a:t>
+            </a:r>
+            <a:endParaRPr lang="ko-KR" altLang="en-US" sz="2800" b="1" dirty="0">
+              <a:ea typeface="KoPub돋움체 Bold" panose="02020603020101020101"/>
+            </a:endParaRPr>
+          </a:p>
+        </p:txBody>
+      </p:sp>
+      <p:sp>
+        <p:nvSpPr>
+          <p:cNvPr id="28" name="TextBox 27"/>
+          <p:cNvSpPr txBox="1"/>
+          <p:nvPr/>
+        </p:nvSpPr>
+        <p:spPr>
+          <a:xfrm>
+            <a:off x="3499458" y="5120349"/>
+            <a:ext cx="1103187" cy="523220"/>
+          </a:xfrm>
+          <a:prstGeom prst="rect">
+            <a:avLst/>
+          </a:prstGeom>
+          <a:noFill/>
+        </p:spPr>
+        <p:txBody>
+          <a:bodyPr wrap="none" rtlCol="0">
+            <a:spAutoFit/>
+          </a:bodyPr>
+          <a:lstStyle/>
+          <a:p>
+            <a:r>
+              <a:rPr lang="ko-KR" altLang="en-US" sz="2800" b="1" dirty="0" err="1" smtClean="0">
+                <a:ea typeface="KoPub돋움체 Bold" panose="02020603020101020101"/>
+              </a:rPr>
+              <a:t>전도권</a:t>
+            </a:r>
+            <a:endParaRPr lang="ko-KR" altLang="en-US" sz="2800" b="1" dirty="0">
+              <a:ea typeface="KoPub돋움체 Bold" panose="02020603020101020101"/>
+            </a:endParaRPr>
+          </a:p>
+        </p:txBody>
+      </p:sp>
+      <p:sp>
+        <p:nvSpPr>
+          <p:cNvPr id="14" name="TextBox 13"/>
+          <p:cNvSpPr txBox="1"/>
+          <p:nvPr/>
+        </p:nvSpPr>
+        <p:spPr>
+          <a:xfrm>
+            <a:off x="2525023" y="2304566"/>
+            <a:ext cx="3025187" cy="1384995"/>
+          </a:xfrm>
+          <a:prstGeom prst="rect">
+            <a:avLst/>
+          </a:prstGeom>
+          <a:noFill/>
+        </p:spPr>
+        <p:txBody>
+          <a:bodyPr wrap="none" rtlCol="0">
+            <a:spAutoFit/>
+          </a:bodyPr>
+          <a:lstStyle/>
+          <a:p>
+            <a:pPr algn="ctr"/>
+            <a:r>
+              <a:rPr lang="ko-KR" altLang="en-US" sz="2800" dirty="0" err="1" smtClean="0">
+                <a:ea typeface="KoPub돋움체 Bold" panose="02020603020101020101"/>
+              </a:rPr>
+              <a:t>아두이노</a:t>
+            </a:r>
+            <a:r>
+              <a:rPr lang="en-US" altLang="ko-KR" sz="2800" dirty="0" smtClean="0">
+                <a:ea typeface="KoPub돋움체 Bold" panose="02020603020101020101"/>
+              </a:rPr>
+              <a:t>,</a:t>
+            </a:r>
+          </a:p>
+          <a:p>
+            <a:pPr algn="ctr"/>
+            <a:r>
+              <a:rPr lang="ko-KR" altLang="en-US" sz="2800" dirty="0" smtClean="0">
+                <a:ea typeface="KoPub돋움체 Bold" panose="02020603020101020101"/>
+              </a:rPr>
+              <a:t>하드웨어 제어 개발</a:t>
+            </a:r>
+            <a:r>
+              <a:rPr lang="en-US" altLang="ko-KR" sz="2800" dirty="0" smtClean="0">
+                <a:ea typeface="KoPub돋움체 Bold" panose="02020603020101020101"/>
+              </a:rPr>
+              <a:t>,</a:t>
+            </a:r>
+          </a:p>
+          <a:p>
+            <a:pPr algn="ctr"/>
+            <a:r>
+              <a:rPr lang="ko-KR" altLang="en-US" sz="2800" dirty="0" smtClean="0">
+                <a:ea typeface="KoPub돋움체 Bold" panose="02020603020101020101"/>
+              </a:rPr>
+              <a:t>하드웨어 제작</a:t>
+            </a:r>
+            <a:endParaRPr lang="ko-KR" altLang="en-US" sz="2800" dirty="0">
+              <a:ea typeface="KoPub돋움체 Bold" panose="02020603020101020101"/>
+            </a:endParaRPr>
+          </a:p>
+        </p:txBody>
+      </p:sp>
+      <p:sp>
+        <p:nvSpPr>
+          <p:cNvPr id="30" name="TextBox 29"/>
+          <p:cNvSpPr txBox="1"/>
+          <p:nvPr/>
+        </p:nvSpPr>
+        <p:spPr>
+          <a:xfrm>
+            <a:off x="5916469" y="2375801"/>
+            <a:ext cx="2323072" cy="523220"/>
+          </a:xfrm>
+          <a:prstGeom prst="rect">
+            <a:avLst/>
+          </a:prstGeom>
+          <a:noFill/>
+        </p:spPr>
+        <p:txBody>
+          <a:bodyPr wrap="none" rtlCol="0">
+            <a:spAutoFit/>
+          </a:bodyPr>
+          <a:lstStyle/>
+          <a:p>
+            <a:r>
+              <a:rPr lang="ko-KR" altLang="en-US" sz="2800" dirty="0" smtClean="0">
+                <a:ea typeface="KoPub돋움체 Bold" panose="02020603020101020101"/>
+              </a:rPr>
+              <a:t>모바일 앱 개발</a:t>
+            </a:r>
+            <a:endParaRPr lang="ko-KR" altLang="en-US" sz="2800" dirty="0">
+              <a:ea typeface="KoPub돋움체 Bold" panose="02020603020101020101"/>
+            </a:endParaRPr>
+          </a:p>
+        </p:txBody>
+      </p:sp>
+      <p:sp>
+        <p:nvSpPr>
+          <p:cNvPr id="26" name="타원 25"/>
           <p:cNvSpPr/>
           <p:nvPr/>
         </p:nvSpPr>
         <p:spPr>
           <a:xfrm>
-            <a:off x="10195216" y="1210861"/>
+            <a:off x="9026110" y="3671168"/>
             <a:ext cx="1283677" cy="1283677"/>
           </a:xfrm>
           <a:prstGeom prst="ellipse">
@@ -7854,329 +8662,18 @@
       </p:sp>
       <p:sp>
         <p:nvSpPr>
-          <p:cNvPr id="13" name="TextBox 12"/>
-          <p:cNvSpPr txBox="1"/>
-          <p:nvPr/>
-        </p:nvSpPr>
-        <p:spPr>
-          <a:xfrm>
-            <a:off x="1826981" y="2549605"/>
-            <a:ext cx="1112805" cy="523220"/>
-          </a:xfrm>
-          <a:prstGeom prst="rect">
-            <a:avLst/>
-          </a:prstGeom>
-          <a:noFill/>
-        </p:spPr>
-        <p:txBody>
-          <a:bodyPr wrap="none" rtlCol="0">
-            <a:spAutoFit/>
-          </a:bodyPr>
-          <a:lstStyle/>
-          <a:p>
-            <a:r>
-              <a:rPr lang="ko-KR" altLang="en-US" sz="2800" b="1" dirty="0" smtClean="0">
-                <a:ea typeface="KoPub돋움체 Bold" panose="02020603020101020101"/>
-              </a:rPr>
-              <a:t>김태오</a:t>
-            </a:r>
-            <a:endParaRPr lang="en-US" altLang="ko-KR" sz="2800" b="1" dirty="0">
-              <a:ea typeface="KoPub돋움체 Bold" panose="02020603020101020101"/>
-            </a:endParaRPr>
-          </a:p>
-        </p:txBody>
-      </p:sp>
-      <p:sp>
-        <p:nvSpPr>
-          <p:cNvPr id="27" name="TextBox 26"/>
-          <p:cNvSpPr txBox="1"/>
-          <p:nvPr/>
-        </p:nvSpPr>
-        <p:spPr>
-          <a:xfrm>
-            <a:off x="4637339" y="2549605"/>
-            <a:ext cx="1127232" cy="523220"/>
-          </a:xfrm>
-          <a:prstGeom prst="rect">
-            <a:avLst/>
-          </a:prstGeom>
-          <a:noFill/>
-        </p:spPr>
-        <p:txBody>
-          <a:bodyPr wrap="none" rtlCol="0">
-            <a:spAutoFit/>
-          </a:bodyPr>
-          <a:lstStyle/>
-          <a:p>
-            <a:r>
-              <a:rPr lang="ko-KR" altLang="en-US" sz="2800" b="1" dirty="0" err="1" smtClean="0">
-                <a:ea typeface="KoPub돋움체 Bold" panose="02020603020101020101"/>
-              </a:rPr>
-              <a:t>한지완</a:t>
-            </a:r>
-            <a:endParaRPr lang="ko-KR" altLang="en-US" sz="2800" b="1" dirty="0">
-              <a:ea typeface="KoPub돋움체 Bold" panose="02020603020101020101"/>
-            </a:endParaRPr>
-          </a:p>
-        </p:txBody>
-      </p:sp>
-      <p:sp>
-        <p:nvSpPr>
-          <p:cNvPr id="28" name="TextBox 27"/>
-          <p:cNvSpPr txBox="1"/>
-          <p:nvPr/>
-        </p:nvSpPr>
-        <p:spPr>
-          <a:xfrm>
-            <a:off x="7462124" y="2591145"/>
-            <a:ext cx="1103187" cy="523220"/>
-          </a:xfrm>
-          <a:prstGeom prst="rect">
-            <a:avLst/>
-          </a:prstGeom>
-          <a:noFill/>
-        </p:spPr>
-        <p:txBody>
-          <a:bodyPr wrap="none" rtlCol="0">
-            <a:spAutoFit/>
-          </a:bodyPr>
-          <a:lstStyle/>
-          <a:p>
-            <a:r>
-              <a:rPr lang="ko-KR" altLang="en-US" sz="2800" b="1" dirty="0" err="1" smtClean="0">
-                <a:ea typeface="KoPub돋움체 Bold" panose="02020603020101020101"/>
-              </a:rPr>
-              <a:t>전도권</a:t>
-            </a:r>
-            <a:endParaRPr lang="ko-KR" altLang="en-US" sz="2800" b="1" dirty="0">
-              <a:ea typeface="KoPub돋움체 Bold" panose="02020603020101020101"/>
-            </a:endParaRPr>
-          </a:p>
-        </p:txBody>
-      </p:sp>
-      <p:sp>
-        <p:nvSpPr>
-          <p:cNvPr id="29" name="TextBox 28"/>
-          <p:cNvSpPr txBox="1"/>
-          <p:nvPr/>
-        </p:nvSpPr>
-        <p:spPr>
-          <a:xfrm>
-            <a:off x="10287865" y="2549605"/>
-            <a:ext cx="1098378" cy="523220"/>
-          </a:xfrm>
-          <a:prstGeom prst="rect">
-            <a:avLst/>
-          </a:prstGeom>
-          <a:noFill/>
-        </p:spPr>
-        <p:txBody>
-          <a:bodyPr wrap="none" rtlCol="0">
-            <a:spAutoFit/>
-          </a:bodyPr>
-          <a:lstStyle/>
-          <a:p>
-            <a:r>
-              <a:rPr lang="ko-KR" altLang="en-US" sz="2800" b="1" dirty="0" smtClean="0">
-                <a:ea typeface="KoPub돋움체 Bold" panose="02020603020101020101"/>
-              </a:rPr>
-              <a:t>이지민</a:t>
-            </a:r>
-            <a:endParaRPr lang="ko-KR" altLang="en-US" sz="2800" b="1" dirty="0">
-              <a:ea typeface="KoPub돋움체 Bold" panose="02020603020101020101"/>
-            </a:endParaRPr>
-          </a:p>
-        </p:txBody>
-      </p:sp>
-      <p:sp>
-        <p:nvSpPr>
-          <p:cNvPr id="14" name="TextBox 13"/>
-          <p:cNvSpPr txBox="1"/>
-          <p:nvPr/>
-        </p:nvSpPr>
-        <p:spPr>
-          <a:xfrm>
-            <a:off x="870790" y="3043130"/>
-            <a:ext cx="3025187" cy="1384995"/>
-          </a:xfrm>
-          <a:prstGeom prst="rect">
-            <a:avLst/>
-          </a:prstGeom>
-          <a:noFill/>
-        </p:spPr>
-        <p:txBody>
-          <a:bodyPr wrap="none" rtlCol="0">
-            <a:spAutoFit/>
-          </a:bodyPr>
-          <a:lstStyle/>
-          <a:p>
-            <a:pPr algn="ctr"/>
-            <a:r>
-              <a:rPr lang="ko-KR" altLang="en-US" sz="2800" dirty="0" err="1" smtClean="0">
-                <a:ea typeface="KoPub돋움체 Bold" panose="02020603020101020101"/>
-              </a:rPr>
-              <a:t>아두이노</a:t>
-            </a:r>
-            <a:r>
-              <a:rPr lang="en-US" altLang="ko-KR" sz="2800" dirty="0" smtClean="0">
-                <a:ea typeface="KoPub돋움체 Bold" panose="02020603020101020101"/>
-              </a:rPr>
-              <a:t>,</a:t>
-            </a:r>
-          </a:p>
-          <a:p>
-            <a:pPr algn="ctr"/>
-            <a:r>
-              <a:rPr lang="ko-KR" altLang="en-US" sz="2800" dirty="0" smtClean="0">
-                <a:ea typeface="KoPub돋움체 Bold" panose="02020603020101020101"/>
-              </a:rPr>
-              <a:t>하드웨어 제어 개발</a:t>
-            </a:r>
-            <a:r>
-              <a:rPr lang="en-US" altLang="ko-KR" sz="2800" dirty="0" smtClean="0">
-                <a:ea typeface="KoPub돋움체 Bold" panose="02020603020101020101"/>
-              </a:rPr>
-              <a:t>,</a:t>
-            </a:r>
-          </a:p>
-          <a:p>
-            <a:pPr algn="ctr"/>
-            <a:r>
-              <a:rPr lang="ko-KR" altLang="en-US" sz="2800" dirty="0" smtClean="0">
-                <a:ea typeface="KoPub돋움체 Bold" panose="02020603020101020101"/>
-              </a:rPr>
-              <a:t>하드웨어 제작</a:t>
-            </a:r>
-            <a:endParaRPr lang="ko-KR" altLang="en-US" sz="2800" dirty="0">
-              <a:ea typeface="KoPub돋움체 Bold" panose="02020603020101020101"/>
-            </a:endParaRPr>
-          </a:p>
-        </p:txBody>
-      </p:sp>
-      <p:sp>
-        <p:nvSpPr>
-          <p:cNvPr id="30" name="TextBox 29"/>
-          <p:cNvSpPr txBox="1"/>
-          <p:nvPr/>
-        </p:nvSpPr>
-        <p:spPr>
-          <a:xfrm>
-            <a:off x="4262236" y="3114365"/>
-            <a:ext cx="2323072" cy="523220"/>
-          </a:xfrm>
-          <a:prstGeom prst="rect">
-            <a:avLst/>
-          </a:prstGeom>
-          <a:noFill/>
-        </p:spPr>
-        <p:txBody>
-          <a:bodyPr wrap="none" rtlCol="0">
-            <a:spAutoFit/>
-          </a:bodyPr>
-          <a:lstStyle/>
-          <a:p>
-            <a:r>
-              <a:rPr lang="ko-KR" altLang="en-US" sz="2800" dirty="0" smtClean="0">
-                <a:ea typeface="KoPub돋움체 Bold" panose="02020603020101020101"/>
-              </a:rPr>
-              <a:t>모바일 </a:t>
-            </a:r>
-            <a:r>
-              <a:rPr lang="ko-KR" altLang="en-US" sz="2800" dirty="0" smtClean="0">
-                <a:ea typeface="KoPub돋움체 Bold" panose="02020603020101020101"/>
-              </a:rPr>
-              <a:t>앱 개발</a:t>
-            </a:r>
-            <a:endParaRPr lang="ko-KR" altLang="en-US" sz="2800" dirty="0">
-              <a:ea typeface="KoPub돋움체 Bold" panose="02020603020101020101"/>
-            </a:endParaRPr>
-          </a:p>
-        </p:txBody>
-      </p:sp>
-      <p:sp>
-        <p:nvSpPr>
-          <p:cNvPr id="35" name="TextBox 34"/>
-          <p:cNvSpPr txBox="1"/>
-          <p:nvPr/>
-        </p:nvSpPr>
-        <p:spPr>
-          <a:xfrm>
-            <a:off x="9745248" y="3043130"/>
-            <a:ext cx="2183611" cy="954107"/>
-          </a:xfrm>
-          <a:prstGeom prst="rect">
-            <a:avLst/>
-          </a:prstGeom>
-          <a:noFill/>
-        </p:spPr>
-        <p:txBody>
-          <a:bodyPr wrap="none" rtlCol="0">
-            <a:spAutoFit/>
-          </a:bodyPr>
-          <a:lstStyle/>
-          <a:p>
-            <a:r>
-              <a:rPr lang="ko-KR" altLang="en-US" sz="2800" dirty="0" smtClean="0">
-                <a:ea typeface="KoPub돋움체 Bold" panose="02020603020101020101"/>
-              </a:rPr>
-              <a:t>서버</a:t>
-            </a:r>
-            <a:r>
-              <a:rPr lang="en-US" altLang="ko-KR" sz="2800" dirty="0" smtClean="0">
-                <a:ea typeface="KoPub돋움체 Bold" panose="02020603020101020101"/>
-              </a:rPr>
-              <a:t>, </a:t>
-            </a:r>
-            <a:r>
-              <a:rPr lang="en-US" altLang="ko-KR" sz="2800" dirty="0" smtClean="0">
-                <a:latin typeface="Berlin Sans FB" panose="020E0602020502020306" pitchFamily="34" charset="0"/>
-                <a:ea typeface="KoPub돋움체 Bold" panose="02020603020101020101"/>
-              </a:rPr>
-              <a:t>DB</a:t>
-            </a:r>
-            <a:r>
-              <a:rPr lang="ko-KR" altLang="en-US" sz="2800" dirty="0" smtClean="0">
-                <a:ea typeface="KoPub돋움체 Bold" panose="02020603020101020101"/>
-              </a:rPr>
-              <a:t>개발</a:t>
-            </a:r>
-            <a:r>
-              <a:rPr lang="en-US" altLang="ko-KR" sz="2800" dirty="0" smtClean="0">
-                <a:ea typeface="KoPub돋움체 Bold" panose="02020603020101020101"/>
-              </a:rPr>
-              <a:t>,</a:t>
-            </a:r>
-          </a:p>
-          <a:p>
-            <a:r>
-              <a:rPr lang="ko-KR" altLang="en-US" sz="2800" dirty="0" smtClean="0">
-                <a:ea typeface="KoPub돋움체 Bold" panose="02020603020101020101"/>
-              </a:rPr>
-              <a:t>하드웨어 제작</a:t>
-            </a:r>
-            <a:endParaRPr lang="ko-KR" altLang="en-US" sz="2800" dirty="0">
-              <a:ea typeface="KoPub돋움체 Bold" panose="02020603020101020101"/>
-            </a:endParaRPr>
-          </a:p>
-        </p:txBody>
-      </p:sp>
-      <p:sp>
-        <p:nvSpPr>
-          <p:cNvPr id="26" name="타원 25"/>
+          <p:cNvPr id="31" name="타원 30"/>
           <p:cNvSpPr/>
           <p:nvPr/>
         </p:nvSpPr>
         <p:spPr>
           <a:xfrm>
-            <a:off x="7371877" y="3854048"/>
+            <a:off x="6213348" y="3671169"/>
             <a:ext cx="1283677" cy="1283677"/>
           </a:xfrm>
           <a:prstGeom prst="ellipse">
             <a:avLst/>
           </a:prstGeom>
-          <a:solidFill>
-            <a:srgbClr val="F67280"/>
-          </a:solidFill>
         </p:spPr>
         <p:style>
           <a:lnRef idx="2">
@@ -8205,53 +8702,13 @@
       </p:sp>
       <p:sp>
         <p:nvSpPr>
-          <p:cNvPr id="31" name="타원 30"/>
-          <p:cNvSpPr/>
-          <p:nvPr/>
-        </p:nvSpPr>
-        <p:spPr>
-          <a:xfrm>
-            <a:off x="4559115" y="3854049"/>
-            <a:ext cx="1283677" cy="1283677"/>
-          </a:xfrm>
-          <a:prstGeom prst="ellipse">
-            <a:avLst/>
-          </a:prstGeom>
-        </p:spPr>
-        <p:style>
-          <a:lnRef idx="2">
-            <a:schemeClr val="accent1">
-              <a:shade val="50000"/>
-            </a:schemeClr>
-          </a:lnRef>
-          <a:fillRef idx="1">
-            <a:schemeClr val="accent1"/>
-          </a:fillRef>
-          <a:effectRef idx="0">
-            <a:schemeClr val="accent1"/>
-          </a:effectRef>
-          <a:fontRef idx="minor">
-            <a:schemeClr val="lt1"/>
-          </a:fontRef>
-        </p:style>
-        <p:txBody>
-          <a:bodyPr rtlCol="0" anchor="ctr"/>
-          <a:lstStyle/>
-          <a:p>
-            <a:pPr algn="ctr"/>
-            <a:endParaRPr lang="ko-KR" altLang="en-US"/>
-          </a:p>
-        </p:txBody>
-      </p:sp>
-      <p:sp>
-        <p:nvSpPr>
           <p:cNvPr id="2" name="TextBox 1"/>
           <p:cNvSpPr txBox="1"/>
           <p:nvPr/>
         </p:nvSpPr>
         <p:spPr>
           <a:xfrm>
-            <a:off x="4628689" y="5301204"/>
+            <a:off x="6282922" y="5118324"/>
             <a:ext cx="1103187" cy="523220"/>
           </a:xfrm>
           <a:prstGeom prst="rect">
@@ -8285,7 +8742,7 @@
         </p:nvSpPr>
         <p:spPr>
           <a:xfrm>
-            <a:off x="3628415" y="5824423"/>
+            <a:off x="5282648" y="5641543"/>
             <a:ext cx="3103734" cy="954107"/>
           </a:xfrm>
           <a:prstGeom prst="rect">
@@ -8328,15 +8785,15 @@
           <a:p>
             <a:pPr algn="ctr"/>
             <a:r>
-              <a:rPr lang="en-US" altLang="ko-KR" sz="2800" dirty="0" smtClean="0">
-                <a:latin typeface="KoPubWorld돋움체 Bold" panose="00000800000000000000" pitchFamily="2" charset="-127"/>
+              <a:rPr lang="en-US" altLang="ko-KR" sz="2800" b="1" dirty="0" smtClean="0">
+                <a:latin typeface="Arial Narrow" panose="020B0606020202030204" pitchFamily="34" charset="0"/>
                 <a:ea typeface="KoPubWorld돋움체 Bold" panose="00000800000000000000" pitchFamily="2" charset="-127"/>
                 <a:cs typeface="KoPubWorld돋움체 Bold" panose="00000800000000000000" pitchFamily="2" charset="-127"/>
               </a:rPr>
               <a:t>PPT</a:t>
             </a:r>
-            <a:endParaRPr lang="ko-KR" altLang="en-US" sz="2800" dirty="0">
-              <a:latin typeface="KoPubWorld돋움체 Bold" panose="00000800000000000000" pitchFamily="2" charset="-127"/>
+            <a:endParaRPr lang="ko-KR" altLang="en-US" sz="2800" b="1" dirty="0">
+              <a:latin typeface="Arial Narrow" panose="020B0606020202030204" pitchFamily="34" charset="0"/>
               <a:ea typeface="KoPubWorld돋움체 Bold" panose="00000800000000000000" pitchFamily="2" charset="-127"/>
               <a:cs typeface="KoPubWorld돋움체 Bold" panose="00000800000000000000" pitchFamily="2" charset="-127"/>
             </a:endParaRPr>
@@ -8351,7 +8808,7 @@
         </p:nvSpPr>
         <p:spPr>
           <a:xfrm>
-            <a:off x="7457312" y="5301204"/>
+            <a:off x="9111545" y="5118324"/>
             <a:ext cx="1112805" cy="523220"/>
           </a:xfrm>
           <a:prstGeom prst="rect">
@@ -8399,7 +8856,7 @@
         </p:blipFill>
         <p:spPr>
           <a:xfrm>
-            <a:off x="6719193" y="3070762"/>
+            <a:off x="2756527" y="5641542"/>
             <a:ext cx="2589047" cy="701381"/>
           </a:xfrm>
           <a:prstGeom prst="rect">
@@ -8429,7 +8886,7 @@
         </p:blipFill>
         <p:spPr>
           <a:xfrm>
-            <a:off x="6719190" y="5824423"/>
+            <a:off x="8373423" y="5641543"/>
             <a:ext cx="2589047" cy="701381"/>
           </a:xfrm>
           <a:prstGeom prst="rect">
@@ -8437,6 +8894,150 @@
           </a:prstGeom>
         </p:spPr>
       </p:pic>
+      <p:sp>
+        <p:nvSpPr>
+          <p:cNvPr id="25" name="타원 24"/>
+          <p:cNvSpPr/>
+          <p:nvPr/>
+        </p:nvSpPr>
+        <p:spPr>
+          <a:xfrm>
+            <a:off x="9028027" y="472297"/>
+            <a:ext cx="1283677" cy="1283677"/>
+          </a:xfrm>
+          <a:prstGeom prst="ellipse">
+            <a:avLst/>
+          </a:prstGeom>
+          <a:solidFill>
+            <a:srgbClr val="F67280"/>
+          </a:solidFill>
+        </p:spPr>
+        <p:style>
+          <a:lnRef idx="2">
+            <a:schemeClr val="accent1">
+              <a:shade val="50000"/>
+            </a:schemeClr>
+          </a:lnRef>
+          <a:fillRef idx="1">
+            <a:schemeClr val="accent1"/>
+          </a:fillRef>
+          <a:effectRef idx="0">
+            <a:schemeClr val="accent1"/>
+          </a:effectRef>
+          <a:fontRef idx="minor">
+            <a:schemeClr val="lt1"/>
+          </a:fontRef>
+        </p:style>
+        <p:txBody>
+          <a:bodyPr rtlCol="0" anchor="ctr"/>
+          <a:lstStyle/>
+          <a:p>
+            <a:pPr algn="ctr"/>
+            <a:endParaRPr lang="ko-KR" altLang="en-US"/>
+          </a:p>
+        </p:txBody>
+      </p:sp>
+      <p:sp>
+        <p:nvSpPr>
+          <p:cNvPr id="29" name="TextBox 28"/>
+          <p:cNvSpPr txBox="1"/>
+          <p:nvPr/>
+        </p:nvSpPr>
+        <p:spPr>
+          <a:xfrm>
+            <a:off x="9120676" y="1811041"/>
+            <a:ext cx="1098378" cy="523220"/>
+          </a:xfrm>
+          <a:prstGeom prst="rect">
+            <a:avLst/>
+          </a:prstGeom>
+          <a:noFill/>
+        </p:spPr>
+        <p:txBody>
+          <a:bodyPr wrap="none" rtlCol="0">
+            <a:spAutoFit/>
+          </a:bodyPr>
+          <a:lstStyle/>
+          <a:p>
+            <a:r>
+              <a:rPr lang="ko-KR" altLang="en-US" sz="2800" b="1" dirty="0" smtClean="0">
+                <a:ea typeface="KoPub돋움체 Bold" panose="02020603020101020101"/>
+              </a:rPr>
+              <a:t>이지민</a:t>
+            </a:r>
+            <a:endParaRPr lang="ko-KR" altLang="en-US" sz="2800" b="1" dirty="0">
+              <a:ea typeface="KoPub돋움체 Bold" panose="02020603020101020101"/>
+            </a:endParaRPr>
+          </a:p>
+        </p:txBody>
+      </p:sp>
+      <p:sp>
+        <p:nvSpPr>
+          <p:cNvPr id="35" name="TextBox 34"/>
+          <p:cNvSpPr txBox="1"/>
+          <p:nvPr/>
+        </p:nvSpPr>
+        <p:spPr>
+          <a:xfrm>
+            <a:off x="8578059" y="2304566"/>
+            <a:ext cx="2183611" cy="954107"/>
+          </a:xfrm>
+          <a:prstGeom prst="rect">
+            <a:avLst/>
+          </a:prstGeom>
+          <a:noFill/>
+        </p:spPr>
+        <p:txBody>
+          <a:bodyPr wrap="none" rtlCol="0">
+            <a:spAutoFit/>
+          </a:bodyPr>
+          <a:lstStyle/>
+          <a:p>
+            <a:r>
+              <a:rPr lang="ko-KR" altLang="en-US" sz="2800" dirty="0" smtClean="0">
+                <a:ea typeface="KoPub돋움체 Bold" panose="02020603020101020101"/>
+              </a:rPr>
+              <a:t>서버</a:t>
+            </a:r>
+            <a:r>
+              <a:rPr lang="en-US" altLang="ko-KR" sz="2800" dirty="0" smtClean="0">
+                <a:ea typeface="KoPub돋움체 Bold" panose="02020603020101020101"/>
+              </a:rPr>
+              <a:t>, </a:t>
+            </a:r>
+            <a:r>
+              <a:rPr lang="en-US" altLang="ko-KR" sz="2800" dirty="0" smtClean="0">
+                <a:latin typeface="Berlin Sans FB" panose="020E0602020502020306" pitchFamily="34" charset="0"/>
+                <a:ea typeface="KoPub돋움체 Bold" panose="02020603020101020101"/>
+              </a:rPr>
+              <a:t>DB</a:t>
+            </a:r>
+            <a:r>
+              <a:rPr lang="ko-KR" altLang="en-US" sz="2800" dirty="0" smtClean="0">
+                <a:ea typeface="KoPub돋움체 Bold" panose="02020603020101020101"/>
+              </a:rPr>
+              <a:t>개발</a:t>
+            </a:r>
+            <a:r>
+              <a:rPr lang="en-US" altLang="ko-KR" sz="2800" dirty="0" smtClean="0">
+                <a:ea typeface="KoPub돋움체 Bold" panose="02020603020101020101"/>
+              </a:rPr>
+              <a:t>,</a:t>
+            </a:r>
+          </a:p>
+          <a:p>
+            <a:r>
+              <a:rPr lang="ko-KR" altLang="en-US" sz="2800" dirty="0" smtClean="0">
+                <a:ea typeface="KoPub돋움체 Bold" panose="02020603020101020101"/>
+              </a:rPr>
+              <a:t>하드웨어 제작</a:t>
+            </a:r>
+            <a:endParaRPr lang="ko-KR" altLang="en-US" sz="2800" dirty="0">
+              <a:ea typeface="KoPub돋움체 Bold" panose="02020603020101020101"/>
+            </a:endParaRPr>
+          </a:p>
+        </p:txBody>
+      </p:sp>
     </p:spTree>
     <p:extLst>
       <p:ext uri="{BB962C8B-B14F-4D97-AF65-F5344CB8AC3E}">
@@ -8592,6 +9193,13 @@
   <p:clrMapOvr>
     <a:masterClrMapping/>
   </p:clrMapOvr>
+  <p:timing>
+    <p:tnLst>
+      <p:par>
+        <p:cTn id="1" dur="indefinite" restart="never" nodeType="tmRoot"/>
+      </p:par>
+    </p:tnLst>
+  </p:timing>
 </p:sld>
 </file>
 
@@ -8701,172 +9309,265 @@
           </a:p>
         </p:txBody>
       </p:sp>
-      <p:sp>
-        <p:nvSpPr>
-          <p:cNvPr id="9" name="TextBox 8"/>
-          <p:cNvSpPr txBox="1"/>
+      <p:pic>
+        <p:nvPicPr>
+          <p:cNvPr id="2" name="그림 1"/>
+          <p:cNvPicPr>
+            <a:picLocks noChangeAspect="1"/>
+          </p:cNvPicPr>
           <p:nvPr/>
-        </p:nvSpPr>
-        <p:spPr>
-          <a:xfrm>
-            <a:off x="2568632" y="314457"/>
-            <a:ext cx="7015942" cy="2585323"/>
+        </p:nvPicPr>
+        <p:blipFill>
+          <a:blip r:embed="rId2" cstate="print">
+            <a:extLst>
+              <a:ext uri="{28A0092B-C50C-407E-A947-70E740481C1C}">
+                <a14:useLocalDpi xmlns:a14="http://schemas.microsoft.com/office/drawing/2010/main" val="0"/>
+              </a:ext>
+            </a:extLst>
+          </a:blip>
+          <a:stretch>
+            <a:fillRect/>
+          </a:stretch>
+        </p:blipFill>
+        <p:spPr>
+          <a:xfrm>
+            <a:off x="4912770" y="1038656"/>
+            <a:ext cx="2005208" cy="2005208"/>
+          </a:xfrm>
+          <a:prstGeom prst="rect">
+            <a:avLst/>
+          </a:prstGeom>
+        </p:spPr>
+      </p:pic>
+      <p:pic>
+        <p:nvPicPr>
+          <p:cNvPr id="6" name="Picture 2" descr="ì§ì  ë§ëë ë¯¸ì¸ë¨¼ì§ ì¸¡ì ê¸° [ì°ì¬] 1/4"/>
+          <p:cNvPicPr>
+            <a:picLocks noChangeAspect="1" noChangeArrowheads="1"/>
+          </p:cNvPicPr>
+          <p:nvPr/>
+        </p:nvPicPr>
+        <p:blipFill>
+          <a:blip r:embed="rId3" cstate="print">
+            <a:clrChange>
+              <a:clrFrom>
+                <a:srgbClr val="FFFFFF"/>
+              </a:clrFrom>
+              <a:clrTo>
+                <a:srgbClr val="FFFFFF">
+                  <a:alpha val="0"/>
+                </a:srgbClr>
+              </a:clrTo>
+            </a:clrChange>
+            <a:extLst>
+              <a:ext uri="{28A0092B-C50C-407E-A947-70E740481C1C}">
+                <a14:useLocalDpi xmlns:a14="http://schemas.microsoft.com/office/drawing/2010/main" val="0"/>
+              </a:ext>
+            </a:extLst>
+          </a:blip>
+          <a:srcRect/>
+          <a:stretch>
+            <a:fillRect/>
+          </a:stretch>
+        </p:blipFill>
+        <p:spPr bwMode="auto">
+          <a:xfrm>
+            <a:off x="2112275" y="1122391"/>
+            <a:ext cx="2893512" cy="1921473"/>
           </a:xfrm>
           <a:prstGeom prst="rect">
             <a:avLst/>
           </a:prstGeom>
           <a:noFill/>
-        </p:spPr>
-        <p:txBody>
-          <a:bodyPr wrap="square" rtlCol="0">
-            <a:spAutoFit/>
-          </a:bodyPr>
-          <a:lstStyle/>
-          <a:p>
-            <a:r>
-              <a:rPr lang="ko-KR" altLang="en-US" dirty="0" err="1" smtClean="0"/>
-              <a:t>아두이노</a:t>
-            </a:r>
-            <a:r>
-              <a:rPr lang="en-US" altLang="ko-KR" dirty="0" smtClean="0"/>
-              <a:t>-</a:t>
-            </a:r>
-            <a:r>
-              <a:rPr lang="ko-KR" altLang="en-US" dirty="0" smtClean="0"/>
-              <a:t>툴</a:t>
-            </a:r>
-            <a:endParaRPr lang="en-US" altLang="ko-KR" dirty="0" smtClean="0"/>
-          </a:p>
-          <a:p>
-            <a:r>
-              <a:rPr lang="ko-KR" altLang="en-US" dirty="0" smtClean="0"/>
-              <a:t>안드로이드 스튜디오</a:t>
-            </a:r>
-            <a:r>
-              <a:rPr lang="en-US" altLang="ko-KR" dirty="0" smtClean="0"/>
-              <a:t>-</a:t>
-            </a:r>
-            <a:r>
-              <a:rPr lang="ko-KR" altLang="en-US" dirty="0" smtClean="0"/>
-              <a:t>툴</a:t>
-            </a:r>
-            <a:endParaRPr lang="en-US" altLang="ko-KR" dirty="0"/>
-          </a:p>
-          <a:p>
-            <a:r>
-              <a:rPr lang="ko-KR" altLang="en-US" dirty="0" err="1"/>
-              <a:t>라즈베리파이</a:t>
-            </a:r>
-            <a:r>
-              <a:rPr lang="en-US" altLang="ko-KR" dirty="0"/>
-              <a:t>-</a:t>
-            </a:r>
-            <a:r>
-              <a:rPr lang="ko-KR" altLang="en-US" dirty="0" smtClean="0"/>
-              <a:t>툴</a:t>
-            </a:r>
-            <a:endParaRPr lang="en-US" altLang="ko-KR" dirty="0" smtClean="0"/>
-          </a:p>
-          <a:p>
-            <a:r>
-              <a:rPr lang="en-US" altLang="ko-KR" dirty="0" smtClean="0"/>
-              <a:t>My SQL-</a:t>
-            </a:r>
-            <a:r>
-              <a:rPr lang="ko-KR" altLang="en-US" dirty="0" smtClean="0"/>
-              <a:t>툴</a:t>
-            </a:r>
-            <a:endParaRPr lang="en-US" altLang="ko-KR" dirty="0"/>
-          </a:p>
-          <a:p>
-            <a:endParaRPr lang="en-US" altLang="ko-KR" dirty="0" smtClean="0"/>
-          </a:p>
-          <a:p>
-            <a:r>
-              <a:rPr lang="ko-KR" altLang="en-US" dirty="0" smtClean="0"/>
-              <a:t>자바</a:t>
-            </a:r>
-            <a:r>
-              <a:rPr lang="en-US" altLang="ko-KR" dirty="0" smtClean="0"/>
-              <a:t>-</a:t>
-            </a:r>
-            <a:r>
-              <a:rPr lang="ko-KR" altLang="en-US" dirty="0" smtClean="0"/>
-              <a:t>언어</a:t>
-            </a:r>
-            <a:endParaRPr lang="en-US" altLang="ko-KR" dirty="0" smtClean="0"/>
-          </a:p>
-          <a:p>
-            <a:r>
-              <a:rPr lang="ko-KR" altLang="en-US" dirty="0" err="1" smtClean="0"/>
-              <a:t>파이썬</a:t>
-            </a:r>
-            <a:r>
-              <a:rPr lang="en-US" altLang="ko-KR" dirty="0" smtClean="0"/>
-              <a:t>-</a:t>
-            </a:r>
-            <a:r>
-              <a:rPr lang="ko-KR" altLang="en-US" dirty="0" smtClean="0"/>
-              <a:t>언어</a:t>
-            </a:r>
-            <a:endParaRPr lang="en-US" altLang="ko-KR" dirty="0" smtClean="0"/>
-          </a:p>
-          <a:p>
-            <a:r>
-              <a:rPr lang="en-US" altLang="ko-KR" dirty="0" smtClean="0"/>
-              <a:t>C</a:t>
-            </a:r>
-            <a:r>
-              <a:rPr lang="ko-KR" altLang="en-US" dirty="0" smtClean="0"/>
-              <a:t>언어</a:t>
-            </a:r>
-            <a:r>
-              <a:rPr lang="en-US" altLang="ko-KR" dirty="0" smtClean="0"/>
-              <a:t>-</a:t>
-            </a:r>
-            <a:r>
-              <a:rPr lang="ko-KR" altLang="en-US" dirty="0" smtClean="0"/>
-              <a:t>언어</a:t>
-            </a:r>
-            <a:endParaRPr lang="en-US" altLang="ko-KR" dirty="0"/>
-          </a:p>
-          <a:p>
-            <a:r>
-              <a:rPr lang="en-US" altLang="ko-KR" dirty="0" smtClean="0"/>
-              <a:t>(</a:t>
-            </a:r>
-            <a:r>
-              <a:rPr lang="ko-KR" altLang="en-US" dirty="0" smtClean="0"/>
-              <a:t>로고 찾아서 </a:t>
-            </a:r>
-            <a:r>
-              <a:rPr lang="en-US" altLang="ko-KR" dirty="0" smtClean="0"/>
-              <a:t>6</a:t>
-            </a:r>
-            <a:r>
-              <a:rPr lang="ko-KR" altLang="en-US" dirty="0" smtClean="0"/>
-              <a:t>개 </a:t>
-            </a:r>
-            <a:r>
-              <a:rPr lang="ko-KR" altLang="en-US" dirty="0" err="1" smtClean="0"/>
-              <a:t>박아넣읍시다</a:t>
-            </a:r>
-            <a:r>
-              <a:rPr lang="en-US" altLang="ko-KR" dirty="0" smtClean="0"/>
-              <a:t>. </a:t>
-            </a:r>
-            <a:r>
-              <a:rPr lang="ko-KR" altLang="en-US" dirty="0" err="1" smtClean="0"/>
-              <a:t>인근씨</a:t>
-            </a:r>
-            <a:r>
-              <a:rPr lang="en-US" altLang="ko-KR" dirty="0" smtClean="0"/>
-              <a:t>)</a:t>
-            </a:r>
-            <a:endParaRPr lang="ko-KR" altLang="en-US" dirty="0"/>
-          </a:p>
-        </p:txBody>
-      </p:sp>
+          <a:extLst>
+            <a:ext uri="{909E8E84-426E-40DD-AFC4-6F175D3DCCD1}">
+              <a14:hiddenFill xmlns:a14="http://schemas.microsoft.com/office/drawing/2010/main">
+                <a:solidFill>
+                  <a:srgbClr val="FFFFFF"/>
+                </a:solidFill>
+              </a14:hiddenFill>
+            </a:ext>
+          </a:extLst>
+        </p:spPr>
+      </p:pic>
+      <p:pic>
+        <p:nvPicPr>
+          <p:cNvPr id="3" name="그림 2"/>
+          <p:cNvPicPr>
+            <a:picLocks noChangeAspect="1"/>
+          </p:cNvPicPr>
+          <p:nvPr/>
+        </p:nvPicPr>
+        <p:blipFill>
+          <a:blip r:embed="rId4" cstate="print">
+            <a:extLst>
+              <a:ext uri="{28A0092B-C50C-407E-A947-70E740481C1C}">
+                <a14:useLocalDpi xmlns:a14="http://schemas.microsoft.com/office/drawing/2010/main" val="0"/>
+              </a:ext>
+            </a:extLst>
+          </a:blip>
+          <a:stretch>
+            <a:fillRect/>
+          </a:stretch>
+        </p:blipFill>
+        <p:spPr>
+          <a:xfrm>
+            <a:off x="7202223" y="1289599"/>
+            <a:ext cx="2686014" cy="1385535"/>
+          </a:xfrm>
+          <a:prstGeom prst="rect">
+            <a:avLst/>
+          </a:prstGeom>
+        </p:spPr>
+      </p:pic>
+      <p:pic>
+        <p:nvPicPr>
+          <p:cNvPr id="4" name="그림 3"/>
+          <p:cNvPicPr>
+            <a:picLocks noChangeAspect="1"/>
+          </p:cNvPicPr>
+          <p:nvPr/>
+        </p:nvPicPr>
+        <p:blipFill rotWithShape="1">
+          <a:blip r:embed="rId5">
+            <a:clrChange>
+              <a:clrFrom>
+                <a:srgbClr val="FFFFFF"/>
+              </a:clrFrom>
+              <a:clrTo>
+                <a:srgbClr val="FFFFFF">
+                  <a:alpha val="0"/>
+                </a:srgbClr>
+              </a:clrTo>
+            </a:clrChange>
+            <a:extLst>
+              <a:ext uri="{28A0092B-C50C-407E-A947-70E740481C1C}">
+                <a14:useLocalDpi xmlns:a14="http://schemas.microsoft.com/office/drawing/2010/main" val="0"/>
+              </a:ext>
+            </a:extLst>
+          </a:blip>
+          <a:srcRect b="19205"/>
+          <a:stretch/>
+        </p:blipFill>
+        <p:spPr>
+          <a:xfrm>
+            <a:off x="9625457" y="1038656"/>
+            <a:ext cx="2254457" cy="1887423"/>
+          </a:xfrm>
+          <a:prstGeom prst="rect">
+            <a:avLst/>
+          </a:prstGeom>
+        </p:spPr>
+      </p:pic>
+      <p:pic>
+        <p:nvPicPr>
+          <p:cNvPr id="5" name="그림 4"/>
+          <p:cNvPicPr>
+            <a:picLocks noChangeAspect="1"/>
+          </p:cNvPicPr>
+          <p:nvPr/>
+        </p:nvPicPr>
+        <p:blipFill>
+          <a:blip r:embed="rId6">
+            <a:clrChange>
+              <a:clrFrom>
+                <a:srgbClr val="FFFFFF"/>
+              </a:clrFrom>
+              <a:clrTo>
+                <a:srgbClr val="FFFFFF">
+                  <a:alpha val="0"/>
+                </a:srgbClr>
+              </a:clrTo>
+            </a:clrChange>
+            <a:extLst>
+              <a:ext uri="{28A0092B-C50C-407E-A947-70E740481C1C}">
+                <a14:useLocalDpi xmlns:a14="http://schemas.microsoft.com/office/drawing/2010/main" val="0"/>
+              </a:ext>
+            </a:extLst>
+          </a:blip>
+          <a:stretch>
+            <a:fillRect/>
+          </a:stretch>
+        </p:blipFill>
+        <p:spPr>
+          <a:xfrm>
+            <a:off x="5829758" y="3139017"/>
+            <a:ext cx="1581150" cy="2895600"/>
+          </a:xfrm>
+          <a:prstGeom prst="rect">
+            <a:avLst/>
+          </a:prstGeom>
+        </p:spPr>
+      </p:pic>
+      <p:pic>
+        <p:nvPicPr>
+          <p:cNvPr id="7" name="그림 6"/>
+          <p:cNvPicPr>
+            <a:picLocks noChangeAspect="1"/>
+          </p:cNvPicPr>
+          <p:nvPr/>
+        </p:nvPicPr>
+        <p:blipFill>
+          <a:blip r:embed="rId7">
+            <a:extLst>
+              <a:ext uri="{28A0092B-C50C-407E-A947-70E740481C1C}">
+                <a14:useLocalDpi xmlns:a14="http://schemas.microsoft.com/office/drawing/2010/main" val="0"/>
+              </a:ext>
+            </a:extLst>
+          </a:blip>
+          <a:stretch>
+            <a:fillRect/>
+          </a:stretch>
+        </p:blipFill>
+        <p:spPr>
+          <a:xfrm>
+            <a:off x="8196707" y="3475566"/>
+            <a:ext cx="2857500" cy="2857500"/>
+          </a:xfrm>
+          <a:prstGeom prst="rect">
+            <a:avLst/>
+          </a:prstGeom>
+        </p:spPr>
+      </p:pic>
+      <p:pic>
+        <p:nvPicPr>
+          <p:cNvPr id="8" name="그림 7"/>
+          <p:cNvPicPr>
+            <a:picLocks noChangeAspect="1"/>
+          </p:cNvPicPr>
+          <p:nvPr/>
+        </p:nvPicPr>
+        <p:blipFill rotWithShape="1">
+          <a:blip r:embed="rId8">
+            <a:clrChange>
+              <a:clrFrom>
+                <a:srgbClr val="FFFFFF"/>
+              </a:clrFrom>
+              <a:clrTo>
+                <a:srgbClr val="FFFFFF">
+                  <a:alpha val="0"/>
+                </a:srgbClr>
+              </a:clrTo>
+            </a:clrChange>
+            <a:extLst>
+              <a:ext uri="{28A0092B-C50C-407E-A947-70E740481C1C}">
+                <a14:useLocalDpi xmlns:a14="http://schemas.microsoft.com/office/drawing/2010/main" val="0"/>
+              </a:ext>
+            </a:extLst>
+          </a:blip>
+          <a:srcRect l="26115" t="10350" r="27245" b="11923"/>
+          <a:stretch/>
+        </p:blipFill>
+        <p:spPr>
+          <a:xfrm>
+            <a:off x="3202503" y="3713365"/>
+            <a:ext cx="1710267" cy="1896532"/>
+          </a:xfrm>
+          <a:prstGeom prst="rect">
+            <a:avLst/>
+          </a:prstGeom>
+        </p:spPr>
+      </p:pic>
     </p:spTree>
     <p:extLst>
       <p:ext uri="{BB962C8B-B14F-4D97-AF65-F5344CB8AC3E}">
@@ -9049,7 +9750,7 @@
         </p:blipFill>
         <p:spPr bwMode="auto">
           <a:xfrm>
-            <a:off x="2786496" y="1858780"/>
+            <a:off x="3506739" y="1858780"/>
             <a:ext cx="6229350" cy="3181350"/>
           </a:xfrm>
           <a:prstGeom prst="rect">
@@ -9097,214 +9798,6 @@
           </a:prstGeom>
         </p:spPr>
       </p:pic>
-      <p:grpSp>
-        <p:nvGrpSpPr>
-          <p:cNvPr id="3" name="그룹 2"/>
-          <p:cNvGrpSpPr/>
-          <p:nvPr/>
-        </p:nvGrpSpPr>
-        <p:grpSpPr>
-          <a:xfrm>
-            <a:off x="175953" y="206639"/>
-            <a:ext cx="2054171" cy="541508"/>
-            <a:chOff x="4232564" y="2276508"/>
-            <a:chExt cx="2054171" cy="541508"/>
-          </a:xfrm>
-        </p:grpSpPr>
-        <p:grpSp>
-          <p:nvGrpSpPr>
-            <p:cNvPr id="4" name="그룹 3"/>
-            <p:cNvGrpSpPr/>
-            <p:nvPr/>
-          </p:nvGrpSpPr>
-          <p:grpSpPr>
-            <a:xfrm>
-              <a:off x="4232564" y="2276508"/>
-              <a:ext cx="712648" cy="541508"/>
-              <a:chOff x="3115591" y="4405745"/>
-              <a:chExt cx="4089168" cy="3107176"/>
-            </a:xfrm>
-          </p:grpSpPr>
-          <p:sp>
-            <p:nvSpPr>
-              <p:cNvPr id="7" name="평행 사변형 6"/>
-              <p:cNvSpPr/>
-              <p:nvPr/>
-            </p:nvSpPr>
-            <p:spPr>
-              <a:xfrm>
-                <a:off x="3379408" y="4636717"/>
-                <a:ext cx="3825351" cy="2876204"/>
-              </a:xfrm>
-              <a:prstGeom prst="parallelogram">
-                <a:avLst/>
-              </a:prstGeom>
-              <a:solidFill>
-                <a:srgbClr val="6C5B7B"/>
-              </a:solidFill>
-              <a:ln>
-                <a:noFill/>
-              </a:ln>
-            </p:spPr>
-            <p:style>
-              <a:lnRef idx="2">
-                <a:schemeClr val="accent1">
-                  <a:shade val="50000"/>
-                </a:schemeClr>
-              </a:lnRef>
-              <a:fillRef idx="1">
-                <a:schemeClr val="accent1"/>
-              </a:fillRef>
-              <a:effectRef idx="0">
-                <a:schemeClr val="accent1"/>
-              </a:effectRef>
-              <a:fontRef idx="minor">
-                <a:schemeClr val="lt1"/>
-              </a:fontRef>
-            </p:style>
-            <p:txBody>
-              <a:bodyPr rtlCol="0" anchor="ctr"/>
-              <a:lstStyle/>
-              <a:p>
-                <a:pPr algn="ctr"/>
-                <a:endParaRPr lang="ko-KR" altLang="en-US"/>
-              </a:p>
-            </p:txBody>
-          </p:sp>
-          <p:sp>
-            <p:nvSpPr>
-              <p:cNvPr id="8" name="평행 사변형 7"/>
-              <p:cNvSpPr/>
-              <p:nvPr/>
-            </p:nvSpPr>
-            <p:spPr>
-              <a:xfrm>
-                <a:off x="3115591" y="4405745"/>
-                <a:ext cx="3825352" cy="2876204"/>
-              </a:xfrm>
-              <a:prstGeom prst="parallelogram">
-                <a:avLst/>
-              </a:prstGeom>
-              <a:solidFill>
-                <a:schemeClr val="bg1">
-                  <a:lumMod val="75000"/>
-                </a:schemeClr>
-              </a:solidFill>
-              <a:ln>
-                <a:noFill/>
-              </a:ln>
-            </p:spPr>
-            <p:style>
-              <a:lnRef idx="2">
-                <a:schemeClr val="accent1">
-                  <a:shade val="50000"/>
-                </a:schemeClr>
-              </a:lnRef>
-              <a:fillRef idx="1">
-                <a:schemeClr val="accent1"/>
-              </a:fillRef>
-              <a:effectRef idx="0">
-                <a:schemeClr val="accent1"/>
-              </a:effectRef>
-              <a:fontRef idx="minor">
-                <a:schemeClr val="lt1"/>
-              </a:fontRef>
-            </p:style>
-            <p:txBody>
-              <a:bodyPr rtlCol="0" anchor="ctr"/>
-              <a:lstStyle/>
-              <a:p>
-                <a:pPr algn="ctr"/>
-                <a:endParaRPr lang="ko-KR" altLang="en-US"/>
-              </a:p>
-            </p:txBody>
-          </p:sp>
-        </p:grpSp>
-        <p:sp>
-          <p:nvSpPr>
-            <p:cNvPr id="5" name="TextBox 4"/>
-            <p:cNvSpPr txBox="1"/>
-            <p:nvPr/>
-          </p:nvSpPr>
-          <p:spPr>
-            <a:xfrm>
-              <a:off x="5201181" y="2327080"/>
-              <a:ext cx="1085554" cy="400110"/>
-            </a:xfrm>
-            <a:prstGeom prst="rect">
-              <a:avLst/>
-            </a:prstGeom>
-            <a:noFill/>
-          </p:spPr>
-          <p:txBody>
-            <a:bodyPr wrap="none" rtlCol="0">
-              <a:spAutoFit/>
-            </a:bodyPr>
-            <a:lstStyle/>
-            <a:p>
-              <a:r>
-                <a:rPr lang="ko-KR" altLang="en-US" sz="2000" dirty="0" err="1" smtClean="0">
-                  <a:solidFill>
-                    <a:schemeClr val="bg1"/>
-                  </a:solidFill>
-                  <a:latin typeface="KoPub돋움체 Bold" panose="02020603020101020101" pitchFamily="18" charset="-127"/>
-                  <a:ea typeface="KoPub돋움체 Bold" panose="02020603020101020101" pitchFamily="18" charset="-127"/>
-                </a:rPr>
-                <a:t>제작동기</a:t>
-              </a:r>
-              <a:endParaRPr lang="ko-KR" altLang="en-US" sz="2000" dirty="0">
-                <a:solidFill>
-                  <a:schemeClr val="bg1"/>
-                </a:solidFill>
-                <a:latin typeface="KoPub돋움체 Bold" panose="02020603020101020101" pitchFamily="18" charset="-127"/>
-                <a:ea typeface="KoPub돋움체 Bold" panose="02020603020101020101" pitchFamily="18" charset="-127"/>
-              </a:endParaRPr>
-            </a:p>
-          </p:txBody>
-        </p:sp>
-        <p:sp>
-          <p:nvSpPr>
-            <p:cNvPr id="6" name="TextBox 5"/>
-            <p:cNvSpPr txBox="1"/>
-            <p:nvPr/>
-          </p:nvSpPr>
-          <p:spPr>
-            <a:xfrm>
-              <a:off x="4358150" y="2357858"/>
-              <a:ext cx="418704" cy="338554"/>
-            </a:xfrm>
-            <a:prstGeom prst="rect">
-              <a:avLst/>
-            </a:prstGeom>
-            <a:noFill/>
-          </p:spPr>
-          <p:txBody>
-            <a:bodyPr wrap="none" rtlCol="0">
-              <a:spAutoFit/>
-            </a:bodyPr>
-            <a:lstStyle/>
-            <a:p>
-              <a:r>
-                <a:rPr lang="en-US" altLang="ko-KR" sz="1600" dirty="0" smtClean="0">
-                  <a:solidFill>
-                    <a:schemeClr val="bg1"/>
-                  </a:solidFill>
-                  <a:latin typeface="KoPub돋움체 Light" panose="02020603020101020101" pitchFamily="18" charset="-127"/>
-                  <a:ea typeface="KoPub돋움체 Light" panose="02020603020101020101" pitchFamily="18" charset="-127"/>
-                </a:rPr>
-                <a:t>03</a:t>
-              </a:r>
-              <a:endParaRPr lang="ko-KR" altLang="en-US" sz="1600" dirty="0">
-                <a:solidFill>
-                  <a:schemeClr val="bg1"/>
-                </a:solidFill>
-                <a:latin typeface="KoPub돋움체 Light" panose="02020603020101020101" pitchFamily="18" charset="-127"/>
-                <a:ea typeface="KoPub돋움체 Light" panose="02020603020101020101" pitchFamily="18" charset="-127"/>
-              </a:endParaRPr>
-            </a:p>
-          </p:txBody>
-        </p:sp>
-      </p:grpSp>
       <p:sp>
         <p:nvSpPr>
           <p:cNvPr id="79" name="직사각형 78"/>
@@ -9404,8 +9897,8 @@
         </p:nvSpPr>
         <p:spPr>
           <a:xfrm>
-            <a:off x="0" y="2828836"/>
-            <a:ext cx="12191999" cy="1200329"/>
+            <a:off x="1398494" y="2828836"/>
+            <a:ext cx="11513748" cy="1200329"/>
           </a:xfrm>
           <a:prstGeom prst="rect">
             <a:avLst/>
@@ -9444,25 +9937,7 @@
                 </a:solidFill>
                 <a:ea typeface="KoPub돋움체 Bold" panose="02020603020101020101"/>
               </a:rPr>
-              <a:t> </a:t>
-            </a:r>
-            <a:r>
-              <a:rPr lang="ko-KR" altLang="en-US" sz="3600" dirty="0" smtClean="0">
-                <a:solidFill>
-                  <a:schemeClr val="bg1"/>
-                </a:solidFill>
-                <a:ea typeface="KoPub돋움체 Bold" panose="02020603020101020101"/>
-              </a:rPr>
-              <a:t>계속 </a:t>
-            </a:r>
-            <a:r>
-              <a:rPr lang="ko-KR" altLang="en-US" sz="3600" dirty="0" smtClean="0">
-                <a:solidFill>
-                  <a:schemeClr val="bg1"/>
-                </a:solidFill>
-                <a:ea typeface="KoPub돋움체 Bold" panose="02020603020101020101"/>
-              </a:rPr>
-              <a:t>작동된다면</a:t>
+              <a:t> 계속 작동된다면</a:t>
             </a:r>
             <a:r>
               <a:rPr lang="en-US" altLang="ko-KR" sz="3600" dirty="0">
@@ -9489,16 +9964,7 @@
                 </a:solidFill>
                 <a:ea typeface="KoPub돋움체 Bold" panose="02020603020101020101"/>
               </a:rPr>
-              <a:t>전기가 </a:t>
-            </a:r>
-            <a:r>
-              <a:rPr lang="ko-KR" altLang="en-US" sz="3600" dirty="0" smtClean="0">
-                <a:solidFill>
-                  <a:schemeClr val="bg1"/>
-                </a:solidFill>
-                <a:ea typeface="KoPub돋움체 Bold" panose="02020603020101020101"/>
-              </a:rPr>
-              <a:t>낭비되고 환경오염이 심화된다</a:t>
+              <a:t>전기가 낭비되고 환경오염이 심화된다</a:t>
             </a:r>
             <a:r>
               <a:rPr lang="en-US" altLang="ko-KR" sz="3600" dirty="0" smtClean="0">
@@ -9557,21 +10023,24 @@
       </p:grpSpPr>
       <p:sp>
         <p:nvSpPr>
-          <p:cNvPr id="79" name="직사각형 78"/>
+          <p:cNvPr id="5" name="평행 사변형 4"/>
           <p:cNvSpPr/>
           <p:nvPr/>
         </p:nvSpPr>
         <p:spPr>
           <a:xfrm>
-            <a:off x="11567828" y="2371"/>
-            <a:ext cx="624172" cy="624172"/>
-          </a:xfrm>
-          <a:prstGeom prst="rect">
+            <a:off x="-5098104" y="-93134"/>
+            <a:ext cx="9672941" cy="7272867"/>
+          </a:xfrm>
+          <a:prstGeom prst="parallelogram">
             <a:avLst/>
           </a:prstGeom>
           <a:solidFill>
-            <a:srgbClr val="355C7D"/>
+            <a:srgbClr val="F67280"/>
           </a:solidFill>
+          <a:ln>
+            <a:noFill/>
+          </a:ln>
         </p:spPr>
         <p:style>
           <a:lnRef idx="2">
@@ -9600,60 +10069,14 @@
       </p:sp>
       <p:sp>
         <p:nvSpPr>
-          <p:cNvPr id="80" name="직각 삼각형 79"/>
-          <p:cNvSpPr/>
-          <p:nvPr/>
-        </p:nvSpPr>
-        <p:spPr>
-          <a:xfrm>
-            <a:off x="11567828" y="-6415"/>
-            <a:ext cx="624172" cy="642483"/>
-          </a:xfrm>
-          <a:prstGeom prst="rtTriangle">
-            <a:avLst/>
-          </a:prstGeom>
-          <a:solidFill>
-            <a:srgbClr val="F67280"/>
-          </a:solidFill>
-          <a:ln>
-            <a:noFill/>
-          </a:ln>
-        </p:spPr>
-        <p:style>
-          <a:lnRef idx="2">
-            <a:schemeClr val="accent1">
-              <a:shade val="50000"/>
-            </a:schemeClr>
-          </a:lnRef>
-          <a:fillRef idx="1">
-            <a:schemeClr val="accent1"/>
-          </a:fillRef>
-          <a:effectRef idx="0">
-            <a:schemeClr val="accent1"/>
-          </a:effectRef>
-          <a:fontRef idx="minor">
-            <a:schemeClr val="lt1"/>
-          </a:fontRef>
-        </p:style>
-        <p:txBody>
-          <a:bodyPr rtlCol="0" anchor="ctr"/>
-          <a:lstStyle/>
-          <a:p>
-            <a:pPr algn="ctr"/>
-            <a:endParaRPr lang="ko-KR" altLang="en-US"/>
-          </a:p>
-        </p:txBody>
-      </p:sp>
-      <p:sp>
-        <p:nvSpPr>
-          <p:cNvPr id="9" name="TextBox 8"/>
+          <p:cNvPr id="6" name="TextBox 5"/>
           <p:cNvSpPr txBox="1"/>
           <p:nvPr/>
         </p:nvSpPr>
         <p:spPr>
           <a:xfrm>
-            <a:off x="125844" y="1456574"/>
-            <a:ext cx="11685155" cy="3785652"/>
+            <a:off x="4792133" y="2881579"/>
+            <a:ext cx="5224507" cy="1323439"/>
           </a:xfrm>
           <a:prstGeom prst="rect">
             <a:avLst/>
@@ -9661,124 +10084,31 @@
           <a:noFill/>
         </p:spPr>
         <p:txBody>
-          <a:bodyPr wrap="square" rtlCol="0">
+          <a:bodyPr wrap="none" rtlCol="0">
             <a:spAutoFit/>
           </a:bodyPr>
           <a:lstStyle/>
           <a:p>
-            <a:pPr marL="285750" indent="-285750">
-              <a:buFontTx/>
-              <a:buChar char="-"/>
-            </a:pPr>
-            <a:r>
-              <a:rPr lang="ko-KR" altLang="en-US" sz="4800" dirty="0" smtClean="0">
-                <a:ea typeface="KoPub돋움체 Bold" panose="02020603020101020101"/>
+            <a:r>
+              <a:rPr lang="en-US" altLang="ko-KR" sz="8000" b="1" dirty="0" smtClean="0">
+                <a:latin typeface="KoPubWorld돋움체 Bold" panose="00000800000000000000" pitchFamily="2" charset="-127"/>
+                <a:ea typeface="KoPubWorld돋움체 Bold" panose="00000800000000000000" pitchFamily="2" charset="-127"/>
+                <a:cs typeface="KoPubWorld돋움체 Bold" panose="00000800000000000000" pitchFamily="2" charset="-127"/>
               </a:rPr>
-              <a:t>설정한 시간 동안 사람이 없을 때 자동으로 </a:t>
-            </a:r>
-            <a:endParaRPr lang="en-US" altLang="ko-KR" sz="4800" dirty="0" smtClean="0">
-              <a:ea typeface="KoPub돋움체 Bold" panose="02020603020101020101"/>
-            </a:endParaRPr>
-          </a:p>
-          <a:p>
-            <a:r>
-              <a:rPr lang="en-US" altLang="ko-KR" sz="4800" dirty="0">
-                <a:ea typeface="KoPub돋움체 Bold" panose="02020603020101020101"/>
+              <a:t>4. </a:t>
+            </a:r>
+            <a:r>
+              <a:rPr lang="ko-KR" altLang="en-US" sz="8000" b="1" dirty="0" smtClean="0">
+                <a:latin typeface="KoPubWorld돋움체 Bold" panose="00000800000000000000" pitchFamily="2" charset="-127"/>
+                <a:ea typeface="KoPubWorld돋움체 Bold" panose="00000800000000000000" pitchFamily="2" charset="-127"/>
+                <a:cs typeface="KoPubWorld돋움체 Bold" panose="00000800000000000000" pitchFamily="2" charset="-127"/>
               </a:rPr>
-              <a:t> </a:t>
-            </a:r>
-            <a:r>
-              <a:rPr lang="ko-KR" altLang="en-US" sz="4800" dirty="0" smtClean="0">
-                <a:ea typeface="KoPub돋움체 Bold" panose="02020603020101020101"/>
-              </a:rPr>
-              <a:t>에어컨이 </a:t>
-            </a:r>
-            <a:r>
-              <a:rPr lang="ko-KR" altLang="en-US" sz="4800" dirty="0" smtClean="0">
-                <a:ea typeface="KoPub돋움체 Bold" panose="02020603020101020101"/>
-              </a:rPr>
-              <a:t>꺼짐</a:t>
-            </a:r>
-            <a:endParaRPr lang="en-US" altLang="ko-KR" sz="4800" dirty="0" smtClean="0">
-              <a:ea typeface="KoPub돋움체 Bold" panose="02020603020101020101"/>
-            </a:endParaRPr>
-          </a:p>
-          <a:p>
-            <a:pPr marL="285750" indent="-285750">
-              <a:buFontTx/>
-              <a:buChar char="-"/>
-            </a:pPr>
-            <a:r>
-              <a:rPr lang="ko-KR" altLang="en-US" sz="4800" dirty="0" smtClean="0">
-                <a:ea typeface="KoPub돋움체 Bold" panose="02020603020101020101"/>
-              </a:rPr>
-              <a:t>모바일에서 에어컨 온도</a:t>
-            </a:r>
-            <a:r>
-              <a:rPr lang="en-US" altLang="ko-KR" sz="4800" dirty="0" smtClean="0">
-                <a:ea typeface="KoPub돋움체 Bold" panose="02020603020101020101"/>
-              </a:rPr>
-              <a:t>, </a:t>
-            </a:r>
-            <a:r>
-              <a:rPr lang="ko-KR" altLang="en-US" sz="4800" dirty="0" smtClean="0">
-                <a:ea typeface="KoPub돋움체 Bold" panose="02020603020101020101"/>
-              </a:rPr>
-              <a:t>온</a:t>
-            </a:r>
-            <a:r>
-              <a:rPr lang="en-US" altLang="ko-KR" sz="4800" dirty="0" smtClean="0">
-                <a:ea typeface="KoPub돋움체 Bold" panose="02020603020101020101"/>
-              </a:rPr>
-              <a:t>/</a:t>
-            </a:r>
-            <a:r>
-              <a:rPr lang="ko-KR" altLang="en-US" sz="4800" dirty="0" smtClean="0">
-                <a:ea typeface="KoPub돋움체 Bold" panose="02020603020101020101"/>
-              </a:rPr>
-              <a:t>오프</a:t>
-            </a:r>
-            <a:r>
-              <a:rPr lang="en-US" altLang="ko-KR" sz="4800" dirty="0">
-                <a:ea typeface="KoPub돋움체 Bold" panose="02020603020101020101"/>
-              </a:rPr>
-              <a:t> </a:t>
-            </a:r>
-            <a:r>
-              <a:rPr lang="ko-KR" altLang="en-US" sz="4800" dirty="0" smtClean="0">
-                <a:ea typeface="KoPub돋움체 Bold" panose="02020603020101020101"/>
-              </a:rPr>
-              <a:t>조절</a:t>
-            </a:r>
-            <a:endParaRPr lang="en-US" altLang="ko-KR" sz="4800" dirty="0" smtClean="0">
-              <a:ea typeface="KoPub돋움체 Bold" panose="02020603020101020101"/>
-            </a:endParaRPr>
-          </a:p>
-          <a:p>
-            <a:pPr marL="285750" indent="-285750">
-              <a:buFontTx/>
-              <a:buChar char="-"/>
-            </a:pPr>
-            <a:r>
-              <a:rPr lang="ko-KR" altLang="en-US" sz="4800" dirty="0" smtClean="0">
-                <a:ea typeface="KoPub돋움체 Bold" panose="02020603020101020101"/>
-              </a:rPr>
-              <a:t>설정한 온도가 </a:t>
-            </a:r>
-            <a:r>
-              <a:rPr lang="ko-KR" altLang="en-US" sz="4800" dirty="0" err="1" smtClean="0">
-                <a:ea typeface="KoPub돋움체 Bold" panose="02020603020101020101"/>
-              </a:rPr>
-              <a:t>되었을때</a:t>
-            </a:r>
-            <a:r>
-              <a:rPr lang="ko-KR" altLang="en-US" sz="4800" dirty="0" smtClean="0">
-                <a:ea typeface="KoPub돋움체 Bold" panose="02020603020101020101"/>
-              </a:rPr>
-              <a:t> 자동으로 에어컨이 꺼짐</a:t>
-            </a:r>
-            <a:endParaRPr lang="ko-KR" altLang="en-US" sz="4800" dirty="0">
-              <a:ea typeface="KoPub돋움체 Bold" panose="02020603020101020101"/>
+              <a:t>기능 설명</a:t>
+            </a:r>
+            <a:endParaRPr lang="ko-KR" altLang="en-US" sz="8000" b="1" dirty="0">
+              <a:latin typeface="KoPubWorld돋움체 Bold" panose="00000800000000000000" pitchFamily="2" charset="-127"/>
+              <a:ea typeface="KoPubWorld돋움체 Bold" panose="00000800000000000000" pitchFamily="2" charset="-127"/>
+              <a:cs typeface="KoPubWorld돋움체 Bold" panose="00000800000000000000" pitchFamily="2" charset="-127"/>
             </a:endParaRPr>
           </a:p>
         </p:txBody>
@@ -9786,7 +10116,7 @@
     </p:spTree>
     <p:extLst>
       <p:ext uri="{BB962C8B-B14F-4D97-AF65-F5344CB8AC3E}">
-        <p14:creationId xmlns:p14="http://schemas.microsoft.com/office/powerpoint/2010/main" val="634404379"/>
+        <p14:creationId xmlns:p14="http://schemas.microsoft.com/office/powerpoint/2010/main" val="3496952127"/>
       </p:ext>
     </p:extLst>
   </p:cSld>
@@ -10062,4 +10392,265 @@
     </a:ext>
   </a:extLst>
 </a:theme>
+</file>
+
+<file path=ppt/theme/theme2.xml><?xml version="1.0" encoding="utf-8"?>
+<a:theme xmlns:a="http://schemas.openxmlformats.org/drawingml/2006/main" name="Office 테마">
+  <a:themeElements>
+    <a:clrScheme name="Office">
+      <a:dk1>
+        <a:sysClr val="windowText" lastClr="000000"/>
+      </a:dk1>
+      <a:lt1>
+        <a:sysClr val="window" lastClr="FFFFFF"/>
+      </a:lt1>
+      <a:dk2>
+        <a:srgbClr val="44546A"/>
+      </a:dk2>
+      <a:lt2>
+        <a:srgbClr val="E7E6E6"/>
+      </a:lt2>
+      <a:accent1>
+        <a:srgbClr val="5B9BD5"/>
+      </a:accent1>
+      <a:accent2>
+        <a:srgbClr val="ED7D31"/>
+      </a:accent2>
+      <a:accent3>
+        <a:srgbClr val="A5A5A5"/>
+      </a:accent3>
+      <a:accent4>
+        <a:srgbClr val="FFC000"/>
+      </a:accent4>
+      <a:accent5>
+        <a:srgbClr val="4472C4"/>
+      </a:accent5>
+      <a:accent6>
+        <a:srgbClr val="70AD47"/>
+      </a:accent6>
+      <a:hlink>
+        <a:srgbClr val="0563C1"/>
+      </a:hlink>
+      <a:folHlink>
+        <a:srgbClr val="954F72"/>
+      </a:folHlink>
+    </a:clrScheme>
+    <a:fontScheme name="Office">
+      <a:majorFont>
+        <a:latin typeface="맑은 고딕" panose="020F0302020204030204"/>
+        <a:ea typeface=""/>
+        <a:cs typeface=""/>
+        <a:font script="Jpan" typeface="游ゴシック Light"/>
+        <a:font script="Hang" typeface="맑은 고딕"/>
+        <a:font script="Hans" typeface="等线 Light"/>
+        <a:font script="Hant" typeface="新細明體"/>
+        <a:font script="Arab" typeface="Times New Roman"/>
+        <a:font script="Hebr" typeface="Times New Roman"/>
+        <a:font script="Thai" typeface="Angsana New"/>
+        <a:font script="Ethi" typeface="Nyala"/>
+        <a:font script="Beng" typeface="Vrinda"/>
+        <a:font script="Gujr" typeface="Shruti"/>
+        <a:font script="Khmr" typeface="MoolBoran"/>
+        <a:font script="Knda" typeface="Tunga"/>
+        <a:font script="Guru" typeface="Raavi"/>
+        <a:font script="Cans" typeface="Euphemia"/>
+        <a:font script="Cher" typeface="Plantagenet Cherokee"/>
+        <a:font script="Yiii" typeface="Microsoft Yi Baiti"/>
+        <a:font script="Tibt" typeface="Microsoft Himalaya"/>
+        <a:font script="Thaa" typeface="MV Boli"/>
+        <a:font script="Deva" typeface="Mangal"/>
+        <a:font script="Telu" typeface="Gautami"/>
+        <a:font script="Taml" typeface="Latha"/>
+        <a:font script="Syrc" typeface="Estrangelo Edessa"/>
+        <a:font script="Orya" typeface="Kalinga"/>
+        <a:font script="Mlym" typeface="Kartika"/>
+        <a:font script="Laoo" typeface="DokChampa"/>
+        <a:font script="Sinh" typeface="Iskoola Pota"/>
+        <a:font script="Mong" typeface="Mongolian Baiti"/>
+        <a:font script="Viet" typeface="Times New Roman"/>
+        <a:font script="Uigh" typeface="Microsoft Uighur"/>
+        <a:font script="Geor" typeface="Sylfaen"/>
+      </a:majorFont>
+      <a:minorFont>
+        <a:latin typeface="맑은 고딕" panose="020F0502020204030204"/>
+        <a:ea typeface=""/>
+        <a:cs typeface=""/>
+        <a:font script="Jpan" typeface="游ゴシック"/>
+        <a:font script="Hang" typeface="맑은 고딕"/>
+        <a:font script="Hans" typeface="等线"/>
+        <a:font script="Hant" typeface="新細明體"/>
+        <a:font script="Arab" typeface="Arial"/>
+        <a:font script="Hebr" typeface="Arial"/>
+        <a:font script="Thai" typeface="Cordia New"/>
+        <a:font script="Ethi" typeface="Nyala"/>
+        <a:font script="Beng" typeface="Vrinda"/>
+        <a:font script="Gujr" typeface="Shruti"/>
+        <a:font script="Khmr" typeface="DaunPenh"/>
+        <a:font script="Knda" typeface="Tunga"/>
+        <a:font script="Guru" typeface="Raavi"/>
+        <a:font script="Cans" typeface="Euphemia"/>
+        <a:font script="Cher" typeface="Plantagenet Cherokee"/>
+        <a:font script="Yiii" typeface="Microsoft Yi Baiti"/>
+        <a:font script="Tibt" typeface="Microsoft Himalaya"/>
+        <a:font script="Thaa" typeface="MV Boli"/>
+        <a:font script="Deva" typeface="Mangal"/>
+        <a:font script="Telu" typeface="Gautami"/>
+        <a:font script="Taml" typeface="Latha"/>
+        <a:font script="Syrc" typeface="Estrangelo Edessa"/>
+        <a:font script="Orya" typeface="Kalinga"/>
+        <a:font script="Mlym" typeface="Kartika"/>
+        <a:font script="Laoo" typeface="DokChampa"/>
+        <a:font script="Sinh" typeface="Iskoola Pota"/>
+        <a:font script="Mong" typeface="Mongolian Baiti"/>
+        <a:font script="Viet" typeface="Arial"/>
+        <a:font script="Uigh" typeface="Microsoft Uighur"/>
+        <a:font script="Geor" typeface="Sylfaen"/>
+      </a:minorFont>
+    </a:fontScheme>
+    <a:fmtScheme name="Office">
+      <a:fillStyleLst>
+        <a:solidFill>
+          <a:schemeClr val="phClr"/>
+        </a:solidFill>
+        <a:gradFill rotWithShape="1">
+          <a:gsLst>
+            <a:gs pos="0">
+              <a:schemeClr val="phClr">
+                <a:lumMod val="110000"/>
+                <a:satMod val="105000"/>
+                <a:tint val="67000"/>
+              </a:schemeClr>
+            </a:gs>
+            <a:gs pos="50000">
+              <a:schemeClr val="phClr">
+                <a:lumMod val="105000"/>
+                <a:satMod val="103000"/>
+                <a:tint val="73000"/>
+              </a:schemeClr>
+            </a:gs>
+            <a:gs pos="100000">
+              <a:schemeClr val="phClr">
+                <a:lumMod val="105000"/>
+                <a:satMod val="109000"/>
+                <a:tint val="81000"/>
+              </a:schemeClr>
+            </a:gs>
+          </a:gsLst>
+          <a:lin ang="5400000" scaled="0"/>
+        </a:gradFill>
+        <a:gradFill rotWithShape="1">
+          <a:gsLst>
+            <a:gs pos="0">
+              <a:schemeClr val="phClr">
+                <a:satMod val="103000"/>
+                <a:lumMod val="102000"/>
+                <a:tint val="94000"/>
+              </a:schemeClr>
+            </a:gs>
+            <a:gs pos="50000">
+              <a:schemeClr val="phClr">
+                <a:satMod val="110000"/>
+                <a:lumMod val="100000"/>
+                <a:shade val="100000"/>
+              </a:schemeClr>
+            </a:gs>
+            <a:gs pos="100000">
+              <a:schemeClr val="phClr">
+                <a:lumMod val="99000"/>
+                <a:satMod val="120000"/>
+                <a:shade val="78000"/>
+              </a:schemeClr>
+            </a:gs>
+          </a:gsLst>
+          <a:lin ang="5400000" scaled="0"/>
+        </a:gradFill>
+      </a:fillStyleLst>
+      <a:lnStyleLst>
+        <a:ln w="6350" cap="flat" cmpd="sng" algn="ctr">
+          <a:solidFill>
+            <a:schemeClr val="phClr"/>
+          </a:solidFill>
+          <a:prstDash val="solid"/>
+          <a:miter lim="800000"/>
+        </a:ln>
+        <a:ln w="12700" cap="flat" cmpd="sng" algn="ctr">
+          <a:solidFill>
+            <a:schemeClr val="phClr"/>
+          </a:solidFill>
+          <a:prstDash val="solid"/>
+          <a:miter lim="800000"/>
+        </a:ln>
+        <a:ln w="19050" cap="flat" cmpd="sng" algn="ctr">
+          <a:solidFill>
+            <a:schemeClr val="phClr"/>
+          </a:solidFill>
+          <a:prstDash val="solid"/>
+          <a:miter lim="800000"/>
+        </a:ln>
+      </a:lnStyleLst>
+      <a:effectStyleLst>
+        <a:effectStyle>
+          <a:effectLst/>
+        </a:effectStyle>
+        <a:effectStyle>
+          <a:effectLst/>
+        </a:effectStyle>
+        <a:effectStyle>
+          <a:effectLst>
+            <a:outerShdw blurRad="57150" dist="19050" dir="5400000" algn="ctr" rotWithShape="0">
+              <a:srgbClr val="000000">
+                <a:alpha val="63000"/>
+              </a:srgbClr>
+            </a:outerShdw>
+          </a:effectLst>
+        </a:effectStyle>
+      </a:effectStyleLst>
+      <a:bgFillStyleLst>
+        <a:solidFill>
+          <a:schemeClr val="phClr"/>
+        </a:solidFill>
+        <a:solidFill>
+          <a:schemeClr val="phClr">
+            <a:tint val="95000"/>
+            <a:satMod val="170000"/>
+          </a:schemeClr>
+        </a:solidFill>
+        <a:gradFill rotWithShape="1">
+          <a:gsLst>
+            <a:gs pos="0">
+              <a:schemeClr val="phClr">
+                <a:tint val="93000"/>
+                <a:satMod val="150000"/>
+                <a:shade val="98000"/>
+                <a:lumMod val="102000"/>
+              </a:schemeClr>
+            </a:gs>
+            <a:gs pos="50000">
+              <a:schemeClr val="phClr">
+                <a:tint val="98000"/>
+                <a:satMod val="130000"/>
+                <a:shade val="90000"/>
+                <a:lumMod val="103000"/>
+              </a:schemeClr>
+            </a:gs>
+            <a:gs pos="100000">
+              <a:schemeClr val="phClr">
+                <a:shade val="63000"/>
+                <a:satMod val="120000"/>
+              </a:schemeClr>
+            </a:gs>
+          </a:gsLst>
+          <a:lin ang="5400000" scaled="0"/>
+        </a:gradFill>
+      </a:bgFillStyleLst>
+    </a:fmtScheme>
+  </a:themeElements>
+  <a:objectDefaults/>
+  <a:extraClrSchemeLst/>
+  <a:extLst>
+    <a:ext uri="{05A4C25C-085E-4340-85A3-A5531E510DB2}">
+      <thm15:themeFamily xmlns:thm15="http://schemas.microsoft.com/office/thememl/2012/main" name="Office Theme" id="{62F939B6-93AF-4DB8-9C6B-D6C7DFDC589F}" vid="{4A3C46E8-61CC-4603-A589-7422A47A8E4A}"/>
+    </a:ext>
+  </a:extLst>
+</a:theme>
 </file>
--- a/pptFile/ppt.pptx
+++ b/pptFile/ppt.pptx
@@ -3929,13 +3929,7 @@
               <a:rPr lang="ko-KR" altLang="en-US" sz="4800" dirty="0" smtClean="0">
                 <a:ea typeface="KoPub돋움체 Bold" panose="02020603020101020101"/>
               </a:rPr>
-              <a:t>설정한 시간 동안 사람이 없을 </a:t>
-            </a:r>
-            <a:r>
-              <a:rPr lang="ko-KR" altLang="en-US" sz="4800" dirty="0" smtClean="0">
-                <a:ea typeface="KoPub돋움체 Bold" panose="02020603020101020101"/>
-              </a:rPr>
-              <a:t>때</a:t>
+              <a:t>설정한 시간 동안 사람이 없을 때</a:t>
             </a:r>
             <a:endParaRPr lang="en-US" altLang="ko-KR" sz="4800" dirty="0" smtClean="0">
               <a:ea typeface="KoPub돋움체 Bold" panose="02020603020101020101"/>
@@ -3973,13 +3967,7 @@
               <a:rPr lang="ko-KR" altLang="en-US" sz="4800" dirty="0" smtClean="0">
                 <a:ea typeface="KoPub돋움체 Bold" panose="02020603020101020101"/>
               </a:rPr>
-              <a:t>모바일에서 </a:t>
-            </a:r>
-            <a:r>
-              <a:rPr lang="ko-KR" altLang="en-US" sz="4800" dirty="0" smtClean="0">
-                <a:ea typeface="KoPub돋움체 Bold" panose="02020603020101020101"/>
-              </a:rPr>
-              <a:t>에어컨 온도</a:t>
+              <a:t>모바일에서 에어컨 온도</a:t>
             </a:r>
             <a:r>
               <a:rPr lang="en-US" altLang="ko-KR" sz="4800" dirty="0" smtClean="0">
@@ -4042,19 +4030,7 @@
               <a:rPr lang="ko-KR" altLang="en-US" sz="4800" dirty="0" smtClean="0">
                 <a:ea typeface="KoPub돋움체 Bold" panose="02020603020101020101"/>
               </a:rPr>
-              <a:t> </a:t>
-            </a:r>
-            <a:r>
-              <a:rPr lang="ko-KR" altLang="en-US" sz="4800" dirty="0" smtClean="0">
-                <a:ea typeface="KoPub돋움체 Bold" panose="02020603020101020101"/>
-              </a:rPr>
-              <a:t>에어컨이 </a:t>
-            </a:r>
-            <a:r>
-              <a:rPr lang="ko-KR" altLang="en-US" sz="4800" dirty="0" smtClean="0">
-                <a:ea typeface="KoPub돋움체 Bold" panose="02020603020101020101"/>
-              </a:rPr>
-              <a:t>꺼짐</a:t>
+              <a:t> 에어컨이 꺼짐</a:t>
             </a:r>
             <a:endParaRPr lang="ko-KR" altLang="en-US" sz="4800" dirty="0">
               <a:ea typeface="KoPub돋움체 Bold" panose="02020603020101020101"/>
@@ -9129,7 +9105,7 @@
         </p:nvSpPr>
         <p:spPr>
           <a:xfrm>
-            <a:off x="4792133" y="2881579"/>
+            <a:off x="3817912" y="2881579"/>
             <a:ext cx="6575839" cy="1323439"/>
           </a:xfrm>
           <a:prstGeom prst="rect">

--- a/pptFile/ppt.pptx
+++ b/pptFile/ppt.pptx
@@ -5,7 +5,7 @@
     <p:sldMasterId id="2147483648" r:id="rId1"/>
   </p:sldMasterIdLst>
   <p:notesMasterIdLst>
-    <p:notesMasterId r:id="rId33"/>
+    <p:notesMasterId r:id="rId29"/>
   </p:notesMasterIdLst>
   <p:sldIdLst>
     <p:sldId id="257" r:id="rId2"/>
@@ -17,28 +17,24 @@
     <p:sldId id="289" r:id="rId8"/>
     <p:sldId id="266" r:id="rId9"/>
     <p:sldId id="293" r:id="rId10"/>
-    <p:sldId id="290" r:id="rId11"/>
+    <p:sldId id="297" r:id="rId11"/>
     <p:sldId id="294" r:id="rId12"/>
-    <p:sldId id="287" r:id="rId13"/>
-    <p:sldId id="271" r:id="rId14"/>
-    <p:sldId id="286" r:id="rId15"/>
-    <p:sldId id="285" r:id="rId16"/>
-    <p:sldId id="280" r:id="rId17"/>
-    <p:sldId id="274" r:id="rId18"/>
-    <p:sldId id="281" r:id="rId19"/>
-    <p:sldId id="273" r:id="rId20"/>
-    <p:sldId id="283" r:id="rId21"/>
-    <p:sldId id="275" r:id="rId22"/>
-    <p:sldId id="282" r:id="rId23"/>
-    <p:sldId id="276" r:id="rId24"/>
-    <p:sldId id="284" r:id="rId25"/>
-    <p:sldId id="277" r:id="rId26"/>
-    <p:sldId id="296" r:id="rId27"/>
-    <p:sldId id="268" r:id="rId28"/>
-    <p:sldId id="295" r:id="rId29"/>
-    <p:sldId id="269" r:id="rId30"/>
-    <p:sldId id="270" r:id="rId31"/>
-    <p:sldId id="265" r:id="rId32"/>
+    <p:sldId id="280" r:id="rId13"/>
+    <p:sldId id="274" r:id="rId14"/>
+    <p:sldId id="287" r:id="rId15"/>
+    <p:sldId id="271" r:id="rId16"/>
+    <p:sldId id="283" r:id="rId17"/>
+    <p:sldId id="275" r:id="rId18"/>
+    <p:sldId id="282" r:id="rId19"/>
+    <p:sldId id="276" r:id="rId20"/>
+    <p:sldId id="281" r:id="rId21"/>
+    <p:sldId id="273" r:id="rId22"/>
+    <p:sldId id="296" r:id="rId23"/>
+    <p:sldId id="268" r:id="rId24"/>
+    <p:sldId id="295" r:id="rId25"/>
+    <p:sldId id="269" r:id="rId26"/>
+    <p:sldId id="270" r:id="rId27"/>
+    <p:sldId id="265" r:id="rId28"/>
   </p:sldIdLst>
   <p:sldSz cx="12192000" cy="6858000"/>
   <p:notesSz cx="6858000" cy="9144000"/>
@@ -560,7 +556,7 @@
           <a:p>
             <a:fld id="{AAE96162-B206-4D75-A053-176CC24B0B2A}" type="slidenum">
               <a:rPr lang="ko-KR" altLang="en-US" smtClean="0"/>
-              <a:t>28</a:t>
+              <a:t>10</a:t>
             </a:fld>
             <a:endParaRPr lang="ko-KR" altLang="en-US"/>
           </a:p>
@@ -569,7 +565,7 @@
     </p:spTree>
     <p:extLst>
       <p:ext uri="{BB962C8B-B14F-4D97-AF65-F5344CB8AC3E}">
-        <p14:creationId xmlns:p14="http://schemas.microsoft.com/office/powerpoint/2010/main" val="3001152113"/>
+        <p14:creationId xmlns:p14="http://schemas.microsoft.com/office/powerpoint/2010/main" val="3155022807"/>
       </p:ext>
     </p:extLst>
   </p:cSld>
@@ -623,6 +619,90 @@
           <a:bodyPr/>
           <a:lstStyle/>
           <a:p>
+            <a:endParaRPr lang="ko-KR" altLang="en-US" dirty="0"/>
+          </a:p>
+        </p:txBody>
+      </p:sp>
+      <p:sp>
+        <p:nvSpPr>
+          <p:cNvPr id="4" name="슬라이드 번호 개체 틀 3"/>
+          <p:cNvSpPr>
+            <a:spLocks noGrp="1"/>
+          </p:cNvSpPr>
+          <p:nvPr>
+            <p:ph type="sldNum" sz="quarter" idx="10"/>
+          </p:nvPr>
+        </p:nvSpPr>
+        <p:spPr/>
+        <p:txBody>
+          <a:bodyPr/>
+          <a:lstStyle/>
+          <a:p>
+            <a:fld id="{AAE96162-B206-4D75-A053-176CC24B0B2A}" type="slidenum">
+              <a:rPr lang="ko-KR" altLang="en-US" smtClean="0"/>
+              <a:t>24</a:t>
+            </a:fld>
+            <a:endParaRPr lang="ko-KR" altLang="en-US"/>
+          </a:p>
+        </p:txBody>
+      </p:sp>
+    </p:spTree>
+    <p:extLst>
+      <p:ext uri="{BB962C8B-B14F-4D97-AF65-F5344CB8AC3E}">
+        <p14:creationId xmlns:p14="http://schemas.microsoft.com/office/powerpoint/2010/main" val="3001152113"/>
+      </p:ext>
+    </p:extLst>
+  </p:cSld>
+  <p:clrMapOvr>
+    <a:masterClrMapping/>
+  </p:clrMapOvr>
+</p:notes>
+</file>
+
+<file path=ppt/notesSlides/notesSlide3.xml><?xml version="1.0" encoding="utf-8"?>
+<p:notes xmlns:a="http://schemas.openxmlformats.org/drawingml/2006/main" xmlns:r="http://schemas.openxmlformats.org/officeDocument/2006/relationships" xmlns:p="http://schemas.openxmlformats.org/presentationml/2006/main">
+  <p:cSld>
+    <p:spTree>
+      <p:nvGrpSpPr>
+        <p:cNvPr id="1" name=""/>
+        <p:cNvGrpSpPr/>
+        <p:nvPr/>
+      </p:nvGrpSpPr>
+      <p:grpSpPr>
+        <a:xfrm>
+          <a:off x="0" y="0"/>
+          <a:ext cx="0" cy="0"/>
+          <a:chOff x="0" y="0"/>
+          <a:chExt cx="0" cy="0"/>
+        </a:xfrm>
+      </p:grpSpPr>
+      <p:sp>
+        <p:nvSpPr>
+          <p:cNvPr id="2" name="슬라이드 이미지 개체 틀 1"/>
+          <p:cNvSpPr>
+            <a:spLocks noGrp="1" noRot="1" noChangeAspect="1"/>
+          </p:cNvSpPr>
+          <p:nvPr>
+            <p:ph type="sldImg"/>
+          </p:nvPr>
+        </p:nvSpPr>
+        <p:spPr/>
+      </p:sp>
+      <p:sp>
+        <p:nvSpPr>
+          <p:cNvPr id="3" name="슬라이드 노트 개체 틀 2"/>
+          <p:cNvSpPr>
+            <a:spLocks noGrp="1"/>
+          </p:cNvSpPr>
+          <p:nvPr>
+            <p:ph type="body" idx="1"/>
+          </p:nvPr>
+        </p:nvSpPr>
+        <p:spPr/>
+        <p:txBody>
+          <a:bodyPr/>
+          <a:lstStyle/>
+          <a:p>
             <a:pPr rtl="0"/>
             <a:r>
               <a:rPr lang="ko-KR" altLang="en-US" sz="1200" b="1" i="0" u="none" strike="noStrike" kern="1200" dirty="0" err="1" smtClean="0">
@@ -789,7 +869,7 @@
           <a:p>
             <a:fld id="{AAE96162-B206-4D75-A053-176CC24B0B2A}" type="slidenum">
               <a:rPr lang="ko-KR" altLang="en-US" smtClean="0"/>
-              <a:t>29</a:t>
+              <a:t>25</a:t>
             </a:fld>
             <a:endParaRPr lang="ko-KR" altLang="en-US"/>
           </a:p>
@@ -3907,8 +3987,8 @@
         </p:nvSpPr>
         <p:spPr>
           <a:xfrm>
-            <a:off x="1848095" y="1803707"/>
-            <a:ext cx="9719733" cy="3046988"/>
+            <a:off x="2847754" y="135317"/>
+            <a:ext cx="9719733" cy="1569660"/>
           </a:xfrm>
           <a:prstGeom prst="rect">
             <a:avLst/>
@@ -3921,151 +4001,477 @@
           </a:bodyPr>
           <a:lstStyle/>
           <a:p>
-            <a:pPr marL="285750" indent="-285750">
-              <a:buFontTx/>
-              <a:buChar char="-"/>
-            </a:pPr>
+            <a:r>
+              <a:rPr lang="en-US" altLang="ko-KR" sz="4800" dirty="0" smtClean="0">
+                <a:latin typeface="KoPubWorld돋움체_Pro Bold" panose="00000800000000000000" pitchFamily="50" charset="-127"/>
+                <a:ea typeface="KoPubWorld돋움체_Pro Bold" panose="00000800000000000000" pitchFamily="50" charset="-127"/>
+                <a:cs typeface="KoPubWorld돋움체_Pro Bold" panose="00000800000000000000" pitchFamily="50" charset="-127"/>
+              </a:rPr>
+              <a:t>1</a:t>
+            </a:r>
+            <a:r>
+              <a:rPr lang="en-US" altLang="ko-KR" sz="4800" dirty="0" smtClean="0">
+                <a:latin typeface="KoPubWorld돋움체_Pro Bold" panose="00000800000000000000" pitchFamily="50" charset="-127"/>
+                <a:ea typeface="KoPubWorld돋움체_Pro Bold" panose="00000800000000000000" pitchFamily="50" charset="-127"/>
+                <a:cs typeface="KoPubWorld돋움체_Pro Bold" panose="00000800000000000000" pitchFamily="50" charset="-127"/>
+              </a:rPr>
+              <a:t>. </a:t>
+            </a:r>
             <a:r>
               <a:rPr lang="ko-KR" altLang="en-US" sz="4800" dirty="0" smtClean="0">
-                <a:ea typeface="KoPub돋움체 Bold" panose="02020603020101020101"/>
+                <a:latin typeface="KoPubWorld돋움체_Pro Bold" panose="00000800000000000000" pitchFamily="50" charset="-127"/>
+                <a:ea typeface="KoPubWorld돋움체_Pro Bold" panose="00000800000000000000" pitchFamily="50" charset="-127"/>
+                <a:cs typeface="KoPubWorld돋움체_Pro Bold" panose="00000800000000000000" pitchFamily="50" charset="-127"/>
               </a:rPr>
-              <a:t>설정한 시간 동안 사람이 없을 </a:t>
+              <a:t>설정한 </a:t>
             </a:r>
             <a:r>
               <a:rPr lang="ko-KR" altLang="en-US" sz="4800" dirty="0" smtClean="0">
-                <a:ea typeface="KoPub돋움체 Bold" panose="02020603020101020101"/>
+                <a:latin typeface="KoPubWorld돋움체_Pro Bold" panose="00000800000000000000" pitchFamily="50" charset="-127"/>
+                <a:ea typeface="KoPubWorld돋움체_Pro Bold" panose="00000800000000000000" pitchFamily="50" charset="-127"/>
+                <a:cs typeface="KoPubWorld돋움체_Pro Bold" panose="00000800000000000000" pitchFamily="50" charset="-127"/>
               </a:rPr>
-              <a:t>때</a:t>
+              <a:t>시간 동안 사람이 없을 때</a:t>
             </a:r>
             <a:endParaRPr lang="en-US" altLang="ko-KR" sz="4800" dirty="0" smtClean="0">
-              <a:ea typeface="KoPub돋움체 Bold" panose="02020603020101020101"/>
+              <a:latin typeface="KoPubWorld돋움체_Pro Bold" panose="00000800000000000000" pitchFamily="50" charset="-127"/>
+              <a:ea typeface="KoPubWorld돋움체_Pro Bold" panose="00000800000000000000" pitchFamily="50" charset="-127"/>
+              <a:cs typeface="KoPubWorld돋움체_Pro Bold" panose="00000800000000000000" pitchFamily="50" charset="-127"/>
             </a:endParaRPr>
           </a:p>
           <a:p>
             <a:r>
               <a:rPr lang="en-US" altLang="ko-KR" sz="4800" dirty="0">
-                <a:ea typeface="KoPub돋움체 Bold" panose="02020603020101020101"/>
+                <a:latin typeface="KoPubWorld돋움체_Pro Bold" panose="00000800000000000000" pitchFamily="50" charset="-127"/>
+                <a:ea typeface="KoPubWorld돋움체_Pro Bold" panose="00000800000000000000" pitchFamily="50" charset="-127"/>
+                <a:cs typeface="KoPubWorld돋움체_Pro Bold" panose="00000800000000000000" pitchFamily="50" charset="-127"/>
               </a:rPr>
               <a:t> </a:t>
             </a:r>
             <a:r>
               <a:rPr lang="en-US" altLang="ko-KR" sz="4800" dirty="0" smtClean="0">
-                <a:ea typeface="KoPub돋움체 Bold" panose="02020603020101020101"/>
+                <a:latin typeface="KoPubWorld돋움체_Pro Bold" panose="00000800000000000000" pitchFamily="50" charset="-127"/>
+                <a:ea typeface="KoPubWorld돋움체_Pro Bold" panose="00000800000000000000" pitchFamily="50" charset="-127"/>
+                <a:cs typeface="KoPubWorld돋움체_Pro Bold" panose="00000800000000000000" pitchFamily="50" charset="-127"/>
+              </a:rPr>
+              <a:t>   </a:t>
+            </a:r>
+            <a:r>
+              <a:rPr lang="ko-KR" altLang="en-US" sz="4800" dirty="0" smtClean="0">
+                <a:latin typeface="KoPubWorld돋움체_Pro Bold" panose="00000800000000000000" pitchFamily="50" charset="-127"/>
+                <a:ea typeface="KoPubWorld돋움체_Pro Bold" panose="00000800000000000000" pitchFamily="50" charset="-127"/>
+                <a:cs typeface="KoPubWorld돋움체_Pro Bold" panose="00000800000000000000" pitchFamily="50" charset="-127"/>
+              </a:rPr>
+              <a:t>자동으로 에어컨이 꺼짐</a:t>
+            </a:r>
+          </a:p>
+        </p:txBody>
+      </p:sp>
+      <p:pic>
+        <p:nvPicPr>
+          <p:cNvPr id="2" name="그림 1"/>
+          <p:cNvPicPr>
+            <a:picLocks noChangeAspect="1"/>
+          </p:cNvPicPr>
+          <p:nvPr/>
+        </p:nvPicPr>
+        <p:blipFill>
+          <a:blip r:embed="rId3">
+            <a:clrChange>
+              <a:clrFrom>
+                <a:srgbClr val="FFFFFF"/>
+              </a:clrFrom>
+              <a:clrTo>
+                <a:srgbClr val="FFFFFF">
+                  <a:alpha val="0"/>
+                </a:srgbClr>
+              </a:clrTo>
+            </a:clrChange>
+            <a:duotone>
+              <a:schemeClr val="accent3">
+                <a:shade val="45000"/>
+                <a:satMod val="135000"/>
+              </a:schemeClr>
+              <a:prstClr val="white"/>
+            </a:duotone>
+          </a:blip>
+          <a:stretch>
+            <a:fillRect/>
+          </a:stretch>
+        </p:blipFill>
+        <p:spPr>
+          <a:xfrm>
+            <a:off x="1112299" y="133735"/>
+            <a:ext cx="1561913" cy="1561913"/>
+          </a:xfrm>
+          <a:prstGeom prst="rect">
+            <a:avLst/>
+          </a:prstGeom>
+        </p:spPr>
+      </p:pic>
+      <p:sp>
+        <p:nvSpPr>
+          <p:cNvPr id="8" name="TextBox 7"/>
+          <p:cNvSpPr txBox="1"/>
+          <p:nvPr/>
+        </p:nvSpPr>
+        <p:spPr>
+          <a:xfrm>
+            <a:off x="2050940" y="1825811"/>
+            <a:ext cx="7608583" cy="1569660"/>
+          </a:xfrm>
+          <a:prstGeom prst="rect">
+            <a:avLst/>
+          </a:prstGeom>
+          <a:noFill/>
+        </p:spPr>
+        <p:txBody>
+          <a:bodyPr wrap="square" rtlCol="0">
+            <a:spAutoFit/>
+          </a:bodyPr>
+          <a:lstStyle/>
+          <a:p>
+            <a:r>
+              <a:rPr lang="en-US" altLang="ko-KR" sz="4800" dirty="0">
+                <a:latin typeface="KoPubWorld돋움체_Pro Bold" panose="00000800000000000000" pitchFamily="50" charset="-127"/>
+                <a:ea typeface="KoPubWorld돋움체_Pro Bold" panose="00000800000000000000" pitchFamily="50" charset="-127"/>
+                <a:cs typeface="KoPubWorld돋움체_Pro Bold" panose="00000800000000000000" pitchFamily="50" charset="-127"/>
+              </a:rPr>
+              <a:t>2</a:t>
+            </a:r>
+            <a:r>
+              <a:rPr lang="en-US" altLang="ko-KR" sz="4800" dirty="0" smtClean="0">
+                <a:latin typeface="KoPubWorld돋움체_Pro Bold" panose="00000800000000000000" pitchFamily="50" charset="-127"/>
+                <a:ea typeface="KoPubWorld돋움체_Pro Bold" panose="00000800000000000000" pitchFamily="50" charset="-127"/>
+                <a:cs typeface="KoPubWorld돋움체_Pro Bold" panose="00000800000000000000" pitchFamily="50" charset="-127"/>
+              </a:rPr>
+              <a:t>.</a:t>
+            </a:r>
+            <a:r>
+              <a:rPr lang="ko-KR" altLang="en-US" sz="4800" dirty="0" smtClean="0">
+                <a:latin typeface="KoPubWorld돋움체_Pro Bold" panose="00000800000000000000" pitchFamily="50" charset="-127"/>
+                <a:ea typeface="KoPubWorld돋움체_Pro Bold" panose="00000800000000000000" pitchFamily="50" charset="-127"/>
+                <a:cs typeface="KoPubWorld돋움체_Pro Bold" panose="00000800000000000000" pitchFamily="50" charset="-127"/>
               </a:rPr>
               <a:t> </a:t>
             </a:r>
             <a:r>
               <a:rPr lang="ko-KR" altLang="en-US" sz="4800" dirty="0" smtClean="0">
-                <a:ea typeface="KoPub돋움체 Bold" panose="02020603020101020101"/>
+                <a:latin typeface="KoPubWorld돋움체_Pro Bold" panose="00000800000000000000" pitchFamily="50" charset="-127"/>
+                <a:ea typeface="KoPubWorld돋움체_Pro Bold" panose="00000800000000000000" pitchFamily="50" charset="-127"/>
+                <a:cs typeface="KoPubWorld돋움체_Pro Bold" panose="00000800000000000000" pitchFamily="50" charset="-127"/>
               </a:rPr>
-              <a:t>자동으로 에어컨이 꺼짐</a:t>
+              <a:t>시작 시간이 되었을 때 작동</a:t>
             </a:r>
             <a:endParaRPr lang="en-US" altLang="ko-KR" sz="4800" dirty="0" smtClean="0">
-              <a:ea typeface="KoPub돋움체 Bold" panose="02020603020101020101"/>
+              <a:latin typeface="KoPubWorld돋움체_Pro Bold" panose="00000800000000000000" pitchFamily="50" charset="-127"/>
+              <a:ea typeface="KoPubWorld돋움체_Pro Bold" panose="00000800000000000000" pitchFamily="50" charset="-127"/>
+              <a:cs typeface="KoPubWorld돋움체_Pro Bold" panose="00000800000000000000" pitchFamily="50" charset="-127"/>
             </a:endParaRPr>
           </a:p>
           <a:p>
-            <a:pPr marL="285750" indent="-285750">
-              <a:buFontTx/>
-              <a:buChar char="-"/>
-            </a:pPr>
+            <a:r>
+              <a:rPr lang="ko-KR" altLang="en-US" sz="4800" dirty="0">
+                <a:latin typeface="KoPubWorld돋움체_Pro Bold" panose="00000800000000000000" pitchFamily="50" charset="-127"/>
+                <a:ea typeface="KoPubWorld돋움체_Pro Bold" panose="00000800000000000000" pitchFamily="50" charset="-127"/>
+                <a:cs typeface="KoPubWorld돋움체_Pro Bold" panose="00000800000000000000" pitchFamily="50" charset="-127"/>
+              </a:rPr>
+              <a:t> </a:t>
+            </a:r>
             <a:r>
               <a:rPr lang="ko-KR" altLang="en-US" sz="4800" dirty="0" smtClean="0">
-                <a:ea typeface="KoPub돋움체 Bold" panose="02020603020101020101"/>
+                <a:latin typeface="KoPubWorld돋움체_Pro Bold" panose="00000800000000000000" pitchFamily="50" charset="-127"/>
+                <a:ea typeface="KoPubWorld돋움체_Pro Bold" panose="00000800000000000000" pitchFamily="50" charset="-127"/>
+                <a:cs typeface="KoPubWorld돋움체_Pro Bold" panose="00000800000000000000" pitchFamily="50" charset="-127"/>
               </a:rPr>
-              <a:t>모바일에서 </a:t>
+              <a:t>  </a:t>
             </a:r>
             <a:r>
               <a:rPr lang="ko-KR" altLang="en-US" sz="4800" dirty="0" smtClean="0">
-                <a:ea typeface="KoPub돋움체 Bold" panose="02020603020101020101"/>
+                <a:latin typeface="KoPubWorld돋움체_Pro Bold" panose="00000800000000000000" pitchFamily="50" charset="-127"/>
+                <a:ea typeface="KoPubWorld돋움체_Pro Bold" panose="00000800000000000000" pitchFamily="50" charset="-127"/>
+                <a:cs typeface="KoPubWorld돋움체_Pro Bold" panose="00000800000000000000" pitchFamily="50" charset="-127"/>
               </a:rPr>
-              <a:t>에어컨 온도</a:t>
-            </a:r>
+              <a:t> 종료 시간이 되었을 때 종료</a:t>
+            </a:r>
+            <a:endParaRPr lang="en-US" altLang="ko-KR" sz="4800" dirty="0" smtClean="0">
+              <a:latin typeface="KoPubWorld돋움체_Pro Bold" panose="00000800000000000000" pitchFamily="50" charset="-127"/>
+              <a:ea typeface="KoPubWorld돋움체_Pro Bold" panose="00000800000000000000" pitchFamily="50" charset="-127"/>
+              <a:cs typeface="KoPubWorld돋움체_Pro Bold" panose="00000800000000000000" pitchFamily="50" charset="-127"/>
+            </a:endParaRPr>
+          </a:p>
+        </p:txBody>
+      </p:sp>
+      <p:sp>
+        <p:nvSpPr>
+          <p:cNvPr id="10" name="TextBox 9"/>
+          <p:cNvSpPr txBox="1"/>
+          <p:nvPr/>
+        </p:nvSpPr>
+        <p:spPr>
+          <a:xfrm>
+            <a:off x="3474770" y="3601741"/>
+            <a:ext cx="9719733" cy="1569660"/>
+          </a:xfrm>
+          <a:prstGeom prst="rect">
+            <a:avLst/>
+          </a:prstGeom>
+          <a:noFill/>
+        </p:spPr>
+        <p:txBody>
+          <a:bodyPr wrap="square" rtlCol="0">
+            <a:spAutoFit/>
+          </a:bodyPr>
+          <a:lstStyle/>
+          <a:p>
             <a:r>
               <a:rPr lang="en-US" altLang="ko-KR" sz="4800" dirty="0" smtClean="0">
-                <a:ea typeface="KoPub돋움체 Bold" panose="02020603020101020101"/>
+                <a:latin typeface="KoPubWorld돋움체_Pro Bold" panose="00000800000000000000" pitchFamily="50" charset="-127"/>
+                <a:ea typeface="KoPubWorld돋움체_Pro Bold" panose="00000800000000000000" pitchFamily="50" charset="-127"/>
+                <a:cs typeface="KoPubWorld돋움체_Pro Bold" panose="00000800000000000000" pitchFamily="50" charset="-127"/>
               </a:rPr>
-              <a:t>, </a:t>
+              <a:t>3.</a:t>
+            </a:r>
+            <a:r>
+              <a:rPr lang="ko-KR" altLang="en-US" sz="4800" dirty="0">
+                <a:latin typeface="KoPubWorld돋움체_Pro Bold" panose="00000800000000000000" pitchFamily="50" charset="-127"/>
+                <a:ea typeface="KoPubWorld돋움체_Pro Bold" panose="00000800000000000000" pitchFamily="50" charset="-127"/>
+                <a:cs typeface="KoPubWorld돋움체_Pro Bold" panose="00000800000000000000" pitchFamily="50" charset="-127"/>
+              </a:rPr>
+              <a:t> 설정한 온도가 </a:t>
             </a:r>
             <a:r>
               <a:rPr lang="ko-KR" altLang="en-US" sz="4800" dirty="0" smtClean="0">
-                <a:ea typeface="KoPub돋움체 Bold" panose="02020603020101020101"/>
+                <a:latin typeface="KoPubWorld돋움체_Pro Bold" panose="00000800000000000000" pitchFamily="50" charset="-127"/>
+                <a:ea typeface="KoPubWorld돋움체_Pro Bold" panose="00000800000000000000" pitchFamily="50" charset="-127"/>
+                <a:cs typeface="KoPubWorld돋움체_Pro Bold" panose="00000800000000000000" pitchFamily="50" charset="-127"/>
               </a:rPr>
-              <a:t>온</a:t>
-            </a:r>
+              <a:t>되었을 때 </a:t>
+            </a:r>
+            <a:endParaRPr lang="en-US" altLang="ko-KR" sz="4800" dirty="0" smtClean="0">
+              <a:latin typeface="KoPubWorld돋움체_Pro Bold" panose="00000800000000000000" pitchFamily="50" charset="-127"/>
+              <a:ea typeface="KoPubWorld돋움체_Pro Bold" panose="00000800000000000000" pitchFamily="50" charset="-127"/>
+              <a:cs typeface="KoPubWorld돋움체_Pro Bold" panose="00000800000000000000" pitchFamily="50" charset="-127"/>
+            </a:endParaRPr>
+          </a:p>
+          <a:p>
+            <a:r>
+              <a:rPr lang="ko-KR" altLang="en-US" sz="4800" dirty="0" smtClean="0">
+                <a:latin typeface="KoPubWorld돋움체_Pro Bold" panose="00000800000000000000" pitchFamily="50" charset="-127"/>
+                <a:ea typeface="KoPubWorld돋움체_Pro Bold" panose="00000800000000000000" pitchFamily="50" charset="-127"/>
+                <a:cs typeface="KoPubWorld돋움체_Pro Bold" panose="00000800000000000000" pitchFamily="50" charset="-127"/>
+              </a:rPr>
+              <a:t>    에어컨이 </a:t>
+            </a:r>
+            <a:r>
+              <a:rPr lang="ko-KR" altLang="en-US" sz="4800" dirty="0" smtClean="0">
+                <a:latin typeface="KoPubWorld돋움체_Pro Bold" panose="00000800000000000000" pitchFamily="50" charset="-127"/>
+                <a:ea typeface="KoPubWorld돋움체_Pro Bold" panose="00000800000000000000" pitchFamily="50" charset="-127"/>
+                <a:cs typeface="KoPubWorld돋움체_Pro Bold" panose="00000800000000000000" pitchFamily="50" charset="-127"/>
+              </a:rPr>
+              <a:t>꺼짐</a:t>
+            </a:r>
+            <a:endParaRPr lang="ko-KR" altLang="en-US" sz="4800" dirty="0">
+              <a:latin typeface="KoPubWorld돋움체_Pro Bold" panose="00000800000000000000" pitchFamily="50" charset="-127"/>
+              <a:ea typeface="KoPubWorld돋움체_Pro Bold" panose="00000800000000000000" pitchFamily="50" charset="-127"/>
+              <a:cs typeface="KoPubWorld돋움체_Pro Bold" panose="00000800000000000000" pitchFamily="50" charset="-127"/>
+            </a:endParaRPr>
+          </a:p>
+        </p:txBody>
+      </p:sp>
+      <p:pic>
+        <p:nvPicPr>
+          <p:cNvPr id="4" name="그림 3"/>
+          <p:cNvPicPr>
+            <a:picLocks noChangeAspect="1"/>
+          </p:cNvPicPr>
+          <p:nvPr/>
+        </p:nvPicPr>
+        <p:blipFill>
+          <a:blip r:embed="rId4" cstate="print">
+            <a:duotone>
+              <a:schemeClr val="accent3">
+                <a:shade val="45000"/>
+                <a:satMod val="135000"/>
+              </a:schemeClr>
+              <a:prstClr val="white"/>
+            </a:duotone>
+            <a:extLst>
+              <a:ext uri="{28A0092B-C50C-407E-A947-70E740481C1C}">
+                <a14:useLocalDpi xmlns:a14="http://schemas.microsoft.com/office/drawing/2010/main" val="0"/>
+              </a:ext>
+            </a:extLst>
+          </a:blip>
+          <a:stretch>
+            <a:fillRect/>
+          </a:stretch>
+        </p:blipFill>
+        <p:spPr>
+          <a:xfrm>
+            <a:off x="9439533" y="1582929"/>
+            <a:ext cx="2018812" cy="2018812"/>
+          </a:xfrm>
+          <a:prstGeom prst="rect">
+            <a:avLst/>
+          </a:prstGeom>
+        </p:spPr>
+      </p:pic>
+      <p:pic>
+        <p:nvPicPr>
+          <p:cNvPr id="14" name="그림 13"/>
+          <p:cNvPicPr>
+            <a:picLocks noChangeAspect="1"/>
+          </p:cNvPicPr>
+          <p:nvPr/>
+        </p:nvPicPr>
+        <p:blipFill>
+          <a:blip r:embed="rId5">
+            <a:clrChange>
+              <a:clrFrom>
+                <a:srgbClr val="FFFFFF"/>
+              </a:clrFrom>
+              <a:clrTo>
+                <a:srgbClr val="FFFFFF">
+                  <a:alpha val="0"/>
+                </a:srgbClr>
+              </a:clrTo>
+            </a:clrChange>
+            <a:duotone>
+              <a:schemeClr val="accent3">
+                <a:shade val="45000"/>
+                <a:satMod val="135000"/>
+              </a:schemeClr>
+              <a:prstClr val="white"/>
+            </a:duotone>
+            <a:extLst>
+              <a:ext uri="{28A0092B-C50C-407E-A947-70E740481C1C}">
+                <a14:useLocalDpi xmlns:a14="http://schemas.microsoft.com/office/drawing/2010/main" val="0"/>
+              </a:ext>
+            </a:extLst>
+          </a:blip>
+          <a:stretch>
+            <a:fillRect/>
+          </a:stretch>
+        </p:blipFill>
+        <p:spPr>
+          <a:xfrm>
+            <a:off x="1800276" y="3375687"/>
+            <a:ext cx="1914627" cy="1914627"/>
+          </a:xfrm>
+          <a:prstGeom prst="rect">
+            <a:avLst/>
+          </a:prstGeom>
+        </p:spPr>
+      </p:pic>
+      <p:sp>
+        <p:nvSpPr>
+          <p:cNvPr id="11" name="TextBox 10"/>
+          <p:cNvSpPr txBox="1"/>
+          <p:nvPr/>
+        </p:nvSpPr>
+        <p:spPr>
+          <a:xfrm>
+            <a:off x="3849762" y="5496584"/>
+            <a:ext cx="7608583" cy="830997"/>
+          </a:xfrm>
+          <a:prstGeom prst="rect">
+            <a:avLst/>
+          </a:prstGeom>
+          <a:noFill/>
+        </p:spPr>
+        <p:txBody>
+          <a:bodyPr wrap="square" rtlCol="0">
+            <a:spAutoFit/>
+          </a:bodyPr>
+          <a:lstStyle/>
+          <a:p>
             <a:r>
               <a:rPr lang="en-US" altLang="ko-KR" sz="4800" dirty="0" smtClean="0">
-                <a:ea typeface="KoPub돋움체 Bold" panose="02020603020101020101"/>
+                <a:latin typeface="KoPubWorld돋움체_Pro Bold" panose="00000800000000000000" pitchFamily="50" charset="-127"/>
+                <a:ea typeface="KoPubWorld돋움체_Pro Bold" panose="00000800000000000000" pitchFamily="50" charset="-127"/>
+                <a:cs typeface="KoPubWorld돋움체_Pro Bold" panose="00000800000000000000" pitchFamily="50" charset="-127"/>
+              </a:rPr>
+              <a:t>4</a:t>
+            </a:r>
+            <a:r>
+              <a:rPr lang="en-US" altLang="ko-KR" sz="4800" dirty="0" smtClean="0">
+                <a:latin typeface="KoPubWorld돋움체_Pro Bold" panose="00000800000000000000" pitchFamily="50" charset="-127"/>
+                <a:ea typeface="KoPubWorld돋움체_Pro Bold" panose="00000800000000000000" pitchFamily="50" charset="-127"/>
+                <a:cs typeface="KoPubWorld돋움체_Pro Bold" panose="00000800000000000000" pitchFamily="50" charset="-127"/>
+              </a:rPr>
+              <a:t>.</a:t>
+            </a:r>
+            <a:r>
+              <a:rPr lang="ko-KR" altLang="en-US" sz="4800" dirty="0" smtClean="0">
+                <a:latin typeface="KoPubWorld돋움체_Pro Bold" panose="00000800000000000000" pitchFamily="50" charset="-127"/>
+                <a:ea typeface="KoPubWorld돋움체_Pro Bold" panose="00000800000000000000" pitchFamily="50" charset="-127"/>
+                <a:cs typeface="KoPubWorld돋움체_Pro Bold" panose="00000800000000000000" pitchFamily="50" charset="-127"/>
+              </a:rPr>
+              <a:t> 원격 온</a:t>
+            </a:r>
+            <a:r>
+              <a:rPr lang="en-US" altLang="ko-KR" sz="4800" dirty="0" smtClean="0">
+                <a:latin typeface="KoPubWorld돋움체_Pro Bold" panose="00000800000000000000" pitchFamily="50" charset="-127"/>
+                <a:ea typeface="KoPubWorld돋움체_Pro Bold" panose="00000800000000000000" pitchFamily="50" charset="-127"/>
+                <a:cs typeface="KoPubWorld돋움체_Pro Bold" panose="00000800000000000000" pitchFamily="50" charset="-127"/>
               </a:rPr>
               <a:t>/</a:t>
             </a:r>
             <a:r>
               <a:rPr lang="ko-KR" altLang="en-US" sz="4800" dirty="0" smtClean="0">
-                <a:ea typeface="KoPub돋움체 Bold" panose="02020603020101020101"/>
+                <a:latin typeface="KoPubWorld돋움체_Pro Bold" panose="00000800000000000000" pitchFamily="50" charset="-127"/>
+                <a:ea typeface="KoPubWorld돋움체_Pro Bold" panose="00000800000000000000" pitchFamily="50" charset="-127"/>
+                <a:cs typeface="KoPubWorld돋움체_Pro Bold" panose="00000800000000000000" pitchFamily="50" charset="-127"/>
               </a:rPr>
-              <a:t>오프</a:t>
-            </a:r>
-            <a:r>
-              <a:rPr lang="en-US" altLang="ko-KR" sz="4800" dirty="0">
-                <a:ea typeface="KoPub돋움체 Bold" panose="02020603020101020101"/>
-              </a:rPr>
-              <a:t> </a:t>
-            </a:r>
-            <a:r>
-              <a:rPr lang="ko-KR" altLang="en-US" sz="4800" dirty="0" smtClean="0">
-                <a:ea typeface="KoPub돋움체 Bold" panose="02020603020101020101"/>
-              </a:rPr>
-              <a:t>조절</a:t>
+              <a:t>오프 기능</a:t>
             </a:r>
             <a:endParaRPr lang="en-US" altLang="ko-KR" sz="4800" dirty="0" smtClean="0">
-              <a:ea typeface="KoPub돋움체 Bold" panose="02020603020101020101"/>
+              <a:latin typeface="KoPubWorld돋움체_Pro Bold" panose="00000800000000000000" pitchFamily="50" charset="-127"/>
+              <a:ea typeface="KoPubWorld돋움체_Pro Bold" panose="00000800000000000000" pitchFamily="50" charset="-127"/>
+              <a:cs typeface="KoPubWorld돋움체_Pro Bold" panose="00000800000000000000" pitchFamily="50" charset="-127"/>
             </a:endParaRPr>
           </a:p>
-          <a:p>
-            <a:pPr marL="285750" indent="-285750">
-              <a:buFontTx/>
-              <a:buChar char="-"/>
-            </a:pPr>
-            <a:r>
-              <a:rPr lang="ko-KR" altLang="en-US" sz="4800" dirty="0" smtClean="0">
-                <a:ea typeface="KoPub돋움체 Bold" panose="02020603020101020101"/>
-              </a:rPr>
-              <a:t>설정한 온도가 </a:t>
-            </a:r>
-            <a:r>
-              <a:rPr lang="ko-KR" altLang="en-US" sz="4800" dirty="0" err="1" smtClean="0">
-                <a:ea typeface="KoPub돋움체 Bold" panose="02020603020101020101"/>
-              </a:rPr>
-              <a:t>되었을때</a:t>
-            </a:r>
-            <a:r>
-              <a:rPr lang="ko-KR" altLang="en-US" sz="4800" dirty="0" smtClean="0">
-                <a:ea typeface="KoPub돋움체 Bold" panose="02020603020101020101"/>
-              </a:rPr>
-              <a:t> </a:t>
-            </a:r>
-            <a:r>
-              <a:rPr lang="ko-KR" altLang="en-US" sz="4800" dirty="0" smtClean="0">
-                <a:ea typeface="KoPub돋움체 Bold" panose="02020603020101020101"/>
-              </a:rPr>
-              <a:t>에어컨이 </a:t>
-            </a:r>
-            <a:r>
-              <a:rPr lang="ko-KR" altLang="en-US" sz="4800" dirty="0" smtClean="0">
-                <a:ea typeface="KoPub돋움체 Bold" panose="02020603020101020101"/>
-              </a:rPr>
-              <a:t>꺼짐</a:t>
-            </a:r>
-            <a:endParaRPr lang="ko-KR" altLang="en-US" sz="4800" dirty="0">
-              <a:ea typeface="KoPub돋움체 Bold" panose="02020603020101020101"/>
-            </a:endParaRPr>
-          </a:p>
-        </p:txBody>
-      </p:sp>
+        </p:txBody>
+      </p:sp>
+      <p:pic>
+        <p:nvPicPr>
+          <p:cNvPr id="7" name="그림 6"/>
+          <p:cNvPicPr>
+            <a:picLocks noChangeAspect="1"/>
+          </p:cNvPicPr>
+          <p:nvPr/>
+        </p:nvPicPr>
+        <p:blipFill>
+          <a:blip r:embed="rId6">
+            <a:clrChange>
+              <a:clrFrom>
+                <a:srgbClr val="F8FAFB"/>
+              </a:clrFrom>
+              <a:clrTo>
+                <a:srgbClr val="F8FAFB">
+                  <a:alpha val="0"/>
+                </a:srgbClr>
+              </a:clrTo>
+            </a:clrChange>
+          </a:blip>
+          <a:stretch>
+            <a:fillRect/>
+          </a:stretch>
+        </p:blipFill>
+        <p:spPr>
+          <a:xfrm>
+            <a:off x="9224581" y="5147483"/>
+            <a:ext cx="1483059" cy="1487859"/>
+          </a:xfrm>
+          <a:prstGeom prst="rect">
+            <a:avLst/>
+          </a:prstGeom>
+        </p:spPr>
+      </p:pic>
     </p:spTree>
     <p:extLst>
       <p:ext uri="{BB962C8B-B14F-4D97-AF65-F5344CB8AC3E}">
-        <p14:creationId xmlns:p14="http://schemas.microsoft.com/office/powerpoint/2010/main" val="634404379"/>
+        <p14:creationId xmlns:p14="http://schemas.microsoft.com/office/powerpoint/2010/main" val="721283799"/>
       </p:ext>
     </p:extLst>
   </p:cSld>
@@ -4075,9 +4481,390 @@
   <p:timing>
     <p:tnLst>
       <p:par>
-        <p:cTn id="1" dur="indefinite" restart="never" nodeType="tmRoot"/>
+        <p:cTn id="1" dur="indefinite" restart="never" nodeType="tmRoot">
+          <p:childTnLst>
+            <p:seq concurrent="1" nextAc="seek">
+              <p:cTn id="2" dur="indefinite" nodeType="mainSeq">
+                <p:childTnLst>
+                  <p:par>
+                    <p:cTn id="3" fill="hold">
+                      <p:stCondLst>
+                        <p:cond delay="indefinite"/>
+                      </p:stCondLst>
+                      <p:childTnLst>
+                        <p:par>
+                          <p:cTn id="4" fill="hold">
+                            <p:stCondLst>
+                              <p:cond delay="0"/>
+                            </p:stCondLst>
+                            <p:childTnLst>
+                              <p:par>
+                                <p:cTn id="5" presetID="10" presetClass="entr" presetSubtype="0" fill="hold" nodeType="clickEffect">
+                                  <p:stCondLst>
+                                    <p:cond delay="0"/>
+                                  </p:stCondLst>
+                                  <p:childTnLst>
+                                    <p:set>
+                                      <p:cBhvr>
+                                        <p:cTn id="6" dur="1" fill="hold">
+                                          <p:stCondLst>
+                                            <p:cond delay="0"/>
+                                          </p:stCondLst>
+                                        </p:cTn>
+                                        <p:tgtEl>
+                                          <p:spTgt spid="2"/>
+                                        </p:tgtEl>
+                                        <p:attrNameLst>
+                                          <p:attrName>style.visibility</p:attrName>
+                                        </p:attrNameLst>
+                                      </p:cBhvr>
+                                      <p:to>
+                                        <p:strVal val="visible"/>
+                                      </p:to>
+                                    </p:set>
+                                    <p:animEffect transition="in" filter="fade">
+                                      <p:cBhvr>
+                                        <p:cTn id="7" dur="1000"/>
+                                        <p:tgtEl>
+                                          <p:spTgt spid="2"/>
+                                        </p:tgtEl>
+                                      </p:cBhvr>
+                                    </p:animEffect>
+                                  </p:childTnLst>
+                                </p:cTn>
+                              </p:par>
+                              <p:par>
+                                <p:cTn id="8" presetID="10" presetClass="entr" presetSubtype="0" fill="hold" grpId="0" nodeType="withEffect">
+                                  <p:stCondLst>
+                                    <p:cond delay="0"/>
+                                  </p:stCondLst>
+                                  <p:childTnLst>
+                                    <p:set>
+                                      <p:cBhvr>
+                                        <p:cTn id="9" dur="1" fill="hold">
+                                          <p:stCondLst>
+                                            <p:cond delay="0"/>
+                                          </p:stCondLst>
+                                        </p:cTn>
+                                        <p:tgtEl>
+                                          <p:spTgt spid="9"/>
+                                        </p:tgtEl>
+                                        <p:attrNameLst>
+                                          <p:attrName>style.visibility</p:attrName>
+                                        </p:attrNameLst>
+                                      </p:cBhvr>
+                                      <p:to>
+                                        <p:strVal val="visible"/>
+                                      </p:to>
+                                    </p:set>
+                                    <p:animEffect transition="in" filter="fade">
+                                      <p:cBhvr>
+                                        <p:cTn id="10" dur="1000"/>
+                                        <p:tgtEl>
+                                          <p:spTgt spid="9"/>
+                                        </p:tgtEl>
+                                      </p:cBhvr>
+                                    </p:animEffect>
+                                  </p:childTnLst>
+                                </p:cTn>
+                              </p:par>
+                            </p:childTnLst>
+                          </p:cTn>
+                        </p:par>
+                      </p:childTnLst>
+                    </p:cTn>
+                  </p:par>
+                  <p:par>
+                    <p:cTn id="11" fill="hold">
+                      <p:stCondLst>
+                        <p:cond delay="indefinite"/>
+                      </p:stCondLst>
+                      <p:childTnLst>
+                        <p:par>
+                          <p:cTn id="12" fill="hold">
+                            <p:stCondLst>
+                              <p:cond delay="0"/>
+                            </p:stCondLst>
+                            <p:childTnLst>
+                              <p:par>
+                                <p:cTn id="13" presetID="10" presetClass="entr" presetSubtype="0" fill="hold" nodeType="clickEffect">
+                                  <p:stCondLst>
+                                    <p:cond delay="0"/>
+                                  </p:stCondLst>
+                                  <p:childTnLst>
+                                    <p:set>
+                                      <p:cBhvr>
+                                        <p:cTn id="14" dur="1" fill="hold">
+                                          <p:stCondLst>
+                                            <p:cond delay="0"/>
+                                          </p:stCondLst>
+                                        </p:cTn>
+                                        <p:tgtEl>
+                                          <p:spTgt spid="4"/>
+                                        </p:tgtEl>
+                                        <p:attrNameLst>
+                                          <p:attrName>style.visibility</p:attrName>
+                                        </p:attrNameLst>
+                                      </p:cBhvr>
+                                      <p:to>
+                                        <p:strVal val="visible"/>
+                                      </p:to>
+                                    </p:set>
+                                    <p:animEffect transition="in" filter="fade">
+                                      <p:cBhvr>
+                                        <p:cTn id="15" dur="1000"/>
+                                        <p:tgtEl>
+                                          <p:spTgt spid="4"/>
+                                        </p:tgtEl>
+                                      </p:cBhvr>
+                                    </p:animEffect>
+                                  </p:childTnLst>
+                                </p:cTn>
+                              </p:par>
+                              <p:par>
+                                <p:cTn id="16" presetID="10" presetClass="entr" presetSubtype="0" fill="hold" grpId="0" nodeType="withEffect">
+                                  <p:stCondLst>
+                                    <p:cond delay="0"/>
+                                  </p:stCondLst>
+                                  <p:childTnLst>
+                                    <p:set>
+                                      <p:cBhvr>
+                                        <p:cTn id="17" dur="1" fill="hold">
+                                          <p:stCondLst>
+                                            <p:cond delay="0"/>
+                                          </p:stCondLst>
+                                        </p:cTn>
+                                        <p:tgtEl>
+                                          <p:spTgt spid="8"/>
+                                        </p:tgtEl>
+                                        <p:attrNameLst>
+                                          <p:attrName>style.visibility</p:attrName>
+                                        </p:attrNameLst>
+                                      </p:cBhvr>
+                                      <p:to>
+                                        <p:strVal val="visible"/>
+                                      </p:to>
+                                    </p:set>
+                                    <p:animEffect transition="in" filter="fade">
+                                      <p:cBhvr>
+                                        <p:cTn id="18" dur="1000"/>
+                                        <p:tgtEl>
+                                          <p:spTgt spid="8"/>
+                                        </p:tgtEl>
+                                      </p:cBhvr>
+                                    </p:animEffect>
+                                  </p:childTnLst>
+                                </p:cTn>
+                              </p:par>
+                            </p:childTnLst>
+                          </p:cTn>
+                        </p:par>
+                      </p:childTnLst>
+                    </p:cTn>
+                  </p:par>
+                  <p:par>
+                    <p:cTn id="19" fill="hold">
+                      <p:stCondLst>
+                        <p:cond delay="indefinite"/>
+                      </p:stCondLst>
+                      <p:childTnLst>
+                        <p:par>
+                          <p:cTn id="20" fill="hold">
+                            <p:stCondLst>
+                              <p:cond delay="0"/>
+                            </p:stCondLst>
+                            <p:childTnLst>
+                              <p:par>
+                                <p:cTn id="21" presetID="10" presetClass="entr" presetSubtype="0" fill="hold" grpId="0" nodeType="clickEffect">
+                                  <p:stCondLst>
+                                    <p:cond delay="0"/>
+                                  </p:stCondLst>
+                                  <p:childTnLst>
+                                    <p:set>
+                                      <p:cBhvr>
+                                        <p:cTn id="22" dur="1" fill="hold">
+                                          <p:stCondLst>
+                                            <p:cond delay="0"/>
+                                          </p:stCondLst>
+                                        </p:cTn>
+                                        <p:tgtEl>
+                                          <p:spTgt spid="10"/>
+                                        </p:tgtEl>
+                                        <p:attrNameLst>
+                                          <p:attrName>style.visibility</p:attrName>
+                                        </p:attrNameLst>
+                                      </p:cBhvr>
+                                      <p:to>
+                                        <p:strVal val="visible"/>
+                                      </p:to>
+                                    </p:set>
+                                    <p:animEffect transition="in" filter="fade">
+                                      <p:cBhvr>
+                                        <p:cTn id="23" dur="1000"/>
+                                        <p:tgtEl>
+                                          <p:spTgt spid="10"/>
+                                        </p:tgtEl>
+                                      </p:cBhvr>
+                                    </p:animEffect>
+                                  </p:childTnLst>
+                                </p:cTn>
+                              </p:par>
+                              <p:par>
+                                <p:cTn id="24" presetID="10" presetClass="entr" presetSubtype="0" fill="hold" nodeType="withEffect">
+                                  <p:stCondLst>
+                                    <p:cond delay="0"/>
+                                  </p:stCondLst>
+                                  <p:childTnLst>
+                                    <p:set>
+                                      <p:cBhvr>
+                                        <p:cTn id="25" dur="1" fill="hold">
+                                          <p:stCondLst>
+                                            <p:cond delay="0"/>
+                                          </p:stCondLst>
+                                        </p:cTn>
+                                        <p:tgtEl>
+                                          <p:spTgt spid="14"/>
+                                        </p:tgtEl>
+                                        <p:attrNameLst>
+                                          <p:attrName>style.visibility</p:attrName>
+                                        </p:attrNameLst>
+                                      </p:cBhvr>
+                                      <p:to>
+                                        <p:strVal val="visible"/>
+                                      </p:to>
+                                    </p:set>
+                                    <p:animEffect transition="in" filter="fade">
+                                      <p:cBhvr>
+                                        <p:cTn id="26" dur="1000"/>
+                                        <p:tgtEl>
+                                          <p:spTgt spid="14"/>
+                                        </p:tgtEl>
+                                      </p:cBhvr>
+                                    </p:animEffect>
+                                  </p:childTnLst>
+                                </p:cTn>
+                              </p:par>
+                            </p:childTnLst>
+                          </p:cTn>
+                        </p:par>
+                      </p:childTnLst>
+                    </p:cTn>
+                  </p:par>
+                  <p:par>
+                    <p:cTn id="27" fill="hold">
+                      <p:stCondLst>
+                        <p:cond delay="indefinite"/>
+                      </p:stCondLst>
+                      <p:childTnLst>
+                        <p:par>
+                          <p:cTn id="28" fill="hold">
+                            <p:stCondLst>
+                              <p:cond delay="0"/>
+                            </p:stCondLst>
+                            <p:childTnLst>
+                              <p:par>
+                                <p:cTn id="29" presetID="10" presetClass="entr" presetSubtype="0" fill="hold" grpId="0" nodeType="clickEffect">
+                                  <p:stCondLst>
+                                    <p:cond delay="0"/>
+                                  </p:stCondLst>
+                                  <p:childTnLst>
+                                    <p:set>
+                                      <p:cBhvr>
+                                        <p:cTn id="30" dur="1" fill="hold">
+                                          <p:stCondLst>
+                                            <p:cond delay="0"/>
+                                          </p:stCondLst>
+                                        </p:cTn>
+                                        <p:tgtEl>
+                                          <p:spTgt spid="11"/>
+                                        </p:tgtEl>
+                                        <p:attrNameLst>
+                                          <p:attrName>style.visibility</p:attrName>
+                                        </p:attrNameLst>
+                                      </p:cBhvr>
+                                      <p:to>
+                                        <p:strVal val="visible"/>
+                                      </p:to>
+                                    </p:set>
+                                    <p:animEffect transition="in" filter="fade">
+                                      <p:cBhvr>
+                                        <p:cTn id="31" dur="1000"/>
+                                        <p:tgtEl>
+                                          <p:spTgt spid="11"/>
+                                        </p:tgtEl>
+                                      </p:cBhvr>
+                                    </p:animEffect>
+                                  </p:childTnLst>
+                                </p:cTn>
+                              </p:par>
+                              <p:par>
+                                <p:cTn id="32" presetID="10" presetClass="entr" presetSubtype="0" fill="hold" nodeType="withEffect">
+                                  <p:stCondLst>
+                                    <p:cond delay="0"/>
+                                  </p:stCondLst>
+                                  <p:childTnLst>
+                                    <p:set>
+                                      <p:cBhvr>
+                                        <p:cTn id="33" dur="1" fill="hold">
+                                          <p:stCondLst>
+                                            <p:cond delay="0"/>
+                                          </p:stCondLst>
+                                        </p:cTn>
+                                        <p:tgtEl>
+                                          <p:spTgt spid="7"/>
+                                        </p:tgtEl>
+                                        <p:attrNameLst>
+                                          <p:attrName>style.visibility</p:attrName>
+                                        </p:attrNameLst>
+                                      </p:cBhvr>
+                                      <p:to>
+                                        <p:strVal val="visible"/>
+                                      </p:to>
+                                    </p:set>
+                                    <p:animEffect transition="in" filter="fade">
+                                      <p:cBhvr>
+                                        <p:cTn id="34" dur="1000"/>
+                                        <p:tgtEl>
+                                          <p:spTgt spid="7"/>
+                                        </p:tgtEl>
+                                      </p:cBhvr>
+                                    </p:animEffect>
+                                  </p:childTnLst>
+                                </p:cTn>
+                              </p:par>
+                            </p:childTnLst>
+                          </p:cTn>
+                        </p:par>
+                      </p:childTnLst>
+                    </p:cTn>
+                  </p:par>
+                </p:childTnLst>
+              </p:cTn>
+              <p:prevCondLst>
+                <p:cond evt="onPrev" delay="0">
+                  <p:tgtEl>
+                    <p:sldTgt/>
+                  </p:tgtEl>
+                </p:cond>
+              </p:prevCondLst>
+              <p:nextCondLst>
+                <p:cond evt="onNext" delay="0">
+                  <p:tgtEl>
+                    <p:sldTgt/>
+                  </p:tgtEl>
+                </p:cond>
+              </p:nextCondLst>
+            </p:seq>
+          </p:childTnLst>
+        </p:cTn>
       </p:par>
     </p:tnLst>
+    <p:bldLst>
+      <p:bldP spid="9" grpId="0"/>
+      <p:bldP spid="8" grpId="0"/>
+      <p:bldP spid="10" grpId="0"/>
+      <p:bldP spid="11" grpId="0"/>
+    </p:bldLst>
   </p:timing>
 </p:sld>
 </file>
@@ -4252,12 +5039,12 @@
           <a:p>
             <a:pPr algn="ctr"/>
             <a:r>
-              <a:rPr lang="ko-KR" altLang="en-US" sz="6600" dirty="0" err="1" smtClean="0">
+              <a:rPr lang="ko-KR" altLang="en-US" sz="6600" smtClean="0">
                 <a:latin typeface="KoPubWorld돋움체 Bold" panose="00000800000000000000" pitchFamily="2" charset="-127"/>
                 <a:ea typeface="KoPubWorld돋움체 Bold" panose="00000800000000000000" pitchFamily="2" charset="-127"/>
                 <a:cs typeface="KoPubWorld돋움체 Bold" panose="00000800000000000000" pitchFamily="2" charset="-127"/>
               </a:rPr>
-              <a:t>시작화면</a:t>
+              <a:t>메뉴</a:t>
             </a:r>
             <a:endParaRPr lang="ko-KR" altLang="en-US" sz="6600" dirty="0">
               <a:latin typeface="KoPubWorld돋움체 Bold" panose="00000800000000000000" pitchFamily="2" charset="-127"/>
@@ -4270,7 +5057,7 @@
     </p:spTree>
     <p:extLst>
       <p:ext uri="{BB962C8B-B14F-4D97-AF65-F5344CB8AC3E}">
-        <p14:creationId xmlns:p14="http://schemas.microsoft.com/office/powerpoint/2010/main" val="980366472"/>
+        <p14:creationId xmlns:p14="http://schemas.microsoft.com/office/powerpoint/2010/main" val="480098790"/>
       </p:ext>
     </p:extLst>
   </p:cSld>
@@ -4306,49 +5093,38 @@
       </p:grpSpPr>
       <p:pic>
         <p:nvPicPr>
-          <p:cNvPr id="1026" name="Picture 2" descr="https://scontent-gmp1-1.xx.fbcdn.net/v/t1.15752-9/67318778_2345328899075641_4721972678280347648_n.png?_nc_cat=107&amp;_nc_oc=AQkDCCxYa8R1_Ry4qBWwvIJIZg-Z5yBWNErcOvm3xTKPwsY4UeroxsUW43L2p099mN4&amp;_nc_ht=scontent-gmp1-1.xx&amp;oh=40474e3a4b5cee8e331ca9ec48e26871&amp;oe=5DADC85E"/>
+          <p:cNvPr id="3" name="그림 2"/>
           <p:cNvPicPr>
-            <a:picLocks noChangeAspect="1" noChangeArrowheads="1"/>
+            <a:picLocks noChangeAspect="1"/>
           </p:cNvPicPr>
           <p:nvPr/>
         </p:nvPicPr>
         <p:blipFill>
-          <a:blip r:embed="rId2">
+          <a:blip r:embed="rId2" cstate="print">
             <a:extLst>
               <a:ext uri="{28A0092B-C50C-407E-A947-70E740481C1C}">
                 <a14:useLocalDpi xmlns:a14="http://schemas.microsoft.com/office/drawing/2010/main" val="0"/>
               </a:ext>
             </a:extLst>
           </a:blip>
-          <a:srcRect/>
           <a:stretch>
             <a:fillRect/>
           </a:stretch>
         </p:blipFill>
-        <p:spPr bwMode="auto">
-          <a:xfrm>
-            <a:off x="4381500" y="381000"/>
-            <a:ext cx="3429000" cy="6096001"/>
+        <p:spPr>
+          <a:xfrm>
+            <a:off x="4167188" y="0"/>
+            <a:ext cx="3857625" cy="6858000"/>
           </a:xfrm>
           <a:prstGeom prst="rect">
             <a:avLst/>
           </a:prstGeom>
-          <a:noFill/>
-          <a:extLst>
-            <a:ext uri="{909E8E84-426E-40DD-AFC4-6F175D3DCCD1}">
-              <a14:hiddenFill xmlns:a14="http://schemas.microsoft.com/office/drawing/2010/main">
-                <a:solidFill>
-                  <a:srgbClr val="FFFFFF"/>
-                </a:solidFill>
-              </a14:hiddenFill>
-            </a:ext>
-          </a:extLst>
         </p:spPr>
       </p:pic>
     </p:spTree>
     <p:extLst>
       <p:ext uri="{BB962C8B-B14F-4D97-AF65-F5344CB8AC3E}">
-        <p14:creationId xmlns:p14="http://schemas.microsoft.com/office/powerpoint/2010/main" val="3021865413"/>
+        <p14:creationId xmlns:p14="http://schemas.microsoft.com/office/powerpoint/2010/main" val="2477866943"/>
       </p:ext>
     </p:extLst>
   </p:cSld>
@@ -4358,83 +5134,7 @@
   <p:timing>
     <p:tnLst>
       <p:par>
-        <p:cTn id="1" dur="indefinite" restart="never" nodeType="tmRoot">
-          <p:childTnLst>
-            <p:seq concurrent="1" nextAc="seek">
-              <p:cTn id="2" dur="indefinite" nodeType="mainSeq">
-                <p:childTnLst>
-                  <p:par>
-                    <p:cTn id="3" fill="hold">
-                      <p:stCondLst>
-                        <p:cond delay="indefinite"/>
-                      </p:stCondLst>
-                      <p:childTnLst>
-                        <p:par>
-                          <p:cTn id="4" fill="hold">
-                            <p:stCondLst>
-                              <p:cond delay="0"/>
-                            </p:stCondLst>
-                            <p:childTnLst>
-                              <p:par>
-                                <p:cTn id="5" presetID="10" presetClass="exit" presetSubtype="0" fill="hold" nodeType="clickEffect">
-                                  <p:stCondLst>
-                                    <p:cond delay="0"/>
-                                  </p:stCondLst>
-                                  <p:childTnLst>
-                                    <p:animEffect transition="out" filter="fade">
-                                      <p:cBhvr>
-                                        <p:cTn id="6" dur="1000"/>
-                                        <p:tgtEl>
-                                          <p:spTgt spid="1026"/>
-                                        </p:tgtEl>
-                                      </p:cBhvr>
-                                    </p:animEffect>
-                                    <p:set>
-                                      <p:cBhvr>
-                                        <p:cTn id="7" dur="1" fill="hold">
-                                          <p:stCondLst>
-                                            <p:cond delay="999"/>
-                                          </p:stCondLst>
-                                        </p:cTn>
-                                        <p:tgtEl>
-                                          <p:spTgt spid="1026"/>
-                                        </p:tgtEl>
-                                        <p:attrNameLst>
-                                          <p:attrName>style.visibility</p:attrName>
-                                        </p:attrNameLst>
-                                      </p:cBhvr>
-                                      <p:to>
-                                        <p:strVal val="hidden"/>
-                                      </p:to>
-                                    </p:set>
-                                  </p:childTnLst>
-                                </p:cTn>
-                              </p:par>
-                            </p:childTnLst>
-                          </p:cTn>
-                        </p:par>
-                      </p:childTnLst>
-                    </p:cTn>
-                  </p:par>
-                </p:childTnLst>
-              </p:cTn>
-              <p:prevCondLst>
-                <p:cond evt="onPrev" delay="0">
-                  <p:tgtEl>
-                    <p:sldTgt/>
-                  </p:tgtEl>
-                </p:cond>
-              </p:prevCondLst>
-              <p:nextCondLst>
-                <p:cond evt="onNext" delay="0">
-                  <p:tgtEl>
-                    <p:sldTgt/>
-                  </p:tgtEl>
-                </p:cond>
-              </p:nextCondLst>
-            </p:seq>
-          </p:childTnLst>
-        </p:cTn>
+        <p:cTn id="1" dur="indefinite" restart="never" nodeType="tmRoot"/>
       </p:par>
     </p:tnLst>
   </p:timing>
@@ -4482,12 +5182,12 @@
           <a:p>
             <a:pPr algn="ctr"/>
             <a:r>
-              <a:rPr lang="ko-KR" altLang="en-US" sz="6600" dirty="0" err="1" smtClean="0">
+              <a:rPr lang="ko-KR" altLang="en-US" sz="6600" dirty="0" smtClean="0">
                 <a:latin typeface="KoPubWorld돋움체 Bold" panose="00000800000000000000" pitchFamily="2" charset="-127"/>
                 <a:ea typeface="KoPubWorld돋움체 Bold" panose="00000800000000000000" pitchFamily="2" charset="-127"/>
                 <a:cs typeface="KoPubWorld돋움체 Bold" panose="00000800000000000000" pitchFamily="2" charset="-127"/>
               </a:rPr>
-              <a:t>메인화면</a:t>
+              <a:t>시간설정</a:t>
             </a:r>
             <a:endParaRPr lang="ko-KR" altLang="en-US" sz="6600" dirty="0">
               <a:latin typeface="KoPubWorld돋움체 Bold" panose="00000800000000000000" pitchFamily="2" charset="-127"/>
@@ -4500,7 +5200,7 @@
     </p:spTree>
     <p:extLst>
       <p:ext uri="{BB962C8B-B14F-4D97-AF65-F5344CB8AC3E}">
-        <p14:creationId xmlns:p14="http://schemas.microsoft.com/office/powerpoint/2010/main" val="1850548577"/>
+        <p14:creationId xmlns:p14="http://schemas.microsoft.com/office/powerpoint/2010/main" val="980366472"/>
       </p:ext>
     </p:extLst>
   </p:cSld>
@@ -4536,46 +5236,28 @@
       </p:grpSpPr>
       <p:pic>
         <p:nvPicPr>
-          <p:cNvPr id="8" name="그림 7"/>
+          <p:cNvPr id="3" name="그림 2"/>
           <p:cNvPicPr>
             <a:picLocks noChangeAspect="1"/>
           </p:cNvPicPr>
           <p:nvPr/>
         </p:nvPicPr>
         <p:blipFill>
-          <a:blip r:embed="rId2"/>
+          <a:blip r:embed="rId2" cstate="print">
+            <a:extLst>
+              <a:ext uri="{28A0092B-C50C-407E-A947-70E740481C1C}">
+                <a14:useLocalDpi xmlns:a14="http://schemas.microsoft.com/office/drawing/2010/main" val="0"/>
+              </a:ext>
+            </a:extLst>
+          </a:blip>
           <a:stretch>
             <a:fillRect/>
           </a:stretch>
         </p:blipFill>
         <p:spPr>
           <a:xfrm>
-            <a:off x="2398781" y="206639"/>
-            <a:ext cx="3629775" cy="6480000"/>
-          </a:xfrm>
-          <a:prstGeom prst="rect">
-            <a:avLst/>
-          </a:prstGeom>
-        </p:spPr>
-      </p:pic>
-      <p:pic>
-        <p:nvPicPr>
-          <p:cNvPr id="9" name="그림 8"/>
-          <p:cNvPicPr>
-            <a:picLocks noChangeAspect="1"/>
-          </p:cNvPicPr>
-          <p:nvPr/>
-        </p:nvPicPr>
-        <p:blipFill>
-          <a:blip r:embed="rId3"/>
-          <a:stretch>
-            <a:fillRect/>
-          </a:stretch>
-        </p:blipFill>
-        <p:spPr>
-          <a:xfrm>
-            <a:off x="6074533" y="206639"/>
-            <a:ext cx="3652070" cy="6480000"/>
+            <a:off x="4167188" y="0"/>
+            <a:ext cx="3857625" cy="6858000"/>
           </a:xfrm>
           <a:prstGeom prst="rect">
             <a:avLst/>
@@ -4585,7 +5267,7 @@
     </p:spTree>
     <p:extLst>
       <p:ext uri="{BB962C8B-B14F-4D97-AF65-F5344CB8AC3E}">
-        <p14:creationId xmlns:p14="http://schemas.microsoft.com/office/powerpoint/2010/main" val="1763469085"/>
+        <p14:creationId xmlns:p14="http://schemas.microsoft.com/office/powerpoint/2010/main" val="3021865413"/>
       </p:ext>
     </p:extLst>
   </p:cSld>
@@ -4641,14 +5323,13 @@
           </a:bodyPr>
           <a:lstStyle/>
           <a:p>
-            <a:pPr algn="ctr"/>
-            <a:r>
-              <a:rPr lang="ko-KR" altLang="en-US" sz="6600" smtClean="0">
+            <a:r>
+              <a:rPr lang="ko-KR" altLang="en-US" sz="6600" dirty="0" err="1" smtClean="0">
                 <a:latin typeface="KoPubWorld돋움체 Bold" panose="00000800000000000000" pitchFamily="2" charset="-127"/>
                 <a:ea typeface="KoPubWorld돋움체 Bold" panose="00000800000000000000" pitchFamily="2" charset="-127"/>
                 <a:cs typeface="KoPubWorld돋움체 Bold" panose="00000800000000000000" pitchFamily="2" charset="-127"/>
               </a:rPr>
-              <a:t>메뉴</a:t>
+              <a:t>온도설정</a:t>
             </a:r>
             <a:endParaRPr lang="ko-KR" altLang="en-US" sz="6600" dirty="0">
               <a:latin typeface="KoPubWorld돋움체 Bold" panose="00000800000000000000" pitchFamily="2" charset="-127"/>
@@ -4661,7 +5342,7 @@
     </p:spTree>
     <p:extLst>
       <p:ext uri="{BB962C8B-B14F-4D97-AF65-F5344CB8AC3E}">
-        <p14:creationId xmlns:p14="http://schemas.microsoft.com/office/powerpoint/2010/main" val="480098790"/>
+        <p14:creationId xmlns:p14="http://schemas.microsoft.com/office/powerpoint/2010/main" val="953339767"/>
       </p:ext>
     </p:extLst>
   </p:cSld>
@@ -4697,22 +5378,28 @@
       </p:grpSpPr>
       <p:pic>
         <p:nvPicPr>
-          <p:cNvPr id="10" name="그림 9"/>
+          <p:cNvPr id="3" name="그림 2"/>
           <p:cNvPicPr>
             <a:picLocks noChangeAspect="1"/>
           </p:cNvPicPr>
           <p:nvPr/>
         </p:nvPicPr>
         <p:blipFill>
-          <a:blip r:embed="rId2"/>
+          <a:blip r:embed="rId2" cstate="print">
+            <a:extLst>
+              <a:ext uri="{28A0092B-C50C-407E-A947-70E740481C1C}">
+                <a14:useLocalDpi xmlns:a14="http://schemas.microsoft.com/office/drawing/2010/main" val="0"/>
+              </a:ext>
+            </a:extLst>
+          </a:blip>
           <a:stretch>
             <a:fillRect/>
           </a:stretch>
         </p:blipFill>
         <p:spPr>
           <a:xfrm>
-            <a:off x="4472655" y="500398"/>
-            <a:ext cx="3246690" cy="5857204"/>
+            <a:off x="4167188" y="0"/>
+            <a:ext cx="3857625" cy="6858000"/>
           </a:xfrm>
           <a:prstGeom prst="rect">
             <a:avLst/>
@@ -4722,7 +5409,7 @@
     </p:spTree>
     <p:extLst>
       <p:ext uri="{BB962C8B-B14F-4D97-AF65-F5344CB8AC3E}">
-        <p14:creationId xmlns:p14="http://schemas.microsoft.com/office/powerpoint/2010/main" val="2477866943"/>
+        <p14:creationId xmlns:p14="http://schemas.microsoft.com/office/powerpoint/2010/main" val="2738186380"/>
       </p:ext>
     </p:extLst>
   </p:cSld>
@@ -4764,8 +5451,8 @@
         </p:nvSpPr>
         <p:spPr>
           <a:xfrm>
-            <a:off x="4537364" y="2875002"/>
-            <a:ext cx="3117273" cy="1107996"/>
+            <a:off x="3866705" y="2875002"/>
+            <a:ext cx="4458590" cy="1107996"/>
           </a:xfrm>
           <a:prstGeom prst="rect">
             <a:avLst/>
@@ -4780,12 +5467,12 @@
           <a:p>
             <a:pPr algn="ctr"/>
             <a:r>
-              <a:rPr lang="ko-KR" altLang="en-US" sz="6600" dirty="0" smtClean="0">
+              <a:rPr lang="en-US" altLang="ko-KR" sz="6600" dirty="0" smtClean="0">
                 <a:latin typeface="KoPubWorld돋움체 Bold" panose="00000800000000000000" pitchFamily="2" charset="-127"/>
                 <a:ea typeface="KoPubWorld돋움체 Bold" panose="00000800000000000000" pitchFamily="2" charset="-127"/>
                 <a:cs typeface="KoPubWorld돋움체 Bold" panose="00000800000000000000" pitchFamily="2" charset="-127"/>
               </a:rPr>
-              <a:t>타이머</a:t>
+              <a:t>ON/OFF</a:t>
             </a:r>
             <a:endParaRPr lang="ko-KR" altLang="en-US" sz="6600" dirty="0">
               <a:latin typeface="KoPubWorld돋움체 Bold" panose="00000800000000000000" pitchFamily="2" charset="-127"/>
@@ -4798,7 +5485,7 @@
     </p:spTree>
     <p:extLst>
       <p:ext uri="{BB962C8B-B14F-4D97-AF65-F5344CB8AC3E}">
-        <p14:creationId xmlns:p14="http://schemas.microsoft.com/office/powerpoint/2010/main" val="4277213233"/>
+        <p14:creationId xmlns:p14="http://schemas.microsoft.com/office/powerpoint/2010/main" val="2155386988"/>
       </p:ext>
     </p:extLst>
   </p:cSld>
@@ -4834,22 +5521,28 @@
       </p:grpSpPr>
       <p:pic>
         <p:nvPicPr>
-          <p:cNvPr id="8" name="그림 7"/>
+          <p:cNvPr id="3" name="그림 2"/>
           <p:cNvPicPr>
             <a:picLocks noChangeAspect="1"/>
           </p:cNvPicPr>
           <p:nvPr/>
         </p:nvPicPr>
         <p:blipFill>
-          <a:blip r:embed="rId2"/>
+          <a:blip r:embed="rId2" cstate="print">
+            <a:extLst>
+              <a:ext uri="{28A0092B-C50C-407E-A947-70E740481C1C}">
+                <a14:useLocalDpi xmlns:a14="http://schemas.microsoft.com/office/drawing/2010/main" val="0"/>
+              </a:ext>
+            </a:extLst>
+          </a:blip>
           <a:stretch>
             <a:fillRect/>
           </a:stretch>
         </p:blipFill>
         <p:spPr>
           <a:xfrm>
-            <a:off x="4290753" y="209374"/>
-            <a:ext cx="3610494" cy="6439252"/>
+            <a:off x="4167188" y="0"/>
+            <a:ext cx="3857625" cy="6858000"/>
           </a:xfrm>
           <a:prstGeom prst="rect">
             <a:avLst/>
@@ -4859,7 +5552,7 @@
     </p:spTree>
     <p:extLst>
       <p:ext uri="{BB962C8B-B14F-4D97-AF65-F5344CB8AC3E}">
-        <p14:creationId xmlns:p14="http://schemas.microsoft.com/office/powerpoint/2010/main" val="669731534"/>
+        <p14:creationId xmlns:p14="http://schemas.microsoft.com/office/powerpoint/2010/main" val="3421306445"/>
       </p:ext>
     </p:extLst>
   </p:cSld>
@@ -6559,13 +7252,14 @@
           </a:bodyPr>
           <a:lstStyle/>
           <a:p>
-            <a:r>
-              <a:rPr lang="ko-KR" altLang="en-US" sz="6600" dirty="0" err="1" smtClean="0">
+            <a:pPr algn="ctr"/>
+            <a:r>
+              <a:rPr lang="ko-KR" altLang="en-US" sz="6600" dirty="0" smtClean="0">
                 <a:latin typeface="KoPubWorld돋움체 Bold" panose="00000800000000000000" pitchFamily="2" charset="-127"/>
                 <a:ea typeface="KoPubWorld돋움체 Bold" panose="00000800000000000000" pitchFamily="2" charset="-127"/>
                 <a:cs typeface="KoPubWorld돋움체 Bold" panose="00000800000000000000" pitchFamily="2" charset="-127"/>
               </a:rPr>
-              <a:t>종료온도</a:t>
+              <a:t>타이머</a:t>
             </a:r>
             <a:endParaRPr lang="ko-KR" altLang="en-US" sz="6600" dirty="0">
               <a:latin typeface="KoPubWorld돋움체 Bold" panose="00000800000000000000" pitchFamily="2" charset="-127"/>
@@ -6578,7 +7272,7 @@
     </p:spTree>
     <p:extLst>
       <p:ext uri="{BB962C8B-B14F-4D97-AF65-F5344CB8AC3E}">
-        <p14:creationId xmlns:p14="http://schemas.microsoft.com/office/powerpoint/2010/main" val="953339767"/>
+        <p14:creationId xmlns:p14="http://schemas.microsoft.com/office/powerpoint/2010/main" val="4277213233"/>
       </p:ext>
     </p:extLst>
   </p:cSld>
@@ -6614,22 +7308,28 @@
       </p:grpSpPr>
       <p:pic>
         <p:nvPicPr>
-          <p:cNvPr id="9" name="그림 8"/>
+          <p:cNvPr id="3" name="그림 2"/>
           <p:cNvPicPr>
             <a:picLocks noChangeAspect="1"/>
           </p:cNvPicPr>
           <p:nvPr/>
         </p:nvPicPr>
         <p:blipFill>
-          <a:blip r:embed="rId2"/>
+          <a:blip r:embed="rId2" cstate="print">
+            <a:extLst>
+              <a:ext uri="{28A0092B-C50C-407E-A947-70E740481C1C}">
+                <a14:useLocalDpi xmlns:a14="http://schemas.microsoft.com/office/drawing/2010/main" val="0"/>
+              </a:ext>
+            </a:extLst>
+          </a:blip>
           <a:stretch>
             <a:fillRect/>
           </a:stretch>
         </p:blipFill>
         <p:spPr>
           <a:xfrm>
-            <a:off x="4281271" y="166565"/>
-            <a:ext cx="3629459" cy="6524870"/>
+            <a:off x="4167188" y="0"/>
+            <a:ext cx="3857625" cy="6858000"/>
           </a:xfrm>
           <a:prstGeom prst="rect">
             <a:avLst/>
@@ -6639,7 +7339,7 @@
     </p:spTree>
     <p:extLst>
       <p:ext uri="{BB962C8B-B14F-4D97-AF65-F5344CB8AC3E}">
-        <p14:creationId xmlns:p14="http://schemas.microsoft.com/office/powerpoint/2010/main" val="2738186380"/>
+        <p14:creationId xmlns:p14="http://schemas.microsoft.com/office/powerpoint/2010/main" val="669731534"/>
       </p:ext>
     </p:extLst>
   </p:cSld>
@@ -6675,279 +7375,6 @@
       </p:grpSpPr>
       <p:sp>
         <p:nvSpPr>
-          <p:cNvPr id="8" name="TextBox 7"/>
-          <p:cNvSpPr txBox="1"/>
-          <p:nvPr/>
-        </p:nvSpPr>
-        <p:spPr>
-          <a:xfrm>
-            <a:off x="4537364" y="2875002"/>
-            <a:ext cx="3117273" cy="1107996"/>
-          </a:xfrm>
-          <a:prstGeom prst="rect">
-            <a:avLst/>
-          </a:prstGeom>
-          <a:noFill/>
-        </p:spPr>
-        <p:txBody>
-          <a:bodyPr wrap="square" rtlCol="0">
-            <a:spAutoFit/>
-          </a:bodyPr>
-          <a:lstStyle/>
-          <a:p>
-            <a:r>
-              <a:rPr lang="ko-KR" altLang="en-US" sz="6600" dirty="0" smtClean="0">
-                <a:latin typeface="KoPubWorld돋움체 Bold" panose="00000800000000000000" pitchFamily="2" charset="-127"/>
-                <a:ea typeface="KoPubWorld돋움체 Bold" panose="00000800000000000000" pitchFamily="2" charset="-127"/>
-                <a:cs typeface="KoPubWorld돋움체 Bold" panose="00000800000000000000" pitchFamily="2" charset="-127"/>
-              </a:rPr>
-              <a:t>업데이트</a:t>
-            </a:r>
-            <a:endParaRPr lang="ko-KR" altLang="en-US" sz="6600" dirty="0">
-              <a:latin typeface="KoPubWorld돋움체 Bold" panose="00000800000000000000" pitchFamily="2" charset="-127"/>
-              <a:ea typeface="KoPubWorld돋움체 Bold" panose="00000800000000000000" pitchFamily="2" charset="-127"/>
-              <a:cs typeface="KoPubWorld돋움체 Bold" panose="00000800000000000000" pitchFamily="2" charset="-127"/>
-            </a:endParaRPr>
-          </a:p>
-        </p:txBody>
-      </p:sp>
-    </p:spTree>
-    <p:extLst>
-      <p:ext uri="{BB962C8B-B14F-4D97-AF65-F5344CB8AC3E}">
-        <p14:creationId xmlns:p14="http://schemas.microsoft.com/office/powerpoint/2010/main" val="2155386988"/>
-      </p:ext>
-    </p:extLst>
-  </p:cSld>
-  <p:clrMapOvr>
-    <a:masterClrMapping/>
-  </p:clrMapOvr>
-  <p:timing>
-    <p:tnLst>
-      <p:par>
-        <p:cTn id="1" dur="indefinite" restart="never" nodeType="tmRoot"/>
-      </p:par>
-    </p:tnLst>
-  </p:timing>
-</p:sld>
-</file>
-
-<file path=ppt/slides/slide23.xml><?xml version="1.0" encoding="utf-8"?>
-<p:sld xmlns:a="http://schemas.openxmlformats.org/drawingml/2006/main" xmlns:r="http://schemas.openxmlformats.org/officeDocument/2006/relationships" xmlns:p="http://schemas.openxmlformats.org/presentationml/2006/main">
-  <p:cSld>
-    <p:spTree>
-      <p:nvGrpSpPr>
-        <p:cNvPr id="1" name=""/>
-        <p:cNvGrpSpPr/>
-        <p:nvPr/>
-      </p:nvGrpSpPr>
-      <p:grpSpPr>
-        <a:xfrm>
-          <a:off x="0" y="0"/>
-          <a:ext cx="0" cy="0"/>
-          <a:chOff x="0" y="0"/>
-          <a:chExt cx="0" cy="0"/>
-        </a:xfrm>
-      </p:grpSpPr>
-      <p:pic>
-        <p:nvPicPr>
-          <p:cNvPr id="10" name="그림 9"/>
-          <p:cNvPicPr>
-            <a:picLocks noChangeAspect="1"/>
-          </p:cNvPicPr>
-          <p:nvPr/>
-        </p:nvPicPr>
-        <p:blipFill>
-          <a:blip r:embed="rId2"/>
-          <a:stretch>
-            <a:fillRect/>
-          </a:stretch>
-        </p:blipFill>
-        <p:spPr>
-          <a:xfrm>
-            <a:off x="4291143" y="209199"/>
-            <a:ext cx="3609715" cy="6439603"/>
-          </a:xfrm>
-          <a:prstGeom prst="rect">
-            <a:avLst/>
-          </a:prstGeom>
-        </p:spPr>
-      </p:pic>
-    </p:spTree>
-    <p:extLst>
-      <p:ext uri="{BB962C8B-B14F-4D97-AF65-F5344CB8AC3E}">
-        <p14:creationId xmlns:p14="http://schemas.microsoft.com/office/powerpoint/2010/main" val="3421306445"/>
-      </p:ext>
-    </p:extLst>
-  </p:cSld>
-  <p:clrMapOvr>
-    <a:masterClrMapping/>
-  </p:clrMapOvr>
-  <p:timing>
-    <p:tnLst>
-      <p:par>
-        <p:cTn id="1" dur="indefinite" restart="never" nodeType="tmRoot"/>
-      </p:par>
-    </p:tnLst>
-  </p:timing>
-</p:sld>
-</file>
-
-<file path=ppt/slides/slide24.xml><?xml version="1.0" encoding="utf-8"?>
-<p:sld xmlns:a="http://schemas.openxmlformats.org/drawingml/2006/main" xmlns:r="http://schemas.openxmlformats.org/officeDocument/2006/relationships" xmlns:p="http://schemas.openxmlformats.org/presentationml/2006/main">
-  <p:cSld>
-    <p:spTree>
-      <p:nvGrpSpPr>
-        <p:cNvPr id="1" name=""/>
-        <p:cNvGrpSpPr/>
-        <p:nvPr/>
-      </p:nvGrpSpPr>
-      <p:grpSpPr>
-        <a:xfrm>
-          <a:off x="0" y="0"/>
-          <a:ext cx="0" cy="0"/>
-          <a:chOff x="0" y="0"/>
-          <a:chExt cx="0" cy="0"/>
-        </a:xfrm>
-      </p:grpSpPr>
-      <p:sp>
-        <p:nvSpPr>
-          <p:cNvPr id="8" name="TextBox 7"/>
-          <p:cNvSpPr txBox="1"/>
-          <p:nvPr/>
-        </p:nvSpPr>
-        <p:spPr>
-          <a:xfrm>
-            <a:off x="4537364" y="2875002"/>
-            <a:ext cx="3117273" cy="1107996"/>
-          </a:xfrm>
-          <a:prstGeom prst="rect">
-            <a:avLst/>
-          </a:prstGeom>
-          <a:noFill/>
-        </p:spPr>
-        <p:txBody>
-          <a:bodyPr wrap="square" rtlCol="0">
-            <a:spAutoFit/>
-          </a:bodyPr>
-          <a:lstStyle/>
-          <a:p>
-            <a:pPr algn="ctr"/>
-            <a:r>
-              <a:rPr lang="ko-KR" altLang="en-US" sz="6600" dirty="0" smtClean="0">
-                <a:latin typeface="KoPubWorld돋움체 Bold" panose="00000800000000000000" pitchFamily="2" charset="-127"/>
-                <a:ea typeface="KoPubWorld돋움체 Bold" panose="00000800000000000000" pitchFamily="2" charset="-127"/>
-                <a:cs typeface="KoPubWorld돋움체 Bold" panose="00000800000000000000" pitchFamily="2" charset="-127"/>
-              </a:rPr>
-              <a:t>도움말</a:t>
-            </a:r>
-            <a:endParaRPr lang="ko-KR" altLang="en-US" sz="6600" dirty="0">
-              <a:latin typeface="KoPubWorld돋움체 Bold" panose="00000800000000000000" pitchFamily="2" charset="-127"/>
-              <a:ea typeface="KoPubWorld돋움체 Bold" panose="00000800000000000000" pitchFamily="2" charset="-127"/>
-              <a:cs typeface="KoPubWorld돋움체 Bold" panose="00000800000000000000" pitchFamily="2" charset="-127"/>
-            </a:endParaRPr>
-          </a:p>
-        </p:txBody>
-      </p:sp>
-    </p:spTree>
-    <p:extLst>
-      <p:ext uri="{BB962C8B-B14F-4D97-AF65-F5344CB8AC3E}">
-        <p14:creationId xmlns:p14="http://schemas.microsoft.com/office/powerpoint/2010/main" val="3193727258"/>
-      </p:ext>
-    </p:extLst>
-  </p:cSld>
-  <p:clrMapOvr>
-    <a:masterClrMapping/>
-  </p:clrMapOvr>
-  <p:timing>
-    <p:tnLst>
-      <p:par>
-        <p:cTn id="1" dur="indefinite" restart="never" nodeType="tmRoot"/>
-      </p:par>
-    </p:tnLst>
-  </p:timing>
-</p:sld>
-</file>
-
-<file path=ppt/slides/slide25.xml><?xml version="1.0" encoding="utf-8"?>
-<p:sld xmlns:a="http://schemas.openxmlformats.org/drawingml/2006/main" xmlns:r="http://schemas.openxmlformats.org/officeDocument/2006/relationships" xmlns:p="http://schemas.openxmlformats.org/presentationml/2006/main">
-  <p:cSld>
-    <p:spTree>
-      <p:nvGrpSpPr>
-        <p:cNvPr id="1" name=""/>
-        <p:cNvGrpSpPr/>
-        <p:nvPr/>
-      </p:nvGrpSpPr>
-      <p:grpSpPr>
-        <a:xfrm>
-          <a:off x="0" y="0"/>
-          <a:ext cx="0" cy="0"/>
-          <a:chOff x="0" y="0"/>
-          <a:chExt cx="0" cy="0"/>
-        </a:xfrm>
-      </p:grpSpPr>
-      <p:pic>
-        <p:nvPicPr>
-          <p:cNvPr id="8" name="그림 7"/>
-          <p:cNvPicPr>
-            <a:picLocks noChangeAspect="1"/>
-          </p:cNvPicPr>
-          <p:nvPr/>
-        </p:nvPicPr>
-        <p:blipFill>
-          <a:blip r:embed="rId2"/>
-          <a:stretch>
-            <a:fillRect/>
-          </a:stretch>
-        </p:blipFill>
-        <p:spPr>
-          <a:xfrm>
-            <a:off x="4348942" y="313153"/>
-            <a:ext cx="3494117" cy="6231695"/>
-          </a:xfrm>
-          <a:prstGeom prst="rect">
-            <a:avLst/>
-          </a:prstGeom>
-        </p:spPr>
-      </p:pic>
-    </p:spTree>
-    <p:extLst>
-      <p:ext uri="{BB962C8B-B14F-4D97-AF65-F5344CB8AC3E}">
-        <p14:creationId xmlns:p14="http://schemas.microsoft.com/office/powerpoint/2010/main" val="2027731967"/>
-      </p:ext>
-    </p:extLst>
-  </p:cSld>
-  <p:clrMapOvr>
-    <a:masterClrMapping/>
-  </p:clrMapOvr>
-  <p:timing>
-    <p:tnLst>
-      <p:par>
-        <p:cTn id="1" dur="indefinite" restart="never" nodeType="tmRoot"/>
-      </p:par>
-    </p:tnLst>
-  </p:timing>
-</p:sld>
-</file>
-
-<file path=ppt/slides/slide26.xml><?xml version="1.0" encoding="utf-8"?>
-<p:sld xmlns:a="http://schemas.openxmlformats.org/drawingml/2006/main" xmlns:r="http://schemas.openxmlformats.org/officeDocument/2006/relationships" xmlns:p="http://schemas.openxmlformats.org/presentationml/2006/main">
-  <p:cSld>
-    <p:spTree>
-      <p:nvGrpSpPr>
-        <p:cNvPr id="1" name=""/>
-        <p:cNvGrpSpPr/>
-        <p:nvPr/>
-      </p:nvGrpSpPr>
-      <p:grpSpPr>
-        <a:xfrm>
-          <a:off x="0" y="0"/>
-          <a:ext cx="0" cy="0"/>
-          <a:chOff x="0" y="0"/>
-          <a:chExt cx="0" cy="0"/>
-        </a:xfrm>
-      </p:grpSpPr>
-      <p:sp>
-        <p:nvSpPr>
           <p:cNvPr id="5" name="평행 사변형 4"/>
           <p:cNvSpPr/>
           <p:nvPr/>
@@ -7066,7 +7493,7 @@
 </p:sld>
 </file>
 
-<file path=ppt/slides/slide27.xml><?xml version="1.0" encoding="utf-8"?>
+<file path=ppt/slides/slide23.xml><?xml version="1.0" encoding="utf-8"?>
 <p:sld xmlns:a="http://schemas.openxmlformats.org/drawingml/2006/main" xmlns:r="http://schemas.openxmlformats.org/officeDocument/2006/relationships" xmlns:p="http://schemas.openxmlformats.org/presentationml/2006/main">
   <p:cSld>
     <p:spTree>
@@ -7396,7 +7823,7 @@
 </p:sld>
 </file>
 
-<file path=ppt/slides/slide28.xml><?xml version="1.0" encoding="utf-8"?>
+<file path=ppt/slides/slide24.xml><?xml version="1.0" encoding="utf-8"?>
 <p:sld xmlns:a="http://schemas.openxmlformats.org/drawingml/2006/main" xmlns:r="http://schemas.openxmlformats.org/officeDocument/2006/relationships" xmlns:p="http://schemas.openxmlformats.org/presentationml/2006/main">
   <p:cSld>
     <p:spTree>
@@ -7533,7 +7960,7 @@
 </p:sld>
 </file>
 
-<file path=ppt/slides/slide29.xml><?xml version="1.0" encoding="utf-8"?>
+<file path=ppt/slides/slide25.xml><?xml version="1.0" encoding="utf-8"?>
 <p:sld xmlns:a="http://schemas.openxmlformats.org/drawingml/2006/main" xmlns:r="http://schemas.openxmlformats.org/officeDocument/2006/relationships" xmlns:p="http://schemas.openxmlformats.org/presentationml/2006/main">
   <p:cSld>
     <p:spTree>
@@ -7700,131 +8127,7 @@
 </p:sld>
 </file>
 
-<file path=ppt/slides/slide3.xml><?xml version="1.0" encoding="utf-8"?>
-<p:sld xmlns:a="http://schemas.openxmlformats.org/drawingml/2006/main" xmlns:r="http://schemas.openxmlformats.org/officeDocument/2006/relationships" xmlns:p="http://schemas.openxmlformats.org/presentationml/2006/main">
-  <p:cSld>
-    <p:spTree>
-      <p:nvGrpSpPr>
-        <p:cNvPr id="1" name=""/>
-        <p:cNvGrpSpPr/>
-        <p:nvPr/>
-      </p:nvGrpSpPr>
-      <p:grpSpPr>
-        <a:xfrm>
-          <a:off x="0" y="0"/>
-          <a:ext cx="0" cy="0"/>
-          <a:chOff x="0" y="0"/>
-          <a:chExt cx="0" cy="0"/>
-        </a:xfrm>
-      </p:grpSpPr>
-      <p:sp>
-        <p:nvSpPr>
-          <p:cNvPr id="5" name="평행 사변형 4"/>
-          <p:cNvSpPr/>
-          <p:nvPr/>
-        </p:nvSpPr>
-        <p:spPr>
-          <a:xfrm>
-            <a:off x="-5098104" y="-93134"/>
-            <a:ext cx="9672941" cy="7272867"/>
-          </a:xfrm>
-          <a:prstGeom prst="parallelogram">
-            <a:avLst/>
-          </a:prstGeom>
-          <a:solidFill>
-            <a:srgbClr val="F67280"/>
-          </a:solidFill>
-          <a:ln>
-            <a:noFill/>
-          </a:ln>
-        </p:spPr>
-        <p:style>
-          <a:lnRef idx="2">
-            <a:schemeClr val="accent1">
-              <a:shade val="50000"/>
-            </a:schemeClr>
-          </a:lnRef>
-          <a:fillRef idx="1">
-            <a:schemeClr val="accent1"/>
-          </a:fillRef>
-          <a:effectRef idx="0">
-            <a:schemeClr val="accent1"/>
-          </a:effectRef>
-          <a:fontRef idx="minor">
-            <a:schemeClr val="lt1"/>
-          </a:fontRef>
-        </p:style>
-        <p:txBody>
-          <a:bodyPr rtlCol="0" anchor="ctr"/>
-          <a:lstStyle/>
-          <a:p>
-            <a:pPr algn="ctr"/>
-            <a:endParaRPr lang="ko-KR" altLang="en-US"/>
-          </a:p>
-        </p:txBody>
-      </p:sp>
-      <p:sp>
-        <p:nvSpPr>
-          <p:cNvPr id="6" name="TextBox 5"/>
-          <p:cNvSpPr txBox="1"/>
-          <p:nvPr/>
-        </p:nvSpPr>
-        <p:spPr>
-          <a:xfrm>
-            <a:off x="4792133" y="2881579"/>
-            <a:ext cx="5445722" cy="1323439"/>
-          </a:xfrm>
-          <a:prstGeom prst="rect">
-            <a:avLst/>
-          </a:prstGeom>
-          <a:noFill/>
-        </p:spPr>
-        <p:txBody>
-          <a:bodyPr wrap="none" rtlCol="0">
-            <a:spAutoFit/>
-          </a:bodyPr>
-          <a:lstStyle/>
-          <a:p>
-            <a:pPr marL="1371600" indent="-1371600">
-              <a:buAutoNum type="arabicPeriod"/>
-            </a:pPr>
-            <a:r>
-              <a:rPr lang="ko-KR" altLang="en-US" sz="8000" b="1" dirty="0" smtClean="0">
-                <a:latin typeface="KoPubWorld돋움체 Bold" panose="00000800000000000000" pitchFamily="2" charset="-127"/>
-                <a:ea typeface="KoPubWorld돋움체 Bold" panose="00000800000000000000" pitchFamily="2" charset="-127"/>
-                <a:cs typeface="KoPubWorld돋움체 Bold" panose="00000800000000000000" pitchFamily="2" charset="-127"/>
-              </a:rPr>
-              <a:t>팀원 역할</a:t>
-            </a:r>
-            <a:endParaRPr lang="en-US" altLang="ko-KR" sz="8000" b="1" dirty="0" smtClean="0">
-              <a:latin typeface="KoPubWorld돋움체 Bold" panose="00000800000000000000" pitchFamily="2" charset="-127"/>
-              <a:ea typeface="KoPubWorld돋움체 Bold" panose="00000800000000000000" pitchFamily="2" charset="-127"/>
-              <a:cs typeface="KoPubWorld돋움체 Bold" panose="00000800000000000000" pitchFamily="2" charset="-127"/>
-            </a:endParaRPr>
-          </a:p>
-        </p:txBody>
-      </p:sp>
-    </p:spTree>
-    <p:extLst>
-      <p:ext uri="{BB962C8B-B14F-4D97-AF65-F5344CB8AC3E}">
-        <p14:creationId xmlns:p14="http://schemas.microsoft.com/office/powerpoint/2010/main" val="697046208"/>
-      </p:ext>
-    </p:extLst>
-  </p:cSld>
-  <p:clrMapOvr>
-    <a:masterClrMapping/>
-  </p:clrMapOvr>
-  <p:timing>
-    <p:tnLst>
-      <p:par>
-        <p:cTn id="1" dur="indefinite" restart="never" nodeType="tmRoot"/>
-      </p:par>
-    </p:tnLst>
-  </p:timing>
-</p:sld>
-</file>
-
-<file path=ppt/slides/slide30.xml><?xml version="1.0" encoding="utf-8"?>
+<file path=ppt/slides/slide26.xml><?xml version="1.0" encoding="utf-8"?>
 <p:sld xmlns:a="http://schemas.openxmlformats.org/drawingml/2006/main" xmlns:r="http://schemas.openxmlformats.org/officeDocument/2006/relationships" xmlns:p="http://schemas.openxmlformats.org/presentationml/2006/main">
   <p:cSld>
     <p:spTree>
@@ -8023,7 +8326,7 @@
 </p:sld>
 </file>
 
-<file path=ppt/slides/slide31.xml><?xml version="1.0" encoding="utf-8"?>
+<file path=ppt/slides/slide27.xml><?xml version="1.0" encoding="utf-8"?>
 <p:sld xmlns:a="http://schemas.openxmlformats.org/drawingml/2006/main" xmlns:r="http://schemas.openxmlformats.org/officeDocument/2006/relationships" xmlns:p="http://schemas.openxmlformats.org/presentationml/2006/main">
   <p:cSld>
     <p:spTree>
@@ -8132,6 +8435,130 @@
     <p:extLst>
       <p:ext uri="{BB962C8B-B14F-4D97-AF65-F5344CB8AC3E}">
         <p14:creationId xmlns:p14="http://schemas.microsoft.com/office/powerpoint/2010/main" val="3737946906"/>
+      </p:ext>
+    </p:extLst>
+  </p:cSld>
+  <p:clrMapOvr>
+    <a:masterClrMapping/>
+  </p:clrMapOvr>
+  <p:timing>
+    <p:tnLst>
+      <p:par>
+        <p:cTn id="1" dur="indefinite" restart="never" nodeType="tmRoot"/>
+      </p:par>
+    </p:tnLst>
+  </p:timing>
+</p:sld>
+</file>
+
+<file path=ppt/slides/slide3.xml><?xml version="1.0" encoding="utf-8"?>
+<p:sld xmlns:a="http://schemas.openxmlformats.org/drawingml/2006/main" xmlns:r="http://schemas.openxmlformats.org/officeDocument/2006/relationships" xmlns:p="http://schemas.openxmlformats.org/presentationml/2006/main">
+  <p:cSld>
+    <p:spTree>
+      <p:nvGrpSpPr>
+        <p:cNvPr id="1" name=""/>
+        <p:cNvGrpSpPr/>
+        <p:nvPr/>
+      </p:nvGrpSpPr>
+      <p:grpSpPr>
+        <a:xfrm>
+          <a:off x="0" y="0"/>
+          <a:ext cx="0" cy="0"/>
+          <a:chOff x="0" y="0"/>
+          <a:chExt cx="0" cy="0"/>
+        </a:xfrm>
+      </p:grpSpPr>
+      <p:sp>
+        <p:nvSpPr>
+          <p:cNvPr id="5" name="평행 사변형 4"/>
+          <p:cNvSpPr/>
+          <p:nvPr/>
+        </p:nvSpPr>
+        <p:spPr>
+          <a:xfrm>
+            <a:off x="-5098104" y="-93134"/>
+            <a:ext cx="9672941" cy="7272867"/>
+          </a:xfrm>
+          <a:prstGeom prst="parallelogram">
+            <a:avLst/>
+          </a:prstGeom>
+          <a:solidFill>
+            <a:srgbClr val="F67280"/>
+          </a:solidFill>
+          <a:ln>
+            <a:noFill/>
+          </a:ln>
+        </p:spPr>
+        <p:style>
+          <a:lnRef idx="2">
+            <a:schemeClr val="accent1">
+              <a:shade val="50000"/>
+            </a:schemeClr>
+          </a:lnRef>
+          <a:fillRef idx="1">
+            <a:schemeClr val="accent1"/>
+          </a:fillRef>
+          <a:effectRef idx="0">
+            <a:schemeClr val="accent1"/>
+          </a:effectRef>
+          <a:fontRef idx="minor">
+            <a:schemeClr val="lt1"/>
+          </a:fontRef>
+        </p:style>
+        <p:txBody>
+          <a:bodyPr rtlCol="0" anchor="ctr"/>
+          <a:lstStyle/>
+          <a:p>
+            <a:pPr algn="ctr"/>
+            <a:endParaRPr lang="ko-KR" altLang="en-US"/>
+          </a:p>
+        </p:txBody>
+      </p:sp>
+      <p:sp>
+        <p:nvSpPr>
+          <p:cNvPr id="6" name="TextBox 5"/>
+          <p:cNvSpPr txBox="1"/>
+          <p:nvPr/>
+        </p:nvSpPr>
+        <p:spPr>
+          <a:xfrm>
+            <a:off x="4792133" y="2881579"/>
+            <a:ext cx="5445722" cy="1323439"/>
+          </a:xfrm>
+          <a:prstGeom prst="rect">
+            <a:avLst/>
+          </a:prstGeom>
+          <a:noFill/>
+        </p:spPr>
+        <p:txBody>
+          <a:bodyPr wrap="none" rtlCol="0">
+            <a:spAutoFit/>
+          </a:bodyPr>
+          <a:lstStyle/>
+          <a:p>
+            <a:pPr marL="1371600" indent="-1371600">
+              <a:buAutoNum type="arabicPeriod"/>
+            </a:pPr>
+            <a:r>
+              <a:rPr lang="ko-KR" altLang="en-US" sz="8000" b="1" dirty="0" smtClean="0">
+                <a:latin typeface="KoPubWorld돋움체 Bold" panose="00000800000000000000" pitchFamily="2" charset="-127"/>
+                <a:ea typeface="KoPubWorld돋움체 Bold" panose="00000800000000000000" pitchFamily="2" charset="-127"/>
+                <a:cs typeface="KoPubWorld돋움체 Bold" panose="00000800000000000000" pitchFamily="2" charset="-127"/>
+              </a:rPr>
+              <a:t>팀원 역할</a:t>
+            </a:r>
+            <a:endParaRPr lang="en-US" altLang="ko-KR" sz="8000" b="1" dirty="0" smtClean="0">
+              <a:latin typeface="KoPubWorld돋움체 Bold" panose="00000800000000000000" pitchFamily="2" charset="-127"/>
+              <a:ea typeface="KoPubWorld돋움체 Bold" panose="00000800000000000000" pitchFamily="2" charset="-127"/>
+              <a:cs typeface="KoPubWorld돋움체 Bold" panose="00000800000000000000" pitchFamily="2" charset="-127"/>
+            </a:endParaRPr>
+          </a:p>
+        </p:txBody>
+      </p:sp>
+    </p:spTree>
+    <p:extLst>
+      <p:ext uri="{BB962C8B-B14F-4D97-AF65-F5344CB8AC3E}">
+        <p14:creationId xmlns:p14="http://schemas.microsoft.com/office/powerpoint/2010/main" val="697046208"/>
       </p:ext>
     </p:extLst>
   </p:cSld>
@@ -8548,11 +8975,26 @@
               <a:t>아두이노</a:t>
             </a:r>
             <a:r>
+              <a:rPr lang="ko-KR" altLang="en-US" sz="2800" dirty="0" smtClean="0">
+                <a:ea typeface="KoPub돋움체 Bold" panose="02020603020101020101"/>
+              </a:rPr>
+              <a:t> </a:t>
+            </a:r>
+            <a:r>
+              <a:rPr lang="ko-KR" altLang="en-US" sz="2800" dirty="0" smtClean="0">
+                <a:ea typeface="KoPub돋움체 Bold" panose="02020603020101020101"/>
+              </a:rPr>
+              <a:t>개발</a:t>
+            </a:r>
+            <a:r>
               <a:rPr lang="en-US" altLang="ko-KR" sz="2800" dirty="0" smtClean="0">
                 <a:ea typeface="KoPub돋움체 Bold" panose="02020603020101020101"/>
               </a:rPr>
               <a:t>,</a:t>
             </a:r>
+            <a:endParaRPr lang="en-US" altLang="ko-KR" sz="2800" dirty="0" smtClean="0">
+              <a:ea typeface="KoPub돋움체 Bold" panose="02020603020101020101"/>
+            </a:endParaRPr>
           </a:p>
           <a:p>
             <a:pPr algn="ctr"/>
@@ -8575,7 +9017,25 @@
               <a:rPr lang="ko-KR" altLang="en-US" sz="2800" dirty="0" smtClean="0">
                 <a:ea typeface="KoPub돋움체 Bold" panose="02020603020101020101"/>
               </a:rPr>
-              <a:t>하드웨어 제작</a:t>
+              <a:t>하드웨어 </a:t>
+            </a:r>
+            <a:r>
+              <a:rPr lang="ko-KR" altLang="en-US" sz="2800" dirty="0" smtClean="0">
+                <a:ea typeface="KoPub돋움체 Bold" panose="02020603020101020101"/>
+              </a:rPr>
+              <a:t>제작</a:t>
+            </a:r>
+            <a:r>
+              <a:rPr lang="en-US" altLang="ko-KR" sz="2800" dirty="0" smtClean="0">
+                <a:ea typeface="KoPub돋움체 Bold" panose="02020603020101020101"/>
+              </a:rPr>
+              <a:t>, </a:t>
+            </a:r>
+            <a:r>
+              <a:rPr lang="ko-KR" altLang="en-US" sz="2800" dirty="0" smtClean="0">
+                <a:ea typeface="KoPub돋움체 Bold" panose="02020603020101020101"/>
+              </a:rPr>
+              <a:t>발표</a:t>
             </a:r>
             <a:endParaRPr lang="ko-KR" altLang="en-US" sz="2800" dirty="0">
               <a:ea typeface="KoPub돋움체 Bold" panose="02020603020101020101"/>
@@ -8591,7 +9051,7 @@
         </p:nvSpPr>
         <p:spPr>
           <a:xfrm>
-            <a:off x="5916469" y="2375801"/>
+            <a:off x="5672978" y="2375801"/>
             <a:ext cx="2323072" cy="523220"/>
           </a:xfrm>
           <a:prstGeom prst="rect">
@@ -8742,8 +9202,8 @@
         </p:nvSpPr>
         <p:spPr>
           <a:xfrm>
-            <a:off x="5282648" y="5641543"/>
-            <a:ext cx="3103734" cy="954107"/>
+            <a:off x="5697023" y="5641543"/>
+            <a:ext cx="2274982" cy="954107"/>
           </a:xfrm>
           <a:prstGeom prst="rect">
             <a:avLst/>
@@ -8761,19 +9221,13 @@
               <a:rPr lang="ko-KR" altLang="en-US" sz="2800" dirty="0" smtClean="0">
                 <a:ea typeface="KoPub돋움체 Bold" panose="02020603020101020101"/>
               </a:rPr>
-              <a:t>발표</a:t>
-            </a:r>
-            <a:r>
-              <a:rPr lang="en-US" altLang="ko-KR" sz="2800" dirty="0" smtClean="0">
-                <a:ea typeface="KoPub돋움체 Bold" panose="02020603020101020101"/>
-              </a:rPr>
-              <a:t>, </a:t>
+              <a:t>하드웨어 </a:t>
             </a:r>
             <a:r>
               <a:rPr lang="ko-KR" altLang="en-US" sz="2800" dirty="0" smtClean="0">
                 <a:ea typeface="KoPub돋움체 Bold" panose="02020603020101020101"/>
               </a:rPr>
-              <a:t>하드웨어 제작</a:t>
+              <a:t>제작</a:t>
             </a:r>
             <a:r>
               <a:rPr lang="en-US" altLang="ko-KR" sz="2800" dirty="0" smtClean="0">
@@ -9707,6 +10161,13 @@
   <p:clrMapOvr>
     <a:masterClrMapping/>
   </p:clrMapOvr>
+  <p:timing>
+    <p:tnLst>
+      <p:par>
+        <p:cTn id="1" dur="indefinite" restart="never" nodeType="tmRoot"/>
+      </p:par>
+    </p:tnLst>
+  </p:timing>
 </p:sld>
 </file>
 
